--- a/examples/presentations/Practical Algorithm Analysis for Oracle Developers - Collaborate - 2019_281_Heller.pptx
+++ b/examples/presentations/Practical Algorithm Analysis for Oracle Developers - Collaborate - 2019_281_Heller.pptx
@@ -7,7 +7,7 @@
     <p:sldMasterId id="2147483668" r:id="rId3"/>
   </p:sldMasterIdLst>
   <p:notesMasterIdLst>
-    <p:notesMasterId r:id="rId53"/>
+    <p:notesMasterId r:id="rId55"/>
   </p:notesMasterIdLst>
   <p:sldIdLst>
     <p:sldId id="304" r:id="rId4"/>
@@ -17,48 +17,50 @@
     <p:sldId id="283" r:id="rId8"/>
     <p:sldId id="284" r:id="rId9"/>
     <p:sldId id="258" r:id="rId10"/>
-    <p:sldId id="288" r:id="rId11"/>
-    <p:sldId id="286" r:id="rId12"/>
-    <p:sldId id="257" r:id="rId13"/>
-    <p:sldId id="259" r:id="rId14"/>
-    <p:sldId id="260" r:id="rId15"/>
-    <p:sldId id="261" r:id="rId16"/>
-    <p:sldId id="289" r:id="rId17"/>
-    <p:sldId id="291" r:id="rId18"/>
-    <p:sldId id="290" r:id="rId19"/>
-    <p:sldId id="294" r:id="rId20"/>
-    <p:sldId id="295" r:id="rId21"/>
-    <p:sldId id="297" r:id="rId22"/>
-    <p:sldId id="296" r:id="rId23"/>
-    <p:sldId id="263" r:id="rId24"/>
-    <p:sldId id="264" r:id="rId25"/>
-    <p:sldId id="265" r:id="rId26"/>
-    <p:sldId id="298" r:id="rId27"/>
-    <p:sldId id="278" r:id="rId28"/>
-    <p:sldId id="299" r:id="rId29"/>
-    <p:sldId id="302" r:id="rId30"/>
-    <p:sldId id="301" r:id="rId31"/>
-    <p:sldId id="300" r:id="rId32"/>
-    <p:sldId id="303" r:id="rId33"/>
-    <p:sldId id="266" r:id="rId34"/>
-    <p:sldId id="267" r:id="rId35"/>
-    <p:sldId id="269" r:id="rId36"/>
-    <p:sldId id="270" r:id="rId37"/>
-    <p:sldId id="306" r:id="rId38"/>
-    <p:sldId id="308" r:id="rId39"/>
-    <p:sldId id="307" r:id="rId40"/>
-    <p:sldId id="280" r:id="rId41"/>
-    <p:sldId id="309" r:id="rId42"/>
-    <p:sldId id="310" r:id="rId43"/>
-    <p:sldId id="272" r:id="rId44"/>
-    <p:sldId id="273" r:id="rId45"/>
-    <p:sldId id="274" r:id="rId46"/>
-    <p:sldId id="275" r:id="rId47"/>
-    <p:sldId id="276" r:id="rId48"/>
-    <p:sldId id="281" r:id="rId49"/>
-    <p:sldId id="277" r:id="rId50"/>
-    <p:sldId id="311" r:id="rId51"/>
-    <p:sldId id="305" r:id="rId52"/>
+    <p:sldId id="312" r:id="rId11"/>
+    <p:sldId id="288" r:id="rId12"/>
+    <p:sldId id="286" r:id="rId13"/>
+    <p:sldId id="257" r:id="rId14"/>
+    <p:sldId id="259" r:id="rId15"/>
+    <p:sldId id="260" r:id="rId16"/>
+    <p:sldId id="261" r:id="rId17"/>
+    <p:sldId id="313" r:id="rId18"/>
+    <p:sldId id="289" r:id="rId19"/>
+    <p:sldId id="291" r:id="rId20"/>
+    <p:sldId id="290" r:id="rId21"/>
+    <p:sldId id="294" r:id="rId22"/>
+    <p:sldId id="295" r:id="rId23"/>
+    <p:sldId id="297" r:id="rId24"/>
+    <p:sldId id="296" r:id="rId25"/>
+    <p:sldId id="263" r:id="rId26"/>
+    <p:sldId id="264" r:id="rId27"/>
+    <p:sldId id="265" r:id="rId28"/>
+    <p:sldId id="298" r:id="rId29"/>
+    <p:sldId id="278" r:id="rId30"/>
+    <p:sldId id="299" r:id="rId31"/>
+    <p:sldId id="302" r:id="rId32"/>
+    <p:sldId id="301" r:id="rId33"/>
+    <p:sldId id="300" r:id="rId34"/>
+    <p:sldId id="303" r:id="rId35"/>
+    <p:sldId id="266" r:id="rId36"/>
+    <p:sldId id="267" r:id="rId37"/>
+    <p:sldId id="269" r:id="rId38"/>
+    <p:sldId id="270" r:id="rId39"/>
+    <p:sldId id="306" r:id="rId40"/>
+    <p:sldId id="308" r:id="rId41"/>
+    <p:sldId id="307" r:id="rId42"/>
+    <p:sldId id="280" r:id="rId43"/>
+    <p:sldId id="309" r:id="rId44"/>
+    <p:sldId id="310" r:id="rId45"/>
+    <p:sldId id="272" r:id="rId46"/>
+    <p:sldId id="273" r:id="rId47"/>
+    <p:sldId id="274" r:id="rId48"/>
+    <p:sldId id="275" r:id="rId49"/>
+    <p:sldId id="276" r:id="rId50"/>
+    <p:sldId id="281" r:id="rId51"/>
+    <p:sldId id="277" r:id="rId52"/>
+    <p:sldId id="311" r:id="rId53"/>
+    <p:sldId id="305" r:id="rId54"/>
   </p:sldIdLst>
   <p:sldSz cx="9144000" cy="5143500" type="screen16x9"/>
   <p:notesSz cx="6858000" cy="9144000"/>
@@ -242,7 +244,7 @@
           <a:p>
             <a:fld id="{3B250449-A08D-43EB-83DE-FBE6E4DF58DD}" type="datetimeFigureOut">
               <a:rPr lang="en-US" smtClean="0"/>
-              <a:t>2/27/2019</a:t>
+              <a:t>4/2/2019</a:t>
             </a:fld>
             <a:endParaRPr lang="en-US"/>
           </a:p>
@@ -564,7 +566,54 @@
                 <a:ea typeface="+mn-ea"/>
                 <a:cs typeface="+mn-cs"/>
               </a:rPr>
-              <a:t>Binary search algorithm image created by </a:t>
+              <a:t>These images will all be</a:t>
+            </a:r>
+            <a:r>
+              <a:rPr lang="en-US" sz="1200" kern="1200" baseline="0" dirty="0" smtClean="0">
+                <a:solidFill>
+                  <a:schemeClr val="tx1"/>
+                </a:solidFill>
+                <a:effectLst/>
+                <a:latin typeface="+mn-lt"/>
+                <a:ea typeface="+mn-ea"/>
+                <a:cs typeface="+mn-cs"/>
+              </a:rPr>
+              <a:t> discussed later.</a:t>
+            </a:r>
+            <a:endParaRPr lang="en-US" sz="1200" kern="1200" dirty="0" smtClean="0">
+              <a:solidFill>
+                <a:schemeClr val="tx1"/>
+              </a:solidFill>
+              <a:effectLst/>
+              <a:latin typeface="+mn-lt"/>
+              <a:ea typeface="+mn-ea"/>
+              <a:cs typeface="+mn-cs"/>
+            </a:endParaRPr>
+          </a:p>
+          <a:p>
+            <a:r>
+              <a:rPr lang="en-US" sz="1200" kern="1200" dirty="0" smtClean="0">
+                <a:solidFill>
+                  <a:schemeClr val="tx1"/>
+                </a:solidFill>
+                <a:effectLst/>
+                <a:latin typeface="+mn-lt"/>
+                <a:ea typeface="+mn-ea"/>
+                <a:cs typeface="+mn-cs"/>
+              </a:rPr>
+              <a:t>(Binary </a:t>
+            </a:r>
+            <a:r>
+              <a:rPr lang="en-US" sz="1200" kern="1200" dirty="0" smtClean="0">
+                <a:solidFill>
+                  <a:schemeClr val="tx1"/>
+                </a:solidFill>
+                <a:effectLst/>
+                <a:latin typeface="+mn-lt"/>
+                <a:ea typeface="+mn-ea"/>
+                <a:cs typeface="+mn-cs"/>
+              </a:rPr>
+              <a:t>search algorithm image created by </a:t>
             </a:r>
             <a:r>
               <a:rPr lang="en-US" sz="1200" u="sng" kern="1200" dirty="0" smtClean="0">
@@ -589,7 +638,19 @@
                 <a:ea typeface="+mn-ea"/>
                 <a:cs typeface="+mn-cs"/>
               </a:rPr>
-              <a:t> and is in the public domain.</a:t>
+              <a:t> and is in the public domain</a:t>
+            </a:r>
+            <a:r>
+              <a:rPr lang="en-US" sz="1200" kern="1200" dirty="0" smtClean="0">
+                <a:solidFill>
+                  <a:schemeClr val="tx1"/>
+                </a:solidFill>
+                <a:effectLst/>
+                <a:latin typeface="+mn-lt"/>
+                <a:ea typeface="+mn-ea"/>
+                <a:cs typeface="+mn-cs"/>
+              </a:rPr>
+              <a:t>.)</a:t>
             </a:r>
             <a:endParaRPr lang="en-US" dirty="0"/>
           </a:p>
@@ -614,7 +675,7 @@
               <a:rPr lang="en-US" smtClean="0"/>
               <a:t>2</a:t>
             </a:fld>
-            <a:endParaRPr lang="en-US"/>
+            <a:endParaRPr lang="en-US" dirty="0"/>
           </a:p>
         </p:txBody>
       </p:sp>
@@ -675,67 +736,27 @@
           <a:bodyPr/>
           <a:lstStyle/>
           <a:p>
-            <a:r>
-              <a:rPr lang="en-US" sz="1200" kern="1200" dirty="0" smtClean="0">
-                <a:solidFill>
-                  <a:schemeClr val="tx1"/>
-                </a:solidFill>
-                <a:effectLst/>
-                <a:latin typeface="+mn-lt"/>
-                <a:ea typeface="+mn-ea"/>
-                <a:cs typeface="+mn-cs"/>
-              </a:rPr>
-              <a:t>Amdahl’s law as a graph.  Based on </a:t>
-            </a:r>
-            <a:r>
-              <a:rPr lang="en-US" sz="1200" u="sng" kern="1200" dirty="0" smtClean="0">
-                <a:solidFill>
-                  <a:schemeClr val="tx1"/>
-                </a:solidFill>
-                <a:effectLst/>
-                <a:latin typeface="+mn-lt"/>
-                <a:ea typeface="+mn-ea"/>
-                <a:cs typeface="+mn-cs"/>
-                <a:hlinkClick r:id="rId3"/>
-              </a:rPr>
-              <a:t>“Amdahl’s Law”</a:t>
-            </a:r>
-            <a:r>
-              <a:rPr lang="en-US" sz="1200" kern="1200" dirty="0" smtClean="0">
-                <a:solidFill>
-                  <a:schemeClr val="tx1"/>
-                </a:solidFill>
-                <a:effectLst/>
-                <a:latin typeface="+mn-lt"/>
-                <a:ea typeface="+mn-ea"/>
-                <a:cs typeface="+mn-cs"/>
-              </a:rPr>
-              <a:t> by Daniels220, licensed under </a:t>
-            </a:r>
-            <a:r>
-              <a:rPr lang="en-US" sz="1200" u="sng" kern="1200" dirty="0" smtClean="0">
-                <a:solidFill>
-                  <a:schemeClr val="tx1"/>
-                </a:solidFill>
-                <a:effectLst/>
-                <a:latin typeface="+mn-lt"/>
-                <a:ea typeface="+mn-ea"/>
-                <a:cs typeface="+mn-cs"/>
-                <a:hlinkClick r:id="rId4"/>
-              </a:rPr>
-              <a:t>CC BY-SA</a:t>
-            </a:r>
-            <a:r>
-              <a:rPr lang="en-US" sz="1200" kern="1200" dirty="0" smtClean="0">
-                <a:solidFill>
-                  <a:schemeClr val="tx1"/>
-                </a:solidFill>
-                <a:effectLst/>
-                <a:latin typeface="+mn-lt"/>
-                <a:ea typeface="+mn-ea"/>
-                <a:cs typeface="+mn-cs"/>
-              </a:rPr>
-              <a:t>.</a:t>
+            <a:pPr marL="171450" indent="-171450">
+              <a:buFont typeface="Arial" charset="0"/>
+              <a:buChar char="•"/>
+            </a:pPr>
+            <a:r>
+              <a:rPr lang="en-US" dirty="0" smtClean="0"/>
+              <a:t>This</a:t>
+            </a:r>
+            <a:r>
+              <a:rPr lang="en-US" baseline="0" dirty="0" smtClean="0"/>
+              <a:t> graph shows the common functions described later in this presentation.</a:t>
+            </a:r>
+          </a:p>
+          <a:p>
+            <a:pPr marL="171450" indent="-171450">
+              <a:buFont typeface="Arial" charset="0"/>
+              <a:buChar char="•"/>
+            </a:pPr>
+            <a:r>
+              <a:rPr lang="en-US" baseline="0" dirty="0" smtClean="0"/>
+              <a:t>In addition, the presentation also covers O(1), O(∞), and Amdahl's Law.  Those functions are either trivial or too hard to display.</a:t>
             </a:r>
             <a:endParaRPr lang="en-US" dirty="0"/>
           </a:p>
@@ -758,16 +779,16 @@
           <a:p>
             <a:fld id="{5A6616C6-9DE0-4865-BC75-EB7C5EE0BF49}" type="slidenum">
               <a:rPr lang="en-US" smtClean="0"/>
-              <a:t>27</a:t>
+              <a:t>11</a:t>
             </a:fld>
-            <a:endParaRPr lang="en-US"/>
+            <a:endParaRPr lang="en-US" dirty="0"/>
           </a:p>
         </p:txBody>
       </p:sp>
     </p:spTree>
     <p:extLst>
       <p:ext uri="{BB962C8B-B14F-4D97-AF65-F5344CB8AC3E}">
-        <p14:creationId xmlns:p14="http://schemas.microsoft.com/office/powerpoint/2010/main" val="3996148136"/>
+        <p14:creationId xmlns:p14="http://schemas.microsoft.com/office/powerpoint/2010/main" val="1089821006"/>
       </p:ext>
     </p:extLst>
   </p:cSld>
@@ -821,33 +842,73 @@
           <a:bodyPr/>
           <a:lstStyle/>
           <a:p>
-            <a:r>
-              <a:rPr lang="en-US" dirty="0" smtClean="0"/>
-              <a:t>These</a:t>
+            <a:pPr marL="171450" indent="-171450">
+              <a:buFont typeface="Arial" charset="0"/>
+              <a:buChar char="•"/>
+            </a:pPr>
+            <a:r>
+              <a:rPr lang="en-US" b="1" dirty="0" smtClean="0"/>
+              <a:t>Weird,</a:t>
+            </a:r>
+            <a:r>
+              <a:rPr lang="en-US" b="1" baseline="0" dirty="0" smtClean="0"/>
+              <a:t> contentious, fast:</a:t>
             </a:r>
             <a:r>
               <a:rPr lang="en-US" baseline="0" dirty="0" smtClean="0"/>
-              <a:t> pictures compare different ways to read a table in parallel.  The top, colorful chart shows reading one-partition-at-a-time.  The bottom, boring chart shows reading a table with a single SQL statement.</a:t>
-            </a:r>
-          </a:p>
-          <a:p>
+              <a:t> </a:t>
+            </a:r>
+            <a:r>
+              <a:rPr lang="en-US" dirty="0" smtClean="0"/>
+              <a:t>The first</a:t>
+            </a:r>
+            <a:r>
+              <a:rPr lang="en-US" baseline="0" dirty="0" smtClean="0"/>
+              <a:t> function is perhaps the weirdest, and most contentious topic, but also one of the most useful.</a:t>
+            </a:r>
+          </a:p>
+          <a:p>
+            <a:pPr marL="171450" indent="-171450">
+              <a:buFont typeface="Arial" charset="0"/>
+              <a:buChar char="•"/>
+            </a:pPr>
+            <a:r>
+              <a:rPr lang="en-US" b="1" baseline="0" dirty="0" smtClean="0"/>
+              <a:t>Different Axes</a:t>
+            </a:r>
+            <a:r>
+              <a:rPr lang="en-US" baseline="0" dirty="0" smtClean="0"/>
+              <a:t>: Almost all of the functions plot time versus input size, but this one is a bit different.  In practice, sometimes Overhead versus Batch Size is more important than Run Time versus Input Size.</a:t>
+            </a:r>
+          </a:p>
+          <a:p>
+            <a:pPr marL="171450" indent="-171450">
+              <a:buFont typeface="Arial" charset="0"/>
+              <a:buChar char="•"/>
+            </a:pPr>
+            <a:r>
+              <a:rPr lang="en-US" b="1" baseline="0" dirty="0" smtClean="0"/>
+              <a:t>Boring:</a:t>
+            </a:r>
+            <a:r>
+              <a:rPr lang="en-US" baseline="0" dirty="0" smtClean="0"/>
+              <a:t> This graph may look boring, but boring is good.  We want things that quickly go to zero.</a:t>
+            </a:r>
+          </a:p>
+          <a:p>
+            <a:pPr marL="171450" indent="-171450">
+              <a:buFont typeface="Arial" charset="0"/>
+              <a:buChar char="•"/>
+            </a:pPr>
+            <a:r>
+              <a:rPr lang="en-US" b="1" baseline="0" dirty="0" smtClean="0"/>
+              <a:t>Fast, left vs. right:</a:t>
+            </a:r>
+            <a:r>
+              <a:rPr lang="en-US" baseline="0" dirty="0" smtClean="0"/>
+              <a:t> Notice how quickly the line approaches 0 on the y-axis.  If we find ourselves in one of these situations we must try very hard to not be on the left-hand side, but we don't have to go very far on the right-hand side.</a:t>
+            </a:r>
             <a:endParaRPr lang="en-US" baseline="0" dirty="0" smtClean="0"/>
-          </a:p>
-          <a:p>
-            <a:r>
-              <a:rPr lang="en-US" baseline="0" dirty="0" smtClean="0"/>
-              <a:t>In this case, boring is good.  The boring chart has very few edges, which means it's getting the most parallelism possible.  If we want to improve performance by X we need to have X threads running at every possible moment.</a:t>
-            </a:r>
-          </a:p>
-          <a:p>
-            <a:endParaRPr lang="en-US" baseline="0" dirty="0" smtClean="0"/>
-          </a:p>
-          <a:p>
-            <a:r>
-              <a:rPr lang="en-US" baseline="0" dirty="0" smtClean="0"/>
-              <a:t>We must have tools to measure and visualize utilization or we'd never know what's missing.</a:t>
-            </a:r>
-            <a:endParaRPr lang="en-US" dirty="0"/>
           </a:p>
         </p:txBody>
       </p:sp>
@@ -868,7 +929,7 @@
           <a:p>
             <a:fld id="{5A6616C6-9DE0-4865-BC75-EB7C5EE0BF49}" type="slidenum">
               <a:rPr lang="en-US" smtClean="0"/>
-              <a:t>29</a:t>
+              <a:t>12</a:t>
             </a:fld>
             <a:endParaRPr lang="en-US"/>
           </a:p>
@@ -877,7 +938,7 @@
     </p:spTree>
     <p:extLst>
       <p:ext uri="{BB962C8B-B14F-4D97-AF65-F5344CB8AC3E}">
-        <p14:creationId xmlns:p14="http://schemas.microsoft.com/office/powerpoint/2010/main" val="2087203130"/>
+        <p14:creationId xmlns:p14="http://schemas.microsoft.com/office/powerpoint/2010/main" val="4247735703"/>
       </p:ext>
     </p:extLst>
   </p:cSld>
@@ -931,14 +992,60 @@
           <a:bodyPr/>
           <a:lstStyle/>
           <a:p>
-            <a:r>
-              <a:rPr lang="en-US" dirty="0" smtClean="0"/>
-              <a:t>Changes</a:t>
+            <a:pPr marL="171450" indent="-171450">
+              <a:buFont typeface="Arial" charset="0"/>
+              <a:buChar char="•"/>
+            </a:pPr>
+            <a:r>
+              <a:rPr lang="en-US" dirty="0" smtClean="0"/>
+              <a:t>1/N is called the harmonic progression.  (The harmonic series is much more common, but we're</a:t>
             </a:r>
             <a:r>
               <a:rPr lang="en-US" baseline="0" dirty="0" smtClean="0"/>
-              <a:t> like using direct-path writes are "only" a 3x improvement, but that's still pretty awesome.</a:t>
-            </a:r>
+              <a:t> not doing a series here, just one batch size at-a-time.)</a:t>
+            </a:r>
+          </a:p>
+          <a:p>
+            <a:pPr marL="171450" indent="-171450">
+              <a:buFont typeface="Arial" charset="0"/>
+              <a:buChar char="•"/>
+            </a:pPr>
+            <a:r>
+              <a:rPr lang="en-US" baseline="0" dirty="0" smtClean="0"/>
+              <a:t>Context switching is a performance killer for so many applications.  It's a huge topic that applies to much more than just database development.  Anytime we can process in bulk, or build an assembly line, there are so many optimizations available.</a:t>
+            </a:r>
+          </a:p>
+          <a:p>
+            <a:pPr marL="171450" indent="-171450">
+              <a:buFont typeface="Arial" charset="0"/>
+              <a:buChar char="•"/>
+            </a:pPr>
+            <a:r>
+              <a:rPr lang="en-US" baseline="0" dirty="0" smtClean="0"/>
+              <a:t>This is not technically a "run-time analysis", this is more like an "overhead-analysis".  But there is a strong relationship between the two, since many operations are completely dominated by overheard instead of the real work.</a:t>
+            </a:r>
+          </a:p>
+          <a:p>
+            <a:pPr marL="171450" indent="-171450">
+              <a:buFont typeface="Arial" charset="0"/>
+              <a:buChar char="•"/>
+            </a:pPr>
+            <a:r>
+              <a:rPr lang="en-US" baseline="0" dirty="0" smtClean="0"/>
+              <a:t>For the total amount of work we need to measure two things - the "real work" and the overhead.  Every operation always has some actual work that is inevitable.  For example, with an INSERT, obviously we have to spend time inserting the row.  By overhead, I refer to things not directly related to the operation, like the time to generate a sequence needed for that INSERT.</a:t>
+            </a:r>
+          </a:p>
+          <a:p>
+            <a:pPr marL="171450" indent="-171450">
+              <a:buFont typeface="Arial" charset="0"/>
+              <a:buChar char="•"/>
+            </a:pPr>
+            <a:r>
+              <a:rPr lang="en-US" baseline="0" dirty="0" smtClean="0"/>
+              <a:t>There are so many operations that this applies to.</a:t>
+            </a:r>
+          </a:p>
+          <a:p>
             <a:endParaRPr lang="en-US" dirty="0"/>
           </a:p>
         </p:txBody>
@@ -960,7 +1067,7 @@
           <a:p>
             <a:fld id="{5A6616C6-9DE0-4865-BC75-EB7C5EE0BF49}" type="slidenum">
               <a:rPr lang="en-US" smtClean="0"/>
-              <a:t>32</a:t>
+              <a:t>13</a:t>
             </a:fld>
             <a:endParaRPr lang="en-US"/>
           </a:p>
@@ -969,7 +1076,7 @@
     </p:spTree>
     <p:extLst>
       <p:ext uri="{BB962C8B-B14F-4D97-AF65-F5344CB8AC3E}">
-        <p14:creationId xmlns:p14="http://schemas.microsoft.com/office/powerpoint/2010/main" val="2597115283"/>
+        <p14:creationId xmlns:p14="http://schemas.microsoft.com/office/powerpoint/2010/main" val="2690576920"/>
       </p:ext>
     </p:extLst>
   </p:cSld>
@@ -1023,47 +1130,47 @@
           <a:bodyPr/>
           <a:lstStyle/>
           <a:p>
-            <a:r>
-              <a:rPr lang="en-US" b="1" dirty="0" smtClean="0"/>
-              <a:t>Difficult</a:t>
-            </a:r>
-            <a:r>
-              <a:rPr lang="en-US" b="1" baseline="0" dirty="0" smtClean="0"/>
-              <a:t> choice:</a:t>
+            <a:pPr marL="171450" indent="-171450">
+              <a:buFont typeface="Arial" charset="0"/>
+              <a:buChar char="•"/>
+            </a:pPr>
+            <a:r>
+              <a:rPr lang="en-US" dirty="0" smtClean="0"/>
+              <a:t>You</a:t>
             </a:r>
             <a:r>
               <a:rPr lang="en-US" baseline="0" dirty="0" smtClean="0"/>
-              <a:t> It's not obvious when a full table scan is cheaper than an index read.  It depends on the percentage of the index and how big the data is.</a:t>
-            </a:r>
-          </a:p>
-          <a:p>
-            <a:r>
-              <a:rPr lang="en-US" b="1" baseline="0" dirty="0" smtClean="0"/>
-              <a:t>Other factors:</a:t>
-            </a:r>
+              <a:t> don't need to test this every time.  You can never get the perfect batch size, but luckily we can easily get one that's good-enough.</a:t>
+            </a:r>
+          </a:p>
+          <a:p>
+            <a:pPr marL="171450" indent="-171450">
+              <a:buFont typeface="Arial" charset="0"/>
+              <a:buChar char="•"/>
+            </a:pPr>
             <a:r>
               <a:rPr lang="en-US" baseline="0" dirty="0" smtClean="0"/>
-              <a:t> Clustering factor, multi-block versus single-block read time affect the choice.</a:t>
-            </a:r>
-          </a:p>
-          <a:p>
-            <a:r>
-              <a:rPr lang="en-US" b="1" baseline="0" dirty="0" smtClean="0"/>
-              <a:t>Theory versus practice:</a:t>
-            </a:r>
+              <a:t>Think about why increasing the batch size helps.  It helps by eliminating overhead.  But there's only so much overhead to eliminate.  There's always going to be the real work, which the batch size won't help with.</a:t>
+            </a:r>
+          </a:p>
+          <a:p>
+            <a:pPr marL="171450" indent="-171450">
+              <a:buFont typeface="Arial" charset="0"/>
+              <a:buChar char="•"/>
+            </a:pPr>
             <a:r>
               <a:rPr lang="en-US" baseline="0" dirty="0" smtClean="0"/>
-              <a:t> Theory tells us the *shape*, but practice tells us the actual number where they diverge.</a:t>
-            </a:r>
-          </a:p>
-          <a:p>
-            <a:r>
-              <a:rPr lang="en-US" b="1" baseline="0" dirty="0" smtClean="0"/>
-              <a:t>Cardinality:</a:t>
-            </a:r>
+              <a:t>Going over 100 is almost certainly a mistake.  Compare to no batching at all, you cannot theoretically improve the performance by more than 1%.</a:t>
+            </a:r>
+          </a:p>
+          <a:p>
+            <a:pPr marL="171450" indent="-171450">
+              <a:buFont typeface="Arial" charset="0"/>
+              <a:buChar char="•"/>
+            </a:pPr>
             <a:r>
               <a:rPr lang="en-US" baseline="0" dirty="0" smtClean="0"/>
-              <a:t> This is why cardinality is important.  Oracle must know where on the X-axis we are, to know which choice is better.</a:t>
+              <a:t>But then why do some test cases demonstrate further improvements?  Only if they include absolutely no real work.  (I've built guilty of this myself.)</a:t>
             </a:r>
             <a:endParaRPr lang="en-US" dirty="0"/>
           </a:p>
@@ -1086,7 +1193,7 @@
           <a:p>
             <a:fld id="{5A6616C6-9DE0-4865-BC75-EB7C5EE0BF49}" type="slidenum">
               <a:rPr lang="en-US" smtClean="0"/>
-              <a:t>35</a:t>
+              <a:t>14</a:t>
             </a:fld>
             <a:endParaRPr lang="en-US"/>
           </a:p>
@@ -1095,7 +1202,7 @@
     </p:spTree>
     <p:extLst>
       <p:ext uri="{BB962C8B-B14F-4D97-AF65-F5344CB8AC3E}">
-        <p14:creationId xmlns:p14="http://schemas.microsoft.com/office/powerpoint/2010/main" val="3435678858"/>
+        <p14:creationId xmlns:p14="http://schemas.microsoft.com/office/powerpoint/2010/main" val="3966354629"/>
       </p:ext>
     </p:extLst>
   </p:cSld>
@@ -1149,6 +1256,38 @@
           <a:bodyPr/>
           <a:lstStyle/>
           <a:p>
+            <a:pPr marL="171450" indent="-171450">
+              <a:buFont typeface="Arial" charset="0"/>
+              <a:buChar char="•"/>
+            </a:pPr>
+            <a:r>
+              <a:rPr lang="en-US" dirty="0" smtClean="0"/>
+              <a:t>If we find</a:t>
+            </a:r>
+            <a:r>
+              <a:rPr lang="en-US" baseline="0" dirty="0" smtClean="0"/>
+              <a:t> ourselves in a position where increasingly large batch sizes make a significant difference, then we're doing something wrong.</a:t>
+            </a:r>
+          </a:p>
+          <a:p>
+            <a:pPr marL="171450" indent="-171450">
+              <a:buFont typeface="Arial" charset="0"/>
+              <a:buChar char="•"/>
+            </a:pPr>
+            <a:r>
+              <a:rPr lang="en-US" baseline="0" dirty="0" smtClean="0"/>
+              <a:t>If we care </a:t>
+            </a:r>
+            <a:r>
+              <a:rPr lang="en-US" i="1" baseline="0" dirty="0" smtClean="0"/>
+              <a:t>too much</a:t>
+            </a:r>
+            <a:r>
+              <a:rPr lang="en-US" baseline="0" dirty="0" smtClean="0"/>
+              <a:t> about context switching, then maybe we're not using enough SQL.</a:t>
+            </a:r>
+          </a:p>
+          <a:p>
             <a:endParaRPr lang="en-US" dirty="0"/>
           </a:p>
         </p:txBody>
@@ -1170,7 +1309,7 @@
           <a:p>
             <a:fld id="{5A6616C6-9DE0-4865-BC75-EB7C5EE0BF49}" type="slidenum">
               <a:rPr lang="en-US" smtClean="0"/>
-              <a:t>37</a:t>
+              <a:t>15</a:t>
             </a:fld>
             <a:endParaRPr lang="en-US"/>
           </a:p>
@@ -1179,7 +1318,7 @@
     </p:spTree>
     <p:extLst>
       <p:ext uri="{BB962C8B-B14F-4D97-AF65-F5344CB8AC3E}">
-        <p14:creationId xmlns:p14="http://schemas.microsoft.com/office/powerpoint/2010/main" val="24726982"/>
+        <p14:creationId xmlns:p14="http://schemas.microsoft.com/office/powerpoint/2010/main" val="3265842506"/>
       </p:ext>
     </p:extLst>
   </p:cSld>
@@ -1233,14 +1372,6 @@
           <a:bodyPr/>
           <a:lstStyle/>
           <a:p>
-            <a:r>
-              <a:rPr lang="en-US" dirty="0" smtClean="0"/>
-              <a:t>Chart is from my answer here:</a:t>
-            </a:r>
-            <a:r>
-              <a:rPr lang="en-US" baseline="0" dirty="0" smtClean="0"/>
-              <a:t> https://stackoverflow.com/questions/8188093/oracle-always-uses-hash-join-even-when-both-tables-are-huge</a:t>
-            </a:r>
             <a:endParaRPr lang="en-US" dirty="0"/>
           </a:p>
         </p:txBody>
@@ -1262,16 +1393,16 @@
           <a:p>
             <a:fld id="{5A6616C6-9DE0-4865-BC75-EB7C5EE0BF49}" type="slidenum">
               <a:rPr lang="en-US" smtClean="0"/>
-              <a:t>38</a:t>
+              <a:t>17</a:t>
             </a:fld>
-            <a:endParaRPr lang="en-US"/>
+            <a:endParaRPr lang="en-US" dirty="0"/>
           </a:p>
         </p:txBody>
       </p:sp>
     </p:spTree>
     <p:extLst>
       <p:ext uri="{BB962C8B-B14F-4D97-AF65-F5344CB8AC3E}">
-        <p14:creationId xmlns:p14="http://schemas.microsoft.com/office/powerpoint/2010/main" val="23698583"/>
+        <p14:creationId xmlns:p14="http://schemas.microsoft.com/office/powerpoint/2010/main" val="3577064392"/>
       </p:ext>
     </p:extLst>
   </p:cSld>
@@ -1346,16 +1477,449 @@
           <a:p>
             <a:fld id="{5A6616C6-9DE0-4865-BC75-EB7C5EE0BF49}" type="slidenum">
               <a:rPr lang="en-US" smtClean="0"/>
-              <a:t>47</a:t>
+              <a:t>18</a:t>
             </a:fld>
-            <a:endParaRPr lang="en-US"/>
+            <a:endParaRPr lang="en-US" dirty="0"/>
           </a:p>
         </p:txBody>
       </p:sp>
     </p:spTree>
     <p:extLst>
       <p:ext uri="{BB962C8B-B14F-4D97-AF65-F5344CB8AC3E}">
-        <p14:creationId xmlns:p14="http://schemas.microsoft.com/office/powerpoint/2010/main" val="2780744985"/>
+        <p14:creationId xmlns:p14="http://schemas.microsoft.com/office/powerpoint/2010/main" val="3025345395"/>
+      </p:ext>
+    </p:extLst>
+  </p:cSld>
+  <p:clrMapOvr>
+    <a:masterClrMapping/>
+  </p:clrMapOvr>
+</p:notes>
+</file>
+
+<file path=ppt/notesSlides/notesSlide17.xml><?xml version="1.0" encoding="utf-8"?>
+<p:notes xmlns:a="http://schemas.openxmlformats.org/drawingml/2006/main" xmlns:r="http://schemas.openxmlformats.org/officeDocument/2006/relationships" xmlns:p="http://schemas.openxmlformats.org/presentationml/2006/main">
+  <p:cSld>
+    <p:spTree>
+      <p:nvGrpSpPr>
+        <p:cNvPr id="1" name=""/>
+        <p:cNvGrpSpPr/>
+        <p:nvPr/>
+      </p:nvGrpSpPr>
+      <p:grpSpPr>
+        <a:xfrm>
+          <a:off x="0" y="0"/>
+          <a:ext cx="0" cy="0"/>
+          <a:chOff x="0" y="0"/>
+          <a:chExt cx="0" cy="0"/>
+        </a:xfrm>
+      </p:grpSpPr>
+      <p:sp>
+        <p:nvSpPr>
+          <p:cNvPr id="2" name="Slide Image Placeholder 1"/>
+          <p:cNvSpPr>
+            <a:spLocks noGrp="1" noRot="1" noChangeAspect="1"/>
+          </p:cNvSpPr>
+          <p:nvPr>
+            <p:ph type="sldImg"/>
+          </p:nvPr>
+        </p:nvSpPr>
+        <p:spPr/>
+      </p:sp>
+      <p:sp>
+        <p:nvSpPr>
+          <p:cNvPr id="3" name="Notes Placeholder 2"/>
+          <p:cNvSpPr>
+            <a:spLocks noGrp="1"/>
+          </p:cNvSpPr>
+          <p:nvPr>
+            <p:ph type="body" idx="1"/>
+          </p:nvPr>
+        </p:nvSpPr>
+        <p:spPr/>
+        <p:txBody>
+          <a:bodyPr/>
+          <a:lstStyle/>
+          <a:p>
+            <a:pPr marL="0" marR="0" indent="0" algn="l" defTabSz="914378" rtl="0" eaLnBrk="1" fontAlgn="auto" latinLnBrk="0" hangingPunct="1">
+              <a:lnSpc>
+                <a:spcPct val="100000"/>
+              </a:lnSpc>
+              <a:spcBef>
+                <a:spcPts val="0"/>
+              </a:spcBef>
+              <a:spcAft>
+                <a:spcPts val="0"/>
+              </a:spcAft>
+              <a:buClrTx/>
+              <a:buSzTx/>
+              <a:buFontTx/>
+              <a:buNone/>
+              <a:tabLst/>
+              <a:defRPr/>
+            </a:pPr>
+            <a:r>
+              <a:rPr lang="en-US" dirty="0" smtClean="0"/>
+              <a:t>(By </a:t>
+            </a:r>
+            <a:r>
+              <a:rPr lang="en-US" dirty="0" smtClean="0"/>
+              <a:t>Jorge </a:t>
+            </a:r>
+            <a:r>
+              <a:rPr lang="en-US" dirty="0" err="1" smtClean="0"/>
+              <a:t>Stolfi</a:t>
+            </a:r>
+            <a:r>
+              <a:rPr lang="en-US" dirty="0" smtClean="0"/>
+              <a:t> - Own work, Public Domain, https://</a:t>
+            </a:r>
+            <a:r>
+              <a:rPr lang="en-US" dirty="0" smtClean="0"/>
+              <a:t>commons.wikimedia.org/w/index.php?curid=6601264)</a:t>
+            </a:r>
+            <a:endParaRPr lang="en-US" dirty="0" smtClean="0"/>
+          </a:p>
+        </p:txBody>
+      </p:sp>
+      <p:sp>
+        <p:nvSpPr>
+          <p:cNvPr id="4" name="Slide Number Placeholder 3"/>
+          <p:cNvSpPr>
+            <a:spLocks noGrp="1"/>
+          </p:cNvSpPr>
+          <p:nvPr>
+            <p:ph type="sldNum" sz="quarter" idx="10"/>
+          </p:nvPr>
+        </p:nvSpPr>
+        <p:spPr/>
+        <p:txBody>
+          <a:bodyPr/>
+          <a:lstStyle/>
+          <a:p>
+            <a:fld id="{5A6616C6-9DE0-4865-BC75-EB7C5EE0BF49}" type="slidenum">
+              <a:rPr lang="en-US" smtClean="0"/>
+              <a:t>19</a:t>
+            </a:fld>
+            <a:endParaRPr lang="en-US"/>
+          </a:p>
+        </p:txBody>
+      </p:sp>
+    </p:spTree>
+    <p:extLst>
+      <p:ext uri="{BB962C8B-B14F-4D97-AF65-F5344CB8AC3E}">
+        <p14:creationId xmlns:p14="http://schemas.microsoft.com/office/powerpoint/2010/main" val="1412735394"/>
+      </p:ext>
+    </p:extLst>
+  </p:cSld>
+  <p:clrMapOvr>
+    <a:masterClrMapping/>
+  </p:clrMapOvr>
+</p:notes>
+</file>
+
+<file path=ppt/notesSlides/notesSlide18.xml><?xml version="1.0" encoding="utf-8"?>
+<p:notes xmlns:a="http://schemas.openxmlformats.org/drawingml/2006/main" xmlns:r="http://schemas.openxmlformats.org/officeDocument/2006/relationships" xmlns:p="http://schemas.openxmlformats.org/presentationml/2006/main">
+  <p:cSld>
+    <p:spTree>
+      <p:nvGrpSpPr>
+        <p:cNvPr id="1" name=""/>
+        <p:cNvGrpSpPr/>
+        <p:nvPr/>
+      </p:nvGrpSpPr>
+      <p:grpSpPr>
+        <a:xfrm>
+          <a:off x="0" y="0"/>
+          <a:ext cx="0" cy="0"/>
+          <a:chOff x="0" y="0"/>
+          <a:chExt cx="0" cy="0"/>
+        </a:xfrm>
+      </p:grpSpPr>
+      <p:sp>
+        <p:nvSpPr>
+          <p:cNvPr id="2" name="Slide Image Placeholder 1"/>
+          <p:cNvSpPr>
+            <a:spLocks noGrp="1" noRot="1" noChangeAspect="1"/>
+          </p:cNvSpPr>
+          <p:nvPr>
+            <p:ph type="sldImg"/>
+          </p:nvPr>
+        </p:nvSpPr>
+        <p:spPr/>
+      </p:sp>
+      <p:sp>
+        <p:nvSpPr>
+          <p:cNvPr id="3" name="Notes Placeholder 2"/>
+          <p:cNvSpPr>
+            <a:spLocks noGrp="1"/>
+          </p:cNvSpPr>
+          <p:nvPr>
+            <p:ph type="body" idx="1"/>
+          </p:nvPr>
+        </p:nvSpPr>
+        <p:spPr/>
+        <p:txBody>
+          <a:bodyPr/>
+          <a:lstStyle/>
+          <a:p>
+            <a:r>
+              <a:rPr lang="en-US" sz="1200" kern="1200" dirty="0" smtClean="0">
+                <a:solidFill>
+                  <a:schemeClr val="tx1"/>
+                </a:solidFill>
+                <a:effectLst/>
+                <a:latin typeface="+mn-lt"/>
+                <a:ea typeface="+mn-ea"/>
+                <a:cs typeface="+mn-cs"/>
+              </a:rPr>
+              <a:t>See this Stack Overflow answer, where I try and fail to create a useful constant-time index using hash clusters: </a:t>
+            </a:r>
+            <a:r>
+              <a:rPr lang="en-US" sz="1200" u="sng" kern="1200" dirty="0" smtClean="0">
+                <a:solidFill>
+                  <a:schemeClr val="tx1"/>
+                </a:solidFill>
+                <a:effectLst/>
+                <a:latin typeface="+mn-lt"/>
+                <a:ea typeface="+mn-ea"/>
+                <a:cs typeface="+mn-cs"/>
+                <a:hlinkClick r:id="rId3"/>
+              </a:rPr>
+              <a:t>https://stackoverflow.com/questions/32071259/constant-time-index-for-string-column-on-oracle-database</a:t>
+            </a:r>
+            <a:endParaRPr lang="en-US" sz="1200" u="sng" kern="1200" dirty="0" smtClean="0">
+              <a:solidFill>
+                <a:schemeClr val="tx1"/>
+              </a:solidFill>
+              <a:effectLst/>
+              <a:latin typeface="+mn-lt"/>
+              <a:ea typeface="+mn-ea"/>
+              <a:cs typeface="+mn-cs"/>
+            </a:endParaRPr>
+          </a:p>
+        </p:txBody>
+      </p:sp>
+      <p:sp>
+        <p:nvSpPr>
+          <p:cNvPr id="4" name="Slide Number Placeholder 3"/>
+          <p:cNvSpPr>
+            <a:spLocks noGrp="1"/>
+          </p:cNvSpPr>
+          <p:nvPr>
+            <p:ph type="sldNum" sz="quarter" idx="10"/>
+          </p:nvPr>
+        </p:nvSpPr>
+        <p:spPr/>
+        <p:txBody>
+          <a:bodyPr/>
+          <a:lstStyle/>
+          <a:p>
+            <a:fld id="{5A6616C6-9DE0-4865-BC75-EB7C5EE0BF49}" type="slidenum">
+              <a:rPr lang="en-US" smtClean="0"/>
+              <a:t>21</a:t>
+            </a:fld>
+            <a:endParaRPr lang="en-US"/>
+          </a:p>
+        </p:txBody>
+      </p:sp>
+    </p:spTree>
+    <p:extLst>
+      <p:ext uri="{BB962C8B-B14F-4D97-AF65-F5344CB8AC3E}">
+        <p14:creationId xmlns:p14="http://schemas.microsoft.com/office/powerpoint/2010/main" val="1699038351"/>
+      </p:ext>
+    </p:extLst>
+  </p:cSld>
+  <p:clrMapOvr>
+    <a:masterClrMapping/>
+  </p:clrMapOvr>
+</p:notes>
+</file>
+
+<file path=ppt/notesSlides/notesSlide19.xml><?xml version="1.0" encoding="utf-8"?>
+<p:notes xmlns:a="http://schemas.openxmlformats.org/drawingml/2006/main" xmlns:r="http://schemas.openxmlformats.org/officeDocument/2006/relationships" xmlns:p="http://schemas.openxmlformats.org/presentationml/2006/main">
+  <p:cSld>
+    <p:spTree>
+      <p:nvGrpSpPr>
+        <p:cNvPr id="1" name=""/>
+        <p:cNvGrpSpPr/>
+        <p:nvPr/>
+      </p:nvGrpSpPr>
+      <p:grpSpPr>
+        <a:xfrm>
+          <a:off x="0" y="0"/>
+          <a:ext cx="0" cy="0"/>
+          <a:chOff x="0" y="0"/>
+          <a:chExt cx="0" cy="0"/>
+        </a:xfrm>
+      </p:grpSpPr>
+      <p:sp>
+        <p:nvSpPr>
+          <p:cNvPr id="2" name="Slide Image Placeholder 1"/>
+          <p:cNvSpPr>
+            <a:spLocks noGrp="1" noRot="1" noChangeAspect="1"/>
+          </p:cNvSpPr>
+          <p:nvPr>
+            <p:ph type="sldImg"/>
+          </p:nvPr>
+        </p:nvSpPr>
+        <p:spPr/>
+      </p:sp>
+      <p:sp>
+        <p:nvSpPr>
+          <p:cNvPr id="3" name="Notes Placeholder 2"/>
+          <p:cNvSpPr>
+            <a:spLocks noGrp="1"/>
+          </p:cNvSpPr>
+          <p:nvPr>
+            <p:ph type="body" idx="1"/>
+          </p:nvPr>
+        </p:nvSpPr>
+        <p:spPr/>
+        <p:txBody>
+          <a:bodyPr/>
+          <a:lstStyle/>
+          <a:p>
+            <a:pPr marL="0" marR="0" indent="0" algn="l" defTabSz="914400" rtl="0" eaLnBrk="1" fontAlgn="auto" latinLnBrk="0" hangingPunct="1">
+              <a:lnSpc>
+                <a:spcPct val="100000"/>
+              </a:lnSpc>
+              <a:spcBef>
+                <a:spcPts val="0"/>
+              </a:spcBef>
+              <a:spcAft>
+                <a:spcPts val="0"/>
+              </a:spcAft>
+              <a:buClrTx/>
+              <a:buSzTx/>
+              <a:buFontTx/>
+              <a:buNone/>
+              <a:tabLst/>
+              <a:defRPr/>
+            </a:pPr>
+            <a:r>
+              <a:rPr lang="en-US" sz="1200" kern="1200" dirty="0" smtClean="0">
+                <a:solidFill>
+                  <a:schemeClr val="tx1"/>
+                </a:solidFill>
+                <a:effectLst/>
+                <a:latin typeface="+mn-lt"/>
+                <a:ea typeface="+mn-ea"/>
+                <a:cs typeface="+mn-cs"/>
+              </a:rPr>
+              <a:t>Binary search algorithm image created by </a:t>
+            </a:r>
+            <a:r>
+              <a:rPr lang="en-US" sz="1200" u="sng" kern="1200" dirty="0" smtClean="0">
+                <a:solidFill>
+                  <a:schemeClr val="tx1"/>
+                </a:solidFill>
+                <a:effectLst/>
+                <a:latin typeface="+mn-lt"/>
+                <a:ea typeface="+mn-ea"/>
+                <a:cs typeface="+mn-cs"/>
+                <a:hlinkClick r:id="rId3"/>
+              </a:rPr>
+              <a:t>Chris Martin</a:t>
+            </a:r>
+            <a:r>
+              <a:rPr lang="en-US" sz="1200" kern="1200" dirty="0" smtClean="0">
+                <a:solidFill>
+                  <a:schemeClr val="tx1"/>
+                </a:solidFill>
+                <a:effectLst/>
+                <a:latin typeface="+mn-lt"/>
+                <a:ea typeface="+mn-ea"/>
+                <a:cs typeface="+mn-cs"/>
+              </a:rPr>
+              <a:t> and is in the public domain.</a:t>
+            </a:r>
+          </a:p>
+          <a:p>
+            <a:pPr marL="0" marR="0" indent="0" algn="l" defTabSz="914400" rtl="0" eaLnBrk="1" fontAlgn="auto" latinLnBrk="0" hangingPunct="1">
+              <a:lnSpc>
+                <a:spcPct val="100000"/>
+              </a:lnSpc>
+              <a:spcBef>
+                <a:spcPts val="0"/>
+              </a:spcBef>
+              <a:spcAft>
+                <a:spcPts val="0"/>
+              </a:spcAft>
+              <a:buClrTx/>
+              <a:buSzTx/>
+              <a:buFontTx/>
+              <a:buNone/>
+              <a:tabLst/>
+              <a:defRPr/>
+            </a:pPr>
+            <a:r>
+              <a:rPr lang="en-US" dirty="0" smtClean="0"/>
+              <a:t>Binary Search Depiction</a:t>
+            </a:r>
+            <a:r>
+              <a:rPr lang="en-US" baseline="0" dirty="0" smtClean="0"/>
+              <a:t> by </a:t>
+            </a:r>
+            <a:r>
+              <a:rPr lang="en-US" dirty="0" err="1" smtClean="0"/>
+              <a:t>AlwaysAngry</a:t>
+            </a:r>
+            <a:r>
+              <a:rPr lang="en-US" dirty="0" smtClean="0"/>
+              <a:t> is licensed under the </a:t>
+            </a:r>
+            <a:r>
+              <a:rPr lang="en-US" dirty="0" smtClean="0">
+                <a:hlinkClick r:id="rId4" tooltip="w:en:Creative Commons"/>
+              </a:rPr>
+              <a:t>Creative Commons</a:t>
+            </a:r>
+            <a:r>
+              <a:rPr lang="en-US" dirty="0" smtClean="0"/>
+              <a:t> </a:t>
+            </a:r>
+            <a:r>
+              <a:rPr lang="en-US" dirty="0" smtClean="0">
+                <a:hlinkClick r:id="rId5"/>
+              </a:rPr>
+              <a:t>Attribution-Share Alike 4.0 International</a:t>
+            </a:r>
+            <a:r>
+              <a:rPr lang="en-US" dirty="0" smtClean="0"/>
+              <a:t> license. </a:t>
+            </a:r>
+          </a:p>
+          <a:p>
+            <a:endParaRPr lang="en-US" dirty="0"/>
+          </a:p>
+        </p:txBody>
+      </p:sp>
+      <p:sp>
+        <p:nvSpPr>
+          <p:cNvPr id="4" name="Slide Number Placeholder 3"/>
+          <p:cNvSpPr>
+            <a:spLocks noGrp="1"/>
+          </p:cNvSpPr>
+          <p:nvPr>
+            <p:ph type="sldNum" sz="quarter" idx="10"/>
+          </p:nvPr>
+        </p:nvSpPr>
+        <p:spPr/>
+        <p:txBody>
+          <a:bodyPr/>
+          <a:lstStyle/>
+          <a:p>
+            <a:fld id="{5A6616C6-9DE0-4865-BC75-EB7C5EE0BF49}" type="slidenum">
+              <a:rPr lang="en-US" smtClean="0"/>
+              <a:t>24</a:t>
+            </a:fld>
+            <a:endParaRPr lang="en-US"/>
+          </a:p>
+        </p:txBody>
+      </p:sp>
+    </p:spTree>
+    <p:extLst>
+      <p:ext uri="{BB962C8B-B14F-4D97-AF65-F5344CB8AC3E}">
+        <p14:creationId xmlns:p14="http://schemas.microsoft.com/office/powerpoint/2010/main" val="1040973754"/>
       </p:ext>
     </p:extLst>
   </p:cSld>
@@ -1409,13 +1973,37 @@
           <a:bodyPr/>
           <a:lstStyle/>
           <a:p>
-            <a:r>
-              <a:rPr lang="en-US" dirty="0" smtClean="0"/>
-              <a:t>Plus</a:t>
+            <a:pPr marL="171450" indent="-171450">
+              <a:buFont typeface="Arial" charset="0"/>
+              <a:buChar char="•"/>
+            </a:pPr>
+            <a:r>
+              <a:rPr lang="en-US" dirty="0" smtClean="0"/>
+              <a:t>Although I have a</a:t>
             </a:r>
             <a:r>
               <a:rPr lang="en-US" baseline="0" dirty="0" smtClean="0"/>
-              <a:t> O(1), O(∞), and Amdahl's Law</a:t>
+              <a:t> BS and MCS in computer science I'm not an expert in algorithm analysis, and this is not a computer science lecture.</a:t>
+            </a:r>
+          </a:p>
+          <a:p>
+            <a:pPr marL="171450" indent="-171450">
+              <a:buFont typeface="Arial" charset="0"/>
+              <a:buChar char="•"/>
+            </a:pPr>
+            <a:r>
+              <a:rPr lang="en-US" baseline="0" dirty="0" smtClean="0"/>
+              <a:t>This presentation focuses on practical information, even though this is usually taught as a theoretical subject.</a:t>
+            </a:r>
+          </a:p>
+          <a:p>
+            <a:pPr marL="171450" indent="-171450">
+              <a:buFont typeface="Arial" charset="0"/>
+              <a:buChar char="•"/>
+            </a:pPr>
+            <a:r>
+              <a:rPr lang="en-US" baseline="0" dirty="0" smtClean="0"/>
+              <a:t>I'm sure I'm mixing up terms, but it shouldn't matter.  And there's some overlap between Oracle terminology and computer science terminology.  For example, and "operation" in Oracle means an algorithm used in an execution plan.  Whereas an "operation" in algorithm analysis means a single unit of work, like adding or comparing numbers.</a:t>
             </a:r>
             <a:endParaRPr lang="en-US" dirty="0"/>
           </a:p>
@@ -1438,16 +2026,1077 @@
           <a:p>
             <a:fld id="{5A6616C6-9DE0-4865-BC75-EB7C5EE0BF49}" type="slidenum">
               <a:rPr lang="en-US" smtClean="0"/>
-              <a:t>10</a:t>
+              <a:t>3</a:t>
             </a:fld>
-            <a:endParaRPr lang="en-US"/>
+            <a:endParaRPr lang="en-US" dirty="0"/>
           </a:p>
         </p:txBody>
       </p:sp>
     </p:spTree>
     <p:extLst>
       <p:ext uri="{BB962C8B-B14F-4D97-AF65-F5344CB8AC3E}">
-        <p14:creationId xmlns:p14="http://schemas.microsoft.com/office/powerpoint/2010/main" val="1089821006"/>
+        <p14:creationId xmlns:p14="http://schemas.microsoft.com/office/powerpoint/2010/main" val="2640658888"/>
+      </p:ext>
+    </p:extLst>
+  </p:cSld>
+  <p:clrMapOvr>
+    <a:masterClrMapping/>
+  </p:clrMapOvr>
+</p:notes>
+</file>
+
+<file path=ppt/notesSlides/notesSlide20.xml><?xml version="1.0" encoding="utf-8"?>
+<p:notes xmlns:a="http://schemas.openxmlformats.org/drawingml/2006/main" xmlns:r="http://schemas.openxmlformats.org/officeDocument/2006/relationships" xmlns:p="http://schemas.openxmlformats.org/presentationml/2006/main">
+  <p:cSld>
+    <p:spTree>
+      <p:nvGrpSpPr>
+        <p:cNvPr id="1" name=""/>
+        <p:cNvGrpSpPr/>
+        <p:nvPr/>
+      </p:nvGrpSpPr>
+      <p:grpSpPr>
+        <a:xfrm>
+          <a:off x="0" y="0"/>
+          <a:ext cx="0" cy="0"/>
+          <a:chOff x="0" y="0"/>
+          <a:chExt cx="0" cy="0"/>
+        </a:xfrm>
+      </p:grpSpPr>
+      <p:sp>
+        <p:nvSpPr>
+          <p:cNvPr id="2" name="Slide Image Placeholder 1"/>
+          <p:cNvSpPr>
+            <a:spLocks noGrp="1" noRot="1" noChangeAspect="1"/>
+          </p:cNvSpPr>
+          <p:nvPr>
+            <p:ph type="sldImg"/>
+          </p:nvPr>
+        </p:nvSpPr>
+        <p:spPr/>
+      </p:sp>
+      <p:sp>
+        <p:nvSpPr>
+          <p:cNvPr id="3" name="Notes Placeholder 2"/>
+          <p:cNvSpPr>
+            <a:spLocks noGrp="1"/>
+          </p:cNvSpPr>
+          <p:nvPr>
+            <p:ph type="body" idx="1"/>
+          </p:nvPr>
+        </p:nvSpPr>
+        <p:spPr/>
+        <p:txBody>
+          <a:bodyPr/>
+          <a:lstStyle/>
+          <a:p>
+            <a:r>
+              <a:rPr lang="en-US" dirty="0" smtClean="0"/>
+              <a:t>We're still only talking about accessing</a:t>
+            </a:r>
+            <a:r>
+              <a:rPr lang="en-US" baseline="0" dirty="0" smtClean="0"/>
+              <a:t> a single value.</a:t>
+            </a:r>
+            <a:endParaRPr lang="en-US" dirty="0"/>
+          </a:p>
+        </p:txBody>
+      </p:sp>
+      <p:sp>
+        <p:nvSpPr>
+          <p:cNvPr id="4" name="Slide Number Placeholder 3"/>
+          <p:cNvSpPr>
+            <a:spLocks noGrp="1"/>
+          </p:cNvSpPr>
+          <p:nvPr>
+            <p:ph type="sldNum" sz="quarter" idx="10"/>
+          </p:nvPr>
+        </p:nvSpPr>
+        <p:spPr/>
+        <p:txBody>
+          <a:bodyPr/>
+          <a:lstStyle/>
+          <a:p>
+            <a:fld id="{5A6616C6-9DE0-4865-BC75-EB7C5EE0BF49}" type="slidenum">
+              <a:rPr lang="en-US" smtClean="0"/>
+              <a:t>26</a:t>
+            </a:fld>
+            <a:endParaRPr lang="en-US"/>
+          </a:p>
+        </p:txBody>
+      </p:sp>
+    </p:spTree>
+    <p:extLst>
+      <p:ext uri="{BB962C8B-B14F-4D97-AF65-F5344CB8AC3E}">
+        <p14:creationId xmlns:p14="http://schemas.microsoft.com/office/powerpoint/2010/main" val="3230797625"/>
+      </p:ext>
+    </p:extLst>
+  </p:cSld>
+  <p:clrMapOvr>
+    <a:masterClrMapping/>
+  </p:clrMapOvr>
+</p:notes>
+</file>
+
+<file path=ppt/notesSlides/notesSlide21.xml><?xml version="1.0" encoding="utf-8"?>
+<p:notes xmlns:a="http://schemas.openxmlformats.org/drawingml/2006/main" xmlns:r="http://schemas.openxmlformats.org/officeDocument/2006/relationships" xmlns:p="http://schemas.openxmlformats.org/presentationml/2006/main">
+  <p:cSld>
+    <p:spTree>
+      <p:nvGrpSpPr>
+        <p:cNvPr id="1" name=""/>
+        <p:cNvGrpSpPr/>
+        <p:nvPr/>
+      </p:nvGrpSpPr>
+      <p:grpSpPr>
+        <a:xfrm>
+          <a:off x="0" y="0"/>
+          <a:ext cx="0" cy="0"/>
+          <a:chOff x="0" y="0"/>
+          <a:chExt cx="0" cy="0"/>
+        </a:xfrm>
+      </p:grpSpPr>
+      <p:sp>
+        <p:nvSpPr>
+          <p:cNvPr id="2" name="Slide Image Placeholder 1"/>
+          <p:cNvSpPr>
+            <a:spLocks noGrp="1" noRot="1" noChangeAspect="1"/>
+          </p:cNvSpPr>
+          <p:nvPr>
+            <p:ph type="sldImg"/>
+          </p:nvPr>
+        </p:nvSpPr>
+        <p:spPr/>
+      </p:sp>
+      <p:sp>
+        <p:nvSpPr>
+          <p:cNvPr id="3" name="Notes Placeholder 2"/>
+          <p:cNvSpPr>
+            <a:spLocks noGrp="1"/>
+          </p:cNvSpPr>
+          <p:nvPr>
+            <p:ph type="body" idx="1"/>
+          </p:nvPr>
+        </p:nvSpPr>
+        <p:spPr/>
+        <p:txBody>
+          <a:bodyPr/>
+          <a:lstStyle/>
+          <a:p>
+            <a:r>
+              <a:rPr lang="en-US" dirty="0" smtClean="0"/>
+              <a:t>Index</a:t>
+            </a:r>
+            <a:r>
+              <a:rPr lang="en-US" baseline="0" dirty="0" smtClean="0"/>
+              <a:t> height does not grow fast in practice.</a:t>
+            </a:r>
+          </a:p>
+          <a:p>
+            <a:endParaRPr lang="en-US" baseline="0" dirty="0" smtClean="0"/>
+          </a:p>
+          <a:p>
+            <a:r>
+              <a:rPr lang="en-US" baseline="0" dirty="0" smtClean="0"/>
+              <a:t>Generated by this query (run against the 350 databases I have access to)</a:t>
+            </a:r>
+          </a:p>
+          <a:p>
+            <a:r>
+              <a:rPr lang="en-US" sz="1200" b="0" i="0" u="none" strike="noStrike" kern="1200" baseline="0" dirty="0" smtClean="0">
+                <a:solidFill>
+                  <a:schemeClr val="tx1"/>
+                </a:solidFill>
+                <a:latin typeface="+mn-lt"/>
+                <a:ea typeface="+mn-ea"/>
+                <a:cs typeface="+mn-cs"/>
+              </a:rPr>
+              <a:t>select </a:t>
+            </a:r>
+            <a:r>
+              <a:rPr lang="en-US" sz="1200" b="0" i="0" u="none" strike="noStrike" kern="1200" baseline="0" dirty="0" err="1" smtClean="0">
+                <a:solidFill>
+                  <a:schemeClr val="tx1"/>
+                </a:solidFill>
+                <a:latin typeface="+mn-lt"/>
+                <a:ea typeface="+mn-ea"/>
+                <a:cs typeface="+mn-cs"/>
+              </a:rPr>
+              <a:t>blevel</a:t>
+            </a:r>
+            <a:r>
+              <a:rPr lang="en-US" sz="1200" b="0" i="0" u="none" strike="noStrike" kern="1200" baseline="0" dirty="0" smtClean="0">
+                <a:solidFill>
+                  <a:schemeClr val="tx1"/>
+                </a:solidFill>
+                <a:latin typeface="+mn-lt"/>
+                <a:ea typeface="+mn-ea"/>
+                <a:cs typeface="+mn-cs"/>
+              </a:rPr>
+              <a:t>, count(*) count</a:t>
+            </a:r>
+          </a:p>
+          <a:p>
+            <a:r>
+              <a:rPr lang="en-US" sz="1200" b="0" i="0" u="none" strike="noStrike" kern="1200" baseline="0" dirty="0" smtClean="0">
+                <a:solidFill>
+                  <a:schemeClr val="tx1"/>
+                </a:solidFill>
+                <a:latin typeface="+mn-lt"/>
+                <a:ea typeface="+mn-ea"/>
+                <a:cs typeface="+mn-cs"/>
+              </a:rPr>
+              <a:t>from </a:t>
+            </a:r>
+            <a:r>
+              <a:rPr lang="en-US" sz="1200" b="0" i="0" u="none" strike="noStrike" kern="1200" baseline="0" dirty="0" err="1" smtClean="0">
+                <a:solidFill>
+                  <a:schemeClr val="tx1"/>
+                </a:solidFill>
+                <a:latin typeface="+mn-lt"/>
+                <a:ea typeface="+mn-ea"/>
+                <a:cs typeface="+mn-cs"/>
+              </a:rPr>
+              <a:t>dba_indexes</a:t>
+            </a:r>
+            <a:endParaRPr lang="en-US" sz="1200" b="0" i="0" u="none" strike="noStrike" kern="1200" baseline="0" dirty="0" smtClean="0">
+              <a:solidFill>
+                <a:schemeClr val="tx1"/>
+              </a:solidFill>
+              <a:latin typeface="+mn-lt"/>
+              <a:ea typeface="+mn-ea"/>
+              <a:cs typeface="+mn-cs"/>
+            </a:endParaRPr>
+          </a:p>
+          <a:p>
+            <a:r>
+              <a:rPr lang="en-US" sz="1200" b="0" i="0" u="none" strike="noStrike" kern="1200" baseline="0" dirty="0" smtClean="0">
+                <a:solidFill>
+                  <a:schemeClr val="tx1"/>
+                </a:solidFill>
+                <a:latin typeface="+mn-lt"/>
+                <a:ea typeface="+mn-ea"/>
+                <a:cs typeface="+mn-cs"/>
+              </a:rPr>
+              <a:t>group by </a:t>
+            </a:r>
+            <a:r>
+              <a:rPr lang="en-US" sz="1200" b="0" i="0" u="none" strike="noStrike" kern="1200" baseline="0" dirty="0" err="1" smtClean="0">
+                <a:solidFill>
+                  <a:schemeClr val="tx1"/>
+                </a:solidFill>
+                <a:latin typeface="+mn-lt"/>
+                <a:ea typeface="+mn-ea"/>
+                <a:cs typeface="+mn-cs"/>
+              </a:rPr>
+              <a:t>blevel</a:t>
+            </a:r>
+            <a:endParaRPr lang="en-US" sz="1200" b="0" i="0" u="none" strike="noStrike" kern="1200" baseline="0" dirty="0" smtClean="0">
+              <a:solidFill>
+                <a:schemeClr val="tx1"/>
+              </a:solidFill>
+              <a:latin typeface="+mn-lt"/>
+              <a:ea typeface="+mn-ea"/>
+              <a:cs typeface="+mn-cs"/>
+            </a:endParaRPr>
+          </a:p>
+          <a:p>
+            <a:r>
+              <a:rPr lang="en-US" sz="1200" b="0" i="0" u="none" strike="noStrike" kern="1200" baseline="0" dirty="0" smtClean="0">
+                <a:solidFill>
+                  <a:schemeClr val="tx1"/>
+                </a:solidFill>
+                <a:latin typeface="+mn-lt"/>
+                <a:ea typeface="+mn-ea"/>
+                <a:cs typeface="+mn-cs"/>
+              </a:rPr>
+              <a:t>order by </a:t>
+            </a:r>
+            <a:r>
+              <a:rPr lang="en-US" sz="1200" b="0" i="0" u="none" strike="noStrike" kern="1200" baseline="0" dirty="0" err="1" smtClean="0">
+                <a:solidFill>
+                  <a:schemeClr val="tx1"/>
+                </a:solidFill>
+                <a:latin typeface="+mn-lt"/>
+                <a:ea typeface="+mn-ea"/>
+                <a:cs typeface="+mn-cs"/>
+              </a:rPr>
+              <a:t>blevel</a:t>
+            </a:r>
+            <a:r>
+              <a:rPr lang="en-US" sz="1200" b="0" i="0" u="none" strike="noStrike" kern="1200" baseline="0" dirty="0" smtClean="0">
+                <a:solidFill>
+                  <a:schemeClr val="tx1"/>
+                </a:solidFill>
+                <a:latin typeface="+mn-lt"/>
+                <a:ea typeface="+mn-ea"/>
+                <a:cs typeface="+mn-cs"/>
+              </a:rPr>
+              <a:t> nulls first;</a:t>
+            </a:r>
+            <a:endParaRPr lang="en-US" dirty="0"/>
+          </a:p>
+        </p:txBody>
+      </p:sp>
+      <p:sp>
+        <p:nvSpPr>
+          <p:cNvPr id="4" name="Slide Number Placeholder 3"/>
+          <p:cNvSpPr>
+            <a:spLocks noGrp="1"/>
+          </p:cNvSpPr>
+          <p:nvPr>
+            <p:ph type="sldNum" sz="quarter" idx="10"/>
+          </p:nvPr>
+        </p:nvSpPr>
+        <p:spPr/>
+        <p:txBody>
+          <a:bodyPr/>
+          <a:lstStyle/>
+          <a:p>
+            <a:fld id="{5A6616C6-9DE0-4865-BC75-EB7C5EE0BF49}" type="slidenum">
+              <a:rPr lang="en-US" smtClean="0"/>
+              <a:t>28</a:t>
+            </a:fld>
+            <a:endParaRPr lang="en-US"/>
+          </a:p>
+        </p:txBody>
+      </p:sp>
+    </p:spTree>
+    <p:extLst>
+      <p:ext uri="{BB962C8B-B14F-4D97-AF65-F5344CB8AC3E}">
+        <p14:creationId xmlns:p14="http://schemas.microsoft.com/office/powerpoint/2010/main" val="1306290819"/>
+      </p:ext>
+    </p:extLst>
+  </p:cSld>
+  <p:clrMapOvr>
+    <a:masterClrMapping/>
+  </p:clrMapOvr>
+</p:notes>
+</file>
+
+<file path=ppt/notesSlides/notesSlide22.xml><?xml version="1.0" encoding="utf-8"?>
+<p:notes xmlns:a="http://schemas.openxmlformats.org/drawingml/2006/main" xmlns:r="http://schemas.openxmlformats.org/officeDocument/2006/relationships" xmlns:p="http://schemas.openxmlformats.org/presentationml/2006/main">
+  <p:cSld>
+    <p:spTree>
+      <p:nvGrpSpPr>
+        <p:cNvPr id="1" name=""/>
+        <p:cNvGrpSpPr/>
+        <p:nvPr/>
+      </p:nvGrpSpPr>
+      <p:grpSpPr>
+        <a:xfrm>
+          <a:off x="0" y="0"/>
+          <a:ext cx="0" cy="0"/>
+          <a:chOff x="0" y="0"/>
+          <a:chExt cx="0" cy="0"/>
+        </a:xfrm>
+      </p:grpSpPr>
+      <p:sp>
+        <p:nvSpPr>
+          <p:cNvPr id="2" name="Slide Image Placeholder 1"/>
+          <p:cNvSpPr>
+            <a:spLocks noGrp="1" noRot="1" noChangeAspect="1"/>
+          </p:cNvSpPr>
+          <p:nvPr>
+            <p:ph type="sldImg"/>
+          </p:nvPr>
+        </p:nvSpPr>
+        <p:spPr/>
+      </p:sp>
+      <p:sp>
+        <p:nvSpPr>
+          <p:cNvPr id="3" name="Notes Placeholder 2"/>
+          <p:cNvSpPr>
+            <a:spLocks noGrp="1"/>
+          </p:cNvSpPr>
+          <p:nvPr>
+            <p:ph type="body" idx="1"/>
+          </p:nvPr>
+        </p:nvSpPr>
+        <p:spPr/>
+        <p:txBody>
+          <a:bodyPr/>
+          <a:lstStyle/>
+          <a:p>
+            <a:r>
+              <a:rPr lang="en-US" sz="1200" kern="1200" dirty="0" smtClean="0">
+                <a:solidFill>
+                  <a:schemeClr val="tx1"/>
+                </a:solidFill>
+                <a:effectLst/>
+                <a:latin typeface="+mn-lt"/>
+                <a:ea typeface="+mn-ea"/>
+                <a:cs typeface="+mn-cs"/>
+              </a:rPr>
+              <a:t>Amdahl’s law as a graph.  Based on </a:t>
+            </a:r>
+            <a:r>
+              <a:rPr lang="en-US" sz="1200" u="sng" kern="1200" dirty="0" smtClean="0">
+                <a:solidFill>
+                  <a:schemeClr val="tx1"/>
+                </a:solidFill>
+                <a:effectLst/>
+                <a:latin typeface="+mn-lt"/>
+                <a:ea typeface="+mn-ea"/>
+                <a:cs typeface="+mn-cs"/>
+                <a:hlinkClick r:id="rId3"/>
+              </a:rPr>
+              <a:t>“Amdahl’s Law”</a:t>
+            </a:r>
+            <a:r>
+              <a:rPr lang="en-US" sz="1200" kern="1200" dirty="0" smtClean="0">
+                <a:solidFill>
+                  <a:schemeClr val="tx1"/>
+                </a:solidFill>
+                <a:effectLst/>
+                <a:latin typeface="+mn-lt"/>
+                <a:ea typeface="+mn-ea"/>
+                <a:cs typeface="+mn-cs"/>
+              </a:rPr>
+              <a:t> by Daniels220, licensed under </a:t>
+            </a:r>
+            <a:r>
+              <a:rPr lang="en-US" sz="1200" u="sng" kern="1200" dirty="0" smtClean="0">
+                <a:solidFill>
+                  <a:schemeClr val="tx1"/>
+                </a:solidFill>
+                <a:effectLst/>
+                <a:latin typeface="+mn-lt"/>
+                <a:ea typeface="+mn-ea"/>
+                <a:cs typeface="+mn-cs"/>
+                <a:hlinkClick r:id="rId4"/>
+              </a:rPr>
+              <a:t>CC BY-SA</a:t>
+            </a:r>
+            <a:r>
+              <a:rPr lang="en-US" sz="1200" kern="1200" dirty="0" smtClean="0">
+                <a:solidFill>
+                  <a:schemeClr val="tx1"/>
+                </a:solidFill>
+                <a:effectLst/>
+                <a:latin typeface="+mn-lt"/>
+                <a:ea typeface="+mn-ea"/>
+                <a:cs typeface="+mn-cs"/>
+              </a:rPr>
+              <a:t>.</a:t>
+            </a:r>
+            <a:endParaRPr lang="en-US" dirty="0"/>
+          </a:p>
+        </p:txBody>
+      </p:sp>
+      <p:sp>
+        <p:nvSpPr>
+          <p:cNvPr id="4" name="Slide Number Placeholder 3"/>
+          <p:cNvSpPr>
+            <a:spLocks noGrp="1"/>
+          </p:cNvSpPr>
+          <p:nvPr>
+            <p:ph type="sldNum" sz="quarter" idx="10"/>
+          </p:nvPr>
+        </p:nvSpPr>
+        <p:spPr/>
+        <p:txBody>
+          <a:bodyPr/>
+          <a:lstStyle/>
+          <a:p>
+            <a:fld id="{5A6616C6-9DE0-4865-BC75-EB7C5EE0BF49}" type="slidenum">
+              <a:rPr lang="en-US" smtClean="0"/>
+              <a:t>29</a:t>
+            </a:fld>
+            <a:endParaRPr lang="en-US"/>
+          </a:p>
+        </p:txBody>
+      </p:sp>
+    </p:spTree>
+    <p:extLst>
+      <p:ext uri="{BB962C8B-B14F-4D97-AF65-F5344CB8AC3E}">
+        <p14:creationId xmlns:p14="http://schemas.microsoft.com/office/powerpoint/2010/main" val="3996148136"/>
+      </p:ext>
+    </p:extLst>
+  </p:cSld>
+  <p:clrMapOvr>
+    <a:masterClrMapping/>
+  </p:clrMapOvr>
+</p:notes>
+</file>
+
+<file path=ppt/notesSlides/notesSlide23.xml><?xml version="1.0" encoding="utf-8"?>
+<p:notes xmlns:a="http://schemas.openxmlformats.org/drawingml/2006/main" xmlns:r="http://schemas.openxmlformats.org/officeDocument/2006/relationships" xmlns:p="http://schemas.openxmlformats.org/presentationml/2006/main">
+  <p:cSld>
+    <p:spTree>
+      <p:nvGrpSpPr>
+        <p:cNvPr id="1" name=""/>
+        <p:cNvGrpSpPr/>
+        <p:nvPr/>
+      </p:nvGrpSpPr>
+      <p:grpSpPr>
+        <a:xfrm>
+          <a:off x="0" y="0"/>
+          <a:ext cx="0" cy="0"/>
+          <a:chOff x="0" y="0"/>
+          <a:chExt cx="0" cy="0"/>
+        </a:xfrm>
+      </p:grpSpPr>
+      <p:sp>
+        <p:nvSpPr>
+          <p:cNvPr id="2" name="Slide Image Placeholder 1"/>
+          <p:cNvSpPr>
+            <a:spLocks noGrp="1" noRot="1" noChangeAspect="1"/>
+          </p:cNvSpPr>
+          <p:nvPr>
+            <p:ph type="sldImg"/>
+          </p:nvPr>
+        </p:nvSpPr>
+        <p:spPr/>
+      </p:sp>
+      <p:sp>
+        <p:nvSpPr>
+          <p:cNvPr id="3" name="Notes Placeholder 2"/>
+          <p:cNvSpPr>
+            <a:spLocks noGrp="1"/>
+          </p:cNvSpPr>
+          <p:nvPr>
+            <p:ph type="body" idx="1"/>
+          </p:nvPr>
+        </p:nvSpPr>
+        <p:spPr/>
+        <p:txBody>
+          <a:bodyPr/>
+          <a:lstStyle/>
+          <a:p>
+            <a:r>
+              <a:rPr lang="en-US" dirty="0" smtClean="0"/>
+              <a:t>These</a:t>
+            </a:r>
+            <a:r>
+              <a:rPr lang="en-US" baseline="0" dirty="0" smtClean="0"/>
+              <a:t> pictures compare different ways to read a table in parallel.  The top, colorful chart shows reading one-partition-at-a-time.  The bottom, boring chart shows reading a table with a single SQL statement.</a:t>
+            </a:r>
+          </a:p>
+          <a:p>
+            <a:endParaRPr lang="en-US" baseline="0" dirty="0" smtClean="0"/>
+          </a:p>
+          <a:p>
+            <a:r>
+              <a:rPr lang="en-US" baseline="0" dirty="0" smtClean="0"/>
+              <a:t>In this case, boring is good.  The boring chart has very few edges, which means it's getting the most parallelism possible.  If we want to improve performance by X we need to have X threads running at every possible moment.</a:t>
+            </a:r>
+          </a:p>
+          <a:p>
+            <a:endParaRPr lang="en-US" baseline="0" dirty="0" smtClean="0"/>
+          </a:p>
+          <a:p>
+            <a:r>
+              <a:rPr lang="en-US" baseline="0" dirty="0" smtClean="0"/>
+              <a:t>We must have tools to measure and visualize utilization or we'd never know what's missing.</a:t>
+            </a:r>
+            <a:endParaRPr lang="en-US" dirty="0"/>
+          </a:p>
+        </p:txBody>
+      </p:sp>
+      <p:sp>
+        <p:nvSpPr>
+          <p:cNvPr id="4" name="Slide Number Placeholder 3"/>
+          <p:cNvSpPr>
+            <a:spLocks noGrp="1"/>
+          </p:cNvSpPr>
+          <p:nvPr>
+            <p:ph type="sldNum" sz="quarter" idx="10"/>
+          </p:nvPr>
+        </p:nvSpPr>
+        <p:spPr/>
+        <p:txBody>
+          <a:bodyPr/>
+          <a:lstStyle/>
+          <a:p>
+            <a:fld id="{5A6616C6-9DE0-4865-BC75-EB7C5EE0BF49}" type="slidenum">
+              <a:rPr lang="en-US" smtClean="0"/>
+              <a:t>31</a:t>
+            </a:fld>
+            <a:endParaRPr lang="en-US"/>
+          </a:p>
+        </p:txBody>
+      </p:sp>
+    </p:spTree>
+    <p:extLst>
+      <p:ext uri="{BB962C8B-B14F-4D97-AF65-F5344CB8AC3E}">
+        <p14:creationId xmlns:p14="http://schemas.microsoft.com/office/powerpoint/2010/main" val="2087203130"/>
+      </p:ext>
+    </p:extLst>
+  </p:cSld>
+  <p:clrMapOvr>
+    <a:masterClrMapping/>
+  </p:clrMapOvr>
+</p:notes>
+</file>
+
+<file path=ppt/notesSlides/notesSlide24.xml><?xml version="1.0" encoding="utf-8"?>
+<p:notes xmlns:a="http://schemas.openxmlformats.org/drawingml/2006/main" xmlns:r="http://schemas.openxmlformats.org/officeDocument/2006/relationships" xmlns:p="http://schemas.openxmlformats.org/presentationml/2006/main">
+  <p:cSld>
+    <p:spTree>
+      <p:nvGrpSpPr>
+        <p:cNvPr id="1" name=""/>
+        <p:cNvGrpSpPr/>
+        <p:nvPr/>
+      </p:nvGrpSpPr>
+      <p:grpSpPr>
+        <a:xfrm>
+          <a:off x="0" y="0"/>
+          <a:ext cx="0" cy="0"/>
+          <a:chOff x="0" y="0"/>
+          <a:chExt cx="0" cy="0"/>
+        </a:xfrm>
+      </p:grpSpPr>
+      <p:sp>
+        <p:nvSpPr>
+          <p:cNvPr id="2" name="Slide Image Placeholder 1"/>
+          <p:cNvSpPr>
+            <a:spLocks noGrp="1" noRot="1" noChangeAspect="1"/>
+          </p:cNvSpPr>
+          <p:nvPr>
+            <p:ph type="sldImg"/>
+          </p:nvPr>
+        </p:nvSpPr>
+        <p:spPr/>
+      </p:sp>
+      <p:sp>
+        <p:nvSpPr>
+          <p:cNvPr id="3" name="Notes Placeholder 2"/>
+          <p:cNvSpPr>
+            <a:spLocks noGrp="1"/>
+          </p:cNvSpPr>
+          <p:nvPr>
+            <p:ph type="body" idx="1"/>
+          </p:nvPr>
+        </p:nvSpPr>
+        <p:spPr/>
+        <p:txBody>
+          <a:bodyPr/>
+          <a:lstStyle/>
+          <a:p>
+            <a:r>
+              <a:rPr lang="en-US" dirty="0" smtClean="0"/>
+              <a:t>Changes</a:t>
+            </a:r>
+            <a:r>
+              <a:rPr lang="en-US" baseline="0" dirty="0" smtClean="0"/>
+              <a:t> like using direct-path writes are "only" a 3x improvement, but that's still pretty awesome.</a:t>
+            </a:r>
+            <a:endParaRPr lang="en-US" dirty="0"/>
+          </a:p>
+        </p:txBody>
+      </p:sp>
+      <p:sp>
+        <p:nvSpPr>
+          <p:cNvPr id="4" name="Slide Number Placeholder 3"/>
+          <p:cNvSpPr>
+            <a:spLocks noGrp="1"/>
+          </p:cNvSpPr>
+          <p:nvPr>
+            <p:ph type="sldNum" sz="quarter" idx="10"/>
+          </p:nvPr>
+        </p:nvSpPr>
+        <p:spPr/>
+        <p:txBody>
+          <a:bodyPr/>
+          <a:lstStyle/>
+          <a:p>
+            <a:fld id="{5A6616C6-9DE0-4865-BC75-EB7C5EE0BF49}" type="slidenum">
+              <a:rPr lang="en-US" smtClean="0"/>
+              <a:t>34</a:t>
+            </a:fld>
+            <a:endParaRPr lang="en-US"/>
+          </a:p>
+        </p:txBody>
+      </p:sp>
+    </p:spTree>
+    <p:extLst>
+      <p:ext uri="{BB962C8B-B14F-4D97-AF65-F5344CB8AC3E}">
+        <p14:creationId xmlns:p14="http://schemas.microsoft.com/office/powerpoint/2010/main" val="2597115283"/>
+      </p:ext>
+    </p:extLst>
+  </p:cSld>
+  <p:clrMapOvr>
+    <a:masterClrMapping/>
+  </p:clrMapOvr>
+</p:notes>
+</file>
+
+<file path=ppt/notesSlides/notesSlide25.xml><?xml version="1.0" encoding="utf-8"?>
+<p:notes xmlns:a="http://schemas.openxmlformats.org/drawingml/2006/main" xmlns:r="http://schemas.openxmlformats.org/officeDocument/2006/relationships" xmlns:p="http://schemas.openxmlformats.org/presentationml/2006/main">
+  <p:cSld>
+    <p:spTree>
+      <p:nvGrpSpPr>
+        <p:cNvPr id="1" name=""/>
+        <p:cNvGrpSpPr/>
+        <p:nvPr/>
+      </p:nvGrpSpPr>
+      <p:grpSpPr>
+        <a:xfrm>
+          <a:off x="0" y="0"/>
+          <a:ext cx="0" cy="0"/>
+          <a:chOff x="0" y="0"/>
+          <a:chExt cx="0" cy="0"/>
+        </a:xfrm>
+      </p:grpSpPr>
+      <p:sp>
+        <p:nvSpPr>
+          <p:cNvPr id="2" name="Slide Image Placeholder 1"/>
+          <p:cNvSpPr>
+            <a:spLocks noGrp="1" noRot="1" noChangeAspect="1"/>
+          </p:cNvSpPr>
+          <p:nvPr>
+            <p:ph type="sldImg"/>
+          </p:nvPr>
+        </p:nvSpPr>
+        <p:spPr/>
+      </p:sp>
+      <p:sp>
+        <p:nvSpPr>
+          <p:cNvPr id="3" name="Notes Placeholder 2"/>
+          <p:cNvSpPr>
+            <a:spLocks noGrp="1"/>
+          </p:cNvSpPr>
+          <p:nvPr>
+            <p:ph type="body" idx="1"/>
+          </p:nvPr>
+        </p:nvSpPr>
+        <p:spPr/>
+        <p:txBody>
+          <a:bodyPr/>
+          <a:lstStyle/>
+          <a:p>
+            <a:r>
+              <a:rPr lang="en-US" b="1" dirty="0" smtClean="0"/>
+              <a:t>Difficult</a:t>
+            </a:r>
+            <a:r>
+              <a:rPr lang="en-US" b="1" baseline="0" dirty="0" smtClean="0"/>
+              <a:t> choice:</a:t>
+            </a:r>
+            <a:r>
+              <a:rPr lang="en-US" baseline="0" dirty="0" smtClean="0"/>
+              <a:t> It's not obvious when a full table scan is cheaper than an index read.  It depends on the percentage of the index and how big the data is.</a:t>
+            </a:r>
+          </a:p>
+          <a:p>
+            <a:r>
+              <a:rPr lang="en-US" b="1" baseline="0" dirty="0" smtClean="0"/>
+              <a:t>Other factors:</a:t>
+            </a:r>
+            <a:r>
+              <a:rPr lang="en-US" baseline="0" dirty="0" smtClean="0"/>
+              <a:t> Clustering factor, multi-block versus single-block read time affect the choice.</a:t>
+            </a:r>
+          </a:p>
+          <a:p>
+            <a:r>
+              <a:rPr lang="en-US" b="1" baseline="0" dirty="0" smtClean="0"/>
+              <a:t>Theory versus practice:</a:t>
+            </a:r>
+            <a:r>
+              <a:rPr lang="en-US" baseline="0" dirty="0" smtClean="0"/>
+              <a:t> Theory tells us the *shape*, but practice tells us the actual number where they diverge.</a:t>
+            </a:r>
+          </a:p>
+          <a:p>
+            <a:r>
+              <a:rPr lang="en-US" b="1" baseline="0" dirty="0" smtClean="0"/>
+              <a:t>Cardinality:</a:t>
+            </a:r>
+            <a:r>
+              <a:rPr lang="en-US" baseline="0" dirty="0" smtClean="0"/>
+              <a:t> This is why cardinality is important.  Oracle must know where on the X-axis we are, to know which choice is better.</a:t>
+            </a:r>
+            <a:endParaRPr lang="en-US" dirty="0"/>
+          </a:p>
+        </p:txBody>
+      </p:sp>
+      <p:sp>
+        <p:nvSpPr>
+          <p:cNvPr id="4" name="Slide Number Placeholder 3"/>
+          <p:cNvSpPr>
+            <a:spLocks noGrp="1"/>
+          </p:cNvSpPr>
+          <p:nvPr>
+            <p:ph type="sldNum" sz="quarter" idx="10"/>
+          </p:nvPr>
+        </p:nvSpPr>
+        <p:spPr/>
+        <p:txBody>
+          <a:bodyPr/>
+          <a:lstStyle/>
+          <a:p>
+            <a:fld id="{5A6616C6-9DE0-4865-BC75-EB7C5EE0BF49}" type="slidenum">
+              <a:rPr lang="en-US" smtClean="0"/>
+              <a:t>37</a:t>
+            </a:fld>
+            <a:endParaRPr lang="en-US"/>
+          </a:p>
+        </p:txBody>
+      </p:sp>
+    </p:spTree>
+    <p:extLst>
+      <p:ext uri="{BB962C8B-B14F-4D97-AF65-F5344CB8AC3E}">
+        <p14:creationId xmlns:p14="http://schemas.microsoft.com/office/powerpoint/2010/main" val="3435678858"/>
+      </p:ext>
+    </p:extLst>
+  </p:cSld>
+  <p:clrMapOvr>
+    <a:masterClrMapping/>
+  </p:clrMapOvr>
+</p:notes>
+</file>
+
+<file path=ppt/notesSlides/notesSlide26.xml><?xml version="1.0" encoding="utf-8"?>
+<p:notes xmlns:a="http://schemas.openxmlformats.org/drawingml/2006/main" xmlns:r="http://schemas.openxmlformats.org/officeDocument/2006/relationships" xmlns:p="http://schemas.openxmlformats.org/presentationml/2006/main">
+  <p:cSld>
+    <p:spTree>
+      <p:nvGrpSpPr>
+        <p:cNvPr id="1" name=""/>
+        <p:cNvGrpSpPr/>
+        <p:nvPr/>
+      </p:nvGrpSpPr>
+      <p:grpSpPr>
+        <a:xfrm>
+          <a:off x="0" y="0"/>
+          <a:ext cx="0" cy="0"/>
+          <a:chOff x="0" y="0"/>
+          <a:chExt cx="0" cy="0"/>
+        </a:xfrm>
+      </p:grpSpPr>
+      <p:sp>
+        <p:nvSpPr>
+          <p:cNvPr id="2" name="Slide Image Placeholder 1"/>
+          <p:cNvSpPr>
+            <a:spLocks noGrp="1" noRot="1" noChangeAspect="1"/>
+          </p:cNvSpPr>
+          <p:nvPr>
+            <p:ph type="sldImg"/>
+          </p:nvPr>
+        </p:nvSpPr>
+        <p:spPr/>
+      </p:sp>
+      <p:sp>
+        <p:nvSpPr>
+          <p:cNvPr id="3" name="Notes Placeholder 2"/>
+          <p:cNvSpPr>
+            <a:spLocks noGrp="1"/>
+          </p:cNvSpPr>
+          <p:nvPr>
+            <p:ph type="body" idx="1"/>
+          </p:nvPr>
+        </p:nvSpPr>
+        <p:spPr/>
+        <p:txBody>
+          <a:bodyPr/>
+          <a:lstStyle/>
+          <a:p>
+            <a:endParaRPr lang="en-US" dirty="0"/>
+          </a:p>
+        </p:txBody>
+      </p:sp>
+      <p:sp>
+        <p:nvSpPr>
+          <p:cNvPr id="4" name="Slide Number Placeholder 3"/>
+          <p:cNvSpPr>
+            <a:spLocks noGrp="1"/>
+          </p:cNvSpPr>
+          <p:nvPr>
+            <p:ph type="sldNum" sz="quarter" idx="10"/>
+          </p:nvPr>
+        </p:nvSpPr>
+        <p:spPr/>
+        <p:txBody>
+          <a:bodyPr/>
+          <a:lstStyle/>
+          <a:p>
+            <a:fld id="{5A6616C6-9DE0-4865-BC75-EB7C5EE0BF49}" type="slidenum">
+              <a:rPr lang="en-US" smtClean="0"/>
+              <a:t>39</a:t>
+            </a:fld>
+            <a:endParaRPr lang="en-US"/>
+          </a:p>
+        </p:txBody>
+      </p:sp>
+    </p:spTree>
+    <p:extLst>
+      <p:ext uri="{BB962C8B-B14F-4D97-AF65-F5344CB8AC3E}">
+        <p14:creationId xmlns:p14="http://schemas.microsoft.com/office/powerpoint/2010/main" val="24726982"/>
+      </p:ext>
+    </p:extLst>
+  </p:cSld>
+  <p:clrMapOvr>
+    <a:masterClrMapping/>
+  </p:clrMapOvr>
+</p:notes>
+</file>
+
+<file path=ppt/notesSlides/notesSlide27.xml><?xml version="1.0" encoding="utf-8"?>
+<p:notes xmlns:a="http://schemas.openxmlformats.org/drawingml/2006/main" xmlns:r="http://schemas.openxmlformats.org/officeDocument/2006/relationships" xmlns:p="http://schemas.openxmlformats.org/presentationml/2006/main">
+  <p:cSld>
+    <p:spTree>
+      <p:nvGrpSpPr>
+        <p:cNvPr id="1" name=""/>
+        <p:cNvGrpSpPr/>
+        <p:nvPr/>
+      </p:nvGrpSpPr>
+      <p:grpSpPr>
+        <a:xfrm>
+          <a:off x="0" y="0"/>
+          <a:ext cx="0" cy="0"/>
+          <a:chOff x="0" y="0"/>
+          <a:chExt cx="0" cy="0"/>
+        </a:xfrm>
+      </p:grpSpPr>
+      <p:sp>
+        <p:nvSpPr>
+          <p:cNvPr id="2" name="Slide Image Placeholder 1"/>
+          <p:cNvSpPr>
+            <a:spLocks noGrp="1" noRot="1" noChangeAspect="1"/>
+          </p:cNvSpPr>
+          <p:nvPr>
+            <p:ph type="sldImg"/>
+          </p:nvPr>
+        </p:nvSpPr>
+        <p:spPr/>
+      </p:sp>
+      <p:sp>
+        <p:nvSpPr>
+          <p:cNvPr id="3" name="Notes Placeholder 2"/>
+          <p:cNvSpPr>
+            <a:spLocks noGrp="1"/>
+          </p:cNvSpPr>
+          <p:nvPr>
+            <p:ph type="body" idx="1"/>
+          </p:nvPr>
+        </p:nvSpPr>
+        <p:spPr/>
+        <p:txBody>
+          <a:bodyPr/>
+          <a:lstStyle/>
+          <a:p>
+            <a:r>
+              <a:rPr lang="en-US" dirty="0" smtClean="0"/>
+              <a:t>Chart is from my answer here:</a:t>
+            </a:r>
+            <a:r>
+              <a:rPr lang="en-US" baseline="0" dirty="0" smtClean="0"/>
+              <a:t> https://stackoverflow.com/questions/8188093/oracle-always-uses-hash-join-even-when-both-tables-are-huge</a:t>
+            </a:r>
+            <a:endParaRPr lang="en-US" dirty="0"/>
+          </a:p>
+        </p:txBody>
+      </p:sp>
+      <p:sp>
+        <p:nvSpPr>
+          <p:cNvPr id="4" name="Slide Number Placeholder 3"/>
+          <p:cNvSpPr>
+            <a:spLocks noGrp="1"/>
+          </p:cNvSpPr>
+          <p:nvPr>
+            <p:ph type="sldNum" sz="quarter" idx="10"/>
+          </p:nvPr>
+        </p:nvSpPr>
+        <p:spPr/>
+        <p:txBody>
+          <a:bodyPr/>
+          <a:lstStyle/>
+          <a:p>
+            <a:fld id="{5A6616C6-9DE0-4865-BC75-EB7C5EE0BF49}" type="slidenum">
+              <a:rPr lang="en-US" smtClean="0"/>
+              <a:t>40</a:t>
+            </a:fld>
+            <a:endParaRPr lang="en-US"/>
+          </a:p>
+        </p:txBody>
+      </p:sp>
+    </p:spTree>
+    <p:extLst>
+      <p:ext uri="{BB962C8B-B14F-4D97-AF65-F5344CB8AC3E}">
+        <p14:creationId xmlns:p14="http://schemas.microsoft.com/office/powerpoint/2010/main" val="23698583"/>
+      </p:ext>
+    </p:extLst>
+  </p:cSld>
+  <p:clrMapOvr>
+    <a:masterClrMapping/>
+  </p:clrMapOvr>
+</p:notes>
+</file>
+
+<file path=ppt/notesSlides/notesSlide28.xml><?xml version="1.0" encoding="utf-8"?>
+<p:notes xmlns:a="http://schemas.openxmlformats.org/drawingml/2006/main" xmlns:r="http://schemas.openxmlformats.org/officeDocument/2006/relationships" xmlns:p="http://schemas.openxmlformats.org/presentationml/2006/main">
+  <p:cSld>
+    <p:spTree>
+      <p:nvGrpSpPr>
+        <p:cNvPr id="1" name=""/>
+        <p:cNvGrpSpPr/>
+        <p:nvPr/>
+      </p:nvGrpSpPr>
+      <p:grpSpPr>
+        <a:xfrm>
+          <a:off x="0" y="0"/>
+          <a:ext cx="0" cy="0"/>
+          <a:chOff x="0" y="0"/>
+          <a:chExt cx="0" cy="0"/>
+        </a:xfrm>
+      </p:grpSpPr>
+      <p:sp>
+        <p:nvSpPr>
+          <p:cNvPr id="2" name="Slide Image Placeholder 1"/>
+          <p:cNvSpPr>
+            <a:spLocks noGrp="1" noRot="1" noChangeAspect="1"/>
+          </p:cNvSpPr>
+          <p:nvPr>
+            <p:ph type="sldImg"/>
+          </p:nvPr>
+        </p:nvSpPr>
+        <p:spPr/>
+      </p:sp>
+      <p:sp>
+        <p:nvSpPr>
+          <p:cNvPr id="3" name="Notes Placeholder 2"/>
+          <p:cNvSpPr>
+            <a:spLocks noGrp="1"/>
+          </p:cNvSpPr>
+          <p:nvPr>
+            <p:ph type="body" idx="1"/>
+          </p:nvPr>
+        </p:nvSpPr>
+        <p:spPr/>
+        <p:txBody>
+          <a:bodyPr/>
+          <a:lstStyle/>
+          <a:p>
+            <a:endParaRPr lang="en-US" dirty="0"/>
+          </a:p>
+        </p:txBody>
+      </p:sp>
+      <p:sp>
+        <p:nvSpPr>
+          <p:cNvPr id="4" name="Slide Number Placeholder 3"/>
+          <p:cNvSpPr>
+            <a:spLocks noGrp="1"/>
+          </p:cNvSpPr>
+          <p:nvPr>
+            <p:ph type="sldNum" sz="quarter" idx="10"/>
+          </p:nvPr>
+        </p:nvSpPr>
+        <p:spPr/>
+        <p:txBody>
+          <a:bodyPr/>
+          <a:lstStyle/>
+          <a:p>
+            <a:fld id="{5A6616C6-9DE0-4865-BC75-EB7C5EE0BF49}" type="slidenum">
+              <a:rPr lang="en-US" smtClean="0"/>
+              <a:t>49</a:t>
+            </a:fld>
+            <a:endParaRPr lang="en-US"/>
+          </a:p>
+        </p:txBody>
+      </p:sp>
+    </p:spTree>
+    <p:extLst>
+      <p:ext uri="{BB962C8B-B14F-4D97-AF65-F5344CB8AC3E}">
+        <p14:creationId xmlns:p14="http://schemas.microsoft.com/office/powerpoint/2010/main" val="2780744985"/>
       </p:ext>
     </p:extLst>
   </p:cSld>
@@ -1501,6 +3150,49 @@
           <a:bodyPr/>
           <a:lstStyle/>
           <a:p>
+            <a:pPr marL="0" marR="0" indent="0" algn="l" defTabSz="914378" rtl="0" eaLnBrk="1" fontAlgn="auto" latinLnBrk="0" hangingPunct="1">
+              <a:lnSpc>
+                <a:spcPct val="100000"/>
+              </a:lnSpc>
+              <a:spcBef>
+                <a:spcPts val="0"/>
+              </a:spcBef>
+              <a:spcAft>
+                <a:spcPts val="0"/>
+              </a:spcAft>
+              <a:buClrTx/>
+              <a:buSzTx/>
+              <a:buFontTx/>
+              <a:buNone/>
+              <a:tabLst/>
+              <a:defRPr/>
+            </a:pPr>
+            <a:r>
+              <a:rPr lang="en-US" dirty="0" smtClean="0"/>
+              <a:t>https://www.amazon.com/Pro-Oracle-SQL-Development-Practices/dp/1484245164/</a:t>
+            </a:r>
+          </a:p>
+          <a:p>
+            <a:r>
+              <a:rPr lang="en-US" dirty="0" smtClean="0"/>
+              <a:t>https://www.apress.com/us/book/9781484245163</a:t>
+            </a:r>
+          </a:p>
+          <a:p>
+            <a:r>
+              <a:rPr lang="en-US" dirty="0" smtClean="0"/>
+              <a:t>This book should be out in late</a:t>
+            </a:r>
+            <a:r>
+              <a:rPr lang="en-US" baseline="0" dirty="0" smtClean="0"/>
+              <a:t> April, 2019.</a:t>
+            </a:r>
+          </a:p>
+          <a:p>
+            <a:r>
+              <a:rPr lang="en-US" baseline="0" dirty="0" smtClean="0"/>
+              <a:t>This chapter is not truly representative of the book.  The book focuses on SQL development processes, advanced features, style guidelines, and tuning.</a:t>
+            </a:r>
             <a:endParaRPr lang="en-US" dirty="0"/>
           </a:p>
         </p:txBody>
@@ -1522,16 +3214,16 @@
           <a:p>
             <a:fld id="{5A6616C6-9DE0-4865-BC75-EB7C5EE0BF49}" type="slidenum">
               <a:rPr lang="en-US" smtClean="0"/>
-              <a:t>15</a:t>
+              <a:t>4</a:t>
             </a:fld>
-            <a:endParaRPr lang="en-US"/>
+            <a:endParaRPr lang="en-US" dirty="0"/>
           </a:p>
         </p:txBody>
       </p:sp>
     </p:spTree>
     <p:extLst>
       <p:ext uri="{BB962C8B-B14F-4D97-AF65-F5344CB8AC3E}">
-        <p14:creationId xmlns:p14="http://schemas.microsoft.com/office/powerpoint/2010/main" val="3577064392"/>
+        <p14:creationId xmlns:p14="http://schemas.microsoft.com/office/powerpoint/2010/main" val="379492785"/>
       </p:ext>
     </p:extLst>
   </p:cSld>
@@ -1585,6 +3277,58 @@
           <a:bodyPr/>
           <a:lstStyle/>
           <a:p>
+            <a:pPr marL="171450" indent="-171450">
+              <a:buFont typeface="Arial" charset="0"/>
+              <a:buChar char="•"/>
+            </a:pPr>
+            <a:r>
+              <a:rPr lang="en-US" dirty="0" smtClean="0"/>
+              <a:t>Most tuning happens long</a:t>
+            </a:r>
+            <a:r>
+              <a:rPr lang="en-US" baseline="0" dirty="0" smtClean="0"/>
+              <a:t> before you ask for execution plans.  Writing clear code is the best way to write fast code.</a:t>
+            </a:r>
+          </a:p>
+          <a:p>
+            <a:pPr marL="171450" indent="-171450">
+              <a:buFont typeface="Arial" charset="0"/>
+              <a:buChar char="•"/>
+            </a:pPr>
+            <a:r>
+              <a:rPr lang="en-US" baseline="0" dirty="0" smtClean="0"/>
+              <a:t>Performance tuning is different than troubleshooting.  With troubleshooting, we can find the smallest possible problem and drill-down infinitely until we find the cause.  For bug hunting, every fix helps, and we can have a utopian view of our code.  But that approach will never work for performance tuning, where everything takes up time and there are always red herrings.</a:t>
+            </a:r>
+          </a:p>
+          <a:p>
+            <a:pPr marL="171450" indent="-171450">
+              <a:buFont typeface="Arial" charset="0"/>
+              <a:buChar char="•"/>
+            </a:pPr>
+            <a:r>
+              <a:rPr lang="en-US" baseline="0" dirty="0" smtClean="0"/>
+              <a:t>We must only look for the first significant problem, which is where experience makes a big difference.</a:t>
+            </a:r>
+          </a:p>
+          <a:p>
+            <a:pPr marL="171450" indent="-171450">
+              <a:buFont typeface="Arial" charset="0"/>
+              <a:buChar char="•"/>
+            </a:pPr>
+            <a:r>
+              <a:rPr lang="en-US" baseline="0" dirty="0" smtClean="0"/>
+              <a:t>For tuning, we need to try multiple styles quickly: system tuning, database tuning, SQL tuning, looking at cardinalities, phone-a-friend, resource consumption, etc.</a:t>
+            </a:r>
+          </a:p>
+          <a:p>
+            <a:pPr marL="171450" indent="-171450">
+              <a:buFont typeface="Arial" charset="0"/>
+              <a:buChar char="•"/>
+            </a:pPr>
+            <a:r>
+              <a:rPr lang="en-US" baseline="0" dirty="0" smtClean="0"/>
+              <a:t>Algorithm analysis is not the most important tuning method, but it's a helpful piece that everybody leaves out.  It's good to have a simple mathematical description of the foundation of our problems.</a:t>
+            </a:r>
             <a:endParaRPr lang="en-US" dirty="0"/>
           </a:p>
         </p:txBody>
@@ -1606,16 +3350,16 @@
           <a:p>
             <a:fld id="{5A6616C6-9DE0-4865-BC75-EB7C5EE0BF49}" type="slidenum">
               <a:rPr lang="en-US" smtClean="0"/>
-              <a:t>16</a:t>
+              <a:t>5</a:t>
             </a:fld>
-            <a:endParaRPr lang="en-US"/>
+            <a:endParaRPr lang="en-US" dirty="0"/>
           </a:p>
         </p:txBody>
       </p:sp>
     </p:spTree>
     <p:extLst>
       <p:ext uri="{BB962C8B-B14F-4D97-AF65-F5344CB8AC3E}">
-        <p14:creationId xmlns:p14="http://schemas.microsoft.com/office/powerpoint/2010/main" val="3025345395"/>
+        <p14:creationId xmlns:p14="http://schemas.microsoft.com/office/powerpoint/2010/main" val="2204371833"/>
       </p:ext>
     </p:extLst>
   </p:cSld>
@@ -1669,35 +3413,46 @@
           <a:bodyPr/>
           <a:lstStyle/>
           <a:p>
-            <a:pPr marL="0" marR="0" indent="0" algn="l" defTabSz="914378" rtl="0" eaLnBrk="1" fontAlgn="auto" latinLnBrk="0" hangingPunct="1">
-              <a:lnSpc>
-                <a:spcPct val="100000"/>
-              </a:lnSpc>
-              <a:spcBef>
-                <a:spcPts val="0"/>
-              </a:spcBef>
-              <a:spcAft>
-                <a:spcPts val="0"/>
-              </a:spcAft>
-              <a:buClrTx/>
-              <a:buSzTx/>
-              <a:buFontTx/>
-              <a:buNone/>
-              <a:tabLst/>
-              <a:defRPr/>
+            <a:pPr marL="171450" indent="-171450">
+              <a:buFont typeface="Arial" charset="0"/>
+              <a:buChar char="•"/>
             </a:pPr>
             <a:r>
               <a:rPr lang="en-US" dirty="0" smtClean="0"/>
-              <a:t>By Jorge </a:t>
-            </a:r>
-            <a:r>
-              <a:rPr lang="en-US" dirty="0" err="1" smtClean="0"/>
-              <a:t>Stolfi</a:t>
-            </a:r>
-            <a:r>
-              <a:rPr lang="en-US" dirty="0" smtClean="0"/>
-              <a:t> - Own work, Public Domain, https://commons.wikimedia.org/w/index.php?curid=6601264</a:t>
-            </a:r>
+              <a:t>Programming is one of the few fields with orders of magnitude difference in skill level between professionals.  We’ve all had to deal with coworkers who are only one tenth as productive as us, and we’ve all been humbled by developers whose code is ten times better than ours.  With performance tuning those numbers get even higher, and the rewards are greater.  It’s exhilarating when we make a small tweak and something runs a million times faster.</a:t>
+            </a:r>
+          </a:p>
+          <a:p>
+            <a:pPr marL="171450" indent="-171450">
+              <a:buFont typeface="Arial" charset="0"/>
+              <a:buChar char="•"/>
+            </a:pPr>
+            <a:r>
+              <a:rPr lang="en-US" dirty="0" smtClean="0"/>
+              <a:t>We like to talk about things being "X times</a:t>
+            </a:r>
+            <a:r>
+              <a:rPr lang="en-US" baseline="0" dirty="0" smtClean="0"/>
+              <a:t> faster or slower", but that's only the story at a single point-in-time.</a:t>
+            </a:r>
+          </a:p>
+          <a:p>
+            <a:pPr marL="171450" indent="-171450">
+              <a:buFont typeface="Arial" charset="0"/>
+              <a:buChar char="•"/>
+            </a:pPr>
+            <a:r>
+              <a:rPr lang="en-US" baseline="0" dirty="0" smtClean="0"/>
+              <a:t>We need to think about the slope instead of a single point.  We want to know how is our application going to grow with the data size.</a:t>
+            </a:r>
+            <a:endParaRPr lang="en-US" dirty="0" smtClean="0"/>
+          </a:p>
+          <a:p>
+            <a:pPr marL="171450" indent="-171450">
+              <a:buFont typeface="Arial" charset="0"/>
+              <a:buChar char="•"/>
+            </a:pPr>
+            <a:endParaRPr lang="en-US" dirty="0"/>
           </a:p>
         </p:txBody>
       </p:sp>
@@ -1718,7 +3473,7 @@
           <a:p>
             <a:fld id="{5A6616C6-9DE0-4865-BC75-EB7C5EE0BF49}" type="slidenum">
               <a:rPr lang="en-US" smtClean="0"/>
-              <a:t>17</a:t>
+              <a:t>6</a:t>
             </a:fld>
             <a:endParaRPr lang="en-US"/>
           </a:p>
@@ -1727,7 +3482,7 @@
     </p:spTree>
     <p:extLst>
       <p:ext uri="{BB962C8B-B14F-4D97-AF65-F5344CB8AC3E}">
-        <p14:creationId xmlns:p14="http://schemas.microsoft.com/office/powerpoint/2010/main" val="1412735394"/>
+        <p14:creationId xmlns:p14="http://schemas.microsoft.com/office/powerpoint/2010/main" val="4113047471"/>
       </p:ext>
     </p:extLst>
   </p:cSld>
@@ -1781,53 +3536,95 @@
           <a:bodyPr/>
           <a:lstStyle/>
           <a:p>
-            <a:r>
-              <a:rPr lang="en-US" sz="1200" kern="1200" dirty="0" smtClean="0">
-                <a:solidFill>
-                  <a:schemeClr val="tx1"/>
-                </a:solidFill>
-                <a:effectLst/>
-                <a:latin typeface="+mn-lt"/>
-                <a:ea typeface="+mn-ea"/>
-                <a:cs typeface="+mn-cs"/>
-              </a:rPr>
-              <a:t>See this Stack Overflow answer, where I try and fail to create a useful constant-time index using hash clusters: </a:t>
-            </a:r>
-            <a:r>
-              <a:rPr lang="en-US" sz="1200" u="sng" kern="1200" dirty="0" smtClean="0">
-                <a:solidFill>
-                  <a:schemeClr val="tx1"/>
-                </a:solidFill>
-                <a:effectLst/>
-                <a:latin typeface="+mn-lt"/>
-                <a:ea typeface="+mn-ea"/>
-                <a:cs typeface="+mn-cs"/>
-                <a:hlinkClick r:id="rId3"/>
-              </a:rPr>
-              <a:t>https://</a:t>
-            </a:r>
-            <a:r>
-              <a:rPr lang="en-US" sz="1200" u="sng" kern="1200" dirty="0" smtClean="0">
-                <a:solidFill>
-                  <a:schemeClr val="tx1"/>
-                </a:solidFill>
-                <a:effectLst/>
-                <a:latin typeface="+mn-lt"/>
-                <a:ea typeface="+mn-ea"/>
-                <a:cs typeface="+mn-cs"/>
-                <a:hlinkClick r:id="rId3"/>
-              </a:rPr>
-              <a:t>stackoverflow.com/questions/32071259/constant-time-index-for-string-column-on-oracle-database</a:t>
-            </a:r>
-            <a:endParaRPr lang="en-US" sz="1200" u="sng" kern="1200" dirty="0" smtClean="0">
-              <a:solidFill>
-                <a:schemeClr val="tx1"/>
-              </a:solidFill>
-              <a:effectLst/>
-              <a:latin typeface="+mn-lt"/>
-              <a:ea typeface="+mn-ea"/>
-              <a:cs typeface="+mn-cs"/>
-            </a:endParaRPr>
+            <a:pPr marL="171450" indent="-171450">
+              <a:buFont typeface="Arial" charset="0"/>
+              <a:buChar char="•"/>
+            </a:pPr>
+            <a:r>
+              <a:rPr lang="en-US" dirty="0" smtClean="0"/>
+              <a:t>Although</a:t>
+            </a:r>
+            <a:r>
+              <a:rPr lang="en-US" baseline="0" dirty="0" smtClean="0"/>
+              <a:t> algorithm analysis is usually taught in college it only requires high school math.  And most of the hard work has already been done for us.  For example, it's already been proven that sorting cannot be done faster than O(N*LOG(N)), we don't need to re-prove it here.</a:t>
+            </a:r>
+          </a:p>
+          <a:p>
+            <a:pPr marL="171450" indent="-171450">
+              <a:buFont typeface="Arial" charset="0"/>
+              <a:buChar char="•"/>
+            </a:pPr>
+            <a:r>
+              <a:rPr lang="en-US" baseline="0" dirty="0" smtClean="0"/>
+              <a:t>Most of this presentation is about time.  Although space can be important, and will occasionally be discussed.  There is an asterisk by run-time because we're not actually measuring the literal wall-clock time.  Algorithm analysis depends on generic "steps", not seconds, minutes, or hours.</a:t>
+            </a:r>
+          </a:p>
+          <a:p>
+            <a:pPr marL="171450" indent="-171450">
+              <a:buFont typeface="Arial" charset="0"/>
+              <a:buChar char="•"/>
+            </a:pPr>
+            <a:r>
+              <a:rPr lang="en-US" baseline="0" dirty="0" smtClean="0"/>
+              <a:t>There are many different ways to describe these functions.  For simplicity we will only use the Big O worst-case complexity.</a:t>
+            </a:r>
+          </a:p>
+          <a:p>
+            <a:pPr marL="171450" indent="-171450">
+              <a:buFont typeface="Arial" charset="0"/>
+              <a:buChar char="•"/>
+            </a:pPr>
+            <a:r>
+              <a:rPr lang="en-US" baseline="0" dirty="0" smtClean="0"/>
+              <a:t>Instead of saying "A is X times slower than B at point Y", we can say "A is O(N^2) and B is O(N)."</a:t>
+            </a:r>
+          </a:p>
+          <a:p>
+            <a:pPr marL="171450" indent="-171450">
+              <a:buFont typeface="Arial" charset="0"/>
+              <a:buChar char="•"/>
+            </a:pPr>
+            <a:r>
+              <a:rPr lang="en-US" baseline="0" dirty="0" smtClean="0"/>
+              <a:t>This presentation is going to ignore a ginormous amount of implementation details and constants.  Those details definitely matter, and can sometimes override algorithm complexity, but in many cases we can ignore them.</a:t>
+            </a:r>
+          </a:p>
+          <a:p>
+            <a:pPr marL="171450" indent="-171450">
+              <a:buFont typeface="Arial" charset="0"/>
+              <a:buChar char="•"/>
+            </a:pPr>
+            <a:r>
+              <a:rPr lang="en-US" baseline="0" dirty="0" smtClean="0"/>
+              <a:t>A surprisingly small number of functions can describe every possible database operation, as we'll see later.</a:t>
+            </a:r>
+          </a:p>
+          <a:p>
+            <a:pPr marL="171450" indent="-171450">
+              <a:buFont typeface="Arial" charset="0"/>
+              <a:buChar char="•"/>
+            </a:pPr>
+            <a:r>
+              <a:rPr lang="en-US" baseline="0" dirty="0" smtClean="0"/>
+              <a:t>Algorithm analysis helps with proactive tuning because we need to know the advantages of different data structures - for example, why should we build indexes?  Algorithm analysis is helpful for reactive tuning because we need to compare the algorithms and data structures that Oracle chose, and try to determine why it made a bad choice.</a:t>
+            </a:r>
+          </a:p>
+          <a:p>
+            <a:pPr marL="171450" indent="-171450">
+              <a:buFont typeface="Arial" charset="0"/>
+              <a:buChar char="•"/>
+            </a:pPr>
+            <a:r>
+              <a:rPr lang="en-US" baseline="0" dirty="0" smtClean="0"/>
+              <a:t>There are an infinite number of functions, this presentation only focuses on a small number of functions that are relevant for Oracle database operations.</a:t>
+            </a:r>
+          </a:p>
+          <a:p>
+            <a:pPr marL="171450" indent="-171450">
+              <a:buFont typeface="Arial" charset="0"/>
+              <a:buChar char="•"/>
+            </a:pPr>
+            <a:endParaRPr lang="en-US" dirty="0"/>
           </a:p>
         </p:txBody>
       </p:sp>
@@ -1848,7 +3645,7 @@
           <a:p>
             <a:fld id="{5A6616C6-9DE0-4865-BC75-EB7C5EE0BF49}" type="slidenum">
               <a:rPr lang="en-US" smtClean="0"/>
-              <a:t>19</a:t>
+              <a:t>7</a:t>
             </a:fld>
             <a:endParaRPr lang="en-US"/>
           </a:p>
@@ -1857,7 +3654,7 @@
     </p:spTree>
     <p:extLst>
       <p:ext uri="{BB962C8B-B14F-4D97-AF65-F5344CB8AC3E}">
-        <p14:creationId xmlns:p14="http://schemas.microsoft.com/office/powerpoint/2010/main" val="1699038351"/>
+        <p14:creationId xmlns:p14="http://schemas.microsoft.com/office/powerpoint/2010/main" val="4076773165"/>
       </p:ext>
     </p:extLst>
   </p:cSld>
@@ -1911,118 +3708,18 @@
           <a:bodyPr/>
           <a:lstStyle/>
           <a:p>
-            <a:pPr marL="0" marR="0" indent="0" algn="l" defTabSz="914400" rtl="0" eaLnBrk="1" fontAlgn="auto" latinLnBrk="0" hangingPunct="1">
-              <a:lnSpc>
-                <a:spcPct val="100000"/>
-              </a:lnSpc>
-              <a:spcBef>
-                <a:spcPts val="0"/>
-              </a:spcBef>
-              <a:spcAft>
-                <a:spcPts val="0"/>
-              </a:spcAft>
-              <a:buClrTx/>
-              <a:buSzTx/>
-              <a:buFontTx/>
-              <a:buNone/>
-              <a:tabLst/>
-              <a:defRPr/>
+            <a:pPr marL="171450" indent="-171450">
+              <a:buFont typeface="Arial" charset="0"/>
+              <a:buChar char="•"/>
             </a:pPr>
             <a:r>
-              <a:rPr lang="en-US" sz="1200" kern="1200" dirty="0" smtClean="0">
-                <a:solidFill>
-                  <a:schemeClr val="tx1"/>
-                </a:solidFill>
-                <a:effectLst/>
-                <a:latin typeface="+mn-lt"/>
-                <a:ea typeface="+mn-ea"/>
-                <a:cs typeface="+mn-cs"/>
-              </a:rPr>
-              <a:t>Binary search algorithm image created by </a:t>
-            </a:r>
-            <a:r>
-              <a:rPr lang="en-US" sz="1200" u="sng" kern="1200" dirty="0" smtClean="0">
-                <a:solidFill>
-                  <a:schemeClr val="tx1"/>
-                </a:solidFill>
-                <a:effectLst/>
-                <a:latin typeface="+mn-lt"/>
-                <a:ea typeface="+mn-ea"/>
-                <a:cs typeface="+mn-cs"/>
-                <a:hlinkClick r:id="rId3"/>
-              </a:rPr>
-              <a:t>Chris Martin</a:t>
-            </a:r>
-            <a:r>
-              <a:rPr lang="en-US" sz="1200" kern="1200" dirty="0" smtClean="0">
-                <a:solidFill>
-                  <a:schemeClr val="tx1"/>
-                </a:solidFill>
-                <a:effectLst/>
-                <a:latin typeface="+mn-lt"/>
-                <a:ea typeface="+mn-ea"/>
-                <a:cs typeface="+mn-cs"/>
-              </a:rPr>
-              <a:t> and is in the public domain.</a:t>
-            </a:r>
-          </a:p>
-          <a:p>
-            <a:pPr marL="0" marR="0" indent="0" algn="l" defTabSz="914400" rtl="0" eaLnBrk="1" fontAlgn="auto" latinLnBrk="0" hangingPunct="1">
-              <a:lnSpc>
-                <a:spcPct val="100000"/>
-              </a:lnSpc>
-              <a:spcBef>
-                <a:spcPts val="0"/>
-              </a:spcBef>
-              <a:spcAft>
-                <a:spcPts val="0"/>
-              </a:spcAft>
-              <a:buClrTx/>
-              <a:buSzTx/>
-              <a:buFontTx/>
-              <a:buNone/>
-              <a:tabLst/>
-              <a:defRPr/>
-            </a:pPr>
-            <a:r>
-              <a:rPr lang="en-US" dirty="0" smtClean="0"/>
-              <a:t>Binary Search Depiction</a:t>
+              <a:rPr lang="en-US" dirty="0" smtClean="0"/>
+              <a:t>The simplest way to</a:t>
             </a:r>
             <a:r>
               <a:rPr lang="en-US" baseline="0" dirty="0" smtClean="0"/>
-              <a:t> by </a:t>
-            </a:r>
-            <a:r>
-              <a:rPr lang="en-US" dirty="0" err="1" smtClean="0"/>
-              <a:t>AlwaysAngry</a:t>
-            </a:r>
-            <a:r>
-              <a:rPr lang="en-US" dirty="0" smtClean="0"/>
-              <a:t> is licensed under the </a:t>
-            </a:r>
-            <a:r>
-              <a:rPr lang="en-US" dirty="0" smtClean="0">
-                <a:hlinkClick r:id="rId4" tooltip="w:en:Creative Commons"/>
-              </a:rPr>
-              <a:t>Creative Commons</a:t>
-            </a:r>
-            <a:r>
-              <a:rPr lang="en-US" dirty="0" smtClean="0"/>
-              <a:t> </a:t>
-            </a:r>
-            <a:r>
-              <a:rPr lang="en-US" dirty="0" smtClean="0">
-                <a:hlinkClick r:id="rId5"/>
-              </a:rPr>
-              <a:t>Attribution-Share Alike 4.0 International</a:t>
-            </a:r>
-            <a:r>
-              <a:rPr lang="en-US" dirty="0" smtClean="0"/>
-              <a:t> license. </a:t>
-            </a:r>
-          </a:p>
-          <a:p>
-            <a:endParaRPr lang="en-US" dirty="0"/>
+              <a:t> start with algorithm analysis is with a simple linear search algorithm.  A FOR loop that goes from 1 to N uses N operations.</a:t>
+            </a:r>
           </a:p>
         </p:txBody>
       </p:sp>
@@ -2043,7 +3740,7 @@
           <a:p>
             <a:fld id="{5A6616C6-9DE0-4865-BC75-EB7C5EE0BF49}" type="slidenum">
               <a:rPr lang="en-US" smtClean="0"/>
-              <a:t>22</a:t>
+              <a:t>8</a:t>
             </a:fld>
             <a:endParaRPr lang="en-US"/>
           </a:p>
@@ -2052,7 +3749,7 @@
     </p:spTree>
     <p:extLst>
       <p:ext uri="{BB962C8B-B14F-4D97-AF65-F5344CB8AC3E}">
-        <p14:creationId xmlns:p14="http://schemas.microsoft.com/office/powerpoint/2010/main" val="1040973754"/>
+        <p14:creationId xmlns:p14="http://schemas.microsoft.com/office/powerpoint/2010/main" val="1442741621"/>
       </p:ext>
     </p:extLst>
   </p:cSld>
@@ -2106,15 +3803,38 @@
           <a:bodyPr/>
           <a:lstStyle/>
           <a:p>
-            <a:r>
-              <a:rPr lang="en-US" dirty="0" smtClean="0"/>
-              <a:t>We're still only talking about accessing</a:t>
+            <a:pPr marL="171450" indent="-171450">
+              <a:buFont typeface="Arial" charset="0"/>
+              <a:buChar char="•"/>
+            </a:pPr>
+            <a:r>
+              <a:rPr lang="en-US" dirty="0" smtClean="0"/>
+              <a:t>O</a:t>
             </a:r>
             <a:r>
               <a:rPr lang="en-US" baseline="0" dirty="0" smtClean="0"/>
-              <a:t> a single value.</a:t>
-            </a:r>
-            <a:endParaRPr lang="en-US" dirty="0"/>
+              <a:t>(1) - If we're lucky we'll find the element immediately, and only need 1 lookup.</a:t>
+            </a:r>
+          </a:p>
+          <a:p>
+            <a:pPr marL="171450" indent="-171450">
+              <a:buFont typeface="Arial" charset="0"/>
+              <a:buChar char="•"/>
+            </a:pPr>
+            <a:r>
+              <a:rPr lang="en-US" baseline="0" dirty="0" smtClean="0"/>
+              <a:t>O(N/2) - On average we'll have to search half of the elements, N/2.</a:t>
+            </a:r>
+          </a:p>
+          <a:p>
+            <a:pPr marL="171450" indent="-171450">
+              <a:buFont typeface="Arial" charset="0"/>
+              <a:buChar char="•"/>
+            </a:pPr>
+            <a:r>
+              <a:rPr lang="en-US" baseline="0" dirty="0" smtClean="0"/>
+              <a:t>O(N) - If we're unlucky we have to search each of the N elements.  Worst case is the most realistic.  Unless we have a unique array or index, we have to continue searching through all N elements, even if we find a match.  For example, in the previous slide there were duplicate values, one near the beginning, and one near the end.</a:t>
+            </a:r>
           </a:p>
         </p:txBody>
       </p:sp>
@@ -2135,7 +3855,7 @@
           <a:p>
             <a:fld id="{5A6616C6-9DE0-4865-BC75-EB7C5EE0BF49}" type="slidenum">
               <a:rPr lang="en-US" smtClean="0"/>
-              <a:t>24</a:t>
+              <a:t>9</a:t>
             </a:fld>
             <a:endParaRPr lang="en-US"/>
           </a:p>
@@ -2144,7 +3864,7 @@
     </p:spTree>
     <p:extLst>
       <p:ext uri="{BB962C8B-B14F-4D97-AF65-F5344CB8AC3E}">
-        <p14:creationId xmlns:p14="http://schemas.microsoft.com/office/powerpoint/2010/main" val="3230797625"/>
+        <p14:creationId xmlns:p14="http://schemas.microsoft.com/office/powerpoint/2010/main" val="3854264784"/>
       </p:ext>
     </p:extLst>
   </p:cSld>
@@ -2198,160 +3918,37 @@
           <a:bodyPr/>
           <a:lstStyle/>
           <a:p>
-            <a:r>
-              <a:rPr lang="en-US" dirty="0" smtClean="0"/>
-              <a:t>Index</a:t>
+            <a:pPr marL="171450" indent="-171450">
+              <a:buFont typeface="Arial" charset="0"/>
+              <a:buChar char="•"/>
+            </a:pPr>
+            <a:r>
+              <a:rPr lang="en-US" dirty="0" smtClean="0"/>
+              <a:t>Oracle performance</a:t>
             </a:r>
             <a:r>
               <a:rPr lang="en-US" baseline="0" dirty="0" smtClean="0"/>
-              <a:t> height does not grow fast in </a:t>
-            </a:r>
+              <a:t> tuning is a huge topic and there are many ways to teach it.  Even listing and ordering the topics is a huge effort.  Let's ignore the common tuning techniques and do something totally different.</a:t>
+            </a:r>
+          </a:p>
+          <a:p>
+            <a:pPr marL="171450" indent="-171450">
+              <a:buFont typeface="Arial" charset="0"/>
+              <a:buChar char="•"/>
+            </a:pPr>
             <a:r>
               <a:rPr lang="en-US" baseline="0" dirty="0" smtClean="0"/>
-              <a:t>practice.</a:t>
-            </a:r>
-          </a:p>
-          <a:p>
-            <a:endParaRPr lang="en-US" baseline="0" dirty="0" smtClean="0"/>
-          </a:p>
-          <a:p>
+              <a:t>We only need a small number of popular functions to describe almost every Oracle feature.</a:t>
+            </a:r>
+          </a:p>
+          <a:p>
+            <a:pPr marL="171450" indent="-171450">
+              <a:buFont typeface="Arial" charset="0"/>
+              <a:buChar char="•"/>
+            </a:pPr>
             <a:r>
               <a:rPr lang="en-US" baseline="0" dirty="0" smtClean="0"/>
-              <a:t>Generated by this query (run against the 350 databases I have access to)</a:t>
-            </a:r>
-          </a:p>
-          <a:p>
-            <a:r>
-              <a:rPr lang="en-US" sz="1200" b="0" i="0" u="none" strike="noStrike" kern="1200" baseline="0" dirty="0" smtClean="0">
-                <a:solidFill>
-                  <a:schemeClr val="tx1"/>
-                </a:solidFill>
-                <a:latin typeface="+mn-lt"/>
-                <a:ea typeface="+mn-ea"/>
-                <a:cs typeface="+mn-cs"/>
-              </a:rPr>
-              <a:t>select </a:t>
-            </a:r>
-            <a:r>
-              <a:rPr lang="en-US" sz="1200" b="0" i="0" u="none" strike="noStrike" kern="1200" baseline="0" dirty="0" err="1" smtClean="0">
-                <a:solidFill>
-                  <a:schemeClr val="tx1"/>
-                </a:solidFill>
-                <a:latin typeface="+mn-lt"/>
-                <a:ea typeface="+mn-ea"/>
-                <a:cs typeface="+mn-cs"/>
-              </a:rPr>
-              <a:t>blevel</a:t>
-            </a:r>
-            <a:r>
-              <a:rPr lang="en-US" sz="1200" b="0" i="0" u="none" strike="noStrike" kern="1200" baseline="0" dirty="0" smtClean="0">
-                <a:solidFill>
-                  <a:schemeClr val="tx1"/>
-                </a:solidFill>
-                <a:latin typeface="+mn-lt"/>
-                <a:ea typeface="+mn-ea"/>
-                <a:cs typeface="+mn-cs"/>
-              </a:rPr>
-              <a:t>, count(*) count</a:t>
-            </a:r>
-          </a:p>
-          <a:p>
-            <a:r>
-              <a:rPr lang="en-US" sz="1200" b="0" i="0" u="none" strike="noStrike" kern="1200" baseline="0" dirty="0" smtClean="0">
-                <a:solidFill>
-                  <a:schemeClr val="tx1"/>
-                </a:solidFill>
-                <a:latin typeface="+mn-lt"/>
-                <a:ea typeface="+mn-ea"/>
-                <a:cs typeface="+mn-cs"/>
-              </a:rPr>
-              <a:t>from </a:t>
-            </a:r>
-            <a:r>
-              <a:rPr lang="en-US" sz="1200" b="0" i="0" u="none" strike="noStrike" kern="1200" baseline="0" dirty="0" err="1" smtClean="0">
-                <a:solidFill>
-                  <a:schemeClr val="tx1"/>
-                </a:solidFill>
-                <a:latin typeface="+mn-lt"/>
-                <a:ea typeface="+mn-ea"/>
-                <a:cs typeface="+mn-cs"/>
-              </a:rPr>
-              <a:t>dba_indexes</a:t>
-            </a:r>
-            <a:endParaRPr lang="en-US" sz="1200" b="0" i="0" u="none" strike="noStrike" kern="1200" baseline="0" dirty="0" smtClean="0">
-              <a:solidFill>
-                <a:schemeClr val="tx1"/>
-              </a:solidFill>
-              <a:latin typeface="+mn-lt"/>
-              <a:ea typeface="+mn-ea"/>
-              <a:cs typeface="+mn-cs"/>
-            </a:endParaRPr>
-          </a:p>
-          <a:p>
-            <a:r>
-              <a:rPr lang="en-US" sz="1200" b="0" i="0" u="none" strike="noStrike" kern="1200" baseline="0" dirty="0" smtClean="0">
-                <a:solidFill>
-                  <a:schemeClr val="tx1"/>
-                </a:solidFill>
-                <a:latin typeface="+mn-lt"/>
-                <a:ea typeface="+mn-ea"/>
-                <a:cs typeface="+mn-cs"/>
-              </a:rPr>
-              <a:t>group by </a:t>
-            </a:r>
-            <a:r>
-              <a:rPr lang="en-US" sz="1200" b="0" i="0" u="none" strike="noStrike" kern="1200" baseline="0" dirty="0" err="1" smtClean="0">
-                <a:solidFill>
-                  <a:schemeClr val="tx1"/>
-                </a:solidFill>
-                <a:latin typeface="+mn-lt"/>
-                <a:ea typeface="+mn-ea"/>
-                <a:cs typeface="+mn-cs"/>
-              </a:rPr>
-              <a:t>blevel</a:t>
-            </a:r>
-            <a:endParaRPr lang="en-US" sz="1200" b="0" i="0" u="none" strike="noStrike" kern="1200" baseline="0" dirty="0" smtClean="0">
-              <a:solidFill>
-                <a:schemeClr val="tx1"/>
-              </a:solidFill>
-              <a:latin typeface="+mn-lt"/>
-              <a:ea typeface="+mn-ea"/>
-              <a:cs typeface="+mn-cs"/>
-            </a:endParaRPr>
-          </a:p>
-          <a:p>
-            <a:r>
-              <a:rPr lang="en-US" sz="1200" b="0" i="0" u="none" strike="noStrike" kern="1200" baseline="0" dirty="0" smtClean="0">
-                <a:solidFill>
-                  <a:schemeClr val="tx1"/>
-                </a:solidFill>
-                <a:latin typeface="+mn-lt"/>
-                <a:ea typeface="+mn-ea"/>
-                <a:cs typeface="+mn-cs"/>
-              </a:rPr>
-              <a:t>order by </a:t>
-            </a:r>
-            <a:r>
-              <a:rPr lang="en-US" sz="1200" b="0" i="0" u="none" strike="noStrike" kern="1200" baseline="0" dirty="0" err="1" smtClean="0">
-                <a:solidFill>
-                  <a:schemeClr val="tx1"/>
-                </a:solidFill>
-                <a:latin typeface="+mn-lt"/>
-                <a:ea typeface="+mn-ea"/>
-                <a:cs typeface="+mn-cs"/>
-              </a:rPr>
-              <a:t>blevel</a:t>
-            </a:r>
-            <a:r>
-              <a:rPr lang="en-US" sz="1200" b="0" i="0" u="none" strike="noStrike" kern="1200" baseline="0" dirty="0" smtClean="0">
-                <a:solidFill>
-                  <a:schemeClr val="tx1"/>
-                </a:solidFill>
-                <a:latin typeface="+mn-lt"/>
-                <a:ea typeface="+mn-ea"/>
-                <a:cs typeface="+mn-cs"/>
-              </a:rPr>
-              <a:t> nulls first;</a:t>
+              <a:t>There are many ways to discuss performance topics, I've arbitrarily chosen to list the functions from fastest to slowest.</a:t>
             </a:r>
             <a:endParaRPr lang="en-US" dirty="0"/>
           </a:p>
@@ -2374,7 +3971,7 @@
           <a:p>
             <a:fld id="{5A6616C6-9DE0-4865-BC75-EB7C5EE0BF49}" type="slidenum">
               <a:rPr lang="en-US" smtClean="0"/>
-              <a:t>26</a:t>
+              <a:t>10</a:t>
             </a:fld>
             <a:endParaRPr lang="en-US"/>
           </a:p>
@@ -2383,7 +3980,7 @@
     </p:spTree>
     <p:extLst>
       <p:ext uri="{BB962C8B-B14F-4D97-AF65-F5344CB8AC3E}">
-        <p14:creationId xmlns:p14="http://schemas.microsoft.com/office/powerpoint/2010/main" val="1306290819"/>
+        <p14:creationId xmlns:p14="http://schemas.microsoft.com/office/powerpoint/2010/main" val="4161200368"/>
       </p:ext>
     </p:extLst>
   </p:cSld>
@@ -2574,7 +4171,7 @@
           <a:p>
             <a:fld id="{D0860849-E57A-4E2E-A3F1-7A18EC53A11C}" type="datetimeFigureOut">
               <a:rPr lang="en-US" smtClean="0"/>
-              <a:t>2/27/2019</a:t>
+              <a:t>4/2/2019</a:t>
             </a:fld>
             <a:endParaRPr lang="en-US"/>
           </a:p>
@@ -2744,7 +4341,7 @@
           <a:p>
             <a:fld id="{D0860849-E57A-4E2E-A3F1-7A18EC53A11C}" type="datetimeFigureOut">
               <a:rPr lang="en-US" smtClean="0"/>
-              <a:t>2/27/2019</a:t>
+              <a:t>4/2/2019</a:t>
             </a:fld>
             <a:endParaRPr lang="en-US"/>
           </a:p>
@@ -2924,7 +4521,7 @@
           <a:p>
             <a:fld id="{D0860849-E57A-4E2E-A3F1-7A18EC53A11C}" type="datetimeFigureOut">
               <a:rPr lang="en-US" smtClean="0"/>
-              <a:t>2/27/2019</a:t>
+              <a:t>4/2/2019</a:t>
             </a:fld>
             <a:endParaRPr lang="en-US"/>
           </a:p>
@@ -3102,7 +4699,7 @@
           <p:cNvPr id="3" name="Title 1">
             <a:extLst>
               <a:ext uri="{FF2B5EF4-FFF2-40B4-BE49-F238E27FC236}">
-                <a16:creationId xmlns="" xmlns:a16="http://schemas.microsoft.com/office/drawing/2014/main" id="{DA010C97-F49F-8C4C-9294-8813F3F4CD27}"/>
+                <a16:creationId xmlns:a16="http://schemas.microsoft.com/office/drawing/2014/main" xmlns="" id="{DA010C97-F49F-8C4C-9294-8813F3F4CD27}"/>
               </a:ext>
             </a:extLst>
           </p:cNvPr>
@@ -3189,7 +4786,7 @@
           <p:cNvPr id="3" name="Title 1">
             <a:extLst>
               <a:ext uri="{FF2B5EF4-FFF2-40B4-BE49-F238E27FC236}">
-                <a16:creationId xmlns="" xmlns:a16="http://schemas.microsoft.com/office/drawing/2014/main" id="{232C5590-480D-4842-BE6F-79F32126D328}"/>
+                <a16:creationId xmlns:a16="http://schemas.microsoft.com/office/drawing/2014/main" xmlns="" id="{232C5590-480D-4842-BE6F-79F32126D328}"/>
               </a:ext>
             </a:extLst>
           </p:cNvPr>
@@ -4300,7 +5897,7 @@
           <a:p>
             <a:fld id="{D0860849-E57A-4E2E-A3F1-7A18EC53A11C}" type="datetimeFigureOut">
               <a:rPr lang="en-US" smtClean="0"/>
-              <a:t>2/27/2019</a:t>
+              <a:t>4/2/2019</a:t>
             </a:fld>
             <a:endParaRPr lang="en-US"/>
           </a:p>
@@ -4397,7 +5994,7 @@
           <p:cNvPr id="3" name="Title 1">
             <a:extLst>
               <a:ext uri="{FF2B5EF4-FFF2-40B4-BE49-F238E27FC236}">
-                <a16:creationId xmlns="" xmlns:a16="http://schemas.microsoft.com/office/drawing/2014/main" id="{DA010C97-F49F-8C4C-9294-8813F3F4CD27}"/>
+                <a16:creationId xmlns:a16="http://schemas.microsoft.com/office/drawing/2014/main" xmlns="" id="{DA010C97-F49F-8C4C-9294-8813F3F4CD27}"/>
               </a:ext>
             </a:extLst>
           </p:cNvPr>
@@ -4484,7 +6081,7 @@
           <p:cNvPr id="3" name="Title 1">
             <a:extLst>
               <a:ext uri="{FF2B5EF4-FFF2-40B4-BE49-F238E27FC236}">
-                <a16:creationId xmlns="" xmlns:a16="http://schemas.microsoft.com/office/drawing/2014/main" id="{232C5590-480D-4842-BE6F-79F32126D328}"/>
+                <a16:creationId xmlns:a16="http://schemas.microsoft.com/office/drawing/2014/main" xmlns="" id="{232C5590-480D-4842-BE6F-79F32126D328}"/>
               </a:ext>
             </a:extLst>
           </p:cNvPr>
@@ -5590,7 +7187,7 @@
           <a:p>
             <a:fld id="{D0860849-E57A-4E2E-A3F1-7A18EC53A11C}" type="datetimeFigureOut">
               <a:rPr lang="en-US" smtClean="0"/>
-              <a:t>2/27/2019</a:t>
+              <a:t>4/2/2019</a:t>
             </a:fld>
             <a:endParaRPr lang="en-US"/>
           </a:p>
@@ -5878,7 +7475,7 @@
           <a:p>
             <a:fld id="{D0860849-E57A-4E2E-A3F1-7A18EC53A11C}" type="datetimeFigureOut">
               <a:rPr lang="en-US" smtClean="0"/>
-              <a:t>2/27/2019</a:t>
+              <a:t>4/2/2019</a:t>
             </a:fld>
             <a:endParaRPr lang="en-US"/>
           </a:p>
@@ -6300,7 +7897,7 @@
           <a:p>
             <a:fld id="{D0860849-E57A-4E2E-A3F1-7A18EC53A11C}" type="datetimeFigureOut">
               <a:rPr lang="en-US" smtClean="0"/>
-              <a:t>2/27/2019</a:t>
+              <a:t>4/2/2019</a:t>
             </a:fld>
             <a:endParaRPr lang="en-US"/>
           </a:p>
@@ -6418,7 +8015,7 @@
           <a:p>
             <a:fld id="{D0860849-E57A-4E2E-A3F1-7A18EC53A11C}" type="datetimeFigureOut">
               <a:rPr lang="en-US" smtClean="0"/>
-              <a:t>2/27/2019</a:t>
+              <a:t>4/2/2019</a:t>
             </a:fld>
             <a:endParaRPr lang="en-US"/>
           </a:p>
@@ -6513,7 +8110,7 @@
           <a:p>
             <a:fld id="{D0860849-E57A-4E2E-A3F1-7A18EC53A11C}" type="datetimeFigureOut">
               <a:rPr lang="en-US" smtClean="0"/>
-              <a:t>2/27/2019</a:t>
+              <a:t>4/2/2019</a:t>
             </a:fld>
             <a:endParaRPr lang="en-US"/>
           </a:p>
@@ -6790,7 +8387,7 @@
           <a:p>
             <a:fld id="{D0860849-E57A-4E2E-A3F1-7A18EC53A11C}" type="datetimeFigureOut">
               <a:rPr lang="en-US" smtClean="0"/>
-              <a:t>2/27/2019</a:t>
+              <a:t>4/2/2019</a:t>
             </a:fld>
             <a:endParaRPr lang="en-US"/>
           </a:p>
@@ -7043,7 +8640,7 @@
           <a:p>
             <a:fld id="{D0860849-E57A-4E2E-A3F1-7A18EC53A11C}" type="datetimeFigureOut">
               <a:rPr lang="en-US" smtClean="0"/>
-              <a:t>2/27/2019</a:t>
+              <a:t>4/2/2019</a:t>
             </a:fld>
             <a:endParaRPr lang="en-US"/>
           </a:p>
@@ -7256,7 +8853,7 @@
           <a:p>
             <a:fld id="{D0860849-E57A-4E2E-A3F1-7A18EC53A11C}" type="datetimeFigureOut">
               <a:rPr lang="en-US" smtClean="0"/>
-              <a:t>2/27/2019</a:t>
+              <a:t>4/2/2019</a:t>
             </a:fld>
             <a:endParaRPr lang="en-US"/>
           </a:p>
@@ -8594,6 +10191,118 @@
           <a:p>
             <a:r>
               <a:rPr lang="en-US" dirty="0" smtClean="0"/>
+              <a:t>A New </a:t>
+            </a:r>
+            <a:r>
+              <a:rPr lang="en-US" dirty="0" smtClean="0"/>
+              <a:t>Performance Story</a:t>
+            </a:r>
+            <a:endParaRPr lang="en-US" dirty="0"/>
+          </a:p>
+        </p:txBody>
+      </p:sp>
+      <p:sp>
+        <p:nvSpPr>
+          <p:cNvPr id="3" name="Content Placeholder 2"/>
+          <p:cNvSpPr>
+            <a:spLocks noGrp="1"/>
+          </p:cNvSpPr>
+          <p:nvPr>
+            <p:ph idx="1"/>
+          </p:nvPr>
+        </p:nvSpPr>
+        <p:spPr/>
+        <p:txBody>
+          <a:bodyPr/>
+          <a:lstStyle/>
+          <a:p>
+            <a:r>
+              <a:rPr lang="en-US" dirty="0" smtClean="0"/>
+              <a:t>Ignore </a:t>
+            </a:r>
+            <a:r>
+              <a:rPr lang="en-US" dirty="0" smtClean="0"/>
+              <a:t>database tuning, SQL tuning, advisors, reports, tools</a:t>
+            </a:r>
+          </a:p>
+          <a:p>
+            <a:r>
+              <a:rPr lang="en-US" dirty="0"/>
+              <a:t>Popular functions guide us through performance categories </a:t>
+            </a:r>
+            <a:endParaRPr lang="en-US" dirty="0" smtClean="0"/>
+          </a:p>
+          <a:p>
+            <a:r>
+              <a:rPr lang="en-US" dirty="0" smtClean="0"/>
+              <a:t>Start </a:t>
+            </a:r>
+            <a:r>
+              <a:rPr lang="en-US" dirty="0" smtClean="0"/>
+              <a:t>with fastest and end with slowest</a:t>
+            </a:r>
+          </a:p>
+          <a:p>
+            <a:endParaRPr lang="en-US" dirty="0"/>
+          </a:p>
+        </p:txBody>
+      </p:sp>
+    </p:spTree>
+    <p:extLst>
+      <p:ext uri="{BB962C8B-B14F-4D97-AF65-F5344CB8AC3E}">
+        <p14:creationId xmlns:p14="http://schemas.microsoft.com/office/powerpoint/2010/main" val="2762126414"/>
+      </p:ext>
+    </p:extLst>
+  </p:cSld>
+  <p:clrMapOvr>
+    <a:masterClrMapping/>
+  </p:clrMapOvr>
+  <p:timing>
+    <p:tnLst>
+      <p:par>
+        <p:cTn id="1" dur="indefinite" restart="never" nodeType="tmRoot"/>
+      </p:par>
+    </p:tnLst>
+  </p:timing>
+</p:sld>
+</file>
+
+<file path=ppt/slides/slide11.xml><?xml version="1.0" encoding="utf-8"?>
+<p:sld xmlns:a="http://schemas.openxmlformats.org/drawingml/2006/main" xmlns:r="http://schemas.openxmlformats.org/officeDocument/2006/relationships" xmlns:p="http://schemas.openxmlformats.org/presentationml/2006/main">
+  <p:cSld>
+    <p:spTree>
+      <p:nvGrpSpPr>
+        <p:cNvPr id="1" name=""/>
+        <p:cNvGrpSpPr/>
+        <p:nvPr/>
+      </p:nvGrpSpPr>
+      <p:grpSpPr>
+        <a:xfrm>
+          <a:off x="0" y="0"/>
+          <a:ext cx="0" cy="0"/>
+          <a:chOff x="0" y="0"/>
+          <a:chExt cx="0" cy="0"/>
+        </a:xfrm>
+      </p:grpSpPr>
+      <p:sp>
+        <p:nvSpPr>
+          <p:cNvPr id="2" name="Title 1"/>
+          <p:cNvSpPr>
+            <a:spLocks noGrp="1"/>
+          </p:cNvSpPr>
+          <p:nvPr>
+            <p:ph type="title"/>
+          </p:nvPr>
+        </p:nvSpPr>
+        <p:spPr/>
+        <p:txBody>
+          <a:bodyPr>
+            <a:normAutofit/>
+          </a:bodyPr>
+          <a:lstStyle/>
+          <a:p>
+            <a:r>
+              <a:rPr lang="en-US" dirty="0" smtClean="0"/>
               <a:t>Popular Functions</a:t>
             </a:r>
             <a:endParaRPr lang="en-US" dirty="0"/>
@@ -8649,103 +10358,6 @@
 </p:sld>
 </file>
 
-<file path=ppt/slides/slide11.xml><?xml version="1.0" encoding="utf-8"?>
-<p:sld xmlns:a="http://schemas.openxmlformats.org/drawingml/2006/main" xmlns:r="http://schemas.openxmlformats.org/officeDocument/2006/relationships" xmlns:p="http://schemas.openxmlformats.org/presentationml/2006/main">
-  <p:cSld>
-    <p:spTree>
-      <p:nvGrpSpPr>
-        <p:cNvPr id="1" name=""/>
-        <p:cNvGrpSpPr/>
-        <p:nvPr/>
-      </p:nvGrpSpPr>
-      <p:grpSpPr>
-        <a:xfrm>
-          <a:off x="0" y="0"/>
-          <a:ext cx="0" cy="0"/>
-          <a:chOff x="0" y="0"/>
-          <a:chExt cx="0" cy="0"/>
-        </a:xfrm>
-      </p:grpSpPr>
-      <p:sp>
-        <p:nvSpPr>
-          <p:cNvPr id="2" name="Title 1"/>
-          <p:cNvSpPr>
-            <a:spLocks noGrp="1"/>
-          </p:cNvSpPr>
-          <p:nvPr>
-            <p:ph type="title"/>
-          </p:nvPr>
-        </p:nvSpPr>
-        <p:spPr/>
-        <p:txBody>
-          <a:bodyPr/>
-          <a:lstStyle/>
-          <a:p>
-            <a:r>
-              <a:rPr lang="en-US" dirty="0" smtClean="0"/>
-              <a:t>1/N</a:t>
-            </a:r>
-            <a:endParaRPr lang="en-US" dirty="0"/>
-          </a:p>
-        </p:txBody>
-      </p:sp>
-      <p:pic>
-        <p:nvPicPr>
-          <p:cNvPr id="4" name="Content Placeholder 3" descr="C:\Users\jonearles\Amazon Drive\Book\Practical Computer Science for SQL Developers\1 over n.png"/>
-          <p:cNvPicPr>
-            <a:picLocks noGrp="1" noChangeAspect="1"/>
-          </p:cNvPicPr>
-          <p:nvPr>
-            <p:ph idx="1"/>
-          </p:nvPr>
-        </p:nvPicPr>
-        <p:blipFill>
-          <a:blip r:embed="rId2">
-            <a:extLst>
-              <a:ext uri="{28A0092B-C50C-407E-A947-70E740481C1C}">
-                <a14:useLocalDpi xmlns:a14="http://schemas.microsoft.com/office/drawing/2010/main" val="0"/>
-              </a:ext>
-            </a:extLst>
-          </a:blip>
-          <a:srcRect/>
-          <a:stretch>
-            <a:fillRect/>
-          </a:stretch>
-        </p:blipFill>
-        <p:spPr bwMode="auto">
-          <a:xfrm>
-            <a:off x="2590800" y="895350"/>
-            <a:ext cx="3962400" cy="3962400"/>
-          </a:xfrm>
-          <a:prstGeom prst="rect">
-            <a:avLst/>
-          </a:prstGeom>
-          <a:noFill/>
-          <a:ln>
-            <a:noFill/>
-          </a:ln>
-        </p:spPr>
-      </p:pic>
-    </p:spTree>
-    <p:extLst>
-      <p:ext uri="{BB962C8B-B14F-4D97-AF65-F5344CB8AC3E}">
-        <p14:creationId xmlns:p14="http://schemas.microsoft.com/office/powerpoint/2010/main" val="3199233174"/>
-      </p:ext>
-    </p:extLst>
-  </p:cSld>
-  <p:clrMapOvr>
-    <a:masterClrMapping/>
-  </p:clrMapOvr>
-  <p:timing>
-    <p:tnLst>
-      <p:par>
-        <p:cTn id="1" dur="indefinite" restart="never" nodeType="tmRoot"/>
-      </p:par>
-    </p:tnLst>
-  </p:timing>
-</p:sld>
-</file>
-
 <file path=ppt/slides/slide12.xml><?xml version="1.0" encoding="utf-8"?>
 <p:sld xmlns:a="http://schemas.openxmlformats.org/drawingml/2006/main" xmlns:r="http://schemas.openxmlformats.org/officeDocument/2006/relationships" xmlns:p="http://schemas.openxmlformats.org/presentationml/2006/main">
   <p:cSld>
@@ -8775,90 +10387,87 @@
         </p:nvSpPr>
         <p:spPr/>
         <p:txBody>
-          <a:bodyPr>
-            <a:normAutofit/>
-          </a:bodyPr>
-          <a:lstStyle/>
-          <a:p>
-            <a:r>
-              <a:rPr lang="en-US" dirty="0" smtClean="0"/>
-              <a:t>1/N - What and Where</a:t>
+          <a:bodyPr/>
+          <a:lstStyle/>
+          <a:p>
+            <a:r>
+              <a:rPr lang="en-US" dirty="0" smtClean="0"/>
+              <a:t>1/N</a:t>
             </a:r>
             <a:endParaRPr lang="en-US" dirty="0"/>
           </a:p>
         </p:txBody>
       </p:sp>
-      <p:sp>
-        <p:nvSpPr>
-          <p:cNvPr id="3" name="Content Placeholder 2"/>
-          <p:cNvSpPr>
-            <a:spLocks noGrp="1"/>
-          </p:cNvSpPr>
+      <p:pic>
+        <p:nvPicPr>
+          <p:cNvPr id="4100" name="Picture 4"/>
+          <p:cNvPicPr>
+            <a:picLocks noGrp="1" noChangeAspect="1" noChangeArrowheads="1"/>
+          </p:cNvPicPr>
           <p:nvPr>
             <p:ph idx="1"/>
           </p:nvPr>
-        </p:nvSpPr>
-        <p:spPr/>
-        <p:txBody>
-          <a:bodyPr>
-            <a:normAutofit/>
-          </a:bodyPr>
-          <a:lstStyle/>
-          <a:p>
-            <a:r>
-              <a:rPr lang="en-US" dirty="0" smtClean="0"/>
-              <a:t>Harmonic progression</a:t>
-            </a:r>
-          </a:p>
-          <a:p>
-            <a:r>
-              <a:rPr lang="en-US" dirty="0" smtClean="0"/>
-              <a:t>Context switching for every N items</a:t>
-            </a:r>
-          </a:p>
-          <a:p>
-            <a:r>
-              <a:rPr lang="en-US" dirty="0" smtClean="0"/>
-              <a:t>Any process with a tunable batch or cache size</a:t>
-            </a:r>
-          </a:p>
-          <a:p>
-            <a:r>
-              <a:rPr lang="en-US" dirty="0" smtClean="0"/>
-              <a:t>Sequences, bulk collect limit, </a:t>
-            </a:r>
-            <a:r>
-              <a:rPr lang="en-US" dirty="0" err="1" smtClean="0"/>
-              <a:t>prefretch</a:t>
-            </a:r>
-            <a:r>
-              <a:rPr lang="en-US" dirty="0" smtClean="0"/>
-              <a:t>, </a:t>
-            </a:r>
-            <a:r>
-              <a:rPr lang="en-US" dirty="0" err="1" smtClean="0"/>
-              <a:t>arraysize</a:t>
-            </a:r>
-            <a:r>
-              <a:rPr lang="en-US" dirty="0" smtClean="0"/>
-              <a:t>, UNION ALL, DBMS_OUTPUT, etc.</a:t>
-            </a:r>
-          </a:p>
-          <a:p>
-            <a:r>
-              <a:rPr lang="en-US" sz="1800" b="1" dirty="0">
-                <a:latin typeface="Courier New" panose="02070309020205020404" pitchFamily="49" charset="0"/>
-                <a:cs typeface="Courier New" panose="02070309020205020404" pitchFamily="49" charset="0"/>
-              </a:rPr>
-              <a:t>(N * REAL_WORK) + ((N * OVERHEAD_TIME) / BATCH_SIZE)</a:t>
-            </a:r>
-          </a:p>
-        </p:txBody>
-      </p:sp>
+        </p:nvPicPr>
+        <p:blipFill>
+          <a:blip r:embed="rId3">
+            <a:extLst>
+              <a:ext uri="{28A0092B-C50C-407E-A947-70E740481C1C}">
+                <a14:useLocalDpi xmlns:a14="http://schemas.microsoft.com/office/drawing/2010/main" val="0"/>
+              </a:ext>
+            </a:extLst>
+          </a:blip>
+          <a:srcRect/>
+          <a:stretch>
+            <a:fillRect/>
+          </a:stretch>
+        </p:blipFill>
+        <p:spPr bwMode="auto">
+          <a:xfrm>
+            <a:off x="2606040" y="971550"/>
+            <a:ext cx="3931920" cy="3931920"/>
+          </a:xfrm>
+          <a:prstGeom prst="rect">
+            <a:avLst/>
+          </a:prstGeom>
+          <a:noFill/>
+          <a:ln>
+            <a:noFill/>
+          </a:ln>
+          <a:effectLst/>
+          <a:extLst>
+            <a:ext uri="{909E8E84-426E-40DD-AFC4-6F175D3DCCD1}">
+              <a14:hiddenFill xmlns:a14="http://schemas.microsoft.com/office/drawing/2010/main">
+                <a:solidFill>
+                  <a:schemeClr val="accent1"/>
+                </a:solidFill>
+              </a14:hiddenFill>
+            </a:ext>
+            <a:ext uri="{91240B29-F687-4F45-9708-019B960494DF}">
+              <a14:hiddenLine xmlns:a14="http://schemas.microsoft.com/office/drawing/2010/main" w="9525">
+                <a:solidFill>
+                  <a:schemeClr val="tx1"/>
+                </a:solidFill>
+                <a:miter lim="800000"/>
+                <a:headEnd/>
+                <a:tailEnd/>
+              </a14:hiddenLine>
+            </a:ext>
+            <a:ext uri="{AF507438-7753-43E0-B8FC-AC1667EBCBE1}">
+              <a14:hiddenEffects xmlns:a14="http://schemas.microsoft.com/office/drawing/2010/main">
+                <a:effectLst>
+                  <a:outerShdw dist="35921" dir="2700000" algn="ctr" rotWithShape="0">
+                    <a:schemeClr val="bg2"/>
+                  </a:outerShdw>
+                </a:effectLst>
+              </a14:hiddenEffects>
+            </a:ext>
+          </a:extLst>
+        </p:spPr>
+      </p:pic>
     </p:spTree>
     <p:extLst>
       <p:ext uri="{BB962C8B-B14F-4D97-AF65-F5344CB8AC3E}">
-        <p14:creationId xmlns:p14="http://schemas.microsoft.com/office/powerpoint/2010/main" val="344781669"/>
+        <p14:creationId xmlns:p14="http://schemas.microsoft.com/office/powerpoint/2010/main" val="3199233174"/>
       </p:ext>
     </p:extLst>
   </p:cSld>
@@ -8904,12 +10513,14 @@
         </p:nvSpPr>
         <p:spPr/>
         <p:txBody>
-          <a:bodyPr/>
-          <a:lstStyle/>
-          <a:p>
-            <a:r>
-              <a:rPr lang="en-US" dirty="0" smtClean="0"/>
-              <a:t>1/N - Why it Matters</a:t>
+          <a:bodyPr>
+            <a:normAutofit/>
+          </a:bodyPr>
+          <a:lstStyle/>
+          <a:p>
+            <a:r>
+              <a:rPr lang="en-US" dirty="0" smtClean="0"/>
+              <a:t>1/N - What and Where</a:t>
             </a:r>
             <a:endParaRPr lang="en-US" dirty="0"/>
           </a:p>
@@ -8925,53 +10536,90 @@
             <p:ph idx="1"/>
           </p:nvPr>
         </p:nvSpPr>
-        <p:spPr/>
+        <p:spPr>
+          <a:xfrm>
+            <a:off x="457200" y="1200151"/>
+            <a:ext cx="8458200" cy="3394472"/>
+          </a:xfrm>
+        </p:spPr>
         <p:txBody>
           <a:bodyPr>
-            <a:normAutofit lnSpcReduction="10000"/>
+            <a:normAutofit fontScale="92500" lnSpcReduction="20000"/>
           </a:bodyPr>
           <a:lstStyle/>
           <a:p>
             <a:r>
               <a:rPr lang="en-US" dirty="0" smtClean="0"/>
-              <a:t>BATCH_SIZE 2 = 50% optimized</a:t>
-            </a:r>
-          </a:p>
-          <a:p>
-            <a:r>
-              <a:rPr lang="en-US" dirty="0" smtClean="0"/>
-              <a:t>BATCH_SIZE 10 = 90% optimized</a:t>
-            </a:r>
-          </a:p>
-          <a:p>
-            <a:r>
-              <a:rPr lang="en-US" dirty="0" smtClean="0"/>
-              <a:t>BATCH_SIZE 100 = 99% optimized</a:t>
-            </a:r>
-          </a:p>
-          <a:p>
-            <a:r>
-              <a:rPr lang="en-US" dirty="0" smtClean="0"/>
-              <a:t>Why ever go over 100?  Trade space for (no) time</a:t>
-            </a:r>
-          </a:p>
-          <a:p>
-            <a:r>
-              <a:rPr lang="en-US" dirty="0" smtClean="0"/>
-              <a:t>Most tests are </a:t>
-            </a:r>
-            <a:r>
-              <a:rPr lang="en-US" dirty="0" smtClean="0"/>
-              <a:t>wrong</a:t>
+              <a:t>Harmonic progression</a:t>
+            </a:r>
+          </a:p>
+          <a:p>
+            <a:r>
+              <a:rPr lang="en-US" dirty="0" smtClean="0"/>
+              <a:t>Context switching for every N items</a:t>
+            </a:r>
+          </a:p>
+          <a:p>
+            <a:r>
+              <a:rPr lang="en-US" dirty="0"/>
+              <a:t>(Overhead analysis, not run-time analysis)</a:t>
+            </a:r>
+          </a:p>
+          <a:p>
+            <a:r>
+              <a:rPr lang="en-US" sz="2200" b="1" dirty="0">
+                <a:solidFill>
+                  <a:prstClr val="black"/>
+                </a:solidFill>
+                <a:latin typeface="Courier New" panose="02070309020205020404" pitchFamily="49" charset="0"/>
+                <a:cs typeface="Courier New" panose="02070309020205020404" pitchFamily="49" charset="0"/>
+              </a:rPr>
+              <a:t>(N * REAL_WORK) + ((N * OVERHEAD_TIME) / BATCH_SIZE)</a:t>
             </a:r>
             <a:endParaRPr lang="en-US" dirty="0" smtClean="0"/>
+          </a:p>
+          <a:p>
+            <a:r>
+              <a:rPr lang="en-US" dirty="0" smtClean="0"/>
+              <a:t>Any </a:t>
+            </a:r>
+            <a:r>
+              <a:rPr lang="en-US" dirty="0" smtClean="0"/>
+              <a:t>process with a tunable batch or cache size</a:t>
+            </a:r>
+          </a:p>
+          <a:p>
+            <a:r>
+              <a:rPr lang="en-US" dirty="0" smtClean="0"/>
+              <a:t>Sequences, bulk collect limit, </a:t>
+            </a:r>
+            <a:r>
+              <a:rPr lang="en-US" dirty="0" smtClean="0"/>
+              <a:t>prefretch</a:t>
+            </a:r>
+            <a:r>
+              <a:rPr lang="en-US" dirty="0" smtClean="0"/>
+              <a:t>, </a:t>
+            </a:r>
+            <a:r>
+              <a:rPr lang="en-US" dirty="0" smtClean="0"/>
+              <a:t>arraysize</a:t>
+            </a:r>
+            <a:r>
+              <a:rPr lang="en-US" dirty="0" smtClean="0"/>
+              <a:t>, UNION ALL, DBMS_OUTPUT, </a:t>
+            </a:r>
+            <a:r>
+              <a:rPr lang="en-US" dirty="0" smtClean="0"/>
+              <a:t>DBMS_SCHEDULER, etc.</a:t>
+            </a:r>
           </a:p>
         </p:txBody>
       </p:sp>
     </p:spTree>
     <p:extLst>
       <p:ext uri="{BB962C8B-B14F-4D97-AF65-F5344CB8AC3E}">
-        <p14:creationId xmlns:p14="http://schemas.microsoft.com/office/powerpoint/2010/main" val="313254508"/>
+        <p14:creationId xmlns:p14="http://schemas.microsoft.com/office/powerpoint/2010/main" val="344781669"/>
       </p:ext>
     </p:extLst>
   </p:cSld>
@@ -9022,6 +10670,811 @@
           <a:p>
             <a:r>
               <a:rPr lang="en-US" dirty="0" smtClean="0"/>
+              <a:t>1/N - Why it Matters</a:t>
+            </a:r>
+            <a:endParaRPr lang="en-US" dirty="0"/>
+          </a:p>
+        </p:txBody>
+      </p:sp>
+      <p:sp>
+        <p:nvSpPr>
+          <p:cNvPr id="3" name="Content Placeholder 2"/>
+          <p:cNvSpPr>
+            <a:spLocks noGrp="1"/>
+          </p:cNvSpPr>
+          <p:nvPr>
+            <p:ph idx="1"/>
+          </p:nvPr>
+        </p:nvSpPr>
+        <p:spPr/>
+        <p:txBody>
+          <a:bodyPr>
+            <a:normAutofit fontScale="92500" lnSpcReduction="20000"/>
+          </a:bodyPr>
+          <a:lstStyle/>
+          <a:p>
+            <a:r>
+              <a:rPr lang="en-US" dirty="0" smtClean="0"/>
+              <a:t>Don't waste time trying to perfect this</a:t>
+            </a:r>
+          </a:p>
+          <a:p>
+            <a:r>
+              <a:rPr lang="en-US" dirty="0" smtClean="0"/>
+              <a:t>Why does increasing batch size help?</a:t>
+            </a:r>
+            <a:endParaRPr lang="en-US" dirty="0" smtClean="0"/>
+          </a:p>
+          <a:p>
+            <a:r>
+              <a:rPr lang="en-US" dirty="0" smtClean="0"/>
+              <a:t>BATCH_SIZE </a:t>
+            </a:r>
+            <a:r>
+              <a:rPr lang="en-US" dirty="0" smtClean="0"/>
+              <a:t>2 = 50% optimized</a:t>
+            </a:r>
+          </a:p>
+          <a:p>
+            <a:r>
+              <a:rPr lang="en-US" dirty="0" smtClean="0"/>
+              <a:t>BATCH_SIZE 10 = 90% optimized</a:t>
+            </a:r>
+          </a:p>
+          <a:p>
+            <a:r>
+              <a:rPr lang="en-US" dirty="0" smtClean="0"/>
+              <a:t>BATCH_SIZE 100 = 99% optimized</a:t>
+            </a:r>
+          </a:p>
+          <a:p>
+            <a:r>
+              <a:rPr lang="en-US" dirty="0"/>
+              <a:t>Why ever go over 100?  Trade space for (no) time</a:t>
+            </a:r>
+          </a:p>
+          <a:p>
+            <a:r>
+              <a:rPr lang="en-US" dirty="0" smtClean="0"/>
+              <a:t>Most </a:t>
+            </a:r>
+            <a:r>
+              <a:rPr lang="en-US" dirty="0" smtClean="0"/>
+              <a:t>tests are wrong</a:t>
+            </a:r>
+          </a:p>
+        </p:txBody>
+      </p:sp>
+    </p:spTree>
+    <p:extLst>
+      <p:ext uri="{BB962C8B-B14F-4D97-AF65-F5344CB8AC3E}">
+        <p14:creationId xmlns:p14="http://schemas.microsoft.com/office/powerpoint/2010/main" val="313254508"/>
+      </p:ext>
+    </p:extLst>
+  </p:cSld>
+  <p:clrMapOvr>
+    <a:masterClrMapping/>
+  </p:clrMapOvr>
+  <p:timing>
+    <p:tnLst>
+      <p:par>
+        <p:cTn id="1" dur="indefinite" restart="never" nodeType="tmRoot"/>
+      </p:par>
+    </p:tnLst>
+  </p:timing>
+</p:sld>
+</file>
+
+<file path=ppt/slides/slide15.xml><?xml version="1.0" encoding="utf-8"?>
+<p:sld xmlns:a="http://schemas.openxmlformats.org/drawingml/2006/main" xmlns:r="http://schemas.openxmlformats.org/officeDocument/2006/relationships" xmlns:p="http://schemas.openxmlformats.org/presentationml/2006/main">
+  <p:cSld>
+    <p:spTree>
+      <p:nvGrpSpPr>
+        <p:cNvPr id="1" name=""/>
+        <p:cNvGrpSpPr/>
+        <p:nvPr/>
+      </p:nvGrpSpPr>
+      <p:grpSpPr>
+        <a:xfrm>
+          <a:off x="0" y="0"/>
+          <a:ext cx="0" cy="0"/>
+          <a:chOff x="0" y="0"/>
+          <a:chExt cx="0" cy="0"/>
+        </a:xfrm>
+      </p:grpSpPr>
+      <p:sp>
+        <p:nvSpPr>
+          <p:cNvPr id="2" name="Title 1"/>
+          <p:cNvSpPr>
+            <a:spLocks noGrp="1"/>
+          </p:cNvSpPr>
+          <p:nvPr>
+            <p:ph type="title"/>
+          </p:nvPr>
+        </p:nvSpPr>
+        <p:spPr/>
+        <p:txBody>
+          <a:bodyPr>
+            <a:normAutofit/>
+          </a:bodyPr>
+          <a:lstStyle/>
+          <a:p>
+            <a:r>
+              <a:rPr lang="en-US" dirty="0" smtClean="0"/>
+              <a:t>Large Batch Sizes Shouldn't Help</a:t>
+            </a:r>
+            <a:endParaRPr lang="en-US" dirty="0"/>
+          </a:p>
+        </p:txBody>
+      </p:sp>
+      <p:sp>
+        <p:nvSpPr>
+          <p:cNvPr id="3" name="Content Placeholder 2"/>
+          <p:cNvSpPr>
+            <a:spLocks noGrp="1"/>
+          </p:cNvSpPr>
+          <p:nvPr>
+            <p:ph idx="1"/>
+          </p:nvPr>
+        </p:nvSpPr>
+        <p:spPr/>
+        <p:txBody>
+          <a:bodyPr>
+            <a:normAutofit fontScale="70000" lnSpcReduction="20000"/>
+          </a:bodyPr>
+          <a:lstStyle/>
+          <a:p>
+            <a:r>
+              <a:rPr lang="en-US" dirty="0" smtClean="0"/>
+              <a:t>If huge batches sizes help we're doing something wrong.</a:t>
+            </a:r>
+          </a:p>
+          <a:p>
+            <a:pPr marL="0" indent="0">
+              <a:buNone/>
+            </a:pPr>
+            <a:r>
+              <a:rPr lang="en-US" b="1" dirty="0">
+                <a:solidFill>
+                  <a:srgbClr val="008080"/>
+                </a:solidFill>
+                <a:highlight>
+                  <a:srgbClr val="FFFFFF"/>
+                </a:highlight>
+                <a:latin typeface="Courier New"/>
+              </a:rPr>
+              <a:t>declare</a:t>
+            </a:r>
+            <a:endParaRPr lang="en-US" b="1" dirty="0">
+              <a:solidFill>
+                <a:srgbClr val="000080"/>
+              </a:solidFill>
+              <a:highlight>
+                <a:srgbClr val="FFFFFF"/>
+              </a:highlight>
+              <a:latin typeface="Courier New"/>
+            </a:endParaRPr>
+          </a:p>
+          <a:p>
+            <a:pPr marL="0" indent="0">
+              <a:buNone/>
+            </a:pPr>
+            <a:r>
+              <a:rPr lang="en-US" b="1" dirty="0">
+                <a:solidFill>
+                  <a:srgbClr val="000080"/>
+                </a:solidFill>
+                <a:highlight>
+                  <a:srgbClr val="FFFFFF"/>
+                </a:highlight>
+                <a:latin typeface="Courier New"/>
+              </a:rPr>
+              <a:t> </a:t>
+            </a:r>
+            <a:r>
+              <a:rPr lang="en-US" b="1" dirty="0" err="1">
+                <a:solidFill>
+                  <a:srgbClr val="000080"/>
+                </a:solidFill>
+                <a:highlight>
+                  <a:srgbClr val="FFFFFF"/>
+                </a:highlight>
+                <a:latin typeface="Courier New"/>
+              </a:rPr>
+              <a:t>v_count</a:t>
+            </a:r>
+            <a:r>
+              <a:rPr lang="en-US" b="1" dirty="0">
+                <a:solidFill>
+                  <a:srgbClr val="000080"/>
+                </a:solidFill>
+                <a:highlight>
+                  <a:srgbClr val="FFFFFF"/>
+                </a:highlight>
+                <a:latin typeface="Courier New"/>
+              </a:rPr>
+              <a:t> </a:t>
+            </a:r>
+            <a:r>
+              <a:rPr lang="en-US" b="1" dirty="0">
+                <a:solidFill>
+                  <a:srgbClr val="008080"/>
+                </a:solidFill>
+                <a:highlight>
+                  <a:srgbClr val="FFFFFF"/>
+                </a:highlight>
+                <a:latin typeface="Courier New"/>
+              </a:rPr>
+              <a:t>number</a:t>
+            </a:r>
+            <a:r>
+              <a:rPr lang="en-US" b="1" dirty="0">
+                <a:solidFill>
+                  <a:srgbClr val="000080"/>
+                </a:solidFill>
+                <a:highlight>
+                  <a:srgbClr val="FFFFFF"/>
+                </a:highlight>
+                <a:latin typeface="Courier New"/>
+              </a:rPr>
+              <a:t>;</a:t>
+            </a:r>
+          </a:p>
+          <a:p>
+            <a:pPr marL="0" indent="0">
+              <a:buNone/>
+            </a:pPr>
+            <a:r>
+              <a:rPr lang="en-US" b="1" dirty="0">
+                <a:solidFill>
+                  <a:srgbClr val="008080"/>
+                </a:solidFill>
+                <a:highlight>
+                  <a:srgbClr val="FFFFFF"/>
+                </a:highlight>
+                <a:latin typeface="Courier New"/>
+              </a:rPr>
+              <a:t>begin</a:t>
+            </a:r>
+            <a:endParaRPr lang="en-US" b="1" dirty="0">
+              <a:solidFill>
+                <a:srgbClr val="000080"/>
+              </a:solidFill>
+              <a:highlight>
+                <a:srgbClr val="FFFFFF"/>
+              </a:highlight>
+              <a:latin typeface="Courier New"/>
+            </a:endParaRPr>
+          </a:p>
+          <a:p>
+            <a:pPr marL="0" indent="0">
+              <a:buNone/>
+            </a:pPr>
+            <a:r>
+              <a:rPr lang="en-US" b="1" dirty="0">
+                <a:solidFill>
+                  <a:srgbClr val="000080"/>
+                </a:solidFill>
+                <a:highlight>
+                  <a:srgbClr val="FFFFFF"/>
+                </a:highlight>
+                <a:latin typeface="Courier New"/>
+              </a:rPr>
+              <a:t>  </a:t>
+            </a:r>
+            <a:r>
+              <a:rPr lang="en-US" b="1" dirty="0">
+                <a:solidFill>
+                  <a:srgbClr val="008080"/>
+                </a:solidFill>
+                <a:highlight>
+                  <a:srgbClr val="FFFFFF"/>
+                </a:highlight>
+                <a:latin typeface="Courier New"/>
+              </a:rPr>
+              <a:t>for</a:t>
+            </a:r>
+            <a:r>
+              <a:rPr lang="en-US" b="1" dirty="0">
+                <a:solidFill>
+                  <a:srgbClr val="000080"/>
+                </a:solidFill>
+                <a:highlight>
+                  <a:srgbClr val="FFFFFF"/>
+                </a:highlight>
+                <a:latin typeface="Courier New"/>
+              </a:rPr>
+              <a:t> </a:t>
+            </a:r>
+            <a:r>
+              <a:rPr lang="en-US" b="1" dirty="0">
+                <a:solidFill>
+                  <a:srgbClr val="008080"/>
+                </a:solidFill>
+                <a:highlight>
+                  <a:srgbClr val="FFFFFF"/>
+                </a:highlight>
+                <a:latin typeface="Courier New"/>
+              </a:rPr>
+              <a:t>rows</a:t>
+            </a:r>
+            <a:r>
+              <a:rPr lang="en-US" b="1" dirty="0">
+                <a:solidFill>
+                  <a:srgbClr val="000080"/>
+                </a:solidFill>
+                <a:highlight>
+                  <a:srgbClr val="FFFFFF"/>
+                </a:highlight>
+                <a:latin typeface="Courier New"/>
+              </a:rPr>
+              <a:t> </a:t>
+            </a:r>
+            <a:r>
+              <a:rPr lang="en-US" b="1" dirty="0">
+                <a:solidFill>
+                  <a:srgbClr val="008080"/>
+                </a:solidFill>
+                <a:highlight>
+                  <a:srgbClr val="FFFFFF"/>
+                </a:highlight>
+                <a:latin typeface="Courier New"/>
+              </a:rPr>
+              <a:t>in</a:t>
+            </a:r>
+            <a:r>
+              <a:rPr lang="en-US" b="1" dirty="0">
+                <a:solidFill>
+                  <a:srgbClr val="000080"/>
+                </a:solidFill>
+                <a:highlight>
+                  <a:srgbClr val="FFFFFF"/>
+                </a:highlight>
+                <a:latin typeface="Courier New"/>
+              </a:rPr>
+              <a:t> (</a:t>
+            </a:r>
+            <a:r>
+              <a:rPr lang="en-US" b="1" dirty="0">
+                <a:solidFill>
+                  <a:srgbClr val="008080"/>
+                </a:solidFill>
+                <a:highlight>
+                  <a:srgbClr val="FFFFFF"/>
+                </a:highlight>
+                <a:latin typeface="Courier New"/>
+              </a:rPr>
+              <a:t>select</a:t>
+            </a:r>
+            <a:r>
+              <a:rPr lang="en-US" b="1" dirty="0">
+                <a:solidFill>
+                  <a:srgbClr val="000080"/>
+                </a:solidFill>
+                <a:highlight>
+                  <a:srgbClr val="FFFFFF"/>
+                </a:highlight>
+                <a:latin typeface="Courier New"/>
+              </a:rPr>
+              <a:t> * </a:t>
+            </a:r>
+            <a:r>
+              <a:rPr lang="en-US" b="1" dirty="0">
+                <a:solidFill>
+                  <a:srgbClr val="008080"/>
+                </a:solidFill>
+                <a:highlight>
+                  <a:srgbClr val="FFFFFF"/>
+                </a:highlight>
+                <a:latin typeface="Courier New"/>
+              </a:rPr>
+              <a:t>from</a:t>
+            </a:r>
+            <a:r>
+              <a:rPr lang="en-US" b="1" dirty="0">
+                <a:solidFill>
+                  <a:srgbClr val="000080"/>
+                </a:solidFill>
+                <a:highlight>
+                  <a:srgbClr val="FFFFFF"/>
+                </a:highlight>
+                <a:latin typeface="Courier New"/>
+              </a:rPr>
+              <a:t> </a:t>
+            </a:r>
+            <a:r>
+              <a:rPr lang="en-US" b="1" dirty="0" err="1">
+                <a:solidFill>
+                  <a:srgbClr val="000080"/>
+                </a:solidFill>
+                <a:highlight>
+                  <a:srgbClr val="FFFFFF"/>
+                </a:highlight>
+                <a:latin typeface="Courier New"/>
+              </a:rPr>
+              <a:t>large_table</a:t>
+            </a:r>
+            <a:r>
+              <a:rPr lang="en-US" b="1" dirty="0">
+                <a:solidFill>
+                  <a:srgbClr val="000080"/>
+                </a:solidFill>
+                <a:highlight>
+                  <a:srgbClr val="FFFFFF"/>
+                </a:highlight>
+                <a:latin typeface="Courier New"/>
+              </a:rPr>
+              <a:t>) </a:t>
+            </a:r>
+            <a:r>
+              <a:rPr lang="en-US" b="1" dirty="0">
+                <a:solidFill>
+                  <a:srgbClr val="008080"/>
+                </a:solidFill>
+                <a:highlight>
+                  <a:srgbClr val="FFFFFF"/>
+                </a:highlight>
+                <a:latin typeface="Courier New"/>
+              </a:rPr>
+              <a:t>loop</a:t>
+            </a:r>
+            <a:endParaRPr lang="en-US" b="1" dirty="0">
+              <a:solidFill>
+                <a:srgbClr val="000080"/>
+              </a:solidFill>
+              <a:highlight>
+                <a:srgbClr val="FFFFFF"/>
+              </a:highlight>
+              <a:latin typeface="Courier New"/>
+            </a:endParaRPr>
+          </a:p>
+          <a:p>
+            <a:pPr marL="0" indent="0">
+              <a:buNone/>
+            </a:pPr>
+            <a:r>
+              <a:rPr lang="en-US" b="1" dirty="0">
+                <a:solidFill>
+                  <a:srgbClr val="000080"/>
+                </a:solidFill>
+                <a:highlight>
+                  <a:srgbClr val="FFFFFF"/>
+                </a:highlight>
+                <a:latin typeface="Courier New"/>
+              </a:rPr>
+              <a:t>    </a:t>
+            </a:r>
+            <a:r>
+              <a:rPr lang="en-US" b="1" dirty="0" err="1">
+                <a:solidFill>
+                  <a:srgbClr val="000080"/>
+                </a:solidFill>
+                <a:highlight>
+                  <a:srgbClr val="FFFFFF"/>
+                </a:highlight>
+                <a:latin typeface="Courier New"/>
+              </a:rPr>
+              <a:t>v_count</a:t>
+            </a:r>
+            <a:r>
+              <a:rPr lang="en-US" b="1" dirty="0">
+                <a:solidFill>
+                  <a:srgbClr val="000080"/>
+                </a:solidFill>
+                <a:highlight>
+                  <a:srgbClr val="FFFFFF"/>
+                </a:highlight>
+                <a:latin typeface="Courier New"/>
+              </a:rPr>
+              <a:t> := </a:t>
+            </a:r>
+            <a:r>
+              <a:rPr lang="en-US" b="1" dirty="0" err="1">
+                <a:solidFill>
+                  <a:srgbClr val="000080"/>
+                </a:solidFill>
+                <a:highlight>
+                  <a:srgbClr val="FFFFFF"/>
+                </a:highlight>
+                <a:latin typeface="Courier New"/>
+              </a:rPr>
+              <a:t>v_count</a:t>
+            </a:r>
+            <a:r>
+              <a:rPr lang="en-US" b="1" dirty="0">
+                <a:solidFill>
+                  <a:srgbClr val="000080"/>
+                </a:solidFill>
+                <a:highlight>
+                  <a:srgbClr val="FFFFFF"/>
+                </a:highlight>
+                <a:latin typeface="Courier New"/>
+              </a:rPr>
+              <a:t> + </a:t>
+            </a:r>
+            <a:r>
+              <a:rPr lang="en-US" b="1" dirty="0">
+                <a:solidFill>
+                  <a:srgbClr val="0000FF"/>
+                </a:solidFill>
+                <a:highlight>
+                  <a:srgbClr val="FFFFFF"/>
+                </a:highlight>
+                <a:latin typeface="Courier New"/>
+              </a:rPr>
+              <a:t>1</a:t>
+            </a:r>
+            <a:r>
+              <a:rPr lang="en-US" b="1" dirty="0">
+                <a:solidFill>
+                  <a:srgbClr val="000080"/>
+                </a:solidFill>
+                <a:highlight>
+                  <a:srgbClr val="FFFFFF"/>
+                </a:highlight>
+                <a:latin typeface="Courier New"/>
+              </a:rPr>
+              <a:t>;</a:t>
+            </a:r>
+          </a:p>
+          <a:p>
+            <a:pPr marL="0" indent="0">
+              <a:buNone/>
+            </a:pPr>
+            <a:r>
+              <a:rPr lang="en-US" b="1" dirty="0">
+                <a:solidFill>
+                  <a:srgbClr val="000080"/>
+                </a:solidFill>
+                <a:highlight>
+                  <a:srgbClr val="FFFFFF"/>
+                </a:highlight>
+                <a:latin typeface="Courier New"/>
+              </a:rPr>
+              <a:t>  </a:t>
+            </a:r>
+            <a:r>
+              <a:rPr lang="en-US" b="1" dirty="0">
+                <a:solidFill>
+                  <a:srgbClr val="008080"/>
+                </a:solidFill>
+                <a:highlight>
+                  <a:srgbClr val="FFFFFF"/>
+                </a:highlight>
+                <a:latin typeface="Courier New"/>
+              </a:rPr>
+              <a:t>end</a:t>
+            </a:r>
+            <a:r>
+              <a:rPr lang="en-US" b="1" dirty="0">
+                <a:solidFill>
+                  <a:srgbClr val="000080"/>
+                </a:solidFill>
+                <a:highlight>
+                  <a:srgbClr val="FFFFFF"/>
+                </a:highlight>
+                <a:latin typeface="Courier New"/>
+              </a:rPr>
+              <a:t> </a:t>
+            </a:r>
+            <a:r>
+              <a:rPr lang="en-US" b="1" dirty="0">
+                <a:solidFill>
+                  <a:srgbClr val="008080"/>
+                </a:solidFill>
+                <a:highlight>
+                  <a:srgbClr val="FFFFFF"/>
+                </a:highlight>
+                <a:latin typeface="Courier New"/>
+              </a:rPr>
+              <a:t>loop</a:t>
+            </a:r>
+            <a:r>
+              <a:rPr lang="en-US" b="1" dirty="0">
+                <a:solidFill>
+                  <a:srgbClr val="000080"/>
+                </a:solidFill>
+                <a:highlight>
+                  <a:srgbClr val="FFFFFF"/>
+                </a:highlight>
+                <a:latin typeface="Courier New"/>
+              </a:rPr>
+              <a:t>;</a:t>
+            </a:r>
+          </a:p>
+          <a:p>
+            <a:pPr marL="0" indent="0">
+              <a:buNone/>
+            </a:pPr>
+            <a:r>
+              <a:rPr lang="en-US" b="1" dirty="0">
+                <a:solidFill>
+                  <a:srgbClr val="008080"/>
+                </a:solidFill>
+                <a:highlight>
+                  <a:srgbClr val="FFFFFF"/>
+                </a:highlight>
+                <a:latin typeface="Courier New"/>
+              </a:rPr>
+              <a:t>end</a:t>
+            </a:r>
+            <a:r>
+              <a:rPr lang="en-US" b="1" dirty="0">
+                <a:solidFill>
+                  <a:srgbClr val="000080"/>
+                </a:solidFill>
+                <a:highlight>
+                  <a:srgbClr val="FFFFFF"/>
+                </a:highlight>
+                <a:latin typeface="Courier New"/>
+              </a:rPr>
+              <a:t>;</a:t>
+            </a:r>
+          </a:p>
+          <a:p>
+            <a:pPr marL="0" indent="0">
+              <a:buNone/>
+            </a:pPr>
+            <a:r>
+              <a:rPr lang="en-US" b="1" dirty="0">
+                <a:solidFill>
+                  <a:srgbClr val="000080"/>
+                </a:solidFill>
+                <a:highlight>
+                  <a:srgbClr val="FFFFFF"/>
+                </a:highlight>
+                <a:latin typeface="Courier New"/>
+              </a:rPr>
+              <a:t>/</a:t>
+            </a:r>
+          </a:p>
+          <a:p>
+            <a:r>
+              <a:rPr lang="en-US" dirty="0" smtClean="0"/>
+              <a:t>Instead use: </a:t>
+            </a:r>
+            <a:r>
+              <a:rPr lang="en-US" b="1" dirty="0">
+                <a:solidFill>
+                  <a:srgbClr val="008080"/>
+                </a:solidFill>
+                <a:highlight>
+                  <a:srgbClr val="FFFFFF"/>
+                </a:highlight>
+                <a:latin typeface="Courier New"/>
+              </a:rPr>
+              <a:t>select</a:t>
+            </a:r>
+            <a:r>
+              <a:rPr lang="en-US" b="1" dirty="0">
+                <a:solidFill>
+                  <a:srgbClr val="000080"/>
+                </a:solidFill>
+                <a:highlight>
+                  <a:srgbClr val="FFFFFF"/>
+                </a:highlight>
+                <a:latin typeface="Courier New"/>
+              </a:rPr>
+              <a:t> </a:t>
+            </a:r>
+            <a:r>
+              <a:rPr lang="en-US" b="1" dirty="0">
+                <a:solidFill>
+                  <a:srgbClr val="008080"/>
+                </a:solidFill>
+                <a:highlight>
+                  <a:srgbClr val="FFFFFF"/>
+                </a:highlight>
+                <a:latin typeface="Courier New"/>
+              </a:rPr>
+              <a:t>count</a:t>
+            </a:r>
+            <a:r>
+              <a:rPr lang="en-US" b="1" dirty="0">
+                <a:solidFill>
+                  <a:srgbClr val="000080"/>
+                </a:solidFill>
+                <a:highlight>
+                  <a:srgbClr val="FFFFFF"/>
+                </a:highlight>
+                <a:latin typeface="Courier New"/>
+              </a:rPr>
+              <a:t>(*) </a:t>
+            </a:r>
+            <a:r>
+              <a:rPr lang="en-US" b="1" dirty="0">
+                <a:solidFill>
+                  <a:srgbClr val="008080"/>
+                </a:solidFill>
+                <a:highlight>
+                  <a:srgbClr val="FFFFFF"/>
+                </a:highlight>
+                <a:latin typeface="Courier New"/>
+              </a:rPr>
+              <a:t>from</a:t>
+            </a:r>
+            <a:r>
+              <a:rPr lang="en-US" b="1" dirty="0">
+                <a:solidFill>
+                  <a:srgbClr val="000080"/>
+                </a:solidFill>
+                <a:highlight>
+                  <a:srgbClr val="FFFFFF"/>
+                </a:highlight>
+                <a:latin typeface="Courier New"/>
+              </a:rPr>
+              <a:t> </a:t>
+            </a:r>
+            <a:r>
+              <a:rPr lang="en-US" b="1" dirty="0" err="1" smtClean="0">
+                <a:solidFill>
+                  <a:srgbClr val="000080"/>
+                </a:solidFill>
+                <a:highlight>
+                  <a:srgbClr val="FFFFFF"/>
+                </a:highlight>
+                <a:latin typeface="Courier New"/>
+              </a:rPr>
+              <a:t>large_table</a:t>
+            </a:r>
+            <a:endParaRPr lang="en-US" dirty="0"/>
+          </a:p>
+        </p:txBody>
+      </p:sp>
+    </p:spTree>
+    <p:extLst>
+      <p:ext uri="{BB962C8B-B14F-4D97-AF65-F5344CB8AC3E}">
+        <p14:creationId xmlns:p14="http://schemas.microsoft.com/office/powerpoint/2010/main" val="2453351835"/>
+      </p:ext>
+    </p:extLst>
+  </p:cSld>
+  <p:clrMapOvr>
+    <a:masterClrMapping/>
+  </p:clrMapOvr>
+  <p:timing>
+    <p:tnLst>
+      <p:par>
+        <p:cTn id="1" dur="indefinite" restart="never" nodeType="tmRoot"/>
+      </p:par>
+    </p:tnLst>
+  </p:timing>
+</p:sld>
+</file>
+
+<file path=ppt/slides/slide16.xml><?xml version="1.0" encoding="utf-8"?>
+<p:sld xmlns:a="http://schemas.openxmlformats.org/drawingml/2006/main" xmlns:r="http://schemas.openxmlformats.org/officeDocument/2006/relationships" xmlns:p="http://schemas.openxmlformats.org/presentationml/2006/main">
+  <p:cSld>
+    <p:spTree>
+      <p:nvGrpSpPr>
+        <p:cNvPr id="1" name=""/>
+        <p:cNvGrpSpPr/>
+        <p:nvPr/>
+      </p:nvGrpSpPr>
+      <p:grpSpPr>
+        <a:xfrm>
+          <a:off x="0" y="0"/>
+          <a:ext cx="0" cy="0"/>
+          <a:chOff x="0" y="0"/>
+          <a:chExt cx="0" cy="0"/>
+        </a:xfrm>
+      </p:grpSpPr>
+      <p:sp>
+        <p:nvSpPr>
+          <p:cNvPr id="2" name="Title 1"/>
+          <p:cNvSpPr>
+            <a:spLocks noGrp="1"/>
+          </p:cNvSpPr>
+          <p:nvPr>
+            <p:ph type="title"/>
+          </p:nvPr>
+        </p:nvSpPr>
+        <p:spPr/>
+        <p:txBody>
+          <a:bodyPr/>
+          <a:lstStyle/>
+          <a:p>
+            <a:r>
+              <a:rPr lang="en-US" dirty="0" smtClean="0"/>
               <a:t>1/N - Theory vs. Practice</a:t>
             </a:r>
             <a:endParaRPr lang="en-US" dirty="0"/>
@@ -9067,10 +11520,17 @@
   <p:clrMapOvr>
     <a:masterClrMapping/>
   </p:clrMapOvr>
+  <p:timing>
+    <p:tnLst>
+      <p:par>
+        <p:cTn id="1" dur="indefinite" restart="never" nodeType="tmRoot"/>
+      </p:par>
+    </p:tnLst>
+  </p:timing>
 </p:sld>
 </file>
 
-<file path=ppt/slides/slide15.xml><?xml version="1.0" encoding="utf-8"?>
+<file path=ppt/slides/slide17.xml><?xml version="1.0" encoding="utf-8"?>
 <p:sld xmlns:a="http://schemas.openxmlformats.org/drawingml/2006/main" xmlns:r="http://schemas.openxmlformats.org/officeDocument/2006/relationships" xmlns:p="http://schemas.openxmlformats.org/presentationml/2006/main">
   <p:cSld>
     <p:spTree>
@@ -9149,10 +11609,17 @@
   <p:clrMapOvr>
     <a:masterClrMapping/>
   </p:clrMapOvr>
+  <p:timing>
+    <p:tnLst>
+      <p:par>
+        <p:cTn id="1" dur="indefinite" restart="never" nodeType="tmRoot"/>
+      </p:par>
+    </p:tnLst>
+  </p:timing>
 </p:sld>
 </file>
 
-<file path=ppt/slides/slide16.xml><?xml version="1.0" encoding="utf-8"?>
+<file path=ppt/slides/slide18.xml><?xml version="1.0" encoding="utf-8"?>
 <p:sld xmlns:a="http://schemas.openxmlformats.org/drawingml/2006/main" xmlns:r="http://schemas.openxmlformats.org/officeDocument/2006/relationships" xmlns:p="http://schemas.openxmlformats.org/presentationml/2006/main">
   <p:cSld>
     <p:spTree>
@@ -9186,11 +11653,7 @@
           <a:p>
             <a:r>
               <a:rPr lang="en-US" dirty="0" smtClean="0"/>
-              <a:t>1 - </a:t>
-            </a:r>
-            <a:r>
-              <a:rPr lang="en-US" dirty="0" smtClean="0"/>
-              <a:t>What and Where</a:t>
+              <a:t>1 - What and Where</a:t>
             </a:r>
             <a:endParaRPr lang="en-US" dirty="0"/>
           </a:p>
@@ -9219,13 +11682,8 @@
           <a:p>
             <a:r>
               <a:rPr lang="en-US" dirty="0" smtClean="0"/>
-              <a:t>Hashing - partitioning, clusters, </a:t>
-            </a:r>
-            <a:r>
-              <a:rPr lang="en-US" dirty="0" smtClean="0"/>
-              <a:t>joins</a:t>
-            </a:r>
-            <a:endParaRPr lang="en-US" dirty="0" smtClean="0"/>
+              <a:t>Hashing - partitioning, clusters, joins</a:t>
+            </a:r>
           </a:p>
           <a:p>
             <a:r>
@@ -9246,10 +11704,17 @@
   <p:clrMapOvr>
     <a:masterClrMapping/>
   </p:clrMapOvr>
+  <p:timing>
+    <p:tnLst>
+      <p:par>
+        <p:cTn id="1" dur="indefinite" restart="never" nodeType="tmRoot"/>
+      </p:par>
+    </p:tnLst>
+  </p:timing>
 </p:sld>
 </file>
 
-<file path=ppt/slides/slide17.xml><?xml version="1.0" encoding="utf-8"?>
+<file path=ppt/slides/slide19.xml><?xml version="1.0" encoding="utf-8"?>
 <p:sld xmlns:a="http://schemas.openxmlformats.org/drawingml/2006/main" xmlns:r="http://schemas.openxmlformats.org/officeDocument/2006/relationships" xmlns:p="http://schemas.openxmlformats.org/presentationml/2006/main">
   <p:cSld>
     <p:spTree>
@@ -9283,11 +11748,7 @@
           <a:p>
             <a:r>
               <a:rPr lang="en-US" dirty="0" smtClean="0"/>
-              <a:t>1 - Hashing </a:t>
-            </a:r>
-            <a:r>
-              <a:rPr lang="en-US" dirty="0" smtClean="0"/>
-              <a:t>Types and Tradeoffs</a:t>
+              <a:t>1 - Hashing Types and Tradeoffs</a:t>
             </a:r>
             <a:endParaRPr lang="en-US" dirty="0"/>
           </a:p>
@@ -9332,229 +11793,13 @@
   <p:clrMapOvr>
     <a:masterClrMapping/>
   </p:clrMapOvr>
-</p:sld>
-</file>
-
-<file path=ppt/slides/slide18.xml><?xml version="1.0" encoding="utf-8"?>
-<p:sld xmlns:a="http://schemas.openxmlformats.org/drawingml/2006/main" xmlns:r="http://schemas.openxmlformats.org/officeDocument/2006/relationships" xmlns:p="http://schemas.openxmlformats.org/presentationml/2006/main">
-  <p:cSld>
-    <p:spTree>
-      <p:nvGrpSpPr>
-        <p:cNvPr id="1" name=""/>
-        <p:cNvGrpSpPr/>
-        <p:nvPr/>
-      </p:nvGrpSpPr>
-      <p:grpSpPr>
-        <a:xfrm>
-          <a:off x="0" y="0"/>
-          <a:ext cx="0" cy="0"/>
-          <a:chOff x="0" y="0"/>
-          <a:chExt cx="0" cy="0"/>
-        </a:xfrm>
-      </p:grpSpPr>
-      <p:sp>
-        <p:nvSpPr>
-          <p:cNvPr id="2" name="Title 1"/>
-          <p:cNvSpPr>
-            <a:spLocks noGrp="1"/>
-          </p:cNvSpPr>
-          <p:nvPr>
-            <p:ph type="title"/>
-          </p:nvPr>
-        </p:nvSpPr>
-        <p:spPr/>
-        <p:txBody>
-          <a:bodyPr/>
-          <a:lstStyle/>
-          <a:p>
-            <a:r>
-              <a:rPr lang="en-US" dirty="0" smtClean="0"/>
-              <a:t>1 - Hash Partitioning</a:t>
-            </a:r>
-            <a:endParaRPr lang="en-US" dirty="0"/>
-          </a:p>
-        </p:txBody>
-      </p:sp>
-      <p:sp>
-        <p:nvSpPr>
-          <p:cNvPr id="3" name="Content Placeholder 2"/>
-          <p:cNvSpPr>
-            <a:spLocks noGrp="1"/>
-          </p:cNvSpPr>
-          <p:nvPr>
-            <p:ph idx="1"/>
-          </p:nvPr>
-        </p:nvSpPr>
-        <p:spPr/>
-        <p:txBody>
-          <a:bodyPr>
-            <a:normAutofit/>
-          </a:bodyPr>
-          <a:lstStyle/>
-          <a:p>
-            <a:r>
-              <a:rPr lang="en-US" dirty="0" smtClean="0"/>
-              <a:t>ORA_HASH</a:t>
-            </a:r>
-          </a:p>
-          <a:p>
-            <a:r>
-              <a:rPr lang="en-US" dirty="0" smtClean="0"/>
-              <a:t>Good for retrieving large percentage of rows</a:t>
-            </a:r>
-          </a:p>
-          <a:p>
-            <a:r>
-              <a:rPr lang="en-US" dirty="0" smtClean="0"/>
-              <a:t>Minimal but not perfect</a:t>
-            </a:r>
-          </a:p>
-          <a:p>
-            <a:r>
-              <a:rPr lang="en-US" dirty="0" smtClean="0"/>
-              <a:t>Insert O(1), read is O(N/#_PARTITIONS)</a:t>
-            </a:r>
-          </a:p>
-          <a:p>
-            <a:r>
-              <a:rPr lang="en-US" dirty="0" smtClean="0"/>
-              <a:t>Don't use huge number of </a:t>
-            </a:r>
-            <a:r>
-              <a:rPr lang="en-US" dirty="0" smtClean="0"/>
-              <a:t>partitions</a:t>
-            </a:r>
-            <a:endParaRPr lang="en-US" dirty="0"/>
-          </a:p>
-        </p:txBody>
-      </p:sp>
-    </p:spTree>
-    <p:extLst>
-      <p:ext uri="{BB962C8B-B14F-4D97-AF65-F5344CB8AC3E}">
-        <p14:creationId xmlns:p14="http://schemas.microsoft.com/office/powerpoint/2010/main" val="3843327604"/>
-      </p:ext>
-    </p:extLst>
-  </p:cSld>
-  <p:clrMapOvr>
-    <a:masterClrMapping/>
-  </p:clrMapOvr>
-</p:sld>
-</file>
-
-<file path=ppt/slides/slide19.xml><?xml version="1.0" encoding="utf-8"?>
-<p:sld xmlns:a="http://schemas.openxmlformats.org/drawingml/2006/main" xmlns:r="http://schemas.openxmlformats.org/officeDocument/2006/relationships" xmlns:p="http://schemas.openxmlformats.org/presentationml/2006/main">
-  <p:cSld>
-    <p:spTree>
-      <p:nvGrpSpPr>
-        <p:cNvPr id="1" name=""/>
-        <p:cNvGrpSpPr/>
-        <p:nvPr/>
-      </p:nvGrpSpPr>
-      <p:grpSpPr>
-        <a:xfrm>
-          <a:off x="0" y="0"/>
-          <a:ext cx="0" cy="0"/>
-          <a:chOff x="0" y="0"/>
-          <a:chExt cx="0" cy="0"/>
-        </a:xfrm>
-      </p:grpSpPr>
-      <p:sp>
-        <p:nvSpPr>
-          <p:cNvPr id="2" name="Title 1"/>
-          <p:cNvSpPr>
-            <a:spLocks noGrp="1"/>
-          </p:cNvSpPr>
-          <p:nvPr>
-            <p:ph type="title"/>
-          </p:nvPr>
-        </p:nvSpPr>
-        <p:spPr/>
-        <p:txBody>
-          <a:bodyPr/>
-          <a:lstStyle/>
-          <a:p>
-            <a:r>
-              <a:rPr lang="en-US" dirty="0" smtClean="0"/>
-              <a:t>1 - Hash Clusters</a:t>
-            </a:r>
-            <a:endParaRPr lang="en-US" dirty="0"/>
-          </a:p>
-        </p:txBody>
-      </p:sp>
-      <p:sp>
-        <p:nvSpPr>
-          <p:cNvPr id="3" name="Content Placeholder 2"/>
-          <p:cNvSpPr>
-            <a:spLocks noGrp="1"/>
-          </p:cNvSpPr>
-          <p:nvPr>
-            <p:ph idx="1"/>
-          </p:nvPr>
-        </p:nvSpPr>
-        <p:spPr/>
-        <p:txBody>
-          <a:bodyPr>
-            <a:normAutofit lnSpcReduction="10000"/>
-          </a:bodyPr>
-          <a:lstStyle/>
-          <a:p>
-            <a:r>
-              <a:rPr lang="en-US" dirty="0" smtClean="0"/>
-              <a:t>Unknown hash function</a:t>
-            </a:r>
-          </a:p>
-          <a:p>
-            <a:r>
-              <a:rPr lang="en-US" dirty="0" smtClean="0"/>
-              <a:t>Good for retrieving small percentage of rows</a:t>
-            </a:r>
-          </a:p>
-          <a:p>
-            <a:r>
-              <a:rPr lang="en-US" dirty="0" smtClean="0"/>
-              <a:t>Not minimal, may be perfect</a:t>
-            </a:r>
-          </a:p>
-          <a:p>
-            <a:r>
-              <a:rPr lang="en-US" dirty="0" smtClean="0"/>
-              <a:t>O(1) reads, theoretically better than indexes</a:t>
-            </a:r>
-          </a:p>
-          <a:p>
-            <a:r>
-              <a:rPr lang="en-US" dirty="0" smtClean="0"/>
-              <a:t>In practice it's </a:t>
-            </a:r>
-            <a:r>
-              <a:rPr lang="en-US" dirty="0" smtClean="0"/>
-              <a:t>slower (constants win)</a:t>
-            </a:r>
-            <a:endParaRPr lang="en-US" dirty="0" smtClean="0"/>
-          </a:p>
-          <a:p>
-            <a:r>
-              <a:rPr lang="en-US" dirty="0" smtClean="0"/>
-              <a:t>Creating perfect hash increases table size </a:t>
-            </a:r>
-            <a:r>
-              <a:rPr lang="en-US" dirty="0" smtClean="0"/>
-              <a:t>3x</a:t>
-            </a:r>
-            <a:endParaRPr lang="en-US" dirty="0"/>
-          </a:p>
-        </p:txBody>
-      </p:sp>
-    </p:spTree>
-    <p:extLst>
-      <p:ext uri="{BB962C8B-B14F-4D97-AF65-F5344CB8AC3E}">
-        <p14:creationId xmlns:p14="http://schemas.microsoft.com/office/powerpoint/2010/main" val="2403054375"/>
-      </p:ext>
-    </p:extLst>
-  </p:cSld>
-  <p:clrMapOvr>
-    <a:masterClrMapping/>
-  </p:clrMapOvr>
+  <p:timing>
+    <p:tnLst>
+      <p:par>
+        <p:cTn id="1" dur="indefinite" restart="never" nodeType="tmRoot"/>
+      </p:par>
+    </p:tnLst>
+  </p:timing>
 </p:sld>
 </file>
 
@@ -9627,7 +11872,7 @@
         </p:blipFill>
         <p:spPr>
           <a:xfrm>
-            <a:off x="2628900" y="1581151"/>
+            <a:off x="2628900" y="1809750"/>
             <a:ext cx="3505200" cy="3086965"/>
           </a:xfrm>
           <a:prstGeom prst="rect">
@@ -9657,7 +11902,7 @@
         </p:blipFill>
         <p:spPr>
           <a:xfrm>
-            <a:off x="304588" y="2160137"/>
+            <a:off x="304588" y="2388736"/>
             <a:ext cx="2286213" cy="1928992"/>
           </a:xfrm>
           <a:prstGeom prst="rect">
@@ -9687,7 +11932,7 @@
         </p:blipFill>
         <p:spPr>
           <a:xfrm>
-            <a:off x="6172200" y="1801034"/>
+            <a:off x="6172200" y="2029633"/>
             <a:ext cx="2673604" cy="2647198"/>
           </a:xfrm>
           <a:prstGeom prst="rect">
@@ -9749,6 +11994,230 @@
           <a:p>
             <a:r>
               <a:rPr lang="en-US" dirty="0" smtClean="0"/>
+              <a:t>1 - Hash Partitioning</a:t>
+            </a:r>
+            <a:endParaRPr lang="en-US" dirty="0"/>
+          </a:p>
+        </p:txBody>
+      </p:sp>
+      <p:sp>
+        <p:nvSpPr>
+          <p:cNvPr id="3" name="Content Placeholder 2"/>
+          <p:cNvSpPr>
+            <a:spLocks noGrp="1"/>
+          </p:cNvSpPr>
+          <p:nvPr>
+            <p:ph idx="1"/>
+          </p:nvPr>
+        </p:nvSpPr>
+        <p:spPr/>
+        <p:txBody>
+          <a:bodyPr>
+            <a:normAutofit/>
+          </a:bodyPr>
+          <a:lstStyle/>
+          <a:p>
+            <a:r>
+              <a:rPr lang="en-US" dirty="0" smtClean="0"/>
+              <a:t>ORA_HASH</a:t>
+            </a:r>
+          </a:p>
+          <a:p>
+            <a:r>
+              <a:rPr lang="en-US" dirty="0" smtClean="0"/>
+              <a:t>Good for retrieving large percentage of rows</a:t>
+            </a:r>
+          </a:p>
+          <a:p>
+            <a:r>
+              <a:rPr lang="en-US" dirty="0" smtClean="0"/>
+              <a:t>Minimal but not perfect</a:t>
+            </a:r>
+          </a:p>
+          <a:p>
+            <a:r>
+              <a:rPr lang="en-US" dirty="0" smtClean="0"/>
+              <a:t>Insert O(1), read is O(N/#_PARTITIONS)</a:t>
+            </a:r>
+          </a:p>
+          <a:p>
+            <a:r>
+              <a:rPr lang="en-US" dirty="0" smtClean="0"/>
+              <a:t>Don't use huge number of partitions</a:t>
+            </a:r>
+            <a:endParaRPr lang="en-US" dirty="0"/>
+          </a:p>
+        </p:txBody>
+      </p:sp>
+    </p:spTree>
+    <p:extLst>
+      <p:ext uri="{BB962C8B-B14F-4D97-AF65-F5344CB8AC3E}">
+        <p14:creationId xmlns:p14="http://schemas.microsoft.com/office/powerpoint/2010/main" val="3843327604"/>
+      </p:ext>
+    </p:extLst>
+  </p:cSld>
+  <p:clrMapOvr>
+    <a:masterClrMapping/>
+  </p:clrMapOvr>
+  <p:timing>
+    <p:tnLst>
+      <p:par>
+        <p:cTn id="1" dur="indefinite" restart="never" nodeType="tmRoot"/>
+      </p:par>
+    </p:tnLst>
+  </p:timing>
+</p:sld>
+</file>
+
+<file path=ppt/slides/slide21.xml><?xml version="1.0" encoding="utf-8"?>
+<p:sld xmlns:a="http://schemas.openxmlformats.org/drawingml/2006/main" xmlns:r="http://schemas.openxmlformats.org/officeDocument/2006/relationships" xmlns:p="http://schemas.openxmlformats.org/presentationml/2006/main">
+  <p:cSld>
+    <p:spTree>
+      <p:nvGrpSpPr>
+        <p:cNvPr id="1" name=""/>
+        <p:cNvGrpSpPr/>
+        <p:nvPr/>
+      </p:nvGrpSpPr>
+      <p:grpSpPr>
+        <a:xfrm>
+          <a:off x="0" y="0"/>
+          <a:ext cx="0" cy="0"/>
+          <a:chOff x="0" y="0"/>
+          <a:chExt cx="0" cy="0"/>
+        </a:xfrm>
+      </p:grpSpPr>
+      <p:sp>
+        <p:nvSpPr>
+          <p:cNvPr id="2" name="Title 1"/>
+          <p:cNvSpPr>
+            <a:spLocks noGrp="1"/>
+          </p:cNvSpPr>
+          <p:nvPr>
+            <p:ph type="title"/>
+          </p:nvPr>
+        </p:nvSpPr>
+        <p:spPr/>
+        <p:txBody>
+          <a:bodyPr/>
+          <a:lstStyle/>
+          <a:p>
+            <a:r>
+              <a:rPr lang="en-US" dirty="0" smtClean="0"/>
+              <a:t>1 - Hash Clusters</a:t>
+            </a:r>
+            <a:endParaRPr lang="en-US" dirty="0"/>
+          </a:p>
+        </p:txBody>
+      </p:sp>
+      <p:sp>
+        <p:nvSpPr>
+          <p:cNvPr id="3" name="Content Placeholder 2"/>
+          <p:cNvSpPr>
+            <a:spLocks noGrp="1"/>
+          </p:cNvSpPr>
+          <p:nvPr>
+            <p:ph idx="1"/>
+          </p:nvPr>
+        </p:nvSpPr>
+        <p:spPr/>
+        <p:txBody>
+          <a:bodyPr>
+            <a:normAutofit lnSpcReduction="10000"/>
+          </a:bodyPr>
+          <a:lstStyle/>
+          <a:p>
+            <a:r>
+              <a:rPr lang="en-US" dirty="0" smtClean="0"/>
+              <a:t>Unknown hash function</a:t>
+            </a:r>
+          </a:p>
+          <a:p>
+            <a:r>
+              <a:rPr lang="en-US" dirty="0" smtClean="0"/>
+              <a:t>Good for retrieving small percentage of rows</a:t>
+            </a:r>
+          </a:p>
+          <a:p>
+            <a:r>
+              <a:rPr lang="en-US" dirty="0" smtClean="0"/>
+              <a:t>Not minimal, may be perfect</a:t>
+            </a:r>
+          </a:p>
+          <a:p>
+            <a:r>
+              <a:rPr lang="en-US" dirty="0" smtClean="0"/>
+              <a:t>O(1) reads, theoretically better than indexes</a:t>
+            </a:r>
+          </a:p>
+          <a:p>
+            <a:r>
+              <a:rPr lang="en-US" dirty="0" smtClean="0"/>
+              <a:t>In practice it's slower (constants win)</a:t>
+            </a:r>
+          </a:p>
+          <a:p>
+            <a:r>
+              <a:rPr lang="en-US" dirty="0" smtClean="0"/>
+              <a:t>Creating perfect hash increases table size 3x</a:t>
+            </a:r>
+            <a:endParaRPr lang="en-US" dirty="0"/>
+          </a:p>
+        </p:txBody>
+      </p:sp>
+    </p:spTree>
+    <p:extLst>
+      <p:ext uri="{BB962C8B-B14F-4D97-AF65-F5344CB8AC3E}">
+        <p14:creationId xmlns:p14="http://schemas.microsoft.com/office/powerpoint/2010/main" val="2403054375"/>
+      </p:ext>
+    </p:extLst>
+  </p:cSld>
+  <p:clrMapOvr>
+    <a:masterClrMapping/>
+  </p:clrMapOvr>
+  <p:timing>
+    <p:tnLst>
+      <p:par>
+        <p:cTn id="1" dur="indefinite" restart="never" nodeType="tmRoot"/>
+      </p:par>
+    </p:tnLst>
+  </p:timing>
+</p:sld>
+</file>
+
+<file path=ppt/slides/slide22.xml><?xml version="1.0" encoding="utf-8"?>
+<p:sld xmlns:a="http://schemas.openxmlformats.org/drawingml/2006/main" xmlns:r="http://schemas.openxmlformats.org/officeDocument/2006/relationships" xmlns:p="http://schemas.openxmlformats.org/presentationml/2006/main">
+  <p:cSld>
+    <p:spTree>
+      <p:nvGrpSpPr>
+        <p:cNvPr id="1" name=""/>
+        <p:cNvGrpSpPr/>
+        <p:nvPr/>
+      </p:nvGrpSpPr>
+      <p:grpSpPr>
+        <a:xfrm>
+          <a:off x="0" y="0"/>
+          <a:ext cx="0" cy="0"/>
+          <a:chOff x="0" y="0"/>
+          <a:chExt cx="0" cy="0"/>
+        </a:xfrm>
+      </p:grpSpPr>
+      <p:sp>
+        <p:nvSpPr>
+          <p:cNvPr id="2" name="Title 1"/>
+          <p:cNvSpPr>
+            <a:spLocks noGrp="1"/>
+          </p:cNvSpPr>
+          <p:nvPr>
+            <p:ph type="title"/>
+          </p:nvPr>
+        </p:nvSpPr>
+        <p:spPr/>
+        <p:txBody>
+          <a:bodyPr/>
+          <a:lstStyle/>
+          <a:p>
+            <a:r>
+              <a:rPr lang="en-US" dirty="0" smtClean="0"/>
               <a:t>1 - Hash Joins</a:t>
             </a:r>
             <a:endParaRPr lang="en-US" dirty="0"/>
@@ -9794,10 +12263,17 @@
   <p:clrMapOvr>
     <a:masterClrMapping/>
   </p:clrMapOvr>
+  <p:timing>
+    <p:tnLst>
+      <p:par>
+        <p:cTn id="1" dur="indefinite" restart="never" nodeType="tmRoot"/>
+      </p:par>
+    </p:tnLst>
+  </p:timing>
 </p:sld>
 </file>
 
-<file path=ppt/slides/slide21.xml><?xml version="1.0" encoding="utf-8"?>
+<file path=ppt/slides/slide23.xml><?xml version="1.0" encoding="utf-8"?>
 <p:sld xmlns:a="http://schemas.openxmlformats.org/drawingml/2006/main" xmlns:r="http://schemas.openxmlformats.org/officeDocument/2006/relationships" xmlns:p="http://schemas.openxmlformats.org/presentationml/2006/main">
   <p:cSld>
     <p:spTree>
@@ -9894,7 +12370,7 @@
 </p:sld>
 </file>
 
-<file path=ppt/slides/slide22.xml><?xml version="1.0" encoding="utf-8"?>
+<file path=ppt/slides/slide24.xml><?xml version="1.0" encoding="utf-8"?>
 <p:sld xmlns:a="http://schemas.openxmlformats.org/drawingml/2006/main" xmlns:r="http://schemas.openxmlformats.org/officeDocument/2006/relationships" xmlns:p="http://schemas.openxmlformats.org/presentationml/2006/main">
   <p:cSld>
     <p:spTree>
@@ -10016,7 +12492,7 @@
 </p:sld>
 </file>
 
-<file path=ppt/slides/slide23.xml><?xml version="1.0" encoding="utf-8"?>
+<file path=ppt/slides/slide25.xml><?xml version="1.0" encoding="utf-8"?>
 <p:sld xmlns:a="http://schemas.openxmlformats.org/drawingml/2006/main" xmlns:r="http://schemas.openxmlformats.org/officeDocument/2006/relationships" xmlns:p="http://schemas.openxmlformats.org/presentationml/2006/main">
   <p:cSld>
     <p:spTree>
@@ -10050,11 +12526,7 @@
           <a:p>
             <a:r>
               <a:rPr lang="en-US" dirty="0" smtClean="0"/>
-              <a:t>LOG(N) - </a:t>
-            </a:r>
-            <a:r>
-              <a:rPr lang="en-US" dirty="0" smtClean="0"/>
-              <a:t>What and Where</a:t>
+              <a:t>LOG(N) - What and Where</a:t>
             </a:r>
             <a:endParaRPr lang="en-US" dirty="0"/>
           </a:p>
@@ -10127,7 +12599,7 @@
 </p:sld>
 </file>
 
-<file path=ppt/slides/slide24.xml><?xml version="1.0" encoding="utf-8"?>
+<file path=ppt/slides/slide26.xml><?xml version="1.0" encoding="utf-8"?>
 <p:sld xmlns:a="http://schemas.openxmlformats.org/drawingml/2006/main" xmlns:r="http://schemas.openxmlformats.org/officeDocument/2006/relationships" xmlns:p="http://schemas.openxmlformats.org/presentationml/2006/main">
   <p:cSld>
     <p:spTree>
@@ -10206,10 +12678,17 @@
   <p:clrMapOvr>
     <a:masterClrMapping/>
   </p:clrMapOvr>
+  <p:timing>
+    <p:tnLst>
+      <p:par>
+        <p:cTn id="1" dur="indefinite" restart="never" nodeType="tmRoot"/>
+      </p:par>
+    </p:tnLst>
+  </p:timing>
 </p:sld>
 </file>
 
-<file path=ppt/slides/slide25.xml><?xml version="1.0" encoding="utf-8"?>
+<file path=ppt/slides/slide27.xml><?xml version="1.0" encoding="utf-8"?>
 <p:sld xmlns:a="http://schemas.openxmlformats.org/drawingml/2006/main" xmlns:r="http://schemas.openxmlformats.org/officeDocument/2006/relationships" xmlns:p="http://schemas.openxmlformats.org/presentationml/2006/main">
   <p:cSld>
     <p:spTree>
@@ -10305,7 +12784,7 @@
 </p:sld>
 </file>
 
-<file path=ppt/slides/slide26.xml><?xml version="1.0" encoding="utf-8"?>
+<file path=ppt/slides/slide28.xml><?xml version="1.0" encoding="utf-8"?>
 <p:sld xmlns:a="http://schemas.openxmlformats.org/drawingml/2006/main" xmlns:r="http://schemas.openxmlformats.org/officeDocument/2006/relationships" xmlns:p="http://schemas.openxmlformats.org/presentationml/2006/main">
   <p:cSld>
     <p:spTree>
@@ -10993,7 +13472,7 @@
 </p:sld>
 </file>
 
-<file path=ppt/slides/slide27.xml><?xml version="1.0" encoding="utf-8"?>
+<file path=ppt/slides/slide29.xml><?xml version="1.0" encoding="utf-8"?>
 <p:sld xmlns:a="http://schemas.openxmlformats.org/drawingml/2006/main" xmlns:r="http://schemas.openxmlformats.org/officeDocument/2006/relationships" xmlns:p="http://schemas.openxmlformats.org/presentationml/2006/main">
   <p:cSld>
     <p:spTree>
@@ -11088,7 +13567,7 @@
 </p:sld>
 </file>
 
-<file path=ppt/slides/slide28.xml><?xml version="1.0" encoding="utf-8"?>
+<file path=ppt/slides/slide3.xml><?xml version="1.0" encoding="utf-8"?>
 <p:sld xmlns:a="http://schemas.openxmlformats.org/drawingml/2006/main" xmlns:r="http://schemas.openxmlformats.org/officeDocument/2006/relationships" xmlns:p="http://schemas.openxmlformats.org/presentationml/2006/main">
   <p:cSld>
     <p:spTree>
@@ -11117,6 +13596,105 @@
         </p:nvSpPr>
         <p:spPr/>
         <p:txBody>
+          <a:bodyPr>
+            <a:normAutofit/>
+          </a:bodyPr>
+          <a:lstStyle/>
+          <a:p>
+            <a:r>
+              <a:rPr lang="en-US" dirty="0" smtClean="0"/>
+              <a:t>Disclaimers</a:t>
+            </a:r>
+            <a:endParaRPr lang="en-US" dirty="0"/>
+          </a:p>
+        </p:txBody>
+      </p:sp>
+      <p:sp>
+        <p:nvSpPr>
+          <p:cNvPr id="3" name="Content Placeholder 2"/>
+          <p:cNvSpPr>
+            <a:spLocks noGrp="1"/>
+          </p:cNvSpPr>
+          <p:nvPr>
+            <p:ph idx="1"/>
+          </p:nvPr>
+        </p:nvSpPr>
+        <p:spPr/>
+        <p:txBody>
+          <a:bodyPr>
+            <a:normAutofit/>
+          </a:bodyPr>
+          <a:lstStyle/>
+          <a:p>
+            <a:r>
+              <a:rPr lang="en-US" dirty="0" smtClean="0"/>
+              <a:t>This is not a computer science lecture</a:t>
+            </a:r>
+          </a:p>
+          <a:p>
+            <a:r>
+              <a:rPr lang="en-US" dirty="0" smtClean="0"/>
+              <a:t>No proofs or complicated math</a:t>
+            </a:r>
+          </a:p>
+          <a:p>
+            <a:r>
+              <a:rPr lang="en-US" dirty="0" smtClean="0"/>
+              <a:t>Imprecise terminology: computational complexity, algorithm analysis, time complexity, asymptotic complexity, run-time analysis</a:t>
+            </a:r>
+            <a:endParaRPr lang="en-US" dirty="0"/>
+          </a:p>
+        </p:txBody>
+      </p:sp>
+    </p:spTree>
+    <p:extLst>
+      <p:ext uri="{BB962C8B-B14F-4D97-AF65-F5344CB8AC3E}">
+        <p14:creationId xmlns:p14="http://schemas.microsoft.com/office/powerpoint/2010/main" val="2287281436"/>
+      </p:ext>
+    </p:extLst>
+  </p:cSld>
+  <p:clrMapOvr>
+    <a:masterClrMapping/>
+  </p:clrMapOvr>
+  <p:timing>
+    <p:tnLst>
+      <p:par>
+        <p:cTn id="1" dur="indefinite" restart="never" nodeType="tmRoot"/>
+      </p:par>
+    </p:tnLst>
+  </p:timing>
+</p:sld>
+</file>
+
+<file path=ppt/slides/slide30.xml><?xml version="1.0" encoding="utf-8"?>
+<p:sld xmlns:a="http://schemas.openxmlformats.org/drawingml/2006/main" xmlns:r="http://schemas.openxmlformats.org/officeDocument/2006/relationships" xmlns:p="http://schemas.openxmlformats.org/presentationml/2006/main">
+  <p:cSld>
+    <p:spTree>
+      <p:nvGrpSpPr>
+        <p:cNvPr id="1" name=""/>
+        <p:cNvGrpSpPr/>
+        <p:nvPr/>
+      </p:nvGrpSpPr>
+      <p:grpSpPr>
+        <a:xfrm>
+          <a:off x="0" y="0"/>
+          <a:ext cx="0" cy="0"/>
+          <a:chOff x="0" y="0"/>
+          <a:chExt cx="0" cy="0"/>
+        </a:xfrm>
+      </p:grpSpPr>
+      <p:sp>
+        <p:nvSpPr>
+          <p:cNvPr id="2" name="Title 1"/>
+          <p:cNvSpPr>
+            <a:spLocks noGrp="1"/>
+          </p:cNvSpPr>
+          <p:nvPr>
+            <p:ph type="title"/>
+          </p:nvPr>
+        </p:nvSpPr>
+        <p:spPr/>
+        <p:txBody>
           <a:bodyPr/>
           <a:lstStyle/>
           <a:p>
@@ -11182,11 +13760,7 @@
             </a:br>
             <a:r>
               <a:rPr lang="en-US" dirty="0" smtClean="0"/>
-              <a:t>128 cores at 96% = </a:t>
-            </a:r>
-            <a:r>
-              <a:rPr lang="en-US" dirty="0" smtClean="0"/>
-              <a:t>21x</a:t>
+              <a:t>128 cores at 96% = 21x</a:t>
             </a:r>
             <a:endParaRPr lang="en-US" dirty="0"/>
           </a:p>
@@ -11212,7 +13786,7 @@
 </p:sld>
 </file>
 
-<file path=ppt/slides/slide29.xml><?xml version="1.0" encoding="utf-8"?>
+<file path=ppt/slides/slide31.xml><?xml version="1.0" encoding="utf-8"?>
 <p:sld xmlns:a="http://schemas.openxmlformats.org/drawingml/2006/main" xmlns:r="http://schemas.openxmlformats.org/officeDocument/2006/relationships" xmlns:p="http://schemas.openxmlformats.org/presentationml/2006/main">
   <p:cSld>
     <p:spTree>
@@ -11335,7 +13909,7 @@
 </p:sld>
 </file>
 
-<file path=ppt/slides/slide3.xml><?xml version="1.0" encoding="utf-8"?>
+<file path=ppt/slides/slide32.xml><?xml version="1.0" encoding="utf-8"?>
 <p:sld xmlns:a="http://schemas.openxmlformats.org/drawingml/2006/main" xmlns:r="http://schemas.openxmlformats.org/officeDocument/2006/relationships" xmlns:p="http://schemas.openxmlformats.org/presentationml/2006/main">
   <p:cSld>
     <p:spTree>
@@ -11365,98 +13939,6 @@
         <p:spPr/>
         <p:txBody>
           <a:bodyPr>
-            <a:normAutofit/>
-          </a:bodyPr>
-          <a:lstStyle/>
-          <a:p>
-            <a:r>
-              <a:rPr lang="en-US" dirty="0" smtClean="0"/>
-              <a:t>Disclaimers</a:t>
-            </a:r>
-            <a:endParaRPr lang="en-US" dirty="0"/>
-          </a:p>
-        </p:txBody>
-      </p:sp>
-      <p:sp>
-        <p:nvSpPr>
-          <p:cNvPr id="3" name="Content Placeholder 2"/>
-          <p:cNvSpPr>
-            <a:spLocks noGrp="1"/>
-          </p:cNvSpPr>
-          <p:nvPr>
-            <p:ph idx="1"/>
-          </p:nvPr>
-        </p:nvSpPr>
-        <p:spPr/>
-        <p:txBody>
-          <a:bodyPr>
-            <a:normAutofit/>
-          </a:bodyPr>
-          <a:lstStyle/>
-          <a:p>
-            <a:r>
-              <a:rPr lang="en-US" dirty="0" smtClean="0"/>
-              <a:t>This is not a computer science lecture</a:t>
-            </a:r>
-          </a:p>
-          <a:p>
-            <a:r>
-              <a:rPr lang="en-US" dirty="0" smtClean="0"/>
-              <a:t>No proofs or complicated math</a:t>
-            </a:r>
-          </a:p>
-          <a:p>
-            <a:r>
-              <a:rPr lang="en-US" dirty="0" smtClean="0"/>
-              <a:t>Imprecise terminology: computational complexity, algorithm analysis, time complexity, asymptotic complexity, run-time analysis</a:t>
-            </a:r>
-            <a:endParaRPr lang="en-US" dirty="0"/>
-          </a:p>
-        </p:txBody>
-      </p:sp>
-    </p:spTree>
-    <p:extLst>
-      <p:ext uri="{BB962C8B-B14F-4D97-AF65-F5344CB8AC3E}">
-        <p14:creationId xmlns:p14="http://schemas.microsoft.com/office/powerpoint/2010/main" val="2287281436"/>
-      </p:ext>
-    </p:extLst>
-  </p:cSld>
-  <p:clrMapOvr>
-    <a:masterClrMapping/>
-  </p:clrMapOvr>
-</p:sld>
-</file>
-
-<file path=ppt/slides/slide30.xml><?xml version="1.0" encoding="utf-8"?>
-<p:sld xmlns:a="http://schemas.openxmlformats.org/drawingml/2006/main" xmlns:r="http://schemas.openxmlformats.org/officeDocument/2006/relationships" xmlns:p="http://schemas.openxmlformats.org/presentationml/2006/main">
-  <p:cSld>
-    <p:spTree>
-      <p:nvGrpSpPr>
-        <p:cNvPr id="1" name=""/>
-        <p:cNvGrpSpPr/>
-        <p:nvPr/>
-      </p:nvGrpSpPr>
-      <p:grpSpPr>
-        <a:xfrm>
-          <a:off x="0" y="0"/>
-          <a:ext cx="0" cy="0"/>
-          <a:chOff x="0" y="0"/>
-          <a:chExt cx="0" cy="0"/>
-        </a:xfrm>
-      </p:grpSpPr>
-      <p:sp>
-        <p:nvSpPr>
-          <p:cNvPr id="2" name="Title 1"/>
-          <p:cNvSpPr>
-            <a:spLocks noGrp="1"/>
-          </p:cNvSpPr>
-          <p:nvPr>
-            <p:ph type="title"/>
-          </p:nvPr>
-        </p:nvSpPr>
-        <p:spPr/>
-        <p:txBody>
-          <a:bodyPr>
             <a:normAutofit fontScale="90000"/>
           </a:bodyPr>
           <a:lstStyle/>
@@ -11504,11 +13986,7 @@
           <a:p>
             <a:r>
               <a:rPr lang="en-US" dirty="0" smtClean="0"/>
-              <a:t>Constraint </a:t>
-            </a:r>
-            <a:r>
-              <a:rPr lang="en-US" dirty="0" smtClean="0"/>
-              <a:t>validation</a:t>
+              <a:t>Constraint validation</a:t>
             </a:r>
             <a:endParaRPr lang="en-US" dirty="0"/>
           </a:p>
@@ -11524,10 +14002,17 @@
   <p:clrMapOvr>
     <a:masterClrMapping/>
   </p:clrMapOvr>
+  <p:timing>
+    <p:tnLst>
+      <p:par>
+        <p:cTn id="1" dur="indefinite" restart="never" nodeType="tmRoot"/>
+      </p:par>
+    </p:tnLst>
+  </p:timing>
 </p:sld>
 </file>
 
-<file path=ppt/slides/slide31.xml><?xml version="1.0" encoding="utf-8"?>
+<file path=ppt/slides/slide33.xml><?xml version="1.0" encoding="utf-8"?>
 <p:sld xmlns:a="http://schemas.openxmlformats.org/drawingml/2006/main" xmlns:r="http://schemas.openxmlformats.org/officeDocument/2006/relationships" xmlns:p="http://schemas.openxmlformats.org/presentationml/2006/main">
   <p:cSld>
     <p:spTree>
@@ -11624,7 +14109,7 @@
 </p:sld>
 </file>
 
-<file path=ppt/slides/slide32.xml><?xml version="1.0" encoding="utf-8"?>
+<file path=ppt/slides/slide34.xml><?xml version="1.0" encoding="utf-8"?>
 <p:sld xmlns:a="http://schemas.openxmlformats.org/drawingml/2006/main" xmlns:r="http://schemas.openxmlformats.org/officeDocument/2006/relationships" xmlns:p="http://schemas.openxmlformats.org/presentationml/2006/main">
   <p:cSld>
     <p:spTree>
@@ -11660,11 +14145,7 @@
           <a:p>
             <a:r>
               <a:rPr lang="en-US" dirty="0" smtClean="0"/>
-              <a:t>N - </a:t>
-            </a:r>
-            <a:r>
-              <a:rPr lang="en-US" dirty="0" smtClean="0"/>
-              <a:t>Linear Growth</a:t>
+              <a:t>N - Linear Growth</a:t>
             </a:r>
             <a:endParaRPr lang="en-US" dirty="0"/>
           </a:p>
@@ -11744,7 +14225,7 @@
 </p:sld>
 </file>
 
-<file path=ppt/slides/slide33.xml><?xml version="1.0" encoding="utf-8"?>
+<file path=ppt/slides/slide35.xml><?xml version="1.0" encoding="utf-8"?>
 <p:sld xmlns:a="http://schemas.openxmlformats.org/drawingml/2006/main" xmlns:r="http://schemas.openxmlformats.org/officeDocument/2006/relationships" xmlns:p="http://schemas.openxmlformats.org/presentationml/2006/main">
   <p:cSld>
     <p:spTree>
@@ -11841,7 +14322,7 @@
 </p:sld>
 </file>
 
-<file path=ppt/slides/slide34.xml><?xml version="1.0" encoding="utf-8"?>
+<file path=ppt/slides/slide36.xml><?xml version="1.0" encoding="utf-8"?>
 <p:sld xmlns:a="http://schemas.openxmlformats.org/drawingml/2006/main" xmlns:r="http://schemas.openxmlformats.org/officeDocument/2006/relationships" xmlns:p="http://schemas.openxmlformats.org/presentationml/2006/main">
   <p:cSld>
     <p:spTree>
@@ -11875,11 +14356,7 @@
           <a:p>
             <a:r>
               <a:rPr lang="en-US" dirty="0" smtClean="0"/>
-              <a:t>N * LOG(N) </a:t>
-            </a:r>
-            <a:r>
-              <a:rPr lang="en-US" dirty="0" smtClean="0"/>
-              <a:t>- What and Where</a:t>
+              <a:t>N * LOG(N) - What and Where</a:t>
             </a:r>
             <a:endParaRPr lang="en-US" dirty="0"/>
           </a:p>
@@ -11927,7 +14404,6 @@
               <a:rPr lang="en-US" dirty="0" smtClean="0"/>
               <a:t>)</a:t>
             </a:r>
-            <a:endParaRPr lang="en-US" dirty="0" smtClean="0"/>
           </a:p>
         </p:txBody>
       </p:sp>
@@ -11951,7 +14427,7 @@
 </p:sld>
 </file>
 
-<file path=ppt/slides/slide35.xml><?xml version="1.0" encoding="utf-8"?>
+<file path=ppt/slides/slide37.xml><?xml version="1.0" encoding="utf-8"?>
 <p:sld xmlns:a="http://schemas.openxmlformats.org/drawingml/2006/main" xmlns:r="http://schemas.openxmlformats.org/officeDocument/2006/relationships" xmlns:p="http://schemas.openxmlformats.org/presentationml/2006/main">
   <p:cSld>
     <p:spTree>
@@ -12035,7 +14511,7 @@
 </p:sld>
 </file>
 
-<file path=ppt/slides/slide36.xml><?xml version="1.0" encoding="utf-8"?>
+<file path=ppt/slides/slide38.xml><?xml version="1.0" encoding="utf-8"?>
 <p:sld xmlns:a="http://schemas.openxmlformats.org/drawingml/2006/main" xmlns:r="http://schemas.openxmlformats.org/officeDocument/2006/relationships" xmlns:p="http://schemas.openxmlformats.org/presentationml/2006/main">
   <p:cSld>
     <p:spTree>
@@ -12125,7 +14601,7 @@
 </p:sld>
 </file>
 
-<file path=ppt/slides/slide37.xml><?xml version="1.0" encoding="utf-8"?>
+<file path=ppt/slides/slide39.xml><?xml version="1.0" encoding="utf-8"?>
 <p:sld xmlns:a="http://schemas.openxmlformats.org/drawingml/2006/main" xmlns:r="http://schemas.openxmlformats.org/officeDocument/2006/relationships" xmlns:p="http://schemas.openxmlformats.org/presentationml/2006/main">
   <p:cSld>
     <p:spTree>
@@ -12207,7 +14683,7 @@
 </p:sld>
 </file>
 
-<file path=ppt/slides/slide38.xml><?xml version="1.0" encoding="utf-8"?>
+<file path=ppt/slides/slide4.xml><?xml version="1.0" encoding="utf-8"?>
 <p:sld xmlns:a="http://schemas.openxmlformats.org/drawingml/2006/main" xmlns:r="http://schemas.openxmlformats.org/officeDocument/2006/relationships" xmlns:p="http://schemas.openxmlformats.org/presentationml/2006/main">
   <p:cSld>
     <p:spTree>
@@ -12236,16 +14712,103 @@
         </p:nvSpPr>
         <p:spPr/>
         <p:txBody>
+          <a:bodyPr>
+            <a:normAutofit fontScale="90000"/>
+          </a:bodyPr>
+          <a:lstStyle/>
+          <a:p>
+            <a:r>
+              <a:rPr lang="en-US" dirty="0" smtClean="0"/>
+              <a:t>Presentation is Based on Chapter 16</a:t>
+            </a:r>
+            <a:endParaRPr lang="en-US" dirty="0"/>
+          </a:p>
+        </p:txBody>
+      </p:sp>
+      <p:pic>
+        <p:nvPicPr>
+          <p:cNvPr id="4" name="Content Placeholder 3"/>
+          <p:cNvPicPr>
+            <a:picLocks noGrp="1" noChangeAspect="1"/>
+          </p:cNvPicPr>
+          <p:nvPr>
+            <p:ph idx="1"/>
+          </p:nvPr>
+        </p:nvPicPr>
+        <p:blipFill>
+          <a:blip r:embed="rId3" cstate="print">
+            <a:extLst>
+              <a:ext uri="{28A0092B-C50C-407E-A947-70E740481C1C}">
+                <a14:useLocalDpi xmlns:a14="http://schemas.microsoft.com/office/drawing/2010/main" val="0"/>
+              </a:ext>
+            </a:extLst>
+          </a:blip>
+          <a:stretch>
+            <a:fillRect/>
+          </a:stretch>
+        </p:blipFill>
+        <p:spPr>
+          <a:xfrm>
+            <a:off x="3382637" y="1200151"/>
+            <a:ext cx="2378728" cy="3394075"/>
+          </a:xfrm>
+        </p:spPr>
+      </p:pic>
+    </p:spTree>
+    <p:extLst>
+      <p:ext uri="{BB962C8B-B14F-4D97-AF65-F5344CB8AC3E}">
+        <p14:creationId xmlns:p14="http://schemas.microsoft.com/office/powerpoint/2010/main" val="3416820884"/>
+      </p:ext>
+    </p:extLst>
+  </p:cSld>
+  <p:clrMapOvr>
+    <a:masterClrMapping/>
+  </p:clrMapOvr>
+  <p:timing>
+    <p:tnLst>
+      <p:par>
+        <p:cTn id="1" dur="indefinite" restart="never" nodeType="tmRoot"/>
+      </p:par>
+    </p:tnLst>
+  </p:timing>
+</p:sld>
+</file>
+
+<file path=ppt/slides/slide40.xml><?xml version="1.0" encoding="utf-8"?>
+<p:sld xmlns:a="http://schemas.openxmlformats.org/drawingml/2006/main" xmlns:r="http://schemas.openxmlformats.org/officeDocument/2006/relationships" xmlns:p="http://schemas.openxmlformats.org/presentationml/2006/main">
+  <p:cSld>
+    <p:spTree>
+      <p:nvGrpSpPr>
+        <p:cNvPr id="1" name=""/>
+        <p:cNvGrpSpPr/>
+        <p:nvPr/>
+      </p:nvGrpSpPr>
+      <p:grpSpPr>
+        <a:xfrm>
+          <a:off x="0" y="0"/>
+          <a:ext cx="0" cy="0"/>
+          <a:chOff x="0" y="0"/>
+          <a:chExt cx="0" cy="0"/>
+        </a:xfrm>
+      </p:grpSpPr>
+      <p:sp>
+        <p:nvSpPr>
+          <p:cNvPr id="2" name="Title 1"/>
+          <p:cNvSpPr>
+            <a:spLocks noGrp="1"/>
+          </p:cNvSpPr>
+          <p:nvPr>
+            <p:ph type="title"/>
+          </p:nvPr>
+        </p:nvSpPr>
+        <p:spPr/>
+        <p:txBody>
           <a:bodyPr/>
           <a:lstStyle/>
           <a:p>
             <a:r>
               <a:rPr lang="en-US" dirty="0" smtClean="0"/>
-              <a:t>N * LOG(N) - </a:t>
-            </a:r>
-            <a:r>
-              <a:rPr lang="en-US" dirty="0" smtClean="0"/>
-              <a:t>Hash vs. Merge</a:t>
+              <a:t>N * LOG(N) - Hash vs. Merge</a:t>
             </a:r>
             <a:endParaRPr lang="en-US" dirty="0"/>
           </a:p>
@@ -12268,15 +14831,7 @@
           <a:p>
             <a:r>
               <a:rPr lang="en-US" dirty="0" smtClean="0"/>
-              <a:t>Hash is worse than </a:t>
-            </a:r>
-            <a:r>
-              <a:rPr lang="en-US" dirty="0" smtClean="0"/>
-              <a:t>O(2N), </a:t>
-            </a:r>
-            <a:r>
-              <a:rPr lang="en-US" dirty="0" smtClean="0"/>
-              <a:t>but better than O(N*LOG(N))</a:t>
+              <a:t>Hash is worse than O(2N), but better than O(N*LOG(N))</a:t>
             </a:r>
           </a:p>
           <a:p>
@@ -12358,7 +14913,7 @@
 </p:sld>
 </file>
 
-<file path=ppt/slides/slide39.xml><?xml version="1.0" encoding="utf-8"?>
+<file path=ppt/slides/slide41.xml><?xml version="1.0" encoding="utf-8"?>
 <p:sld xmlns:a="http://schemas.openxmlformats.org/drawingml/2006/main" xmlns:r="http://schemas.openxmlformats.org/officeDocument/2006/relationships" xmlns:p="http://schemas.openxmlformats.org/presentationml/2006/main">
   <p:cSld>
     <p:spTree>
@@ -12442,7 +14997,7 @@
 </p:sld>
 </file>
 
-<file path=ppt/slides/slide4.xml><?xml version="1.0" encoding="utf-8"?>
+<file path=ppt/slides/slide42.xml><?xml version="1.0" encoding="utf-8"?>
 <p:sld xmlns:a="http://schemas.openxmlformats.org/drawingml/2006/main" xmlns:r="http://schemas.openxmlformats.org/officeDocument/2006/relationships" xmlns:p="http://schemas.openxmlformats.org/presentationml/2006/main">
   <p:cSld>
     <p:spTree>
@@ -12471,90 +15026,6 @@
         </p:nvSpPr>
         <p:spPr/>
         <p:txBody>
-          <a:bodyPr>
-            <a:normAutofit fontScale="90000"/>
-          </a:bodyPr>
-          <a:lstStyle/>
-          <a:p>
-            <a:r>
-              <a:rPr lang="en-US" dirty="0" smtClean="0"/>
-              <a:t>Presentation is Based on Chapter 16</a:t>
-            </a:r>
-            <a:endParaRPr lang="en-US" dirty="0"/>
-          </a:p>
-        </p:txBody>
-      </p:sp>
-      <p:pic>
-        <p:nvPicPr>
-          <p:cNvPr id="4" name="Content Placeholder 3"/>
-          <p:cNvPicPr>
-            <a:picLocks noGrp="1" noChangeAspect="1"/>
-          </p:cNvPicPr>
-          <p:nvPr>
-            <p:ph idx="1"/>
-          </p:nvPr>
-        </p:nvPicPr>
-        <p:blipFill>
-          <a:blip r:embed="rId2" cstate="print">
-            <a:extLst>
-              <a:ext uri="{28A0092B-C50C-407E-A947-70E740481C1C}">
-                <a14:useLocalDpi xmlns:a14="http://schemas.microsoft.com/office/drawing/2010/main" val="0"/>
-              </a:ext>
-            </a:extLst>
-          </a:blip>
-          <a:stretch>
-            <a:fillRect/>
-          </a:stretch>
-        </p:blipFill>
-        <p:spPr>
-          <a:xfrm>
-            <a:off x="3382637" y="1200151"/>
-            <a:ext cx="2378728" cy="3394075"/>
-          </a:xfrm>
-        </p:spPr>
-      </p:pic>
-    </p:spTree>
-    <p:extLst>
-      <p:ext uri="{BB962C8B-B14F-4D97-AF65-F5344CB8AC3E}">
-        <p14:creationId xmlns:p14="http://schemas.microsoft.com/office/powerpoint/2010/main" val="3416820884"/>
-      </p:ext>
-    </p:extLst>
-  </p:cSld>
-  <p:clrMapOvr>
-    <a:masterClrMapping/>
-  </p:clrMapOvr>
-</p:sld>
-</file>
-
-<file path=ppt/slides/slide40.xml><?xml version="1.0" encoding="utf-8"?>
-<p:sld xmlns:a="http://schemas.openxmlformats.org/drawingml/2006/main" xmlns:r="http://schemas.openxmlformats.org/officeDocument/2006/relationships" xmlns:p="http://schemas.openxmlformats.org/presentationml/2006/main">
-  <p:cSld>
-    <p:spTree>
-      <p:nvGrpSpPr>
-        <p:cNvPr id="1" name=""/>
-        <p:cNvGrpSpPr/>
-        <p:nvPr/>
-      </p:nvGrpSpPr>
-      <p:grpSpPr>
-        <a:xfrm>
-          <a:off x="0" y="0"/>
-          <a:ext cx="0" cy="0"/>
-          <a:chOff x="0" y="0"/>
-          <a:chExt cx="0" cy="0"/>
-        </a:xfrm>
-      </p:grpSpPr>
-      <p:sp>
-        <p:nvSpPr>
-          <p:cNvPr id="2" name="Title 1"/>
-          <p:cNvSpPr>
-            <a:spLocks noGrp="1"/>
-          </p:cNvSpPr>
-          <p:nvPr>
-            <p:ph type="title"/>
-          </p:nvPr>
-        </p:nvSpPr>
-        <p:spPr/>
-        <p:txBody>
           <a:bodyPr/>
           <a:lstStyle/>
           <a:p>
@@ -12620,7 +15091,7 @@
 </p:sld>
 </file>
 
-<file path=ppt/slides/slide41.xml><?xml version="1.0" encoding="utf-8"?>
+<file path=ppt/slides/slide43.xml><?xml version="1.0" encoding="utf-8"?>
 <p:sld xmlns:a="http://schemas.openxmlformats.org/drawingml/2006/main" xmlns:r="http://schemas.openxmlformats.org/officeDocument/2006/relationships" xmlns:p="http://schemas.openxmlformats.org/presentationml/2006/main">
   <p:cSld>
     <p:spTree>
@@ -12717,7 +15188,7 @@
 </p:sld>
 </file>
 
-<file path=ppt/slides/slide42.xml><?xml version="1.0" encoding="utf-8"?>
+<file path=ppt/slides/slide44.xml><?xml version="1.0" encoding="utf-8"?>
 <p:sld xmlns:a="http://schemas.openxmlformats.org/drawingml/2006/main" xmlns:r="http://schemas.openxmlformats.org/officeDocument/2006/relationships" xmlns:p="http://schemas.openxmlformats.org/presentationml/2006/main">
   <p:cSld>
     <p:spTree>
@@ -12751,11 +15222,7 @@
           <a:p>
             <a:r>
               <a:rPr lang="en-US" dirty="0" smtClean="0"/>
-              <a:t>N^2 - </a:t>
-            </a:r>
-            <a:r>
-              <a:rPr lang="en-US" dirty="0" smtClean="0"/>
-              <a:t>What and Where</a:t>
+              <a:t>N^2 - What and Where</a:t>
             </a:r>
             <a:endParaRPr lang="en-US" dirty="0"/>
           </a:p>
@@ -12910,14 +15377,7 @@
                 <a:latin typeface="Courier New" panose="02070309020205020404" pitchFamily="49" charset="0"/>
                 <a:cs typeface="Courier New" panose="02070309020205020404" pitchFamily="49" charset="0"/>
               </a:rPr>
-              <a:t>	FOR j in 1 .. TEST2.COUNT </a:t>
-            </a:r>
-            <a:r>
-              <a:rPr lang="en-US" dirty="0" smtClean="0">
-                <a:latin typeface="Courier New" panose="02070309020205020404" pitchFamily="49" charset="0"/>
-                <a:cs typeface="Courier New" panose="02070309020205020404" pitchFamily="49" charset="0"/>
-              </a:rPr>
-              <a:t>LOOP</a:t>
+              <a:t>	FOR j in 1 .. TEST2.COUNT LOOP</a:t>
             </a:r>
             <a:br>
               <a:rPr lang="en-US" dirty="0" smtClean="0">
@@ -12927,15 +15387,7 @@
             </a:br>
             <a:r>
               <a:rPr lang="en-US" dirty="0" smtClean="0"/>
-              <a:t>("</a:t>
-            </a:r>
-            <a:r>
-              <a:rPr lang="en-US" dirty="0" smtClean="0"/>
-              <a:t>i" and "j" are both inputs, let's call them "n</a:t>
-            </a:r>
-            <a:r>
-              <a:rPr lang="en-US" dirty="0" smtClean="0"/>
-              <a:t>")</a:t>
+              <a:t>("i" and "j" are both inputs, let's call them "n")</a:t>
             </a:r>
           </a:p>
           <a:p>
@@ -12943,7 +15395,6 @@
               <a:rPr lang="en-US" dirty="0" smtClean="0"/>
               <a:t>MODEL, parse time for 500+ UNION ALL</a:t>
             </a:r>
-            <a:endParaRPr lang="en-US" dirty="0" smtClean="0"/>
           </a:p>
           <a:p>
             <a:endParaRPr lang="en-US" dirty="0">
@@ -12976,7 +15427,7 @@
 </p:sld>
 </file>
 
-<file path=ppt/slides/slide43.xml><?xml version="1.0" encoding="utf-8"?>
+<file path=ppt/slides/slide45.xml><?xml version="1.0" encoding="utf-8"?>
 <p:sld xmlns:a="http://schemas.openxmlformats.org/drawingml/2006/main" xmlns:r="http://schemas.openxmlformats.org/officeDocument/2006/relationships" xmlns:p="http://schemas.openxmlformats.org/presentationml/2006/main">
   <p:cSld>
     <p:spTree>
@@ -13033,29 +15484,13 @@
           <a:p>
             <a:r>
               <a:rPr lang="en-US" dirty="0" smtClean="0"/>
-              <a:t>N^2 is </a:t>
-            </a:r>
-            <a:r>
-              <a:rPr lang="en-US" dirty="0" smtClean="0"/>
-              <a:t>horrible, avoid at all costs</a:t>
-            </a:r>
-          </a:p>
-          <a:p>
-            <a:r>
-              <a:rPr lang="en-US" dirty="0" smtClean="0"/>
-              <a:t>E</a:t>
-            </a:r>
-            <a:r>
-              <a:rPr lang="en-US" dirty="0" smtClean="0"/>
-              <a:t>xcept near 0 where </a:t>
-            </a:r>
-            <a:r>
-              <a:rPr lang="en-US" dirty="0" smtClean="0"/>
-              <a:t>constants </a:t>
-            </a:r>
-            <a:r>
-              <a:rPr lang="en-US" dirty="0" smtClean="0"/>
-              <a:t>dominate (cross joins are not always evil)</a:t>
+              <a:t>N^2 is horrible, avoid at all costs</a:t>
+            </a:r>
+          </a:p>
+          <a:p>
+            <a:r>
+              <a:rPr lang="en-US" dirty="0" smtClean="0"/>
+              <a:t>Except near 0 where constants dominate (cross joins are not always evil)</a:t>
             </a:r>
           </a:p>
         </p:txBody>
@@ -13080,7 +15515,7 @@
 </p:sld>
 </file>
 
-<file path=ppt/slides/slide44.xml><?xml version="1.0" encoding="utf-8"?>
+<file path=ppt/slides/slide46.xml><?xml version="1.0" encoding="utf-8"?>
 <p:sld xmlns:a="http://schemas.openxmlformats.org/drawingml/2006/main" xmlns:r="http://schemas.openxmlformats.org/officeDocument/2006/relationships" xmlns:p="http://schemas.openxmlformats.org/presentationml/2006/main">
   <p:cSld>
     <p:spTree>
@@ -13177,404 +15612,6 @@
 </p:sld>
 </file>
 
-<file path=ppt/slides/slide45.xml><?xml version="1.0" encoding="utf-8"?>
-<p:sld xmlns:a="http://schemas.openxmlformats.org/drawingml/2006/main" xmlns:r="http://schemas.openxmlformats.org/officeDocument/2006/relationships" xmlns:p="http://schemas.openxmlformats.org/presentationml/2006/main">
-  <p:cSld>
-    <p:spTree>
-      <p:nvGrpSpPr>
-        <p:cNvPr id="1" name=""/>
-        <p:cNvGrpSpPr/>
-        <p:nvPr/>
-      </p:nvGrpSpPr>
-      <p:grpSpPr>
-        <a:xfrm>
-          <a:off x="0" y="0"/>
-          <a:ext cx="0" cy="0"/>
-          <a:chOff x="0" y="0"/>
-          <a:chExt cx="0" cy="0"/>
-        </a:xfrm>
-      </p:grpSpPr>
-      <p:sp>
-        <p:nvSpPr>
-          <p:cNvPr id="2" name="Title 1"/>
-          <p:cNvSpPr>
-            <a:spLocks noGrp="1"/>
-          </p:cNvSpPr>
-          <p:nvPr>
-            <p:ph type="title"/>
-          </p:nvPr>
-        </p:nvSpPr>
-        <p:spPr/>
-        <p:txBody>
-          <a:bodyPr/>
-          <a:lstStyle/>
-          <a:p>
-            <a:r>
-              <a:rPr lang="en-US" dirty="0" smtClean="0"/>
-              <a:t>N! - What and Where</a:t>
-            </a:r>
-            <a:endParaRPr lang="en-US" dirty="0"/>
-          </a:p>
-        </p:txBody>
-      </p:sp>
-      <p:sp>
-        <p:nvSpPr>
-          <p:cNvPr id="3" name="Content Placeholder 2"/>
-          <p:cNvSpPr>
-            <a:spLocks noGrp="1"/>
-          </p:cNvSpPr>
-          <p:nvPr>
-            <p:ph idx="1"/>
-          </p:nvPr>
-        </p:nvSpPr>
-        <p:spPr/>
-        <p:txBody>
-          <a:bodyPr/>
-          <a:lstStyle/>
-          <a:p>
-            <a:r>
-              <a:rPr lang="en-US" dirty="0" smtClean="0"/>
-              <a:t>N factorial.  3! = 3 * 2 * 1</a:t>
-            </a:r>
-          </a:p>
-          <a:p>
-            <a:r>
-              <a:rPr lang="en-US" dirty="0" smtClean="0"/>
-              <a:t>Grows quickly: </a:t>
-            </a:r>
-            <a:r>
-              <a:rPr lang="en-US" dirty="0"/>
-              <a:t>5! = </a:t>
-            </a:r>
-            <a:r>
-              <a:rPr lang="en-US" dirty="0" smtClean="0"/>
-              <a:t>120,  10</a:t>
-            </a:r>
-            <a:r>
-              <a:rPr lang="en-US" dirty="0"/>
-              <a:t>! = </a:t>
-            </a:r>
-            <a:r>
-              <a:rPr lang="en-US" dirty="0" smtClean="0"/>
-              <a:t>3,628,800</a:t>
-            </a:r>
-          </a:p>
-          <a:p>
-            <a:r>
-              <a:rPr lang="en-US" dirty="0" smtClean="0"/>
-              <a:t>Occurs when listing all possible orders</a:t>
-            </a:r>
-          </a:p>
-          <a:p>
-            <a:r>
-              <a:rPr lang="en-US" dirty="0" smtClean="0"/>
-              <a:t>Optimizer when finding join order</a:t>
-            </a:r>
-          </a:p>
-          <a:p>
-            <a:r>
-              <a:rPr lang="en-US" dirty="0" smtClean="0"/>
-              <a:t>Our memory when visualizing join order</a:t>
-            </a:r>
-            <a:endParaRPr lang="en-US" dirty="0"/>
-          </a:p>
-        </p:txBody>
-      </p:sp>
-    </p:spTree>
-    <p:extLst>
-      <p:ext uri="{BB962C8B-B14F-4D97-AF65-F5344CB8AC3E}">
-        <p14:creationId xmlns:p14="http://schemas.microsoft.com/office/powerpoint/2010/main" val="3559848495"/>
-      </p:ext>
-    </p:extLst>
-  </p:cSld>
-  <p:clrMapOvr>
-    <a:masterClrMapping/>
-  </p:clrMapOvr>
-  <p:timing>
-    <p:tnLst>
-      <p:par>
-        <p:cTn id="1" dur="indefinite" restart="never" nodeType="tmRoot"/>
-      </p:par>
-    </p:tnLst>
-  </p:timing>
-</p:sld>
-</file>
-
-<file path=ppt/slides/slide46.xml><?xml version="1.0" encoding="utf-8"?>
-<p:sld xmlns:a="http://schemas.openxmlformats.org/drawingml/2006/main" xmlns:r="http://schemas.openxmlformats.org/officeDocument/2006/relationships" xmlns:p="http://schemas.openxmlformats.org/presentationml/2006/main">
-  <p:cSld>
-    <p:spTree>
-      <p:nvGrpSpPr>
-        <p:cNvPr id="1" name=""/>
-        <p:cNvGrpSpPr/>
-        <p:nvPr/>
-      </p:nvGrpSpPr>
-      <p:grpSpPr>
-        <a:xfrm>
-          <a:off x="0" y="0"/>
-          <a:ext cx="0" cy="0"/>
-          <a:chOff x="0" y="0"/>
-          <a:chExt cx="0" cy="0"/>
-        </a:xfrm>
-      </p:grpSpPr>
-      <p:sp>
-        <p:nvSpPr>
-          <p:cNvPr id="2" name="Title 1"/>
-          <p:cNvSpPr>
-            <a:spLocks noGrp="1"/>
-          </p:cNvSpPr>
-          <p:nvPr>
-            <p:ph type="title"/>
-          </p:nvPr>
-        </p:nvSpPr>
-        <p:spPr/>
-        <p:txBody>
-          <a:bodyPr/>
-          <a:lstStyle/>
-          <a:p>
-            <a:r>
-              <a:rPr lang="en-US" dirty="0" smtClean="0"/>
-              <a:t>N! - Why it </a:t>
-            </a:r>
-            <a:r>
-              <a:rPr lang="en-US" dirty="0" smtClean="0"/>
-              <a:t>Matters</a:t>
-            </a:r>
-            <a:endParaRPr lang="en-US" dirty="0"/>
-          </a:p>
-        </p:txBody>
-      </p:sp>
-      <p:sp>
-        <p:nvSpPr>
-          <p:cNvPr id="3" name="Content Placeholder 2"/>
-          <p:cNvSpPr>
-            <a:spLocks noGrp="1"/>
-          </p:cNvSpPr>
-          <p:nvPr>
-            <p:ph idx="1"/>
-          </p:nvPr>
-        </p:nvSpPr>
-        <p:spPr/>
-        <p:txBody>
-          <a:bodyPr>
-            <a:normAutofit fontScale="25000" lnSpcReduction="20000"/>
-          </a:bodyPr>
-          <a:lstStyle/>
-          <a:p>
-            <a:r>
-              <a:rPr lang="en-US" sz="12800" dirty="0"/>
-              <a:t>2 small sets is less complex than one big set</a:t>
-            </a:r>
-          </a:p>
-          <a:p>
-            <a:r>
-              <a:rPr lang="en-US" sz="12800" dirty="0"/>
-              <a:t>10! &gt;&gt; 2 * 5!</a:t>
-            </a:r>
-            <a:endParaRPr lang="en-US" sz="8600" dirty="0"/>
-          </a:p>
-          <a:p>
-            <a:r>
-              <a:rPr lang="en-US" sz="12800" dirty="0"/>
-              <a:t>Pseudo-code:</a:t>
-            </a:r>
-            <a:r>
-              <a:rPr lang="en-US" dirty="0" smtClean="0"/>
-              <a:t/>
-            </a:r>
-            <a:br>
-              <a:rPr lang="en-US" dirty="0" smtClean="0"/>
-            </a:br>
-            <a:r>
-              <a:rPr lang="en-US" sz="4300" dirty="0">
-                <a:latin typeface="Courier New" panose="02070309020205020404" pitchFamily="49" charset="0"/>
-                <a:cs typeface="Courier New" panose="02070309020205020404" pitchFamily="49" charset="0"/>
-              </a:rPr>
-              <a:t>select  *</a:t>
-            </a:r>
-            <a:br>
-              <a:rPr lang="en-US" sz="4300" dirty="0">
-                <a:latin typeface="Courier New" panose="02070309020205020404" pitchFamily="49" charset="0"/>
-                <a:cs typeface="Courier New" panose="02070309020205020404" pitchFamily="49" charset="0"/>
-              </a:rPr>
-            </a:br>
-            <a:r>
-              <a:rPr lang="en-US" sz="4300" dirty="0">
-                <a:latin typeface="Courier New" panose="02070309020205020404" pitchFamily="49" charset="0"/>
-                <a:cs typeface="Courier New" panose="02070309020205020404" pitchFamily="49" charset="0"/>
-              </a:rPr>
-              <a:t>from table1, table2, table3, table4, table5, table6, table7, table8, table9, table10 ...</a:t>
-            </a:r>
-            <a:r>
-              <a:rPr lang="en-US" dirty="0" smtClean="0"/>
-              <a:t/>
-            </a:r>
-            <a:br>
-              <a:rPr lang="en-US" dirty="0" smtClean="0"/>
-            </a:br>
-            <a:r>
-              <a:rPr lang="en-US" dirty="0" smtClean="0"/>
-              <a:t/>
-            </a:r>
-            <a:br>
-              <a:rPr lang="en-US" dirty="0" smtClean="0"/>
-            </a:br>
-            <a:r>
-              <a:rPr lang="en-US" sz="12800" dirty="0"/>
-              <a:t>versus:</a:t>
-            </a:r>
-            <a:r>
-              <a:rPr lang="en-US" sz="4800" dirty="0"/>
-              <a:t/>
-            </a:r>
-            <a:br>
-              <a:rPr lang="en-US" sz="4800" dirty="0"/>
-            </a:br>
-            <a:r>
-              <a:rPr lang="en-US" dirty="0" smtClean="0"/>
-              <a:t/>
-            </a:r>
-            <a:br>
-              <a:rPr lang="en-US" dirty="0" smtClean="0"/>
-            </a:br>
-            <a:r>
-              <a:rPr lang="en-US" sz="4000" dirty="0">
-                <a:latin typeface="Courier New" panose="02070309020205020404" pitchFamily="49" charset="0"/>
-                <a:cs typeface="Courier New" panose="02070309020205020404" pitchFamily="49" charset="0"/>
-              </a:rPr>
-              <a:t>select * from</a:t>
-            </a:r>
-            <a:br>
-              <a:rPr lang="en-US" sz="4000" dirty="0">
-                <a:latin typeface="Courier New" panose="02070309020205020404" pitchFamily="49" charset="0"/>
-                <a:cs typeface="Courier New" panose="02070309020205020404" pitchFamily="49" charset="0"/>
-              </a:rPr>
-            </a:br>
-            <a:r>
-              <a:rPr lang="en-US" sz="4000" dirty="0">
-                <a:latin typeface="Courier New" panose="02070309020205020404" pitchFamily="49" charset="0"/>
-                <a:cs typeface="Courier New" panose="02070309020205020404" pitchFamily="49" charset="0"/>
-              </a:rPr>
-              <a:t>(</a:t>
-            </a:r>
-            <a:br>
-              <a:rPr lang="en-US" sz="4000" dirty="0">
-                <a:latin typeface="Courier New" panose="02070309020205020404" pitchFamily="49" charset="0"/>
-                <a:cs typeface="Courier New" panose="02070309020205020404" pitchFamily="49" charset="0"/>
-              </a:rPr>
-            </a:br>
-            <a:r>
-              <a:rPr lang="en-US" sz="4000" dirty="0">
-                <a:latin typeface="Courier New" panose="02070309020205020404" pitchFamily="49" charset="0"/>
-                <a:cs typeface="Courier New" panose="02070309020205020404" pitchFamily="49" charset="0"/>
-              </a:rPr>
-              <a:t>   select  * from table1, table2, table3, table4, table5 ...</a:t>
-            </a:r>
-            <a:br>
-              <a:rPr lang="en-US" sz="4000" dirty="0">
-                <a:latin typeface="Courier New" panose="02070309020205020404" pitchFamily="49" charset="0"/>
-                <a:cs typeface="Courier New" panose="02070309020205020404" pitchFamily="49" charset="0"/>
-              </a:rPr>
-            </a:br>
-            <a:r>
-              <a:rPr lang="en-US" sz="4000" dirty="0">
-                <a:latin typeface="Courier New" panose="02070309020205020404" pitchFamily="49" charset="0"/>
-                <a:cs typeface="Courier New" panose="02070309020205020404" pitchFamily="49" charset="0"/>
-              </a:rPr>
-              <a:t>) view1</a:t>
-            </a:r>
-            <a:br>
-              <a:rPr lang="en-US" sz="4000" dirty="0">
-                <a:latin typeface="Courier New" panose="02070309020205020404" pitchFamily="49" charset="0"/>
-                <a:cs typeface="Courier New" panose="02070309020205020404" pitchFamily="49" charset="0"/>
-              </a:rPr>
-            </a:br>
-            <a:r>
-              <a:rPr lang="en-US" sz="4000" dirty="0">
-                <a:latin typeface="Courier New" panose="02070309020205020404" pitchFamily="49" charset="0"/>
-                <a:cs typeface="Courier New" panose="02070309020205020404" pitchFamily="49" charset="0"/>
-              </a:rPr>
-              <a:t>join</a:t>
-            </a:r>
-            <a:br>
-              <a:rPr lang="en-US" sz="4000" dirty="0">
-                <a:latin typeface="Courier New" panose="02070309020205020404" pitchFamily="49" charset="0"/>
-                <a:cs typeface="Courier New" panose="02070309020205020404" pitchFamily="49" charset="0"/>
-              </a:rPr>
-            </a:br>
-            <a:r>
-              <a:rPr lang="en-US" sz="4000" dirty="0">
-                <a:latin typeface="Courier New" panose="02070309020205020404" pitchFamily="49" charset="0"/>
-                <a:cs typeface="Courier New" panose="02070309020205020404" pitchFamily="49" charset="0"/>
-              </a:rPr>
-              <a:t>(</a:t>
-            </a:r>
-            <a:br>
-              <a:rPr lang="en-US" sz="4000" dirty="0">
-                <a:latin typeface="Courier New" panose="02070309020205020404" pitchFamily="49" charset="0"/>
-                <a:cs typeface="Courier New" panose="02070309020205020404" pitchFamily="49" charset="0"/>
-              </a:rPr>
-            </a:br>
-            <a:r>
-              <a:rPr lang="en-US" sz="4000" dirty="0">
-                <a:latin typeface="Courier New" panose="02070309020205020404" pitchFamily="49" charset="0"/>
-                <a:cs typeface="Courier New" panose="02070309020205020404" pitchFamily="49" charset="0"/>
-              </a:rPr>
-              <a:t>   select  * from table6, table7, table8, table9, table10 ...</a:t>
-            </a:r>
-            <a:br>
-              <a:rPr lang="en-US" sz="4000" dirty="0">
-                <a:latin typeface="Courier New" panose="02070309020205020404" pitchFamily="49" charset="0"/>
-                <a:cs typeface="Courier New" panose="02070309020205020404" pitchFamily="49" charset="0"/>
-              </a:rPr>
-            </a:br>
-            <a:r>
-              <a:rPr lang="en-US" sz="4000" dirty="0">
-                <a:latin typeface="Courier New" panose="02070309020205020404" pitchFamily="49" charset="0"/>
-                <a:cs typeface="Courier New" panose="02070309020205020404" pitchFamily="49" charset="0"/>
-              </a:rPr>
-              <a:t>) view2</a:t>
-            </a:r>
-            <a:br>
-              <a:rPr lang="en-US" sz="4000" dirty="0">
-                <a:latin typeface="Courier New" panose="02070309020205020404" pitchFamily="49" charset="0"/>
-                <a:cs typeface="Courier New" panose="02070309020205020404" pitchFamily="49" charset="0"/>
-              </a:rPr>
-            </a:br>
-            <a:r>
-              <a:rPr lang="en-US" sz="4000" dirty="0">
-                <a:latin typeface="Courier New" panose="02070309020205020404" pitchFamily="49" charset="0"/>
-                <a:cs typeface="Courier New" panose="02070309020205020404" pitchFamily="49" charset="0"/>
-              </a:rPr>
-              <a:t>  on view1.something = view2.something</a:t>
-            </a:r>
-            <a:endParaRPr lang="en-US" dirty="0">
-              <a:latin typeface="Courier New" panose="02070309020205020404" pitchFamily="49" charset="0"/>
-              <a:cs typeface="Courier New" panose="02070309020205020404" pitchFamily="49" charset="0"/>
-            </a:endParaRPr>
-          </a:p>
-        </p:txBody>
-      </p:sp>
-    </p:spTree>
-    <p:extLst>
-      <p:ext uri="{BB962C8B-B14F-4D97-AF65-F5344CB8AC3E}">
-        <p14:creationId xmlns:p14="http://schemas.microsoft.com/office/powerpoint/2010/main" val="3629707761"/>
-      </p:ext>
-    </p:extLst>
-  </p:cSld>
-  <p:clrMapOvr>
-    <a:masterClrMapping/>
-  </p:clrMapOvr>
-  <p:timing>
-    <p:tnLst>
-      <p:par>
-        <p:cTn id="1" dur="indefinite" restart="never" nodeType="tmRoot"/>
-      </p:par>
-    </p:tnLst>
-  </p:timing>
-</p:sld>
-</file>
-
 <file path=ppt/slides/slide47.xml><?xml version="1.0" encoding="utf-8"?>
 <p:sld xmlns:a="http://schemas.openxmlformats.org/drawingml/2006/main" xmlns:r="http://schemas.openxmlformats.org/officeDocument/2006/relationships" xmlns:p="http://schemas.openxmlformats.org/presentationml/2006/main">
   <p:cSld>
@@ -13608,82 +15645,71 @@
           <a:lstStyle/>
           <a:p>
             <a:r>
+              <a:rPr lang="en-US" dirty="0" smtClean="0"/>
+              <a:t>N! - What and Where</a:t>
+            </a:r>
+            <a:endParaRPr lang="en-US" dirty="0"/>
+          </a:p>
+        </p:txBody>
+      </p:sp>
+      <p:sp>
+        <p:nvSpPr>
+          <p:cNvPr id="3" name="Content Placeholder 2"/>
+          <p:cNvSpPr>
+            <a:spLocks noGrp="1"/>
+          </p:cNvSpPr>
+          <p:nvPr>
+            <p:ph idx="1"/>
+          </p:nvPr>
+        </p:nvSpPr>
+        <p:spPr/>
+        <p:txBody>
+          <a:bodyPr/>
+          <a:lstStyle/>
+          <a:p>
+            <a:r>
+              <a:rPr lang="en-US" dirty="0" smtClean="0"/>
+              <a:t>N factorial.  3! = 3 * 2 * 1</a:t>
+            </a:r>
+          </a:p>
+          <a:p>
+            <a:r>
+              <a:rPr lang="en-US" dirty="0" smtClean="0"/>
+              <a:t>Grows quickly: </a:t>
+            </a:r>
+            <a:r>
               <a:rPr lang="en-US" dirty="0"/>
-              <a:t>∞ </a:t>
-            </a:r>
-            <a:r>
-              <a:rPr lang="en-US" dirty="0" smtClean="0"/>
-              <a:t>- Why it </a:t>
-            </a:r>
-            <a:r>
-              <a:rPr lang="en-US" dirty="0" smtClean="0"/>
-              <a:t>Matters</a:t>
-            </a:r>
-            <a:endParaRPr lang="en-US" dirty="0"/>
-          </a:p>
-        </p:txBody>
-      </p:sp>
-      <p:sp>
-        <p:nvSpPr>
-          <p:cNvPr id="3" name="Content Placeholder 2"/>
-          <p:cNvSpPr>
-            <a:spLocks noGrp="1"/>
-          </p:cNvSpPr>
-          <p:nvPr>
-            <p:ph idx="1"/>
-          </p:nvPr>
-        </p:nvSpPr>
-        <p:spPr/>
-        <p:txBody>
-          <a:bodyPr>
-            <a:normAutofit lnSpcReduction="10000"/>
-          </a:bodyPr>
-          <a:lstStyle/>
-          <a:p>
+              <a:t>5! = </a:t>
+            </a:r>
+            <a:r>
+              <a:rPr lang="en-US" dirty="0" smtClean="0"/>
+              <a:t>120,  10</a:t>
+            </a:r>
             <a:r>
               <a:rPr lang="en-US" dirty="0"/>
-              <a:t>Halting problem is O(∞)</a:t>
-            </a:r>
-          </a:p>
-          <a:p>
-            <a:r>
-              <a:rPr lang="en-US" dirty="0" smtClean="0"/>
-              <a:t>Optimizer </a:t>
-            </a:r>
-            <a:r>
-              <a:rPr lang="en-US" dirty="0" smtClean="0"/>
-              <a:t>is really a </a:t>
-            </a:r>
-            <a:r>
-              <a:rPr lang="en-US" dirty="0" err="1" smtClean="0"/>
-              <a:t>satisficer</a:t>
-            </a:r>
-            <a:endParaRPr lang="en-US" dirty="0"/>
-          </a:p>
-          <a:p>
-            <a:r>
-              <a:rPr lang="en-US" dirty="0" smtClean="0"/>
-              <a:t>Don't </a:t>
-            </a:r>
-            <a:r>
-              <a:rPr lang="en-US" dirty="0" smtClean="0"/>
-              <a:t>expect miracles</a:t>
-            </a:r>
-          </a:p>
-          <a:p>
-            <a:r>
-              <a:rPr lang="en-US" dirty="0" smtClean="0"/>
-              <a:t>Work with the forecast, don't throw it out because of a few bad </a:t>
-            </a:r>
-            <a:r>
-              <a:rPr lang="en-US" dirty="0" smtClean="0"/>
-              <a:t>examples</a:t>
-            </a:r>
-          </a:p>
-          <a:p>
-            <a:r>
-              <a:rPr lang="en-US" dirty="0" smtClean="0"/>
-              <a:t>Gather stats manually and automatically</a:t>
+              <a:t>! = </a:t>
+            </a:r>
+            <a:r>
+              <a:rPr lang="en-US" dirty="0" smtClean="0"/>
+              <a:t>3,628,800</a:t>
+            </a:r>
+          </a:p>
+          <a:p>
+            <a:r>
+              <a:rPr lang="en-US" dirty="0" smtClean="0"/>
+              <a:t>Occurs when listing all possible orders</a:t>
+            </a:r>
+          </a:p>
+          <a:p>
+            <a:r>
+              <a:rPr lang="en-US" dirty="0" smtClean="0"/>
+              <a:t>Optimizer when finding join order</a:t>
+            </a:r>
+          </a:p>
+          <a:p>
+            <a:r>
+              <a:rPr lang="en-US" dirty="0" smtClean="0"/>
+              <a:t>Our memory when visualizing join order</a:t>
             </a:r>
             <a:endParaRPr lang="en-US" dirty="0"/>
           </a:p>
@@ -13692,7 +15718,7 @@
     </p:spTree>
     <p:extLst>
       <p:ext uri="{BB962C8B-B14F-4D97-AF65-F5344CB8AC3E}">
-        <p14:creationId xmlns:p14="http://schemas.microsoft.com/office/powerpoint/2010/main" val="148635010"/>
+        <p14:creationId xmlns:p14="http://schemas.microsoft.com/office/powerpoint/2010/main" val="3559848495"/>
       </p:ext>
     </p:extLst>
   </p:cSld>
@@ -13743,7 +15769,7 @@
           <a:p>
             <a:r>
               <a:rPr lang="en-US" dirty="0" smtClean="0"/>
-              <a:t>Summary</a:t>
+              <a:t>N! - Why it Matters</a:t>
             </a:r>
             <a:endParaRPr lang="en-US" dirty="0"/>
           </a:p>
@@ -13762,53 +15788,221 @@
         <p:spPr/>
         <p:txBody>
           <a:bodyPr>
-            <a:normAutofit lnSpcReduction="10000"/>
+            <a:normAutofit fontScale="25000" lnSpcReduction="20000"/>
           </a:bodyPr>
           <a:lstStyle/>
           <a:p>
             <a:r>
-              <a:rPr lang="en-US" dirty="0" smtClean="0"/>
-              <a:t>Programs = Algorithms + Data Structures</a:t>
-            </a:r>
-          </a:p>
-          <a:p>
-            <a:r>
-              <a:rPr lang="en-US" dirty="0" smtClean="0"/>
-              <a:t>Computer science degree not necessary</a:t>
-            </a:r>
-          </a:p>
-          <a:p>
-            <a:r>
-              <a:rPr lang="en-US" dirty="0" smtClean="0"/>
-              <a:t>A few simple functions explain most behavior</a:t>
-            </a:r>
-          </a:p>
-          <a:p>
-            <a:r>
-              <a:rPr lang="en-US" dirty="0"/>
-              <a:t>Constants can't always be ignored </a:t>
-            </a:r>
-            <a:endParaRPr lang="en-US" dirty="0" smtClean="0"/>
-          </a:p>
-          <a:p>
-            <a:r>
-              <a:rPr lang="en-US" dirty="0" smtClean="0"/>
-              <a:t>Algorithm analysis is foundational to understanding performance</a:t>
-            </a:r>
-            <a:endParaRPr lang="en-US" dirty="0"/>
+              <a:rPr lang="en-US" sz="12800" dirty="0"/>
+              <a:t>2 small sets is less complex than one big set</a:t>
+            </a:r>
+          </a:p>
+          <a:p>
+            <a:r>
+              <a:rPr lang="en-US" sz="12800" dirty="0"/>
+              <a:t>10! &gt;&gt; 2 * 5!</a:t>
+            </a:r>
+            <a:endParaRPr lang="en-US" sz="8600" dirty="0"/>
+          </a:p>
+          <a:p>
+            <a:r>
+              <a:rPr lang="en-US" sz="12800" dirty="0"/>
+              <a:t>Pseudo-code:</a:t>
+            </a:r>
+            <a:r>
+              <a:rPr lang="en-US" dirty="0" smtClean="0"/>
+              <a:t/>
+            </a:r>
+            <a:br>
+              <a:rPr lang="en-US" dirty="0" smtClean="0"/>
+            </a:br>
+            <a:r>
+              <a:rPr lang="en-US" sz="4300" dirty="0">
+                <a:latin typeface="Courier New" panose="02070309020205020404" pitchFamily="49" charset="0"/>
+                <a:cs typeface="Courier New" panose="02070309020205020404" pitchFamily="49" charset="0"/>
+              </a:rPr>
+              <a:t>select  *</a:t>
+            </a:r>
+            <a:br>
+              <a:rPr lang="en-US" sz="4300" dirty="0">
+                <a:latin typeface="Courier New" panose="02070309020205020404" pitchFamily="49" charset="0"/>
+                <a:cs typeface="Courier New" panose="02070309020205020404" pitchFamily="49" charset="0"/>
+              </a:rPr>
+            </a:br>
+            <a:r>
+              <a:rPr lang="en-US" sz="4300" dirty="0">
+                <a:latin typeface="Courier New" panose="02070309020205020404" pitchFamily="49" charset="0"/>
+                <a:cs typeface="Courier New" panose="02070309020205020404" pitchFamily="49" charset="0"/>
+              </a:rPr>
+              <a:t>from table1, table2, table3, table4, table5, table6, table7, table8, table9, table10 ...</a:t>
+            </a:r>
+            <a:r>
+              <a:rPr lang="en-US" dirty="0" smtClean="0"/>
+              <a:t/>
+            </a:r>
+            <a:br>
+              <a:rPr lang="en-US" dirty="0" smtClean="0"/>
+            </a:br>
+            <a:r>
+              <a:rPr lang="en-US" dirty="0" smtClean="0"/>
+              <a:t/>
+            </a:r>
+            <a:br>
+              <a:rPr lang="en-US" dirty="0" smtClean="0"/>
+            </a:br>
+            <a:r>
+              <a:rPr lang="en-US" sz="12800" dirty="0"/>
+              <a:t>versus:</a:t>
+            </a:r>
+            <a:r>
+              <a:rPr lang="en-US" sz="4800" dirty="0"/>
+              <a:t/>
+            </a:r>
+            <a:br>
+              <a:rPr lang="en-US" sz="4800" dirty="0"/>
+            </a:br>
+            <a:r>
+              <a:rPr lang="en-US" dirty="0" smtClean="0"/>
+              <a:t/>
+            </a:r>
+            <a:br>
+              <a:rPr lang="en-US" dirty="0" smtClean="0"/>
+            </a:br>
+            <a:r>
+              <a:rPr lang="en-US" sz="4000" dirty="0">
+                <a:latin typeface="Courier New" panose="02070309020205020404" pitchFamily="49" charset="0"/>
+                <a:cs typeface="Courier New" panose="02070309020205020404" pitchFamily="49" charset="0"/>
+              </a:rPr>
+              <a:t>select * from</a:t>
+            </a:r>
+            <a:br>
+              <a:rPr lang="en-US" sz="4000" dirty="0">
+                <a:latin typeface="Courier New" panose="02070309020205020404" pitchFamily="49" charset="0"/>
+                <a:cs typeface="Courier New" panose="02070309020205020404" pitchFamily="49" charset="0"/>
+              </a:rPr>
+            </a:br>
+            <a:r>
+              <a:rPr lang="en-US" sz="4000" dirty="0">
+                <a:latin typeface="Courier New" panose="02070309020205020404" pitchFamily="49" charset="0"/>
+                <a:cs typeface="Courier New" panose="02070309020205020404" pitchFamily="49" charset="0"/>
+              </a:rPr>
+              <a:t>(</a:t>
+            </a:r>
+            <a:br>
+              <a:rPr lang="en-US" sz="4000" dirty="0">
+                <a:latin typeface="Courier New" panose="02070309020205020404" pitchFamily="49" charset="0"/>
+                <a:cs typeface="Courier New" panose="02070309020205020404" pitchFamily="49" charset="0"/>
+              </a:rPr>
+            </a:br>
+            <a:r>
+              <a:rPr lang="en-US" sz="4000" dirty="0">
+                <a:latin typeface="Courier New" panose="02070309020205020404" pitchFamily="49" charset="0"/>
+                <a:cs typeface="Courier New" panose="02070309020205020404" pitchFamily="49" charset="0"/>
+              </a:rPr>
+              <a:t>   select  * from table1, table2, table3, table4, table5 ...</a:t>
+            </a:r>
+            <a:br>
+              <a:rPr lang="en-US" sz="4000" dirty="0">
+                <a:latin typeface="Courier New" panose="02070309020205020404" pitchFamily="49" charset="0"/>
+                <a:cs typeface="Courier New" panose="02070309020205020404" pitchFamily="49" charset="0"/>
+              </a:rPr>
+            </a:br>
+            <a:r>
+              <a:rPr lang="en-US" sz="4000" dirty="0">
+                <a:latin typeface="Courier New" panose="02070309020205020404" pitchFamily="49" charset="0"/>
+                <a:cs typeface="Courier New" panose="02070309020205020404" pitchFamily="49" charset="0"/>
+              </a:rPr>
+              <a:t>) view1</a:t>
+            </a:r>
+            <a:br>
+              <a:rPr lang="en-US" sz="4000" dirty="0">
+                <a:latin typeface="Courier New" panose="02070309020205020404" pitchFamily="49" charset="0"/>
+                <a:cs typeface="Courier New" panose="02070309020205020404" pitchFamily="49" charset="0"/>
+              </a:rPr>
+            </a:br>
+            <a:r>
+              <a:rPr lang="en-US" sz="4000" dirty="0">
+                <a:latin typeface="Courier New" panose="02070309020205020404" pitchFamily="49" charset="0"/>
+                <a:cs typeface="Courier New" panose="02070309020205020404" pitchFamily="49" charset="0"/>
+              </a:rPr>
+              <a:t>join</a:t>
+            </a:r>
+            <a:br>
+              <a:rPr lang="en-US" sz="4000" dirty="0">
+                <a:latin typeface="Courier New" panose="02070309020205020404" pitchFamily="49" charset="0"/>
+                <a:cs typeface="Courier New" panose="02070309020205020404" pitchFamily="49" charset="0"/>
+              </a:rPr>
+            </a:br>
+            <a:r>
+              <a:rPr lang="en-US" sz="4000" dirty="0">
+                <a:latin typeface="Courier New" panose="02070309020205020404" pitchFamily="49" charset="0"/>
+                <a:cs typeface="Courier New" panose="02070309020205020404" pitchFamily="49" charset="0"/>
+              </a:rPr>
+              <a:t>(</a:t>
+            </a:r>
+            <a:br>
+              <a:rPr lang="en-US" sz="4000" dirty="0">
+                <a:latin typeface="Courier New" panose="02070309020205020404" pitchFamily="49" charset="0"/>
+                <a:cs typeface="Courier New" panose="02070309020205020404" pitchFamily="49" charset="0"/>
+              </a:rPr>
+            </a:br>
+            <a:r>
+              <a:rPr lang="en-US" sz="4000" dirty="0">
+                <a:latin typeface="Courier New" panose="02070309020205020404" pitchFamily="49" charset="0"/>
+                <a:cs typeface="Courier New" panose="02070309020205020404" pitchFamily="49" charset="0"/>
+              </a:rPr>
+              <a:t>   select  * from table6, table7, table8, table9, table10 ...</a:t>
+            </a:r>
+            <a:br>
+              <a:rPr lang="en-US" sz="4000" dirty="0">
+                <a:latin typeface="Courier New" panose="02070309020205020404" pitchFamily="49" charset="0"/>
+                <a:cs typeface="Courier New" panose="02070309020205020404" pitchFamily="49" charset="0"/>
+              </a:rPr>
+            </a:br>
+            <a:r>
+              <a:rPr lang="en-US" sz="4000" dirty="0">
+                <a:latin typeface="Courier New" panose="02070309020205020404" pitchFamily="49" charset="0"/>
+                <a:cs typeface="Courier New" panose="02070309020205020404" pitchFamily="49" charset="0"/>
+              </a:rPr>
+              <a:t>) view2</a:t>
+            </a:r>
+            <a:br>
+              <a:rPr lang="en-US" sz="4000" dirty="0">
+                <a:latin typeface="Courier New" panose="02070309020205020404" pitchFamily="49" charset="0"/>
+                <a:cs typeface="Courier New" panose="02070309020205020404" pitchFamily="49" charset="0"/>
+              </a:rPr>
+            </a:br>
+            <a:r>
+              <a:rPr lang="en-US" sz="4000" dirty="0">
+                <a:latin typeface="Courier New" panose="02070309020205020404" pitchFamily="49" charset="0"/>
+                <a:cs typeface="Courier New" panose="02070309020205020404" pitchFamily="49" charset="0"/>
+              </a:rPr>
+              <a:t>  on view1.something = view2.something</a:t>
+            </a:r>
+            <a:endParaRPr lang="en-US" dirty="0">
+              <a:latin typeface="Courier New" panose="02070309020205020404" pitchFamily="49" charset="0"/>
+              <a:cs typeface="Courier New" panose="02070309020205020404" pitchFamily="49" charset="0"/>
+            </a:endParaRPr>
           </a:p>
         </p:txBody>
       </p:sp>
     </p:spTree>
     <p:extLst>
       <p:ext uri="{BB962C8B-B14F-4D97-AF65-F5344CB8AC3E}">
-        <p14:creationId xmlns:p14="http://schemas.microsoft.com/office/powerpoint/2010/main" val="3559153671"/>
+        <p14:creationId xmlns:p14="http://schemas.microsoft.com/office/powerpoint/2010/main" val="3629707761"/>
       </p:ext>
     </p:extLst>
   </p:cSld>
   <p:clrMapOvr>
     <a:masterClrMapping/>
   </p:clrMapOvr>
+  <p:timing>
+    <p:tnLst>
+      <p:par>
+        <p:cTn id="1" dur="indefinite" restart="never" nodeType="tmRoot"/>
+      </p:par>
+    </p:tnLst>
+  </p:timing>
 </p:sld>
 </file>
 
@@ -13831,12 +16025,12 @@
       </p:grpSpPr>
       <p:sp>
         <p:nvSpPr>
-          <p:cNvPr id="2" name="Text Placeholder 1"/>
-          <p:cNvSpPr>
-            <a:spLocks noGrp="1"/>
-          </p:cNvSpPr>
-          <p:nvPr>
-            <p:ph type="body" sz="quarter" idx="17"/>
+          <p:cNvPr id="2" name="Title 1"/>
+          <p:cNvSpPr>
+            <a:spLocks noGrp="1"/>
+          </p:cNvSpPr>
+          <p:nvPr>
+            <p:ph type="title"/>
           </p:nvPr>
         </p:nvSpPr>
         <p:spPr/>
@@ -13845,8 +16039,12 @@
           <a:lstStyle/>
           <a:p>
             <a:r>
-              <a:rPr lang="en-US" dirty="0" smtClean="0"/>
-              <a:t>281</a:t>
+              <a:rPr lang="en-US" dirty="0"/>
+              <a:t>∞ </a:t>
+            </a:r>
+            <a:r>
+              <a:rPr lang="en-US" dirty="0" smtClean="0"/>
+              <a:t>- Why it Matters</a:t>
             </a:r>
             <a:endParaRPr lang="en-US" dirty="0"/>
           </a:p>
@@ -13854,45 +16052,53 @@
       </p:sp>
       <p:sp>
         <p:nvSpPr>
-          <p:cNvPr id="3" name="Text Placeholder 2"/>
-          <p:cNvSpPr>
-            <a:spLocks noGrp="1"/>
-          </p:cNvSpPr>
-          <p:nvPr>
-            <p:ph type="body" sz="quarter" idx="18"/>
-          </p:nvPr>
-        </p:nvSpPr>
-        <p:spPr/>
-        <p:txBody>
-          <a:bodyPr/>
-          <a:lstStyle/>
-          <a:p>
-            <a:r>
-              <a:rPr lang="en-US" dirty="0" smtClean="0"/>
-              <a:t>Questions?</a:t>
+          <p:cNvPr id="3" name="Content Placeholder 2"/>
+          <p:cNvSpPr>
+            <a:spLocks noGrp="1"/>
+          </p:cNvSpPr>
+          <p:nvPr>
+            <p:ph idx="1"/>
+          </p:nvPr>
+        </p:nvSpPr>
+        <p:spPr/>
+        <p:txBody>
+          <a:bodyPr>
+            <a:normAutofit lnSpcReduction="10000"/>
+          </a:bodyPr>
+          <a:lstStyle/>
+          <a:p>
+            <a:r>
+              <a:rPr lang="en-US" dirty="0"/>
+              <a:t>Halting problem is O(∞)</a:t>
+            </a:r>
+          </a:p>
+          <a:p>
+            <a:r>
+              <a:rPr lang="en-US" dirty="0" smtClean="0"/>
+              <a:t>Optimizer is really a </a:t>
+            </a:r>
+            <a:r>
+              <a:rPr lang="en-US" dirty="0" err="1" smtClean="0"/>
+              <a:t>satisficer</a:t>
             </a:r>
             <a:endParaRPr lang="en-US" dirty="0"/>
           </a:p>
-        </p:txBody>
-      </p:sp>
-      <p:sp>
-        <p:nvSpPr>
-          <p:cNvPr id="4" name="Text Placeholder 3"/>
-          <p:cNvSpPr>
-            <a:spLocks noGrp="1"/>
-          </p:cNvSpPr>
-          <p:nvPr>
-            <p:ph type="body" sz="quarter" idx="19"/>
-          </p:nvPr>
-        </p:nvSpPr>
-        <p:spPr/>
-        <p:txBody>
-          <a:bodyPr/>
-          <a:lstStyle/>
-          <a:p>
-            <a:r>
-              <a:rPr lang="en-US" dirty="0" smtClean="0"/>
-              <a:t>jon@jonheller.org</a:t>
+          <a:p>
+            <a:r>
+              <a:rPr lang="en-US" dirty="0" smtClean="0"/>
+              <a:t>Don't expect miracles</a:t>
+            </a:r>
+          </a:p>
+          <a:p>
+            <a:r>
+              <a:rPr lang="en-US" dirty="0" smtClean="0"/>
+              <a:t>Work with the forecast, don't throw it out because of a few bad examples</a:t>
+            </a:r>
+          </a:p>
+          <a:p>
+            <a:r>
+              <a:rPr lang="en-US" dirty="0" smtClean="0"/>
+              <a:t>Gather stats manually and automatically</a:t>
             </a:r>
             <a:endParaRPr lang="en-US" dirty="0"/>
           </a:p>
@@ -13901,13 +16107,20 @@
     </p:spTree>
     <p:extLst>
       <p:ext uri="{BB962C8B-B14F-4D97-AF65-F5344CB8AC3E}">
-        <p14:creationId xmlns:p14="http://schemas.microsoft.com/office/powerpoint/2010/main" val="411107837"/>
+        <p14:creationId xmlns:p14="http://schemas.microsoft.com/office/powerpoint/2010/main" val="148635010"/>
       </p:ext>
     </p:extLst>
   </p:cSld>
   <p:clrMapOvr>
     <a:masterClrMapping/>
   </p:clrMapOvr>
+  <p:timing>
+    <p:tnLst>
+      <p:par>
+        <p:cTn id="1" dur="indefinite" restart="never" nodeType="tmRoot"/>
+      </p:par>
+    </p:tnLst>
+  </p:timing>
 </p:sld>
 </file>
 
@@ -13963,7 +16176,9 @@
         </p:nvSpPr>
         <p:spPr/>
         <p:txBody>
-          <a:bodyPr/>
+          <a:bodyPr>
+            <a:normAutofit fontScale="92500" lnSpcReduction="10000"/>
+          </a:bodyPr>
           <a:lstStyle/>
           <a:p>
             <a:r>
@@ -13974,8 +16189,27 @@
           <a:p>
             <a:r>
               <a:rPr lang="en-US" dirty="0" smtClean="0"/>
-              <a:t>Breadth-first approach needed</a:t>
-            </a:r>
+              <a:t>Breadth-first approach </a:t>
+            </a:r>
+            <a:r>
+              <a:rPr lang="en-US" dirty="0" smtClean="0"/>
+              <a:t>needed</a:t>
+            </a:r>
+          </a:p>
+          <a:p>
+            <a:r>
+              <a:rPr lang="en-US" dirty="0" smtClean="0"/>
+              <a:t>Find first </a:t>
+            </a:r>
+            <a:r>
+              <a:rPr lang="en-US" i="1" dirty="0" smtClean="0"/>
+              <a:t>significant</a:t>
+            </a:r>
+            <a:r>
+              <a:rPr lang="en-US" dirty="0" smtClean="0"/>
+              <a:t> problem (measure, don't guess)</a:t>
+            </a:r>
+            <a:endParaRPr lang="en-US" dirty="0" smtClean="0"/>
           </a:p>
           <a:p>
             <a:r>
@@ -13996,6 +16230,215 @@
     <p:extLst>
       <p:ext uri="{BB962C8B-B14F-4D97-AF65-F5344CB8AC3E}">
         <p14:creationId xmlns:p14="http://schemas.microsoft.com/office/powerpoint/2010/main" val="1469964481"/>
+      </p:ext>
+    </p:extLst>
+  </p:cSld>
+  <p:clrMapOvr>
+    <a:masterClrMapping/>
+  </p:clrMapOvr>
+  <p:timing>
+    <p:tnLst>
+      <p:par>
+        <p:cTn id="1" dur="indefinite" restart="never" nodeType="tmRoot"/>
+      </p:par>
+    </p:tnLst>
+  </p:timing>
+</p:sld>
+</file>
+
+<file path=ppt/slides/slide50.xml><?xml version="1.0" encoding="utf-8"?>
+<p:sld xmlns:a="http://schemas.openxmlformats.org/drawingml/2006/main" xmlns:r="http://schemas.openxmlformats.org/officeDocument/2006/relationships" xmlns:p="http://schemas.openxmlformats.org/presentationml/2006/main">
+  <p:cSld>
+    <p:spTree>
+      <p:nvGrpSpPr>
+        <p:cNvPr id="1" name=""/>
+        <p:cNvGrpSpPr/>
+        <p:nvPr/>
+      </p:nvGrpSpPr>
+      <p:grpSpPr>
+        <a:xfrm>
+          <a:off x="0" y="0"/>
+          <a:ext cx="0" cy="0"/>
+          <a:chOff x="0" y="0"/>
+          <a:chExt cx="0" cy="0"/>
+        </a:xfrm>
+      </p:grpSpPr>
+      <p:sp>
+        <p:nvSpPr>
+          <p:cNvPr id="2" name="Title 1"/>
+          <p:cNvSpPr>
+            <a:spLocks noGrp="1"/>
+          </p:cNvSpPr>
+          <p:nvPr>
+            <p:ph type="title"/>
+          </p:nvPr>
+        </p:nvSpPr>
+        <p:spPr/>
+        <p:txBody>
+          <a:bodyPr/>
+          <a:lstStyle/>
+          <a:p>
+            <a:r>
+              <a:rPr lang="en-US" dirty="0" smtClean="0"/>
+              <a:t>Summary</a:t>
+            </a:r>
+            <a:endParaRPr lang="en-US" dirty="0"/>
+          </a:p>
+        </p:txBody>
+      </p:sp>
+      <p:sp>
+        <p:nvSpPr>
+          <p:cNvPr id="3" name="Content Placeholder 2"/>
+          <p:cNvSpPr>
+            <a:spLocks noGrp="1"/>
+          </p:cNvSpPr>
+          <p:nvPr>
+            <p:ph idx="1"/>
+          </p:nvPr>
+        </p:nvSpPr>
+        <p:spPr/>
+        <p:txBody>
+          <a:bodyPr>
+            <a:normAutofit lnSpcReduction="10000"/>
+          </a:bodyPr>
+          <a:lstStyle/>
+          <a:p>
+            <a:r>
+              <a:rPr lang="en-US" dirty="0" smtClean="0"/>
+              <a:t>Programs = Algorithms + Data Structures</a:t>
+            </a:r>
+          </a:p>
+          <a:p>
+            <a:r>
+              <a:rPr lang="en-US" dirty="0" smtClean="0"/>
+              <a:t>Computer science degree not necessary</a:t>
+            </a:r>
+          </a:p>
+          <a:p>
+            <a:r>
+              <a:rPr lang="en-US" dirty="0" smtClean="0"/>
+              <a:t>A few simple functions explain most behavior</a:t>
+            </a:r>
+          </a:p>
+          <a:p>
+            <a:r>
+              <a:rPr lang="en-US" dirty="0"/>
+              <a:t>Constants can't always be ignored </a:t>
+            </a:r>
+            <a:endParaRPr lang="en-US" dirty="0" smtClean="0"/>
+          </a:p>
+          <a:p>
+            <a:r>
+              <a:rPr lang="en-US" dirty="0" smtClean="0"/>
+              <a:t>Algorithm analysis is foundational to understanding performance</a:t>
+            </a:r>
+            <a:endParaRPr lang="en-US" dirty="0"/>
+          </a:p>
+        </p:txBody>
+      </p:sp>
+    </p:spTree>
+    <p:extLst>
+      <p:ext uri="{BB962C8B-B14F-4D97-AF65-F5344CB8AC3E}">
+        <p14:creationId xmlns:p14="http://schemas.microsoft.com/office/powerpoint/2010/main" val="3559153671"/>
+      </p:ext>
+    </p:extLst>
+  </p:cSld>
+  <p:clrMapOvr>
+    <a:masterClrMapping/>
+  </p:clrMapOvr>
+</p:sld>
+</file>
+
+<file path=ppt/slides/slide51.xml><?xml version="1.0" encoding="utf-8"?>
+<p:sld xmlns:a="http://schemas.openxmlformats.org/drawingml/2006/main" xmlns:r="http://schemas.openxmlformats.org/officeDocument/2006/relationships" xmlns:p="http://schemas.openxmlformats.org/presentationml/2006/main">
+  <p:cSld>
+    <p:spTree>
+      <p:nvGrpSpPr>
+        <p:cNvPr id="1" name=""/>
+        <p:cNvGrpSpPr/>
+        <p:nvPr/>
+      </p:nvGrpSpPr>
+      <p:grpSpPr>
+        <a:xfrm>
+          <a:off x="0" y="0"/>
+          <a:ext cx="0" cy="0"/>
+          <a:chOff x="0" y="0"/>
+          <a:chExt cx="0" cy="0"/>
+        </a:xfrm>
+      </p:grpSpPr>
+      <p:sp>
+        <p:nvSpPr>
+          <p:cNvPr id="2" name="Text Placeholder 1"/>
+          <p:cNvSpPr>
+            <a:spLocks noGrp="1"/>
+          </p:cNvSpPr>
+          <p:nvPr>
+            <p:ph type="body" sz="quarter" idx="17"/>
+          </p:nvPr>
+        </p:nvSpPr>
+        <p:spPr/>
+        <p:txBody>
+          <a:bodyPr/>
+          <a:lstStyle/>
+          <a:p>
+            <a:r>
+              <a:rPr lang="en-US" dirty="0" smtClean="0"/>
+              <a:t>281</a:t>
+            </a:r>
+            <a:endParaRPr lang="en-US" dirty="0"/>
+          </a:p>
+        </p:txBody>
+      </p:sp>
+      <p:sp>
+        <p:nvSpPr>
+          <p:cNvPr id="3" name="Text Placeholder 2"/>
+          <p:cNvSpPr>
+            <a:spLocks noGrp="1"/>
+          </p:cNvSpPr>
+          <p:nvPr>
+            <p:ph type="body" sz="quarter" idx="18"/>
+          </p:nvPr>
+        </p:nvSpPr>
+        <p:spPr/>
+        <p:txBody>
+          <a:bodyPr/>
+          <a:lstStyle/>
+          <a:p>
+            <a:r>
+              <a:rPr lang="en-US" dirty="0" smtClean="0"/>
+              <a:t>Questions?</a:t>
+            </a:r>
+            <a:endParaRPr lang="en-US" dirty="0"/>
+          </a:p>
+        </p:txBody>
+      </p:sp>
+      <p:sp>
+        <p:nvSpPr>
+          <p:cNvPr id="4" name="Text Placeholder 3"/>
+          <p:cNvSpPr>
+            <a:spLocks noGrp="1"/>
+          </p:cNvSpPr>
+          <p:nvPr>
+            <p:ph type="body" sz="quarter" idx="19"/>
+          </p:nvPr>
+        </p:nvSpPr>
+        <p:spPr/>
+        <p:txBody>
+          <a:bodyPr/>
+          <a:lstStyle/>
+          <a:p>
+            <a:r>
+              <a:rPr lang="en-US" dirty="0" smtClean="0"/>
+              <a:t>jon@jonheller.org</a:t>
+            </a:r>
+            <a:endParaRPr lang="en-US" dirty="0"/>
+          </a:p>
+        </p:txBody>
+      </p:sp>
+    </p:spTree>
+    <p:extLst>
+      <p:ext uri="{BB962C8B-B14F-4D97-AF65-F5344CB8AC3E}">
+        <p14:creationId xmlns:p14="http://schemas.microsoft.com/office/powerpoint/2010/main" val="411107837"/>
       </p:ext>
     </p:extLst>
   </p:cSld>
@@ -14064,8 +16507,13 @@
           <a:p>
             <a:r>
               <a:rPr lang="en-US" dirty="0" smtClean="0"/>
-              <a:t>Orders of magnitude differences in performance and skills</a:t>
-            </a:r>
+              <a:t>Orders of magnitude </a:t>
+            </a:r>
+            <a:r>
+              <a:rPr lang="en-US" dirty="0" smtClean="0"/>
+              <a:t>differences</a:t>
+            </a:r>
+            <a:endParaRPr lang="en-US" dirty="0" smtClean="0"/>
           </a:p>
           <a:p>
             <a:r>
@@ -14076,10 +16524,187 @@
               <a:rPr lang="en-US" dirty="0" smtClean="0"/>
               <a:t>beginning</a:t>
             </a:r>
+          </a:p>
+          <a:p>
+            <a:r>
+              <a:rPr lang="en-US" dirty="0" smtClean="0"/>
+              <a:t>Think about slopes, not points</a:t>
+            </a:r>
+            <a:endParaRPr lang="en-US" dirty="0" smtClean="0"/>
+          </a:p>
+          <a:p>
             <a:endParaRPr lang="en-US" dirty="0"/>
           </a:p>
         </p:txBody>
       </p:sp>
+      <p:sp>
+        <p:nvSpPr>
+          <p:cNvPr id="4" name="Right Arrow 3"/>
+          <p:cNvSpPr/>
+          <p:nvPr/>
+        </p:nvSpPr>
+        <p:spPr>
+          <a:xfrm>
+            <a:off x="3898392" y="3562350"/>
+            <a:ext cx="978408" cy="484632"/>
+          </a:xfrm>
+          <a:prstGeom prst="rightArrow">
+            <a:avLst/>
+          </a:prstGeom>
+        </p:spPr>
+        <p:style>
+          <a:lnRef idx="2">
+            <a:schemeClr val="accent1">
+              <a:shade val="50000"/>
+            </a:schemeClr>
+          </a:lnRef>
+          <a:fillRef idx="1">
+            <a:schemeClr val="accent1"/>
+          </a:fillRef>
+          <a:effectRef idx="0">
+            <a:schemeClr val="accent1"/>
+          </a:effectRef>
+          <a:fontRef idx="minor">
+            <a:schemeClr val="lt1"/>
+          </a:fontRef>
+        </p:style>
+        <p:txBody>
+          <a:bodyPr rtlCol="0" anchor="ctr"/>
+          <a:lstStyle/>
+          <a:p>
+            <a:pPr algn="ctr"/>
+            <a:endParaRPr lang="en-US"/>
+          </a:p>
+        </p:txBody>
+      </p:sp>
+      <p:pic>
+        <p:nvPicPr>
+          <p:cNvPr id="2050" name="Picture 2"/>
+          <p:cNvPicPr>
+            <a:picLocks noChangeAspect="1" noChangeArrowheads="1"/>
+          </p:cNvPicPr>
+          <p:nvPr/>
+        </p:nvPicPr>
+        <p:blipFill>
+          <a:blip r:embed="rId3" cstate="print">
+            <a:extLst>
+              <a:ext uri="{28A0092B-C50C-407E-A947-70E740481C1C}">
+                <a14:useLocalDpi xmlns:a14="http://schemas.microsoft.com/office/drawing/2010/main" val="0"/>
+              </a:ext>
+            </a:extLst>
+          </a:blip>
+          <a:srcRect/>
+          <a:stretch>
+            <a:fillRect/>
+          </a:stretch>
+        </p:blipFill>
+        <p:spPr bwMode="auto">
+          <a:xfrm>
+            <a:off x="1524000" y="2876550"/>
+            <a:ext cx="2133600" cy="2133600"/>
+          </a:xfrm>
+          <a:prstGeom prst="rect">
+            <a:avLst/>
+          </a:prstGeom>
+          <a:noFill/>
+          <a:ln>
+            <a:noFill/>
+          </a:ln>
+          <a:effectLst/>
+          <a:extLst>
+            <a:ext uri="{909E8E84-426E-40DD-AFC4-6F175D3DCCD1}">
+              <a14:hiddenFill xmlns:a14="http://schemas.microsoft.com/office/drawing/2010/main">
+                <a:solidFill>
+                  <a:schemeClr val="accent1"/>
+                </a:solidFill>
+              </a14:hiddenFill>
+            </a:ext>
+            <a:ext uri="{91240B29-F687-4F45-9708-019B960494DF}">
+              <a14:hiddenLine xmlns:a14="http://schemas.microsoft.com/office/drawing/2010/main" w="9525">
+                <a:solidFill>
+                  <a:schemeClr val="tx1"/>
+                </a:solidFill>
+                <a:miter lim="800000"/>
+                <a:headEnd/>
+                <a:tailEnd/>
+              </a14:hiddenLine>
+            </a:ext>
+            <a:ext uri="{AF507438-7753-43E0-B8FC-AC1667EBCBE1}">
+              <a14:hiddenEffects xmlns:a14="http://schemas.microsoft.com/office/drawing/2010/main">
+                <a:effectLst>
+                  <a:outerShdw dist="35921" dir="2700000" algn="ctr" rotWithShape="0">
+                    <a:schemeClr val="bg2"/>
+                  </a:outerShdw>
+                </a:effectLst>
+              </a14:hiddenEffects>
+            </a:ext>
+          </a:extLst>
+        </p:spPr>
+      </p:pic>
+      <p:pic>
+        <p:nvPicPr>
+          <p:cNvPr id="2051" name="Picture 3"/>
+          <p:cNvPicPr>
+            <a:picLocks noChangeAspect="1" noChangeArrowheads="1"/>
+          </p:cNvPicPr>
+          <p:nvPr/>
+        </p:nvPicPr>
+        <p:blipFill>
+          <a:blip r:embed="rId4" cstate="print">
+            <a:extLst>
+              <a:ext uri="{28A0092B-C50C-407E-A947-70E740481C1C}">
+                <a14:useLocalDpi xmlns:a14="http://schemas.microsoft.com/office/drawing/2010/main" val="0"/>
+              </a:ext>
+            </a:extLst>
+          </a:blip>
+          <a:srcRect/>
+          <a:stretch>
+            <a:fillRect/>
+          </a:stretch>
+        </p:blipFill>
+        <p:spPr bwMode="auto">
+          <a:xfrm>
+            <a:off x="5181600" y="2876550"/>
+            <a:ext cx="2133600" cy="2133600"/>
+          </a:xfrm>
+          <a:prstGeom prst="rect">
+            <a:avLst/>
+          </a:prstGeom>
+          <a:noFill/>
+          <a:ln>
+            <a:noFill/>
+          </a:ln>
+          <a:effectLst/>
+          <a:extLst>
+            <a:ext uri="{909E8E84-426E-40DD-AFC4-6F175D3DCCD1}">
+              <a14:hiddenFill xmlns:a14="http://schemas.microsoft.com/office/drawing/2010/main">
+                <a:solidFill>
+                  <a:schemeClr val="accent1"/>
+                </a:solidFill>
+              </a14:hiddenFill>
+            </a:ext>
+            <a:ext uri="{91240B29-F687-4F45-9708-019B960494DF}">
+              <a14:hiddenLine xmlns:a14="http://schemas.microsoft.com/office/drawing/2010/main" w="9525">
+                <a:solidFill>
+                  <a:schemeClr val="tx1"/>
+                </a:solidFill>
+                <a:miter lim="800000"/>
+                <a:headEnd/>
+                <a:tailEnd/>
+              </a14:hiddenLine>
+            </a:ext>
+            <a:ext uri="{AF507438-7753-43E0-B8FC-AC1667EBCBE1}">
+              <a14:hiddenEffects xmlns:a14="http://schemas.microsoft.com/office/drawing/2010/main">
+                <a:effectLst>
+                  <a:outerShdw dist="35921" dir="2700000" algn="ctr" rotWithShape="0">
+                    <a:schemeClr val="bg2"/>
+                  </a:outerShdw>
+                </a:effectLst>
+              </a14:hiddenEffects>
+            </a:ext>
+          </a:extLst>
+        </p:spPr>
+      </p:pic>
     </p:spTree>
     <p:extLst>
       <p:ext uri="{BB962C8B-B14F-4D97-AF65-F5344CB8AC3E}">
@@ -14090,6 +16715,13 @@
   <p:clrMapOvr>
     <a:masterClrMapping/>
   </p:clrMapOvr>
+  <p:timing>
+    <p:tnLst>
+      <p:par>
+        <p:cTn id="1" dur="indefinite" restart="never" nodeType="tmRoot"/>
+      </p:par>
+    </p:tnLst>
+  </p:timing>
 </p:sld>
 </file>
 
@@ -14129,7 +16761,7 @@
           <a:p>
             <a:r>
               <a:rPr lang="en-US" dirty="0" smtClean="0"/>
-              <a:t>Run-time Analysis</a:t>
+              <a:t>Run-time Analysis Theory</a:t>
             </a:r>
             <a:endParaRPr lang="en-US" dirty="0"/>
           </a:p>
@@ -14148,32 +16780,50 @@
         <p:spPr/>
         <p:txBody>
           <a:bodyPr>
-            <a:normAutofit fontScale="92500" lnSpcReduction="20000"/>
+            <a:normAutofit fontScale="85000" lnSpcReduction="20000"/>
           </a:bodyPr>
           <a:lstStyle/>
           <a:p>
             <a:r>
               <a:rPr lang="en-US" dirty="0" smtClean="0"/>
-              <a:t>Simple math</a:t>
-            </a:r>
-          </a:p>
-          <a:p>
-            <a:r>
-              <a:rPr lang="en-US" dirty="0" smtClean="0"/>
-              <a:t>Big O notation - worst case, ignore constants</a:t>
-            </a:r>
-          </a:p>
-          <a:p>
-            <a:r>
-              <a:rPr lang="en-US" dirty="0"/>
-              <a:t>Replace "A is N times faster than B" with "A is O(N) and B is O(N^2)"</a:t>
-            </a:r>
-          </a:p>
-          <a:p>
-            <a:r>
-              <a:rPr lang="en-US" dirty="0" smtClean="0"/>
-              <a:t>Affects a wide variety of operations</a:t>
-            </a:r>
+              <a:t>Simple </a:t>
+            </a:r>
+            <a:r>
+              <a:rPr lang="en-US" dirty="0" smtClean="0"/>
+              <a:t>math</a:t>
+            </a:r>
+          </a:p>
+          <a:p>
+            <a:r>
+              <a:rPr lang="en-US" dirty="0" smtClean="0"/>
+              <a:t>Focus on run-time*, not space</a:t>
+            </a:r>
+            <a:endParaRPr lang="en-US" dirty="0" smtClean="0"/>
+          </a:p>
+          <a:p>
+            <a:r>
+              <a:rPr lang="en-US" dirty="0" smtClean="0"/>
+              <a:t>Big O notation - </a:t>
+            </a:r>
+            <a:r>
+              <a:rPr lang="en-US" dirty="0" smtClean="0"/>
+              <a:t>function that describes the worst case</a:t>
+            </a:r>
+            <a:endParaRPr lang="en-US" dirty="0" smtClean="0"/>
+          </a:p>
+          <a:p>
+            <a:r>
+              <a:rPr lang="en-US" dirty="0" smtClean="0"/>
+              <a:t>Replace ratios with functions</a:t>
+            </a:r>
+            <a:endParaRPr lang="en-US" dirty="0"/>
+          </a:p>
+          <a:p>
+            <a:r>
+              <a:rPr lang="en-US" dirty="0" smtClean="0"/>
+              <a:t>A few functions describe every database feature</a:t>
+            </a:r>
+            <a:endParaRPr lang="en-US" dirty="0" smtClean="0"/>
           </a:p>
           <a:p>
             <a:r>
@@ -14188,8 +16838,19 @@
           <a:p>
             <a:r>
               <a:rPr lang="en-US" dirty="0" smtClean="0"/>
-              <a:t>Focus on practical, not theoretical</a:t>
-            </a:r>
+              <a:t>Focus on practical, not </a:t>
+            </a:r>
+            <a:r>
+              <a:rPr lang="en-US" dirty="0" smtClean="0"/>
+              <a:t>theoretical</a:t>
+            </a:r>
+          </a:p>
+          <a:p>
+            <a:r>
+              <a:rPr lang="en-US" dirty="0" smtClean="0"/>
+              <a:t>Ignore a LOT of implementation details and constants</a:t>
+            </a:r>
+            <a:endParaRPr lang="en-US" dirty="0" smtClean="0"/>
           </a:p>
         </p:txBody>
       </p:sp>
@@ -14232,6 +16893,980 @@
       </p:grpSpPr>
       <p:sp>
         <p:nvSpPr>
+          <p:cNvPr id="2" name="Title 1"/>
+          <p:cNvSpPr>
+            <a:spLocks noGrp="1"/>
+          </p:cNvSpPr>
+          <p:nvPr>
+            <p:ph type="title"/>
+          </p:nvPr>
+        </p:nvSpPr>
+        <p:spPr/>
+        <p:txBody>
+          <a:bodyPr/>
+          <a:lstStyle/>
+          <a:p>
+            <a:r>
+              <a:rPr lang="en-US" dirty="0" smtClean="0"/>
+              <a:t>Run-time Analysis Example (1)</a:t>
+            </a:r>
+            <a:endParaRPr lang="en-US" dirty="0"/>
+          </a:p>
+        </p:txBody>
+      </p:sp>
+      <p:sp>
+        <p:nvSpPr>
+          <p:cNvPr id="6" name="Content Placeholder 5"/>
+          <p:cNvSpPr>
+            <a:spLocks noGrp="1"/>
+          </p:cNvSpPr>
+          <p:nvPr>
+            <p:ph sz="half" idx="1"/>
+          </p:nvPr>
+        </p:nvSpPr>
+        <p:spPr/>
+        <p:txBody>
+          <a:bodyPr>
+            <a:normAutofit fontScale="40000" lnSpcReduction="20000"/>
+          </a:bodyPr>
+          <a:lstStyle/>
+          <a:p>
+            <a:r>
+              <a:rPr lang="en-US" sz="5900" dirty="0" smtClean="0"/>
+              <a:t>Linear search of array or heap table</a:t>
+            </a:r>
+            <a:endParaRPr lang="en-US" dirty="0"/>
+          </a:p>
+          <a:p>
+            <a:endParaRPr lang="en-US" dirty="0" smtClean="0"/>
+          </a:p>
+          <a:p>
+            <a:pPr marL="0" indent="0">
+              <a:buNone/>
+            </a:pPr>
+            <a:r>
+              <a:rPr lang="en-US" sz="3500" i="1" dirty="0">
+                <a:solidFill>
+                  <a:srgbClr val="FF0000"/>
+                </a:solidFill>
+                <a:highlight>
+                  <a:srgbClr val="FFFFFF"/>
+                </a:highlight>
+                <a:latin typeface="Courier New"/>
+              </a:rPr>
+              <a:t>--Find </a:t>
+            </a:r>
+            <a:r>
+              <a:rPr lang="en-US" sz="3500" i="1" dirty="0" smtClean="0">
+                <a:solidFill>
+                  <a:srgbClr val="FF0000"/>
+                </a:solidFill>
+                <a:highlight>
+                  <a:srgbClr val="FFFFFF"/>
+                </a:highlight>
+                <a:latin typeface="Courier New"/>
+              </a:rPr>
+              <a:t>positions for "8".</a:t>
+            </a:r>
+            <a:endParaRPr lang="en-US" sz="3500" dirty="0">
+              <a:solidFill>
+                <a:srgbClr val="000080"/>
+              </a:solidFill>
+              <a:highlight>
+                <a:srgbClr val="FFFFFF"/>
+              </a:highlight>
+              <a:latin typeface="Courier New"/>
+            </a:endParaRPr>
+          </a:p>
+          <a:p>
+            <a:pPr marL="0" indent="0">
+              <a:buNone/>
+            </a:pPr>
+            <a:r>
+              <a:rPr lang="en-US" sz="3500" dirty="0">
+                <a:solidFill>
+                  <a:srgbClr val="008080"/>
+                </a:solidFill>
+                <a:highlight>
+                  <a:srgbClr val="FFFFFF"/>
+                </a:highlight>
+                <a:latin typeface="Courier New"/>
+              </a:rPr>
+              <a:t>declare</a:t>
+            </a:r>
+            <a:endParaRPr lang="en-US" sz="3500" dirty="0">
+              <a:solidFill>
+                <a:srgbClr val="000080"/>
+              </a:solidFill>
+              <a:highlight>
+                <a:srgbClr val="FFFFFF"/>
+              </a:highlight>
+              <a:latin typeface="Courier New"/>
+            </a:endParaRPr>
+          </a:p>
+          <a:p>
+            <a:pPr marL="0" indent="0">
+              <a:buNone/>
+            </a:pPr>
+            <a:r>
+              <a:rPr lang="en-US" sz="3500" dirty="0" smtClean="0">
+                <a:solidFill>
+                  <a:srgbClr val="000080"/>
+                </a:solidFill>
+                <a:highlight>
+                  <a:srgbClr val="FFFFFF"/>
+                </a:highlight>
+                <a:latin typeface="Courier New"/>
+              </a:rPr>
+              <a:t>   </a:t>
+            </a:r>
+            <a:r>
+              <a:rPr lang="en-US" sz="3500" dirty="0" err="1" smtClean="0">
+                <a:solidFill>
+                  <a:srgbClr val="000080"/>
+                </a:solidFill>
+                <a:highlight>
+                  <a:srgbClr val="FFFFFF"/>
+                </a:highlight>
+                <a:latin typeface="Courier New"/>
+              </a:rPr>
+              <a:t>v_array</a:t>
+            </a:r>
+            <a:r>
+              <a:rPr lang="en-US" sz="3500" dirty="0" smtClean="0">
+                <a:solidFill>
+                  <a:srgbClr val="000080"/>
+                </a:solidFill>
+                <a:highlight>
+                  <a:srgbClr val="FFFFFF"/>
+                </a:highlight>
+                <a:latin typeface="Courier New"/>
+              </a:rPr>
+              <a:t> </a:t>
+            </a:r>
+            <a:r>
+              <a:rPr lang="en-US" sz="3500" dirty="0" err="1">
+                <a:solidFill>
+                  <a:srgbClr val="000080"/>
+                </a:solidFill>
+                <a:highlight>
+                  <a:srgbClr val="FFFFFF"/>
+                </a:highlight>
+                <a:latin typeface="Courier New"/>
+              </a:rPr>
+              <a:t>sys.odcinumberlist</a:t>
+            </a:r>
+            <a:r>
+              <a:rPr lang="en-US" sz="3500" dirty="0">
+                <a:solidFill>
+                  <a:srgbClr val="000080"/>
+                </a:solidFill>
+                <a:highlight>
+                  <a:srgbClr val="FFFFFF"/>
+                </a:highlight>
+                <a:latin typeface="Courier New"/>
+              </a:rPr>
+              <a:t> </a:t>
+            </a:r>
+            <a:r>
+              <a:rPr lang="en-US" sz="3500" dirty="0" smtClean="0">
+                <a:solidFill>
+                  <a:srgbClr val="000080"/>
+                </a:solidFill>
+                <a:highlight>
+                  <a:srgbClr val="FFFFFF"/>
+                </a:highlight>
+                <a:latin typeface="Courier New"/>
+              </a:rPr>
+              <a:t>:=</a:t>
+            </a:r>
+            <a:r>
+              <a:rPr lang="en-US" sz="3500" dirty="0">
+                <a:solidFill>
+                  <a:srgbClr val="000080"/>
+                </a:solidFill>
+                <a:highlight>
+                  <a:srgbClr val="FFFFFF"/>
+                </a:highlight>
+                <a:latin typeface="Courier New"/>
+              </a:rPr>
+              <a:t/>
+            </a:r>
+            <a:br>
+              <a:rPr lang="en-US" sz="3500" dirty="0">
+                <a:solidFill>
+                  <a:srgbClr val="000080"/>
+                </a:solidFill>
+                <a:highlight>
+                  <a:srgbClr val="FFFFFF"/>
+                </a:highlight>
+                <a:latin typeface="Courier New"/>
+              </a:rPr>
+            </a:br>
+            <a:r>
+              <a:rPr lang="en-US" sz="3500" dirty="0" smtClean="0">
+                <a:solidFill>
+                  <a:srgbClr val="000080"/>
+                </a:solidFill>
+                <a:highlight>
+                  <a:srgbClr val="FFFFFF"/>
+                </a:highlight>
+                <a:latin typeface="Courier New"/>
+              </a:rPr>
+              <a:t>      </a:t>
+            </a:r>
+            <a:r>
+              <a:rPr lang="en-US" sz="3500" dirty="0" err="1" smtClean="0">
+                <a:solidFill>
+                  <a:srgbClr val="000080"/>
+                </a:solidFill>
+                <a:highlight>
+                  <a:srgbClr val="FFFFFF"/>
+                </a:highlight>
+                <a:latin typeface="Courier New"/>
+              </a:rPr>
+              <a:t>sys.odcinumberlist</a:t>
+            </a:r>
+            <a:r>
+              <a:rPr lang="en-US" sz="3500" dirty="0" smtClean="0">
+                <a:solidFill>
+                  <a:srgbClr val="000080"/>
+                </a:solidFill>
+                <a:highlight>
+                  <a:srgbClr val="FFFFFF"/>
+                </a:highlight>
+                <a:latin typeface="Courier New"/>
+              </a:rPr>
+              <a:t>(</a:t>
+            </a:r>
+            <a:r>
+              <a:rPr lang="en-US" sz="3500" dirty="0" smtClean="0">
+                <a:solidFill>
+                  <a:srgbClr val="0000FF"/>
+                </a:solidFill>
+                <a:highlight>
+                  <a:srgbClr val="FFFFFF"/>
+                </a:highlight>
+                <a:latin typeface="Courier New"/>
+              </a:rPr>
+              <a:t>5</a:t>
+            </a:r>
+            <a:r>
+              <a:rPr lang="en-US" sz="3500" dirty="0" smtClean="0">
+                <a:solidFill>
+                  <a:srgbClr val="000080"/>
+                </a:solidFill>
+                <a:highlight>
+                  <a:srgbClr val="FFFFFF"/>
+                </a:highlight>
+                <a:latin typeface="Courier New"/>
+              </a:rPr>
+              <a:t>,</a:t>
+            </a:r>
+            <a:r>
+              <a:rPr lang="en-US" sz="3500" dirty="0" smtClean="0">
+                <a:solidFill>
+                  <a:srgbClr val="0000FF"/>
+                </a:solidFill>
+                <a:highlight>
+                  <a:srgbClr val="FFFFFF"/>
+                </a:highlight>
+                <a:latin typeface="Courier New"/>
+              </a:rPr>
+              <a:t>8</a:t>
+            </a:r>
+            <a:r>
+              <a:rPr lang="en-US" sz="3500" dirty="0" smtClean="0">
+                <a:solidFill>
+                  <a:srgbClr val="000080"/>
+                </a:solidFill>
+                <a:highlight>
+                  <a:srgbClr val="FFFFFF"/>
+                </a:highlight>
+                <a:latin typeface="Courier New"/>
+              </a:rPr>
+              <a:t>,</a:t>
+            </a:r>
+            <a:r>
+              <a:rPr lang="en-US" sz="3500" dirty="0" smtClean="0">
+                <a:solidFill>
+                  <a:srgbClr val="0000FF"/>
+                </a:solidFill>
+                <a:highlight>
+                  <a:srgbClr val="FFFFFF"/>
+                </a:highlight>
+                <a:latin typeface="Courier New"/>
+              </a:rPr>
+              <a:t>3</a:t>
+            </a:r>
+            <a:r>
+              <a:rPr lang="en-US" sz="3500" dirty="0" smtClean="0">
+                <a:solidFill>
+                  <a:srgbClr val="000080"/>
+                </a:solidFill>
+                <a:highlight>
+                  <a:srgbClr val="FFFFFF"/>
+                </a:highlight>
+                <a:latin typeface="Courier New"/>
+              </a:rPr>
+              <a:t>,</a:t>
+            </a:r>
+            <a:r>
+              <a:rPr lang="en-US" sz="3500" dirty="0" smtClean="0">
+                <a:solidFill>
+                  <a:srgbClr val="0000FF"/>
+                </a:solidFill>
+                <a:highlight>
+                  <a:srgbClr val="FFFFFF"/>
+                </a:highlight>
+                <a:latin typeface="Courier New"/>
+              </a:rPr>
+              <a:t>2</a:t>
+            </a:r>
+            <a:r>
+              <a:rPr lang="en-US" sz="3500" dirty="0" smtClean="0">
+                <a:solidFill>
+                  <a:srgbClr val="000080"/>
+                </a:solidFill>
+                <a:highlight>
+                  <a:srgbClr val="FFFFFF"/>
+                </a:highlight>
+                <a:latin typeface="Courier New"/>
+              </a:rPr>
+              <a:t>,</a:t>
+            </a:r>
+            <a:r>
+              <a:rPr lang="en-US" sz="3500" dirty="0" smtClean="0">
+                <a:solidFill>
+                  <a:srgbClr val="0000FF"/>
+                </a:solidFill>
+                <a:highlight>
+                  <a:srgbClr val="FFFFFF"/>
+                </a:highlight>
+                <a:latin typeface="Courier New"/>
+              </a:rPr>
+              <a:t>8</a:t>
+            </a:r>
+            <a:r>
+              <a:rPr lang="en-US" sz="3500" dirty="0">
+                <a:solidFill>
+                  <a:srgbClr val="000080"/>
+                </a:solidFill>
+                <a:highlight>
+                  <a:srgbClr val="FFFFFF"/>
+                </a:highlight>
+                <a:latin typeface="Courier New"/>
+              </a:rPr>
+              <a:t>);</a:t>
+            </a:r>
+          </a:p>
+          <a:p>
+            <a:pPr marL="0" indent="0">
+              <a:buNone/>
+            </a:pPr>
+            <a:r>
+              <a:rPr lang="en-US" sz="3500" dirty="0" smtClean="0">
+                <a:solidFill>
+                  <a:srgbClr val="008080"/>
+                </a:solidFill>
+                <a:highlight>
+                  <a:srgbClr val="FFFFFF"/>
+                </a:highlight>
+                <a:latin typeface="Courier New"/>
+              </a:rPr>
+              <a:t>begin</a:t>
+            </a:r>
+            <a:endParaRPr lang="en-US" sz="3500" dirty="0">
+              <a:solidFill>
+                <a:srgbClr val="000080"/>
+              </a:solidFill>
+              <a:highlight>
+                <a:srgbClr val="FFFFFF"/>
+              </a:highlight>
+              <a:latin typeface="Courier New"/>
+            </a:endParaRPr>
+          </a:p>
+          <a:p>
+            <a:pPr marL="0" indent="0">
+              <a:buNone/>
+            </a:pPr>
+            <a:r>
+              <a:rPr lang="en-US" sz="3500" dirty="0" smtClean="0">
+                <a:solidFill>
+                  <a:srgbClr val="008080"/>
+                </a:solidFill>
+                <a:highlight>
+                  <a:srgbClr val="FFFFFF"/>
+                </a:highlight>
+                <a:latin typeface="Courier New"/>
+              </a:rPr>
+              <a:t>   for</a:t>
+            </a:r>
+            <a:r>
+              <a:rPr lang="en-US" sz="3500" dirty="0" smtClean="0">
+                <a:solidFill>
+                  <a:srgbClr val="000080"/>
+                </a:solidFill>
+                <a:highlight>
+                  <a:srgbClr val="FFFFFF"/>
+                </a:highlight>
+                <a:latin typeface="Courier New"/>
+              </a:rPr>
+              <a:t> </a:t>
+            </a:r>
+            <a:r>
+              <a:rPr lang="en-US" sz="3500" dirty="0">
+                <a:solidFill>
+                  <a:srgbClr val="000080"/>
+                </a:solidFill>
+                <a:highlight>
+                  <a:srgbClr val="FFFFFF"/>
+                </a:highlight>
+                <a:latin typeface="Courier New"/>
+              </a:rPr>
+              <a:t>i </a:t>
+            </a:r>
+            <a:r>
+              <a:rPr lang="en-US" sz="3500" dirty="0">
+                <a:solidFill>
+                  <a:srgbClr val="008080"/>
+                </a:solidFill>
+                <a:highlight>
+                  <a:srgbClr val="FFFFFF"/>
+                </a:highlight>
+                <a:latin typeface="Courier New"/>
+              </a:rPr>
+              <a:t>in</a:t>
+            </a:r>
+            <a:r>
+              <a:rPr lang="en-US" sz="3500" dirty="0">
+                <a:solidFill>
+                  <a:srgbClr val="000080"/>
+                </a:solidFill>
+                <a:highlight>
+                  <a:srgbClr val="FFFFFF"/>
+                </a:highlight>
+                <a:latin typeface="Courier New"/>
+              </a:rPr>
+              <a:t> </a:t>
+            </a:r>
+            <a:r>
+              <a:rPr lang="en-US" sz="3500" dirty="0">
+                <a:solidFill>
+                  <a:srgbClr val="0000FF"/>
+                </a:solidFill>
+                <a:highlight>
+                  <a:srgbClr val="FFFFFF"/>
+                </a:highlight>
+                <a:latin typeface="Courier New"/>
+              </a:rPr>
+              <a:t>1</a:t>
+            </a:r>
+            <a:r>
+              <a:rPr lang="en-US" sz="3500" dirty="0">
+                <a:solidFill>
+                  <a:srgbClr val="000080"/>
+                </a:solidFill>
+                <a:highlight>
+                  <a:srgbClr val="FFFFFF"/>
+                </a:highlight>
+                <a:latin typeface="Courier New"/>
+              </a:rPr>
+              <a:t> .. </a:t>
+            </a:r>
+            <a:r>
+              <a:rPr lang="en-US" sz="3500" dirty="0" err="1">
+                <a:solidFill>
+                  <a:srgbClr val="000080"/>
+                </a:solidFill>
+                <a:highlight>
+                  <a:srgbClr val="FFFFFF"/>
+                </a:highlight>
+                <a:latin typeface="Courier New"/>
+              </a:rPr>
+              <a:t>v_array.count</a:t>
+            </a:r>
+            <a:r>
+              <a:rPr lang="en-US" sz="3500" dirty="0">
+                <a:solidFill>
+                  <a:srgbClr val="000080"/>
+                </a:solidFill>
+                <a:highlight>
+                  <a:srgbClr val="FFFFFF"/>
+                </a:highlight>
+                <a:latin typeface="Courier New"/>
+              </a:rPr>
+              <a:t> </a:t>
+            </a:r>
+            <a:r>
+              <a:rPr lang="en-US" sz="3500" dirty="0">
+                <a:solidFill>
+                  <a:srgbClr val="008080"/>
+                </a:solidFill>
+                <a:highlight>
+                  <a:srgbClr val="FFFFFF"/>
+                </a:highlight>
+                <a:latin typeface="Courier New"/>
+              </a:rPr>
+              <a:t>loop</a:t>
+            </a:r>
+            <a:endParaRPr lang="en-US" sz="3500" dirty="0">
+              <a:solidFill>
+                <a:srgbClr val="000080"/>
+              </a:solidFill>
+              <a:highlight>
+                <a:srgbClr val="FFFFFF"/>
+              </a:highlight>
+              <a:latin typeface="Courier New"/>
+            </a:endParaRPr>
+          </a:p>
+          <a:p>
+            <a:pPr marL="0" indent="0">
+              <a:buNone/>
+            </a:pPr>
+            <a:r>
+              <a:rPr lang="en-US" sz="3500" dirty="0" smtClean="0">
+                <a:solidFill>
+                  <a:srgbClr val="008080"/>
+                </a:solidFill>
+                <a:highlight>
+                  <a:srgbClr val="FFFFFF"/>
+                </a:highlight>
+                <a:latin typeface="Courier New"/>
+              </a:rPr>
+              <a:t>      if</a:t>
+            </a:r>
+            <a:r>
+              <a:rPr lang="en-US" sz="3500" dirty="0" smtClean="0">
+                <a:solidFill>
+                  <a:srgbClr val="000080"/>
+                </a:solidFill>
+                <a:highlight>
+                  <a:srgbClr val="FFFFFF"/>
+                </a:highlight>
+                <a:latin typeface="Courier New"/>
+              </a:rPr>
+              <a:t> </a:t>
+            </a:r>
+            <a:r>
+              <a:rPr lang="en-US" sz="3500" dirty="0" err="1">
+                <a:solidFill>
+                  <a:srgbClr val="000080"/>
+                </a:solidFill>
+                <a:highlight>
+                  <a:srgbClr val="FFFFFF"/>
+                </a:highlight>
+                <a:latin typeface="Courier New"/>
+              </a:rPr>
+              <a:t>v_array</a:t>
+            </a:r>
+            <a:r>
+              <a:rPr lang="en-US" sz="3500" dirty="0">
+                <a:solidFill>
+                  <a:srgbClr val="000080"/>
+                </a:solidFill>
+                <a:highlight>
+                  <a:srgbClr val="FFFFFF"/>
+                </a:highlight>
+                <a:latin typeface="Courier New"/>
+              </a:rPr>
+              <a:t>(i) = </a:t>
+            </a:r>
+            <a:r>
+              <a:rPr lang="en-US" sz="3500" dirty="0">
+                <a:solidFill>
+                  <a:srgbClr val="0000FF"/>
+                </a:solidFill>
+                <a:highlight>
+                  <a:srgbClr val="FFFFFF"/>
+                </a:highlight>
+                <a:latin typeface="Courier New"/>
+              </a:rPr>
+              <a:t>8</a:t>
+            </a:r>
+            <a:r>
+              <a:rPr lang="en-US" sz="3500" dirty="0">
+                <a:solidFill>
+                  <a:srgbClr val="000080"/>
+                </a:solidFill>
+                <a:highlight>
+                  <a:srgbClr val="FFFFFF"/>
+                </a:highlight>
+                <a:latin typeface="Courier New"/>
+              </a:rPr>
+              <a:t> </a:t>
+            </a:r>
+            <a:r>
+              <a:rPr lang="en-US" sz="3500" dirty="0" smtClean="0">
+                <a:solidFill>
+                  <a:srgbClr val="008080"/>
+                </a:solidFill>
+                <a:highlight>
+                  <a:srgbClr val="FFFFFF"/>
+                </a:highlight>
+                <a:latin typeface="Courier New"/>
+              </a:rPr>
+              <a:t>then</a:t>
+            </a:r>
+            <a:endParaRPr lang="en-US" sz="3500" dirty="0" smtClean="0">
+              <a:solidFill>
+                <a:srgbClr val="000080"/>
+              </a:solidFill>
+              <a:highlight>
+                <a:srgbClr val="FFFFFF"/>
+              </a:highlight>
+              <a:latin typeface="Courier New"/>
+            </a:endParaRPr>
+          </a:p>
+          <a:p>
+            <a:pPr marL="0" indent="0">
+              <a:buNone/>
+            </a:pPr>
+            <a:r>
+              <a:rPr lang="en-US" sz="3500" dirty="0">
+                <a:solidFill>
+                  <a:srgbClr val="000080"/>
+                </a:solidFill>
+                <a:highlight>
+                  <a:srgbClr val="FFFFFF"/>
+                </a:highlight>
+                <a:latin typeface="Courier New"/>
+              </a:rPr>
+              <a:t> </a:t>
+            </a:r>
+            <a:r>
+              <a:rPr lang="en-US" sz="3500" dirty="0" smtClean="0">
+                <a:solidFill>
+                  <a:srgbClr val="000080"/>
+                </a:solidFill>
+                <a:highlight>
+                  <a:srgbClr val="FFFFFF"/>
+                </a:highlight>
+                <a:latin typeface="Courier New"/>
+              </a:rPr>
+              <a:t>        </a:t>
+            </a:r>
+            <a:r>
+              <a:rPr lang="en-US" sz="3500" dirty="0" err="1" smtClean="0">
+                <a:solidFill>
+                  <a:srgbClr val="000080"/>
+                </a:solidFill>
+                <a:highlight>
+                  <a:srgbClr val="FFFFFF"/>
+                </a:highlight>
+                <a:latin typeface="Courier New"/>
+              </a:rPr>
+              <a:t>dbms_output.put_line</a:t>
+            </a:r>
+            <a:r>
+              <a:rPr lang="en-US" sz="3500" dirty="0" smtClean="0">
+                <a:solidFill>
+                  <a:srgbClr val="000080"/>
+                </a:solidFill>
+                <a:highlight>
+                  <a:srgbClr val="FFFFFF"/>
+                </a:highlight>
+                <a:latin typeface="Courier New"/>
+              </a:rPr>
+              <a:t>(i</a:t>
+            </a:r>
+            <a:r>
+              <a:rPr lang="en-US" sz="3500" dirty="0">
+                <a:solidFill>
+                  <a:srgbClr val="000080"/>
+                </a:solidFill>
+                <a:highlight>
+                  <a:srgbClr val="FFFFFF"/>
+                </a:highlight>
+                <a:latin typeface="Courier New"/>
+              </a:rPr>
+              <a:t>);</a:t>
+            </a:r>
+          </a:p>
+          <a:p>
+            <a:pPr marL="0" indent="0">
+              <a:buNone/>
+            </a:pPr>
+            <a:r>
+              <a:rPr lang="en-US" sz="3500" dirty="0" smtClean="0">
+                <a:solidFill>
+                  <a:srgbClr val="000080"/>
+                </a:solidFill>
+                <a:highlight>
+                  <a:srgbClr val="FFFFFF"/>
+                </a:highlight>
+                <a:latin typeface="Courier New"/>
+              </a:rPr>
+              <a:t>      </a:t>
+            </a:r>
+            <a:r>
+              <a:rPr lang="en-US" sz="3500" dirty="0" smtClean="0">
+                <a:solidFill>
+                  <a:srgbClr val="008080"/>
+                </a:solidFill>
+                <a:highlight>
+                  <a:srgbClr val="FFFFFF"/>
+                </a:highlight>
+                <a:latin typeface="Courier New"/>
+              </a:rPr>
+              <a:t>end</a:t>
+            </a:r>
+            <a:r>
+              <a:rPr lang="en-US" sz="3500" dirty="0" smtClean="0">
+                <a:solidFill>
+                  <a:srgbClr val="000080"/>
+                </a:solidFill>
+                <a:highlight>
+                  <a:srgbClr val="FFFFFF"/>
+                </a:highlight>
+                <a:latin typeface="Courier New"/>
+              </a:rPr>
+              <a:t> </a:t>
+            </a:r>
+            <a:r>
+              <a:rPr lang="en-US" sz="3500" dirty="0">
+                <a:solidFill>
+                  <a:srgbClr val="008080"/>
+                </a:solidFill>
+                <a:highlight>
+                  <a:srgbClr val="FFFFFF"/>
+                </a:highlight>
+                <a:latin typeface="Courier New"/>
+              </a:rPr>
+              <a:t>if</a:t>
+            </a:r>
+            <a:r>
+              <a:rPr lang="en-US" sz="3500" dirty="0">
+                <a:solidFill>
+                  <a:srgbClr val="000080"/>
+                </a:solidFill>
+                <a:highlight>
+                  <a:srgbClr val="FFFFFF"/>
+                </a:highlight>
+                <a:latin typeface="Courier New"/>
+              </a:rPr>
+              <a:t>;</a:t>
+            </a:r>
+          </a:p>
+          <a:p>
+            <a:pPr marL="0" indent="0">
+              <a:buNone/>
+            </a:pPr>
+            <a:r>
+              <a:rPr lang="en-US" sz="3500" dirty="0" smtClean="0">
+                <a:solidFill>
+                  <a:srgbClr val="000080"/>
+                </a:solidFill>
+                <a:highlight>
+                  <a:srgbClr val="FFFFFF"/>
+                </a:highlight>
+                <a:latin typeface="Courier New"/>
+              </a:rPr>
+              <a:t>   </a:t>
+            </a:r>
+            <a:r>
+              <a:rPr lang="en-US" sz="3500" dirty="0" smtClean="0">
+                <a:solidFill>
+                  <a:srgbClr val="008080"/>
+                </a:solidFill>
+                <a:highlight>
+                  <a:srgbClr val="FFFFFF"/>
+                </a:highlight>
+                <a:latin typeface="Courier New"/>
+              </a:rPr>
+              <a:t>end</a:t>
+            </a:r>
+            <a:r>
+              <a:rPr lang="en-US" sz="3500" dirty="0" smtClean="0">
+                <a:solidFill>
+                  <a:srgbClr val="000080"/>
+                </a:solidFill>
+                <a:highlight>
+                  <a:srgbClr val="FFFFFF"/>
+                </a:highlight>
+                <a:latin typeface="Courier New"/>
+              </a:rPr>
+              <a:t> </a:t>
+            </a:r>
+            <a:r>
+              <a:rPr lang="en-US" sz="3500" dirty="0">
+                <a:solidFill>
+                  <a:srgbClr val="008080"/>
+                </a:solidFill>
+                <a:highlight>
+                  <a:srgbClr val="FFFFFF"/>
+                </a:highlight>
+                <a:latin typeface="Courier New"/>
+              </a:rPr>
+              <a:t>loop</a:t>
+            </a:r>
+            <a:r>
+              <a:rPr lang="en-US" sz="3500" dirty="0">
+                <a:solidFill>
+                  <a:srgbClr val="000080"/>
+                </a:solidFill>
+                <a:highlight>
+                  <a:srgbClr val="FFFFFF"/>
+                </a:highlight>
+                <a:latin typeface="Courier New"/>
+              </a:rPr>
+              <a:t>;</a:t>
+            </a:r>
+          </a:p>
+          <a:p>
+            <a:pPr marL="0" indent="0">
+              <a:buNone/>
+            </a:pPr>
+            <a:r>
+              <a:rPr lang="en-US" sz="3500" dirty="0">
+                <a:solidFill>
+                  <a:srgbClr val="008080"/>
+                </a:solidFill>
+                <a:highlight>
+                  <a:srgbClr val="FFFFFF"/>
+                </a:highlight>
+                <a:latin typeface="Courier New"/>
+              </a:rPr>
+              <a:t>end</a:t>
+            </a:r>
+            <a:r>
+              <a:rPr lang="en-US" sz="3500" dirty="0">
+                <a:solidFill>
+                  <a:srgbClr val="000080"/>
+                </a:solidFill>
+                <a:highlight>
+                  <a:srgbClr val="FFFFFF"/>
+                </a:highlight>
+                <a:latin typeface="Courier New"/>
+              </a:rPr>
+              <a:t>;</a:t>
+            </a:r>
+          </a:p>
+          <a:p>
+            <a:pPr marL="0" indent="0">
+              <a:buNone/>
+            </a:pPr>
+            <a:r>
+              <a:rPr lang="en-US" sz="3500" dirty="0">
+                <a:solidFill>
+                  <a:srgbClr val="000080"/>
+                </a:solidFill>
+                <a:highlight>
+                  <a:srgbClr val="FFFFFF"/>
+                </a:highlight>
+                <a:latin typeface="Courier New"/>
+              </a:rPr>
+              <a:t>/</a:t>
+            </a:r>
+            <a:endParaRPr lang="en-US" sz="3500" dirty="0" smtClean="0"/>
+          </a:p>
+        </p:txBody>
+      </p:sp>
+      <p:pic>
+        <p:nvPicPr>
+          <p:cNvPr id="1027" name="Picture 3"/>
+          <p:cNvPicPr>
+            <a:picLocks noGrp="1" noChangeAspect="1" noChangeArrowheads="1"/>
+          </p:cNvPicPr>
+          <p:nvPr>
+            <p:ph sz="half" idx="2"/>
+          </p:nvPr>
+        </p:nvPicPr>
+        <p:blipFill>
+          <a:blip r:embed="rId3" cstate="print">
+            <a:extLst>
+              <a:ext uri="{28A0092B-C50C-407E-A947-70E740481C1C}">
+                <a14:useLocalDpi xmlns:a14="http://schemas.microsoft.com/office/drawing/2010/main" val="0"/>
+              </a:ext>
+            </a:extLst>
+          </a:blip>
+          <a:srcRect/>
+          <a:stretch>
+            <a:fillRect/>
+          </a:stretch>
+        </p:blipFill>
+        <p:spPr bwMode="auto">
+          <a:xfrm>
+            <a:off x="4648200" y="2211494"/>
+            <a:ext cx="4038600" cy="1371386"/>
+          </a:xfrm>
+          <a:prstGeom prst="rect">
+            <a:avLst/>
+          </a:prstGeom>
+          <a:noFill/>
+          <a:ln>
+            <a:noFill/>
+          </a:ln>
+          <a:effectLst/>
+          <a:extLst>
+            <a:ext uri="{909E8E84-426E-40DD-AFC4-6F175D3DCCD1}">
+              <a14:hiddenFill xmlns:a14="http://schemas.microsoft.com/office/drawing/2010/main">
+                <a:solidFill>
+                  <a:schemeClr val="accent1"/>
+                </a:solidFill>
+              </a14:hiddenFill>
+            </a:ext>
+            <a:ext uri="{91240B29-F687-4F45-9708-019B960494DF}">
+              <a14:hiddenLine xmlns:a14="http://schemas.microsoft.com/office/drawing/2010/main" w="9525">
+                <a:solidFill>
+                  <a:schemeClr val="tx1"/>
+                </a:solidFill>
+                <a:miter lim="800000"/>
+                <a:headEnd/>
+                <a:tailEnd/>
+              </a14:hiddenLine>
+            </a:ext>
+            <a:ext uri="{AF507438-7753-43E0-B8FC-AC1667EBCBE1}">
+              <a14:hiddenEffects xmlns:a14="http://schemas.microsoft.com/office/drawing/2010/main">
+                <a:effectLst>
+                  <a:outerShdw dist="35921" dir="2700000" algn="ctr" rotWithShape="0">
+                    <a:schemeClr val="bg2"/>
+                  </a:outerShdw>
+                </a:effectLst>
+              </a14:hiddenEffects>
+            </a:ext>
+          </a:extLst>
+        </p:spPr>
+      </p:pic>
+    </p:spTree>
+    <p:extLst>
+      <p:ext uri="{BB962C8B-B14F-4D97-AF65-F5344CB8AC3E}">
+        <p14:creationId xmlns:p14="http://schemas.microsoft.com/office/powerpoint/2010/main" val="2583038479"/>
+      </p:ext>
+    </p:extLst>
+  </p:cSld>
+  <p:clrMapOvr>
+    <a:masterClrMapping/>
+  </p:clrMapOvr>
+  <p:timing>
+    <p:tnLst>
+      <p:par>
+        <p:cTn id="1" dur="indefinite" restart="never" nodeType="tmRoot"/>
+      </p:par>
+    </p:tnLst>
+  </p:timing>
+</p:sld>
+</file>
+
+<file path=ppt/slides/slide9.xml><?xml version="1.0" encoding="utf-8"?>
+<p:sld xmlns:a="http://schemas.openxmlformats.org/drawingml/2006/main" xmlns:r="http://schemas.openxmlformats.org/officeDocument/2006/relationships" xmlns:p="http://schemas.openxmlformats.org/presentationml/2006/main">
+  <p:cSld>
+    <p:spTree>
+      <p:nvGrpSpPr>
+        <p:cNvPr id="1" name=""/>
+        <p:cNvGrpSpPr/>
+        <p:nvPr/>
+      </p:nvGrpSpPr>
+      <p:grpSpPr>
+        <a:xfrm>
+          <a:off x="0" y="0"/>
+          <a:ext cx="0" cy="0"/>
+          <a:chOff x="0" y="0"/>
+          <a:chExt cx="0" cy="0"/>
+        </a:xfrm>
+      </p:grpSpPr>
+      <p:sp>
+        <p:nvSpPr>
           <p:cNvPr id="4" name="Title 3"/>
           <p:cNvSpPr>
             <a:spLocks noGrp="1"/>
@@ -14247,7 +17882,7 @@
           <a:p>
             <a:r>
               <a:rPr lang="en-US" dirty="0" smtClean="0"/>
-              <a:t>Sample Run-time Analysis</a:t>
+              <a:t>Run-time Analysis Example (2)</a:t>
             </a:r>
             <a:endParaRPr lang="en-US" dirty="0"/>
           </a:p>
@@ -14270,27 +17905,33 @@
           <a:p>
             <a:r>
               <a:rPr lang="en-US" dirty="0" smtClean="0"/>
-              <a:t>Linear search</a:t>
-            </a:r>
-          </a:p>
-          <a:p>
-            <a:r>
-              <a:rPr lang="en-US" dirty="0" smtClean="0"/>
-              <a:t>Best case is O(1)</a:t>
-            </a:r>
-          </a:p>
-          <a:p>
-            <a:r>
-              <a:rPr lang="en-US" dirty="0" smtClean="0"/>
-              <a:t>Average case is (N/2)*</a:t>
-            </a:r>
-          </a:p>
-          <a:p>
-            <a:r>
-              <a:rPr lang="en-US" dirty="0" smtClean="0"/>
-              <a:t>Worst case is O(N)</a:t>
-            </a:r>
-            <a:endParaRPr lang="en-US" dirty="0"/>
+              <a:t>Best </a:t>
+            </a:r>
+            <a:r>
+              <a:rPr lang="en-US" dirty="0" smtClean="0"/>
+              <a:t>case is O(1)</a:t>
+            </a:r>
+          </a:p>
+          <a:p>
+            <a:r>
+              <a:rPr lang="en-US" dirty="0" smtClean="0"/>
+              <a:t>Average case is </a:t>
+            </a:r>
+            <a:r>
+              <a:rPr lang="en-US" dirty="0" smtClean="0"/>
+              <a:t>O(N/2)</a:t>
+            </a:r>
+            <a:endParaRPr lang="en-US" dirty="0" smtClean="0"/>
+          </a:p>
+          <a:p>
+            <a:r>
+              <a:rPr lang="en-US" dirty="0" smtClean="0"/>
+              <a:t>Worst case is O(N</a:t>
+            </a:r>
+            <a:r>
+              <a:rPr lang="en-US" dirty="0" smtClean="0"/>
+              <a:t>)*</a:t>
+            </a:r>
           </a:p>
         </p:txBody>
       </p:sp>
@@ -14305,7 +17946,7 @@
           </p:nvPr>
         </p:nvPicPr>
         <p:blipFill>
-          <a:blip r:embed="rId2" cstate="print">
+          <a:blip r:embed="rId3" cstate="print">
             <a:extLst>
               <a:ext uri="{28A0092B-C50C-407E-A947-70E740481C1C}">
                 <a14:useLocalDpi xmlns:a14="http://schemas.microsoft.com/office/drawing/2010/main" val="0"/>
@@ -14333,96 +17974,13 @@
   <p:clrMapOvr>
     <a:masterClrMapping/>
   </p:clrMapOvr>
-</p:sld>
-</file>
-
-<file path=ppt/slides/slide9.xml><?xml version="1.0" encoding="utf-8"?>
-<p:sld xmlns:a="http://schemas.openxmlformats.org/drawingml/2006/main" xmlns:r="http://schemas.openxmlformats.org/officeDocument/2006/relationships" xmlns:p="http://schemas.openxmlformats.org/presentationml/2006/main">
-  <p:cSld>
-    <p:spTree>
-      <p:nvGrpSpPr>
-        <p:cNvPr id="1" name=""/>
-        <p:cNvGrpSpPr/>
-        <p:nvPr/>
-      </p:nvGrpSpPr>
-      <p:grpSpPr>
-        <a:xfrm>
-          <a:off x="0" y="0"/>
-          <a:ext cx="0" cy="0"/>
-          <a:chOff x="0" y="0"/>
-          <a:chExt cx="0" cy="0"/>
-        </a:xfrm>
-      </p:grpSpPr>
-      <p:sp>
-        <p:nvSpPr>
-          <p:cNvPr id="2" name="Title 1"/>
-          <p:cNvSpPr>
-            <a:spLocks noGrp="1"/>
-          </p:cNvSpPr>
-          <p:nvPr>
-            <p:ph type="title"/>
-          </p:nvPr>
-        </p:nvSpPr>
-        <p:spPr/>
-        <p:txBody>
-          <a:bodyPr>
-            <a:normAutofit/>
-          </a:bodyPr>
-          <a:lstStyle/>
-          <a:p>
-            <a:r>
-              <a:rPr lang="en-US" dirty="0" smtClean="0"/>
-              <a:t>Create a New Performance Story</a:t>
-            </a:r>
-            <a:endParaRPr lang="en-US" dirty="0"/>
-          </a:p>
-        </p:txBody>
-      </p:sp>
-      <p:sp>
-        <p:nvSpPr>
-          <p:cNvPr id="3" name="Content Placeholder 2"/>
-          <p:cNvSpPr>
-            <a:spLocks noGrp="1"/>
-          </p:cNvSpPr>
-          <p:nvPr>
-            <p:ph idx="1"/>
-          </p:nvPr>
-        </p:nvSpPr>
-        <p:spPr/>
-        <p:txBody>
-          <a:bodyPr/>
-          <a:lstStyle/>
-          <a:p>
-            <a:r>
-              <a:rPr lang="en-US" dirty="0" smtClean="0"/>
-              <a:t>Let's ignore database tuning, SQL tuning, advisors, reports, tools</a:t>
-            </a:r>
-          </a:p>
-          <a:p>
-            <a:r>
-              <a:rPr lang="en-US" dirty="0" smtClean="0"/>
-              <a:t>Start with fastest and end with slowest</a:t>
-            </a:r>
-          </a:p>
-          <a:p>
-            <a:r>
-              <a:rPr lang="en-US" dirty="0" smtClean="0"/>
-              <a:t>Popular functions guide us through performance categories</a:t>
-            </a:r>
-            <a:endParaRPr lang="en-US" dirty="0"/>
-          </a:p>
-        </p:txBody>
-      </p:sp>
-    </p:spTree>
-    <p:extLst>
-      <p:ext uri="{BB962C8B-B14F-4D97-AF65-F5344CB8AC3E}">
-        <p14:creationId xmlns:p14="http://schemas.microsoft.com/office/powerpoint/2010/main" val="2762126414"/>
-      </p:ext>
-    </p:extLst>
-  </p:cSld>
-  <p:clrMapOvr>
-    <a:masterClrMapping/>
-  </p:clrMapOvr>
+  <p:timing>
+    <p:tnLst>
+      <p:par>
+        <p:cTn id="1" dur="indefinite" restart="never" nodeType="tmRoot"/>
+      </p:par>
+    </p:tnLst>
+  </p:timing>
 </p:sld>
 </file>
 
@@ -15030,7 +18588,7 @@
   <a:extraClrSchemeLst/>
   <a:extLst>
     <a:ext uri="{05A4C25C-085E-4340-85A3-A5531E510DB2}">
-      <thm15:themeFamily xmlns="" xmlns:thm15="http://schemas.microsoft.com/office/thememl/2012/main" name="Speaker PowerPoint Template" id="{4E13DB99-A421-4488-B6B9-74AD8D466080}" vid="{14BEE4C0-9BD1-46B9-9B50-B1564B699572}"/>
+      <thm15:themeFamily xmlns:thm15="http://schemas.microsoft.com/office/thememl/2012/main" xmlns="" name="Speaker PowerPoint Template" id="{4E13DB99-A421-4488-B6B9-74AD8D466080}" vid="{14BEE4C0-9BD1-46B9-9B50-B1564B699572}"/>
     </a:ext>
   </a:extLst>
 </a:theme>
@@ -15355,7 +18913,7 @@
   <a:extraClrSchemeLst/>
   <a:extLst>
     <a:ext uri="{05A4C25C-085E-4340-85A3-A5531E510DB2}">
-      <thm15:themeFamily xmlns="" xmlns:thm15="http://schemas.microsoft.com/office/thememl/2012/main" name="Speaker PowerPoint Template" id="{4E13DB99-A421-4488-B6B9-74AD8D466080}" vid="{14BEE4C0-9BD1-46B9-9B50-B1564B699572}"/>
+      <thm15:themeFamily xmlns:thm15="http://schemas.microsoft.com/office/thememl/2012/main" xmlns="" name="Speaker PowerPoint Template" id="{4E13DB99-A421-4488-B6B9-74AD8D466080}" vid="{14BEE4C0-9BD1-46B9-9B50-B1564B699572}"/>
     </a:ext>
   </a:extLst>
 </a:theme>

--- a/examples/presentations/Practical Algorithm Analysis for Oracle Developers - Collaborate - 2019_281_Heller.pptx
+++ b/examples/presentations/Practical Algorithm Analysis for Oracle Developers - Collaborate - 2019_281_Heller.pptx
@@ -7,7 +7,7 @@
     <p:sldMasterId id="2147483668" r:id="rId3"/>
   </p:sldMasterIdLst>
   <p:notesMasterIdLst>
-    <p:notesMasterId r:id="rId55"/>
+    <p:notesMasterId r:id="rId61"/>
   </p:notesMasterIdLst>
   <p:sldIdLst>
     <p:sldId id="304" r:id="rId4"/>
@@ -28,39 +28,45 @@
     <p:sldId id="289" r:id="rId19"/>
     <p:sldId id="291" r:id="rId20"/>
     <p:sldId id="290" r:id="rId21"/>
-    <p:sldId id="294" r:id="rId22"/>
-    <p:sldId id="295" r:id="rId23"/>
-    <p:sldId id="297" r:id="rId24"/>
-    <p:sldId id="296" r:id="rId25"/>
-    <p:sldId id="263" r:id="rId26"/>
-    <p:sldId id="264" r:id="rId27"/>
-    <p:sldId id="265" r:id="rId28"/>
-    <p:sldId id="298" r:id="rId29"/>
-    <p:sldId id="278" r:id="rId30"/>
-    <p:sldId id="299" r:id="rId31"/>
-    <p:sldId id="302" r:id="rId32"/>
-    <p:sldId id="301" r:id="rId33"/>
-    <p:sldId id="300" r:id="rId34"/>
-    <p:sldId id="303" r:id="rId35"/>
-    <p:sldId id="266" r:id="rId36"/>
-    <p:sldId id="267" r:id="rId37"/>
-    <p:sldId id="269" r:id="rId38"/>
-    <p:sldId id="270" r:id="rId39"/>
-    <p:sldId id="306" r:id="rId40"/>
-    <p:sldId id="308" r:id="rId41"/>
-    <p:sldId id="307" r:id="rId42"/>
-    <p:sldId id="280" r:id="rId43"/>
-    <p:sldId id="309" r:id="rId44"/>
-    <p:sldId id="310" r:id="rId45"/>
-    <p:sldId id="272" r:id="rId46"/>
-    <p:sldId id="273" r:id="rId47"/>
-    <p:sldId id="274" r:id="rId48"/>
-    <p:sldId id="275" r:id="rId49"/>
-    <p:sldId id="276" r:id="rId50"/>
-    <p:sldId id="281" r:id="rId51"/>
-    <p:sldId id="277" r:id="rId52"/>
-    <p:sldId id="311" r:id="rId53"/>
-    <p:sldId id="305" r:id="rId54"/>
+    <p:sldId id="314" r:id="rId22"/>
+    <p:sldId id="319" r:id="rId23"/>
+    <p:sldId id="318" r:id="rId24"/>
+    <p:sldId id="317" r:id="rId25"/>
+    <p:sldId id="316" r:id="rId26"/>
+    <p:sldId id="294" r:id="rId27"/>
+    <p:sldId id="315" r:id="rId28"/>
+    <p:sldId id="295" r:id="rId29"/>
+    <p:sldId id="297" r:id="rId30"/>
+    <p:sldId id="296" r:id="rId31"/>
+    <p:sldId id="263" r:id="rId32"/>
+    <p:sldId id="264" r:id="rId33"/>
+    <p:sldId id="265" r:id="rId34"/>
+    <p:sldId id="298" r:id="rId35"/>
+    <p:sldId id="278" r:id="rId36"/>
+    <p:sldId id="299" r:id="rId37"/>
+    <p:sldId id="302" r:id="rId38"/>
+    <p:sldId id="301" r:id="rId39"/>
+    <p:sldId id="300" r:id="rId40"/>
+    <p:sldId id="303" r:id="rId41"/>
+    <p:sldId id="266" r:id="rId42"/>
+    <p:sldId id="267" r:id="rId43"/>
+    <p:sldId id="269" r:id="rId44"/>
+    <p:sldId id="270" r:id="rId45"/>
+    <p:sldId id="306" r:id="rId46"/>
+    <p:sldId id="308" r:id="rId47"/>
+    <p:sldId id="307" r:id="rId48"/>
+    <p:sldId id="280" r:id="rId49"/>
+    <p:sldId id="309" r:id="rId50"/>
+    <p:sldId id="310" r:id="rId51"/>
+    <p:sldId id="272" r:id="rId52"/>
+    <p:sldId id="273" r:id="rId53"/>
+    <p:sldId id="274" r:id="rId54"/>
+    <p:sldId id="275" r:id="rId55"/>
+    <p:sldId id="276" r:id="rId56"/>
+    <p:sldId id="281" r:id="rId57"/>
+    <p:sldId id="277" r:id="rId58"/>
+    <p:sldId id="311" r:id="rId59"/>
+    <p:sldId id="305" r:id="rId60"/>
   </p:sldIdLst>
   <p:sldSz cx="9144000" cy="5143500" type="screen16x9"/>
   <p:notesSz cx="6858000" cy="9144000"/>
@@ -1372,6 +1378,52 @@
           <a:bodyPr/>
           <a:lstStyle/>
           <a:p>
+            <a:pPr marL="171450" indent="-171450">
+              <a:buFont typeface="Arial" charset="0"/>
+              <a:buChar char="•"/>
+            </a:pPr>
+            <a:r>
+              <a:rPr lang="en-US" b="1" baseline="0" dirty="0" smtClean="0"/>
+              <a:t>Match:</a:t>
+            </a:r>
+            <a:r>
+              <a:rPr lang="en-US" baseline="0" dirty="0" smtClean="0"/>
+              <a:t> I built two test cases for sequence cache size and bulk collect limit.  Notice how the theory and practice almost perfectly line up.</a:t>
+            </a:r>
+          </a:p>
+          <a:p>
+            <a:pPr marL="171450" indent="-171450">
+              <a:buFont typeface="Arial" charset="0"/>
+              <a:buChar char="•"/>
+            </a:pPr>
+            <a:r>
+              <a:rPr lang="en-US" b="1" baseline="0" dirty="0" smtClean="0"/>
+              <a:t>Plot it:</a:t>
+            </a:r>
+            <a:r>
+              <a:rPr lang="en-US" baseline="0" dirty="0" smtClean="0"/>
+              <a:t> It's important to build a test case with a huge number of points to avoid biases.  If I randomly picked some different limit sizes, and re-ran a few times, I could prove anything I wanted to.  But when the numbers are plotted out it becomes obvious what the trend is.</a:t>
+            </a:r>
+          </a:p>
+          <a:p>
+            <a:pPr marL="171450" indent="-171450">
+              <a:buFont typeface="Arial" charset="0"/>
+              <a:buChar char="•"/>
+            </a:pPr>
+            <a:r>
+              <a:rPr lang="en-US" b="1" baseline="0" dirty="0" smtClean="0"/>
+              <a:t>Asymptote:</a:t>
+            </a:r>
+            <a:r>
+              <a:rPr lang="en-US" baseline="0" dirty="0" smtClean="0"/>
+              <a:t> Notice the asymptotes at the bottom of the </a:t>
+            </a:r>
+          </a:p>
+          <a:p>
+            <a:r>
+              <a:rPr lang="en-US" baseline="0" dirty="0" smtClean="0"/>
+              <a:t> </a:t>
+            </a:r>
             <a:endParaRPr lang="en-US" dirty="0"/>
           </a:p>
         </p:txBody>
@@ -1393,16 +1445,16 @@
           <a:p>
             <a:fld id="{5A6616C6-9DE0-4865-BC75-EB7C5EE0BF49}" type="slidenum">
               <a:rPr lang="en-US" smtClean="0"/>
-              <a:t>17</a:t>
+              <a:t>16</a:t>
             </a:fld>
-            <a:endParaRPr lang="en-US" dirty="0"/>
+            <a:endParaRPr lang="en-US"/>
           </a:p>
         </p:txBody>
       </p:sp>
     </p:spTree>
     <p:extLst>
       <p:ext uri="{BB962C8B-B14F-4D97-AF65-F5344CB8AC3E}">
-        <p14:creationId xmlns:p14="http://schemas.microsoft.com/office/powerpoint/2010/main" val="3577064392"/>
+        <p14:creationId xmlns:p14="http://schemas.microsoft.com/office/powerpoint/2010/main" val="4169957529"/>
       </p:ext>
     </p:extLst>
   </p:cSld>
@@ -1456,6 +1508,14 @@
           <a:bodyPr/>
           <a:lstStyle/>
           <a:p>
+            <a:r>
+              <a:rPr lang="en-US" dirty="0" smtClean="0"/>
+              <a:t>This boring function was not even show</a:t>
+            </a:r>
+            <a:r>
+              <a:rPr lang="en-US" baseline="0" dirty="0" smtClean="0"/>
+              <a:t> in the comparison graph earlier.</a:t>
+            </a:r>
             <a:endParaRPr lang="en-US" dirty="0"/>
           </a:p>
         </p:txBody>
@@ -1477,7 +1537,7 @@
           <a:p>
             <a:fld id="{5A6616C6-9DE0-4865-BC75-EB7C5EE0BF49}" type="slidenum">
               <a:rPr lang="en-US" smtClean="0"/>
-              <a:t>18</a:t>
+              <a:t>17</a:t>
             </a:fld>
             <a:endParaRPr lang="en-US" dirty="0"/>
           </a:p>
@@ -1486,7 +1546,7 @@
     </p:spTree>
     <p:extLst>
       <p:ext uri="{BB962C8B-B14F-4D97-AF65-F5344CB8AC3E}">
-        <p14:creationId xmlns:p14="http://schemas.microsoft.com/office/powerpoint/2010/main" val="3025345395"/>
+        <p14:creationId xmlns:p14="http://schemas.microsoft.com/office/powerpoint/2010/main" val="3577064392"/>
       </p:ext>
     </p:extLst>
   </p:cSld>
@@ -1540,44 +1600,45 @@
           <a:bodyPr/>
           <a:lstStyle/>
           <a:p>
-            <a:pPr marL="0" marR="0" indent="0" algn="l" defTabSz="914378" rtl="0" eaLnBrk="1" fontAlgn="auto" latinLnBrk="0" hangingPunct="1">
-              <a:lnSpc>
-                <a:spcPct val="100000"/>
-              </a:lnSpc>
-              <a:spcBef>
-                <a:spcPts val="0"/>
-              </a:spcBef>
-              <a:spcAft>
-                <a:spcPts val="0"/>
-              </a:spcAft>
-              <a:buClrTx/>
-              <a:buSzTx/>
-              <a:buFontTx/>
-              <a:buNone/>
-              <a:tabLst/>
-              <a:defRPr/>
+            <a:pPr marL="171450" indent="-171450">
+              <a:buFont typeface="Arial" charset="0"/>
+              <a:buChar char="•"/>
             </a:pPr>
             <a:r>
               <a:rPr lang="en-US" dirty="0" smtClean="0"/>
-              <a:t>(By </a:t>
-            </a:r>
-            <a:r>
-              <a:rPr lang="en-US" dirty="0" smtClean="0"/>
-              <a:t>Jorge </a:t>
-            </a:r>
-            <a:r>
-              <a:rPr lang="en-US" dirty="0" err="1" smtClean="0"/>
-              <a:t>Stolfi</a:t>
-            </a:r>
-            <a:r>
-              <a:rPr lang="en-US" dirty="0" smtClean="0"/>
-              <a:t> - Own work, Public Domain, https://</a:t>
-            </a:r>
-            <a:r>
-              <a:rPr lang="en-US" dirty="0" smtClean="0"/>
-              <a:t>commons.wikimedia.org/w/index.php?curid=6601264)</a:t>
-            </a:r>
-            <a:endParaRPr lang="en-US" dirty="0" smtClean="0"/>
+              <a:t>Constant time</a:t>
+            </a:r>
+            <a:r>
+              <a:rPr lang="en-US" baseline="0" dirty="0" smtClean="0"/>
+              <a:t> means the run time does not depend on the size of the data - which is a great thing when it's possible.</a:t>
+            </a:r>
+          </a:p>
+          <a:p>
+            <a:pPr marL="171450" indent="-171450">
+              <a:buFont typeface="Arial" charset="0"/>
+              <a:buChar char="•"/>
+            </a:pPr>
+            <a:r>
+              <a:rPr lang="en-US" baseline="0" dirty="0" smtClean="0"/>
+              <a:t>This happens with lots of operations, mostly with DDL.  It might happen with INSERT VALUES, unless the table has indexes that require extra work, or if the table is a cluster.</a:t>
+            </a:r>
+          </a:p>
+          <a:p>
+            <a:pPr marL="171450" indent="-171450">
+              <a:buFont typeface="Arial" charset="0"/>
+              <a:buChar char="•"/>
+            </a:pPr>
+            <a:r>
+              <a:rPr lang="en-US" baseline="0" dirty="0" smtClean="0"/>
+              <a:t>O(1) *could* happen for hashing in theory, but in practice it won't occur.  This affects partitioning, hash clusters, and joins.</a:t>
+            </a:r>
+          </a:p>
+          <a:p>
+            <a:pPr marL="171450" indent="-171450">
+              <a:buFont typeface="Arial" charset="0"/>
+              <a:buChar char="•"/>
+            </a:pPr>
+            <a:endParaRPr lang="en-US" dirty="0"/>
           </a:p>
         </p:txBody>
       </p:sp>
@@ -1598,16 +1659,16 @@
           <a:p>
             <a:fld id="{5A6616C6-9DE0-4865-BC75-EB7C5EE0BF49}" type="slidenum">
               <a:rPr lang="en-US" smtClean="0"/>
-              <a:t>19</a:t>
+              <a:t>18</a:t>
             </a:fld>
-            <a:endParaRPr lang="en-US"/>
+            <a:endParaRPr lang="en-US" dirty="0"/>
           </a:p>
         </p:txBody>
       </p:sp>
     </p:spTree>
     <p:extLst>
       <p:ext uri="{BB962C8B-B14F-4D97-AF65-F5344CB8AC3E}">
-        <p14:creationId xmlns:p14="http://schemas.microsoft.com/office/powerpoint/2010/main" val="1412735394"/>
+        <p14:creationId xmlns:p14="http://schemas.microsoft.com/office/powerpoint/2010/main" val="3025345395"/>
       </p:ext>
     </p:extLst>
   </p:cSld>
@@ -1661,40 +1722,39 @@
           <a:bodyPr/>
           <a:lstStyle/>
           <a:p>
-            <a:r>
-              <a:rPr lang="en-US" sz="1200" kern="1200" dirty="0" smtClean="0">
-                <a:solidFill>
-                  <a:schemeClr val="tx1"/>
-                </a:solidFill>
-                <a:effectLst/>
-                <a:latin typeface="+mn-lt"/>
-                <a:ea typeface="+mn-ea"/>
-                <a:cs typeface="+mn-cs"/>
-              </a:rPr>
-              <a:t>See this Stack Overflow answer, where I try and fail to create a useful constant-time index using hash clusters: </a:t>
-            </a:r>
-            <a:r>
-              <a:rPr lang="en-US" sz="1200" u="sng" kern="1200" dirty="0" smtClean="0">
-                <a:solidFill>
-                  <a:schemeClr val="tx1"/>
-                </a:solidFill>
-                <a:effectLst/>
-                <a:latin typeface="+mn-lt"/>
-                <a:ea typeface="+mn-ea"/>
-                <a:cs typeface="+mn-cs"/>
-                <a:hlinkClick r:id="rId3"/>
-              </a:rPr>
-              <a:t>https://stackoverflow.com/questions/32071259/constant-time-index-for-string-column-on-oracle-database</a:t>
-            </a:r>
-            <a:endParaRPr lang="en-US" sz="1200" u="sng" kern="1200" dirty="0" smtClean="0">
-              <a:solidFill>
-                <a:schemeClr val="tx1"/>
-              </a:solidFill>
-              <a:effectLst/>
-              <a:latin typeface="+mn-lt"/>
-              <a:ea typeface="+mn-ea"/>
-              <a:cs typeface="+mn-cs"/>
-            </a:endParaRPr>
+            <a:pPr marL="171450" indent="-171450">
+              <a:buFont typeface="Arial" charset="0"/>
+              <a:buChar char="•"/>
+            </a:pPr>
+            <a:r>
+              <a:rPr lang="en-US" dirty="0" smtClean="0"/>
+              <a:t>Hashing</a:t>
+            </a:r>
+            <a:r>
+              <a:rPr lang="en-US" baseline="0" dirty="0" smtClean="0"/>
+              <a:t> is conceptually simple and generic - we take an input and we map it to an output.</a:t>
+            </a:r>
+          </a:p>
+          <a:p>
+            <a:pPr marL="171450" indent="-171450">
+              <a:buFont typeface="Arial" charset="0"/>
+              <a:buChar char="•"/>
+            </a:pPr>
+            <a:r>
+              <a:rPr lang="en-US" baseline="0" dirty="0" smtClean="0"/>
+              <a:t>Hashing is a core database operation and is used frequently.  It's great for grouping data (like for GROUP BY, DISTINCT, hash partitioning), comparing (for joining, hash clusters), and hiding data (password hashes, de-identifying).</a:t>
+            </a:r>
+          </a:p>
+          <a:p>
+            <a:pPr marL="171450" indent="-171450">
+              <a:buFont typeface="Arial" charset="0"/>
+              <a:buChar char="•"/>
+            </a:pPr>
+            <a:r>
+              <a:rPr lang="en-US" baseline="0" dirty="0" smtClean="0"/>
+              <a:t>Oracle has several built-in hash functions, such as ORA_HASH, STANDARD_HASH, DBMS_CRYPTO, DBMS_SQLHASH, and probably others.</a:t>
+            </a:r>
+            <a:endParaRPr lang="en-US" dirty="0"/>
           </a:p>
         </p:txBody>
       </p:sp>
@@ -1715,7 +1775,7 @@
           <a:p>
             <a:fld id="{5A6616C6-9DE0-4865-BC75-EB7C5EE0BF49}" type="slidenum">
               <a:rPr lang="en-US" smtClean="0"/>
-              <a:t>21</a:t>
+              <a:t>19</a:t>
             </a:fld>
             <a:endParaRPr lang="en-US"/>
           </a:p>
@@ -1724,7 +1784,7 @@
     </p:spTree>
     <p:extLst>
       <p:ext uri="{BB962C8B-B14F-4D97-AF65-F5344CB8AC3E}">
-        <p14:creationId xmlns:p14="http://schemas.microsoft.com/office/powerpoint/2010/main" val="1699038351"/>
+        <p14:creationId xmlns:p14="http://schemas.microsoft.com/office/powerpoint/2010/main" val="3517856152"/>
       </p:ext>
     </p:extLst>
   </p:cSld>
@@ -1778,7 +1838,96 @@
           <a:bodyPr/>
           <a:lstStyle/>
           <a:p>
-            <a:pPr marL="0" marR="0" indent="0" algn="l" defTabSz="914400" rtl="0" eaLnBrk="1" fontAlgn="auto" latinLnBrk="0" hangingPunct="1">
+            <a:pPr marL="171450" marR="0" indent="-171450" algn="l" defTabSz="914378" rtl="0" eaLnBrk="1" fontAlgn="auto" latinLnBrk="0" hangingPunct="1">
+              <a:lnSpc>
+                <a:spcPct val="100000"/>
+              </a:lnSpc>
+              <a:spcBef>
+                <a:spcPts val="0"/>
+              </a:spcBef>
+              <a:spcAft>
+                <a:spcPts val="0"/>
+              </a:spcAft>
+              <a:buClrTx/>
+              <a:buSzTx/>
+              <a:buFont typeface="Arial" charset="0"/>
+              <a:buChar char="•"/>
+              <a:tabLst/>
+              <a:defRPr/>
+            </a:pPr>
+            <a:r>
+              <a:rPr lang="en-US" baseline="0" dirty="0" smtClean="0"/>
+              <a:t>There are many hash properties and there's not enough time to go over all of them.  Three of the most popular types of hashes are displayed here.</a:t>
+            </a:r>
+          </a:p>
+          <a:p>
+            <a:pPr marL="171450" marR="0" indent="-171450" algn="l" defTabSz="914378" rtl="0" eaLnBrk="1" fontAlgn="auto" latinLnBrk="0" hangingPunct="1">
+              <a:lnSpc>
+                <a:spcPct val="100000"/>
+              </a:lnSpc>
+              <a:spcBef>
+                <a:spcPts val="0"/>
+              </a:spcBef>
+              <a:spcAft>
+                <a:spcPts val="0"/>
+              </a:spcAft>
+              <a:buClrTx/>
+              <a:buSzTx/>
+              <a:buFont typeface="Arial" charset="0"/>
+              <a:buChar char="•"/>
+              <a:tabLst/>
+              <a:defRPr/>
+            </a:pPr>
+            <a:r>
+              <a:rPr lang="en-US" baseline="0" dirty="0" smtClean="0"/>
+              <a:t>The minimal perfect hash is an unrealistic goal.  In practice you will never achieve a hash that good, unless you know all of the values ahead of time and spend a huge amount of processing time.</a:t>
+            </a:r>
+          </a:p>
+          <a:p>
+            <a:pPr marL="171450" marR="0" indent="-171450" algn="l" defTabSz="914378" rtl="0" eaLnBrk="1" fontAlgn="auto" latinLnBrk="0" hangingPunct="1">
+              <a:lnSpc>
+                <a:spcPct val="100000"/>
+              </a:lnSpc>
+              <a:spcBef>
+                <a:spcPts val="0"/>
+              </a:spcBef>
+              <a:spcAft>
+                <a:spcPts val="0"/>
+              </a:spcAft>
+              <a:buClrTx/>
+              <a:buSzTx/>
+              <a:buFont typeface="Arial" charset="0"/>
+              <a:buChar char="•"/>
+              <a:tabLst/>
+              <a:defRPr/>
+            </a:pPr>
+            <a:r>
+              <a:rPr lang="en-US" baseline="0" dirty="0" smtClean="0"/>
+              <a:t>In practice, we have to choose between a </a:t>
+            </a:r>
+          </a:p>
+          <a:p>
+            <a:pPr marL="171450" marR="0" indent="-171450" algn="l" defTabSz="914378" rtl="0" eaLnBrk="1" fontAlgn="auto" latinLnBrk="0" hangingPunct="1">
+              <a:lnSpc>
+                <a:spcPct val="100000"/>
+              </a:lnSpc>
+              <a:spcBef>
+                <a:spcPts val="0"/>
+              </a:spcBef>
+              <a:spcAft>
+                <a:spcPts val="0"/>
+              </a:spcAft>
+              <a:buClrTx/>
+              <a:buSzTx/>
+              <a:buFont typeface="Arial" charset="0"/>
+              <a:buChar char="•"/>
+              <a:tabLst/>
+              <a:defRPr/>
+            </a:pPr>
+            <a:endParaRPr lang="en-US" dirty="0" smtClean="0"/>
+          </a:p>
+          <a:p>
+            <a:pPr marL="0" marR="0" indent="0" algn="l" defTabSz="914378" rtl="0" eaLnBrk="1" fontAlgn="auto" latinLnBrk="0" hangingPunct="1">
               <a:lnSpc>
                 <a:spcPct val="100000"/>
               </a:lnSpc>
@@ -1796,100 +1945,26 @@
               <a:defRPr/>
             </a:pPr>
             <a:r>
-              <a:rPr lang="en-US" sz="1200" kern="1200" dirty="0" smtClean="0">
-                <a:solidFill>
-                  <a:schemeClr val="tx1"/>
-                </a:solidFill>
-                <a:effectLst/>
-                <a:latin typeface="+mn-lt"/>
-                <a:ea typeface="+mn-ea"/>
-                <a:cs typeface="+mn-cs"/>
-              </a:rPr>
-              <a:t>Binary search algorithm image created by </a:t>
-            </a:r>
-            <a:r>
-              <a:rPr lang="en-US" sz="1200" u="sng" kern="1200" dirty="0" smtClean="0">
-                <a:solidFill>
-                  <a:schemeClr val="tx1"/>
-                </a:solidFill>
-                <a:effectLst/>
-                <a:latin typeface="+mn-lt"/>
-                <a:ea typeface="+mn-ea"/>
-                <a:cs typeface="+mn-cs"/>
-                <a:hlinkClick r:id="rId3"/>
-              </a:rPr>
-              <a:t>Chris Martin</a:t>
-            </a:r>
-            <a:r>
-              <a:rPr lang="en-US" sz="1200" kern="1200" dirty="0" smtClean="0">
-                <a:solidFill>
-                  <a:schemeClr val="tx1"/>
-                </a:solidFill>
-                <a:effectLst/>
-                <a:latin typeface="+mn-lt"/>
-                <a:ea typeface="+mn-ea"/>
-                <a:cs typeface="+mn-cs"/>
-              </a:rPr>
-              <a:t> and is in the public domain.</a:t>
-            </a:r>
-          </a:p>
-          <a:p>
-            <a:pPr marL="0" marR="0" indent="0" algn="l" defTabSz="914400" rtl="0" eaLnBrk="1" fontAlgn="auto" latinLnBrk="0" hangingPunct="1">
-              <a:lnSpc>
-                <a:spcPct val="100000"/>
-              </a:lnSpc>
-              <a:spcBef>
-                <a:spcPts val="0"/>
-              </a:spcBef>
-              <a:spcAft>
-                <a:spcPts val="0"/>
-              </a:spcAft>
-              <a:buClrTx/>
-              <a:buSzTx/>
-              <a:buFontTx/>
-              <a:buNone/>
-              <a:tabLst/>
-              <a:defRPr/>
-            </a:pPr>
-            <a:r>
-              <a:rPr lang="en-US" dirty="0" smtClean="0"/>
-              <a:t>Binary Search Depiction</a:t>
-            </a:r>
-            <a:r>
-              <a:rPr lang="en-US" baseline="0" dirty="0" smtClean="0"/>
-              <a:t> by </a:t>
+              <a:rPr lang="en-US" dirty="0" smtClean="0"/>
+              <a:t>(Images by </a:t>
+            </a:r>
+            <a:r>
+              <a:rPr lang="en-US" dirty="0" smtClean="0"/>
+              <a:t>Jorge </a:t>
             </a:r>
             <a:r>
               <a:rPr lang="en-US" dirty="0" err="1" smtClean="0"/>
-              <a:t>AlwaysAngry</a:t>
-            </a:r>
-            <a:r>
-              <a:rPr lang="en-US" dirty="0" smtClean="0"/>
-              <a:t> is licensed under the </a:t>
-            </a:r>
-            <a:r>
-              <a:rPr lang="en-US" dirty="0" smtClean="0">
-                <a:hlinkClick r:id="rId4" tooltip="w:en:Creative Commons"/>
-              </a:rPr>
-              <a:t>Creative Commons</a:t>
-            </a:r>
-            <a:r>
-              <a:rPr lang="en-US" dirty="0" smtClean="0"/>
-              <a:t> </a:t>
-            </a:r>
-            <a:r>
-              <a:rPr lang="en-US" dirty="0" smtClean="0">
-                <a:hlinkClick r:id="rId5"/>
-              </a:rPr>
-              <a:t>Attribution-Share Alike 4.0 International</a:t>
-            </a:r>
-            <a:r>
-              <a:rPr lang="en-US" dirty="0" smtClean="0"/>
-              <a:t> license. </a:t>
-            </a:r>
-          </a:p>
-          <a:p>
-            <a:endParaRPr lang="en-US" dirty="0"/>
+              <a:t>Stolfi</a:t>
+            </a:r>
+            <a:r>
+              <a:rPr lang="en-US" dirty="0" smtClean="0"/>
+              <a:t> - Own work, Public Domain, https://</a:t>
+            </a:r>
+            <a:r>
+              <a:rPr lang="en-US" dirty="0" smtClean="0"/>
+              <a:t>commons.wikimedia.org/w/index.php?curid=6601264)</a:t>
+            </a:r>
+            <a:endParaRPr lang="en-US" dirty="0" smtClean="0"/>
           </a:p>
         </p:txBody>
       </p:sp>
@@ -1919,7 +1994,7 @@
     </p:spTree>
     <p:extLst>
       <p:ext uri="{BB962C8B-B14F-4D97-AF65-F5344CB8AC3E}">
-        <p14:creationId xmlns:p14="http://schemas.microsoft.com/office/powerpoint/2010/main" val="1040973754"/>
+        <p14:creationId xmlns:p14="http://schemas.microsoft.com/office/powerpoint/2010/main" val="1412735394"/>
       </p:ext>
     </p:extLst>
   </p:cSld>
@@ -2090,14 +2165,39 @@
           <a:lstStyle/>
           <a:p>
             <a:r>
-              <a:rPr lang="en-US" dirty="0" smtClean="0"/>
-              <a:t>We're still only talking about accessing</a:t>
-            </a:r>
-            <a:r>
-              <a:rPr lang="en-US" baseline="0" dirty="0" smtClean="0"/>
-              <a:t> a single value.</a:t>
-            </a:r>
-            <a:endParaRPr lang="en-US" dirty="0"/>
+              <a:rPr lang="en-US" sz="1200" kern="1200" dirty="0" smtClean="0">
+                <a:solidFill>
+                  <a:schemeClr val="tx1"/>
+                </a:solidFill>
+                <a:effectLst/>
+                <a:latin typeface="+mn-lt"/>
+                <a:ea typeface="+mn-ea"/>
+                <a:cs typeface="+mn-cs"/>
+              </a:rPr>
+              <a:t>See this Stack Overflow answer, where I try and fail to create a useful constant-time index using hash clusters: </a:t>
+            </a:r>
+            <a:r>
+              <a:rPr lang="en-US" sz="1200" u="sng" kern="1200" dirty="0" smtClean="0">
+                <a:solidFill>
+                  <a:schemeClr val="tx1"/>
+                </a:solidFill>
+                <a:effectLst/>
+                <a:latin typeface="+mn-lt"/>
+                <a:ea typeface="+mn-ea"/>
+                <a:cs typeface="+mn-cs"/>
+                <a:hlinkClick r:id="rId3"/>
+              </a:rPr>
+              <a:t>https://stackoverflow.com/questions/32071259/constant-time-index-for-string-column-on-oracle-database</a:t>
+            </a:r>
+            <a:endParaRPr lang="en-US" sz="1200" u="sng" kern="1200" dirty="0" smtClean="0">
+              <a:solidFill>
+                <a:schemeClr val="tx1"/>
+              </a:solidFill>
+              <a:effectLst/>
+              <a:latin typeface="+mn-lt"/>
+              <a:ea typeface="+mn-ea"/>
+              <a:cs typeface="+mn-cs"/>
+            </a:endParaRPr>
           </a:p>
         </p:txBody>
       </p:sp>
@@ -2118,7 +2218,7 @@
           <a:p>
             <a:fld id="{5A6616C6-9DE0-4865-BC75-EB7C5EE0BF49}" type="slidenum">
               <a:rPr lang="en-US" smtClean="0"/>
-              <a:t>26</a:t>
+              <a:t>27</a:t>
             </a:fld>
             <a:endParaRPr lang="en-US"/>
           </a:p>
@@ -2127,7 +2227,7 @@
     </p:spTree>
     <p:extLst>
       <p:ext uri="{BB962C8B-B14F-4D97-AF65-F5344CB8AC3E}">
-        <p14:creationId xmlns:p14="http://schemas.microsoft.com/office/powerpoint/2010/main" val="3230797625"/>
+        <p14:creationId xmlns:p14="http://schemas.microsoft.com/office/powerpoint/2010/main" val="1699038351"/>
       </p:ext>
     </p:extLst>
   </p:cSld>
@@ -2181,157 +2281,117 @@
           <a:bodyPr/>
           <a:lstStyle/>
           <a:p>
-            <a:r>
-              <a:rPr lang="en-US" dirty="0" smtClean="0"/>
-              <a:t>Index</a:t>
-            </a:r>
-            <a:r>
-              <a:rPr lang="en-US" baseline="0" dirty="0" smtClean="0"/>
-              <a:t> height does not grow fast in practice.</a:t>
-            </a:r>
-          </a:p>
-          <a:p>
-            <a:endParaRPr lang="en-US" baseline="0" dirty="0" smtClean="0"/>
-          </a:p>
-          <a:p>
-            <a:r>
-              <a:rPr lang="en-US" baseline="0" dirty="0" smtClean="0"/>
-              <a:t>Generated by this query (run against the 350 databases I have access to)</a:t>
-            </a:r>
-          </a:p>
-          <a:p>
-            <a:r>
-              <a:rPr lang="en-US" sz="1200" b="0" i="0" u="none" strike="noStrike" kern="1200" baseline="0" dirty="0" smtClean="0">
+            <a:pPr marL="0" marR="0" indent="0" algn="l" defTabSz="914400" rtl="0" eaLnBrk="1" fontAlgn="auto" latinLnBrk="0" hangingPunct="1">
+              <a:lnSpc>
+                <a:spcPct val="100000"/>
+              </a:lnSpc>
+              <a:spcBef>
+                <a:spcPts val="0"/>
+              </a:spcBef>
+              <a:spcAft>
+                <a:spcPts val="0"/>
+              </a:spcAft>
+              <a:buClrTx/>
+              <a:buSzTx/>
+              <a:buFontTx/>
+              <a:buNone/>
+              <a:tabLst/>
+              <a:defRPr/>
+            </a:pPr>
+            <a:r>
+              <a:rPr lang="en-US" sz="1200" kern="1200" dirty="0" smtClean="0">
                 <a:solidFill>
                   <a:schemeClr val="tx1"/>
                 </a:solidFill>
+                <a:effectLst/>
                 <a:latin typeface="+mn-lt"/>
                 <a:ea typeface="+mn-ea"/>
                 <a:cs typeface="+mn-cs"/>
               </a:rPr>
-              <a:t>select </a:t>
-            </a:r>
-            <a:r>
-              <a:rPr lang="en-US" sz="1200" b="0" i="0" u="none" strike="noStrike" kern="1200" baseline="0" dirty="0" err="1" smtClean="0">
+              <a:t>Binary search algorithm image created by </a:t>
+            </a:r>
+            <a:r>
+              <a:rPr lang="en-US" sz="1200" u="sng" kern="1200" dirty="0" smtClean="0">
                 <a:solidFill>
                   <a:schemeClr val="tx1"/>
                 </a:solidFill>
+                <a:effectLst/>
                 <a:latin typeface="+mn-lt"/>
                 <a:ea typeface="+mn-ea"/>
                 <a:cs typeface="+mn-cs"/>
-              </a:rPr>
-              <a:t>blevel</a:t>
-            </a:r>
-            <a:r>
-              <a:rPr lang="en-US" sz="1200" b="0" i="0" u="none" strike="noStrike" kern="1200" baseline="0" dirty="0" smtClean="0">
+                <a:hlinkClick r:id="rId3"/>
+              </a:rPr>
+              <a:t>Chris Martin</a:t>
+            </a:r>
+            <a:r>
+              <a:rPr lang="en-US" sz="1200" kern="1200" dirty="0" smtClean="0">
                 <a:solidFill>
                   <a:schemeClr val="tx1"/>
                 </a:solidFill>
+                <a:effectLst/>
                 <a:latin typeface="+mn-lt"/>
                 <a:ea typeface="+mn-ea"/>
                 <a:cs typeface="+mn-cs"/>
               </a:rPr>
-              <a:t>, count(*) count</a:t>
-            </a:r>
-          </a:p>
-          <a:p>
-            <a:r>
-              <a:rPr lang="en-US" sz="1200" b="0" i="0" u="none" strike="noStrike" kern="1200" baseline="0" dirty="0" smtClean="0">
-                <a:solidFill>
-                  <a:schemeClr val="tx1"/>
-                </a:solidFill>
-                <a:latin typeface="+mn-lt"/>
-                <a:ea typeface="+mn-ea"/>
-                <a:cs typeface="+mn-cs"/>
-              </a:rPr>
-              <a:t>from </a:t>
-            </a:r>
-            <a:r>
-              <a:rPr lang="en-US" sz="1200" b="0" i="0" u="none" strike="noStrike" kern="1200" baseline="0" dirty="0" err="1" smtClean="0">
-                <a:solidFill>
-                  <a:schemeClr val="tx1"/>
-                </a:solidFill>
-                <a:latin typeface="+mn-lt"/>
-                <a:ea typeface="+mn-ea"/>
-                <a:cs typeface="+mn-cs"/>
-              </a:rPr>
-              <a:t>dba_indexes</a:t>
-            </a:r>
-            <a:endParaRPr lang="en-US" sz="1200" b="0" i="0" u="none" strike="noStrike" kern="1200" baseline="0" dirty="0" smtClean="0">
-              <a:solidFill>
-                <a:schemeClr val="tx1"/>
-              </a:solidFill>
-              <a:latin typeface="+mn-lt"/>
-              <a:ea typeface="+mn-ea"/>
-              <a:cs typeface="+mn-cs"/>
-            </a:endParaRPr>
-          </a:p>
-          <a:p>
-            <a:r>
-              <a:rPr lang="en-US" sz="1200" b="0" i="0" u="none" strike="noStrike" kern="1200" baseline="0" dirty="0" smtClean="0">
-                <a:solidFill>
-                  <a:schemeClr val="tx1"/>
-                </a:solidFill>
-                <a:latin typeface="+mn-lt"/>
-                <a:ea typeface="+mn-ea"/>
-                <a:cs typeface="+mn-cs"/>
-              </a:rPr>
-              <a:t>group by </a:t>
-            </a:r>
-            <a:r>
-              <a:rPr lang="en-US" sz="1200" b="0" i="0" u="none" strike="noStrike" kern="1200" baseline="0" dirty="0" err="1" smtClean="0">
-                <a:solidFill>
-                  <a:schemeClr val="tx1"/>
-                </a:solidFill>
-                <a:latin typeface="+mn-lt"/>
-                <a:ea typeface="+mn-ea"/>
-                <a:cs typeface="+mn-cs"/>
-              </a:rPr>
-              <a:t>blevel</a:t>
-            </a:r>
-            <a:endParaRPr lang="en-US" sz="1200" b="0" i="0" u="none" strike="noStrike" kern="1200" baseline="0" dirty="0" smtClean="0">
-              <a:solidFill>
-                <a:schemeClr val="tx1"/>
-              </a:solidFill>
-              <a:latin typeface="+mn-lt"/>
-              <a:ea typeface="+mn-ea"/>
-              <a:cs typeface="+mn-cs"/>
-            </a:endParaRPr>
-          </a:p>
-          <a:p>
-            <a:r>
-              <a:rPr lang="en-US" sz="1200" b="0" i="0" u="none" strike="noStrike" kern="1200" baseline="0" dirty="0" smtClean="0">
-                <a:solidFill>
-                  <a:schemeClr val="tx1"/>
-                </a:solidFill>
-                <a:latin typeface="+mn-lt"/>
-                <a:ea typeface="+mn-ea"/>
-                <a:cs typeface="+mn-cs"/>
-              </a:rPr>
-              <a:t>order by </a:t>
-            </a:r>
-            <a:r>
-              <a:rPr lang="en-US" sz="1200" b="0" i="0" u="none" strike="noStrike" kern="1200" baseline="0" dirty="0" err="1" smtClean="0">
-                <a:solidFill>
-                  <a:schemeClr val="tx1"/>
-                </a:solidFill>
-                <a:latin typeface="+mn-lt"/>
-                <a:ea typeface="+mn-ea"/>
-                <a:cs typeface="+mn-cs"/>
-              </a:rPr>
-              <a:t>blevel</a:t>
-            </a:r>
-            <a:r>
-              <a:rPr lang="en-US" sz="1200" b="0" i="0" u="none" strike="noStrike" kern="1200" baseline="0" dirty="0" smtClean="0">
-                <a:solidFill>
-                  <a:schemeClr val="tx1"/>
-                </a:solidFill>
-                <a:latin typeface="+mn-lt"/>
-                <a:ea typeface="+mn-ea"/>
-                <a:cs typeface="+mn-cs"/>
-              </a:rPr>
-              <a:t> nulls first;</a:t>
-            </a:r>
+              <a:t> and is in the public domain.</a:t>
+            </a:r>
+          </a:p>
+          <a:p>
+            <a:pPr marL="0" marR="0" indent="0" algn="l" defTabSz="914400" rtl="0" eaLnBrk="1" fontAlgn="auto" latinLnBrk="0" hangingPunct="1">
+              <a:lnSpc>
+                <a:spcPct val="100000"/>
+              </a:lnSpc>
+              <a:spcBef>
+                <a:spcPts val="0"/>
+              </a:spcBef>
+              <a:spcAft>
+                <a:spcPts val="0"/>
+              </a:spcAft>
+              <a:buClrTx/>
+              <a:buSzTx/>
+              <a:buFontTx/>
+              <a:buNone/>
+              <a:tabLst/>
+              <a:defRPr/>
+            </a:pPr>
+            <a:r>
+              <a:rPr lang="en-US" dirty="0" smtClean="0"/>
+              <a:t>Binary Search Depiction</a:t>
+            </a:r>
+            <a:r>
+              <a:rPr lang="en-US" baseline="0" dirty="0" smtClean="0"/>
+              <a:t> by </a:t>
+            </a:r>
+            <a:r>
+              <a:rPr lang="en-US" dirty="0" err="1" smtClean="0"/>
+              <a:t>AlwaysAngry</a:t>
+            </a:r>
+            <a:r>
+              <a:rPr lang="en-US" dirty="0" smtClean="0"/>
+              <a:t> is licensed under the </a:t>
+            </a:r>
+            <a:r>
+              <a:rPr lang="en-US" dirty="0" smtClean="0">
+                <a:hlinkClick r:id="rId4" tooltip="w:en:Creative Commons"/>
+              </a:rPr>
+              <a:t>Creative Commons</a:t>
+            </a:r>
+            <a:r>
+              <a:rPr lang="en-US" dirty="0" smtClean="0"/>
+              <a:t> </a:t>
+            </a:r>
+            <a:r>
+              <a:rPr lang="en-US" dirty="0" smtClean="0">
+                <a:hlinkClick r:id="rId5"/>
+              </a:rPr>
+              <a:t>Attribution-Share Alike 4.0 International</a:t>
+            </a:r>
+            <a:r>
+              <a:rPr lang="en-US" dirty="0" smtClean="0"/>
+              <a:t> license. </a:t>
+            </a:r>
+          </a:p>
+          <a:p>
             <a:endParaRPr lang="en-US" dirty="0"/>
           </a:p>
         </p:txBody>
@@ -2353,7 +2413,7 @@
           <a:p>
             <a:fld id="{5A6616C6-9DE0-4865-BC75-EB7C5EE0BF49}" type="slidenum">
               <a:rPr lang="en-US" smtClean="0"/>
-              <a:t>28</a:t>
+              <a:t>30</a:t>
             </a:fld>
             <a:endParaRPr lang="en-US"/>
           </a:p>
@@ -2362,7 +2422,7 @@
     </p:spTree>
     <p:extLst>
       <p:ext uri="{BB962C8B-B14F-4D97-AF65-F5344CB8AC3E}">
-        <p14:creationId xmlns:p14="http://schemas.microsoft.com/office/powerpoint/2010/main" val="1306290819"/>
+        <p14:creationId xmlns:p14="http://schemas.microsoft.com/office/powerpoint/2010/main" val="1040973754"/>
       </p:ext>
     </p:extLst>
   </p:cSld>
@@ -2417,66 +2477,12 @@
           <a:lstStyle/>
           <a:p>
             <a:r>
-              <a:rPr lang="en-US" sz="1200" kern="1200" dirty="0" smtClean="0">
-                <a:solidFill>
-                  <a:schemeClr val="tx1"/>
-                </a:solidFill>
-                <a:effectLst/>
-                <a:latin typeface="+mn-lt"/>
-                <a:ea typeface="+mn-ea"/>
-                <a:cs typeface="+mn-cs"/>
-              </a:rPr>
-              <a:t>Amdahl’s law as a graph.  Based on </a:t>
-            </a:r>
-            <a:r>
-              <a:rPr lang="en-US" sz="1200" u="sng" kern="1200" dirty="0" smtClean="0">
-                <a:solidFill>
-                  <a:schemeClr val="tx1"/>
-                </a:solidFill>
-                <a:effectLst/>
-                <a:latin typeface="+mn-lt"/>
-                <a:ea typeface="+mn-ea"/>
-                <a:cs typeface="+mn-cs"/>
-                <a:hlinkClick r:id="rId3"/>
-              </a:rPr>
-              <a:t>“Amdahl’s Law”</a:t>
-            </a:r>
-            <a:r>
-              <a:rPr lang="en-US" sz="1200" kern="1200" dirty="0" smtClean="0">
-                <a:solidFill>
-                  <a:schemeClr val="tx1"/>
-                </a:solidFill>
-                <a:effectLst/>
-                <a:latin typeface="+mn-lt"/>
-                <a:ea typeface="+mn-ea"/>
-                <a:cs typeface="+mn-cs"/>
-              </a:rPr>
-              <a:t> by Daniels220, licensed under </a:t>
-            </a:r>
-            <a:r>
-              <a:rPr lang="en-US" sz="1200" u="sng" kern="1200" dirty="0" smtClean="0">
-                <a:solidFill>
-                  <a:schemeClr val="tx1"/>
-                </a:solidFill>
-                <a:effectLst/>
-                <a:latin typeface="+mn-lt"/>
-                <a:ea typeface="+mn-ea"/>
-                <a:cs typeface="+mn-cs"/>
-                <a:hlinkClick r:id="rId4"/>
-              </a:rPr>
-              <a:t>CC BY-SA</a:t>
-            </a:r>
-            <a:r>
-              <a:rPr lang="en-US" sz="1200" kern="1200" dirty="0" smtClean="0">
-                <a:solidFill>
-                  <a:schemeClr val="tx1"/>
-                </a:solidFill>
-                <a:effectLst/>
-                <a:latin typeface="+mn-lt"/>
-                <a:ea typeface="+mn-ea"/>
-                <a:cs typeface="+mn-cs"/>
-              </a:rPr>
-              <a:t>.</a:t>
+              <a:rPr lang="en-US" dirty="0" smtClean="0"/>
+              <a:t>We're still only talking about accessing</a:t>
+            </a:r>
+            <a:r>
+              <a:rPr lang="en-US" baseline="0" dirty="0" smtClean="0"/>
+              <a:t> a single value.</a:t>
             </a:r>
             <a:endParaRPr lang="en-US" dirty="0"/>
           </a:p>
@@ -2499,7 +2505,7 @@
           <a:p>
             <a:fld id="{5A6616C6-9DE0-4865-BC75-EB7C5EE0BF49}" type="slidenum">
               <a:rPr lang="en-US" smtClean="0"/>
-              <a:t>29</a:t>
+              <a:t>32</a:t>
             </a:fld>
             <a:endParaRPr lang="en-US"/>
           </a:p>
@@ -2508,7 +2514,7 @@
     </p:spTree>
     <p:extLst>
       <p:ext uri="{BB962C8B-B14F-4D97-AF65-F5344CB8AC3E}">
-        <p14:creationId xmlns:p14="http://schemas.microsoft.com/office/powerpoint/2010/main" val="3996148136"/>
+        <p14:creationId xmlns:p14="http://schemas.microsoft.com/office/powerpoint/2010/main" val="3230797625"/>
       </p:ext>
     </p:extLst>
   </p:cSld>
@@ -2564,11 +2570,11 @@
           <a:p>
             <a:r>
               <a:rPr lang="en-US" dirty="0" smtClean="0"/>
-              <a:t>These</a:t>
+              <a:t>Index</a:t>
             </a:r>
             <a:r>
               <a:rPr lang="en-US" baseline="0" dirty="0" smtClean="0"/>
-              <a:t> pictures compare different ways to read a table in parallel.  The top, colorful chart shows reading one-partition-at-a-time.  The bottom, boring chart shows reading a table with a single SQL statement.</a:t>
+              <a:t> height does not grow fast in practice.</a:t>
             </a:r>
           </a:p>
           <a:p>
@@ -2577,16 +2583,141 @@
           <a:p>
             <a:r>
               <a:rPr lang="en-US" baseline="0" dirty="0" smtClean="0"/>
-              <a:t>In this case, boring is good.  The boring chart has very few edges, which means it's getting the most parallelism possible.  If we want to improve performance by X we need to have X threads running at every possible moment.</a:t>
-            </a:r>
-          </a:p>
-          <a:p>
-            <a:endParaRPr lang="en-US" baseline="0" dirty="0" smtClean="0"/>
-          </a:p>
-          <a:p>
-            <a:r>
-              <a:rPr lang="en-US" baseline="0" dirty="0" smtClean="0"/>
-              <a:t>We must have tools to measure and visualize utilization or we'd never know what's missing.</a:t>
+              <a:t>Generated by this query (run against the 350 databases I have access to)</a:t>
+            </a:r>
+          </a:p>
+          <a:p>
+            <a:r>
+              <a:rPr lang="en-US" sz="1200" b="0" i="0" u="none" strike="noStrike" kern="1200" baseline="0" dirty="0" smtClean="0">
+                <a:solidFill>
+                  <a:schemeClr val="tx1"/>
+                </a:solidFill>
+                <a:latin typeface="+mn-lt"/>
+                <a:ea typeface="+mn-ea"/>
+                <a:cs typeface="+mn-cs"/>
+              </a:rPr>
+              <a:t>select </a:t>
+            </a:r>
+            <a:r>
+              <a:rPr lang="en-US" sz="1200" b="0" i="0" u="none" strike="noStrike" kern="1200" baseline="0" dirty="0" err="1" smtClean="0">
+                <a:solidFill>
+                  <a:schemeClr val="tx1"/>
+                </a:solidFill>
+                <a:latin typeface="+mn-lt"/>
+                <a:ea typeface="+mn-ea"/>
+                <a:cs typeface="+mn-cs"/>
+              </a:rPr>
+              <a:t>blevel</a:t>
+            </a:r>
+            <a:r>
+              <a:rPr lang="en-US" sz="1200" b="0" i="0" u="none" strike="noStrike" kern="1200" baseline="0" dirty="0" smtClean="0">
+                <a:solidFill>
+                  <a:schemeClr val="tx1"/>
+                </a:solidFill>
+                <a:latin typeface="+mn-lt"/>
+                <a:ea typeface="+mn-ea"/>
+                <a:cs typeface="+mn-cs"/>
+              </a:rPr>
+              <a:t>, count(*) count</a:t>
+            </a:r>
+          </a:p>
+          <a:p>
+            <a:r>
+              <a:rPr lang="en-US" sz="1200" b="0" i="0" u="none" strike="noStrike" kern="1200" baseline="0" dirty="0" smtClean="0">
+                <a:solidFill>
+                  <a:schemeClr val="tx1"/>
+                </a:solidFill>
+                <a:latin typeface="+mn-lt"/>
+                <a:ea typeface="+mn-ea"/>
+                <a:cs typeface="+mn-cs"/>
+              </a:rPr>
+              <a:t>from </a:t>
+            </a:r>
+            <a:r>
+              <a:rPr lang="en-US" sz="1200" b="0" i="0" u="none" strike="noStrike" kern="1200" baseline="0" dirty="0" err="1" smtClean="0">
+                <a:solidFill>
+                  <a:schemeClr val="tx1"/>
+                </a:solidFill>
+                <a:latin typeface="+mn-lt"/>
+                <a:ea typeface="+mn-ea"/>
+                <a:cs typeface="+mn-cs"/>
+              </a:rPr>
+              <a:t>dba_indexes</a:t>
+            </a:r>
+            <a:endParaRPr lang="en-US" sz="1200" b="0" i="0" u="none" strike="noStrike" kern="1200" baseline="0" dirty="0" smtClean="0">
+              <a:solidFill>
+                <a:schemeClr val="tx1"/>
+              </a:solidFill>
+              <a:latin typeface="+mn-lt"/>
+              <a:ea typeface="+mn-ea"/>
+              <a:cs typeface="+mn-cs"/>
+            </a:endParaRPr>
+          </a:p>
+          <a:p>
+            <a:r>
+              <a:rPr lang="en-US" sz="1200" b="0" i="0" u="none" strike="noStrike" kern="1200" baseline="0" dirty="0" smtClean="0">
+                <a:solidFill>
+                  <a:schemeClr val="tx1"/>
+                </a:solidFill>
+                <a:latin typeface="+mn-lt"/>
+                <a:ea typeface="+mn-ea"/>
+                <a:cs typeface="+mn-cs"/>
+              </a:rPr>
+              <a:t>group by </a:t>
+            </a:r>
+            <a:r>
+              <a:rPr lang="en-US" sz="1200" b="0" i="0" u="none" strike="noStrike" kern="1200" baseline="0" dirty="0" err="1" smtClean="0">
+                <a:solidFill>
+                  <a:schemeClr val="tx1"/>
+                </a:solidFill>
+                <a:latin typeface="+mn-lt"/>
+                <a:ea typeface="+mn-ea"/>
+                <a:cs typeface="+mn-cs"/>
+              </a:rPr>
+              <a:t>blevel</a:t>
+            </a:r>
+            <a:endParaRPr lang="en-US" sz="1200" b="0" i="0" u="none" strike="noStrike" kern="1200" baseline="0" dirty="0" smtClean="0">
+              <a:solidFill>
+                <a:schemeClr val="tx1"/>
+              </a:solidFill>
+              <a:latin typeface="+mn-lt"/>
+              <a:ea typeface="+mn-ea"/>
+              <a:cs typeface="+mn-cs"/>
+            </a:endParaRPr>
+          </a:p>
+          <a:p>
+            <a:r>
+              <a:rPr lang="en-US" sz="1200" b="0" i="0" u="none" strike="noStrike" kern="1200" baseline="0" dirty="0" smtClean="0">
+                <a:solidFill>
+                  <a:schemeClr val="tx1"/>
+                </a:solidFill>
+                <a:latin typeface="+mn-lt"/>
+                <a:ea typeface="+mn-ea"/>
+                <a:cs typeface="+mn-cs"/>
+              </a:rPr>
+              <a:t>order by </a:t>
+            </a:r>
+            <a:r>
+              <a:rPr lang="en-US" sz="1200" b="0" i="0" u="none" strike="noStrike" kern="1200" baseline="0" dirty="0" err="1" smtClean="0">
+                <a:solidFill>
+                  <a:schemeClr val="tx1"/>
+                </a:solidFill>
+                <a:latin typeface="+mn-lt"/>
+                <a:ea typeface="+mn-ea"/>
+                <a:cs typeface="+mn-cs"/>
+              </a:rPr>
+              <a:t>blevel</a:t>
+            </a:r>
+            <a:r>
+              <a:rPr lang="en-US" sz="1200" b="0" i="0" u="none" strike="noStrike" kern="1200" baseline="0" dirty="0" smtClean="0">
+                <a:solidFill>
+                  <a:schemeClr val="tx1"/>
+                </a:solidFill>
+                <a:latin typeface="+mn-lt"/>
+                <a:ea typeface="+mn-ea"/>
+                <a:cs typeface="+mn-cs"/>
+              </a:rPr>
+              <a:t> nulls first;</a:t>
             </a:r>
             <a:endParaRPr lang="en-US" dirty="0"/>
           </a:p>
@@ -2609,7 +2740,7 @@
           <a:p>
             <a:fld id="{5A6616C6-9DE0-4865-BC75-EB7C5EE0BF49}" type="slidenum">
               <a:rPr lang="en-US" smtClean="0"/>
-              <a:t>31</a:t>
+              <a:t>34</a:t>
             </a:fld>
             <a:endParaRPr lang="en-US"/>
           </a:p>
@@ -2618,7 +2749,7 @@
     </p:spTree>
     <p:extLst>
       <p:ext uri="{BB962C8B-B14F-4D97-AF65-F5344CB8AC3E}">
-        <p14:creationId xmlns:p14="http://schemas.microsoft.com/office/powerpoint/2010/main" val="2087203130"/>
+        <p14:creationId xmlns:p14="http://schemas.microsoft.com/office/powerpoint/2010/main" val="1306290819"/>
       </p:ext>
     </p:extLst>
   </p:cSld>
@@ -2673,12 +2804,66 @@
           <a:lstStyle/>
           <a:p>
             <a:r>
-              <a:rPr lang="en-US" dirty="0" smtClean="0"/>
-              <a:t>Changes</a:t>
-            </a:r>
-            <a:r>
-              <a:rPr lang="en-US" baseline="0" dirty="0" smtClean="0"/>
-              <a:t> like using direct-path writes are "only" a 3x improvement, but that's still pretty awesome.</a:t>
+              <a:rPr lang="en-US" sz="1200" kern="1200" dirty="0" smtClean="0">
+                <a:solidFill>
+                  <a:schemeClr val="tx1"/>
+                </a:solidFill>
+                <a:effectLst/>
+                <a:latin typeface="+mn-lt"/>
+                <a:ea typeface="+mn-ea"/>
+                <a:cs typeface="+mn-cs"/>
+              </a:rPr>
+              <a:t>Amdahl’s law as a graph.  Based on </a:t>
+            </a:r>
+            <a:r>
+              <a:rPr lang="en-US" sz="1200" u="sng" kern="1200" dirty="0" smtClean="0">
+                <a:solidFill>
+                  <a:schemeClr val="tx1"/>
+                </a:solidFill>
+                <a:effectLst/>
+                <a:latin typeface="+mn-lt"/>
+                <a:ea typeface="+mn-ea"/>
+                <a:cs typeface="+mn-cs"/>
+                <a:hlinkClick r:id="rId3"/>
+              </a:rPr>
+              <a:t>“Amdahl’s Law”</a:t>
+            </a:r>
+            <a:r>
+              <a:rPr lang="en-US" sz="1200" kern="1200" dirty="0" smtClean="0">
+                <a:solidFill>
+                  <a:schemeClr val="tx1"/>
+                </a:solidFill>
+                <a:effectLst/>
+                <a:latin typeface="+mn-lt"/>
+                <a:ea typeface="+mn-ea"/>
+                <a:cs typeface="+mn-cs"/>
+              </a:rPr>
+              <a:t> by Daniels220, licensed under </a:t>
+            </a:r>
+            <a:r>
+              <a:rPr lang="en-US" sz="1200" u="sng" kern="1200" dirty="0" smtClean="0">
+                <a:solidFill>
+                  <a:schemeClr val="tx1"/>
+                </a:solidFill>
+                <a:effectLst/>
+                <a:latin typeface="+mn-lt"/>
+                <a:ea typeface="+mn-ea"/>
+                <a:cs typeface="+mn-cs"/>
+                <a:hlinkClick r:id="rId4"/>
+              </a:rPr>
+              <a:t>CC BY-SA</a:t>
+            </a:r>
+            <a:r>
+              <a:rPr lang="en-US" sz="1200" kern="1200" dirty="0" smtClean="0">
+                <a:solidFill>
+                  <a:schemeClr val="tx1"/>
+                </a:solidFill>
+                <a:effectLst/>
+                <a:latin typeface="+mn-lt"/>
+                <a:ea typeface="+mn-ea"/>
+                <a:cs typeface="+mn-cs"/>
+              </a:rPr>
+              <a:t>.</a:t>
             </a:r>
             <a:endParaRPr lang="en-US" dirty="0"/>
           </a:p>
@@ -2701,7 +2886,7 @@
           <a:p>
             <a:fld id="{5A6616C6-9DE0-4865-BC75-EB7C5EE0BF49}" type="slidenum">
               <a:rPr lang="en-US" smtClean="0"/>
-              <a:t>34</a:t>
+              <a:t>35</a:t>
             </a:fld>
             <a:endParaRPr lang="en-US"/>
           </a:p>
@@ -2710,7 +2895,7 @@
     </p:spTree>
     <p:extLst>
       <p:ext uri="{BB962C8B-B14F-4D97-AF65-F5344CB8AC3E}">
-        <p14:creationId xmlns:p14="http://schemas.microsoft.com/office/powerpoint/2010/main" val="2597115283"/>
+        <p14:creationId xmlns:p14="http://schemas.microsoft.com/office/powerpoint/2010/main" val="3996148136"/>
       </p:ext>
     </p:extLst>
   </p:cSld>
@@ -2765,46 +2950,30 @@
           <a:lstStyle/>
           <a:p>
             <a:r>
-              <a:rPr lang="en-US" b="1" dirty="0" smtClean="0"/>
-              <a:t>Difficult</a:t>
-            </a:r>
-            <a:r>
-              <a:rPr lang="en-US" b="1" baseline="0" dirty="0" smtClean="0"/>
-              <a:t> choice:</a:t>
+              <a:rPr lang="en-US" dirty="0" smtClean="0"/>
+              <a:t>These</a:t>
             </a:r>
             <a:r>
               <a:rPr lang="en-US" baseline="0" dirty="0" smtClean="0"/>
-              <a:t> It's not obvious when a full table scan is cheaper than an index read.  It depends on the percentage of the index and how big the data is.</a:t>
-            </a:r>
-          </a:p>
-          <a:p>
-            <a:r>
-              <a:rPr lang="en-US" b="1" baseline="0" dirty="0" smtClean="0"/>
-              <a:t>Other factors:</a:t>
-            </a:r>
+              <a:t> pictures compare different ways to read a table in parallel.  The top, colorful chart shows reading one-partition-at-a-time.  The bottom, boring chart shows reading a table with a single SQL statement.</a:t>
+            </a:r>
+          </a:p>
+          <a:p>
+            <a:endParaRPr lang="en-US" baseline="0" dirty="0" smtClean="0"/>
+          </a:p>
+          <a:p>
             <a:r>
               <a:rPr lang="en-US" baseline="0" dirty="0" smtClean="0"/>
-              <a:t> Clustering factor, multi-block versus single-block read time affect the choice.</a:t>
-            </a:r>
-          </a:p>
-          <a:p>
-            <a:r>
-              <a:rPr lang="en-US" b="1" baseline="0" dirty="0" smtClean="0"/>
-              <a:t>Theory versus practice:</a:t>
-            </a:r>
+              <a:t>In this case, boring is good.  The boring chart has very few edges, which means it's getting the most parallelism possible.  If we want to improve performance by X we need to have X threads running at every possible moment.</a:t>
+            </a:r>
+          </a:p>
+          <a:p>
+            <a:endParaRPr lang="en-US" baseline="0" dirty="0" smtClean="0"/>
+          </a:p>
+          <a:p>
             <a:r>
               <a:rPr lang="en-US" baseline="0" dirty="0" smtClean="0"/>
-              <a:t> Theory tells us the *shape*, but practice tells us the actual number where they diverge.</a:t>
-            </a:r>
-          </a:p>
-          <a:p>
-            <a:r>
-              <a:rPr lang="en-US" b="1" baseline="0" dirty="0" smtClean="0"/>
-              <a:t>Cardinality:</a:t>
-            </a:r>
-            <a:r>
-              <a:rPr lang="en-US" baseline="0" dirty="0" smtClean="0"/>
-              <a:t> This is why cardinality is important.  Oracle must know where on the X-axis we are, to know which choice is better.</a:t>
+              <a:t>We must have tools to measure and visualize utilization or we'd never know what's missing.</a:t>
             </a:r>
             <a:endParaRPr lang="en-US" dirty="0"/>
           </a:p>
@@ -2836,7 +3005,7 @@
     </p:spTree>
     <p:extLst>
       <p:ext uri="{BB962C8B-B14F-4D97-AF65-F5344CB8AC3E}">
-        <p14:creationId xmlns:p14="http://schemas.microsoft.com/office/powerpoint/2010/main" val="3435678858"/>
+        <p14:creationId xmlns:p14="http://schemas.microsoft.com/office/powerpoint/2010/main" val="2087203130"/>
       </p:ext>
     </p:extLst>
   </p:cSld>
@@ -2890,6 +3059,14 @@
           <a:bodyPr/>
           <a:lstStyle/>
           <a:p>
+            <a:r>
+              <a:rPr lang="en-US" dirty="0" smtClean="0"/>
+              <a:t>Changes</a:t>
+            </a:r>
+            <a:r>
+              <a:rPr lang="en-US" baseline="0" dirty="0" smtClean="0"/>
+              <a:t> like using direct-path writes are "only" a 3x improvement, but that's still pretty awesome.</a:t>
+            </a:r>
             <a:endParaRPr lang="en-US" dirty="0"/>
           </a:p>
         </p:txBody>
@@ -2911,7 +3088,7 @@
           <a:p>
             <a:fld id="{5A6616C6-9DE0-4865-BC75-EB7C5EE0BF49}" type="slidenum">
               <a:rPr lang="en-US" smtClean="0"/>
-              <a:t>39</a:t>
+              <a:t>40</a:t>
             </a:fld>
             <a:endParaRPr lang="en-US"/>
           </a:p>
@@ -2920,7 +3097,7 @@
     </p:spTree>
     <p:extLst>
       <p:ext uri="{BB962C8B-B14F-4D97-AF65-F5344CB8AC3E}">
-        <p14:creationId xmlns:p14="http://schemas.microsoft.com/office/powerpoint/2010/main" val="24726982"/>
+        <p14:creationId xmlns:p14="http://schemas.microsoft.com/office/powerpoint/2010/main" val="2597115283"/>
       </p:ext>
     </p:extLst>
   </p:cSld>
@@ -2975,12 +3152,46 @@
           <a:lstStyle/>
           <a:p>
             <a:r>
-              <a:rPr lang="en-US" dirty="0" smtClean="0"/>
-              <a:t>Chart is from my answer here:</a:t>
+              <a:rPr lang="en-US" b="1" dirty="0" smtClean="0"/>
+              <a:t>Difficult</a:t>
+            </a:r>
+            <a:r>
+              <a:rPr lang="en-US" b="1" baseline="0" dirty="0" smtClean="0"/>
+              <a:t> choice:</a:t>
             </a:r>
             <a:r>
               <a:rPr lang="en-US" baseline="0" dirty="0" smtClean="0"/>
-              <a:t> https://stackoverflow.com/questions/8188093/oracle-always-uses-hash-join-even-when-both-tables-are-huge</a:t>
+              <a:t> It's not obvious when a full table scan is cheaper than an index read.  It depends on the percentage of the index and how big the data is.</a:t>
+            </a:r>
+          </a:p>
+          <a:p>
+            <a:r>
+              <a:rPr lang="en-US" b="1" baseline="0" dirty="0" smtClean="0"/>
+              <a:t>Other factors:</a:t>
+            </a:r>
+            <a:r>
+              <a:rPr lang="en-US" baseline="0" dirty="0" smtClean="0"/>
+              <a:t> Clustering factor, multi-block versus single-block read time affect the choice.</a:t>
+            </a:r>
+          </a:p>
+          <a:p>
+            <a:r>
+              <a:rPr lang="en-US" b="1" baseline="0" dirty="0" smtClean="0"/>
+              <a:t>Theory versus practice:</a:t>
+            </a:r>
+            <a:r>
+              <a:rPr lang="en-US" baseline="0" dirty="0" smtClean="0"/>
+              <a:t> Theory tells us the *shape*, but practice tells us the actual number where they diverge.</a:t>
+            </a:r>
+          </a:p>
+          <a:p>
+            <a:r>
+              <a:rPr lang="en-US" b="1" baseline="0" dirty="0" smtClean="0"/>
+              <a:t>Cardinality:</a:t>
+            </a:r>
+            <a:r>
+              <a:rPr lang="en-US" baseline="0" dirty="0" smtClean="0"/>
+              <a:t> This is why cardinality is important.  Oracle must know where on the X-axis we are, to know which choice is better.</a:t>
             </a:r>
             <a:endParaRPr lang="en-US" dirty="0"/>
           </a:p>
@@ -3003,7 +3214,7 @@
           <a:p>
             <a:fld id="{5A6616C6-9DE0-4865-BC75-EB7C5EE0BF49}" type="slidenum">
               <a:rPr lang="en-US" smtClean="0"/>
-              <a:t>40</a:t>
+              <a:t>43</a:t>
             </a:fld>
             <a:endParaRPr lang="en-US"/>
           </a:p>
@@ -3012,7 +3223,7 @@
     </p:spTree>
     <p:extLst>
       <p:ext uri="{BB962C8B-B14F-4D97-AF65-F5344CB8AC3E}">
-        <p14:creationId xmlns:p14="http://schemas.microsoft.com/office/powerpoint/2010/main" val="23698583"/>
+        <p14:creationId xmlns:p14="http://schemas.microsoft.com/office/powerpoint/2010/main" val="3435678858"/>
       </p:ext>
     </p:extLst>
   </p:cSld>
@@ -3087,7 +3298,7 @@
           <a:p>
             <a:fld id="{5A6616C6-9DE0-4865-BC75-EB7C5EE0BF49}" type="slidenum">
               <a:rPr lang="en-US" smtClean="0"/>
-              <a:t>49</a:t>
+              <a:t>45</a:t>
             </a:fld>
             <a:endParaRPr lang="en-US"/>
           </a:p>
@@ -3096,7 +3307,99 @@
     </p:spTree>
     <p:extLst>
       <p:ext uri="{BB962C8B-B14F-4D97-AF65-F5344CB8AC3E}">
-        <p14:creationId xmlns:p14="http://schemas.microsoft.com/office/powerpoint/2010/main" val="2780744985"/>
+        <p14:creationId xmlns:p14="http://schemas.microsoft.com/office/powerpoint/2010/main" val="24726982"/>
+      </p:ext>
+    </p:extLst>
+  </p:cSld>
+  <p:clrMapOvr>
+    <a:masterClrMapping/>
+  </p:clrMapOvr>
+</p:notes>
+</file>
+
+<file path=ppt/notesSlides/notesSlide29.xml><?xml version="1.0" encoding="utf-8"?>
+<p:notes xmlns:a="http://schemas.openxmlformats.org/drawingml/2006/main" xmlns:r="http://schemas.openxmlformats.org/officeDocument/2006/relationships" xmlns:p="http://schemas.openxmlformats.org/presentationml/2006/main">
+  <p:cSld>
+    <p:spTree>
+      <p:nvGrpSpPr>
+        <p:cNvPr id="1" name=""/>
+        <p:cNvGrpSpPr/>
+        <p:nvPr/>
+      </p:nvGrpSpPr>
+      <p:grpSpPr>
+        <a:xfrm>
+          <a:off x="0" y="0"/>
+          <a:ext cx="0" cy="0"/>
+          <a:chOff x="0" y="0"/>
+          <a:chExt cx="0" cy="0"/>
+        </a:xfrm>
+      </p:grpSpPr>
+      <p:sp>
+        <p:nvSpPr>
+          <p:cNvPr id="2" name="Slide Image Placeholder 1"/>
+          <p:cNvSpPr>
+            <a:spLocks noGrp="1" noRot="1" noChangeAspect="1"/>
+          </p:cNvSpPr>
+          <p:nvPr>
+            <p:ph type="sldImg"/>
+          </p:nvPr>
+        </p:nvSpPr>
+        <p:spPr/>
+      </p:sp>
+      <p:sp>
+        <p:nvSpPr>
+          <p:cNvPr id="3" name="Notes Placeholder 2"/>
+          <p:cNvSpPr>
+            <a:spLocks noGrp="1"/>
+          </p:cNvSpPr>
+          <p:nvPr>
+            <p:ph type="body" idx="1"/>
+          </p:nvPr>
+        </p:nvSpPr>
+        <p:spPr/>
+        <p:txBody>
+          <a:bodyPr/>
+          <a:lstStyle/>
+          <a:p>
+            <a:r>
+              <a:rPr lang="en-US" dirty="0" smtClean="0"/>
+              <a:t>Chart is from my answer here:</a:t>
+            </a:r>
+            <a:r>
+              <a:rPr lang="en-US" baseline="0" dirty="0" smtClean="0"/>
+              <a:t> https://stackoverflow.com/questions/8188093/oracle-always-uses-hash-join-even-when-both-tables-are-huge</a:t>
+            </a:r>
+            <a:endParaRPr lang="en-US" dirty="0"/>
+          </a:p>
+        </p:txBody>
+      </p:sp>
+      <p:sp>
+        <p:nvSpPr>
+          <p:cNvPr id="4" name="Slide Number Placeholder 3"/>
+          <p:cNvSpPr>
+            <a:spLocks noGrp="1"/>
+          </p:cNvSpPr>
+          <p:nvPr>
+            <p:ph type="sldNum" sz="quarter" idx="10"/>
+          </p:nvPr>
+        </p:nvSpPr>
+        <p:spPr/>
+        <p:txBody>
+          <a:bodyPr/>
+          <a:lstStyle/>
+          <a:p>
+            <a:fld id="{5A6616C6-9DE0-4865-BC75-EB7C5EE0BF49}" type="slidenum">
+              <a:rPr lang="en-US" smtClean="0"/>
+              <a:t>46</a:t>
+            </a:fld>
+            <a:endParaRPr lang="en-US"/>
+          </a:p>
+        </p:txBody>
+      </p:sp>
+    </p:spTree>
+    <p:extLst>
+      <p:ext uri="{BB962C8B-B14F-4D97-AF65-F5344CB8AC3E}">
+        <p14:creationId xmlns:p14="http://schemas.microsoft.com/office/powerpoint/2010/main" val="23698583"/>
       </p:ext>
     </p:extLst>
   </p:cSld>
@@ -3224,6 +3527,90 @@
     <p:extLst>
       <p:ext uri="{BB962C8B-B14F-4D97-AF65-F5344CB8AC3E}">
         <p14:creationId xmlns:p14="http://schemas.microsoft.com/office/powerpoint/2010/main" val="379492785"/>
+      </p:ext>
+    </p:extLst>
+  </p:cSld>
+  <p:clrMapOvr>
+    <a:masterClrMapping/>
+  </p:clrMapOvr>
+</p:notes>
+</file>
+
+<file path=ppt/notesSlides/notesSlide30.xml><?xml version="1.0" encoding="utf-8"?>
+<p:notes xmlns:a="http://schemas.openxmlformats.org/drawingml/2006/main" xmlns:r="http://schemas.openxmlformats.org/officeDocument/2006/relationships" xmlns:p="http://schemas.openxmlformats.org/presentationml/2006/main">
+  <p:cSld>
+    <p:spTree>
+      <p:nvGrpSpPr>
+        <p:cNvPr id="1" name=""/>
+        <p:cNvGrpSpPr/>
+        <p:nvPr/>
+      </p:nvGrpSpPr>
+      <p:grpSpPr>
+        <a:xfrm>
+          <a:off x="0" y="0"/>
+          <a:ext cx="0" cy="0"/>
+          <a:chOff x="0" y="0"/>
+          <a:chExt cx="0" cy="0"/>
+        </a:xfrm>
+      </p:grpSpPr>
+      <p:sp>
+        <p:nvSpPr>
+          <p:cNvPr id="2" name="Slide Image Placeholder 1"/>
+          <p:cNvSpPr>
+            <a:spLocks noGrp="1" noRot="1" noChangeAspect="1"/>
+          </p:cNvSpPr>
+          <p:nvPr>
+            <p:ph type="sldImg"/>
+          </p:nvPr>
+        </p:nvSpPr>
+        <p:spPr/>
+      </p:sp>
+      <p:sp>
+        <p:nvSpPr>
+          <p:cNvPr id="3" name="Notes Placeholder 2"/>
+          <p:cNvSpPr>
+            <a:spLocks noGrp="1"/>
+          </p:cNvSpPr>
+          <p:nvPr>
+            <p:ph type="body" idx="1"/>
+          </p:nvPr>
+        </p:nvSpPr>
+        <p:spPr/>
+        <p:txBody>
+          <a:bodyPr/>
+          <a:lstStyle/>
+          <a:p>
+            <a:endParaRPr lang="en-US" dirty="0"/>
+          </a:p>
+        </p:txBody>
+      </p:sp>
+      <p:sp>
+        <p:nvSpPr>
+          <p:cNvPr id="4" name="Slide Number Placeholder 3"/>
+          <p:cNvSpPr>
+            <a:spLocks noGrp="1"/>
+          </p:cNvSpPr>
+          <p:nvPr>
+            <p:ph type="sldNum" sz="quarter" idx="10"/>
+          </p:nvPr>
+        </p:nvSpPr>
+        <p:spPr/>
+        <p:txBody>
+          <a:bodyPr/>
+          <a:lstStyle/>
+          <a:p>
+            <a:fld id="{5A6616C6-9DE0-4865-BC75-EB7C5EE0BF49}" type="slidenum">
+              <a:rPr lang="en-US" smtClean="0"/>
+              <a:t>55</a:t>
+            </a:fld>
+            <a:endParaRPr lang="en-US"/>
+          </a:p>
+        </p:txBody>
+      </p:sp>
+    </p:spTree>
+    <p:extLst>
+      <p:ext uri="{BB962C8B-B14F-4D97-AF65-F5344CB8AC3E}">
+        <p14:creationId xmlns:p14="http://schemas.microsoft.com/office/powerpoint/2010/main" val="2780744985"/>
       </p:ext>
     </p:extLst>
   </p:cSld>
@@ -3834,6 +4221,16 @@
             <a:r>
               <a:rPr lang="en-US" baseline="0" dirty="0" smtClean="0"/>
               <a:t>O(N) - If we're unlucky we have to search each of the N elements.  Worst case is the most realistic.  Unless we have a unique array or index, we have to continue searching through all N elements, even if we find a match.  For example, in the previous slide there were duplicate values, one near the beginning, and one near the end.</a:t>
+            </a:r>
+          </a:p>
+          <a:p>
+            <a:pPr marL="171450" indent="-171450">
+              <a:buFont typeface="Arial" charset="0"/>
+              <a:buChar char="•"/>
+            </a:pPr>
+            <a:r>
+              <a:rPr lang="en-US" baseline="0" dirty="0" smtClean="0"/>
+              <a:t>This is not a full introduction to algorithm analysis.  If you're interested in this topic I recommend you search for "algorithm analysis" and read one or two of the computer science lectures.  The topic usually does not require a heavy math background.</a:t>
             </a:r>
           </a:p>
         </p:txBody>
@@ -11492,7 +11889,7 @@
           </p:nvPr>
         </p:nvPicPr>
         <p:blipFill>
-          <a:blip r:embed="rId2" cstate="print">
+          <a:blip r:embed="rId3" cstate="print">
             <a:extLst>
               <a:ext uri="{28A0092B-C50C-407E-A947-70E740481C1C}">
                 <a14:useLocalDpi xmlns:a14="http://schemas.microsoft.com/office/drawing/2010/main" val="0"/>
@@ -11572,9 +11969,9 @@
       </p:sp>
       <p:pic>
         <p:nvPicPr>
-          <p:cNvPr id="4" name="Content Placeholder 3"/>
+          <p:cNvPr id="5123" name="Picture 3"/>
           <p:cNvPicPr>
-            <a:picLocks noGrp="1" noChangeAspect="1"/>
+            <a:picLocks noGrp="1" noChangeAspect="1" noChangeArrowheads="1"/>
           </p:cNvPicPr>
           <p:nvPr>
             <p:ph idx="1"/>
@@ -11588,15 +11985,52 @@
               </a:ext>
             </a:extLst>
           </a:blip>
+          <a:srcRect/>
           <a:stretch>
             <a:fillRect/>
           </a:stretch>
         </p:blipFill>
-        <p:spPr>
+        <p:spPr bwMode="auto">
           <a:xfrm>
-            <a:off x="2606040" y="895350"/>
+            <a:off x="2606040" y="1002030"/>
             <a:ext cx="3931920" cy="3931920"/>
           </a:xfrm>
+          <a:prstGeom prst="rect">
+            <a:avLst/>
+          </a:prstGeom>
+          <a:noFill/>
+          <a:ln>
+            <a:noFill/>
+          </a:ln>
+          <a:effectLst/>
+          <a:extLst>
+            <a:ext uri="{909E8E84-426E-40DD-AFC4-6F175D3DCCD1}">
+              <a14:hiddenFill xmlns:a14="http://schemas.microsoft.com/office/drawing/2010/main">
+                <a:solidFill>
+                  <a:schemeClr val="accent1"/>
+                </a:solidFill>
+              </a14:hiddenFill>
+            </a:ext>
+            <a:ext uri="{91240B29-F687-4F45-9708-019B960494DF}">
+              <a14:hiddenLine xmlns:a14="http://schemas.microsoft.com/office/drawing/2010/main" w="9525">
+                <a:solidFill>
+                  <a:schemeClr val="tx1"/>
+                </a:solidFill>
+                <a:miter lim="800000"/>
+                <a:headEnd/>
+                <a:tailEnd/>
+              </a14:hiddenLine>
+            </a:ext>
+            <a:ext uri="{AF507438-7753-43E0-B8FC-AC1667EBCBE1}">
+              <a14:hiddenEffects xmlns:a14="http://schemas.microsoft.com/office/drawing/2010/main">
+                <a:effectLst>
+                  <a:outerShdw dist="35921" dir="2700000" algn="ctr" rotWithShape="0">
+                    <a:schemeClr val="bg2"/>
+                  </a:outerShdw>
+                </a:effectLst>
+              </a14:hiddenEffects>
+            </a:ext>
+          </a:extLst>
         </p:spPr>
       </p:pic>
     </p:spTree>
@@ -11682,14 +12116,40 @@
           <a:p>
             <a:r>
               <a:rPr lang="en-US" dirty="0" smtClean="0"/>
-              <a:t>Hashing - partitioning, clusters, joins</a:t>
-            </a:r>
-          </a:p>
-          <a:p>
-            <a:r>
-              <a:rPr lang="en-US" dirty="0" smtClean="0"/>
-              <a:t>Other - INSERT, CREATE, DROP, etc.</a:t>
-            </a:r>
+              <a:t>INSERT VALUES*, </a:t>
+            </a:r>
+            <a:r>
+              <a:rPr lang="en-US" dirty="0"/>
+              <a:t>CREATE, DROP, </a:t>
+            </a:r>
+            <a:r>
+              <a:rPr lang="en-US" dirty="0" smtClean="0"/>
+              <a:t>TRUNCATE, ALTER SESSION, </a:t>
+            </a:r>
+            <a:r>
+              <a:rPr lang="en-US" dirty="0"/>
+              <a:t>etc.</a:t>
+            </a:r>
+          </a:p>
+          <a:p>
+            <a:r>
+              <a:rPr lang="en-US" dirty="0" smtClean="0"/>
+              <a:t>Hashing (one value) </a:t>
+            </a:r>
+            <a:r>
+              <a:rPr lang="en-US" dirty="0" smtClean="0"/>
+              <a:t>- partitioning, </a:t>
+            </a:r>
+            <a:r>
+              <a:rPr lang="en-US" dirty="0" smtClean="0"/>
+              <a:t>hash clusters</a:t>
+            </a:r>
+            <a:r>
+              <a:rPr lang="en-US" dirty="0" smtClean="0"/>
+              <a:t>, joins</a:t>
+            </a:r>
+          </a:p>
+          <a:p>
             <a:endParaRPr lang="en-US" dirty="0"/>
           </a:p>
         </p:txBody>
@@ -11748,45 +12208,402 @@
           <a:p>
             <a:r>
               <a:rPr lang="en-US" dirty="0" smtClean="0"/>
-              <a:t>1 - Hashing Types and Tradeoffs</a:t>
+              <a:t>1 - Hashing</a:t>
             </a:r>
             <a:endParaRPr lang="en-US" dirty="0"/>
           </a:p>
         </p:txBody>
       </p:sp>
-      <p:pic>
-        <p:nvPicPr>
-          <p:cNvPr id="4" name="Content Placeholder 3"/>
-          <p:cNvPicPr>
-            <a:picLocks noGrp="1" noChangeAspect="1"/>
-          </p:cNvPicPr>
+      <p:sp>
+        <p:nvSpPr>
+          <p:cNvPr id="3" name="Content Placeholder 2"/>
+          <p:cNvSpPr>
+            <a:spLocks noGrp="1"/>
+          </p:cNvSpPr>
           <p:nvPr>
             <p:ph idx="1"/>
           </p:nvPr>
-        </p:nvPicPr>
-        <p:blipFill>
-          <a:blip r:embed="rId3">
-            <a:extLst>
-              <a:ext uri="{28A0092B-C50C-407E-A947-70E740481C1C}">
-                <a14:useLocalDpi xmlns:a14="http://schemas.microsoft.com/office/drawing/2010/main" val="0"/>
-              </a:ext>
-            </a:extLst>
-          </a:blip>
-          <a:stretch>
-            <a:fillRect/>
-          </a:stretch>
-        </p:blipFill>
-        <p:spPr>
-          <a:xfrm>
-            <a:off x="457200" y="1209588"/>
-            <a:ext cx="8229600" cy="3375198"/>
-          </a:xfrm>
-        </p:spPr>
-      </p:pic>
+        </p:nvSpPr>
+        <p:spPr/>
+        <p:txBody>
+          <a:bodyPr>
+            <a:normAutofit fontScale="70000" lnSpcReduction="20000"/>
+          </a:bodyPr>
+          <a:lstStyle/>
+          <a:p>
+            <a:r>
+              <a:rPr lang="en-US" dirty="0" smtClean="0"/>
+              <a:t>Map a value to a set of buckets</a:t>
+            </a:r>
+            <a:endParaRPr lang="en-US" dirty="0"/>
+          </a:p>
+          <a:p>
+            <a:r>
+              <a:rPr lang="en-US" smtClean="0"/>
+              <a:t>Useful for grouping</a:t>
+            </a:r>
+            <a:r>
+              <a:rPr lang="en-US" dirty="0" smtClean="0"/>
+              <a:t>, comparing, cryptography, etc.</a:t>
+            </a:r>
+          </a:p>
+          <a:p>
+            <a:pPr marL="0" indent="0">
+              <a:buNone/>
+            </a:pPr>
+            <a:r>
+              <a:rPr lang="en-US" b="1" dirty="0" smtClean="0">
+                <a:latin typeface="Courier New" panose="02070309020205020404" pitchFamily="49" charset="0"/>
+                <a:cs typeface="Courier New" panose="02070309020205020404" pitchFamily="49" charset="0"/>
+              </a:rPr>
+              <a:t/>
+            </a:r>
+            <a:br>
+              <a:rPr lang="en-US" b="1" dirty="0" smtClean="0">
+                <a:latin typeface="Courier New" panose="02070309020205020404" pitchFamily="49" charset="0"/>
+                <a:cs typeface="Courier New" panose="02070309020205020404" pitchFamily="49" charset="0"/>
+              </a:rPr>
+            </a:br>
+            <a:r>
+              <a:rPr lang="en-US" b="1" dirty="0">
+                <a:solidFill>
+                  <a:srgbClr val="008080"/>
+                </a:solidFill>
+                <a:highlight>
+                  <a:srgbClr val="FFFFFF"/>
+                </a:highlight>
+                <a:latin typeface="Courier New"/>
+              </a:rPr>
+              <a:t>select</a:t>
+            </a:r>
+            <a:r>
+              <a:rPr lang="en-US" b="1" dirty="0">
+                <a:solidFill>
+                  <a:srgbClr val="000080"/>
+                </a:solidFill>
+                <a:highlight>
+                  <a:srgbClr val="FFFFFF"/>
+                </a:highlight>
+                <a:latin typeface="Courier New"/>
+              </a:rPr>
+              <a:t> </a:t>
+            </a:r>
+            <a:r>
+              <a:rPr lang="en-US" b="1" dirty="0" err="1">
+                <a:solidFill>
+                  <a:srgbClr val="000080"/>
+                </a:solidFill>
+                <a:highlight>
+                  <a:srgbClr val="FFFFFF"/>
+                </a:highlight>
+                <a:latin typeface="Courier New"/>
+              </a:rPr>
+              <a:t>ora_hash</a:t>
+            </a:r>
+            <a:r>
+              <a:rPr lang="en-US" b="1" dirty="0">
+                <a:solidFill>
+                  <a:srgbClr val="000080"/>
+                </a:solidFill>
+                <a:highlight>
+                  <a:srgbClr val="FFFFFF"/>
+                </a:highlight>
+                <a:latin typeface="Courier New"/>
+              </a:rPr>
+              <a:t>(</a:t>
+            </a:r>
+            <a:r>
+              <a:rPr lang="en-US" b="1" dirty="0">
+                <a:solidFill>
+                  <a:srgbClr val="0000FF"/>
+                </a:solidFill>
+                <a:highlight>
+                  <a:srgbClr val="FFFFFF"/>
+                </a:highlight>
+                <a:latin typeface="Courier New"/>
+              </a:rPr>
+              <a:t>'A'</a:t>
+            </a:r>
+            <a:r>
+              <a:rPr lang="en-US" b="1" dirty="0">
+                <a:solidFill>
+                  <a:srgbClr val="000080"/>
+                </a:solidFill>
+                <a:highlight>
+                  <a:srgbClr val="FFFFFF"/>
+                </a:highlight>
+                <a:latin typeface="Courier New"/>
+              </a:rPr>
+              <a:t>, </a:t>
+            </a:r>
+            <a:r>
+              <a:rPr lang="en-US" b="1" dirty="0">
+                <a:solidFill>
+                  <a:srgbClr val="0000FF"/>
+                </a:solidFill>
+                <a:highlight>
+                  <a:srgbClr val="FFFFFF"/>
+                </a:highlight>
+                <a:latin typeface="Courier New"/>
+              </a:rPr>
+              <a:t>100</a:t>
+            </a:r>
+            <a:r>
+              <a:rPr lang="en-US" b="1" dirty="0">
+                <a:solidFill>
+                  <a:srgbClr val="000080"/>
+                </a:solidFill>
+                <a:highlight>
+                  <a:srgbClr val="FFFFFF"/>
+                </a:highlight>
+                <a:latin typeface="Courier New"/>
+              </a:rPr>
+              <a:t>) </a:t>
+            </a:r>
+            <a:r>
+              <a:rPr lang="en-US" b="1" dirty="0">
+                <a:solidFill>
+                  <a:srgbClr val="008080"/>
+                </a:solidFill>
+                <a:highlight>
+                  <a:srgbClr val="FFFFFF"/>
+                </a:highlight>
+                <a:latin typeface="Courier New"/>
+              </a:rPr>
+              <a:t>from</a:t>
+            </a:r>
+            <a:r>
+              <a:rPr lang="en-US" b="1" dirty="0">
+                <a:solidFill>
+                  <a:srgbClr val="000080"/>
+                </a:solidFill>
+                <a:highlight>
+                  <a:srgbClr val="FFFFFF"/>
+                </a:highlight>
+                <a:latin typeface="Courier New"/>
+              </a:rPr>
+              <a:t> dual</a:t>
+            </a:r>
+            <a:r>
+              <a:rPr lang="en-US" b="1" dirty="0" smtClean="0">
+                <a:solidFill>
+                  <a:srgbClr val="000080"/>
+                </a:solidFill>
+                <a:highlight>
+                  <a:srgbClr val="FFFFFF"/>
+                </a:highlight>
+                <a:latin typeface="Courier New"/>
+              </a:rPr>
+              <a:t>;</a:t>
+            </a:r>
+            <a:endParaRPr lang="en-US" b="1" dirty="0">
+              <a:latin typeface="Courier New" panose="02070309020205020404" pitchFamily="49" charset="0"/>
+              <a:cs typeface="Courier New" panose="02070309020205020404" pitchFamily="49" charset="0"/>
+            </a:endParaRPr>
+          </a:p>
+          <a:p>
+            <a:pPr marL="0" indent="0">
+              <a:buNone/>
+            </a:pPr>
+            <a:r>
+              <a:rPr lang="en-US" b="1" dirty="0" smtClean="0">
+                <a:latin typeface="Courier New" panose="02070309020205020404" pitchFamily="49" charset="0"/>
+                <a:cs typeface="Courier New" panose="02070309020205020404" pitchFamily="49" charset="0"/>
+              </a:rPr>
+              <a:t/>
+            </a:r>
+            <a:br>
+              <a:rPr lang="en-US" b="1" dirty="0" smtClean="0">
+                <a:latin typeface="Courier New" panose="02070309020205020404" pitchFamily="49" charset="0"/>
+                <a:cs typeface="Courier New" panose="02070309020205020404" pitchFamily="49" charset="0"/>
+              </a:rPr>
+            </a:br>
+            <a:r>
+              <a:rPr lang="en-US" b="1" dirty="0" smtClean="0">
+                <a:latin typeface="Courier New" panose="02070309020205020404" pitchFamily="49" charset="0"/>
+                <a:cs typeface="Courier New" panose="02070309020205020404" pitchFamily="49" charset="0"/>
+              </a:rPr>
+              <a:t>80</a:t>
+            </a:r>
+            <a:endParaRPr lang="en-US" b="1" dirty="0">
+              <a:latin typeface="Courier New" panose="02070309020205020404" pitchFamily="49" charset="0"/>
+              <a:cs typeface="Courier New" panose="02070309020205020404" pitchFamily="49" charset="0"/>
+            </a:endParaRPr>
+          </a:p>
+          <a:p>
+            <a:pPr marL="0" indent="0">
+              <a:buNone/>
+            </a:pPr>
+            <a:r>
+              <a:rPr lang="en-US" b="1" dirty="0" smtClean="0">
+                <a:latin typeface="Courier New" panose="02070309020205020404" pitchFamily="49" charset="0"/>
+                <a:cs typeface="Courier New" panose="02070309020205020404" pitchFamily="49" charset="0"/>
+              </a:rPr>
+              <a:t/>
+            </a:r>
+            <a:br>
+              <a:rPr lang="en-US" b="1" dirty="0" smtClean="0">
+                <a:latin typeface="Courier New" panose="02070309020205020404" pitchFamily="49" charset="0"/>
+                <a:cs typeface="Courier New" panose="02070309020205020404" pitchFamily="49" charset="0"/>
+              </a:rPr>
+            </a:br>
+            <a:r>
+              <a:rPr lang="en-US" b="1" dirty="0">
+                <a:solidFill>
+                  <a:srgbClr val="008080"/>
+                </a:solidFill>
+                <a:highlight>
+                  <a:srgbClr val="FFFFFF"/>
+                </a:highlight>
+                <a:latin typeface="Courier New"/>
+              </a:rPr>
+              <a:t>select</a:t>
+            </a:r>
+            <a:r>
+              <a:rPr lang="en-US" b="1" dirty="0">
+                <a:solidFill>
+                  <a:srgbClr val="000080"/>
+                </a:solidFill>
+                <a:highlight>
+                  <a:srgbClr val="FFFFFF"/>
+                </a:highlight>
+                <a:latin typeface="Courier New"/>
+              </a:rPr>
+              <a:t> </a:t>
+            </a:r>
+            <a:r>
+              <a:rPr lang="en-US" b="1" dirty="0" err="1">
+                <a:solidFill>
+                  <a:srgbClr val="000080"/>
+                </a:solidFill>
+                <a:highlight>
+                  <a:srgbClr val="FFFFFF"/>
+                </a:highlight>
+                <a:latin typeface="Courier New"/>
+              </a:rPr>
+              <a:t>standard_hash</a:t>
+            </a:r>
+            <a:r>
+              <a:rPr lang="en-US" b="1" dirty="0">
+                <a:solidFill>
+                  <a:srgbClr val="000080"/>
+                </a:solidFill>
+                <a:highlight>
+                  <a:srgbClr val="FFFFFF"/>
+                </a:highlight>
+                <a:latin typeface="Courier New"/>
+              </a:rPr>
+              <a:t>(</a:t>
+            </a:r>
+            <a:r>
+              <a:rPr lang="en-US" b="1" dirty="0">
+                <a:solidFill>
+                  <a:srgbClr val="0000FF"/>
+                </a:solidFill>
+                <a:highlight>
+                  <a:srgbClr val="FFFFFF"/>
+                </a:highlight>
+                <a:latin typeface="Courier New"/>
+              </a:rPr>
+              <a:t>'A'</a:t>
+            </a:r>
+            <a:r>
+              <a:rPr lang="en-US" b="1" dirty="0">
+                <a:solidFill>
+                  <a:srgbClr val="000080"/>
+                </a:solidFill>
+                <a:highlight>
+                  <a:srgbClr val="FFFFFF"/>
+                </a:highlight>
+                <a:latin typeface="Courier New"/>
+              </a:rPr>
+              <a:t>, </a:t>
+            </a:r>
+            <a:r>
+              <a:rPr lang="en-US" b="1" dirty="0">
+                <a:solidFill>
+                  <a:srgbClr val="0000FF"/>
+                </a:solidFill>
+                <a:highlight>
+                  <a:srgbClr val="FFFFFF"/>
+                </a:highlight>
+                <a:latin typeface="Courier New"/>
+              </a:rPr>
+              <a:t>'SHA256'</a:t>
+            </a:r>
+            <a:r>
+              <a:rPr lang="en-US" b="1" dirty="0">
+                <a:solidFill>
+                  <a:srgbClr val="000080"/>
+                </a:solidFill>
+                <a:highlight>
+                  <a:srgbClr val="FFFFFF"/>
+                </a:highlight>
+                <a:latin typeface="Courier New"/>
+              </a:rPr>
+              <a:t>) </a:t>
+            </a:r>
+            <a:r>
+              <a:rPr lang="en-US" b="1" dirty="0">
+                <a:solidFill>
+                  <a:srgbClr val="008080"/>
+                </a:solidFill>
+                <a:highlight>
+                  <a:srgbClr val="FFFFFF"/>
+                </a:highlight>
+                <a:latin typeface="Courier New"/>
+              </a:rPr>
+              <a:t>from</a:t>
+            </a:r>
+            <a:r>
+              <a:rPr lang="en-US" b="1" dirty="0">
+                <a:solidFill>
+                  <a:srgbClr val="000080"/>
+                </a:solidFill>
+                <a:highlight>
+                  <a:srgbClr val="FFFFFF"/>
+                </a:highlight>
+                <a:latin typeface="Courier New"/>
+              </a:rPr>
+              <a:t> dual;</a:t>
+            </a:r>
+            <a:endParaRPr lang="en-US" b="1" dirty="0">
+              <a:latin typeface="Courier New" panose="02070309020205020404" pitchFamily="49" charset="0"/>
+              <a:cs typeface="Courier New" panose="02070309020205020404" pitchFamily="49" charset="0"/>
+            </a:endParaRPr>
+          </a:p>
+          <a:p>
+            <a:pPr marL="0" indent="0">
+              <a:buNone/>
+            </a:pPr>
+            <a:r>
+              <a:rPr lang="en-US" b="1" dirty="0" smtClean="0">
+                <a:latin typeface="Courier New" panose="02070309020205020404" pitchFamily="49" charset="0"/>
+                <a:cs typeface="Courier New" panose="02070309020205020404" pitchFamily="49" charset="0"/>
+              </a:rPr>
+              <a:t/>
+            </a:r>
+            <a:br>
+              <a:rPr lang="en-US" b="1" dirty="0" smtClean="0">
+                <a:latin typeface="Courier New" panose="02070309020205020404" pitchFamily="49" charset="0"/>
+                <a:cs typeface="Courier New" panose="02070309020205020404" pitchFamily="49" charset="0"/>
+              </a:rPr>
+            </a:br>
+            <a:r>
+              <a:rPr lang="en-US" b="1" dirty="0" smtClean="0">
+                <a:latin typeface="Courier New" panose="02070309020205020404" pitchFamily="49" charset="0"/>
+                <a:cs typeface="Courier New" panose="02070309020205020404" pitchFamily="49" charset="0"/>
+              </a:rPr>
+              <a:t>559AEAD08264D5795D3909718CDD05ABD49572E84FE55590EEF31A88A08FDFFD</a:t>
+            </a:r>
+            <a:endParaRPr lang="en-US" dirty="0"/>
+          </a:p>
+        </p:txBody>
+      </p:sp>
     </p:spTree>
     <p:extLst>
       <p:ext uri="{BB962C8B-B14F-4D97-AF65-F5344CB8AC3E}">
-        <p14:creationId xmlns:p14="http://schemas.microsoft.com/office/powerpoint/2010/main" val="1530866919"/>
+        <p14:creationId xmlns:p14="http://schemas.microsoft.com/office/powerpoint/2010/main" val="4222143554"/>
       </p:ext>
     </p:extLst>
   </p:cSld>
@@ -11992,11 +12809,7 @@
           <a:bodyPr/>
           <a:lstStyle/>
           <a:p>
-            <a:r>
-              <a:rPr lang="en-US" dirty="0" smtClean="0"/>
-              <a:t>1 - Hash Partitioning</a:t>
-            </a:r>
-            <a:endParaRPr lang="en-US" dirty="0"/>
+            <a:endParaRPr lang="en-US"/>
           </a:p>
         </p:txBody>
       </p:sp>
@@ -12012,47 +12825,17 @@
         </p:nvSpPr>
         <p:spPr/>
         <p:txBody>
-          <a:bodyPr>
-            <a:normAutofit/>
-          </a:bodyPr>
-          <a:lstStyle/>
-          <a:p>
-            <a:r>
-              <a:rPr lang="en-US" dirty="0" smtClean="0"/>
-              <a:t>ORA_HASH</a:t>
-            </a:r>
-          </a:p>
-          <a:p>
-            <a:r>
-              <a:rPr lang="en-US" dirty="0" smtClean="0"/>
-              <a:t>Good for retrieving large percentage of rows</a:t>
-            </a:r>
-          </a:p>
-          <a:p>
-            <a:r>
-              <a:rPr lang="en-US" dirty="0" smtClean="0"/>
-              <a:t>Minimal but not perfect</a:t>
-            </a:r>
-          </a:p>
-          <a:p>
-            <a:r>
-              <a:rPr lang="en-US" dirty="0" smtClean="0"/>
-              <a:t>Insert O(1), read is O(N/#_PARTITIONS)</a:t>
-            </a:r>
-          </a:p>
-          <a:p>
-            <a:r>
-              <a:rPr lang="en-US" dirty="0" smtClean="0"/>
-              <a:t>Don't use huge number of partitions</a:t>
-            </a:r>
-            <a:endParaRPr lang="en-US" dirty="0"/>
+          <a:bodyPr/>
+          <a:lstStyle/>
+          <a:p>
+            <a:endParaRPr lang="en-US"/>
           </a:p>
         </p:txBody>
       </p:sp>
     </p:spTree>
     <p:extLst>
       <p:ext uri="{BB962C8B-B14F-4D97-AF65-F5344CB8AC3E}">
-        <p14:creationId xmlns:p14="http://schemas.microsoft.com/office/powerpoint/2010/main" val="3843327604"/>
+        <p14:creationId xmlns:p14="http://schemas.microsoft.com/office/powerpoint/2010/main" val="302317314"/>
       </p:ext>
     </p:extLst>
   </p:cSld>
@@ -12101,11 +12884,7 @@
           <a:bodyPr/>
           <a:lstStyle/>
           <a:p>
-            <a:r>
-              <a:rPr lang="en-US" dirty="0" smtClean="0"/>
-              <a:t>1 - Hash Clusters</a:t>
-            </a:r>
-            <a:endParaRPr lang="en-US" dirty="0"/>
+            <a:endParaRPr lang="en-US"/>
           </a:p>
         </p:txBody>
       </p:sp>
@@ -12121,53 +12900,17 @@
         </p:nvSpPr>
         <p:spPr/>
         <p:txBody>
-          <a:bodyPr>
-            <a:normAutofit lnSpcReduction="10000"/>
-          </a:bodyPr>
-          <a:lstStyle/>
-          <a:p>
-            <a:r>
-              <a:rPr lang="en-US" dirty="0" smtClean="0"/>
-              <a:t>Unknown hash function</a:t>
-            </a:r>
-          </a:p>
-          <a:p>
-            <a:r>
-              <a:rPr lang="en-US" dirty="0" smtClean="0"/>
-              <a:t>Good for retrieving small percentage of rows</a:t>
-            </a:r>
-          </a:p>
-          <a:p>
-            <a:r>
-              <a:rPr lang="en-US" dirty="0" smtClean="0"/>
-              <a:t>Not minimal, may be perfect</a:t>
-            </a:r>
-          </a:p>
-          <a:p>
-            <a:r>
-              <a:rPr lang="en-US" dirty="0" smtClean="0"/>
-              <a:t>O(1) reads, theoretically better than indexes</a:t>
-            </a:r>
-          </a:p>
-          <a:p>
-            <a:r>
-              <a:rPr lang="en-US" dirty="0" smtClean="0"/>
-              <a:t>In practice it's slower (constants win)</a:t>
-            </a:r>
-          </a:p>
-          <a:p>
-            <a:r>
-              <a:rPr lang="en-US" dirty="0" smtClean="0"/>
-              <a:t>Creating perfect hash increases table size 3x</a:t>
-            </a:r>
-            <a:endParaRPr lang="en-US" dirty="0"/>
+          <a:bodyPr/>
+          <a:lstStyle/>
+          <a:p>
+            <a:endParaRPr lang="en-US"/>
           </a:p>
         </p:txBody>
       </p:sp>
     </p:spTree>
     <p:extLst>
       <p:ext uri="{BB962C8B-B14F-4D97-AF65-F5344CB8AC3E}">
-        <p14:creationId xmlns:p14="http://schemas.microsoft.com/office/powerpoint/2010/main" val="2403054375"/>
+        <p14:creationId xmlns:p14="http://schemas.microsoft.com/office/powerpoint/2010/main" val="1672596786"/>
       </p:ext>
     </p:extLst>
   </p:cSld>
@@ -12216,6 +12959,599 @@
           <a:bodyPr/>
           <a:lstStyle/>
           <a:p>
+            <a:endParaRPr lang="en-US"/>
+          </a:p>
+        </p:txBody>
+      </p:sp>
+      <p:sp>
+        <p:nvSpPr>
+          <p:cNvPr id="3" name="Content Placeholder 2"/>
+          <p:cNvSpPr>
+            <a:spLocks noGrp="1"/>
+          </p:cNvSpPr>
+          <p:nvPr>
+            <p:ph idx="1"/>
+          </p:nvPr>
+        </p:nvSpPr>
+        <p:spPr/>
+        <p:txBody>
+          <a:bodyPr/>
+          <a:lstStyle/>
+          <a:p>
+            <a:endParaRPr lang="en-US"/>
+          </a:p>
+        </p:txBody>
+      </p:sp>
+    </p:spTree>
+    <p:extLst>
+      <p:ext uri="{BB962C8B-B14F-4D97-AF65-F5344CB8AC3E}">
+        <p14:creationId xmlns:p14="http://schemas.microsoft.com/office/powerpoint/2010/main" val="3145582334"/>
+      </p:ext>
+    </p:extLst>
+  </p:cSld>
+  <p:clrMapOvr>
+    <a:masterClrMapping/>
+  </p:clrMapOvr>
+  <p:timing>
+    <p:tnLst>
+      <p:par>
+        <p:cTn id="1" dur="indefinite" restart="never" nodeType="tmRoot"/>
+      </p:par>
+    </p:tnLst>
+  </p:timing>
+</p:sld>
+</file>
+
+<file path=ppt/slides/slide23.xml><?xml version="1.0" encoding="utf-8"?>
+<p:sld xmlns:a="http://schemas.openxmlformats.org/drawingml/2006/main" xmlns:r="http://schemas.openxmlformats.org/officeDocument/2006/relationships" xmlns:p="http://schemas.openxmlformats.org/presentationml/2006/main">
+  <p:cSld>
+    <p:spTree>
+      <p:nvGrpSpPr>
+        <p:cNvPr id="1" name=""/>
+        <p:cNvGrpSpPr/>
+        <p:nvPr/>
+      </p:nvGrpSpPr>
+      <p:grpSpPr>
+        <a:xfrm>
+          <a:off x="0" y="0"/>
+          <a:ext cx="0" cy="0"/>
+          <a:chOff x="0" y="0"/>
+          <a:chExt cx="0" cy="0"/>
+        </a:xfrm>
+      </p:grpSpPr>
+      <p:sp>
+        <p:nvSpPr>
+          <p:cNvPr id="2" name="Title 1"/>
+          <p:cNvSpPr>
+            <a:spLocks noGrp="1"/>
+          </p:cNvSpPr>
+          <p:nvPr>
+            <p:ph type="title"/>
+          </p:nvPr>
+        </p:nvSpPr>
+        <p:spPr/>
+        <p:txBody>
+          <a:bodyPr/>
+          <a:lstStyle/>
+          <a:p>
+            <a:endParaRPr lang="en-US"/>
+          </a:p>
+        </p:txBody>
+      </p:sp>
+      <p:sp>
+        <p:nvSpPr>
+          <p:cNvPr id="3" name="Content Placeholder 2"/>
+          <p:cNvSpPr>
+            <a:spLocks noGrp="1"/>
+          </p:cNvSpPr>
+          <p:nvPr>
+            <p:ph idx="1"/>
+          </p:nvPr>
+        </p:nvSpPr>
+        <p:spPr/>
+        <p:txBody>
+          <a:bodyPr/>
+          <a:lstStyle/>
+          <a:p>
+            <a:endParaRPr lang="en-US"/>
+          </a:p>
+        </p:txBody>
+      </p:sp>
+    </p:spTree>
+    <p:extLst>
+      <p:ext uri="{BB962C8B-B14F-4D97-AF65-F5344CB8AC3E}">
+        <p14:creationId xmlns:p14="http://schemas.microsoft.com/office/powerpoint/2010/main" val="1892431892"/>
+      </p:ext>
+    </p:extLst>
+  </p:cSld>
+  <p:clrMapOvr>
+    <a:masterClrMapping/>
+  </p:clrMapOvr>
+  <p:timing>
+    <p:tnLst>
+      <p:par>
+        <p:cTn id="1" dur="indefinite" restart="never" nodeType="tmRoot"/>
+      </p:par>
+    </p:tnLst>
+  </p:timing>
+</p:sld>
+</file>
+
+<file path=ppt/slides/slide24.xml><?xml version="1.0" encoding="utf-8"?>
+<p:sld xmlns:a="http://schemas.openxmlformats.org/drawingml/2006/main" xmlns:r="http://schemas.openxmlformats.org/officeDocument/2006/relationships" xmlns:p="http://schemas.openxmlformats.org/presentationml/2006/main">
+  <p:cSld>
+    <p:spTree>
+      <p:nvGrpSpPr>
+        <p:cNvPr id="1" name=""/>
+        <p:cNvGrpSpPr/>
+        <p:nvPr/>
+      </p:nvGrpSpPr>
+      <p:grpSpPr>
+        <a:xfrm>
+          <a:off x="0" y="0"/>
+          <a:ext cx="0" cy="0"/>
+          <a:chOff x="0" y="0"/>
+          <a:chExt cx="0" cy="0"/>
+        </a:xfrm>
+      </p:grpSpPr>
+      <p:sp>
+        <p:nvSpPr>
+          <p:cNvPr id="2" name="Title 1"/>
+          <p:cNvSpPr>
+            <a:spLocks noGrp="1"/>
+          </p:cNvSpPr>
+          <p:nvPr>
+            <p:ph type="title"/>
+          </p:nvPr>
+        </p:nvSpPr>
+        <p:spPr/>
+        <p:txBody>
+          <a:bodyPr/>
+          <a:lstStyle/>
+          <a:p>
+            <a:r>
+              <a:rPr lang="en-US" dirty="0" smtClean="0"/>
+              <a:t>1 - Hashing Types and Tradeoffs</a:t>
+            </a:r>
+            <a:endParaRPr lang="en-US" dirty="0"/>
+          </a:p>
+        </p:txBody>
+      </p:sp>
+      <p:pic>
+        <p:nvPicPr>
+          <p:cNvPr id="4" name="Content Placeholder 3"/>
+          <p:cNvPicPr>
+            <a:picLocks noGrp="1" noChangeAspect="1"/>
+          </p:cNvPicPr>
+          <p:nvPr>
+            <p:ph idx="1"/>
+          </p:nvPr>
+        </p:nvPicPr>
+        <p:blipFill>
+          <a:blip r:embed="rId3">
+            <a:extLst>
+              <a:ext uri="{28A0092B-C50C-407E-A947-70E740481C1C}">
+                <a14:useLocalDpi xmlns:a14="http://schemas.microsoft.com/office/drawing/2010/main" val="0"/>
+              </a:ext>
+            </a:extLst>
+          </a:blip>
+          <a:stretch>
+            <a:fillRect/>
+          </a:stretch>
+        </p:blipFill>
+        <p:spPr>
+          <a:xfrm>
+            <a:off x="457200" y="1209588"/>
+            <a:ext cx="8229600" cy="3375198"/>
+          </a:xfrm>
+        </p:spPr>
+      </p:pic>
+    </p:spTree>
+    <p:extLst>
+      <p:ext uri="{BB962C8B-B14F-4D97-AF65-F5344CB8AC3E}">
+        <p14:creationId xmlns:p14="http://schemas.microsoft.com/office/powerpoint/2010/main" val="1530866919"/>
+      </p:ext>
+    </p:extLst>
+  </p:cSld>
+  <p:clrMapOvr>
+    <a:masterClrMapping/>
+  </p:clrMapOvr>
+  <p:timing>
+    <p:tnLst>
+      <p:par>
+        <p:cTn id="1" dur="indefinite" restart="never" nodeType="tmRoot"/>
+      </p:par>
+    </p:tnLst>
+  </p:timing>
+</p:sld>
+</file>
+
+<file path=ppt/slides/slide25.xml><?xml version="1.0" encoding="utf-8"?>
+<p:sld xmlns:a="http://schemas.openxmlformats.org/drawingml/2006/main" xmlns:r="http://schemas.openxmlformats.org/officeDocument/2006/relationships" xmlns:p="http://schemas.openxmlformats.org/presentationml/2006/main">
+  <p:cSld>
+    <p:spTree>
+      <p:nvGrpSpPr>
+        <p:cNvPr id="1" name=""/>
+        <p:cNvGrpSpPr/>
+        <p:nvPr/>
+      </p:nvGrpSpPr>
+      <p:grpSpPr>
+        <a:xfrm>
+          <a:off x="0" y="0"/>
+          <a:ext cx="0" cy="0"/>
+          <a:chOff x="0" y="0"/>
+          <a:chExt cx="0" cy="0"/>
+        </a:xfrm>
+      </p:grpSpPr>
+      <p:sp>
+        <p:nvSpPr>
+          <p:cNvPr id="2" name="Title 1"/>
+          <p:cNvSpPr>
+            <a:spLocks noGrp="1"/>
+          </p:cNvSpPr>
+          <p:nvPr>
+            <p:ph type="title"/>
+          </p:nvPr>
+        </p:nvSpPr>
+        <p:spPr/>
+        <p:txBody>
+          <a:bodyPr/>
+          <a:lstStyle/>
+          <a:p>
+            <a:endParaRPr lang="en-US"/>
+          </a:p>
+        </p:txBody>
+      </p:sp>
+      <p:sp>
+        <p:nvSpPr>
+          <p:cNvPr id="3" name="Content Placeholder 2"/>
+          <p:cNvSpPr>
+            <a:spLocks noGrp="1"/>
+          </p:cNvSpPr>
+          <p:nvPr>
+            <p:ph idx="1"/>
+          </p:nvPr>
+        </p:nvSpPr>
+        <p:spPr/>
+        <p:txBody>
+          <a:bodyPr/>
+          <a:lstStyle/>
+          <a:p>
+            <a:r>
+              <a:rPr lang="en-US" dirty="0" smtClean="0"/>
+              <a:t>Minimal perfect</a:t>
+            </a:r>
+          </a:p>
+          <a:p>
+            <a:r>
+              <a:rPr lang="en-US" dirty="0" smtClean="0"/>
+              <a:t>Minimal vs perfect - trade-offs</a:t>
+            </a:r>
+          </a:p>
+          <a:p>
+            <a:r>
+              <a:rPr lang="en-US" dirty="0" smtClean="0"/>
+              <a:t>typical</a:t>
+            </a:r>
+            <a:endParaRPr lang="en-US" dirty="0"/>
+          </a:p>
+        </p:txBody>
+      </p:sp>
+    </p:spTree>
+    <p:extLst>
+      <p:ext uri="{BB962C8B-B14F-4D97-AF65-F5344CB8AC3E}">
+        <p14:creationId xmlns:p14="http://schemas.microsoft.com/office/powerpoint/2010/main" val="1829847580"/>
+      </p:ext>
+    </p:extLst>
+  </p:cSld>
+  <p:clrMapOvr>
+    <a:masterClrMapping/>
+  </p:clrMapOvr>
+  <p:timing>
+    <p:tnLst>
+      <p:par>
+        <p:cTn id="1" dur="indefinite" restart="never" nodeType="tmRoot"/>
+      </p:par>
+    </p:tnLst>
+  </p:timing>
+</p:sld>
+</file>
+
+<file path=ppt/slides/slide26.xml><?xml version="1.0" encoding="utf-8"?>
+<p:sld xmlns:a="http://schemas.openxmlformats.org/drawingml/2006/main" xmlns:r="http://schemas.openxmlformats.org/officeDocument/2006/relationships" xmlns:p="http://schemas.openxmlformats.org/presentationml/2006/main">
+  <p:cSld>
+    <p:spTree>
+      <p:nvGrpSpPr>
+        <p:cNvPr id="1" name=""/>
+        <p:cNvGrpSpPr/>
+        <p:nvPr/>
+      </p:nvGrpSpPr>
+      <p:grpSpPr>
+        <a:xfrm>
+          <a:off x="0" y="0"/>
+          <a:ext cx="0" cy="0"/>
+          <a:chOff x="0" y="0"/>
+          <a:chExt cx="0" cy="0"/>
+        </a:xfrm>
+      </p:grpSpPr>
+      <p:sp>
+        <p:nvSpPr>
+          <p:cNvPr id="2" name="Title 1"/>
+          <p:cNvSpPr>
+            <a:spLocks noGrp="1"/>
+          </p:cNvSpPr>
+          <p:nvPr>
+            <p:ph type="title"/>
+          </p:nvPr>
+        </p:nvSpPr>
+        <p:spPr/>
+        <p:txBody>
+          <a:bodyPr/>
+          <a:lstStyle/>
+          <a:p>
+            <a:r>
+              <a:rPr lang="en-US" dirty="0" smtClean="0"/>
+              <a:t>1 - Hash Partitioning</a:t>
+            </a:r>
+            <a:endParaRPr lang="en-US" dirty="0"/>
+          </a:p>
+        </p:txBody>
+      </p:sp>
+      <p:sp>
+        <p:nvSpPr>
+          <p:cNvPr id="3" name="Content Placeholder 2"/>
+          <p:cNvSpPr>
+            <a:spLocks noGrp="1"/>
+          </p:cNvSpPr>
+          <p:nvPr>
+            <p:ph idx="1"/>
+          </p:nvPr>
+        </p:nvSpPr>
+        <p:spPr/>
+        <p:txBody>
+          <a:bodyPr>
+            <a:normAutofit lnSpcReduction="10000"/>
+          </a:bodyPr>
+          <a:lstStyle/>
+          <a:p>
+            <a:r>
+              <a:rPr lang="en-US" dirty="0" smtClean="0"/>
+              <a:t>Minimal: Probably, Perfect: No</a:t>
+            </a:r>
+          </a:p>
+          <a:p>
+            <a:r>
+              <a:rPr lang="en-US" dirty="0" smtClean="0"/>
+              <a:t>Trades time for space</a:t>
+            </a:r>
+            <a:endParaRPr lang="en-US" dirty="0" smtClean="0"/>
+          </a:p>
+          <a:p>
+            <a:r>
+              <a:rPr lang="en-US" dirty="0" smtClean="0"/>
+              <a:t>ORA_HASH</a:t>
+            </a:r>
+            <a:endParaRPr lang="en-US" dirty="0" smtClean="0"/>
+          </a:p>
+          <a:p>
+            <a:r>
+              <a:rPr lang="en-US" dirty="0" smtClean="0"/>
+              <a:t>Good for retrieving large percentage of rows</a:t>
+            </a:r>
+          </a:p>
+          <a:p>
+            <a:r>
+              <a:rPr lang="en-US" dirty="0" smtClean="0"/>
+              <a:t>Insert </a:t>
+            </a:r>
+            <a:r>
+              <a:rPr lang="en-US" dirty="0" smtClean="0"/>
+              <a:t>O(1), read is O(N/#_PARTITIONS)</a:t>
+            </a:r>
+          </a:p>
+          <a:p>
+            <a:r>
+              <a:rPr lang="en-US" dirty="0" smtClean="0"/>
+              <a:t>Don't use huge number of partitions</a:t>
+            </a:r>
+            <a:endParaRPr lang="en-US" dirty="0"/>
+          </a:p>
+        </p:txBody>
+      </p:sp>
+    </p:spTree>
+    <p:extLst>
+      <p:ext uri="{BB962C8B-B14F-4D97-AF65-F5344CB8AC3E}">
+        <p14:creationId xmlns:p14="http://schemas.microsoft.com/office/powerpoint/2010/main" val="3843327604"/>
+      </p:ext>
+    </p:extLst>
+  </p:cSld>
+  <p:clrMapOvr>
+    <a:masterClrMapping/>
+  </p:clrMapOvr>
+  <p:timing>
+    <p:tnLst>
+      <p:par>
+        <p:cTn id="1" dur="indefinite" restart="never" nodeType="tmRoot"/>
+      </p:par>
+    </p:tnLst>
+  </p:timing>
+</p:sld>
+</file>
+
+<file path=ppt/slides/slide27.xml><?xml version="1.0" encoding="utf-8"?>
+<p:sld xmlns:a="http://schemas.openxmlformats.org/drawingml/2006/main" xmlns:r="http://schemas.openxmlformats.org/officeDocument/2006/relationships" xmlns:p="http://schemas.openxmlformats.org/presentationml/2006/main">
+  <p:cSld>
+    <p:spTree>
+      <p:nvGrpSpPr>
+        <p:cNvPr id="1" name=""/>
+        <p:cNvGrpSpPr/>
+        <p:nvPr/>
+      </p:nvGrpSpPr>
+      <p:grpSpPr>
+        <a:xfrm>
+          <a:off x="0" y="0"/>
+          <a:ext cx="0" cy="0"/>
+          <a:chOff x="0" y="0"/>
+          <a:chExt cx="0" cy="0"/>
+        </a:xfrm>
+      </p:grpSpPr>
+      <p:sp>
+        <p:nvSpPr>
+          <p:cNvPr id="2" name="Title 1"/>
+          <p:cNvSpPr>
+            <a:spLocks noGrp="1"/>
+          </p:cNvSpPr>
+          <p:nvPr>
+            <p:ph type="title"/>
+          </p:nvPr>
+        </p:nvSpPr>
+        <p:spPr/>
+        <p:txBody>
+          <a:bodyPr/>
+          <a:lstStyle/>
+          <a:p>
+            <a:r>
+              <a:rPr lang="en-US" dirty="0" smtClean="0"/>
+              <a:t>1 - Hash Clusters</a:t>
+            </a:r>
+            <a:endParaRPr lang="en-US" dirty="0"/>
+          </a:p>
+        </p:txBody>
+      </p:sp>
+      <p:sp>
+        <p:nvSpPr>
+          <p:cNvPr id="3" name="Content Placeholder 2"/>
+          <p:cNvSpPr>
+            <a:spLocks noGrp="1"/>
+          </p:cNvSpPr>
+          <p:nvPr>
+            <p:ph idx="1"/>
+          </p:nvPr>
+        </p:nvSpPr>
+        <p:spPr/>
+        <p:txBody>
+          <a:bodyPr>
+            <a:normAutofit fontScale="92500" lnSpcReduction="20000"/>
+          </a:bodyPr>
+          <a:lstStyle/>
+          <a:p>
+            <a:r>
+              <a:rPr lang="en-US" dirty="0"/>
+              <a:t>Minimal: </a:t>
+            </a:r>
+            <a:r>
+              <a:rPr lang="en-US" dirty="0" smtClean="0"/>
+              <a:t>No, </a:t>
+            </a:r>
+            <a:r>
+              <a:rPr lang="en-US" dirty="0"/>
+              <a:t>Perfect: </a:t>
+            </a:r>
+            <a:r>
+              <a:rPr lang="en-US" dirty="0" smtClean="0"/>
+              <a:t>Maybe</a:t>
+            </a:r>
+          </a:p>
+          <a:p>
+            <a:r>
+              <a:rPr lang="en-US" dirty="0" smtClean="0"/>
+              <a:t>Trades space for time</a:t>
+            </a:r>
+            <a:endParaRPr lang="en-US" dirty="0"/>
+          </a:p>
+          <a:p>
+            <a:r>
+              <a:rPr lang="en-US" dirty="0" smtClean="0"/>
+              <a:t>Unknown </a:t>
+            </a:r>
+            <a:r>
+              <a:rPr lang="en-US" dirty="0" smtClean="0"/>
+              <a:t>hash function</a:t>
+            </a:r>
+          </a:p>
+          <a:p>
+            <a:r>
+              <a:rPr lang="en-US" dirty="0" smtClean="0"/>
+              <a:t>Good for retrieving small percentage of rows</a:t>
+            </a:r>
+          </a:p>
+          <a:p>
+            <a:r>
+              <a:rPr lang="en-US" dirty="0" smtClean="0"/>
+              <a:t>O(1</a:t>
+            </a:r>
+            <a:r>
+              <a:rPr lang="en-US" dirty="0" smtClean="0"/>
+              <a:t>) reads, theoretically better than indexes</a:t>
+            </a:r>
+          </a:p>
+          <a:p>
+            <a:r>
+              <a:rPr lang="en-US" dirty="0" smtClean="0"/>
+              <a:t>In practice it's slower (constants win)</a:t>
+            </a:r>
+          </a:p>
+          <a:p>
+            <a:r>
+              <a:rPr lang="en-US" dirty="0" smtClean="0"/>
+              <a:t>Creating perfect hash increases table size 3x</a:t>
+            </a:r>
+            <a:endParaRPr lang="en-US" dirty="0"/>
+          </a:p>
+        </p:txBody>
+      </p:sp>
+    </p:spTree>
+    <p:extLst>
+      <p:ext uri="{BB962C8B-B14F-4D97-AF65-F5344CB8AC3E}">
+        <p14:creationId xmlns:p14="http://schemas.microsoft.com/office/powerpoint/2010/main" val="2403054375"/>
+      </p:ext>
+    </p:extLst>
+  </p:cSld>
+  <p:clrMapOvr>
+    <a:masterClrMapping/>
+  </p:clrMapOvr>
+  <p:timing>
+    <p:tnLst>
+      <p:par>
+        <p:cTn id="1" dur="indefinite" restart="never" nodeType="tmRoot"/>
+      </p:par>
+    </p:tnLst>
+  </p:timing>
+</p:sld>
+</file>
+
+<file path=ppt/slides/slide28.xml><?xml version="1.0" encoding="utf-8"?>
+<p:sld xmlns:a="http://schemas.openxmlformats.org/drawingml/2006/main" xmlns:r="http://schemas.openxmlformats.org/officeDocument/2006/relationships" xmlns:p="http://schemas.openxmlformats.org/presentationml/2006/main">
+  <p:cSld>
+    <p:spTree>
+      <p:nvGrpSpPr>
+        <p:cNvPr id="1" name=""/>
+        <p:cNvGrpSpPr/>
+        <p:nvPr/>
+      </p:nvGrpSpPr>
+      <p:grpSpPr>
+        <a:xfrm>
+          <a:off x="0" y="0"/>
+          <a:ext cx="0" cy="0"/>
+          <a:chOff x="0" y="0"/>
+          <a:chExt cx="0" cy="0"/>
+        </a:xfrm>
+      </p:grpSpPr>
+      <p:sp>
+        <p:nvSpPr>
+          <p:cNvPr id="2" name="Title 1"/>
+          <p:cNvSpPr>
+            <a:spLocks noGrp="1"/>
+          </p:cNvSpPr>
+          <p:nvPr>
+            <p:ph type="title"/>
+          </p:nvPr>
+        </p:nvSpPr>
+        <p:spPr/>
+        <p:txBody>
+          <a:bodyPr/>
+          <a:lstStyle/>
+          <a:p>
             <a:r>
               <a:rPr lang="en-US" dirty="0" smtClean="0"/>
               <a:t>1 - Hash Joins</a:t>
@@ -12240,8 +13576,22 @@
           <a:lstStyle/>
           <a:p>
             <a:r>
-              <a:rPr lang="en-US" dirty="0" smtClean="0"/>
-              <a:t>Somewhere between O(1) and O(N)</a:t>
+              <a:rPr lang="en-US" dirty="0"/>
+              <a:t>Minimal: No, Perfect: </a:t>
+            </a:r>
+            <a:r>
+              <a:rPr lang="en-US" dirty="0" smtClean="0"/>
+              <a:t>No</a:t>
+            </a:r>
+          </a:p>
+          <a:p>
+            <a:r>
+              <a:rPr lang="en-US" dirty="0" smtClean="0"/>
+              <a:t>Somewhere </a:t>
+            </a:r>
+            <a:r>
+              <a:rPr lang="en-US" dirty="0" smtClean="0"/>
+              <a:t>between O(1) and O(N)</a:t>
             </a:r>
           </a:p>
           <a:p>
@@ -12273,7 +13623,7 @@
 </p:sld>
 </file>
 
-<file path=ppt/slides/slide23.xml><?xml version="1.0" encoding="utf-8"?>
+<file path=ppt/slides/slide29.xml><?xml version="1.0" encoding="utf-8"?>
 <p:sld xmlns:a="http://schemas.openxmlformats.org/drawingml/2006/main" xmlns:r="http://schemas.openxmlformats.org/officeDocument/2006/relationships" xmlns:p="http://schemas.openxmlformats.org/presentationml/2006/main">
   <p:cSld>
     <p:spTree>
@@ -12370,7 +13720,106 @@
 </p:sld>
 </file>
 
-<file path=ppt/slides/slide24.xml><?xml version="1.0" encoding="utf-8"?>
+<file path=ppt/slides/slide3.xml><?xml version="1.0" encoding="utf-8"?>
+<p:sld xmlns:a="http://schemas.openxmlformats.org/drawingml/2006/main" xmlns:r="http://schemas.openxmlformats.org/officeDocument/2006/relationships" xmlns:p="http://schemas.openxmlformats.org/presentationml/2006/main">
+  <p:cSld>
+    <p:spTree>
+      <p:nvGrpSpPr>
+        <p:cNvPr id="1" name=""/>
+        <p:cNvGrpSpPr/>
+        <p:nvPr/>
+      </p:nvGrpSpPr>
+      <p:grpSpPr>
+        <a:xfrm>
+          <a:off x="0" y="0"/>
+          <a:ext cx="0" cy="0"/>
+          <a:chOff x="0" y="0"/>
+          <a:chExt cx="0" cy="0"/>
+        </a:xfrm>
+      </p:grpSpPr>
+      <p:sp>
+        <p:nvSpPr>
+          <p:cNvPr id="2" name="Title 1"/>
+          <p:cNvSpPr>
+            <a:spLocks noGrp="1"/>
+          </p:cNvSpPr>
+          <p:nvPr>
+            <p:ph type="title"/>
+          </p:nvPr>
+        </p:nvSpPr>
+        <p:spPr/>
+        <p:txBody>
+          <a:bodyPr>
+            <a:normAutofit/>
+          </a:bodyPr>
+          <a:lstStyle/>
+          <a:p>
+            <a:r>
+              <a:rPr lang="en-US" dirty="0" smtClean="0"/>
+              <a:t>Disclaimers</a:t>
+            </a:r>
+            <a:endParaRPr lang="en-US" dirty="0"/>
+          </a:p>
+        </p:txBody>
+      </p:sp>
+      <p:sp>
+        <p:nvSpPr>
+          <p:cNvPr id="3" name="Content Placeholder 2"/>
+          <p:cNvSpPr>
+            <a:spLocks noGrp="1"/>
+          </p:cNvSpPr>
+          <p:nvPr>
+            <p:ph idx="1"/>
+          </p:nvPr>
+        </p:nvSpPr>
+        <p:spPr/>
+        <p:txBody>
+          <a:bodyPr>
+            <a:normAutofit/>
+          </a:bodyPr>
+          <a:lstStyle/>
+          <a:p>
+            <a:r>
+              <a:rPr lang="en-US" dirty="0" smtClean="0"/>
+              <a:t>This is not a computer science lecture</a:t>
+            </a:r>
+          </a:p>
+          <a:p>
+            <a:r>
+              <a:rPr lang="en-US" dirty="0" smtClean="0"/>
+              <a:t>No proofs or complicated math</a:t>
+            </a:r>
+          </a:p>
+          <a:p>
+            <a:r>
+              <a:rPr lang="en-US" dirty="0" smtClean="0"/>
+              <a:t>Imprecise terminology: computational complexity, algorithm analysis, time complexity, asymptotic complexity, run-time analysis</a:t>
+            </a:r>
+            <a:endParaRPr lang="en-US" dirty="0"/>
+          </a:p>
+        </p:txBody>
+      </p:sp>
+    </p:spTree>
+    <p:extLst>
+      <p:ext uri="{BB962C8B-B14F-4D97-AF65-F5344CB8AC3E}">
+        <p14:creationId xmlns:p14="http://schemas.microsoft.com/office/powerpoint/2010/main" val="2287281436"/>
+      </p:ext>
+    </p:extLst>
+  </p:cSld>
+  <p:clrMapOvr>
+    <a:masterClrMapping/>
+  </p:clrMapOvr>
+  <p:timing>
+    <p:tnLst>
+      <p:par>
+        <p:cTn id="1" dur="indefinite" restart="never" nodeType="tmRoot"/>
+      </p:par>
+    </p:tnLst>
+  </p:timing>
+</p:sld>
+</file>
+
+<file path=ppt/slides/slide30.xml><?xml version="1.0" encoding="utf-8"?>
 <p:sld xmlns:a="http://schemas.openxmlformats.org/drawingml/2006/main" xmlns:r="http://schemas.openxmlformats.org/officeDocument/2006/relationships" xmlns:p="http://schemas.openxmlformats.org/presentationml/2006/main">
   <p:cSld>
     <p:spTree>
@@ -12492,7 +13941,7 @@
 </p:sld>
 </file>
 
-<file path=ppt/slides/slide25.xml><?xml version="1.0" encoding="utf-8"?>
+<file path=ppt/slides/slide31.xml><?xml version="1.0" encoding="utf-8"?>
 <p:sld xmlns:a="http://schemas.openxmlformats.org/drawingml/2006/main" xmlns:r="http://schemas.openxmlformats.org/officeDocument/2006/relationships" xmlns:p="http://schemas.openxmlformats.org/presentationml/2006/main">
   <p:cSld>
     <p:spTree>
@@ -12599,7 +14048,7 @@
 </p:sld>
 </file>
 
-<file path=ppt/slides/slide26.xml><?xml version="1.0" encoding="utf-8"?>
+<file path=ppt/slides/slide32.xml><?xml version="1.0" encoding="utf-8"?>
 <p:sld xmlns:a="http://schemas.openxmlformats.org/drawingml/2006/main" xmlns:r="http://schemas.openxmlformats.org/officeDocument/2006/relationships" xmlns:p="http://schemas.openxmlformats.org/presentationml/2006/main">
   <p:cSld>
     <p:spTree>
@@ -12688,7 +14137,7 @@
 </p:sld>
 </file>
 
-<file path=ppt/slides/slide27.xml><?xml version="1.0" encoding="utf-8"?>
+<file path=ppt/slides/slide33.xml><?xml version="1.0" encoding="utf-8"?>
 <p:sld xmlns:a="http://schemas.openxmlformats.org/drawingml/2006/main" xmlns:r="http://schemas.openxmlformats.org/officeDocument/2006/relationships" xmlns:p="http://schemas.openxmlformats.org/presentationml/2006/main">
   <p:cSld>
     <p:spTree>
@@ -12784,7 +14233,7 @@
 </p:sld>
 </file>
 
-<file path=ppt/slides/slide28.xml><?xml version="1.0" encoding="utf-8"?>
+<file path=ppt/slides/slide34.xml><?xml version="1.0" encoding="utf-8"?>
 <p:sld xmlns:a="http://schemas.openxmlformats.org/drawingml/2006/main" xmlns:r="http://schemas.openxmlformats.org/officeDocument/2006/relationships" xmlns:p="http://schemas.openxmlformats.org/presentationml/2006/main">
   <p:cSld>
     <p:spTree>
@@ -13472,7 +14921,7 @@
 </p:sld>
 </file>
 
-<file path=ppt/slides/slide29.xml><?xml version="1.0" encoding="utf-8"?>
+<file path=ppt/slides/slide35.xml><?xml version="1.0" encoding="utf-8"?>
 <p:sld xmlns:a="http://schemas.openxmlformats.org/drawingml/2006/main" xmlns:r="http://schemas.openxmlformats.org/officeDocument/2006/relationships" xmlns:p="http://schemas.openxmlformats.org/presentationml/2006/main">
   <p:cSld>
     <p:spTree>
@@ -13567,106 +15016,7 @@
 </p:sld>
 </file>
 
-<file path=ppt/slides/slide3.xml><?xml version="1.0" encoding="utf-8"?>
-<p:sld xmlns:a="http://schemas.openxmlformats.org/drawingml/2006/main" xmlns:r="http://schemas.openxmlformats.org/officeDocument/2006/relationships" xmlns:p="http://schemas.openxmlformats.org/presentationml/2006/main">
-  <p:cSld>
-    <p:spTree>
-      <p:nvGrpSpPr>
-        <p:cNvPr id="1" name=""/>
-        <p:cNvGrpSpPr/>
-        <p:nvPr/>
-      </p:nvGrpSpPr>
-      <p:grpSpPr>
-        <a:xfrm>
-          <a:off x="0" y="0"/>
-          <a:ext cx="0" cy="0"/>
-          <a:chOff x="0" y="0"/>
-          <a:chExt cx="0" cy="0"/>
-        </a:xfrm>
-      </p:grpSpPr>
-      <p:sp>
-        <p:nvSpPr>
-          <p:cNvPr id="2" name="Title 1"/>
-          <p:cNvSpPr>
-            <a:spLocks noGrp="1"/>
-          </p:cNvSpPr>
-          <p:nvPr>
-            <p:ph type="title"/>
-          </p:nvPr>
-        </p:nvSpPr>
-        <p:spPr/>
-        <p:txBody>
-          <a:bodyPr>
-            <a:normAutofit/>
-          </a:bodyPr>
-          <a:lstStyle/>
-          <a:p>
-            <a:r>
-              <a:rPr lang="en-US" dirty="0" smtClean="0"/>
-              <a:t>Disclaimers</a:t>
-            </a:r>
-            <a:endParaRPr lang="en-US" dirty="0"/>
-          </a:p>
-        </p:txBody>
-      </p:sp>
-      <p:sp>
-        <p:nvSpPr>
-          <p:cNvPr id="3" name="Content Placeholder 2"/>
-          <p:cNvSpPr>
-            <a:spLocks noGrp="1"/>
-          </p:cNvSpPr>
-          <p:nvPr>
-            <p:ph idx="1"/>
-          </p:nvPr>
-        </p:nvSpPr>
-        <p:spPr/>
-        <p:txBody>
-          <a:bodyPr>
-            <a:normAutofit/>
-          </a:bodyPr>
-          <a:lstStyle/>
-          <a:p>
-            <a:r>
-              <a:rPr lang="en-US" dirty="0" smtClean="0"/>
-              <a:t>This is not a computer science lecture</a:t>
-            </a:r>
-          </a:p>
-          <a:p>
-            <a:r>
-              <a:rPr lang="en-US" dirty="0" smtClean="0"/>
-              <a:t>No proofs or complicated math</a:t>
-            </a:r>
-          </a:p>
-          <a:p>
-            <a:r>
-              <a:rPr lang="en-US" dirty="0" smtClean="0"/>
-              <a:t>Imprecise terminology: computational complexity, algorithm analysis, time complexity, asymptotic complexity, run-time analysis</a:t>
-            </a:r>
-            <a:endParaRPr lang="en-US" dirty="0"/>
-          </a:p>
-        </p:txBody>
-      </p:sp>
-    </p:spTree>
-    <p:extLst>
-      <p:ext uri="{BB962C8B-B14F-4D97-AF65-F5344CB8AC3E}">
-        <p14:creationId xmlns:p14="http://schemas.microsoft.com/office/powerpoint/2010/main" val="2287281436"/>
-      </p:ext>
-    </p:extLst>
-  </p:cSld>
-  <p:clrMapOvr>
-    <a:masterClrMapping/>
-  </p:clrMapOvr>
-  <p:timing>
-    <p:tnLst>
-      <p:par>
-        <p:cTn id="1" dur="indefinite" restart="never" nodeType="tmRoot"/>
-      </p:par>
-    </p:tnLst>
-  </p:timing>
-</p:sld>
-</file>
-
-<file path=ppt/slides/slide30.xml><?xml version="1.0" encoding="utf-8"?>
+<file path=ppt/slides/slide36.xml><?xml version="1.0" encoding="utf-8"?>
 <p:sld xmlns:a="http://schemas.openxmlformats.org/drawingml/2006/main" xmlns:r="http://schemas.openxmlformats.org/officeDocument/2006/relationships" xmlns:p="http://schemas.openxmlformats.org/presentationml/2006/main">
   <p:cSld>
     <p:spTree>
@@ -13786,7 +15136,7 @@
 </p:sld>
 </file>
 
-<file path=ppt/slides/slide31.xml><?xml version="1.0" encoding="utf-8"?>
+<file path=ppt/slides/slide37.xml><?xml version="1.0" encoding="utf-8"?>
 <p:sld xmlns:a="http://schemas.openxmlformats.org/drawingml/2006/main" xmlns:r="http://schemas.openxmlformats.org/officeDocument/2006/relationships" xmlns:p="http://schemas.openxmlformats.org/presentationml/2006/main">
   <p:cSld>
     <p:spTree>
@@ -13909,7 +15259,7 @@
 </p:sld>
 </file>
 
-<file path=ppt/slides/slide32.xml><?xml version="1.0" encoding="utf-8"?>
+<file path=ppt/slides/slide38.xml><?xml version="1.0" encoding="utf-8"?>
 <p:sld xmlns:a="http://schemas.openxmlformats.org/drawingml/2006/main" xmlns:r="http://schemas.openxmlformats.org/officeDocument/2006/relationships" xmlns:p="http://schemas.openxmlformats.org/presentationml/2006/main">
   <p:cSld>
     <p:spTree>
@@ -14012,7 +15362,7 @@
 </p:sld>
 </file>
 
-<file path=ppt/slides/slide33.xml><?xml version="1.0" encoding="utf-8"?>
+<file path=ppt/slides/slide39.xml><?xml version="1.0" encoding="utf-8"?>
 <p:sld xmlns:a="http://schemas.openxmlformats.org/drawingml/2006/main" xmlns:r="http://schemas.openxmlformats.org/officeDocument/2006/relationships" xmlns:p="http://schemas.openxmlformats.org/presentationml/2006/main">
   <p:cSld>
     <p:spTree>
@@ -14106,580 +15456,6 @@
       </p:par>
     </p:tnLst>
   </p:timing>
-</p:sld>
-</file>
-
-<file path=ppt/slides/slide34.xml><?xml version="1.0" encoding="utf-8"?>
-<p:sld xmlns:a="http://schemas.openxmlformats.org/drawingml/2006/main" xmlns:r="http://schemas.openxmlformats.org/officeDocument/2006/relationships" xmlns:p="http://schemas.openxmlformats.org/presentationml/2006/main">
-  <p:cSld>
-    <p:spTree>
-      <p:nvGrpSpPr>
-        <p:cNvPr id="1" name=""/>
-        <p:cNvGrpSpPr/>
-        <p:nvPr/>
-      </p:nvGrpSpPr>
-      <p:grpSpPr>
-        <a:xfrm>
-          <a:off x="0" y="0"/>
-          <a:ext cx="0" cy="0"/>
-          <a:chOff x="0" y="0"/>
-          <a:chExt cx="0" cy="0"/>
-        </a:xfrm>
-      </p:grpSpPr>
-      <p:sp>
-        <p:nvSpPr>
-          <p:cNvPr id="2" name="Title 1"/>
-          <p:cNvSpPr>
-            <a:spLocks noGrp="1"/>
-          </p:cNvSpPr>
-          <p:nvPr>
-            <p:ph type="title"/>
-          </p:nvPr>
-        </p:nvSpPr>
-        <p:spPr/>
-        <p:txBody>
-          <a:bodyPr>
-            <a:normAutofit/>
-          </a:bodyPr>
-          <a:lstStyle/>
-          <a:p>
-            <a:r>
-              <a:rPr lang="en-US" dirty="0" smtClean="0"/>
-              <a:t>N - Linear Growth</a:t>
-            </a:r>
-            <a:endParaRPr lang="en-US" dirty="0"/>
-          </a:p>
-        </p:txBody>
-      </p:sp>
-      <p:sp>
-        <p:nvSpPr>
-          <p:cNvPr id="3" name="Content Placeholder 2"/>
-          <p:cNvSpPr>
-            <a:spLocks noGrp="1"/>
-          </p:cNvSpPr>
-          <p:nvPr>
-            <p:ph idx="1"/>
-          </p:nvPr>
-        </p:nvSpPr>
-        <p:spPr/>
-        <p:txBody>
-          <a:bodyPr>
-            <a:normAutofit lnSpcReduction="10000"/>
-          </a:bodyPr>
-          <a:lstStyle/>
-          <a:p>
-            <a:r>
-              <a:rPr lang="en-US" dirty="0"/>
-              <a:t>Full table scan, fast full scan, parsing, basic compression, </a:t>
-            </a:r>
-            <a:r>
-              <a:rPr lang="en-US" dirty="0" smtClean="0"/>
-              <a:t>DML, etc.</a:t>
-            </a:r>
-            <a:endParaRPr lang="en-US" dirty="0"/>
-          </a:p>
-          <a:p>
-            <a:r>
-              <a:rPr lang="en-US" dirty="0" smtClean="0"/>
-              <a:t>In practice, most common function</a:t>
-            </a:r>
-          </a:p>
-          <a:p>
-            <a:r>
-              <a:rPr lang="en-US" dirty="0" smtClean="0"/>
-              <a:t>Most effort is spent here</a:t>
-            </a:r>
-          </a:p>
-          <a:p>
-            <a:r>
-              <a:rPr lang="en-US" dirty="0" smtClean="0"/>
-              <a:t>2x improvement is nice</a:t>
-            </a:r>
-          </a:p>
-          <a:p>
-            <a:r>
-              <a:rPr lang="en-US" dirty="0" smtClean="0"/>
-              <a:t>Now it's time to compare functions</a:t>
-            </a:r>
-            <a:endParaRPr lang="en-US" dirty="0"/>
-          </a:p>
-        </p:txBody>
-      </p:sp>
-    </p:spTree>
-    <p:extLst>
-      <p:ext uri="{BB962C8B-B14F-4D97-AF65-F5344CB8AC3E}">
-        <p14:creationId xmlns:p14="http://schemas.microsoft.com/office/powerpoint/2010/main" val="1623018266"/>
-      </p:ext>
-    </p:extLst>
-  </p:cSld>
-  <p:clrMapOvr>
-    <a:masterClrMapping/>
-  </p:clrMapOvr>
-  <p:timing>
-    <p:tnLst>
-      <p:par>
-        <p:cTn id="1" dur="indefinite" restart="never" nodeType="tmRoot"/>
-      </p:par>
-    </p:tnLst>
-  </p:timing>
-</p:sld>
-</file>
-
-<file path=ppt/slides/slide35.xml><?xml version="1.0" encoding="utf-8"?>
-<p:sld xmlns:a="http://schemas.openxmlformats.org/drawingml/2006/main" xmlns:r="http://schemas.openxmlformats.org/officeDocument/2006/relationships" xmlns:p="http://schemas.openxmlformats.org/presentationml/2006/main">
-  <p:cSld>
-    <p:spTree>
-      <p:nvGrpSpPr>
-        <p:cNvPr id="1" name=""/>
-        <p:cNvGrpSpPr/>
-        <p:nvPr/>
-      </p:nvGrpSpPr>
-      <p:grpSpPr>
-        <a:xfrm>
-          <a:off x="0" y="0"/>
-          <a:ext cx="0" cy="0"/>
-          <a:chOff x="0" y="0"/>
-          <a:chExt cx="0" cy="0"/>
-        </a:xfrm>
-      </p:grpSpPr>
-      <p:sp>
-        <p:nvSpPr>
-          <p:cNvPr id="2" name="Title 1"/>
-          <p:cNvSpPr>
-            <a:spLocks noGrp="1"/>
-          </p:cNvSpPr>
-          <p:nvPr>
-            <p:ph type="title"/>
-          </p:nvPr>
-        </p:nvSpPr>
-        <p:spPr/>
-        <p:txBody>
-          <a:bodyPr/>
-          <a:lstStyle/>
-          <a:p>
-            <a:r>
-              <a:rPr lang="en-US" dirty="0" smtClean="0"/>
-              <a:t>N * LOG(N)</a:t>
-            </a:r>
-            <a:endParaRPr lang="en-US" dirty="0"/>
-          </a:p>
-        </p:txBody>
-      </p:sp>
-      <p:pic>
-        <p:nvPicPr>
-          <p:cNvPr id="4" name="Content Placeholder 3" descr="C:\Users\jonearles\Amazon Drive\Book\Practical Computer Science for SQL Developers\N LOG(N).png"/>
-          <p:cNvPicPr>
-            <a:picLocks noGrp="1" noChangeAspect="1"/>
-          </p:cNvPicPr>
-          <p:nvPr>
-            <p:ph idx="1"/>
-          </p:nvPr>
-        </p:nvPicPr>
-        <p:blipFill>
-          <a:blip r:embed="rId2">
-            <a:extLst>
-              <a:ext uri="{28A0092B-C50C-407E-A947-70E740481C1C}">
-                <a14:useLocalDpi xmlns:a14="http://schemas.microsoft.com/office/drawing/2010/main" val="0"/>
-              </a:ext>
-            </a:extLst>
-          </a:blip>
-          <a:srcRect/>
-          <a:stretch>
-            <a:fillRect/>
-          </a:stretch>
-        </p:blipFill>
-        <p:spPr bwMode="auto">
-          <a:xfrm>
-            <a:off x="2514600" y="895350"/>
-            <a:ext cx="4114800" cy="4114800"/>
-          </a:xfrm>
-          <a:prstGeom prst="rect">
-            <a:avLst/>
-          </a:prstGeom>
-          <a:noFill/>
-          <a:ln>
-            <a:noFill/>
-          </a:ln>
-        </p:spPr>
-      </p:pic>
-    </p:spTree>
-    <p:extLst>
-      <p:ext uri="{BB962C8B-B14F-4D97-AF65-F5344CB8AC3E}">
-        <p14:creationId xmlns:p14="http://schemas.microsoft.com/office/powerpoint/2010/main" val="1431611761"/>
-      </p:ext>
-    </p:extLst>
-  </p:cSld>
-  <p:clrMapOvr>
-    <a:masterClrMapping/>
-  </p:clrMapOvr>
-  <p:timing>
-    <p:tnLst>
-      <p:par>
-        <p:cTn id="1" dur="indefinite" restart="never" nodeType="tmRoot"/>
-      </p:par>
-    </p:tnLst>
-  </p:timing>
-</p:sld>
-</file>
-
-<file path=ppt/slides/slide36.xml><?xml version="1.0" encoding="utf-8"?>
-<p:sld xmlns:a="http://schemas.openxmlformats.org/drawingml/2006/main" xmlns:r="http://schemas.openxmlformats.org/officeDocument/2006/relationships" xmlns:p="http://schemas.openxmlformats.org/presentationml/2006/main">
-  <p:cSld>
-    <p:spTree>
-      <p:nvGrpSpPr>
-        <p:cNvPr id="1" name=""/>
-        <p:cNvGrpSpPr/>
-        <p:nvPr/>
-      </p:nvGrpSpPr>
-      <p:grpSpPr>
-        <a:xfrm>
-          <a:off x="0" y="0"/>
-          <a:ext cx="0" cy="0"/>
-          <a:chOff x="0" y="0"/>
-          <a:chExt cx="0" cy="0"/>
-        </a:xfrm>
-      </p:grpSpPr>
-      <p:sp>
-        <p:nvSpPr>
-          <p:cNvPr id="2" name="Title 1"/>
-          <p:cNvSpPr>
-            <a:spLocks noGrp="1"/>
-          </p:cNvSpPr>
-          <p:nvPr>
-            <p:ph type="title"/>
-          </p:nvPr>
-        </p:nvSpPr>
-        <p:spPr/>
-        <p:txBody>
-          <a:bodyPr/>
-          <a:lstStyle/>
-          <a:p>
-            <a:r>
-              <a:rPr lang="en-US" dirty="0" smtClean="0"/>
-              <a:t>N * LOG(N) - What and Where</a:t>
-            </a:r>
-            <a:endParaRPr lang="en-US" dirty="0"/>
-          </a:p>
-        </p:txBody>
-      </p:sp>
-      <p:sp>
-        <p:nvSpPr>
-          <p:cNvPr id="3" name="Content Placeholder 2"/>
-          <p:cNvSpPr>
-            <a:spLocks noGrp="1"/>
-          </p:cNvSpPr>
-          <p:nvPr>
-            <p:ph idx="1"/>
-          </p:nvPr>
-        </p:nvSpPr>
-        <p:spPr/>
-        <p:txBody>
-          <a:bodyPr>
-            <a:normAutofit/>
-          </a:bodyPr>
-          <a:lstStyle/>
-          <a:p>
-            <a:r>
-              <a:rPr lang="en-US" dirty="0"/>
-              <a:t>Sorting</a:t>
-            </a:r>
-            <a:endParaRPr lang="en-US" dirty="0" smtClean="0"/>
-          </a:p>
-          <a:p>
-            <a:r>
-              <a:rPr lang="en-US" dirty="0" smtClean="0"/>
-              <a:t>Iterated </a:t>
-            </a:r>
-            <a:r>
-              <a:rPr lang="en-US" dirty="0"/>
-              <a:t>index access</a:t>
-            </a:r>
-          </a:p>
-          <a:p>
-            <a:r>
-              <a:rPr lang="en-US" dirty="0"/>
-              <a:t>Local index (partitioned indexes</a:t>
-            </a:r>
-            <a:r>
-              <a:rPr lang="en-US" dirty="0" smtClean="0"/>
-              <a:t>)</a:t>
-            </a:r>
-          </a:p>
-        </p:txBody>
-      </p:sp>
-    </p:spTree>
-    <p:extLst>
-      <p:ext uri="{BB962C8B-B14F-4D97-AF65-F5344CB8AC3E}">
-        <p14:creationId xmlns:p14="http://schemas.microsoft.com/office/powerpoint/2010/main" val="1139039848"/>
-      </p:ext>
-    </p:extLst>
-  </p:cSld>
-  <p:clrMapOvr>
-    <a:masterClrMapping/>
-  </p:clrMapOvr>
-  <p:timing>
-    <p:tnLst>
-      <p:par>
-        <p:cTn id="1" dur="indefinite" restart="never" nodeType="tmRoot"/>
-      </p:par>
-    </p:tnLst>
-  </p:timing>
-</p:sld>
-</file>
-
-<file path=ppt/slides/slide37.xml><?xml version="1.0" encoding="utf-8"?>
-<p:sld xmlns:a="http://schemas.openxmlformats.org/drawingml/2006/main" xmlns:r="http://schemas.openxmlformats.org/officeDocument/2006/relationships" xmlns:p="http://schemas.openxmlformats.org/presentationml/2006/main">
-  <p:cSld>
-    <p:spTree>
-      <p:nvGrpSpPr>
-        <p:cNvPr id="1" name=""/>
-        <p:cNvGrpSpPr/>
-        <p:nvPr/>
-      </p:nvGrpSpPr>
-      <p:grpSpPr>
-        <a:xfrm>
-          <a:off x="0" y="0"/>
-          <a:ext cx="0" cy="0"/>
-          <a:chOff x="0" y="0"/>
-          <a:chExt cx="0" cy="0"/>
-        </a:xfrm>
-      </p:grpSpPr>
-      <p:sp>
-        <p:nvSpPr>
-          <p:cNvPr id="2" name="Title 1"/>
-          <p:cNvSpPr>
-            <a:spLocks noGrp="1"/>
-          </p:cNvSpPr>
-          <p:nvPr>
-            <p:ph type="title"/>
-          </p:nvPr>
-        </p:nvSpPr>
-        <p:spPr/>
-        <p:txBody>
-          <a:bodyPr>
-            <a:normAutofit fontScale="90000"/>
-          </a:bodyPr>
-          <a:lstStyle/>
-          <a:p>
-            <a:r>
-              <a:rPr lang="en-US" dirty="0" smtClean="0"/>
-              <a:t>N * LOG(N) - Full Table Scan vs. Index</a:t>
-            </a:r>
-            <a:endParaRPr lang="en-US" dirty="0"/>
-          </a:p>
-        </p:txBody>
-      </p:sp>
-      <p:pic>
-        <p:nvPicPr>
-          <p:cNvPr id="4" name="Content Placeholder 3"/>
-          <p:cNvPicPr>
-            <a:picLocks noGrp="1" noChangeAspect="1"/>
-          </p:cNvPicPr>
-          <p:nvPr>
-            <p:ph idx="1"/>
-          </p:nvPr>
-        </p:nvPicPr>
-        <p:blipFill>
-          <a:blip r:embed="rId3" cstate="print">
-            <a:extLst>
-              <a:ext uri="{28A0092B-C50C-407E-A947-70E740481C1C}">
-                <a14:useLocalDpi xmlns:a14="http://schemas.microsoft.com/office/drawing/2010/main" val="0"/>
-              </a:ext>
-            </a:extLst>
-          </a:blip>
-          <a:stretch>
-            <a:fillRect/>
-          </a:stretch>
-        </p:blipFill>
-        <p:spPr>
-          <a:xfrm>
-            <a:off x="2286000" y="961899"/>
-            <a:ext cx="4572000" cy="3997842"/>
-          </a:xfrm>
-        </p:spPr>
-      </p:pic>
-    </p:spTree>
-    <p:extLst>
-      <p:ext uri="{BB962C8B-B14F-4D97-AF65-F5344CB8AC3E}">
-        <p14:creationId xmlns:p14="http://schemas.microsoft.com/office/powerpoint/2010/main" val="353384941"/>
-      </p:ext>
-    </p:extLst>
-  </p:cSld>
-  <p:clrMapOvr>
-    <a:masterClrMapping/>
-  </p:clrMapOvr>
-</p:sld>
-</file>
-
-<file path=ppt/slides/slide38.xml><?xml version="1.0" encoding="utf-8"?>
-<p:sld xmlns:a="http://schemas.openxmlformats.org/drawingml/2006/main" xmlns:r="http://schemas.openxmlformats.org/officeDocument/2006/relationships" xmlns:p="http://schemas.openxmlformats.org/presentationml/2006/main">
-  <p:cSld>
-    <p:spTree>
-      <p:nvGrpSpPr>
-        <p:cNvPr id="1" name=""/>
-        <p:cNvGrpSpPr/>
-        <p:nvPr/>
-      </p:nvGrpSpPr>
-      <p:grpSpPr>
-        <a:xfrm>
-          <a:off x="0" y="0"/>
-          <a:ext cx="0" cy="0"/>
-          <a:chOff x="0" y="0"/>
-          <a:chExt cx="0" cy="0"/>
-        </a:xfrm>
-      </p:grpSpPr>
-      <p:sp>
-        <p:nvSpPr>
-          <p:cNvPr id="2" name="Title 1"/>
-          <p:cNvSpPr>
-            <a:spLocks noGrp="1"/>
-          </p:cNvSpPr>
-          <p:nvPr>
-            <p:ph type="title"/>
-          </p:nvPr>
-        </p:nvSpPr>
-        <p:spPr/>
-        <p:txBody>
-          <a:bodyPr/>
-          <a:lstStyle/>
-          <a:p>
-            <a:r>
-              <a:rPr lang="en-US" dirty="0" smtClean="0"/>
-              <a:t>N * LOG(N) - Sorting</a:t>
-            </a:r>
-            <a:endParaRPr lang="en-US" dirty="0"/>
-          </a:p>
-        </p:txBody>
-      </p:sp>
-      <p:sp>
-        <p:nvSpPr>
-          <p:cNvPr id="3" name="Content Placeholder 2"/>
-          <p:cNvSpPr>
-            <a:spLocks noGrp="1"/>
-          </p:cNvSpPr>
-          <p:nvPr>
-            <p:ph idx="1"/>
-          </p:nvPr>
-        </p:nvSpPr>
-        <p:spPr/>
-        <p:txBody>
-          <a:bodyPr/>
-          <a:lstStyle/>
-          <a:p>
-            <a:r>
-              <a:rPr lang="en-US" dirty="0" smtClean="0"/>
-              <a:t>ORDER BY time does not grow linearly</a:t>
-            </a:r>
-          </a:p>
-          <a:p>
-            <a:r>
-              <a:rPr lang="en-US" dirty="0" smtClean="0"/>
-              <a:t>Space grows linearly</a:t>
-            </a:r>
-          </a:p>
-          <a:p>
-            <a:r>
-              <a:rPr lang="en-US" dirty="0" smtClean="0"/>
-              <a:t>Index full scan - do sorting ahead of time</a:t>
-            </a:r>
-          </a:p>
-          <a:p>
-            <a:endParaRPr lang="en-US" dirty="0"/>
-          </a:p>
-        </p:txBody>
-      </p:sp>
-    </p:spTree>
-    <p:extLst>
-      <p:ext uri="{BB962C8B-B14F-4D97-AF65-F5344CB8AC3E}">
-        <p14:creationId xmlns:p14="http://schemas.microsoft.com/office/powerpoint/2010/main" val="4161855322"/>
-      </p:ext>
-    </p:extLst>
-  </p:cSld>
-  <p:clrMapOvr>
-    <a:masterClrMapping/>
-  </p:clrMapOvr>
-</p:sld>
-</file>
-
-<file path=ppt/slides/slide39.xml><?xml version="1.0" encoding="utf-8"?>
-<p:sld xmlns:a="http://schemas.openxmlformats.org/drawingml/2006/main" xmlns:r="http://schemas.openxmlformats.org/officeDocument/2006/relationships" xmlns:p="http://schemas.openxmlformats.org/presentationml/2006/main">
-  <p:cSld>
-    <p:spTree>
-      <p:nvGrpSpPr>
-        <p:cNvPr id="1" name=""/>
-        <p:cNvGrpSpPr/>
-        <p:nvPr/>
-      </p:nvGrpSpPr>
-      <p:grpSpPr>
-        <a:xfrm>
-          <a:off x="0" y="0"/>
-          <a:ext cx="0" cy="0"/>
-          <a:chOff x="0" y="0"/>
-          <a:chExt cx="0" cy="0"/>
-        </a:xfrm>
-      </p:grpSpPr>
-      <p:sp>
-        <p:nvSpPr>
-          <p:cNvPr id="2" name="Title 1"/>
-          <p:cNvSpPr>
-            <a:spLocks noGrp="1"/>
-          </p:cNvSpPr>
-          <p:nvPr>
-            <p:ph type="title"/>
-          </p:nvPr>
-        </p:nvSpPr>
-        <p:spPr/>
-        <p:txBody>
-          <a:bodyPr/>
-          <a:lstStyle/>
-          <a:p>
-            <a:r>
-              <a:rPr lang="en-US" dirty="0" smtClean="0"/>
-              <a:t>N * LOG(N) - Joining</a:t>
-            </a:r>
-            <a:endParaRPr lang="en-US" dirty="0"/>
-          </a:p>
-        </p:txBody>
-      </p:sp>
-      <p:pic>
-        <p:nvPicPr>
-          <p:cNvPr id="4" name="Content Placeholder 3"/>
-          <p:cNvPicPr>
-            <a:picLocks noGrp="1" noChangeAspect="1"/>
-          </p:cNvPicPr>
-          <p:nvPr>
-            <p:ph idx="1"/>
-          </p:nvPr>
-        </p:nvPicPr>
-        <p:blipFill>
-          <a:blip r:embed="rId3" cstate="print">
-            <a:extLst>
-              <a:ext uri="{28A0092B-C50C-407E-A947-70E740481C1C}">
-                <a14:useLocalDpi xmlns:a14="http://schemas.microsoft.com/office/drawing/2010/main" val="0"/>
-              </a:ext>
-            </a:extLst>
-          </a:blip>
-          <a:stretch>
-            <a:fillRect/>
-          </a:stretch>
-        </p:blipFill>
-        <p:spPr>
-          <a:xfrm>
-            <a:off x="2667000" y="1047750"/>
-            <a:ext cx="3962400" cy="3923266"/>
-          </a:xfrm>
-        </p:spPr>
-      </p:pic>
-    </p:spTree>
-    <p:extLst>
-      <p:ext uri="{BB962C8B-B14F-4D97-AF65-F5344CB8AC3E}">
-        <p14:creationId xmlns:p14="http://schemas.microsoft.com/office/powerpoint/2010/main" val="1019791011"/>
-      </p:ext>
-    </p:extLst>
-  </p:cSld>
-  <p:clrMapOvr>
-    <a:masterClrMapping/>
-  </p:clrMapOvr>
 </p:sld>
 </file>
 
@@ -14803,6 +15579,580 @@
         </p:nvSpPr>
         <p:spPr/>
         <p:txBody>
+          <a:bodyPr>
+            <a:normAutofit/>
+          </a:bodyPr>
+          <a:lstStyle/>
+          <a:p>
+            <a:r>
+              <a:rPr lang="en-US" dirty="0" smtClean="0"/>
+              <a:t>N - Linear Growth</a:t>
+            </a:r>
+            <a:endParaRPr lang="en-US" dirty="0"/>
+          </a:p>
+        </p:txBody>
+      </p:sp>
+      <p:sp>
+        <p:nvSpPr>
+          <p:cNvPr id="3" name="Content Placeholder 2"/>
+          <p:cNvSpPr>
+            <a:spLocks noGrp="1"/>
+          </p:cNvSpPr>
+          <p:nvPr>
+            <p:ph idx="1"/>
+          </p:nvPr>
+        </p:nvSpPr>
+        <p:spPr/>
+        <p:txBody>
+          <a:bodyPr>
+            <a:normAutofit lnSpcReduction="10000"/>
+          </a:bodyPr>
+          <a:lstStyle/>
+          <a:p>
+            <a:r>
+              <a:rPr lang="en-US" dirty="0"/>
+              <a:t>Full table scan, fast full scan, parsing, basic compression, </a:t>
+            </a:r>
+            <a:r>
+              <a:rPr lang="en-US" dirty="0" smtClean="0"/>
+              <a:t>DML, etc.</a:t>
+            </a:r>
+            <a:endParaRPr lang="en-US" dirty="0"/>
+          </a:p>
+          <a:p>
+            <a:r>
+              <a:rPr lang="en-US" dirty="0" smtClean="0"/>
+              <a:t>In practice, most common function</a:t>
+            </a:r>
+          </a:p>
+          <a:p>
+            <a:r>
+              <a:rPr lang="en-US" dirty="0" smtClean="0"/>
+              <a:t>Most effort is spent here</a:t>
+            </a:r>
+          </a:p>
+          <a:p>
+            <a:r>
+              <a:rPr lang="en-US" dirty="0" smtClean="0"/>
+              <a:t>2x improvement is nice</a:t>
+            </a:r>
+          </a:p>
+          <a:p>
+            <a:r>
+              <a:rPr lang="en-US" dirty="0" smtClean="0"/>
+              <a:t>Now it's time to compare functions</a:t>
+            </a:r>
+            <a:endParaRPr lang="en-US" dirty="0"/>
+          </a:p>
+        </p:txBody>
+      </p:sp>
+    </p:spTree>
+    <p:extLst>
+      <p:ext uri="{BB962C8B-B14F-4D97-AF65-F5344CB8AC3E}">
+        <p14:creationId xmlns:p14="http://schemas.microsoft.com/office/powerpoint/2010/main" val="1623018266"/>
+      </p:ext>
+    </p:extLst>
+  </p:cSld>
+  <p:clrMapOvr>
+    <a:masterClrMapping/>
+  </p:clrMapOvr>
+  <p:timing>
+    <p:tnLst>
+      <p:par>
+        <p:cTn id="1" dur="indefinite" restart="never" nodeType="tmRoot"/>
+      </p:par>
+    </p:tnLst>
+  </p:timing>
+</p:sld>
+</file>
+
+<file path=ppt/slides/slide41.xml><?xml version="1.0" encoding="utf-8"?>
+<p:sld xmlns:a="http://schemas.openxmlformats.org/drawingml/2006/main" xmlns:r="http://schemas.openxmlformats.org/officeDocument/2006/relationships" xmlns:p="http://schemas.openxmlformats.org/presentationml/2006/main">
+  <p:cSld>
+    <p:spTree>
+      <p:nvGrpSpPr>
+        <p:cNvPr id="1" name=""/>
+        <p:cNvGrpSpPr/>
+        <p:nvPr/>
+      </p:nvGrpSpPr>
+      <p:grpSpPr>
+        <a:xfrm>
+          <a:off x="0" y="0"/>
+          <a:ext cx="0" cy="0"/>
+          <a:chOff x="0" y="0"/>
+          <a:chExt cx="0" cy="0"/>
+        </a:xfrm>
+      </p:grpSpPr>
+      <p:sp>
+        <p:nvSpPr>
+          <p:cNvPr id="2" name="Title 1"/>
+          <p:cNvSpPr>
+            <a:spLocks noGrp="1"/>
+          </p:cNvSpPr>
+          <p:nvPr>
+            <p:ph type="title"/>
+          </p:nvPr>
+        </p:nvSpPr>
+        <p:spPr/>
+        <p:txBody>
+          <a:bodyPr/>
+          <a:lstStyle/>
+          <a:p>
+            <a:r>
+              <a:rPr lang="en-US" dirty="0" smtClean="0"/>
+              <a:t>N * LOG(N)</a:t>
+            </a:r>
+            <a:endParaRPr lang="en-US" dirty="0"/>
+          </a:p>
+        </p:txBody>
+      </p:sp>
+      <p:pic>
+        <p:nvPicPr>
+          <p:cNvPr id="4" name="Content Placeholder 3" descr="C:\Users\jonearles\Amazon Drive\Book\Practical Computer Science for SQL Developers\N LOG(N).png"/>
+          <p:cNvPicPr>
+            <a:picLocks noGrp="1" noChangeAspect="1"/>
+          </p:cNvPicPr>
+          <p:nvPr>
+            <p:ph idx="1"/>
+          </p:nvPr>
+        </p:nvPicPr>
+        <p:blipFill>
+          <a:blip r:embed="rId2">
+            <a:extLst>
+              <a:ext uri="{28A0092B-C50C-407E-A947-70E740481C1C}">
+                <a14:useLocalDpi xmlns:a14="http://schemas.microsoft.com/office/drawing/2010/main" val="0"/>
+              </a:ext>
+            </a:extLst>
+          </a:blip>
+          <a:srcRect/>
+          <a:stretch>
+            <a:fillRect/>
+          </a:stretch>
+        </p:blipFill>
+        <p:spPr bwMode="auto">
+          <a:xfrm>
+            <a:off x="2514600" y="895350"/>
+            <a:ext cx="4114800" cy="4114800"/>
+          </a:xfrm>
+          <a:prstGeom prst="rect">
+            <a:avLst/>
+          </a:prstGeom>
+          <a:noFill/>
+          <a:ln>
+            <a:noFill/>
+          </a:ln>
+        </p:spPr>
+      </p:pic>
+    </p:spTree>
+    <p:extLst>
+      <p:ext uri="{BB962C8B-B14F-4D97-AF65-F5344CB8AC3E}">
+        <p14:creationId xmlns:p14="http://schemas.microsoft.com/office/powerpoint/2010/main" val="1431611761"/>
+      </p:ext>
+    </p:extLst>
+  </p:cSld>
+  <p:clrMapOvr>
+    <a:masterClrMapping/>
+  </p:clrMapOvr>
+  <p:timing>
+    <p:tnLst>
+      <p:par>
+        <p:cTn id="1" dur="indefinite" restart="never" nodeType="tmRoot"/>
+      </p:par>
+    </p:tnLst>
+  </p:timing>
+</p:sld>
+</file>
+
+<file path=ppt/slides/slide42.xml><?xml version="1.0" encoding="utf-8"?>
+<p:sld xmlns:a="http://schemas.openxmlformats.org/drawingml/2006/main" xmlns:r="http://schemas.openxmlformats.org/officeDocument/2006/relationships" xmlns:p="http://schemas.openxmlformats.org/presentationml/2006/main">
+  <p:cSld>
+    <p:spTree>
+      <p:nvGrpSpPr>
+        <p:cNvPr id="1" name=""/>
+        <p:cNvGrpSpPr/>
+        <p:nvPr/>
+      </p:nvGrpSpPr>
+      <p:grpSpPr>
+        <a:xfrm>
+          <a:off x="0" y="0"/>
+          <a:ext cx="0" cy="0"/>
+          <a:chOff x="0" y="0"/>
+          <a:chExt cx="0" cy="0"/>
+        </a:xfrm>
+      </p:grpSpPr>
+      <p:sp>
+        <p:nvSpPr>
+          <p:cNvPr id="2" name="Title 1"/>
+          <p:cNvSpPr>
+            <a:spLocks noGrp="1"/>
+          </p:cNvSpPr>
+          <p:nvPr>
+            <p:ph type="title"/>
+          </p:nvPr>
+        </p:nvSpPr>
+        <p:spPr/>
+        <p:txBody>
+          <a:bodyPr/>
+          <a:lstStyle/>
+          <a:p>
+            <a:r>
+              <a:rPr lang="en-US" dirty="0" smtClean="0"/>
+              <a:t>N * LOG(N) - What and Where</a:t>
+            </a:r>
+            <a:endParaRPr lang="en-US" dirty="0"/>
+          </a:p>
+        </p:txBody>
+      </p:sp>
+      <p:sp>
+        <p:nvSpPr>
+          <p:cNvPr id="3" name="Content Placeholder 2"/>
+          <p:cNvSpPr>
+            <a:spLocks noGrp="1"/>
+          </p:cNvSpPr>
+          <p:nvPr>
+            <p:ph idx="1"/>
+          </p:nvPr>
+        </p:nvSpPr>
+        <p:spPr/>
+        <p:txBody>
+          <a:bodyPr>
+            <a:normAutofit/>
+          </a:bodyPr>
+          <a:lstStyle/>
+          <a:p>
+            <a:r>
+              <a:rPr lang="en-US" dirty="0"/>
+              <a:t>Sorting</a:t>
+            </a:r>
+            <a:endParaRPr lang="en-US" dirty="0" smtClean="0"/>
+          </a:p>
+          <a:p>
+            <a:r>
+              <a:rPr lang="en-US" dirty="0" smtClean="0"/>
+              <a:t>Iterated </a:t>
+            </a:r>
+            <a:r>
+              <a:rPr lang="en-US" dirty="0"/>
+              <a:t>index access</a:t>
+            </a:r>
+          </a:p>
+          <a:p>
+            <a:r>
+              <a:rPr lang="en-US" dirty="0"/>
+              <a:t>Local index (partitioned indexes</a:t>
+            </a:r>
+            <a:r>
+              <a:rPr lang="en-US" dirty="0" smtClean="0"/>
+              <a:t>)</a:t>
+            </a:r>
+          </a:p>
+        </p:txBody>
+      </p:sp>
+    </p:spTree>
+    <p:extLst>
+      <p:ext uri="{BB962C8B-B14F-4D97-AF65-F5344CB8AC3E}">
+        <p14:creationId xmlns:p14="http://schemas.microsoft.com/office/powerpoint/2010/main" val="1139039848"/>
+      </p:ext>
+    </p:extLst>
+  </p:cSld>
+  <p:clrMapOvr>
+    <a:masterClrMapping/>
+  </p:clrMapOvr>
+  <p:timing>
+    <p:tnLst>
+      <p:par>
+        <p:cTn id="1" dur="indefinite" restart="never" nodeType="tmRoot"/>
+      </p:par>
+    </p:tnLst>
+  </p:timing>
+</p:sld>
+</file>
+
+<file path=ppt/slides/slide43.xml><?xml version="1.0" encoding="utf-8"?>
+<p:sld xmlns:a="http://schemas.openxmlformats.org/drawingml/2006/main" xmlns:r="http://schemas.openxmlformats.org/officeDocument/2006/relationships" xmlns:p="http://schemas.openxmlformats.org/presentationml/2006/main">
+  <p:cSld>
+    <p:spTree>
+      <p:nvGrpSpPr>
+        <p:cNvPr id="1" name=""/>
+        <p:cNvGrpSpPr/>
+        <p:nvPr/>
+      </p:nvGrpSpPr>
+      <p:grpSpPr>
+        <a:xfrm>
+          <a:off x="0" y="0"/>
+          <a:ext cx="0" cy="0"/>
+          <a:chOff x="0" y="0"/>
+          <a:chExt cx="0" cy="0"/>
+        </a:xfrm>
+      </p:grpSpPr>
+      <p:sp>
+        <p:nvSpPr>
+          <p:cNvPr id="2" name="Title 1"/>
+          <p:cNvSpPr>
+            <a:spLocks noGrp="1"/>
+          </p:cNvSpPr>
+          <p:nvPr>
+            <p:ph type="title"/>
+          </p:nvPr>
+        </p:nvSpPr>
+        <p:spPr/>
+        <p:txBody>
+          <a:bodyPr>
+            <a:normAutofit fontScale="90000"/>
+          </a:bodyPr>
+          <a:lstStyle/>
+          <a:p>
+            <a:r>
+              <a:rPr lang="en-US" dirty="0" smtClean="0"/>
+              <a:t>N * LOG(N) - Full Table Scan vs. Index</a:t>
+            </a:r>
+            <a:endParaRPr lang="en-US" dirty="0"/>
+          </a:p>
+        </p:txBody>
+      </p:sp>
+      <p:pic>
+        <p:nvPicPr>
+          <p:cNvPr id="4" name="Content Placeholder 3"/>
+          <p:cNvPicPr>
+            <a:picLocks noGrp="1" noChangeAspect="1"/>
+          </p:cNvPicPr>
+          <p:nvPr>
+            <p:ph idx="1"/>
+          </p:nvPr>
+        </p:nvPicPr>
+        <p:blipFill>
+          <a:blip r:embed="rId3" cstate="print">
+            <a:extLst>
+              <a:ext uri="{28A0092B-C50C-407E-A947-70E740481C1C}">
+                <a14:useLocalDpi xmlns:a14="http://schemas.microsoft.com/office/drawing/2010/main" val="0"/>
+              </a:ext>
+            </a:extLst>
+          </a:blip>
+          <a:stretch>
+            <a:fillRect/>
+          </a:stretch>
+        </p:blipFill>
+        <p:spPr>
+          <a:xfrm>
+            <a:off x="2286000" y="961899"/>
+            <a:ext cx="4572000" cy="3997842"/>
+          </a:xfrm>
+        </p:spPr>
+      </p:pic>
+    </p:spTree>
+    <p:extLst>
+      <p:ext uri="{BB962C8B-B14F-4D97-AF65-F5344CB8AC3E}">
+        <p14:creationId xmlns:p14="http://schemas.microsoft.com/office/powerpoint/2010/main" val="353384941"/>
+      </p:ext>
+    </p:extLst>
+  </p:cSld>
+  <p:clrMapOvr>
+    <a:masterClrMapping/>
+  </p:clrMapOvr>
+</p:sld>
+</file>
+
+<file path=ppt/slides/slide44.xml><?xml version="1.0" encoding="utf-8"?>
+<p:sld xmlns:a="http://schemas.openxmlformats.org/drawingml/2006/main" xmlns:r="http://schemas.openxmlformats.org/officeDocument/2006/relationships" xmlns:p="http://schemas.openxmlformats.org/presentationml/2006/main">
+  <p:cSld>
+    <p:spTree>
+      <p:nvGrpSpPr>
+        <p:cNvPr id="1" name=""/>
+        <p:cNvGrpSpPr/>
+        <p:nvPr/>
+      </p:nvGrpSpPr>
+      <p:grpSpPr>
+        <a:xfrm>
+          <a:off x="0" y="0"/>
+          <a:ext cx="0" cy="0"/>
+          <a:chOff x="0" y="0"/>
+          <a:chExt cx="0" cy="0"/>
+        </a:xfrm>
+      </p:grpSpPr>
+      <p:sp>
+        <p:nvSpPr>
+          <p:cNvPr id="2" name="Title 1"/>
+          <p:cNvSpPr>
+            <a:spLocks noGrp="1"/>
+          </p:cNvSpPr>
+          <p:nvPr>
+            <p:ph type="title"/>
+          </p:nvPr>
+        </p:nvSpPr>
+        <p:spPr/>
+        <p:txBody>
+          <a:bodyPr/>
+          <a:lstStyle/>
+          <a:p>
+            <a:r>
+              <a:rPr lang="en-US" dirty="0" smtClean="0"/>
+              <a:t>N * LOG(N) - Sorting</a:t>
+            </a:r>
+            <a:endParaRPr lang="en-US" dirty="0"/>
+          </a:p>
+        </p:txBody>
+      </p:sp>
+      <p:sp>
+        <p:nvSpPr>
+          <p:cNvPr id="3" name="Content Placeholder 2"/>
+          <p:cNvSpPr>
+            <a:spLocks noGrp="1"/>
+          </p:cNvSpPr>
+          <p:nvPr>
+            <p:ph idx="1"/>
+          </p:nvPr>
+        </p:nvSpPr>
+        <p:spPr/>
+        <p:txBody>
+          <a:bodyPr/>
+          <a:lstStyle/>
+          <a:p>
+            <a:r>
+              <a:rPr lang="en-US" dirty="0" smtClean="0"/>
+              <a:t>ORDER BY time does not grow linearly</a:t>
+            </a:r>
+          </a:p>
+          <a:p>
+            <a:r>
+              <a:rPr lang="en-US" dirty="0" smtClean="0"/>
+              <a:t>Space grows linearly</a:t>
+            </a:r>
+          </a:p>
+          <a:p>
+            <a:r>
+              <a:rPr lang="en-US" dirty="0" smtClean="0"/>
+              <a:t>Index full scan - do sorting ahead of time</a:t>
+            </a:r>
+          </a:p>
+          <a:p>
+            <a:endParaRPr lang="en-US" dirty="0"/>
+          </a:p>
+        </p:txBody>
+      </p:sp>
+    </p:spTree>
+    <p:extLst>
+      <p:ext uri="{BB962C8B-B14F-4D97-AF65-F5344CB8AC3E}">
+        <p14:creationId xmlns:p14="http://schemas.microsoft.com/office/powerpoint/2010/main" val="4161855322"/>
+      </p:ext>
+    </p:extLst>
+  </p:cSld>
+  <p:clrMapOvr>
+    <a:masterClrMapping/>
+  </p:clrMapOvr>
+</p:sld>
+</file>
+
+<file path=ppt/slides/slide45.xml><?xml version="1.0" encoding="utf-8"?>
+<p:sld xmlns:a="http://schemas.openxmlformats.org/drawingml/2006/main" xmlns:r="http://schemas.openxmlformats.org/officeDocument/2006/relationships" xmlns:p="http://schemas.openxmlformats.org/presentationml/2006/main">
+  <p:cSld>
+    <p:spTree>
+      <p:nvGrpSpPr>
+        <p:cNvPr id="1" name=""/>
+        <p:cNvGrpSpPr/>
+        <p:nvPr/>
+      </p:nvGrpSpPr>
+      <p:grpSpPr>
+        <a:xfrm>
+          <a:off x="0" y="0"/>
+          <a:ext cx="0" cy="0"/>
+          <a:chOff x="0" y="0"/>
+          <a:chExt cx="0" cy="0"/>
+        </a:xfrm>
+      </p:grpSpPr>
+      <p:sp>
+        <p:nvSpPr>
+          <p:cNvPr id="2" name="Title 1"/>
+          <p:cNvSpPr>
+            <a:spLocks noGrp="1"/>
+          </p:cNvSpPr>
+          <p:nvPr>
+            <p:ph type="title"/>
+          </p:nvPr>
+        </p:nvSpPr>
+        <p:spPr/>
+        <p:txBody>
+          <a:bodyPr/>
+          <a:lstStyle/>
+          <a:p>
+            <a:r>
+              <a:rPr lang="en-US" dirty="0" smtClean="0"/>
+              <a:t>N * LOG(N) - Joining</a:t>
+            </a:r>
+            <a:endParaRPr lang="en-US" dirty="0"/>
+          </a:p>
+        </p:txBody>
+      </p:sp>
+      <p:pic>
+        <p:nvPicPr>
+          <p:cNvPr id="4" name="Content Placeholder 3"/>
+          <p:cNvPicPr>
+            <a:picLocks noGrp="1" noChangeAspect="1"/>
+          </p:cNvPicPr>
+          <p:nvPr>
+            <p:ph idx="1"/>
+          </p:nvPr>
+        </p:nvPicPr>
+        <p:blipFill>
+          <a:blip r:embed="rId3" cstate="print">
+            <a:extLst>
+              <a:ext uri="{28A0092B-C50C-407E-A947-70E740481C1C}">
+                <a14:useLocalDpi xmlns:a14="http://schemas.microsoft.com/office/drawing/2010/main" val="0"/>
+              </a:ext>
+            </a:extLst>
+          </a:blip>
+          <a:stretch>
+            <a:fillRect/>
+          </a:stretch>
+        </p:blipFill>
+        <p:spPr>
+          <a:xfrm>
+            <a:off x="2667000" y="1047750"/>
+            <a:ext cx="3962400" cy="3923266"/>
+          </a:xfrm>
+        </p:spPr>
+      </p:pic>
+    </p:spTree>
+    <p:extLst>
+      <p:ext uri="{BB962C8B-B14F-4D97-AF65-F5344CB8AC3E}">
+        <p14:creationId xmlns:p14="http://schemas.microsoft.com/office/powerpoint/2010/main" val="1019791011"/>
+      </p:ext>
+    </p:extLst>
+  </p:cSld>
+  <p:clrMapOvr>
+    <a:masterClrMapping/>
+  </p:clrMapOvr>
+</p:sld>
+</file>
+
+<file path=ppt/slides/slide46.xml><?xml version="1.0" encoding="utf-8"?>
+<p:sld xmlns:a="http://schemas.openxmlformats.org/drawingml/2006/main" xmlns:r="http://schemas.openxmlformats.org/officeDocument/2006/relationships" xmlns:p="http://schemas.openxmlformats.org/presentationml/2006/main">
+  <p:cSld>
+    <p:spTree>
+      <p:nvGrpSpPr>
+        <p:cNvPr id="1" name=""/>
+        <p:cNvGrpSpPr/>
+        <p:nvPr/>
+      </p:nvGrpSpPr>
+      <p:grpSpPr>
+        <a:xfrm>
+          <a:off x="0" y="0"/>
+          <a:ext cx="0" cy="0"/>
+          <a:chOff x="0" y="0"/>
+          <a:chExt cx="0" cy="0"/>
+        </a:xfrm>
+      </p:grpSpPr>
+      <p:sp>
+        <p:nvSpPr>
+          <p:cNvPr id="2" name="Title 1"/>
+          <p:cNvSpPr>
+            <a:spLocks noGrp="1"/>
+          </p:cNvSpPr>
+          <p:nvPr>
+            <p:ph type="title"/>
+          </p:nvPr>
+        </p:nvSpPr>
+        <p:spPr/>
+        <p:txBody>
           <a:bodyPr/>
           <a:lstStyle/>
           <a:p>
@@ -14913,7 +16263,7 @@
 </p:sld>
 </file>
 
-<file path=ppt/slides/slide41.xml><?xml version="1.0" encoding="utf-8"?>
+<file path=ppt/slides/slide47.xml><?xml version="1.0" encoding="utf-8"?>
 <p:sld xmlns:a="http://schemas.openxmlformats.org/drawingml/2006/main" xmlns:r="http://schemas.openxmlformats.org/officeDocument/2006/relationships" xmlns:p="http://schemas.openxmlformats.org/presentationml/2006/main">
   <p:cSld>
     <p:spTree>
@@ -14997,7 +16347,7 @@
 </p:sld>
 </file>
 
-<file path=ppt/slides/slide42.xml><?xml version="1.0" encoding="utf-8"?>
+<file path=ppt/slides/slide48.xml><?xml version="1.0" encoding="utf-8"?>
 <p:sld xmlns:a="http://schemas.openxmlformats.org/drawingml/2006/main" xmlns:r="http://schemas.openxmlformats.org/officeDocument/2006/relationships" xmlns:p="http://schemas.openxmlformats.org/presentationml/2006/main">
   <p:cSld>
     <p:spTree>
@@ -15091,7 +16441,7 @@
 </p:sld>
 </file>
 
-<file path=ppt/slides/slide43.xml><?xml version="1.0" encoding="utf-8"?>
+<file path=ppt/slides/slide49.xml><?xml version="1.0" encoding="utf-8"?>
 <p:sld xmlns:a="http://schemas.openxmlformats.org/drawingml/2006/main" xmlns:r="http://schemas.openxmlformats.org/officeDocument/2006/relationships" xmlns:p="http://schemas.openxmlformats.org/presentationml/2006/main">
   <p:cSld>
     <p:spTree>
@@ -15188,7 +16538,129 @@
 </p:sld>
 </file>
 
-<file path=ppt/slides/slide44.xml><?xml version="1.0" encoding="utf-8"?>
+<file path=ppt/slides/slide5.xml><?xml version="1.0" encoding="utf-8"?>
+<p:sld xmlns:a="http://schemas.openxmlformats.org/drawingml/2006/main" xmlns:r="http://schemas.openxmlformats.org/officeDocument/2006/relationships" xmlns:p="http://schemas.openxmlformats.org/presentationml/2006/main">
+  <p:cSld>
+    <p:spTree>
+      <p:nvGrpSpPr>
+        <p:cNvPr id="1" name=""/>
+        <p:cNvGrpSpPr/>
+        <p:nvPr/>
+      </p:nvGrpSpPr>
+      <p:grpSpPr>
+        <a:xfrm>
+          <a:off x="0" y="0"/>
+          <a:ext cx="0" cy="0"/>
+          <a:chOff x="0" y="0"/>
+          <a:chExt cx="0" cy="0"/>
+        </a:xfrm>
+      </p:grpSpPr>
+      <p:sp>
+        <p:nvSpPr>
+          <p:cNvPr id="2" name="Title 1"/>
+          <p:cNvSpPr>
+            <a:spLocks noGrp="1"/>
+          </p:cNvSpPr>
+          <p:nvPr>
+            <p:ph type="title"/>
+          </p:nvPr>
+        </p:nvSpPr>
+        <p:spPr/>
+        <p:txBody>
+          <a:bodyPr/>
+          <a:lstStyle/>
+          <a:p>
+            <a:r>
+              <a:rPr lang="en-US" dirty="0" smtClean="0"/>
+              <a:t>Tuning is Hard</a:t>
+            </a:r>
+            <a:endParaRPr lang="en-US" dirty="0"/>
+          </a:p>
+        </p:txBody>
+      </p:sp>
+      <p:sp>
+        <p:nvSpPr>
+          <p:cNvPr id="3" name="Content Placeholder 2"/>
+          <p:cNvSpPr>
+            <a:spLocks noGrp="1"/>
+          </p:cNvSpPr>
+          <p:nvPr>
+            <p:ph idx="1"/>
+          </p:nvPr>
+        </p:nvSpPr>
+        <p:spPr/>
+        <p:txBody>
+          <a:bodyPr>
+            <a:normAutofit fontScale="92500" lnSpcReduction="10000"/>
+          </a:bodyPr>
+          <a:lstStyle/>
+          <a:p>
+            <a:r>
+              <a:rPr lang="en-US" dirty="0" smtClean="0"/>
+              <a:t>Most tuning is based on business logic, dev process, advanced features, and styles</a:t>
+            </a:r>
+          </a:p>
+          <a:p>
+            <a:r>
+              <a:rPr lang="en-US" dirty="0" smtClean="0"/>
+              <a:t>Breadth-first approach </a:t>
+            </a:r>
+            <a:r>
+              <a:rPr lang="en-US" dirty="0" smtClean="0"/>
+              <a:t>needed</a:t>
+            </a:r>
+          </a:p>
+          <a:p>
+            <a:r>
+              <a:rPr lang="en-US" dirty="0" smtClean="0"/>
+              <a:t>Find first </a:t>
+            </a:r>
+            <a:r>
+              <a:rPr lang="en-US" i="1" dirty="0" smtClean="0"/>
+              <a:t>significant</a:t>
+            </a:r>
+            <a:r>
+              <a:rPr lang="en-US" dirty="0" smtClean="0"/>
+              <a:t> problem (measure, don't guess)</a:t>
+            </a:r>
+            <a:endParaRPr lang="en-US" dirty="0" smtClean="0"/>
+          </a:p>
+          <a:p>
+            <a:r>
+              <a:rPr lang="en-US" dirty="0" smtClean="0"/>
+              <a:t>Many tuning styles are necessary</a:t>
+            </a:r>
+          </a:p>
+          <a:p>
+            <a:r>
+              <a:rPr lang="en-US" dirty="0" smtClean="0"/>
+              <a:t>Algorithm analysis is foundational</a:t>
+            </a:r>
+            <a:endParaRPr lang="en-US" dirty="0"/>
+          </a:p>
+        </p:txBody>
+      </p:sp>
+    </p:spTree>
+    <p:extLst>
+      <p:ext uri="{BB962C8B-B14F-4D97-AF65-F5344CB8AC3E}">
+        <p14:creationId xmlns:p14="http://schemas.microsoft.com/office/powerpoint/2010/main" val="1469964481"/>
+      </p:ext>
+    </p:extLst>
+  </p:cSld>
+  <p:clrMapOvr>
+    <a:masterClrMapping/>
+  </p:clrMapOvr>
+  <p:timing>
+    <p:tnLst>
+      <p:par>
+        <p:cTn id="1" dur="indefinite" restart="never" nodeType="tmRoot"/>
+      </p:par>
+    </p:tnLst>
+  </p:timing>
+</p:sld>
+</file>
+
+<file path=ppt/slides/slide50.xml><?xml version="1.0" encoding="utf-8"?>
 <p:sld xmlns:a="http://schemas.openxmlformats.org/drawingml/2006/main" xmlns:r="http://schemas.openxmlformats.org/officeDocument/2006/relationships" xmlns:p="http://schemas.openxmlformats.org/presentationml/2006/main">
   <p:cSld>
     <p:spTree>
@@ -15427,7 +16899,7 @@
 </p:sld>
 </file>
 
-<file path=ppt/slides/slide45.xml><?xml version="1.0" encoding="utf-8"?>
+<file path=ppt/slides/slide51.xml><?xml version="1.0" encoding="utf-8"?>
 <p:sld xmlns:a="http://schemas.openxmlformats.org/drawingml/2006/main" xmlns:r="http://schemas.openxmlformats.org/officeDocument/2006/relationships" xmlns:p="http://schemas.openxmlformats.org/presentationml/2006/main">
   <p:cSld>
     <p:spTree>
@@ -15515,7 +16987,7 @@
 </p:sld>
 </file>
 
-<file path=ppt/slides/slide46.xml><?xml version="1.0" encoding="utf-8"?>
+<file path=ppt/slides/slide52.xml><?xml version="1.0" encoding="utf-8"?>
 <p:sld xmlns:a="http://schemas.openxmlformats.org/drawingml/2006/main" xmlns:r="http://schemas.openxmlformats.org/officeDocument/2006/relationships" xmlns:p="http://schemas.openxmlformats.org/presentationml/2006/main">
   <p:cSld>
     <p:spTree>
@@ -15612,7 +17084,7 @@
 </p:sld>
 </file>
 
-<file path=ppt/slides/slide47.xml><?xml version="1.0" encoding="utf-8"?>
+<file path=ppt/slides/slide53.xml><?xml version="1.0" encoding="utf-8"?>
 <p:sld xmlns:a="http://schemas.openxmlformats.org/drawingml/2006/main" xmlns:r="http://schemas.openxmlformats.org/officeDocument/2006/relationships" xmlns:p="http://schemas.openxmlformats.org/presentationml/2006/main">
   <p:cSld>
     <p:spTree>
@@ -15735,7 +17207,7 @@
 </p:sld>
 </file>
 
-<file path=ppt/slides/slide48.xml><?xml version="1.0" encoding="utf-8"?>
+<file path=ppt/slides/slide54.xml><?xml version="1.0" encoding="utf-8"?>
 <p:sld xmlns:a="http://schemas.openxmlformats.org/drawingml/2006/main" xmlns:r="http://schemas.openxmlformats.org/officeDocument/2006/relationships" xmlns:p="http://schemas.openxmlformats.org/presentationml/2006/main">
   <p:cSld>
     <p:spTree>
@@ -16006,7 +17478,7 @@
 </p:sld>
 </file>
 
-<file path=ppt/slides/slide49.xml><?xml version="1.0" encoding="utf-8"?>
+<file path=ppt/slides/slide55.xml><?xml version="1.0" encoding="utf-8"?>
 <p:sld xmlns:a="http://schemas.openxmlformats.org/drawingml/2006/main" xmlns:r="http://schemas.openxmlformats.org/officeDocument/2006/relationships" xmlns:p="http://schemas.openxmlformats.org/presentationml/2006/main">
   <p:cSld>
     <p:spTree>
@@ -16124,7 +17596,7 @@
 </p:sld>
 </file>
 
-<file path=ppt/slides/slide5.xml><?xml version="1.0" encoding="utf-8"?>
+<file path=ppt/slides/slide56.xml><?xml version="1.0" encoding="utf-8"?>
 <p:sld xmlns:a="http://schemas.openxmlformats.org/drawingml/2006/main" xmlns:r="http://schemas.openxmlformats.org/officeDocument/2006/relationships" xmlns:p="http://schemas.openxmlformats.org/presentationml/2006/main">
   <p:cSld>
     <p:spTree>
@@ -16158,128 +17630,6 @@
           <a:p>
             <a:r>
               <a:rPr lang="en-US" dirty="0" smtClean="0"/>
-              <a:t>Tuning is Hard</a:t>
-            </a:r>
-            <a:endParaRPr lang="en-US" dirty="0"/>
-          </a:p>
-        </p:txBody>
-      </p:sp>
-      <p:sp>
-        <p:nvSpPr>
-          <p:cNvPr id="3" name="Content Placeholder 2"/>
-          <p:cNvSpPr>
-            <a:spLocks noGrp="1"/>
-          </p:cNvSpPr>
-          <p:nvPr>
-            <p:ph idx="1"/>
-          </p:nvPr>
-        </p:nvSpPr>
-        <p:spPr/>
-        <p:txBody>
-          <a:bodyPr>
-            <a:normAutofit fontScale="92500" lnSpcReduction="10000"/>
-          </a:bodyPr>
-          <a:lstStyle/>
-          <a:p>
-            <a:r>
-              <a:rPr lang="en-US" dirty="0" smtClean="0"/>
-              <a:t>Most tuning is based on business logic, dev process, advanced features, and styles</a:t>
-            </a:r>
-          </a:p>
-          <a:p>
-            <a:r>
-              <a:rPr lang="en-US" dirty="0" smtClean="0"/>
-              <a:t>Breadth-first approach </a:t>
-            </a:r>
-            <a:r>
-              <a:rPr lang="en-US" dirty="0" smtClean="0"/>
-              <a:t>needed</a:t>
-            </a:r>
-          </a:p>
-          <a:p>
-            <a:r>
-              <a:rPr lang="en-US" dirty="0" smtClean="0"/>
-              <a:t>Find first </a:t>
-            </a:r>
-            <a:r>
-              <a:rPr lang="en-US" i="1" dirty="0" smtClean="0"/>
-              <a:t>significant</a:t>
-            </a:r>
-            <a:r>
-              <a:rPr lang="en-US" dirty="0" smtClean="0"/>
-              <a:t> problem (measure, don't guess)</a:t>
-            </a:r>
-            <a:endParaRPr lang="en-US" dirty="0" smtClean="0"/>
-          </a:p>
-          <a:p>
-            <a:r>
-              <a:rPr lang="en-US" dirty="0" smtClean="0"/>
-              <a:t>Many tuning styles are necessary</a:t>
-            </a:r>
-          </a:p>
-          <a:p>
-            <a:r>
-              <a:rPr lang="en-US" dirty="0" smtClean="0"/>
-              <a:t>Algorithm analysis is foundational</a:t>
-            </a:r>
-            <a:endParaRPr lang="en-US" dirty="0"/>
-          </a:p>
-        </p:txBody>
-      </p:sp>
-    </p:spTree>
-    <p:extLst>
-      <p:ext uri="{BB962C8B-B14F-4D97-AF65-F5344CB8AC3E}">
-        <p14:creationId xmlns:p14="http://schemas.microsoft.com/office/powerpoint/2010/main" val="1469964481"/>
-      </p:ext>
-    </p:extLst>
-  </p:cSld>
-  <p:clrMapOvr>
-    <a:masterClrMapping/>
-  </p:clrMapOvr>
-  <p:timing>
-    <p:tnLst>
-      <p:par>
-        <p:cTn id="1" dur="indefinite" restart="never" nodeType="tmRoot"/>
-      </p:par>
-    </p:tnLst>
-  </p:timing>
-</p:sld>
-</file>
-
-<file path=ppt/slides/slide50.xml><?xml version="1.0" encoding="utf-8"?>
-<p:sld xmlns:a="http://schemas.openxmlformats.org/drawingml/2006/main" xmlns:r="http://schemas.openxmlformats.org/officeDocument/2006/relationships" xmlns:p="http://schemas.openxmlformats.org/presentationml/2006/main">
-  <p:cSld>
-    <p:spTree>
-      <p:nvGrpSpPr>
-        <p:cNvPr id="1" name=""/>
-        <p:cNvGrpSpPr/>
-        <p:nvPr/>
-      </p:nvGrpSpPr>
-      <p:grpSpPr>
-        <a:xfrm>
-          <a:off x="0" y="0"/>
-          <a:ext cx="0" cy="0"/>
-          <a:chOff x="0" y="0"/>
-          <a:chExt cx="0" cy="0"/>
-        </a:xfrm>
-      </p:grpSpPr>
-      <p:sp>
-        <p:nvSpPr>
-          <p:cNvPr id="2" name="Title 1"/>
-          <p:cNvSpPr>
-            <a:spLocks noGrp="1"/>
-          </p:cNvSpPr>
-          <p:nvPr>
-            <p:ph type="title"/>
-          </p:nvPr>
-        </p:nvSpPr>
-        <p:spPr/>
-        <p:txBody>
-          <a:bodyPr/>
-          <a:lstStyle/>
-          <a:p>
-            <a:r>
-              <a:rPr lang="en-US" dirty="0" smtClean="0"/>
               <a:t>Summary</a:t>
             </a:r>
             <a:endParaRPr lang="en-US" dirty="0"/>
@@ -16349,7 +17699,7 @@
 </p:sld>
 </file>
 
-<file path=ppt/slides/slide51.xml><?xml version="1.0" encoding="utf-8"?>
+<file path=ppt/slides/slide57.xml><?xml version="1.0" encoding="utf-8"?>
 <p:sld xmlns:a="http://schemas.openxmlformats.org/drawingml/2006/main" xmlns:r="http://schemas.openxmlformats.org/officeDocument/2006/relationships" xmlns:p="http://schemas.openxmlformats.org/presentationml/2006/main">
   <p:cSld>
     <p:spTree>
@@ -16545,7 +17895,7 @@
         </p:nvSpPr>
         <p:spPr>
           <a:xfrm>
-            <a:off x="3898392" y="3562350"/>
+            <a:off x="3930396" y="3562350"/>
             <a:ext cx="978408" cy="484632"/>
           </a:xfrm>
           <a:prstGeom prst="rightArrow">
@@ -17931,6 +19281,12 @@
             <a:r>
               <a:rPr lang="en-US" dirty="0" smtClean="0"/>
               <a:t>)*</a:t>
+            </a:r>
+          </a:p>
+          <a:p>
+            <a:r>
+              <a:rPr lang="en-US" dirty="0" smtClean="0"/>
+              <a:t>Many lectures available online</a:t>
             </a:r>
           </a:p>
         </p:txBody>

--- a/examples/presentations/Practical Algorithm Analysis for Oracle Developers - Collaborate - 2019_281_Heller.pptx
+++ b/examples/presentations/Practical Algorithm Analysis for Oracle Developers - Collaborate - 2019_281_Heller.pptx
@@ -7,7 +7,7 @@
     <p:sldMasterId id="2147483668" r:id="rId3"/>
   </p:sldMasterIdLst>
   <p:notesMasterIdLst>
-    <p:notesMasterId r:id="rId61"/>
+    <p:notesMasterId r:id="rId58"/>
   </p:notesMasterIdLst>
   <p:sldIdLst>
     <p:sldId id="304" r:id="rId4"/>
@@ -30,43 +30,40 @@
     <p:sldId id="290" r:id="rId21"/>
     <p:sldId id="314" r:id="rId22"/>
     <p:sldId id="319" r:id="rId23"/>
-    <p:sldId id="318" r:id="rId24"/>
-    <p:sldId id="317" r:id="rId25"/>
-    <p:sldId id="316" r:id="rId26"/>
-    <p:sldId id="294" r:id="rId27"/>
-    <p:sldId id="315" r:id="rId28"/>
-    <p:sldId id="295" r:id="rId29"/>
-    <p:sldId id="297" r:id="rId30"/>
-    <p:sldId id="296" r:id="rId31"/>
-    <p:sldId id="263" r:id="rId32"/>
-    <p:sldId id="264" r:id="rId33"/>
-    <p:sldId id="265" r:id="rId34"/>
-    <p:sldId id="298" r:id="rId35"/>
-    <p:sldId id="278" r:id="rId36"/>
-    <p:sldId id="299" r:id="rId37"/>
-    <p:sldId id="302" r:id="rId38"/>
-    <p:sldId id="301" r:id="rId39"/>
-    <p:sldId id="300" r:id="rId40"/>
-    <p:sldId id="303" r:id="rId41"/>
-    <p:sldId id="266" r:id="rId42"/>
-    <p:sldId id="267" r:id="rId43"/>
-    <p:sldId id="269" r:id="rId44"/>
-    <p:sldId id="270" r:id="rId45"/>
-    <p:sldId id="306" r:id="rId46"/>
-    <p:sldId id="308" r:id="rId47"/>
-    <p:sldId id="307" r:id="rId48"/>
-    <p:sldId id="280" r:id="rId49"/>
-    <p:sldId id="309" r:id="rId50"/>
-    <p:sldId id="310" r:id="rId51"/>
-    <p:sldId id="272" r:id="rId52"/>
-    <p:sldId id="273" r:id="rId53"/>
-    <p:sldId id="274" r:id="rId54"/>
-    <p:sldId id="275" r:id="rId55"/>
-    <p:sldId id="276" r:id="rId56"/>
-    <p:sldId id="281" r:id="rId57"/>
-    <p:sldId id="277" r:id="rId58"/>
-    <p:sldId id="311" r:id="rId59"/>
-    <p:sldId id="305" r:id="rId60"/>
+    <p:sldId id="320" r:id="rId24"/>
+    <p:sldId id="318" r:id="rId25"/>
+    <p:sldId id="295" r:id="rId26"/>
+    <p:sldId id="297" r:id="rId27"/>
+    <p:sldId id="296" r:id="rId28"/>
+    <p:sldId id="263" r:id="rId29"/>
+    <p:sldId id="264" r:id="rId30"/>
+    <p:sldId id="265" r:id="rId31"/>
+    <p:sldId id="298" r:id="rId32"/>
+    <p:sldId id="278" r:id="rId33"/>
+    <p:sldId id="299" r:id="rId34"/>
+    <p:sldId id="302" r:id="rId35"/>
+    <p:sldId id="301" r:id="rId36"/>
+    <p:sldId id="300" r:id="rId37"/>
+    <p:sldId id="303" r:id="rId38"/>
+    <p:sldId id="266" r:id="rId39"/>
+    <p:sldId id="267" r:id="rId40"/>
+    <p:sldId id="269" r:id="rId41"/>
+    <p:sldId id="270" r:id="rId42"/>
+    <p:sldId id="306" r:id="rId43"/>
+    <p:sldId id="308" r:id="rId44"/>
+    <p:sldId id="307" r:id="rId45"/>
+    <p:sldId id="280" r:id="rId46"/>
+    <p:sldId id="309" r:id="rId47"/>
+    <p:sldId id="310" r:id="rId48"/>
+    <p:sldId id="272" r:id="rId49"/>
+    <p:sldId id="273" r:id="rId50"/>
+    <p:sldId id="274" r:id="rId51"/>
+    <p:sldId id="275" r:id="rId52"/>
+    <p:sldId id="276" r:id="rId53"/>
+    <p:sldId id="281" r:id="rId54"/>
+    <p:sldId id="277" r:id="rId55"/>
+    <p:sldId id="311" r:id="rId56"/>
+    <p:sldId id="305" r:id="rId57"/>
   </p:sldIdLst>
   <p:sldSz cx="9144000" cy="5143500" type="screen16x9"/>
   <p:notesSz cx="6858000" cy="9144000"/>
@@ -1838,131 +1835,17 @@
           <a:bodyPr/>
           <a:lstStyle/>
           <a:p>
-            <a:pPr marL="171450" marR="0" indent="-171450" algn="l" defTabSz="914378" rtl="0" eaLnBrk="1" fontAlgn="auto" latinLnBrk="0" hangingPunct="1">
-              <a:lnSpc>
-                <a:spcPct val="100000"/>
-              </a:lnSpc>
-              <a:spcBef>
-                <a:spcPts val="0"/>
-              </a:spcBef>
-              <a:spcAft>
-                <a:spcPts val="0"/>
-              </a:spcAft>
-              <a:buClrTx/>
-              <a:buSzTx/>
+            <a:pPr marL="171450" indent="-171450">
               <a:buFont typeface="Arial" charset="0"/>
               <a:buChar char="•"/>
-              <a:tabLst/>
-              <a:defRPr/>
             </a:pPr>
             <a:r>
+              <a:rPr lang="en-US" dirty="0" smtClean="0"/>
+              <a:t>Note the extra buckets and collisions.</a:t>
+            </a:r>
+            <a:r>
               <a:rPr lang="en-US" baseline="0" dirty="0" smtClean="0"/>
-              <a:t>There are many hash properties and there's not enough time to go over all of them.  Three of the most popular types of hashes are displayed here.</a:t>
-            </a:r>
-          </a:p>
-          <a:p>
-            <a:pPr marL="171450" marR="0" indent="-171450" algn="l" defTabSz="914378" rtl="0" eaLnBrk="1" fontAlgn="auto" latinLnBrk="0" hangingPunct="1">
-              <a:lnSpc>
-                <a:spcPct val="100000"/>
-              </a:lnSpc>
-              <a:spcBef>
-                <a:spcPts val="0"/>
-              </a:spcBef>
-              <a:spcAft>
-                <a:spcPts val="0"/>
-              </a:spcAft>
-              <a:buClrTx/>
-              <a:buSzTx/>
-              <a:buFont typeface="Arial" charset="0"/>
-              <a:buChar char="•"/>
-              <a:tabLst/>
-              <a:defRPr/>
-            </a:pPr>
-            <a:r>
-              <a:rPr lang="en-US" baseline="0" dirty="0" smtClean="0"/>
-              <a:t>The minimal perfect hash is an unrealistic goal.  In practice you will never achieve a hash that good, unless you know all of the values ahead of time and spend a huge amount of processing time.</a:t>
-            </a:r>
-          </a:p>
-          <a:p>
-            <a:pPr marL="171450" marR="0" indent="-171450" algn="l" defTabSz="914378" rtl="0" eaLnBrk="1" fontAlgn="auto" latinLnBrk="0" hangingPunct="1">
-              <a:lnSpc>
-                <a:spcPct val="100000"/>
-              </a:lnSpc>
-              <a:spcBef>
-                <a:spcPts val="0"/>
-              </a:spcBef>
-              <a:spcAft>
-                <a:spcPts val="0"/>
-              </a:spcAft>
-              <a:buClrTx/>
-              <a:buSzTx/>
-              <a:buFont typeface="Arial" charset="0"/>
-              <a:buChar char="•"/>
-              <a:tabLst/>
-              <a:defRPr/>
-            </a:pPr>
-            <a:r>
-              <a:rPr lang="en-US" baseline="0" dirty="0" smtClean="0"/>
-              <a:t>In practice, we have to choose between a </a:t>
-            </a:r>
-          </a:p>
-          <a:p>
-            <a:pPr marL="171450" marR="0" indent="-171450" algn="l" defTabSz="914378" rtl="0" eaLnBrk="1" fontAlgn="auto" latinLnBrk="0" hangingPunct="1">
-              <a:lnSpc>
-                <a:spcPct val="100000"/>
-              </a:lnSpc>
-              <a:spcBef>
-                <a:spcPts val="0"/>
-              </a:spcBef>
-              <a:spcAft>
-                <a:spcPts val="0"/>
-              </a:spcAft>
-              <a:buClrTx/>
-              <a:buSzTx/>
-              <a:buFont typeface="Arial" charset="0"/>
-              <a:buChar char="•"/>
-              <a:tabLst/>
-              <a:defRPr/>
-            </a:pPr>
-            <a:endParaRPr lang="en-US" dirty="0" smtClean="0"/>
-          </a:p>
-          <a:p>
-            <a:pPr marL="0" marR="0" indent="0" algn="l" defTabSz="914378" rtl="0" eaLnBrk="1" fontAlgn="auto" latinLnBrk="0" hangingPunct="1">
-              <a:lnSpc>
-                <a:spcPct val="100000"/>
-              </a:lnSpc>
-              <a:spcBef>
-                <a:spcPts val="0"/>
-              </a:spcBef>
-              <a:spcAft>
-                <a:spcPts val="0"/>
-              </a:spcAft>
-              <a:buClrTx/>
-              <a:buSzTx/>
-              <a:buFontTx/>
-              <a:buNone/>
-              <a:tabLst/>
-              <a:defRPr/>
-            </a:pPr>
-            <a:r>
-              <a:rPr lang="en-US" dirty="0" smtClean="0"/>
-              <a:t>(Images by </a:t>
-            </a:r>
-            <a:r>
-              <a:rPr lang="en-US" dirty="0" smtClean="0"/>
-              <a:t>Jorge </a:t>
-            </a:r>
-            <a:r>
-              <a:rPr lang="en-US" dirty="0" err="1" smtClean="0"/>
-              <a:t>Stolfi</a:t>
-            </a:r>
-            <a:r>
-              <a:rPr lang="en-US" dirty="0" smtClean="0"/>
-              <a:t> - Own work, Public Domain, https://</a:t>
-            </a:r>
-            <a:r>
-              <a:rPr lang="en-US" dirty="0" smtClean="0"/>
-              <a:t>commons.wikimedia.org/w/index.php?curid=6601264)</a:t>
+              <a:t>  The extra buckets waste space, and the collisions can decrease performance.  If all of the keys go into the same bucket then the data structure is effectively the same as a regular heap table, and every lookup changes from O(1) to O(N).</a:t>
             </a:r>
             <a:endParaRPr lang="en-US" dirty="0" smtClean="0"/>
           </a:p>
@@ -1985,7 +1868,7 @@
           <a:p>
             <a:fld id="{5A6616C6-9DE0-4865-BC75-EB7C5EE0BF49}" type="slidenum">
               <a:rPr lang="en-US" smtClean="0"/>
-              <a:t>24</a:t>
+              <a:t>21</a:t>
             </a:fld>
             <a:endParaRPr lang="en-US"/>
           </a:p>
@@ -1994,7 +1877,7 @@
     </p:spTree>
     <p:extLst>
       <p:ext uri="{BB962C8B-B14F-4D97-AF65-F5344CB8AC3E}">
-        <p14:creationId xmlns:p14="http://schemas.microsoft.com/office/powerpoint/2010/main" val="1412735394"/>
+        <p14:creationId xmlns:p14="http://schemas.microsoft.com/office/powerpoint/2010/main" val="4142883235"/>
       </p:ext>
     </p:extLst>
   </p:cSld>
@@ -2164,40 +2047,39 @@
           <a:bodyPr/>
           <a:lstStyle/>
           <a:p>
-            <a:r>
-              <a:rPr lang="en-US" sz="1200" kern="1200" dirty="0" smtClean="0">
-                <a:solidFill>
-                  <a:schemeClr val="tx1"/>
-                </a:solidFill>
-                <a:effectLst/>
-                <a:latin typeface="+mn-lt"/>
-                <a:ea typeface="+mn-ea"/>
-                <a:cs typeface="+mn-cs"/>
-              </a:rPr>
-              <a:t>See this Stack Overflow answer, where I try and fail to create a useful constant-time index using hash clusters: </a:t>
-            </a:r>
-            <a:r>
-              <a:rPr lang="en-US" sz="1200" u="sng" kern="1200" dirty="0" smtClean="0">
-                <a:solidFill>
-                  <a:schemeClr val="tx1"/>
-                </a:solidFill>
-                <a:effectLst/>
-                <a:latin typeface="+mn-lt"/>
-                <a:ea typeface="+mn-ea"/>
-                <a:cs typeface="+mn-cs"/>
-                <a:hlinkClick r:id="rId3"/>
-              </a:rPr>
-              <a:t>https://stackoverflow.com/questions/32071259/constant-time-index-for-string-column-on-oracle-database</a:t>
-            </a:r>
-            <a:endParaRPr lang="en-US" sz="1200" u="sng" kern="1200" dirty="0" smtClean="0">
-              <a:solidFill>
-                <a:schemeClr val="tx1"/>
-              </a:solidFill>
-              <a:effectLst/>
-              <a:latin typeface="+mn-lt"/>
-              <a:ea typeface="+mn-ea"/>
-              <a:cs typeface="+mn-cs"/>
-            </a:endParaRPr>
+            <a:pPr marL="171450" indent="-171450">
+              <a:buFont typeface="Arial" charset="0"/>
+              <a:buChar char="•"/>
+            </a:pPr>
+            <a:r>
+              <a:rPr lang="en-US" dirty="0" smtClean="0"/>
+              <a:t>There are many potential trade-offs in hash design.</a:t>
+            </a:r>
+          </a:p>
+          <a:p>
+            <a:pPr marL="171450" indent="-171450">
+              <a:buFont typeface="Arial" charset="0"/>
+              <a:buChar char="•"/>
+            </a:pPr>
+            <a:r>
+              <a:rPr lang="en-US" dirty="0" smtClean="0"/>
+              <a:t>If we go for a perfect hash, where everything goes to one bucket, the lookup time is O(1).  But it wastes a huge amount</a:t>
+            </a:r>
+            <a:r>
+              <a:rPr lang="en-US" baseline="0" dirty="0" smtClean="0"/>
+              <a:t> of space.</a:t>
+            </a:r>
+          </a:p>
+          <a:p>
+            <a:pPr marL="171450" indent="-171450">
+              <a:buFont typeface="Arial" charset="0"/>
+              <a:buChar char="•"/>
+            </a:pPr>
+            <a:r>
+              <a:rPr lang="en-US" baseline="0" dirty="0" smtClean="0"/>
+              <a:t>If we try to minimize the hash, and not waste any space, there are many duplicates and the lookup time is between O(1) and O(N).</a:t>
+            </a:r>
+            <a:endParaRPr lang="en-US" dirty="0"/>
           </a:p>
         </p:txBody>
       </p:sp>
@@ -2218,7 +2100,7 @@
           <a:p>
             <a:fld id="{5A6616C6-9DE0-4865-BC75-EB7C5EE0BF49}" type="slidenum">
               <a:rPr lang="en-US" smtClean="0"/>
-              <a:t>27</a:t>
+              <a:t>22</a:t>
             </a:fld>
             <a:endParaRPr lang="en-US"/>
           </a:p>
@@ -2227,7 +2109,7 @@
     </p:spTree>
     <p:extLst>
       <p:ext uri="{BB962C8B-B14F-4D97-AF65-F5344CB8AC3E}">
-        <p14:creationId xmlns:p14="http://schemas.microsoft.com/office/powerpoint/2010/main" val="1699038351"/>
+        <p14:creationId xmlns:p14="http://schemas.microsoft.com/office/powerpoint/2010/main" val="3134039762"/>
       </p:ext>
     </p:extLst>
   </p:cSld>
@@ -2281,117 +2163,58 @@
           <a:bodyPr/>
           <a:lstStyle/>
           <a:p>
-            <a:pPr marL="0" marR="0" indent="0" algn="l" defTabSz="914400" rtl="0" eaLnBrk="1" fontAlgn="auto" latinLnBrk="0" hangingPunct="1">
-              <a:lnSpc>
-                <a:spcPct val="100000"/>
-              </a:lnSpc>
-              <a:spcBef>
-                <a:spcPts val="0"/>
-              </a:spcBef>
-              <a:spcAft>
-                <a:spcPts val="0"/>
-              </a:spcAft>
-              <a:buClrTx/>
-              <a:buSzTx/>
-              <a:buFontTx/>
-              <a:buNone/>
-              <a:tabLst/>
-              <a:defRPr/>
+            <a:pPr marL="171450" indent="-171450">
+              <a:buFont typeface="Arial" charset="0"/>
+              <a:buChar char="•"/>
             </a:pPr>
             <a:r>
-              <a:rPr lang="en-US" sz="1200" kern="1200" dirty="0" smtClean="0">
-                <a:solidFill>
-                  <a:schemeClr val="tx1"/>
-                </a:solidFill>
-                <a:effectLst/>
-                <a:latin typeface="+mn-lt"/>
-                <a:ea typeface="+mn-ea"/>
-                <a:cs typeface="+mn-cs"/>
-              </a:rPr>
-              <a:t>Binary search algorithm image created by </a:t>
-            </a:r>
-            <a:r>
-              <a:rPr lang="en-US" sz="1200" u="sng" kern="1200" dirty="0" smtClean="0">
-                <a:solidFill>
-                  <a:schemeClr val="tx1"/>
-                </a:solidFill>
-                <a:effectLst/>
-                <a:latin typeface="+mn-lt"/>
-                <a:ea typeface="+mn-ea"/>
-                <a:cs typeface="+mn-cs"/>
-                <a:hlinkClick r:id="rId3"/>
-              </a:rPr>
-              <a:t>Chris Martin</a:t>
-            </a:r>
-            <a:r>
-              <a:rPr lang="en-US" sz="1200" kern="1200" dirty="0" smtClean="0">
-                <a:solidFill>
-                  <a:schemeClr val="tx1"/>
-                </a:solidFill>
-                <a:effectLst/>
-                <a:latin typeface="+mn-lt"/>
-                <a:ea typeface="+mn-ea"/>
-                <a:cs typeface="+mn-cs"/>
-              </a:rPr>
-              <a:t> and is in the public domain.</a:t>
-            </a:r>
-          </a:p>
-          <a:p>
-            <a:pPr marL="0" marR="0" indent="0" algn="l" defTabSz="914400" rtl="0" eaLnBrk="1" fontAlgn="auto" latinLnBrk="0" hangingPunct="1">
-              <a:lnSpc>
-                <a:spcPct val="100000"/>
-              </a:lnSpc>
-              <a:spcBef>
-                <a:spcPts val="0"/>
-              </a:spcBef>
-              <a:spcAft>
-                <a:spcPts val="0"/>
-              </a:spcAft>
-              <a:buClrTx/>
-              <a:buSzTx/>
-              <a:buFontTx/>
-              <a:buNone/>
-              <a:tabLst/>
-              <a:defRPr/>
+              <a:rPr lang="en-US" dirty="0" smtClean="0"/>
+              <a:t>Hash partitions</a:t>
+            </a:r>
+            <a:r>
+              <a:rPr lang="en-US" baseline="0" dirty="0" smtClean="0"/>
+              <a:t> are minimal but not perfect.  This means they don't waste much space and many values hash to the same bucket.  An Oracle partition uses the same physical structure as a table - they are both segments, which are potentially large things.</a:t>
+            </a:r>
+          </a:p>
+          <a:p>
+            <a:pPr marL="171450" indent="-171450">
+              <a:buFont typeface="Arial" charset="0"/>
+              <a:buChar char="•"/>
             </a:pPr>
             <a:r>
-              <a:rPr lang="en-US" dirty="0" smtClean="0"/>
-              <a:t>Binary Search Depiction</a:t>
-            </a:r>
-            <a:r>
               <a:rPr lang="en-US" baseline="0" dirty="0" smtClean="0"/>
-              <a:t> by </a:t>
-            </a:r>
-            <a:r>
-              <a:rPr lang="en-US" dirty="0" err="1" smtClean="0"/>
-              <a:t>AlwaysAngry</a:t>
-            </a:r>
-            <a:r>
-              <a:rPr lang="en-US" dirty="0" smtClean="0"/>
-              <a:t> is licensed under the </a:t>
-            </a:r>
-            <a:r>
-              <a:rPr lang="en-US" dirty="0" smtClean="0">
-                <a:hlinkClick r:id="rId4" tooltip="w:en:Creative Commons"/>
-              </a:rPr>
-              <a:t>Creative Commons</a:t>
-            </a:r>
-            <a:r>
-              <a:rPr lang="en-US" dirty="0" smtClean="0"/>
-              <a:t> </a:t>
-            </a:r>
-            <a:r>
-              <a:rPr lang="en-US" dirty="0" smtClean="0">
-                <a:hlinkClick r:id="rId5"/>
-              </a:rPr>
-              <a:t>Attribution-Share Alike 4.0 International</a:t>
-            </a:r>
-            <a:r>
-              <a:rPr lang="en-US" dirty="0" smtClean="0"/>
-              <a:t> license. </a:t>
-            </a:r>
-          </a:p>
-          <a:p>
+              <a:t>Assigning a value to a partition is lightning fast, but retrieving a value is potentially slow.  Reading from an entire partition can be slow.</a:t>
+            </a:r>
+          </a:p>
+          <a:p>
+            <a:pPr marL="171450" indent="-171450">
+              <a:buFont typeface="Arial" charset="0"/>
+              <a:buChar char="•"/>
+            </a:pPr>
+            <a:r>
+              <a:rPr lang="en-US" baseline="0" dirty="0" smtClean="0"/>
+              <a:t>The value of partitioning is for reading a large percentage of data.  Hash partitioning allows full table scans on small tables.  Indexes are good for reading a small percentage of data.</a:t>
+            </a:r>
+          </a:p>
+          <a:p>
+            <a:pPr marL="171450" indent="-171450">
+              <a:buFont typeface="Arial" charset="0"/>
+              <a:buChar char="•"/>
+            </a:pPr>
+            <a:r>
+              <a:rPr lang="en-US" baseline="0" dirty="0" smtClean="0"/>
+              <a:t>Do not try to cheat the system!  Don't think you can get O(1) read time by using a huge number of partitions.  That will waste a *ton* of space, since each unused bucket is a segment.  And the data dictionary is not equipped to deal with a ginormous number of objects.  This can be a problem in large data warehouses with over-zealous partitioning - random data dictionary operations will slow to a crawl and can be slower than actual data operations.</a:t>
+            </a:r>
+            <a:endParaRPr lang="en-US" dirty="0" smtClean="0"/>
+          </a:p>
+          <a:p>
+            <a:endParaRPr lang="en-US" dirty="0" smtClean="0"/>
+          </a:p>
+          <a:p>
+            <a:r>
+              <a:rPr lang="en-US" dirty="0" smtClean="0"/>
+              <a:t>(Image from the Oracle manual, from https://docs.oracle.com/cd/B28359_01/server.111/b32024/partition.htm.  There are many other kinds of partitioning discussed there.)</a:t>
+            </a:r>
             <a:endParaRPr lang="en-US" dirty="0"/>
           </a:p>
         </p:txBody>
@@ -2413,7 +2236,7 @@
           <a:p>
             <a:fld id="{5A6616C6-9DE0-4865-BC75-EB7C5EE0BF49}" type="slidenum">
               <a:rPr lang="en-US" smtClean="0"/>
-              <a:t>30</a:t>
+              <a:t>23</a:t>
             </a:fld>
             <a:endParaRPr lang="en-US"/>
           </a:p>
@@ -2422,7 +2245,7 @@
     </p:spTree>
     <p:extLst>
       <p:ext uri="{BB962C8B-B14F-4D97-AF65-F5344CB8AC3E}">
-        <p14:creationId xmlns:p14="http://schemas.microsoft.com/office/powerpoint/2010/main" val="1040973754"/>
+        <p14:creationId xmlns:p14="http://schemas.microsoft.com/office/powerpoint/2010/main" val="2296515425"/>
       </p:ext>
     </p:extLst>
   </p:cSld>
@@ -2476,15 +2299,234 @@
           <a:bodyPr/>
           <a:lstStyle/>
           <a:p>
-            <a:r>
-              <a:rPr lang="en-US" dirty="0" smtClean="0"/>
-              <a:t>We're still only talking about accessing</a:t>
-            </a:r>
-            <a:r>
-              <a:rPr lang="en-US" baseline="0" dirty="0" smtClean="0"/>
-              <a:t> a single value.</a:t>
-            </a:r>
-            <a:endParaRPr lang="en-US" dirty="0"/>
+            <a:pPr marL="171450" indent="-171450">
+              <a:buFont typeface="Arial" charset="0"/>
+              <a:buChar char="•"/>
+            </a:pPr>
+            <a:r>
+              <a:rPr lang="en-US" sz="1200" kern="1200" baseline="0" dirty="0" smtClean="0">
+                <a:solidFill>
+                  <a:schemeClr val="tx1"/>
+                </a:solidFill>
+                <a:effectLst/>
+                <a:latin typeface="+mn-lt"/>
+                <a:ea typeface="+mn-ea"/>
+                <a:cs typeface="+mn-cs"/>
+              </a:rPr>
+              <a:t>Hash clusters are designed for perfection, not minimalism.  Hash clusters deal with rows (or maybe block?), not entire segments.</a:t>
+            </a:r>
+          </a:p>
+          <a:p>
+            <a:pPr marL="171450" indent="-171450">
+              <a:buFont typeface="Arial" charset="0"/>
+              <a:buChar char="•"/>
+            </a:pPr>
+            <a:r>
+              <a:rPr lang="en-US" sz="1200" kern="1200" baseline="0" dirty="0" smtClean="0">
+                <a:solidFill>
+                  <a:schemeClr val="tx1"/>
+                </a:solidFill>
+                <a:effectLst/>
+                <a:latin typeface="+mn-lt"/>
+                <a:ea typeface="+mn-ea"/>
+                <a:cs typeface="+mn-cs"/>
+              </a:rPr>
+              <a:t>Hash clusters can be set either way, but there's no point in having a hash cluster that is minimal but not near-perfect - just use an index instead.</a:t>
+            </a:r>
+          </a:p>
+          <a:p>
+            <a:pPr marL="171450" indent="-171450">
+              <a:buFont typeface="Arial" charset="0"/>
+              <a:buChar char="•"/>
+            </a:pPr>
+            <a:r>
+              <a:rPr lang="en-US" sz="1200" kern="1200" baseline="0" dirty="0" smtClean="0">
+                <a:solidFill>
+                  <a:schemeClr val="tx1"/>
+                </a:solidFill>
+                <a:effectLst/>
+                <a:latin typeface="+mn-lt"/>
+                <a:ea typeface="+mn-ea"/>
+                <a:cs typeface="+mn-cs"/>
+              </a:rPr>
+              <a:t>The hash function can be custom or you can let Oracle use a function, and specify properties like the number of keys.</a:t>
+            </a:r>
+          </a:p>
+          <a:p>
+            <a:pPr marL="171450" indent="-171450">
+              <a:buFont typeface="Arial" charset="0"/>
+              <a:buChar char="•"/>
+            </a:pPr>
+            <a:r>
+              <a:rPr lang="en-US" sz="1200" kern="1200" baseline="0" dirty="0" smtClean="0">
+                <a:solidFill>
+                  <a:schemeClr val="tx1"/>
+                </a:solidFill>
+                <a:effectLst/>
+                <a:latin typeface="+mn-lt"/>
+                <a:ea typeface="+mn-ea"/>
+                <a:cs typeface="+mn-cs"/>
+              </a:rPr>
+              <a:t>With a large, perfect hash cluster the lookup time for a small percentage of rows can be awesome.</a:t>
+            </a:r>
+          </a:p>
+          <a:p>
+            <a:pPr marL="171450" indent="-171450">
+              <a:buFont typeface="Arial" charset="0"/>
+              <a:buChar char="•"/>
+            </a:pPr>
+            <a:r>
+              <a:rPr lang="en-US" sz="1200" kern="1200" baseline="0" dirty="0" smtClean="0">
+                <a:solidFill>
+                  <a:schemeClr val="tx1"/>
+                </a:solidFill>
+                <a:effectLst/>
+                <a:latin typeface="+mn-lt"/>
+                <a:ea typeface="+mn-ea"/>
+                <a:cs typeface="+mn-cs"/>
+              </a:rPr>
+              <a:t>We can build hash clusters that have O(1) reads (as measured by consistent gets), which is theoretically even better than indexes (which are discussed next).</a:t>
+            </a:r>
+          </a:p>
+          <a:p>
+            <a:pPr marL="171450" indent="-171450">
+              <a:buFont typeface="Arial" charset="0"/>
+              <a:buChar char="•"/>
+            </a:pPr>
+            <a:r>
+              <a:rPr lang="en-US" sz="1200" kern="1200" baseline="0" dirty="0" smtClean="0">
+                <a:solidFill>
+                  <a:schemeClr val="tx1"/>
+                </a:solidFill>
+                <a:effectLst/>
+                <a:latin typeface="+mn-lt"/>
+                <a:ea typeface="+mn-ea"/>
+                <a:cs typeface="+mn-cs"/>
+              </a:rPr>
+              <a:t>Yet in practice O(1) hash cluster lookup is still slower than O(LOG(N)) index reads.  I'm not sure why this is.  When the functions are small, like comparing O(1) with O(LOG(N)), the constants can become more important.  I'd guess that Oracle has spent much more time optimizing indexes than hash clusters.  This is probably why nobody uses hash clusters anymore.</a:t>
+            </a:r>
+          </a:p>
+          <a:p>
+            <a:pPr marL="171450" indent="-171450">
+              <a:buFont typeface="Arial" charset="0"/>
+              <a:buChar char="•"/>
+            </a:pPr>
+            <a:r>
+              <a:rPr lang="en-US" sz="1200" kern="1200" baseline="0" dirty="0" smtClean="0">
+                <a:solidFill>
+                  <a:schemeClr val="tx1"/>
+                </a:solidFill>
+                <a:effectLst/>
+                <a:latin typeface="+mn-lt"/>
+                <a:ea typeface="+mn-ea"/>
+                <a:cs typeface="+mn-cs"/>
+              </a:rPr>
+              <a:t>In my example, I had to create a table that was over three times as large to get an average of O(1) perfect hashing.</a:t>
+            </a:r>
+          </a:p>
+          <a:p>
+            <a:pPr marL="171450" indent="-171450">
+              <a:buFont typeface="Arial" charset="0"/>
+              <a:buChar char="•"/>
+            </a:pPr>
+            <a:r>
+              <a:rPr lang="en-US" sz="1200" kern="1200" baseline="0" dirty="0" smtClean="0">
+                <a:solidFill>
+                  <a:schemeClr val="tx1"/>
+                </a:solidFill>
+                <a:effectLst/>
+                <a:latin typeface="+mn-lt"/>
+                <a:ea typeface="+mn-ea"/>
+                <a:cs typeface="+mn-cs"/>
+              </a:rPr>
+              <a:t>While hash clusters are great in theory, they don't work out well in practice.  It's terribly inconvenient to re-organize tables, even for experimenting.  Compare that with an index, which is an optional data structure.  And I had to make the table size 3x as large to get perfect hashing - but that was just my one example.  Maybe there's a better way to do it.</a:t>
+            </a:r>
+          </a:p>
+          <a:p>
+            <a:pPr marL="171450" indent="-171450">
+              <a:buFont typeface="Arial" charset="0"/>
+              <a:buChar char="•"/>
+            </a:pPr>
+            <a:r>
+              <a:rPr lang="en-US" sz="1200" kern="1200" baseline="0" dirty="0" smtClean="0">
+                <a:solidFill>
+                  <a:schemeClr val="tx1"/>
+                </a:solidFill>
+                <a:effectLst/>
+                <a:latin typeface="+mn-lt"/>
+                <a:ea typeface="+mn-ea"/>
+                <a:cs typeface="+mn-cs"/>
+              </a:rPr>
+              <a:t>Hopefully a future version of Oracle will introduce hash indexes, which might finally allow O(1) lookup time without the penalties.</a:t>
+            </a:r>
+            <a:endParaRPr lang="en-US" sz="1200" kern="1200" dirty="0" smtClean="0">
+              <a:solidFill>
+                <a:schemeClr val="tx1"/>
+              </a:solidFill>
+              <a:effectLst/>
+              <a:latin typeface="+mn-lt"/>
+              <a:ea typeface="+mn-ea"/>
+              <a:cs typeface="+mn-cs"/>
+            </a:endParaRPr>
+          </a:p>
+          <a:p>
+            <a:endParaRPr lang="en-US" sz="1200" kern="1200" dirty="0" smtClean="0">
+              <a:solidFill>
+                <a:schemeClr val="tx1"/>
+              </a:solidFill>
+              <a:effectLst/>
+              <a:latin typeface="+mn-lt"/>
+              <a:ea typeface="+mn-ea"/>
+              <a:cs typeface="+mn-cs"/>
+            </a:endParaRPr>
+          </a:p>
+          <a:p>
+            <a:r>
+              <a:rPr lang="en-US" sz="1200" kern="1200" dirty="0" smtClean="0">
+                <a:solidFill>
+                  <a:schemeClr val="tx1"/>
+                </a:solidFill>
+                <a:effectLst/>
+                <a:latin typeface="+mn-lt"/>
+                <a:ea typeface="+mn-ea"/>
+                <a:cs typeface="+mn-cs"/>
+              </a:rPr>
+              <a:t>See </a:t>
+            </a:r>
+            <a:r>
+              <a:rPr lang="en-US" sz="1200" kern="1200" dirty="0" smtClean="0">
+                <a:solidFill>
+                  <a:schemeClr val="tx1"/>
+                </a:solidFill>
+                <a:effectLst/>
+                <a:latin typeface="+mn-lt"/>
+                <a:ea typeface="+mn-ea"/>
+                <a:cs typeface="+mn-cs"/>
+              </a:rPr>
+              <a:t>this Stack Overflow answer, where I try and fail to create a useful constant-time index using hash clusters: </a:t>
+            </a:r>
+            <a:r>
+              <a:rPr lang="en-US" sz="1200" u="sng" kern="1200" dirty="0" smtClean="0">
+                <a:solidFill>
+                  <a:schemeClr val="tx1"/>
+                </a:solidFill>
+                <a:effectLst/>
+                <a:latin typeface="+mn-lt"/>
+                <a:ea typeface="+mn-ea"/>
+                <a:cs typeface="+mn-cs"/>
+                <a:hlinkClick r:id="rId3"/>
+              </a:rPr>
+              <a:t>https://stackoverflow.com/questions/32071259/constant-time-index-for-string-column-on-oracle-database</a:t>
+            </a:r>
+            <a:endParaRPr lang="en-US" sz="1200" u="sng" kern="1200" dirty="0" smtClean="0">
+              <a:solidFill>
+                <a:schemeClr val="tx1"/>
+              </a:solidFill>
+              <a:effectLst/>
+              <a:latin typeface="+mn-lt"/>
+              <a:ea typeface="+mn-ea"/>
+              <a:cs typeface="+mn-cs"/>
+            </a:endParaRPr>
           </a:p>
         </p:txBody>
       </p:sp>
@@ -2505,7 +2547,7 @@
           <a:p>
             <a:fld id="{5A6616C6-9DE0-4865-BC75-EB7C5EE0BF49}" type="slidenum">
               <a:rPr lang="en-US" smtClean="0"/>
-              <a:t>32</a:t>
+              <a:t>24</a:t>
             </a:fld>
             <a:endParaRPr lang="en-US"/>
           </a:p>
@@ -2514,7 +2556,7 @@
     </p:spTree>
     <p:extLst>
       <p:ext uri="{BB962C8B-B14F-4D97-AF65-F5344CB8AC3E}">
-        <p14:creationId xmlns:p14="http://schemas.microsoft.com/office/powerpoint/2010/main" val="3230797625"/>
+        <p14:creationId xmlns:p14="http://schemas.microsoft.com/office/powerpoint/2010/main" val="1699038351"/>
       </p:ext>
     </p:extLst>
   </p:cSld>
@@ -2568,156 +2610,37 @@
           <a:bodyPr/>
           <a:lstStyle/>
           <a:p>
-            <a:r>
-              <a:rPr lang="en-US" dirty="0" smtClean="0"/>
-              <a:t>Index</a:t>
+            <a:pPr marL="171450" indent="-171450">
+              <a:buFont typeface="Arial" charset="0"/>
+              <a:buChar char="•"/>
+            </a:pPr>
+            <a:r>
+              <a:rPr lang="en-US" dirty="0" smtClean="0"/>
+              <a:t>Oracle</a:t>
             </a:r>
             <a:r>
               <a:rPr lang="en-US" baseline="0" dirty="0" smtClean="0"/>
-              <a:t> height does not grow fast in practice.</a:t>
-            </a:r>
-          </a:p>
-          <a:p>
-            <a:endParaRPr lang="en-US" baseline="0" dirty="0" smtClean="0"/>
-          </a:p>
-          <a:p>
+              <a:t> has at least three different hash operations - HASH JOIN, HASH GROUP BY, HASH UNIQUE.  I suspect they all use similar hashing algorithms, but I'm not sure.</a:t>
+            </a:r>
+          </a:p>
+          <a:p>
+            <a:pPr marL="171450" indent="-171450">
+              <a:buFont typeface="Arial" charset="0"/>
+              <a:buChar char="•"/>
+            </a:pPr>
             <a:r>
               <a:rPr lang="en-US" baseline="0" dirty="0" smtClean="0"/>
-              <a:t>Generated by this query (run against the 350 databases I have access to)</a:t>
-            </a:r>
-          </a:p>
-          <a:p>
-            <a:r>
-              <a:rPr lang="en-US" sz="1200" b="0" i="0" u="none" strike="noStrike" kern="1200" baseline="0" dirty="0" smtClean="0">
-                <a:solidFill>
-                  <a:schemeClr val="tx1"/>
-                </a:solidFill>
-                <a:latin typeface="+mn-lt"/>
-                <a:ea typeface="+mn-ea"/>
-                <a:cs typeface="+mn-cs"/>
-              </a:rPr>
-              <a:t>select </a:t>
-            </a:r>
-            <a:r>
-              <a:rPr lang="en-US" sz="1200" b="0" i="0" u="none" strike="noStrike" kern="1200" baseline="0" dirty="0" err="1" smtClean="0">
-                <a:solidFill>
-                  <a:schemeClr val="tx1"/>
-                </a:solidFill>
-                <a:latin typeface="+mn-lt"/>
-                <a:ea typeface="+mn-ea"/>
-                <a:cs typeface="+mn-cs"/>
-              </a:rPr>
-              <a:t>blevel</a:t>
-            </a:r>
-            <a:r>
-              <a:rPr lang="en-US" sz="1200" b="0" i="0" u="none" strike="noStrike" kern="1200" baseline="0" dirty="0" smtClean="0">
-                <a:solidFill>
-                  <a:schemeClr val="tx1"/>
-                </a:solidFill>
-                <a:latin typeface="+mn-lt"/>
-                <a:ea typeface="+mn-ea"/>
-                <a:cs typeface="+mn-cs"/>
-              </a:rPr>
-              <a:t>, count(*) count</a:t>
-            </a:r>
-          </a:p>
-          <a:p>
-            <a:r>
-              <a:rPr lang="en-US" sz="1200" b="0" i="0" u="none" strike="noStrike" kern="1200" baseline="0" dirty="0" smtClean="0">
-                <a:solidFill>
-                  <a:schemeClr val="tx1"/>
-                </a:solidFill>
-                <a:latin typeface="+mn-lt"/>
-                <a:ea typeface="+mn-ea"/>
-                <a:cs typeface="+mn-cs"/>
-              </a:rPr>
-              <a:t>from </a:t>
-            </a:r>
-            <a:r>
-              <a:rPr lang="en-US" sz="1200" b="0" i="0" u="none" strike="noStrike" kern="1200" baseline="0" dirty="0" err="1" smtClean="0">
-                <a:solidFill>
-                  <a:schemeClr val="tx1"/>
-                </a:solidFill>
-                <a:latin typeface="+mn-lt"/>
-                <a:ea typeface="+mn-ea"/>
-                <a:cs typeface="+mn-cs"/>
-              </a:rPr>
-              <a:t>dba_indexes</a:t>
-            </a:r>
-            <a:endParaRPr lang="en-US" sz="1200" b="0" i="0" u="none" strike="noStrike" kern="1200" baseline="0" dirty="0" smtClean="0">
-              <a:solidFill>
-                <a:schemeClr val="tx1"/>
-              </a:solidFill>
-              <a:latin typeface="+mn-lt"/>
-              <a:ea typeface="+mn-ea"/>
-              <a:cs typeface="+mn-cs"/>
-            </a:endParaRPr>
-          </a:p>
-          <a:p>
-            <a:r>
-              <a:rPr lang="en-US" sz="1200" b="0" i="0" u="none" strike="noStrike" kern="1200" baseline="0" dirty="0" smtClean="0">
-                <a:solidFill>
-                  <a:schemeClr val="tx1"/>
-                </a:solidFill>
-                <a:latin typeface="+mn-lt"/>
-                <a:ea typeface="+mn-ea"/>
-                <a:cs typeface="+mn-cs"/>
-              </a:rPr>
-              <a:t>group by </a:t>
-            </a:r>
-            <a:r>
-              <a:rPr lang="en-US" sz="1200" b="0" i="0" u="none" strike="noStrike" kern="1200" baseline="0" dirty="0" err="1" smtClean="0">
-                <a:solidFill>
-                  <a:schemeClr val="tx1"/>
-                </a:solidFill>
-                <a:latin typeface="+mn-lt"/>
-                <a:ea typeface="+mn-ea"/>
-                <a:cs typeface="+mn-cs"/>
-              </a:rPr>
-              <a:t>blevel</a:t>
-            </a:r>
-            <a:endParaRPr lang="en-US" sz="1200" b="0" i="0" u="none" strike="noStrike" kern="1200" baseline="0" dirty="0" smtClean="0">
-              <a:solidFill>
-                <a:schemeClr val="tx1"/>
-              </a:solidFill>
-              <a:latin typeface="+mn-lt"/>
-              <a:ea typeface="+mn-ea"/>
-              <a:cs typeface="+mn-cs"/>
-            </a:endParaRPr>
-          </a:p>
-          <a:p>
-            <a:r>
-              <a:rPr lang="en-US" sz="1200" b="0" i="0" u="none" strike="noStrike" kern="1200" baseline="0" dirty="0" smtClean="0">
-                <a:solidFill>
-                  <a:schemeClr val="tx1"/>
-                </a:solidFill>
-                <a:latin typeface="+mn-lt"/>
-                <a:ea typeface="+mn-ea"/>
-                <a:cs typeface="+mn-cs"/>
-              </a:rPr>
-              <a:t>order by </a:t>
-            </a:r>
-            <a:r>
-              <a:rPr lang="en-US" sz="1200" b="0" i="0" u="none" strike="noStrike" kern="1200" baseline="0" dirty="0" err="1" smtClean="0">
-                <a:solidFill>
-                  <a:schemeClr val="tx1"/>
-                </a:solidFill>
-                <a:latin typeface="+mn-lt"/>
-                <a:ea typeface="+mn-ea"/>
-                <a:cs typeface="+mn-cs"/>
-              </a:rPr>
-              <a:t>blevel</a:t>
-            </a:r>
-            <a:r>
-              <a:rPr lang="en-US" sz="1200" b="0" i="0" u="none" strike="noStrike" kern="1200" baseline="0" dirty="0" smtClean="0">
-                <a:solidFill>
-                  <a:schemeClr val="tx1"/>
-                </a:solidFill>
-                <a:latin typeface="+mn-lt"/>
-                <a:ea typeface="+mn-ea"/>
-                <a:cs typeface="+mn-cs"/>
-              </a:rPr>
-              <a:t> nulls first;</a:t>
+              <a:t>This hashing mechanism is somewhere in-between the trade-offs.  It's hard to say exactly how good it is, it depends on the data.</a:t>
+            </a:r>
+          </a:p>
+          <a:p>
+            <a:pPr marL="171450" indent="-171450">
+              <a:buFont typeface="Arial" charset="0"/>
+              <a:buChar char="•"/>
+            </a:pPr>
+            <a:r>
+              <a:rPr lang="en-US" baseline="0" dirty="0" smtClean="0"/>
+              <a:t>At the end of the day, what matters is that it's almost always the best way to deal with large data.</a:t>
             </a:r>
             <a:endParaRPr lang="en-US" dirty="0"/>
           </a:p>
@@ -2740,7 +2663,7 @@
           <a:p>
             <a:fld id="{5A6616C6-9DE0-4865-BC75-EB7C5EE0BF49}" type="slidenum">
               <a:rPr lang="en-US" smtClean="0"/>
-              <a:t>34</a:t>
+              <a:t>25</a:t>
             </a:fld>
             <a:endParaRPr lang="en-US"/>
           </a:p>
@@ -2749,7 +2672,7 @@
     </p:spTree>
     <p:extLst>
       <p:ext uri="{BB962C8B-B14F-4D97-AF65-F5344CB8AC3E}">
-        <p14:creationId xmlns:p14="http://schemas.microsoft.com/office/powerpoint/2010/main" val="1306290819"/>
+        <p14:creationId xmlns:p14="http://schemas.microsoft.com/office/powerpoint/2010/main" val="3816698028"/>
       </p:ext>
     </p:extLst>
   </p:cSld>
@@ -2803,69 +2726,18 @@
           <a:bodyPr/>
           <a:lstStyle/>
           <a:p>
-            <a:r>
-              <a:rPr lang="en-US" sz="1200" kern="1200" dirty="0" smtClean="0">
-                <a:solidFill>
-                  <a:schemeClr val="tx1"/>
-                </a:solidFill>
-                <a:effectLst/>
-                <a:latin typeface="+mn-lt"/>
-                <a:ea typeface="+mn-ea"/>
-                <a:cs typeface="+mn-cs"/>
-              </a:rPr>
-              <a:t>Amdahl’s law as a graph.  Based on </a:t>
-            </a:r>
-            <a:r>
-              <a:rPr lang="en-US" sz="1200" u="sng" kern="1200" dirty="0" smtClean="0">
-                <a:solidFill>
-                  <a:schemeClr val="tx1"/>
-                </a:solidFill>
-                <a:effectLst/>
-                <a:latin typeface="+mn-lt"/>
-                <a:ea typeface="+mn-ea"/>
-                <a:cs typeface="+mn-cs"/>
-                <a:hlinkClick r:id="rId3"/>
-              </a:rPr>
-              <a:t>“Amdahl’s Law”</a:t>
-            </a:r>
-            <a:r>
-              <a:rPr lang="en-US" sz="1200" kern="1200" dirty="0" smtClean="0">
-                <a:solidFill>
-                  <a:schemeClr val="tx1"/>
-                </a:solidFill>
-                <a:effectLst/>
-                <a:latin typeface="+mn-lt"/>
-                <a:ea typeface="+mn-ea"/>
-                <a:cs typeface="+mn-cs"/>
-              </a:rPr>
-              <a:t> by Daniels220, licensed under </a:t>
-            </a:r>
-            <a:r>
-              <a:rPr lang="en-US" sz="1200" u="sng" kern="1200" dirty="0" smtClean="0">
-                <a:solidFill>
-                  <a:schemeClr val="tx1"/>
-                </a:solidFill>
-                <a:effectLst/>
-                <a:latin typeface="+mn-lt"/>
-                <a:ea typeface="+mn-ea"/>
-                <a:cs typeface="+mn-cs"/>
-                <a:hlinkClick r:id="rId4"/>
-              </a:rPr>
-              <a:t>CC BY-SA</a:t>
-            </a:r>
-            <a:r>
-              <a:rPr lang="en-US" sz="1200" kern="1200" dirty="0" smtClean="0">
-                <a:solidFill>
-                  <a:schemeClr val="tx1"/>
-                </a:solidFill>
-                <a:effectLst/>
-                <a:latin typeface="+mn-lt"/>
-                <a:ea typeface="+mn-ea"/>
-                <a:cs typeface="+mn-cs"/>
-              </a:rPr>
-              <a:t>.</a:t>
-            </a:r>
-            <a:endParaRPr lang="en-US" dirty="0"/>
+            <a:pPr marL="171450" indent="-171450">
+              <a:buFont typeface="Arial" charset="0"/>
+              <a:buChar char="•"/>
+            </a:pPr>
+            <a:r>
+              <a:rPr lang="en-US" dirty="0" smtClean="0"/>
+              <a:t>Logarithms</a:t>
+            </a:r>
+            <a:r>
+              <a:rPr lang="en-US" baseline="0" dirty="0" smtClean="0"/>
+              <a:t> are the inverse of exponentiation.  We're still in the slow-growing functions, and we're still only discussing single-item operations, like looking up a single value.</a:t>
+            </a:r>
           </a:p>
         </p:txBody>
       </p:sp>
@@ -2886,7 +2758,7 @@
           <a:p>
             <a:fld id="{5A6616C6-9DE0-4865-BC75-EB7C5EE0BF49}" type="slidenum">
               <a:rPr lang="en-US" smtClean="0"/>
-              <a:t>35</a:t>
+              <a:t>26</a:t>
             </a:fld>
             <a:endParaRPr lang="en-US"/>
           </a:p>
@@ -2895,7 +2767,7 @@
     </p:spTree>
     <p:extLst>
       <p:ext uri="{BB962C8B-B14F-4D97-AF65-F5344CB8AC3E}">
-        <p14:creationId xmlns:p14="http://schemas.microsoft.com/office/powerpoint/2010/main" val="3996148136"/>
+        <p14:creationId xmlns:p14="http://schemas.microsoft.com/office/powerpoint/2010/main" val="274615634"/>
       </p:ext>
     </p:extLst>
   </p:cSld>
@@ -2949,32 +2821,282 @@
           <a:bodyPr/>
           <a:lstStyle/>
           <a:p>
-            <a:r>
-              <a:rPr lang="en-US" dirty="0" smtClean="0"/>
-              <a:t>These</a:t>
+            <a:pPr marL="171450" marR="0" indent="-171450" algn="l" defTabSz="914400" rtl="0" eaLnBrk="1" fontAlgn="auto" latinLnBrk="0" hangingPunct="1">
+              <a:lnSpc>
+                <a:spcPct val="100000"/>
+              </a:lnSpc>
+              <a:spcBef>
+                <a:spcPts val="0"/>
+              </a:spcBef>
+              <a:spcAft>
+                <a:spcPts val="0"/>
+              </a:spcAft>
+              <a:buClrTx/>
+              <a:buSzTx/>
+              <a:buFont typeface="Arial" charset="0"/>
+              <a:buChar char="•"/>
+              <a:tabLst/>
+              <a:defRPr/>
+            </a:pPr>
+            <a:r>
+              <a:rPr lang="en-US" sz="1200" kern="1200" dirty="0" smtClean="0">
+                <a:solidFill>
+                  <a:schemeClr val="tx1"/>
+                </a:solidFill>
+                <a:effectLst/>
+                <a:latin typeface="+mn-lt"/>
+                <a:ea typeface="+mn-ea"/>
+                <a:cs typeface="+mn-cs"/>
+              </a:rPr>
+              <a:t>The most common LOG(N)</a:t>
+            </a:r>
+            <a:r>
+              <a:rPr lang="en-US" sz="1200" kern="1200" baseline="0" dirty="0" smtClean="0">
+                <a:solidFill>
+                  <a:schemeClr val="tx1"/>
+                </a:solidFill>
+                <a:effectLst/>
+                <a:latin typeface="+mn-lt"/>
+                <a:ea typeface="+mn-ea"/>
+                <a:cs typeface="+mn-cs"/>
+              </a:rPr>
+              <a:t> operation is a B-Tree lookup.</a:t>
+            </a:r>
+          </a:p>
+          <a:p>
+            <a:pPr marL="171450" marR="0" indent="-171450" algn="l" defTabSz="914400" rtl="0" eaLnBrk="1" fontAlgn="auto" latinLnBrk="0" hangingPunct="1">
+              <a:lnSpc>
+                <a:spcPct val="100000"/>
+              </a:lnSpc>
+              <a:spcBef>
+                <a:spcPts val="0"/>
+              </a:spcBef>
+              <a:spcAft>
+                <a:spcPts val="0"/>
+              </a:spcAft>
+              <a:buClrTx/>
+              <a:buSzTx/>
+              <a:buFont typeface="Arial" charset="0"/>
+              <a:buChar char="•"/>
+              <a:tabLst/>
+              <a:defRPr/>
+            </a:pPr>
+            <a:r>
+              <a:rPr lang="en-US" sz="1200" kern="1200" dirty="0" smtClean="0">
+                <a:solidFill>
+                  <a:schemeClr val="tx1"/>
+                </a:solidFill>
+                <a:effectLst/>
+                <a:latin typeface="+mn-lt"/>
+                <a:ea typeface="+mn-ea"/>
+                <a:cs typeface="+mn-cs"/>
+              </a:rPr>
+              <a:t>It's easiest</a:t>
+            </a:r>
+            <a:r>
+              <a:rPr lang="en-US" sz="1200" kern="1200" baseline="0" dirty="0" smtClean="0">
+                <a:solidFill>
+                  <a:schemeClr val="tx1"/>
+                </a:solidFill>
+                <a:effectLst/>
+                <a:latin typeface="+mn-lt"/>
+                <a:ea typeface="+mn-ea"/>
+                <a:cs typeface="+mn-cs"/>
+              </a:rPr>
+              <a:t> to visualize a B-Tree index as a binary tree search.  (The "B" in B-Tree does not stand for binary.  Binary trees are just one kind of B-Trees.)  Think of it like the children's guessing game - you want to eliminate as many numbers are possible each time, which halves the results.</a:t>
+            </a:r>
+            <a:endParaRPr lang="en-US" sz="1200" kern="1200" dirty="0" smtClean="0">
+              <a:solidFill>
+                <a:schemeClr val="tx1"/>
+              </a:solidFill>
+              <a:effectLst/>
+              <a:latin typeface="+mn-lt"/>
+              <a:ea typeface="+mn-ea"/>
+              <a:cs typeface="+mn-cs"/>
+            </a:endParaRPr>
+          </a:p>
+          <a:p>
+            <a:pPr marL="0" marR="0" indent="0" algn="l" defTabSz="914400" rtl="0" eaLnBrk="1" fontAlgn="auto" latinLnBrk="0" hangingPunct="1">
+              <a:lnSpc>
+                <a:spcPct val="100000"/>
+              </a:lnSpc>
+              <a:spcBef>
+                <a:spcPts val="0"/>
+              </a:spcBef>
+              <a:spcAft>
+                <a:spcPts val="0"/>
+              </a:spcAft>
+              <a:buClrTx/>
+              <a:buSzTx/>
+              <a:buFontTx/>
+              <a:buNone/>
+              <a:tabLst/>
+              <a:defRPr/>
+            </a:pPr>
+            <a:endParaRPr lang="en-US" sz="1200" kern="1200" dirty="0" smtClean="0">
+              <a:solidFill>
+                <a:schemeClr val="tx1"/>
+              </a:solidFill>
+              <a:effectLst/>
+              <a:latin typeface="+mn-lt"/>
+              <a:ea typeface="+mn-ea"/>
+              <a:cs typeface="+mn-cs"/>
+            </a:endParaRPr>
+          </a:p>
+          <a:p>
+            <a:pPr marL="0" marR="0" indent="0" algn="l" defTabSz="914400" rtl="0" eaLnBrk="1" fontAlgn="auto" latinLnBrk="0" hangingPunct="1">
+              <a:lnSpc>
+                <a:spcPct val="100000"/>
+              </a:lnSpc>
+              <a:spcBef>
+                <a:spcPts val="0"/>
+              </a:spcBef>
+              <a:spcAft>
+                <a:spcPts val="0"/>
+              </a:spcAft>
+              <a:buClrTx/>
+              <a:buSzTx/>
+              <a:buFontTx/>
+              <a:buNone/>
+              <a:tabLst/>
+              <a:defRPr/>
+            </a:pPr>
+            <a:r>
+              <a:rPr lang="en-US" sz="1200" kern="1200" dirty="0" smtClean="0">
+                <a:solidFill>
+                  <a:schemeClr val="tx1"/>
+                </a:solidFill>
+                <a:effectLst/>
+                <a:latin typeface="+mn-lt"/>
+                <a:ea typeface="+mn-ea"/>
+                <a:cs typeface="+mn-cs"/>
+              </a:rPr>
+              <a:t>(Binary </a:t>
+            </a:r>
+            <a:r>
+              <a:rPr lang="en-US" sz="1200" kern="1200" dirty="0" smtClean="0">
+                <a:solidFill>
+                  <a:schemeClr val="tx1"/>
+                </a:solidFill>
+                <a:effectLst/>
+                <a:latin typeface="+mn-lt"/>
+                <a:ea typeface="+mn-ea"/>
+                <a:cs typeface="+mn-cs"/>
+              </a:rPr>
+              <a:t>search algorithm image created by </a:t>
+            </a:r>
+            <a:r>
+              <a:rPr lang="en-US" sz="1200" u="sng" kern="1200" dirty="0" smtClean="0">
+                <a:solidFill>
+                  <a:schemeClr val="tx1"/>
+                </a:solidFill>
+                <a:effectLst/>
+                <a:latin typeface="+mn-lt"/>
+                <a:ea typeface="+mn-ea"/>
+                <a:cs typeface="+mn-cs"/>
+                <a:hlinkClick r:id="rId3"/>
+              </a:rPr>
+              <a:t>Chris Martin</a:t>
+            </a:r>
+            <a:r>
+              <a:rPr lang="en-US" sz="1200" kern="1200" dirty="0" smtClean="0">
+                <a:solidFill>
+                  <a:schemeClr val="tx1"/>
+                </a:solidFill>
+                <a:effectLst/>
+                <a:latin typeface="+mn-lt"/>
+                <a:ea typeface="+mn-ea"/>
+                <a:cs typeface="+mn-cs"/>
+              </a:rPr>
+              <a:t> and is in the public domain</a:t>
+            </a:r>
+            <a:r>
+              <a:rPr lang="en-US" sz="1200" kern="1200" dirty="0" smtClean="0">
+                <a:solidFill>
+                  <a:schemeClr val="tx1"/>
+                </a:solidFill>
+                <a:effectLst/>
+                <a:latin typeface="+mn-lt"/>
+                <a:ea typeface="+mn-ea"/>
+                <a:cs typeface="+mn-cs"/>
+              </a:rPr>
+              <a:t>.)</a:t>
+            </a:r>
+            <a:endParaRPr lang="en-US" sz="1200" kern="1200" dirty="0" smtClean="0">
+              <a:solidFill>
+                <a:schemeClr val="tx1"/>
+              </a:solidFill>
+              <a:effectLst/>
+              <a:latin typeface="+mn-lt"/>
+              <a:ea typeface="+mn-ea"/>
+              <a:cs typeface="+mn-cs"/>
+            </a:endParaRPr>
+          </a:p>
+          <a:p>
+            <a:pPr marL="0" marR="0" indent="0" algn="l" defTabSz="914400" rtl="0" eaLnBrk="1" fontAlgn="auto" latinLnBrk="0" hangingPunct="1">
+              <a:lnSpc>
+                <a:spcPct val="100000"/>
+              </a:lnSpc>
+              <a:spcBef>
+                <a:spcPts val="0"/>
+              </a:spcBef>
+              <a:spcAft>
+                <a:spcPts val="0"/>
+              </a:spcAft>
+              <a:buClrTx/>
+              <a:buSzTx/>
+              <a:buFontTx/>
+              <a:buNone/>
+              <a:tabLst/>
+              <a:defRPr/>
+            </a:pPr>
+            <a:r>
+              <a:rPr lang="en-US" dirty="0" smtClean="0"/>
+              <a:t>(Binary </a:t>
+            </a:r>
+            <a:r>
+              <a:rPr lang="en-US" dirty="0" smtClean="0"/>
+              <a:t>Search Depiction</a:t>
             </a:r>
             <a:r>
               <a:rPr lang="en-US" baseline="0" dirty="0" smtClean="0"/>
-              <a:t> pictures compare different ways to read a table in parallel.  The top, colorful chart shows reading one-partition-at-a-time.  The bottom, boring chart shows reading a table with a single SQL statement.</a:t>
-            </a:r>
-          </a:p>
-          <a:p>
-            <a:endParaRPr lang="en-US" baseline="0" dirty="0" smtClean="0"/>
-          </a:p>
-          <a:p>
-            <a:r>
-              <a:rPr lang="en-US" baseline="0" dirty="0" smtClean="0"/>
-              <a:t>In this case, boring is good.  The boring chart has very few edges, which means it's getting the most parallelism possible.  If we want to improve performance by X we need to have X threads running at every possible moment.</a:t>
-            </a:r>
-          </a:p>
-          <a:p>
-            <a:endParaRPr lang="en-US" baseline="0" dirty="0" smtClean="0"/>
-          </a:p>
-          <a:p>
-            <a:r>
-              <a:rPr lang="en-US" baseline="0" dirty="0" smtClean="0"/>
-              <a:t>We must have tools to measure and visualize utilization or we'd never know what's missing.</a:t>
-            </a:r>
+              <a:t> by </a:t>
+            </a:r>
+            <a:r>
+              <a:rPr lang="en-US" dirty="0" err="1" smtClean="0"/>
+              <a:t>AlwaysAngry</a:t>
+            </a:r>
+            <a:r>
+              <a:rPr lang="en-US" dirty="0" smtClean="0"/>
+              <a:t> is licensed under the </a:t>
+            </a:r>
+            <a:r>
+              <a:rPr lang="en-US" dirty="0" smtClean="0">
+                <a:hlinkClick r:id="rId4" tooltip="w:en:Creative Commons"/>
+              </a:rPr>
+              <a:t>Creative Commons</a:t>
+            </a:r>
+            <a:r>
+              <a:rPr lang="en-US" dirty="0" smtClean="0"/>
+              <a:t> </a:t>
+            </a:r>
+            <a:r>
+              <a:rPr lang="en-US" dirty="0" smtClean="0">
+                <a:hlinkClick r:id="rId5"/>
+              </a:rPr>
+              <a:t>Attribution-Share Alike 4.0 International</a:t>
+            </a:r>
+            <a:r>
+              <a:rPr lang="en-US" dirty="0" smtClean="0"/>
+              <a:t> license</a:t>
+            </a:r>
+            <a:r>
+              <a:rPr lang="en-US" dirty="0" smtClean="0"/>
+              <a:t>.)</a:t>
+            </a:r>
+            <a:endParaRPr lang="en-US" dirty="0" smtClean="0"/>
+          </a:p>
+          <a:p>
             <a:endParaRPr lang="en-US" dirty="0"/>
           </a:p>
         </p:txBody>
@@ -2996,7 +3118,7 @@
           <a:p>
             <a:fld id="{5A6616C6-9DE0-4865-BC75-EB7C5EE0BF49}" type="slidenum">
               <a:rPr lang="en-US" smtClean="0"/>
-              <a:t>37</a:t>
+              <a:t>27</a:t>
             </a:fld>
             <a:endParaRPr lang="en-US"/>
           </a:p>
@@ -3005,7 +3127,7 @@
     </p:spTree>
     <p:extLst>
       <p:ext uri="{BB962C8B-B14F-4D97-AF65-F5344CB8AC3E}">
-        <p14:creationId xmlns:p14="http://schemas.microsoft.com/office/powerpoint/2010/main" val="2087203130"/>
+        <p14:creationId xmlns:p14="http://schemas.microsoft.com/office/powerpoint/2010/main" val="1040973754"/>
       </p:ext>
     </p:extLst>
   </p:cSld>
@@ -3059,15 +3181,18 @@
           <a:bodyPr/>
           <a:lstStyle/>
           <a:p>
-            <a:r>
-              <a:rPr lang="en-US" dirty="0" smtClean="0"/>
-              <a:t>Changes</a:t>
+            <a:pPr marL="171450" indent="-171450">
+              <a:buFont typeface="Arial" charset="0"/>
+              <a:buChar char="•"/>
+            </a:pPr>
+            <a:r>
+              <a:rPr lang="en-US" dirty="0" smtClean="0"/>
+              <a:t>In algorithm analysis the difference</a:t>
             </a:r>
             <a:r>
               <a:rPr lang="en-US" baseline="0" dirty="0" smtClean="0"/>
-              <a:t> like using direct-path writes are "only" a 3x improvement, but that's still pretty awesome.</a:t>
-            </a:r>
-            <a:endParaRPr lang="en-US" dirty="0"/>
+              <a:t> between LOG and LOG2 doesn’t matter that much.  We don't need to know the base to make good decisions.</a:t>
+            </a:r>
           </a:p>
         </p:txBody>
       </p:sp>
@@ -3088,7 +3213,7 @@
           <a:p>
             <a:fld id="{5A6616C6-9DE0-4865-BC75-EB7C5EE0BF49}" type="slidenum">
               <a:rPr lang="en-US" smtClean="0"/>
-              <a:t>40</a:t>
+              <a:t>28</a:t>
             </a:fld>
             <a:endParaRPr lang="en-US"/>
           </a:p>
@@ -3097,7 +3222,7 @@
     </p:spTree>
     <p:extLst>
       <p:ext uri="{BB962C8B-B14F-4D97-AF65-F5344CB8AC3E}">
-        <p14:creationId xmlns:p14="http://schemas.microsoft.com/office/powerpoint/2010/main" val="2597115283"/>
+        <p14:creationId xmlns:p14="http://schemas.microsoft.com/office/powerpoint/2010/main" val="3713159576"/>
       </p:ext>
     </p:extLst>
   </p:cSld>
@@ -3151,49 +3276,52 @@
           <a:bodyPr/>
           <a:lstStyle/>
           <a:p>
-            <a:r>
-              <a:rPr lang="en-US" b="1" dirty="0" smtClean="0"/>
-              <a:t>Difficult</a:t>
-            </a:r>
-            <a:r>
-              <a:rPr lang="en-US" b="1" baseline="0" dirty="0" smtClean="0"/>
-              <a:t> choice:</a:t>
+            <a:pPr marL="171450" indent="-171450">
+              <a:buFont typeface="Arial" charset="0"/>
+              <a:buChar char="•"/>
+            </a:pPr>
+            <a:r>
+              <a:rPr lang="en-US" dirty="0" smtClean="0"/>
+              <a:t>This graph compares LOG(N) with N - comparing an</a:t>
             </a:r>
             <a:r>
               <a:rPr lang="en-US" baseline="0" dirty="0" smtClean="0"/>
-              <a:t> It's not obvious when a full table scan is cheaper than an index read.  It depends on the percentage of the index and how big the data is.</a:t>
-            </a:r>
-          </a:p>
-          <a:p>
-            <a:r>
-              <a:rPr lang="en-US" b="1" baseline="0" dirty="0" smtClean="0"/>
-              <a:t>Other factors:</a:t>
+              <a:t> index read with a full table scan</a:t>
+            </a:r>
+            <a:r>
+              <a:rPr lang="en-US" dirty="0" smtClean="0"/>
+              <a:t>.  Note that we're still only talking about accessing a single value.</a:t>
+            </a:r>
+          </a:p>
+          <a:p>
+            <a:pPr marL="171450" indent="-171450">
+              <a:buFont typeface="Arial" charset="0"/>
+              <a:buChar char="•"/>
+            </a:pPr>
+            <a:r>
+              <a:rPr lang="en-US" dirty="0" smtClean="0"/>
+              <a:t>This</a:t>
             </a:r>
             <a:r>
               <a:rPr lang="en-US" baseline="0" dirty="0" smtClean="0"/>
-              <a:t> Clustering factor, multi-block versus single-block read time affect the choice.</a:t>
-            </a:r>
-          </a:p>
-          <a:p>
-            <a:r>
-              <a:rPr lang="en-US" b="1" baseline="0" dirty="0" smtClean="0"/>
-              <a:t>Theory versus practice:</a:t>
+              <a:t> graph only goes to 20 but show how indexes can be ridiculously faster than full table scans.</a:t>
+            </a:r>
+            <a:endParaRPr lang="en-US" dirty="0" smtClean="0"/>
+          </a:p>
+          <a:p>
+            <a:pPr marL="171450" indent="-171450">
+              <a:buFont typeface="Arial" charset="0"/>
+              <a:buChar char="•"/>
+            </a:pPr>
+            <a:r>
+              <a:rPr lang="en-US" dirty="0" smtClean="0"/>
+              <a:t>(As</a:t>
             </a:r>
             <a:r>
               <a:rPr lang="en-US" baseline="0" dirty="0" smtClean="0"/>
-              <a:t> Theory tells us the *shape*, but practice tells us the actual number where they diverge.</a:t>
-            </a:r>
-          </a:p>
-          <a:p>
-            <a:r>
-              <a:rPr lang="en-US" b="1" baseline="0" dirty="0" smtClean="0"/>
-              <a:t>Cardinality:</a:t>
-            </a:r>
-            <a:r>
-              <a:rPr lang="en-US" baseline="0" dirty="0" smtClean="0"/>
-              <a:t> This is why cardinality is important.  Oracle must know where on the X-axis we are, to know which choice is better.</a:t>
-            </a:r>
-            <a:endParaRPr lang="en-US" dirty="0"/>
+              <a:t> previously discuss, hashing could be faster for single access, but it isn't.  Indexes are the best for single-access.)</a:t>
+            </a:r>
+            <a:endParaRPr lang="en-US" dirty="0" smtClean="0"/>
           </a:p>
         </p:txBody>
       </p:sp>
@@ -3214,7 +3342,7 @@
           <a:p>
             <a:fld id="{5A6616C6-9DE0-4865-BC75-EB7C5EE0BF49}" type="slidenum">
               <a:rPr lang="en-US" smtClean="0"/>
-              <a:t>43</a:t>
+              <a:t>29</a:t>
             </a:fld>
             <a:endParaRPr lang="en-US"/>
           </a:p>
@@ -3223,7 +3351,7 @@
     </p:spTree>
     <p:extLst>
       <p:ext uri="{BB962C8B-B14F-4D97-AF65-F5344CB8AC3E}">
-        <p14:creationId xmlns:p14="http://schemas.microsoft.com/office/powerpoint/2010/main" val="3435678858"/>
+        <p14:creationId xmlns:p14="http://schemas.microsoft.com/office/powerpoint/2010/main" val="3230797625"/>
       </p:ext>
     </p:extLst>
   </p:cSld>
@@ -3277,6 +3405,24 @@
           <a:bodyPr/>
           <a:lstStyle/>
           <a:p>
+            <a:pPr marL="171450" indent="-171450">
+              <a:buFont typeface="Arial" charset="0"/>
+              <a:buChar char="•"/>
+            </a:pPr>
+            <a:r>
+              <a:rPr lang="en-US" baseline="0" dirty="0" smtClean="0"/>
+              <a:t>Index performance scales so well. A good index today may be a great index tomorrow, as the data grows.</a:t>
+            </a:r>
+          </a:p>
+          <a:p>
+            <a:pPr marL="171450" indent="-171450">
+              <a:buFont typeface="Arial" charset="0"/>
+              <a:buChar char="•"/>
+            </a:pPr>
+            <a:r>
+              <a:rPr lang="en-US" baseline="0" dirty="0" smtClean="0"/>
+              <a:t>It might be worth creating indexes that initially aren't valuable.</a:t>
+            </a:r>
             <a:endParaRPr lang="en-US" dirty="0"/>
           </a:p>
         </p:txBody>
@@ -3298,7 +3444,7 @@
           <a:p>
             <a:fld id="{5A6616C6-9DE0-4865-BC75-EB7C5EE0BF49}" type="slidenum">
               <a:rPr lang="en-US" smtClean="0"/>
-              <a:t>45</a:t>
+              <a:t>30</a:t>
             </a:fld>
             <a:endParaRPr lang="en-US"/>
           </a:p>
@@ -3307,7 +3453,7 @@
     </p:spTree>
     <p:extLst>
       <p:ext uri="{BB962C8B-B14F-4D97-AF65-F5344CB8AC3E}">
-        <p14:creationId xmlns:p14="http://schemas.microsoft.com/office/powerpoint/2010/main" val="24726982"/>
+        <p14:creationId xmlns:p14="http://schemas.microsoft.com/office/powerpoint/2010/main" val="3270271490"/>
       </p:ext>
     </p:extLst>
   </p:cSld>
@@ -3361,15 +3507,186 @@
           <a:bodyPr/>
           <a:lstStyle/>
           <a:p>
-            <a:r>
-              <a:rPr lang="en-US" dirty="0" smtClean="0"/>
-              <a:t>Chart is from my answer here:</a:t>
+            <a:pPr marL="171450" indent="-171450">
+              <a:buFont typeface="Arial" charset="0"/>
+              <a:buChar char="•"/>
+            </a:pPr>
+            <a:r>
+              <a:rPr lang="en-US" dirty="0" smtClean="0"/>
+              <a:t>The height of the index determines the</a:t>
             </a:r>
             <a:r>
               <a:rPr lang="en-US" baseline="0" dirty="0" smtClean="0"/>
-              <a:t> https://stackoverflow.com/questions/8188093/oracle-always-uses-hash-join-even-when-both-tables-are-huge</a:t>
-            </a:r>
-            <a:endParaRPr lang="en-US" dirty="0"/>
+              <a:t> maximum number of steps, or hops, it takes to find a specific value.</a:t>
+            </a:r>
+          </a:p>
+          <a:p>
+            <a:pPr marL="171450" indent="-171450">
+              <a:buFont typeface="Arial" charset="0"/>
+              <a:buChar char="•"/>
+            </a:pPr>
+            <a:r>
+              <a:rPr lang="en-US" baseline="0" dirty="0" smtClean="0"/>
+              <a:t>This table shows that in practice it is extremely unlikely to have an index grow to more than 3 or 4 levels deep.</a:t>
+            </a:r>
+          </a:p>
+          <a:p>
+            <a:pPr marL="171450" indent="-171450">
+              <a:buFont typeface="Arial" charset="0"/>
+              <a:buChar char="•"/>
+            </a:pPr>
+            <a:r>
+              <a:rPr lang="en-US" baseline="0" dirty="0" smtClean="0"/>
+              <a:t>These indexes are from an environment where we do not periodically rebuild indexes.  The chance of a rogue index, that requires constant rebuilding, is extremely small.  For range-scan access you almost never need to worry about the index becoming inefficient.</a:t>
+            </a:r>
+            <a:endParaRPr lang="en-US" dirty="0" smtClean="0"/>
+          </a:p>
+          <a:p>
+            <a:endParaRPr lang="en-US" baseline="0" dirty="0" smtClean="0"/>
+          </a:p>
+          <a:p>
+            <a:r>
+              <a:rPr lang="en-US" baseline="0" dirty="0" smtClean="0"/>
+              <a:t>Generated by this query (run against the 350 databases I have access to)</a:t>
+            </a:r>
+          </a:p>
+          <a:p>
+            <a:r>
+              <a:rPr lang="en-US" sz="1200" b="0" i="1" u="none" strike="noStrike" kern="1200" baseline="0" dirty="0" smtClean="0">
+                <a:solidFill>
+                  <a:schemeClr val="tx1"/>
+                </a:solidFill>
+                <a:latin typeface="Courier New" panose="02070309020205020404" pitchFamily="49" charset="0"/>
+                <a:ea typeface="+mn-ea"/>
+                <a:cs typeface="Courier New" panose="02070309020205020404" pitchFamily="49" charset="0"/>
+              </a:rPr>
+              <a:t>select </a:t>
+            </a:r>
+            <a:r>
+              <a:rPr lang="en-US" sz="1200" b="0" i="1" u="none" strike="noStrike" kern="1200" baseline="0" dirty="0" err="1" smtClean="0">
+                <a:solidFill>
+                  <a:schemeClr val="tx1"/>
+                </a:solidFill>
+                <a:latin typeface="Courier New" panose="02070309020205020404" pitchFamily="49" charset="0"/>
+                <a:ea typeface="+mn-ea"/>
+                <a:cs typeface="Courier New" panose="02070309020205020404" pitchFamily="49" charset="0"/>
+              </a:rPr>
+              <a:t>blevel</a:t>
+            </a:r>
+            <a:r>
+              <a:rPr lang="en-US" sz="1200" b="0" i="1" u="none" strike="noStrike" kern="1200" baseline="0" dirty="0" smtClean="0">
+                <a:solidFill>
+                  <a:schemeClr val="tx1"/>
+                </a:solidFill>
+                <a:latin typeface="Courier New" panose="02070309020205020404" pitchFamily="49" charset="0"/>
+                <a:ea typeface="+mn-ea"/>
+                <a:cs typeface="Courier New" panose="02070309020205020404" pitchFamily="49" charset="0"/>
+              </a:rPr>
+              <a:t>, count(*) count</a:t>
+            </a:r>
+          </a:p>
+          <a:p>
+            <a:r>
+              <a:rPr lang="en-US" sz="1200" b="0" i="1" u="none" strike="noStrike" kern="1200" baseline="0" dirty="0" smtClean="0">
+                <a:solidFill>
+                  <a:schemeClr val="tx1"/>
+                </a:solidFill>
+                <a:latin typeface="Courier New" panose="02070309020205020404" pitchFamily="49" charset="0"/>
+                <a:ea typeface="+mn-ea"/>
+                <a:cs typeface="Courier New" panose="02070309020205020404" pitchFamily="49" charset="0"/>
+              </a:rPr>
+              <a:t>from </a:t>
+            </a:r>
+            <a:r>
+              <a:rPr lang="en-US" sz="1200" b="0" i="1" u="none" strike="noStrike" kern="1200" baseline="0" dirty="0" err="1" smtClean="0">
+                <a:solidFill>
+                  <a:schemeClr val="tx1"/>
+                </a:solidFill>
+                <a:latin typeface="Courier New" panose="02070309020205020404" pitchFamily="49" charset="0"/>
+                <a:ea typeface="+mn-ea"/>
+                <a:cs typeface="Courier New" panose="02070309020205020404" pitchFamily="49" charset="0"/>
+              </a:rPr>
+              <a:t>dba_indexes</a:t>
+            </a:r>
+            <a:endParaRPr lang="en-US" sz="1200" b="0" i="1" u="none" strike="noStrike" kern="1200" baseline="0" dirty="0" smtClean="0">
+              <a:solidFill>
+                <a:schemeClr val="tx1"/>
+              </a:solidFill>
+              <a:latin typeface="Courier New" panose="02070309020205020404" pitchFamily="49" charset="0"/>
+              <a:ea typeface="+mn-ea"/>
+              <a:cs typeface="Courier New" panose="02070309020205020404" pitchFamily="49" charset="0"/>
+            </a:endParaRPr>
+          </a:p>
+          <a:p>
+            <a:r>
+              <a:rPr lang="en-US" sz="1200" b="0" i="1" u="none" strike="noStrike" kern="1200" baseline="0" dirty="0" smtClean="0">
+                <a:solidFill>
+                  <a:schemeClr val="tx1"/>
+                </a:solidFill>
+                <a:latin typeface="Courier New" panose="02070309020205020404" pitchFamily="49" charset="0"/>
+                <a:ea typeface="+mn-ea"/>
+                <a:cs typeface="Courier New" panose="02070309020205020404" pitchFamily="49" charset="0"/>
+              </a:rPr>
+              <a:t>group by </a:t>
+            </a:r>
+            <a:r>
+              <a:rPr lang="en-US" sz="1200" b="0" i="1" u="none" strike="noStrike" kern="1200" baseline="0" dirty="0" err="1" smtClean="0">
+                <a:solidFill>
+                  <a:schemeClr val="tx1"/>
+                </a:solidFill>
+                <a:latin typeface="Courier New" panose="02070309020205020404" pitchFamily="49" charset="0"/>
+                <a:ea typeface="+mn-ea"/>
+                <a:cs typeface="Courier New" panose="02070309020205020404" pitchFamily="49" charset="0"/>
+              </a:rPr>
+              <a:t>blevel</a:t>
+            </a:r>
+            <a:endParaRPr lang="en-US" sz="1200" b="0" i="1" u="none" strike="noStrike" kern="1200" baseline="0" dirty="0" smtClean="0">
+              <a:solidFill>
+                <a:schemeClr val="tx1"/>
+              </a:solidFill>
+              <a:latin typeface="Courier New" panose="02070309020205020404" pitchFamily="49" charset="0"/>
+              <a:ea typeface="+mn-ea"/>
+              <a:cs typeface="Courier New" panose="02070309020205020404" pitchFamily="49" charset="0"/>
+            </a:endParaRPr>
+          </a:p>
+          <a:p>
+            <a:r>
+              <a:rPr lang="en-US" sz="1200" b="0" i="1" u="none" strike="noStrike" kern="1200" baseline="0" dirty="0" smtClean="0">
+                <a:solidFill>
+                  <a:schemeClr val="tx1"/>
+                </a:solidFill>
+                <a:latin typeface="Courier New" panose="02070309020205020404" pitchFamily="49" charset="0"/>
+                <a:ea typeface="+mn-ea"/>
+                <a:cs typeface="Courier New" panose="02070309020205020404" pitchFamily="49" charset="0"/>
+              </a:rPr>
+              <a:t>order by </a:t>
+            </a:r>
+            <a:r>
+              <a:rPr lang="en-US" sz="1200" b="0" i="1" u="none" strike="noStrike" kern="1200" baseline="0" dirty="0" err="1" smtClean="0">
+                <a:solidFill>
+                  <a:schemeClr val="tx1"/>
+                </a:solidFill>
+                <a:latin typeface="Courier New" panose="02070309020205020404" pitchFamily="49" charset="0"/>
+                <a:ea typeface="+mn-ea"/>
+                <a:cs typeface="Courier New" panose="02070309020205020404" pitchFamily="49" charset="0"/>
+              </a:rPr>
+              <a:t>blevel</a:t>
+            </a:r>
+            <a:r>
+              <a:rPr lang="en-US" sz="1200" b="0" i="1" u="none" strike="noStrike" kern="1200" baseline="0" dirty="0" smtClean="0">
+                <a:solidFill>
+                  <a:schemeClr val="tx1"/>
+                </a:solidFill>
+                <a:latin typeface="Courier New" panose="02070309020205020404" pitchFamily="49" charset="0"/>
+                <a:ea typeface="+mn-ea"/>
+                <a:cs typeface="Courier New" panose="02070309020205020404" pitchFamily="49" charset="0"/>
+              </a:rPr>
+              <a:t> nulls first;</a:t>
+            </a:r>
+            <a:endParaRPr lang="en-US" i="1" dirty="0">
+              <a:latin typeface="Courier New" panose="02070309020205020404" pitchFamily="49" charset="0"/>
+              <a:cs typeface="Courier New" panose="02070309020205020404" pitchFamily="49" charset="0"/>
+            </a:endParaRPr>
           </a:p>
         </p:txBody>
       </p:sp>
@@ -3390,7 +3707,7 @@
           <a:p>
             <a:fld id="{5A6616C6-9DE0-4865-BC75-EB7C5EE0BF49}" type="slidenum">
               <a:rPr lang="en-US" smtClean="0"/>
-              <a:t>46</a:t>
+              <a:t>31</a:t>
             </a:fld>
             <a:endParaRPr lang="en-US"/>
           </a:p>
@@ -3399,7 +3716,7 @@
     </p:spTree>
     <p:extLst>
       <p:ext uri="{BB962C8B-B14F-4D97-AF65-F5344CB8AC3E}">
-        <p14:creationId xmlns:p14="http://schemas.microsoft.com/office/powerpoint/2010/main" val="23698583"/>
+        <p14:creationId xmlns:p14="http://schemas.microsoft.com/office/powerpoint/2010/main" val="1306290819"/>
       </p:ext>
     </p:extLst>
   </p:cSld>
@@ -3580,6 +3897,166 @@
           <a:bodyPr/>
           <a:lstStyle/>
           <a:p>
+            <a:pPr marL="171450" indent="-171450">
+              <a:buFont typeface="Arial" charset="0"/>
+              <a:buChar char="•"/>
+            </a:pPr>
+            <a:r>
+              <a:rPr lang="en-US" sz="1200" kern="1200" dirty="0" smtClean="0">
+                <a:solidFill>
+                  <a:schemeClr val="tx1"/>
+                </a:solidFill>
+                <a:effectLst/>
+                <a:latin typeface="+mn-lt"/>
+                <a:ea typeface="+mn-ea"/>
+                <a:cs typeface="+mn-cs"/>
+              </a:rPr>
+              <a:t>This</a:t>
+            </a:r>
+            <a:r>
+              <a:rPr lang="en-US" sz="1200" kern="1200" baseline="0" dirty="0" smtClean="0">
+                <a:solidFill>
+                  <a:schemeClr val="tx1"/>
+                </a:solidFill>
+                <a:effectLst/>
+                <a:latin typeface="+mn-lt"/>
+                <a:ea typeface="+mn-ea"/>
+                <a:cs typeface="+mn-cs"/>
+              </a:rPr>
+              <a:t> graph is a bit different than the others - the X axis does not represent the amount of work, it represents the degree of parallelism.  Notice that the X axis is logarithmic, and the Y axis is linear.</a:t>
+            </a:r>
+          </a:p>
+          <a:p>
+            <a:pPr marL="171450" indent="-171450">
+              <a:buFont typeface="Arial" charset="0"/>
+              <a:buChar char="•"/>
+            </a:pPr>
+            <a:r>
+              <a:rPr lang="en-US" sz="1200" kern="1200" baseline="0" dirty="0" smtClean="0">
+                <a:solidFill>
+                  <a:schemeClr val="tx1"/>
+                </a:solidFill>
+                <a:effectLst/>
+                <a:latin typeface="+mn-lt"/>
+                <a:ea typeface="+mn-ea"/>
+                <a:cs typeface="+mn-cs"/>
+              </a:rPr>
+              <a:t>This graph takes a minute to understand.  It's showing us how the maximum possible speedup depends on the degree of parallelism as well as how much of the process can be parallelized.</a:t>
+            </a:r>
+          </a:p>
+          <a:p>
+            <a:pPr marL="171450" indent="-171450">
+              <a:buFont typeface="Arial" charset="0"/>
+              <a:buChar char="•"/>
+            </a:pPr>
+            <a:r>
+              <a:rPr lang="en-US" sz="1200" kern="1200" baseline="0" dirty="0" smtClean="0">
+                <a:solidFill>
+                  <a:schemeClr val="tx1"/>
+                </a:solidFill>
+                <a:effectLst/>
+                <a:latin typeface="+mn-lt"/>
+                <a:ea typeface="+mn-ea"/>
+                <a:cs typeface="+mn-cs"/>
+              </a:rPr>
+              <a:t>For example, if we only parallelize 50% of the workload, the theoretical maximum speedup is 2x.</a:t>
+            </a:r>
+            <a:endParaRPr lang="en-US" sz="1200" kern="1200" dirty="0" smtClean="0">
+              <a:solidFill>
+                <a:schemeClr val="tx1"/>
+              </a:solidFill>
+              <a:effectLst/>
+              <a:latin typeface="+mn-lt"/>
+              <a:ea typeface="+mn-ea"/>
+              <a:cs typeface="+mn-cs"/>
+            </a:endParaRPr>
+          </a:p>
+          <a:p>
+            <a:endParaRPr lang="en-US" sz="1200" kern="1200" dirty="0" smtClean="0">
+              <a:solidFill>
+                <a:schemeClr val="tx1"/>
+              </a:solidFill>
+              <a:effectLst/>
+              <a:latin typeface="+mn-lt"/>
+              <a:ea typeface="+mn-ea"/>
+              <a:cs typeface="+mn-cs"/>
+            </a:endParaRPr>
+          </a:p>
+          <a:p>
+            <a:r>
+              <a:rPr lang="en-US" sz="1200" kern="1200" dirty="0" smtClean="0">
+                <a:solidFill>
+                  <a:schemeClr val="tx1"/>
+                </a:solidFill>
+                <a:effectLst/>
+                <a:latin typeface="+mn-lt"/>
+                <a:ea typeface="+mn-ea"/>
+                <a:cs typeface="+mn-cs"/>
+              </a:rPr>
+              <a:t>(Amdahl’s </a:t>
+            </a:r>
+            <a:r>
+              <a:rPr lang="en-US" sz="1200" kern="1200" dirty="0" smtClean="0">
+                <a:solidFill>
+                  <a:schemeClr val="tx1"/>
+                </a:solidFill>
+                <a:effectLst/>
+                <a:latin typeface="+mn-lt"/>
+                <a:ea typeface="+mn-ea"/>
+                <a:cs typeface="+mn-cs"/>
+              </a:rPr>
+              <a:t>law as a graph.  Based on </a:t>
+            </a:r>
+            <a:r>
+              <a:rPr lang="en-US" sz="1200" u="sng" kern="1200" dirty="0" smtClean="0">
+                <a:solidFill>
+                  <a:schemeClr val="tx1"/>
+                </a:solidFill>
+                <a:effectLst/>
+                <a:latin typeface="+mn-lt"/>
+                <a:ea typeface="+mn-ea"/>
+                <a:cs typeface="+mn-cs"/>
+                <a:hlinkClick r:id="rId3"/>
+              </a:rPr>
+              <a:t>“Amdahl’s Law”</a:t>
+            </a:r>
+            <a:r>
+              <a:rPr lang="en-US" sz="1200" kern="1200" dirty="0" smtClean="0">
+                <a:solidFill>
+                  <a:schemeClr val="tx1"/>
+                </a:solidFill>
+                <a:effectLst/>
+                <a:latin typeface="+mn-lt"/>
+                <a:ea typeface="+mn-ea"/>
+                <a:cs typeface="+mn-cs"/>
+              </a:rPr>
+              <a:t> by Daniels220, licensed under </a:t>
+            </a:r>
+            <a:r>
+              <a:rPr lang="en-US" sz="1200" u="sng" kern="1200" dirty="0" smtClean="0">
+                <a:solidFill>
+                  <a:schemeClr val="tx1"/>
+                </a:solidFill>
+                <a:effectLst/>
+                <a:latin typeface="+mn-lt"/>
+                <a:ea typeface="+mn-ea"/>
+                <a:cs typeface="+mn-cs"/>
+                <a:hlinkClick r:id="rId4"/>
+              </a:rPr>
+              <a:t>CC BY-SA</a:t>
+            </a:r>
+            <a:r>
+              <a:rPr lang="en-US" sz="1200" kern="1200" dirty="0" smtClean="0">
+                <a:solidFill>
+                  <a:schemeClr val="tx1"/>
+                </a:solidFill>
+                <a:effectLst/>
+                <a:latin typeface="+mn-lt"/>
+                <a:ea typeface="+mn-ea"/>
+                <a:cs typeface="+mn-cs"/>
+              </a:rPr>
+              <a:t>.)</a:t>
+            </a:r>
             <a:endParaRPr lang="en-US" dirty="0"/>
           </a:p>
         </p:txBody>
@@ -3601,7 +4078,7 @@
           <a:p>
             <a:fld id="{5A6616C6-9DE0-4865-BC75-EB7C5EE0BF49}" type="slidenum">
               <a:rPr lang="en-US" smtClean="0"/>
-              <a:t>55</a:t>
+              <a:t>32</a:t>
             </a:fld>
             <a:endParaRPr lang="en-US"/>
           </a:p>
@@ -3610,7 +4087,1042 @@
     </p:spTree>
     <p:extLst>
       <p:ext uri="{BB962C8B-B14F-4D97-AF65-F5344CB8AC3E}">
-        <p14:creationId xmlns:p14="http://schemas.microsoft.com/office/powerpoint/2010/main" val="2780744985"/>
+        <p14:creationId xmlns:p14="http://schemas.microsoft.com/office/powerpoint/2010/main" val="3996148136"/>
+      </p:ext>
+    </p:extLst>
+  </p:cSld>
+  <p:clrMapOvr>
+    <a:masterClrMapping/>
+  </p:clrMapOvr>
+</p:notes>
+</file>
+
+<file path=ppt/notesSlides/notesSlide31.xml><?xml version="1.0" encoding="utf-8"?>
+<p:notes xmlns:a="http://schemas.openxmlformats.org/drawingml/2006/main" xmlns:r="http://schemas.openxmlformats.org/officeDocument/2006/relationships" xmlns:p="http://schemas.openxmlformats.org/presentationml/2006/main">
+  <p:cSld>
+    <p:spTree>
+      <p:nvGrpSpPr>
+        <p:cNvPr id="1" name=""/>
+        <p:cNvGrpSpPr/>
+        <p:nvPr/>
+      </p:nvGrpSpPr>
+      <p:grpSpPr>
+        <a:xfrm>
+          <a:off x="0" y="0"/>
+          <a:ext cx="0" cy="0"/>
+          <a:chOff x="0" y="0"/>
+          <a:chExt cx="0" cy="0"/>
+        </a:xfrm>
+      </p:grpSpPr>
+      <p:sp>
+        <p:nvSpPr>
+          <p:cNvPr id="2" name="Slide Image Placeholder 1"/>
+          <p:cNvSpPr>
+            <a:spLocks noGrp="1" noRot="1" noChangeAspect="1"/>
+          </p:cNvSpPr>
+          <p:nvPr>
+            <p:ph type="sldImg"/>
+          </p:nvPr>
+        </p:nvSpPr>
+        <p:spPr/>
+      </p:sp>
+      <p:sp>
+        <p:nvSpPr>
+          <p:cNvPr id="3" name="Notes Placeholder 2"/>
+          <p:cNvSpPr>
+            <a:spLocks noGrp="1"/>
+          </p:cNvSpPr>
+          <p:nvPr>
+            <p:ph type="body" idx="1"/>
+          </p:nvPr>
+        </p:nvSpPr>
+        <p:spPr/>
+        <p:txBody>
+          <a:bodyPr/>
+          <a:lstStyle/>
+          <a:p>
+            <a:pPr marL="171450" indent="-171450">
+              <a:buFont typeface="Arial" charset="0"/>
+              <a:buChar char="•"/>
+            </a:pPr>
+            <a:r>
+              <a:rPr lang="en-US" dirty="0" smtClean="0"/>
+              <a:t>In large data warehouses, Amdahl's</a:t>
+            </a:r>
+            <a:r>
+              <a:rPr lang="en-US" baseline="0" dirty="0" smtClean="0"/>
+              <a:t> law is why we can't have nice things.  It's depressing how even the tiniest bit of serial work prevents us from fully utilizing our hardware.</a:t>
+            </a:r>
+          </a:p>
+          <a:p>
+            <a:pPr marL="171450" indent="-171450">
+              <a:buFont typeface="Arial" charset="0"/>
+              <a:buChar char="•"/>
+            </a:pPr>
+            <a:r>
+              <a:rPr lang="en-US" baseline="0" dirty="0" smtClean="0"/>
+              <a:t>These examples show that increasing the parallel portion is often more important than improving the hardware.</a:t>
+            </a:r>
+            <a:endParaRPr lang="en-US" dirty="0"/>
+          </a:p>
+        </p:txBody>
+      </p:sp>
+      <p:sp>
+        <p:nvSpPr>
+          <p:cNvPr id="4" name="Slide Number Placeholder 3"/>
+          <p:cNvSpPr>
+            <a:spLocks noGrp="1"/>
+          </p:cNvSpPr>
+          <p:nvPr>
+            <p:ph type="sldNum" sz="quarter" idx="10"/>
+          </p:nvPr>
+        </p:nvSpPr>
+        <p:spPr/>
+        <p:txBody>
+          <a:bodyPr/>
+          <a:lstStyle/>
+          <a:p>
+            <a:fld id="{5A6616C6-9DE0-4865-BC75-EB7C5EE0BF49}" type="slidenum">
+              <a:rPr lang="en-US" smtClean="0"/>
+              <a:t>33</a:t>
+            </a:fld>
+            <a:endParaRPr lang="en-US"/>
+          </a:p>
+        </p:txBody>
+      </p:sp>
+    </p:spTree>
+    <p:extLst>
+      <p:ext uri="{BB962C8B-B14F-4D97-AF65-F5344CB8AC3E}">
+        <p14:creationId xmlns:p14="http://schemas.microsoft.com/office/powerpoint/2010/main" val="1735496015"/>
+      </p:ext>
+    </p:extLst>
+  </p:cSld>
+  <p:clrMapOvr>
+    <a:masterClrMapping/>
+  </p:clrMapOvr>
+</p:notes>
+</file>
+
+<file path=ppt/notesSlides/notesSlide32.xml><?xml version="1.0" encoding="utf-8"?>
+<p:notes xmlns:a="http://schemas.openxmlformats.org/drawingml/2006/main" xmlns:r="http://schemas.openxmlformats.org/officeDocument/2006/relationships" xmlns:p="http://schemas.openxmlformats.org/presentationml/2006/main">
+  <p:cSld>
+    <p:spTree>
+      <p:nvGrpSpPr>
+        <p:cNvPr id="1" name=""/>
+        <p:cNvGrpSpPr/>
+        <p:nvPr/>
+      </p:nvGrpSpPr>
+      <p:grpSpPr>
+        <a:xfrm>
+          <a:off x="0" y="0"/>
+          <a:ext cx="0" cy="0"/>
+          <a:chOff x="0" y="0"/>
+          <a:chExt cx="0" cy="0"/>
+        </a:xfrm>
+      </p:grpSpPr>
+      <p:sp>
+        <p:nvSpPr>
+          <p:cNvPr id="2" name="Slide Image Placeholder 1"/>
+          <p:cNvSpPr>
+            <a:spLocks noGrp="1" noRot="1" noChangeAspect="1"/>
+          </p:cNvSpPr>
+          <p:nvPr>
+            <p:ph type="sldImg"/>
+          </p:nvPr>
+        </p:nvSpPr>
+        <p:spPr/>
+      </p:sp>
+      <p:sp>
+        <p:nvSpPr>
+          <p:cNvPr id="3" name="Notes Placeholder 2"/>
+          <p:cNvSpPr>
+            <a:spLocks noGrp="1"/>
+          </p:cNvSpPr>
+          <p:nvPr>
+            <p:ph type="body" idx="1"/>
+          </p:nvPr>
+        </p:nvSpPr>
+        <p:spPr/>
+        <p:txBody>
+          <a:bodyPr/>
+          <a:lstStyle/>
+          <a:p>
+            <a:pPr marL="171450" indent="-171450">
+              <a:buFont typeface="Arial" charset="0"/>
+              <a:buChar char="•"/>
+            </a:pPr>
+            <a:r>
+              <a:rPr lang="en-US" dirty="0" smtClean="0"/>
+              <a:t>These</a:t>
+            </a:r>
+            <a:r>
+              <a:rPr lang="en-US" baseline="0" dirty="0" smtClean="0"/>
+              <a:t> </a:t>
+            </a:r>
+            <a:r>
+              <a:rPr lang="en-US" baseline="0" dirty="0" smtClean="0"/>
+              <a:t>pictures compare different ways to read a table in parallel.  The top, colorful chart shows reading one-partition-at-a-time.  The bottom, boring chart shows reading a table with a single SQL </a:t>
+            </a:r>
+            <a:r>
+              <a:rPr lang="en-US" baseline="0" dirty="0" smtClean="0"/>
+              <a:t>statement.</a:t>
+            </a:r>
+          </a:p>
+          <a:p>
+            <a:pPr marL="171450" indent="-171450">
+              <a:buFont typeface="Arial" charset="0"/>
+              <a:buChar char="•"/>
+            </a:pPr>
+            <a:r>
+              <a:rPr lang="en-US" baseline="0" dirty="0" smtClean="0"/>
+              <a:t>In </a:t>
+            </a:r>
+            <a:r>
+              <a:rPr lang="en-US" baseline="0" dirty="0" smtClean="0"/>
+              <a:t>this case, boring is good.  The boring chart has very few edges, which means it's getting the most parallelism possible.  If we want to improve performance by X we need to have X threads running at every possible </a:t>
+            </a:r>
+            <a:r>
+              <a:rPr lang="en-US" baseline="0" dirty="0" smtClean="0"/>
+              <a:t>moment.</a:t>
+            </a:r>
+          </a:p>
+          <a:p>
+            <a:pPr marL="171450" indent="-171450">
+              <a:buFont typeface="Arial" charset="0"/>
+              <a:buChar char="•"/>
+            </a:pPr>
+            <a:r>
+              <a:rPr lang="en-US" baseline="0" dirty="0" smtClean="0"/>
+              <a:t>We </a:t>
+            </a:r>
+            <a:r>
+              <a:rPr lang="en-US" baseline="0" dirty="0" smtClean="0"/>
+              <a:t>must have tools to measure and visualize utilization or we'd never know what's missing</a:t>
+            </a:r>
+            <a:r>
+              <a:rPr lang="en-US" baseline="0" dirty="0" smtClean="0"/>
+              <a:t>.  This was built with SQL Monitoring Reports, but there are other ways to get this information.</a:t>
+            </a:r>
+            <a:endParaRPr lang="en-US" dirty="0"/>
+          </a:p>
+        </p:txBody>
+      </p:sp>
+      <p:sp>
+        <p:nvSpPr>
+          <p:cNvPr id="4" name="Slide Number Placeholder 3"/>
+          <p:cNvSpPr>
+            <a:spLocks noGrp="1"/>
+          </p:cNvSpPr>
+          <p:nvPr>
+            <p:ph type="sldNum" sz="quarter" idx="10"/>
+          </p:nvPr>
+        </p:nvSpPr>
+        <p:spPr/>
+        <p:txBody>
+          <a:bodyPr/>
+          <a:lstStyle/>
+          <a:p>
+            <a:fld id="{5A6616C6-9DE0-4865-BC75-EB7C5EE0BF49}" type="slidenum">
+              <a:rPr lang="en-US" smtClean="0"/>
+              <a:t>34</a:t>
+            </a:fld>
+            <a:endParaRPr lang="en-US"/>
+          </a:p>
+        </p:txBody>
+      </p:sp>
+    </p:spTree>
+    <p:extLst>
+      <p:ext uri="{BB962C8B-B14F-4D97-AF65-F5344CB8AC3E}">
+        <p14:creationId xmlns:p14="http://schemas.microsoft.com/office/powerpoint/2010/main" val="2087203130"/>
+      </p:ext>
+    </p:extLst>
+  </p:cSld>
+  <p:clrMapOvr>
+    <a:masterClrMapping/>
+  </p:clrMapOvr>
+</p:notes>
+</file>
+
+<file path=ppt/notesSlides/notesSlide33.xml><?xml version="1.0" encoding="utf-8"?>
+<p:notes xmlns:a="http://schemas.openxmlformats.org/drawingml/2006/main" xmlns:r="http://schemas.openxmlformats.org/officeDocument/2006/relationships" xmlns:p="http://schemas.openxmlformats.org/presentationml/2006/main">
+  <p:cSld>
+    <p:spTree>
+      <p:nvGrpSpPr>
+        <p:cNvPr id="1" name=""/>
+        <p:cNvGrpSpPr/>
+        <p:nvPr/>
+      </p:nvGrpSpPr>
+      <p:grpSpPr>
+        <a:xfrm>
+          <a:off x="0" y="0"/>
+          <a:ext cx="0" cy="0"/>
+          <a:chOff x="0" y="0"/>
+          <a:chExt cx="0" cy="0"/>
+        </a:xfrm>
+      </p:grpSpPr>
+      <p:sp>
+        <p:nvSpPr>
+          <p:cNvPr id="2" name="Slide Image Placeholder 1"/>
+          <p:cNvSpPr>
+            <a:spLocks noGrp="1" noRot="1" noChangeAspect="1"/>
+          </p:cNvSpPr>
+          <p:nvPr>
+            <p:ph type="sldImg"/>
+          </p:nvPr>
+        </p:nvSpPr>
+        <p:spPr/>
+      </p:sp>
+      <p:sp>
+        <p:nvSpPr>
+          <p:cNvPr id="3" name="Notes Placeholder 2"/>
+          <p:cNvSpPr>
+            <a:spLocks noGrp="1"/>
+          </p:cNvSpPr>
+          <p:nvPr>
+            <p:ph type="body" idx="1"/>
+          </p:nvPr>
+        </p:nvSpPr>
+        <p:spPr/>
+        <p:txBody>
+          <a:bodyPr/>
+          <a:lstStyle/>
+          <a:p>
+            <a:pPr marL="171450" indent="-171450">
+              <a:buFont typeface="Arial" charset="0"/>
+              <a:buChar char="•"/>
+            </a:pPr>
+            <a:r>
+              <a:rPr lang="en-US" dirty="0" smtClean="0"/>
+              <a:t>For optimal data warehouse performance we can't have any serialization.</a:t>
+            </a:r>
+            <a:r>
+              <a:rPr lang="en-US" baseline="0" dirty="0" smtClean="0"/>
+              <a:t>  It's not enough to parallelize the obvious SELECT, DML, and CTAS statements.</a:t>
+            </a:r>
+          </a:p>
+          <a:p>
+            <a:pPr marL="171450" indent="-171450">
+              <a:buFont typeface="Arial" charset="0"/>
+              <a:buChar char="•"/>
+            </a:pPr>
+            <a:r>
+              <a:rPr lang="en-US" baseline="0" dirty="0" smtClean="0"/>
+              <a:t>We must also parallelize those "other" operations that aren't our primary objective.  It's trivial to parallelize index rebuilding and statistics gathering, we just need to enable some settings.  Parallelizing constraint validation is a bit trickier (disable constraint, set table to parallel, enable </a:t>
+            </a:r>
+            <a:r>
+              <a:rPr lang="en-US" baseline="0" dirty="0" err="1" smtClean="0"/>
+              <a:t>novalidate</a:t>
+            </a:r>
+            <a:r>
+              <a:rPr lang="en-US" baseline="0" dirty="0" smtClean="0"/>
+              <a:t> the constraint, validate the constraint, remove the parallelism) but it's worth the effort to get maximum parallelism.</a:t>
+            </a:r>
+            <a:endParaRPr lang="en-US" dirty="0"/>
+          </a:p>
+        </p:txBody>
+      </p:sp>
+      <p:sp>
+        <p:nvSpPr>
+          <p:cNvPr id="4" name="Slide Number Placeholder 3"/>
+          <p:cNvSpPr>
+            <a:spLocks noGrp="1"/>
+          </p:cNvSpPr>
+          <p:nvPr>
+            <p:ph type="sldNum" sz="quarter" idx="10"/>
+          </p:nvPr>
+        </p:nvSpPr>
+        <p:spPr/>
+        <p:txBody>
+          <a:bodyPr/>
+          <a:lstStyle/>
+          <a:p>
+            <a:fld id="{5A6616C6-9DE0-4865-BC75-EB7C5EE0BF49}" type="slidenum">
+              <a:rPr lang="en-US" smtClean="0"/>
+              <a:t>35</a:t>
+            </a:fld>
+            <a:endParaRPr lang="en-US"/>
+          </a:p>
+        </p:txBody>
+      </p:sp>
+    </p:spTree>
+    <p:extLst>
+      <p:ext uri="{BB962C8B-B14F-4D97-AF65-F5344CB8AC3E}">
+        <p14:creationId xmlns:p14="http://schemas.microsoft.com/office/powerpoint/2010/main" val="1825488248"/>
+      </p:ext>
+    </p:extLst>
+  </p:cSld>
+  <p:clrMapOvr>
+    <a:masterClrMapping/>
+  </p:clrMapOvr>
+</p:notes>
+</file>
+
+<file path=ppt/notesSlides/notesSlide34.xml><?xml version="1.0" encoding="utf-8"?>
+<p:notes xmlns:a="http://schemas.openxmlformats.org/drawingml/2006/main" xmlns:r="http://schemas.openxmlformats.org/officeDocument/2006/relationships" xmlns:p="http://schemas.openxmlformats.org/presentationml/2006/main">
+  <p:cSld>
+    <p:spTree>
+      <p:nvGrpSpPr>
+        <p:cNvPr id="1" name=""/>
+        <p:cNvGrpSpPr/>
+        <p:nvPr/>
+      </p:nvGrpSpPr>
+      <p:grpSpPr>
+        <a:xfrm>
+          <a:off x="0" y="0"/>
+          <a:ext cx="0" cy="0"/>
+          <a:chOff x="0" y="0"/>
+          <a:chExt cx="0" cy="0"/>
+        </a:xfrm>
+      </p:grpSpPr>
+      <p:sp>
+        <p:nvSpPr>
+          <p:cNvPr id="2" name="Slide Image Placeholder 1"/>
+          <p:cNvSpPr>
+            <a:spLocks noGrp="1" noRot="1" noChangeAspect="1"/>
+          </p:cNvSpPr>
+          <p:nvPr>
+            <p:ph type="sldImg"/>
+          </p:nvPr>
+        </p:nvSpPr>
+        <p:spPr/>
+      </p:sp>
+      <p:sp>
+        <p:nvSpPr>
+          <p:cNvPr id="3" name="Notes Placeholder 2"/>
+          <p:cNvSpPr>
+            <a:spLocks noGrp="1"/>
+          </p:cNvSpPr>
+          <p:nvPr>
+            <p:ph type="body" idx="1"/>
+          </p:nvPr>
+        </p:nvSpPr>
+        <p:spPr/>
+        <p:txBody>
+          <a:bodyPr/>
+          <a:lstStyle/>
+          <a:p>
+            <a:endParaRPr lang="en-US" dirty="0"/>
+          </a:p>
+        </p:txBody>
+      </p:sp>
+      <p:sp>
+        <p:nvSpPr>
+          <p:cNvPr id="4" name="Slide Number Placeholder 3"/>
+          <p:cNvSpPr>
+            <a:spLocks noGrp="1"/>
+          </p:cNvSpPr>
+          <p:nvPr>
+            <p:ph type="sldNum" sz="quarter" idx="10"/>
+          </p:nvPr>
+        </p:nvSpPr>
+        <p:spPr/>
+        <p:txBody>
+          <a:bodyPr/>
+          <a:lstStyle/>
+          <a:p>
+            <a:fld id="{5A6616C6-9DE0-4865-BC75-EB7C5EE0BF49}" type="slidenum">
+              <a:rPr lang="en-US" smtClean="0"/>
+              <a:t>36</a:t>
+            </a:fld>
+            <a:endParaRPr lang="en-US"/>
+          </a:p>
+        </p:txBody>
+      </p:sp>
+    </p:spTree>
+    <p:extLst>
+      <p:ext uri="{BB962C8B-B14F-4D97-AF65-F5344CB8AC3E}">
+        <p14:creationId xmlns:p14="http://schemas.microsoft.com/office/powerpoint/2010/main" val="575029715"/>
+      </p:ext>
+    </p:extLst>
+  </p:cSld>
+  <p:clrMapOvr>
+    <a:masterClrMapping/>
+  </p:clrMapOvr>
+</p:notes>
+</file>
+
+<file path=ppt/notesSlides/notesSlide35.xml><?xml version="1.0" encoding="utf-8"?>
+<p:notes xmlns:a="http://schemas.openxmlformats.org/drawingml/2006/main" xmlns:r="http://schemas.openxmlformats.org/officeDocument/2006/relationships" xmlns:p="http://schemas.openxmlformats.org/presentationml/2006/main">
+  <p:cSld>
+    <p:spTree>
+      <p:nvGrpSpPr>
+        <p:cNvPr id="1" name=""/>
+        <p:cNvGrpSpPr/>
+        <p:nvPr/>
+      </p:nvGrpSpPr>
+      <p:grpSpPr>
+        <a:xfrm>
+          <a:off x="0" y="0"/>
+          <a:ext cx="0" cy="0"/>
+          <a:chOff x="0" y="0"/>
+          <a:chExt cx="0" cy="0"/>
+        </a:xfrm>
+      </p:grpSpPr>
+      <p:sp>
+        <p:nvSpPr>
+          <p:cNvPr id="2" name="Slide Image Placeholder 1"/>
+          <p:cNvSpPr>
+            <a:spLocks noGrp="1" noRot="1" noChangeAspect="1"/>
+          </p:cNvSpPr>
+          <p:nvPr>
+            <p:ph type="sldImg"/>
+          </p:nvPr>
+        </p:nvSpPr>
+        <p:spPr/>
+      </p:sp>
+      <p:sp>
+        <p:nvSpPr>
+          <p:cNvPr id="3" name="Notes Placeholder 2"/>
+          <p:cNvSpPr>
+            <a:spLocks noGrp="1"/>
+          </p:cNvSpPr>
+          <p:nvPr>
+            <p:ph type="body" idx="1"/>
+          </p:nvPr>
+        </p:nvSpPr>
+        <p:spPr/>
+        <p:txBody>
+          <a:bodyPr/>
+          <a:lstStyle/>
+          <a:p>
+            <a:pPr marL="171450" indent="-171450">
+              <a:buFont typeface="Arial" charset="0"/>
+              <a:buChar char="•"/>
+            </a:pPr>
+            <a:r>
+              <a:rPr lang="en-US" dirty="0" smtClean="0"/>
+              <a:t>Linear growth is the most common and</a:t>
+            </a:r>
+            <a:r>
+              <a:rPr lang="en-US" baseline="0" dirty="0" smtClean="0"/>
+              <a:t> occurs in many operations.  This presentation covers a wide range of complexities, but in practice, most of our work is linear.</a:t>
+            </a:r>
+          </a:p>
+          <a:p>
+            <a:pPr marL="171450" indent="-171450">
+              <a:buFont typeface="Arial" charset="0"/>
+              <a:buChar char="•"/>
+            </a:pPr>
+            <a:r>
+              <a:rPr lang="en-US" dirty="0" smtClean="0"/>
+              <a:t>Changes</a:t>
+            </a:r>
+            <a:r>
+              <a:rPr lang="en-US" baseline="0" dirty="0" smtClean="0"/>
+              <a:t> </a:t>
+            </a:r>
+            <a:r>
+              <a:rPr lang="en-US" baseline="0" dirty="0" smtClean="0"/>
+              <a:t>like using direct-path writes are "only" </a:t>
+            </a:r>
+            <a:r>
+              <a:rPr lang="en-US" baseline="0" dirty="0" smtClean="0"/>
+              <a:t>something like a 2x </a:t>
+            </a:r>
+            <a:r>
+              <a:rPr lang="en-US" baseline="0" dirty="0" smtClean="0"/>
+              <a:t>improvement, but that's still pretty awesome</a:t>
+            </a:r>
+            <a:r>
+              <a:rPr lang="en-US" baseline="0" dirty="0" smtClean="0"/>
+              <a:t>.</a:t>
+            </a:r>
+            <a:endParaRPr lang="en-US" dirty="0"/>
+          </a:p>
+        </p:txBody>
+      </p:sp>
+      <p:sp>
+        <p:nvSpPr>
+          <p:cNvPr id="4" name="Slide Number Placeholder 3"/>
+          <p:cNvSpPr>
+            <a:spLocks noGrp="1"/>
+          </p:cNvSpPr>
+          <p:nvPr>
+            <p:ph type="sldNum" sz="quarter" idx="10"/>
+          </p:nvPr>
+        </p:nvSpPr>
+        <p:spPr/>
+        <p:txBody>
+          <a:bodyPr/>
+          <a:lstStyle/>
+          <a:p>
+            <a:fld id="{5A6616C6-9DE0-4865-BC75-EB7C5EE0BF49}" type="slidenum">
+              <a:rPr lang="en-US" smtClean="0"/>
+              <a:t>37</a:t>
+            </a:fld>
+            <a:endParaRPr lang="en-US"/>
+          </a:p>
+        </p:txBody>
+      </p:sp>
+    </p:spTree>
+    <p:extLst>
+      <p:ext uri="{BB962C8B-B14F-4D97-AF65-F5344CB8AC3E}">
+        <p14:creationId xmlns:p14="http://schemas.microsoft.com/office/powerpoint/2010/main" val="2597115283"/>
+      </p:ext>
+    </p:extLst>
+  </p:cSld>
+  <p:clrMapOvr>
+    <a:masterClrMapping/>
+  </p:clrMapOvr>
+</p:notes>
+</file>
+
+<file path=ppt/notesSlides/notesSlide36.xml><?xml version="1.0" encoding="utf-8"?>
+<p:notes xmlns:a="http://schemas.openxmlformats.org/drawingml/2006/main" xmlns:r="http://schemas.openxmlformats.org/officeDocument/2006/relationships" xmlns:p="http://schemas.openxmlformats.org/presentationml/2006/main">
+  <p:cSld>
+    <p:spTree>
+      <p:nvGrpSpPr>
+        <p:cNvPr id="1" name=""/>
+        <p:cNvGrpSpPr/>
+        <p:nvPr/>
+      </p:nvGrpSpPr>
+      <p:grpSpPr>
+        <a:xfrm>
+          <a:off x="0" y="0"/>
+          <a:ext cx="0" cy="0"/>
+          <a:chOff x="0" y="0"/>
+          <a:chExt cx="0" cy="0"/>
+        </a:xfrm>
+      </p:grpSpPr>
+      <p:sp>
+        <p:nvSpPr>
+          <p:cNvPr id="2" name="Slide Image Placeholder 1"/>
+          <p:cNvSpPr>
+            <a:spLocks noGrp="1" noRot="1" noChangeAspect="1"/>
+          </p:cNvSpPr>
+          <p:nvPr>
+            <p:ph type="sldImg"/>
+          </p:nvPr>
+        </p:nvSpPr>
+        <p:spPr/>
+      </p:sp>
+      <p:sp>
+        <p:nvSpPr>
+          <p:cNvPr id="3" name="Notes Placeholder 2"/>
+          <p:cNvSpPr>
+            <a:spLocks noGrp="1"/>
+          </p:cNvSpPr>
+          <p:nvPr>
+            <p:ph type="body" idx="1"/>
+          </p:nvPr>
+        </p:nvSpPr>
+        <p:spPr/>
+        <p:txBody>
+          <a:bodyPr/>
+          <a:lstStyle/>
+          <a:p>
+            <a:endParaRPr lang="en-US" dirty="0"/>
+          </a:p>
+        </p:txBody>
+      </p:sp>
+      <p:sp>
+        <p:nvSpPr>
+          <p:cNvPr id="4" name="Slide Number Placeholder 3"/>
+          <p:cNvSpPr>
+            <a:spLocks noGrp="1"/>
+          </p:cNvSpPr>
+          <p:nvPr>
+            <p:ph type="sldNum" sz="quarter" idx="10"/>
+          </p:nvPr>
+        </p:nvSpPr>
+        <p:spPr/>
+        <p:txBody>
+          <a:bodyPr/>
+          <a:lstStyle/>
+          <a:p>
+            <a:fld id="{5A6616C6-9DE0-4865-BC75-EB7C5EE0BF49}" type="slidenum">
+              <a:rPr lang="en-US" smtClean="0"/>
+              <a:t>38</a:t>
+            </a:fld>
+            <a:endParaRPr lang="en-US"/>
+          </a:p>
+        </p:txBody>
+      </p:sp>
+    </p:spTree>
+    <p:extLst>
+      <p:ext uri="{BB962C8B-B14F-4D97-AF65-F5344CB8AC3E}">
+        <p14:creationId xmlns:p14="http://schemas.microsoft.com/office/powerpoint/2010/main" val="1097026396"/>
+      </p:ext>
+    </p:extLst>
+  </p:cSld>
+  <p:clrMapOvr>
+    <a:masterClrMapping/>
+  </p:clrMapOvr>
+</p:notes>
+</file>
+
+<file path=ppt/notesSlides/notesSlide37.xml><?xml version="1.0" encoding="utf-8"?>
+<p:notes xmlns:a="http://schemas.openxmlformats.org/drawingml/2006/main" xmlns:r="http://schemas.openxmlformats.org/officeDocument/2006/relationships" xmlns:p="http://schemas.openxmlformats.org/presentationml/2006/main">
+  <p:cSld>
+    <p:spTree>
+      <p:nvGrpSpPr>
+        <p:cNvPr id="1" name=""/>
+        <p:cNvGrpSpPr/>
+        <p:nvPr/>
+      </p:nvGrpSpPr>
+      <p:grpSpPr>
+        <a:xfrm>
+          <a:off x="0" y="0"/>
+          <a:ext cx="0" cy="0"/>
+          <a:chOff x="0" y="0"/>
+          <a:chExt cx="0" cy="0"/>
+        </a:xfrm>
+      </p:grpSpPr>
+      <p:sp>
+        <p:nvSpPr>
+          <p:cNvPr id="2" name="Slide Image Placeholder 1"/>
+          <p:cNvSpPr>
+            <a:spLocks noGrp="1" noRot="1" noChangeAspect="1"/>
+          </p:cNvSpPr>
+          <p:nvPr>
+            <p:ph type="sldImg"/>
+          </p:nvPr>
+        </p:nvSpPr>
+        <p:spPr/>
+      </p:sp>
+      <p:sp>
+        <p:nvSpPr>
+          <p:cNvPr id="3" name="Notes Placeholder 2"/>
+          <p:cNvSpPr>
+            <a:spLocks noGrp="1"/>
+          </p:cNvSpPr>
+          <p:nvPr>
+            <p:ph type="body" idx="1"/>
+          </p:nvPr>
+        </p:nvSpPr>
+        <p:spPr/>
+        <p:txBody>
+          <a:bodyPr/>
+          <a:lstStyle/>
+          <a:p>
+            <a:pPr marL="171450" indent="-171450">
+              <a:buFont typeface="Arial" charset="0"/>
+              <a:buChar char="•"/>
+            </a:pPr>
+            <a:r>
+              <a:rPr lang="en-US" dirty="0" smtClean="0"/>
+              <a:t>We've seen many</a:t>
+            </a:r>
+            <a:r>
+              <a:rPr lang="en-US" baseline="0" dirty="0" smtClean="0"/>
+              <a:t> operations that happen in O(N), and many operations that happen in O(LOG(N)).  When we combine them we get O(N*LOG(N)).</a:t>
+            </a:r>
+          </a:p>
+        </p:txBody>
+      </p:sp>
+      <p:sp>
+        <p:nvSpPr>
+          <p:cNvPr id="4" name="Slide Number Placeholder 3"/>
+          <p:cNvSpPr>
+            <a:spLocks noGrp="1"/>
+          </p:cNvSpPr>
+          <p:nvPr>
+            <p:ph type="sldNum" sz="quarter" idx="10"/>
+          </p:nvPr>
+        </p:nvSpPr>
+        <p:spPr/>
+        <p:txBody>
+          <a:bodyPr/>
+          <a:lstStyle/>
+          <a:p>
+            <a:fld id="{5A6616C6-9DE0-4865-BC75-EB7C5EE0BF49}" type="slidenum">
+              <a:rPr lang="en-US" smtClean="0"/>
+              <a:t>39</a:t>
+            </a:fld>
+            <a:endParaRPr lang="en-US"/>
+          </a:p>
+        </p:txBody>
+      </p:sp>
+    </p:spTree>
+    <p:extLst>
+      <p:ext uri="{BB962C8B-B14F-4D97-AF65-F5344CB8AC3E}">
+        <p14:creationId xmlns:p14="http://schemas.microsoft.com/office/powerpoint/2010/main" val="2680068623"/>
+      </p:ext>
+    </p:extLst>
+  </p:cSld>
+  <p:clrMapOvr>
+    <a:masterClrMapping/>
+  </p:clrMapOvr>
+</p:notes>
+</file>
+
+<file path=ppt/notesSlides/notesSlide38.xml><?xml version="1.0" encoding="utf-8"?>
+<p:notes xmlns:a="http://schemas.openxmlformats.org/drawingml/2006/main" xmlns:r="http://schemas.openxmlformats.org/officeDocument/2006/relationships" xmlns:p="http://schemas.openxmlformats.org/presentationml/2006/main">
+  <p:cSld>
+    <p:spTree>
+      <p:nvGrpSpPr>
+        <p:cNvPr id="1" name=""/>
+        <p:cNvGrpSpPr/>
+        <p:nvPr/>
+      </p:nvGrpSpPr>
+      <p:grpSpPr>
+        <a:xfrm>
+          <a:off x="0" y="0"/>
+          <a:ext cx="0" cy="0"/>
+          <a:chOff x="0" y="0"/>
+          <a:chExt cx="0" cy="0"/>
+        </a:xfrm>
+      </p:grpSpPr>
+      <p:sp>
+        <p:nvSpPr>
+          <p:cNvPr id="2" name="Slide Image Placeholder 1"/>
+          <p:cNvSpPr>
+            <a:spLocks noGrp="1" noRot="1" noChangeAspect="1"/>
+          </p:cNvSpPr>
+          <p:nvPr>
+            <p:ph type="sldImg"/>
+          </p:nvPr>
+        </p:nvSpPr>
+        <p:spPr/>
+      </p:sp>
+      <p:sp>
+        <p:nvSpPr>
+          <p:cNvPr id="3" name="Notes Placeholder 2"/>
+          <p:cNvSpPr>
+            <a:spLocks noGrp="1"/>
+          </p:cNvSpPr>
+          <p:nvPr>
+            <p:ph type="body" idx="1"/>
+          </p:nvPr>
+        </p:nvSpPr>
+        <p:spPr/>
+        <p:txBody>
+          <a:bodyPr/>
+          <a:lstStyle/>
+          <a:p>
+            <a:pPr marL="171450" indent="-171450">
+              <a:buFont typeface="Arial" charset="0"/>
+              <a:buChar char="•"/>
+            </a:pPr>
+            <a:r>
+              <a:rPr lang="en-US" b="1" dirty="0" smtClean="0"/>
+              <a:t>Difficult</a:t>
+            </a:r>
+            <a:r>
+              <a:rPr lang="en-US" b="1" baseline="0" dirty="0" smtClean="0"/>
+              <a:t> </a:t>
+            </a:r>
+            <a:r>
+              <a:rPr lang="en-US" b="1" baseline="0" dirty="0" smtClean="0"/>
+              <a:t>choice:</a:t>
+            </a:r>
+            <a:r>
+              <a:rPr lang="en-US" baseline="0" dirty="0" smtClean="0"/>
+              <a:t> It's not obvious when a full table scan is cheaper than an index read.  It depends on the percentage of the index and how big the data </a:t>
+            </a:r>
+            <a:r>
+              <a:rPr lang="en-US" baseline="0" dirty="0" smtClean="0"/>
+              <a:t>is.</a:t>
+            </a:r>
+          </a:p>
+          <a:p>
+            <a:pPr marL="171450" indent="-171450">
+              <a:buFont typeface="Arial" charset="0"/>
+              <a:buChar char="•"/>
+            </a:pPr>
+            <a:r>
+              <a:rPr lang="en-US" b="1" baseline="0" dirty="0" smtClean="0"/>
+              <a:t>Other </a:t>
+            </a:r>
+            <a:r>
+              <a:rPr lang="en-US" b="1" baseline="0" dirty="0" smtClean="0"/>
+              <a:t>factors:</a:t>
+            </a:r>
+            <a:r>
+              <a:rPr lang="en-US" baseline="0" dirty="0" smtClean="0"/>
+              <a:t> Clustering factor, multi-block versus single-block read time affect the </a:t>
+            </a:r>
+            <a:r>
+              <a:rPr lang="en-US" baseline="0" dirty="0" smtClean="0"/>
+              <a:t>choice.</a:t>
+            </a:r>
+          </a:p>
+          <a:p>
+            <a:pPr marL="171450" indent="-171450">
+              <a:buFont typeface="Arial" charset="0"/>
+              <a:buChar char="•"/>
+            </a:pPr>
+            <a:r>
+              <a:rPr lang="en-US" b="1" baseline="0" dirty="0" smtClean="0"/>
+              <a:t>Theory </a:t>
+            </a:r>
+            <a:r>
+              <a:rPr lang="en-US" b="1" baseline="0" dirty="0" smtClean="0"/>
+              <a:t>versus practice:</a:t>
+            </a:r>
+            <a:r>
+              <a:rPr lang="en-US" baseline="0" dirty="0" smtClean="0"/>
+              <a:t> Theory tells us the *shape*, but practice tells us the actual number where they </a:t>
+            </a:r>
+            <a:r>
+              <a:rPr lang="en-US" baseline="0" dirty="0" smtClean="0"/>
+              <a:t>diverge.</a:t>
+            </a:r>
+          </a:p>
+          <a:p>
+            <a:pPr marL="171450" indent="-171450">
+              <a:buFont typeface="Arial" charset="0"/>
+              <a:buChar char="•"/>
+            </a:pPr>
+            <a:r>
+              <a:rPr lang="en-US" b="1" baseline="0" dirty="0" smtClean="0"/>
+              <a:t>Cardinality</a:t>
+            </a:r>
+            <a:r>
+              <a:rPr lang="en-US" b="1" baseline="0" dirty="0" smtClean="0"/>
+              <a:t>:</a:t>
+            </a:r>
+            <a:r>
+              <a:rPr lang="en-US" baseline="0" dirty="0" smtClean="0"/>
+              <a:t> This is why cardinality is important.  Oracle must know where on the X-axis we are, to know which choice is better.</a:t>
+            </a:r>
+            <a:endParaRPr lang="en-US" dirty="0"/>
+          </a:p>
+        </p:txBody>
+      </p:sp>
+      <p:sp>
+        <p:nvSpPr>
+          <p:cNvPr id="4" name="Slide Number Placeholder 3"/>
+          <p:cNvSpPr>
+            <a:spLocks noGrp="1"/>
+          </p:cNvSpPr>
+          <p:nvPr>
+            <p:ph type="sldNum" sz="quarter" idx="10"/>
+          </p:nvPr>
+        </p:nvSpPr>
+        <p:spPr/>
+        <p:txBody>
+          <a:bodyPr/>
+          <a:lstStyle/>
+          <a:p>
+            <a:fld id="{5A6616C6-9DE0-4865-BC75-EB7C5EE0BF49}" type="slidenum">
+              <a:rPr lang="en-US" smtClean="0"/>
+              <a:t>40</a:t>
+            </a:fld>
+            <a:endParaRPr lang="en-US"/>
+          </a:p>
+        </p:txBody>
+      </p:sp>
+    </p:spTree>
+    <p:extLst>
+      <p:ext uri="{BB962C8B-B14F-4D97-AF65-F5344CB8AC3E}">
+        <p14:creationId xmlns:p14="http://schemas.microsoft.com/office/powerpoint/2010/main" val="3435678858"/>
+      </p:ext>
+    </p:extLst>
+  </p:cSld>
+  <p:clrMapOvr>
+    <a:masterClrMapping/>
+  </p:clrMapOvr>
+</p:notes>
+</file>
+
+<file path=ppt/notesSlides/notesSlide39.xml><?xml version="1.0" encoding="utf-8"?>
+<p:notes xmlns:a="http://schemas.openxmlformats.org/drawingml/2006/main" xmlns:r="http://schemas.openxmlformats.org/officeDocument/2006/relationships" xmlns:p="http://schemas.openxmlformats.org/presentationml/2006/main">
+  <p:cSld>
+    <p:spTree>
+      <p:nvGrpSpPr>
+        <p:cNvPr id="1" name=""/>
+        <p:cNvGrpSpPr/>
+        <p:nvPr/>
+      </p:nvGrpSpPr>
+      <p:grpSpPr>
+        <a:xfrm>
+          <a:off x="0" y="0"/>
+          <a:ext cx="0" cy="0"/>
+          <a:chOff x="0" y="0"/>
+          <a:chExt cx="0" cy="0"/>
+        </a:xfrm>
+      </p:grpSpPr>
+      <p:sp>
+        <p:nvSpPr>
+          <p:cNvPr id="2" name="Slide Image Placeholder 1"/>
+          <p:cNvSpPr>
+            <a:spLocks noGrp="1" noRot="1" noChangeAspect="1"/>
+          </p:cNvSpPr>
+          <p:nvPr>
+            <p:ph type="sldImg"/>
+          </p:nvPr>
+        </p:nvSpPr>
+        <p:spPr/>
+      </p:sp>
+      <p:sp>
+        <p:nvSpPr>
+          <p:cNvPr id="3" name="Notes Placeholder 2"/>
+          <p:cNvSpPr>
+            <a:spLocks noGrp="1"/>
+          </p:cNvSpPr>
+          <p:nvPr>
+            <p:ph type="body" idx="1"/>
+          </p:nvPr>
+        </p:nvSpPr>
+        <p:spPr/>
+        <p:txBody>
+          <a:bodyPr/>
+          <a:lstStyle/>
+          <a:p>
+            <a:pPr marL="171450" indent="-171450">
+              <a:buFont typeface="Arial" charset="0"/>
+              <a:buChar char="•"/>
+            </a:pPr>
+            <a:r>
+              <a:rPr lang="en-US" dirty="0" smtClean="0"/>
+              <a:t>Sorting is expensive and grows even more expensive.  For example, if it takes 10 seconds to sort a table, when the table doubles, you should expect it to take more than 20 seconds.</a:t>
+            </a:r>
+          </a:p>
+          <a:p>
+            <a:pPr marL="171450" indent="-171450">
+              <a:buFont typeface="Arial" charset="0"/>
+              <a:buChar char="•"/>
+            </a:pPr>
+            <a:r>
+              <a:rPr lang="en-US" dirty="0" smtClean="0"/>
+              <a:t>However,</a:t>
+            </a:r>
+            <a:r>
+              <a:rPr lang="en-US" baseline="0" dirty="0" smtClean="0"/>
+              <a:t> the space required in the PGA or temporary tablespace appears to grow linearly, and is about equal to the size of the data sorted.</a:t>
+            </a:r>
+          </a:p>
+          <a:p>
+            <a:pPr marL="171450" indent="-171450">
+              <a:buFont typeface="Arial" charset="0"/>
+              <a:buChar char="•"/>
+            </a:pPr>
+            <a:r>
+              <a:rPr lang="en-US" baseline="0" dirty="0" smtClean="0"/>
+              <a:t>Sorting is expensive and we can avoid that sorting by using an index full scan.</a:t>
+            </a:r>
+            <a:endParaRPr lang="en-US" dirty="0"/>
+          </a:p>
+        </p:txBody>
+      </p:sp>
+      <p:sp>
+        <p:nvSpPr>
+          <p:cNvPr id="4" name="Slide Number Placeholder 3"/>
+          <p:cNvSpPr>
+            <a:spLocks noGrp="1"/>
+          </p:cNvSpPr>
+          <p:nvPr>
+            <p:ph type="sldNum" sz="quarter" idx="10"/>
+          </p:nvPr>
+        </p:nvSpPr>
+        <p:spPr/>
+        <p:txBody>
+          <a:bodyPr/>
+          <a:lstStyle/>
+          <a:p>
+            <a:fld id="{5A6616C6-9DE0-4865-BC75-EB7C5EE0BF49}" type="slidenum">
+              <a:rPr lang="en-US" smtClean="0"/>
+              <a:t>41</a:t>
+            </a:fld>
+            <a:endParaRPr lang="en-US"/>
+          </a:p>
+        </p:txBody>
+      </p:sp>
+    </p:spTree>
+    <p:extLst>
+      <p:ext uri="{BB962C8B-B14F-4D97-AF65-F5344CB8AC3E}">
+        <p14:creationId xmlns:p14="http://schemas.microsoft.com/office/powerpoint/2010/main" val="3267770334"/>
       </p:ext>
     </p:extLst>
   </p:cSld>
@@ -3747,6 +5259,627 @@
     <p:extLst>
       <p:ext uri="{BB962C8B-B14F-4D97-AF65-F5344CB8AC3E}">
         <p14:creationId xmlns:p14="http://schemas.microsoft.com/office/powerpoint/2010/main" val="2204371833"/>
+      </p:ext>
+    </p:extLst>
+  </p:cSld>
+  <p:clrMapOvr>
+    <a:masterClrMapping/>
+  </p:clrMapOvr>
+</p:notes>
+</file>
+
+<file path=ppt/notesSlides/notesSlide40.xml><?xml version="1.0" encoding="utf-8"?>
+<p:notes xmlns:a="http://schemas.openxmlformats.org/drawingml/2006/main" xmlns:r="http://schemas.openxmlformats.org/officeDocument/2006/relationships" xmlns:p="http://schemas.openxmlformats.org/presentationml/2006/main">
+  <p:cSld>
+    <p:spTree>
+      <p:nvGrpSpPr>
+        <p:cNvPr id="1" name=""/>
+        <p:cNvGrpSpPr/>
+        <p:nvPr/>
+      </p:nvGrpSpPr>
+      <p:grpSpPr>
+        <a:xfrm>
+          <a:off x="0" y="0"/>
+          <a:ext cx="0" cy="0"/>
+          <a:chOff x="0" y="0"/>
+          <a:chExt cx="0" cy="0"/>
+        </a:xfrm>
+      </p:grpSpPr>
+      <p:sp>
+        <p:nvSpPr>
+          <p:cNvPr id="2" name="Slide Image Placeholder 1"/>
+          <p:cNvSpPr>
+            <a:spLocks noGrp="1" noRot="1" noChangeAspect="1"/>
+          </p:cNvSpPr>
+          <p:nvPr>
+            <p:ph type="sldImg"/>
+          </p:nvPr>
+        </p:nvSpPr>
+        <p:spPr/>
+      </p:sp>
+      <p:sp>
+        <p:nvSpPr>
+          <p:cNvPr id="3" name="Notes Placeholder 2"/>
+          <p:cNvSpPr>
+            <a:spLocks noGrp="1"/>
+          </p:cNvSpPr>
+          <p:nvPr>
+            <p:ph type="body" idx="1"/>
+          </p:nvPr>
+        </p:nvSpPr>
+        <p:spPr/>
+        <p:txBody>
+          <a:bodyPr/>
+          <a:lstStyle/>
+          <a:p>
+            <a:pPr marL="171450" indent="-171450">
+              <a:buFont typeface="Arial" charset="0"/>
+              <a:buChar char="•"/>
+            </a:pPr>
+            <a:r>
+              <a:rPr lang="en-US" b="1" dirty="0" smtClean="0"/>
+              <a:t>Spend</a:t>
+            </a:r>
+            <a:r>
+              <a:rPr lang="en-US" b="1" baseline="0" dirty="0" smtClean="0"/>
+              <a:t> time understanding this:</a:t>
+            </a:r>
+            <a:r>
+              <a:rPr lang="en-US" baseline="0" dirty="0" smtClean="0"/>
+              <a:t> </a:t>
+            </a:r>
+            <a:r>
+              <a:rPr lang="en-US" dirty="0" smtClean="0"/>
+              <a:t>This visualization</a:t>
+            </a:r>
+            <a:r>
+              <a:rPr lang="en-US" baseline="0" dirty="0" smtClean="0"/>
+              <a:t> briefly shows many of the most popular join methods.  It might be worth going back and looing at these algorithms and data structures, and understanding how they work.</a:t>
+            </a:r>
+          </a:p>
+          <a:p>
+            <a:pPr marL="171450" indent="-171450">
+              <a:buFont typeface="Arial" charset="0"/>
+              <a:buChar char="•"/>
+            </a:pPr>
+            <a:r>
+              <a:rPr lang="en-US" b="1" baseline="0" dirty="0" smtClean="0"/>
+              <a:t>N * M:</a:t>
+            </a:r>
+            <a:r>
+              <a:rPr lang="en-US" baseline="0" dirty="0" smtClean="0"/>
+              <a:t> Although algorithm analysis often uses N for both table, in reality there are two different numbers.</a:t>
+            </a:r>
+          </a:p>
+          <a:p>
+            <a:pPr marL="171450" indent="-171450">
+              <a:buFont typeface="Arial" charset="0"/>
+              <a:buChar char="•"/>
+            </a:pPr>
+            <a:r>
+              <a:rPr lang="en-US" b="1" baseline="0" dirty="0" smtClean="0"/>
+              <a:t>Complexity hides up-front cost:</a:t>
+            </a:r>
+            <a:r>
+              <a:rPr lang="en-US" baseline="0" dirty="0" smtClean="0"/>
+              <a:t> Although hash join has the lowest run-time complexity, it also requires a lot of up-front work.  It's not worth the cost if either N or M is small.</a:t>
+            </a:r>
+          </a:p>
+          <a:p>
+            <a:pPr marL="171450" indent="-171450">
+              <a:buFont typeface="Arial" charset="0"/>
+              <a:buChar char="•"/>
+            </a:pPr>
+            <a:endParaRPr lang="en-US" dirty="0"/>
+          </a:p>
+        </p:txBody>
+      </p:sp>
+      <p:sp>
+        <p:nvSpPr>
+          <p:cNvPr id="4" name="Slide Number Placeholder 3"/>
+          <p:cNvSpPr>
+            <a:spLocks noGrp="1"/>
+          </p:cNvSpPr>
+          <p:nvPr>
+            <p:ph type="sldNum" sz="quarter" idx="10"/>
+          </p:nvPr>
+        </p:nvSpPr>
+        <p:spPr/>
+        <p:txBody>
+          <a:bodyPr/>
+          <a:lstStyle/>
+          <a:p>
+            <a:fld id="{5A6616C6-9DE0-4865-BC75-EB7C5EE0BF49}" type="slidenum">
+              <a:rPr lang="en-US" smtClean="0"/>
+              <a:t>42</a:t>
+            </a:fld>
+            <a:endParaRPr lang="en-US"/>
+          </a:p>
+        </p:txBody>
+      </p:sp>
+    </p:spTree>
+    <p:extLst>
+      <p:ext uri="{BB962C8B-B14F-4D97-AF65-F5344CB8AC3E}">
+        <p14:creationId xmlns:p14="http://schemas.microsoft.com/office/powerpoint/2010/main" val="24726982"/>
+      </p:ext>
+    </p:extLst>
+  </p:cSld>
+  <p:clrMapOvr>
+    <a:masterClrMapping/>
+  </p:clrMapOvr>
+</p:notes>
+</file>
+
+<file path=ppt/notesSlides/notesSlide41.xml><?xml version="1.0" encoding="utf-8"?>
+<p:notes xmlns:a="http://schemas.openxmlformats.org/drawingml/2006/main" xmlns:r="http://schemas.openxmlformats.org/officeDocument/2006/relationships" xmlns:p="http://schemas.openxmlformats.org/presentationml/2006/main">
+  <p:cSld>
+    <p:spTree>
+      <p:nvGrpSpPr>
+        <p:cNvPr id="1" name=""/>
+        <p:cNvGrpSpPr/>
+        <p:nvPr/>
+      </p:nvGrpSpPr>
+      <p:grpSpPr>
+        <a:xfrm>
+          <a:off x="0" y="0"/>
+          <a:ext cx="0" cy="0"/>
+          <a:chOff x="0" y="0"/>
+          <a:chExt cx="0" cy="0"/>
+        </a:xfrm>
+      </p:grpSpPr>
+      <p:sp>
+        <p:nvSpPr>
+          <p:cNvPr id="2" name="Slide Image Placeholder 1"/>
+          <p:cNvSpPr>
+            <a:spLocks noGrp="1" noRot="1" noChangeAspect="1"/>
+          </p:cNvSpPr>
+          <p:nvPr>
+            <p:ph type="sldImg"/>
+          </p:nvPr>
+        </p:nvSpPr>
+        <p:spPr/>
+      </p:sp>
+      <p:sp>
+        <p:nvSpPr>
+          <p:cNvPr id="3" name="Notes Placeholder 2"/>
+          <p:cNvSpPr>
+            <a:spLocks noGrp="1"/>
+          </p:cNvSpPr>
+          <p:nvPr>
+            <p:ph type="body" idx="1"/>
+          </p:nvPr>
+        </p:nvSpPr>
+        <p:spPr/>
+        <p:txBody>
+          <a:bodyPr/>
+          <a:lstStyle/>
+          <a:p>
+            <a:pPr marL="171450" indent="-171450">
+              <a:buFont typeface="Arial" charset="0"/>
+              <a:buChar char="•"/>
+            </a:pPr>
+            <a:r>
+              <a:rPr lang="en-US" dirty="0" smtClean="0"/>
+              <a:t>Both hash joins and sort-merge joins are best</a:t>
+            </a:r>
+            <a:r>
+              <a:rPr lang="en-US" baseline="0" dirty="0" smtClean="0"/>
+              <a:t> for large data sets.  In practice, we always want to use a hash join if it's available.</a:t>
+            </a:r>
+          </a:p>
+          <a:p>
+            <a:pPr marL="171450" indent="-171450">
+              <a:buFont typeface="Arial" charset="0"/>
+              <a:buChar char="•"/>
+            </a:pPr>
+            <a:r>
+              <a:rPr lang="en-US" baseline="0" dirty="0" smtClean="0"/>
+              <a:t>I don't know the exact complexity of hash joins, it's somewhere between O(2N) and O(N*LOG(N)).  Whatever it is, it's better than a sort-merge join.</a:t>
+            </a:r>
+          </a:p>
+          <a:p>
+            <a:endParaRPr lang="en-US" dirty="0" smtClean="0"/>
+          </a:p>
+          <a:p>
+            <a:r>
+              <a:rPr lang="en-US" dirty="0" smtClean="0"/>
+              <a:t>Chart </a:t>
+            </a:r>
+            <a:r>
+              <a:rPr lang="en-US" dirty="0" smtClean="0"/>
+              <a:t>is </a:t>
+            </a:r>
+            <a:r>
+              <a:rPr lang="en-US" dirty="0" smtClean="0"/>
+              <a:t>based on my </a:t>
+            </a:r>
+            <a:r>
+              <a:rPr lang="en-US" dirty="0" smtClean="0"/>
+              <a:t>answer here:</a:t>
+            </a:r>
+            <a:r>
+              <a:rPr lang="en-US" baseline="0" dirty="0" smtClean="0"/>
+              <a:t> https://stackoverflow.com/questions/8188093/oracle-always-uses-hash-join-even-when-both-tables-are-huge</a:t>
+            </a:r>
+            <a:endParaRPr lang="en-US" dirty="0"/>
+          </a:p>
+        </p:txBody>
+      </p:sp>
+      <p:sp>
+        <p:nvSpPr>
+          <p:cNvPr id="4" name="Slide Number Placeholder 3"/>
+          <p:cNvSpPr>
+            <a:spLocks noGrp="1"/>
+          </p:cNvSpPr>
+          <p:nvPr>
+            <p:ph type="sldNum" sz="quarter" idx="10"/>
+          </p:nvPr>
+        </p:nvSpPr>
+        <p:spPr/>
+        <p:txBody>
+          <a:bodyPr/>
+          <a:lstStyle/>
+          <a:p>
+            <a:fld id="{5A6616C6-9DE0-4865-BC75-EB7C5EE0BF49}" type="slidenum">
+              <a:rPr lang="en-US" smtClean="0"/>
+              <a:t>43</a:t>
+            </a:fld>
+            <a:endParaRPr lang="en-US"/>
+          </a:p>
+        </p:txBody>
+      </p:sp>
+    </p:spTree>
+    <p:extLst>
+      <p:ext uri="{BB962C8B-B14F-4D97-AF65-F5344CB8AC3E}">
+        <p14:creationId xmlns:p14="http://schemas.microsoft.com/office/powerpoint/2010/main" val="23698583"/>
+      </p:ext>
+    </p:extLst>
+  </p:cSld>
+  <p:clrMapOvr>
+    <a:masterClrMapping/>
+  </p:clrMapOvr>
+</p:notes>
+</file>
+
+<file path=ppt/notesSlides/notesSlide42.xml><?xml version="1.0" encoding="utf-8"?>
+<p:notes xmlns:a="http://schemas.openxmlformats.org/drawingml/2006/main" xmlns:r="http://schemas.openxmlformats.org/officeDocument/2006/relationships" xmlns:p="http://schemas.openxmlformats.org/presentationml/2006/main">
+  <p:cSld>
+    <p:spTree>
+      <p:nvGrpSpPr>
+        <p:cNvPr id="1" name=""/>
+        <p:cNvGrpSpPr/>
+        <p:nvPr/>
+      </p:nvGrpSpPr>
+      <p:grpSpPr>
+        <a:xfrm>
+          <a:off x="0" y="0"/>
+          <a:ext cx="0" cy="0"/>
+          <a:chOff x="0" y="0"/>
+          <a:chExt cx="0" cy="0"/>
+        </a:xfrm>
+      </p:grpSpPr>
+      <p:sp>
+        <p:nvSpPr>
+          <p:cNvPr id="2" name="Slide Image Placeholder 1"/>
+          <p:cNvSpPr>
+            <a:spLocks noGrp="1" noRot="1" noChangeAspect="1"/>
+          </p:cNvSpPr>
+          <p:nvPr>
+            <p:ph type="sldImg"/>
+          </p:nvPr>
+        </p:nvSpPr>
+        <p:spPr/>
+      </p:sp>
+      <p:sp>
+        <p:nvSpPr>
+          <p:cNvPr id="3" name="Notes Placeholder 2"/>
+          <p:cNvSpPr>
+            <a:spLocks noGrp="1"/>
+          </p:cNvSpPr>
+          <p:nvPr>
+            <p:ph type="body" idx="1"/>
+          </p:nvPr>
+        </p:nvSpPr>
+        <p:spPr/>
+        <p:txBody>
+          <a:bodyPr/>
+          <a:lstStyle/>
+          <a:p>
+            <a:pPr marL="171450" indent="-171450">
+              <a:buFont typeface="Arial" charset="0"/>
+              <a:buChar char="•"/>
+            </a:pPr>
+            <a:r>
+              <a:rPr lang="en-US" dirty="0" smtClean="0"/>
+              <a:t>Indexes are great, and</a:t>
+            </a:r>
+            <a:r>
+              <a:rPr lang="en-US" baseline="0" dirty="0" smtClean="0"/>
+              <a:t> partitioning is great, but adding them together doesn't work as well as you might expect.</a:t>
+            </a:r>
+          </a:p>
+          <a:p>
+            <a:pPr marL="171450" indent="-171450">
+              <a:buFont typeface="Arial" charset="0"/>
+              <a:buChar char="•"/>
+            </a:pPr>
+            <a:r>
+              <a:rPr lang="en-US" baseline="0" dirty="0" smtClean="0"/>
+              <a:t>Indexes grow very slowly.  It's much better to have one large index access than multiple small index accesses.</a:t>
+            </a:r>
+          </a:p>
+          <a:p>
+            <a:pPr marL="171450" indent="-171450">
+              <a:buFont typeface="Arial" charset="0"/>
+              <a:buChar char="•"/>
+            </a:pPr>
+            <a:r>
+              <a:rPr lang="en-US" baseline="0" dirty="0" smtClean="0"/>
+              <a:t>Global indexes are often better than a local index, unless that local index can be partition pruned and only one is accessed.</a:t>
+            </a:r>
+            <a:endParaRPr lang="en-US" dirty="0"/>
+          </a:p>
+        </p:txBody>
+      </p:sp>
+      <p:sp>
+        <p:nvSpPr>
+          <p:cNvPr id="4" name="Slide Number Placeholder 3"/>
+          <p:cNvSpPr>
+            <a:spLocks noGrp="1"/>
+          </p:cNvSpPr>
+          <p:nvPr>
+            <p:ph type="sldNum" sz="quarter" idx="10"/>
+          </p:nvPr>
+        </p:nvSpPr>
+        <p:spPr/>
+        <p:txBody>
+          <a:bodyPr/>
+          <a:lstStyle/>
+          <a:p>
+            <a:fld id="{5A6616C6-9DE0-4865-BC75-EB7C5EE0BF49}" type="slidenum">
+              <a:rPr lang="en-US" smtClean="0"/>
+              <a:t>44</a:t>
+            </a:fld>
+            <a:endParaRPr lang="en-US"/>
+          </a:p>
+        </p:txBody>
+      </p:sp>
+    </p:spTree>
+    <p:extLst>
+      <p:ext uri="{BB962C8B-B14F-4D97-AF65-F5344CB8AC3E}">
+        <p14:creationId xmlns:p14="http://schemas.microsoft.com/office/powerpoint/2010/main" val="4284187763"/>
+      </p:ext>
+    </p:extLst>
+  </p:cSld>
+  <p:clrMapOvr>
+    <a:masterClrMapping/>
+  </p:clrMapOvr>
+</p:notes>
+</file>
+
+<file path=ppt/notesSlides/notesSlide43.xml><?xml version="1.0" encoding="utf-8"?>
+<p:notes xmlns:a="http://schemas.openxmlformats.org/drawingml/2006/main" xmlns:r="http://schemas.openxmlformats.org/officeDocument/2006/relationships" xmlns:p="http://schemas.openxmlformats.org/presentationml/2006/main">
+  <p:cSld>
+    <p:spTree>
+      <p:nvGrpSpPr>
+        <p:cNvPr id="1" name=""/>
+        <p:cNvGrpSpPr/>
+        <p:nvPr/>
+      </p:nvGrpSpPr>
+      <p:grpSpPr>
+        <a:xfrm>
+          <a:off x="0" y="0"/>
+          <a:ext cx="0" cy="0"/>
+          <a:chOff x="0" y="0"/>
+          <a:chExt cx="0" cy="0"/>
+        </a:xfrm>
+      </p:grpSpPr>
+      <p:sp>
+        <p:nvSpPr>
+          <p:cNvPr id="2" name="Slide Image Placeholder 1"/>
+          <p:cNvSpPr>
+            <a:spLocks noGrp="1" noRot="1" noChangeAspect="1"/>
+          </p:cNvSpPr>
+          <p:nvPr>
+            <p:ph type="sldImg"/>
+          </p:nvPr>
+        </p:nvSpPr>
+        <p:spPr/>
+      </p:sp>
+      <p:sp>
+        <p:nvSpPr>
+          <p:cNvPr id="3" name="Notes Placeholder 2"/>
+          <p:cNvSpPr>
+            <a:spLocks noGrp="1"/>
+          </p:cNvSpPr>
+          <p:nvPr>
+            <p:ph type="body" idx="1"/>
+          </p:nvPr>
+        </p:nvSpPr>
+        <p:spPr/>
+        <p:txBody>
+          <a:bodyPr/>
+          <a:lstStyle/>
+          <a:p>
+            <a:pPr marL="171450" indent="-171450">
+              <a:buFont typeface="Arial" charset="0"/>
+              <a:buChar char="•"/>
+            </a:pPr>
+            <a:r>
+              <a:rPr lang="en-US" dirty="0" smtClean="0"/>
+              <a:t>Counting</a:t>
+            </a:r>
+            <a:r>
+              <a:rPr lang="en-US" baseline="0" dirty="0" smtClean="0"/>
+              <a:t> the number of distinct items is very expensive.  It may require O(N*LOG(N)) sorting, or hashing which is still slow.</a:t>
+            </a:r>
+          </a:p>
+          <a:p>
+            <a:pPr marL="171450" indent="-171450">
+              <a:buFont typeface="Arial" charset="0"/>
+              <a:buChar char="•"/>
+            </a:pPr>
+            <a:r>
+              <a:rPr lang="en-US" baseline="0" dirty="0" smtClean="0"/>
+              <a:t>Cardinality is vital to good performance, so the optimizer knows how expensive things will be.  But the optimizer can make great decisions even if it's off by a factor or 10.  In this case, perfect is the enemy of good enough - we only need cardinality estimates.</a:t>
+            </a:r>
+          </a:p>
+          <a:p>
+            <a:pPr marL="171450" indent="-171450">
+              <a:buFont typeface="Arial" charset="0"/>
+              <a:buChar char="•"/>
+            </a:pPr>
+            <a:r>
+              <a:rPr lang="en-US" baseline="0" dirty="0" smtClean="0"/>
+              <a:t>Oracle implements an algorithm called </a:t>
+            </a:r>
+            <a:r>
+              <a:rPr lang="en-US" baseline="0" dirty="0" err="1" smtClean="0"/>
+              <a:t>HyperLogLog</a:t>
+            </a:r>
+            <a:r>
+              <a:rPr lang="en-US" baseline="0" dirty="0" smtClean="0"/>
+              <a:t> to create an approximate Number of Distinct Values by only scanning the table once.  (The details of that algorithm don't matter here.)</a:t>
+            </a:r>
+          </a:p>
+          <a:p>
+            <a:pPr marL="171450" indent="-171450">
+              <a:buFont typeface="Arial" charset="0"/>
+              <a:buChar char="•"/>
+            </a:pPr>
+            <a:r>
+              <a:rPr lang="en-US" baseline="0" dirty="0" smtClean="0"/>
+              <a:t>Those approximate algorithms might have to read more of the table - they read the entire table instead of an estimate.  But O(N) full table scan can be better than O(N*LOG(N)) for a sample.  So you almost always want to use the default ESTIMATE_PERCENT when gathering statistics.</a:t>
+            </a:r>
+          </a:p>
+          <a:p>
+            <a:pPr marL="171450" indent="-171450">
+              <a:buFont typeface="Arial" charset="0"/>
+              <a:buChar char="•"/>
+            </a:pPr>
+            <a:r>
+              <a:rPr lang="en-US" baseline="0" dirty="0" smtClean="0"/>
+              <a:t>A similar issue happens with gathering partition statistics.  Oracle has to gather statistics for each partition, and for the entire table.  The number don't simply add up.  For example, if the partitions include birthdays, we can't find the distinct number of birthdays by simply adding together the distinct count of each partition.  But Oracle's incremental statistics creates a faster way to add distinct estimates.  So we can gather statistics just once per-partition, and then simply add them to get the </a:t>
+            </a:r>
+            <a:r>
+              <a:rPr lang="en-US" baseline="0" smtClean="0"/>
+              <a:t>global statistics.</a:t>
+            </a:r>
+            <a:endParaRPr lang="en-US" baseline="0" dirty="0" smtClean="0"/>
+          </a:p>
+        </p:txBody>
+      </p:sp>
+      <p:sp>
+        <p:nvSpPr>
+          <p:cNvPr id="4" name="Slide Number Placeholder 3"/>
+          <p:cNvSpPr>
+            <a:spLocks noGrp="1"/>
+          </p:cNvSpPr>
+          <p:nvPr>
+            <p:ph type="sldNum" sz="quarter" idx="10"/>
+          </p:nvPr>
+        </p:nvSpPr>
+        <p:spPr/>
+        <p:txBody>
+          <a:bodyPr/>
+          <a:lstStyle/>
+          <a:p>
+            <a:fld id="{5A6616C6-9DE0-4865-BC75-EB7C5EE0BF49}" type="slidenum">
+              <a:rPr lang="en-US" smtClean="0"/>
+              <a:t>45</a:t>
+            </a:fld>
+            <a:endParaRPr lang="en-US"/>
+          </a:p>
+        </p:txBody>
+      </p:sp>
+    </p:spTree>
+    <p:extLst>
+      <p:ext uri="{BB962C8B-B14F-4D97-AF65-F5344CB8AC3E}">
+        <p14:creationId xmlns:p14="http://schemas.microsoft.com/office/powerpoint/2010/main" val="3258020469"/>
+      </p:ext>
+    </p:extLst>
+  </p:cSld>
+  <p:clrMapOvr>
+    <a:masterClrMapping/>
+  </p:clrMapOvr>
+</p:notes>
+</file>
+
+<file path=ppt/notesSlides/notesSlide44.xml><?xml version="1.0" encoding="utf-8"?>
+<p:notes xmlns:a="http://schemas.openxmlformats.org/drawingml/2006/main" xmlns:r="http://schemas.openxmlformats.org/officeDocument/2006/relationships" xmlns:p="http://schemas.openxmlformats.org/presentationml/2006/main">
+  <p:cSld>
+    <p:spTree>
+      <p:nvGrpSpPr>
+        <p:cNvPr id="1" name=""/>
+        <p:cNvGrpSpPr/>
+        <p:nvPr/>
+      </p:nvGrpSpPr>
+      <p:grpSpPr>
+        <a:xfrm>
+          <a:off x="0" y="0"/>
+          <a:ext cx="0" cy="0"/>
+          <a:chOff x="0" y="0"/>
+          <a:chExt cx="0" cy="0"/>
+        </a:xfrm>
+      </p:grpSpPr>
+      <p:sp>
+        <p:nvSpPr>
+          <p:cNvPr id="2" name="Slide Image Placeholder 1"/>
+          <p:cNvSpPr>
+            <a:spLocks noGrp="1" noRot="1" noChangeAspect="1"/>
+          </p:cNvSpPr>
+          <p:nvPr>
+            <p:ph type="sldImg"/>
+          </p:nvPr>
+        </p:nvSpPr>
+        <p:spPr/>
+      </p:sp>
+      <p:sp>
+        <p:nvSpPr>
+          <p:cNvPr id="3" name="Notes Placeholder 2"/>
+          <p:cNvSpPr>
+            <a:spLocks noGrp="1"/>
+          </p:cNvSpPr>
+          <p:nvPr>
+            <p:ph type="body" idx="1"/>
+          </p:nvPr>
+        </p:nvSpPr>
+        <p:spPr/>
+        <p:txBody>
+          <a:bodyPr/>
+          <a:lstStyle/>
+          <a:p>
+            <a:endParaRPr lang="en-US" dirty="0"/>
+          </a:p>
+        </p:txBody>
+      </p:sp>
+      <p:sp>
+        <p:nvSpPr>
+          <p:cNvPr id="4" name="Slide Number Placeholder 3"/>
+          <p:cNvSpPr>
+            <a:spLocks noGrp="1"/>
+          </p:cNvSpPr>
+          <p:nvPr>
+            <p:ph type="sldNum" sz="quarter" idx="10"/>
+          </p:nvPr>
+        </p:nvSpPr>
+        <p:spPr/>
+        <p:txBody>
+          <a:bodyPr/>
+          <a:lstStyle/>
+          <a:p>
+            <a:fld id="{5A6616C6-9DE0-4865-BC75-EB7C5EE0BF49}" type="slidenum">
+              <a:rPr lang="en-US" smtClean="0"/>
+              <a:t>52</a:t>
+            </a:fld>
+            <a:endParaRPr lang="en-US"/>
+          </a:p>
+        </p:txBody>
+      </p:sp>
+    </p:spTree>
+    <p:extLst>
+      <p:ext uri="{BB962C8B-B14F-4D97-AF65-F5344CB8AC3E}">
+        <p14:creationId xmlns:p14="http://schemas.microsoft.com/office/powerpoint/2010/main" val="2780744985"/>
       </p:ext>
     </p:extLst>
   </p:cSld>
@@ -12146,8 +14279,13 @@
             </a:r>
             <a:r>
               <a:rPr lang="en-US" dirty="0" smtClean="0"/>
-              <a:t>, joins</a:t>
-            </a:r>
+              <a:t>, </a:t>
+            </a:r>
+            <a:r>
+              <a:rPr lang="en-US" dirty="0" smtClean="0"/>
+              <a:t>joining/grouping/distinct</a:t>
+            </a:r>
+            <a:endParaRPr lang="en-US" dirty="0" smtClean="0"/>
           </a:p>
           <a:p>
             <a:endParaRPr lang="en-US" dirty="0"/>
@@ -12239,12 +14377,8 @@
           </a:p>
           <a:p>
             <a:r>
-              <a:rPr lang="en-US" smtClean="0"/>
-              <a:t>Useful for grouping</a:t>
-            </a:r>
-            <a:r>
-              <a:rPr lang="en-US" dirty="0" smtClean="0"/>
-              <a:t>, comparing, cryptography, etc.</a:t>
+              <a:rPr lang="en-US" dirty="0" smtClean="0"/>
+              <a:t>Useful for grouping, comparing, cryptography, etc.</a:t>
             </a:r>
           </a:p>
           <a:p>
@@ -12809,29 +14943,80 @@
           <a:bodyPr/>
           <a:lstStyle/>
           <a:p>
-            <a:endParaRPr lang="en-US"/>
-          </a:p>
-        </p:txBody>
-      </p:sp>
-      <p:sp>
-        <p:nvSpPr>
-          <p:cNvPr id="3" name="Content Placeholder 2"/>
-          <p:cNvSpPr>
-            <a:spLocks noGrp="1"/>
-          </p:cNvSpPr>
+            <a:r>
+              <a:rPr lang="en-US" dirty="0" smtClean="0"/>
+              <a:t>1 - Perfect, Minimal Hashing</a:t>
+            </a:r>
+            <a:endParaRPr lang="en-US" dirty="0"/>
+          </a:p>
+        </p:txBody>
+      </p:sp>
+      <p:pic>
+        <p:nvPicPr>
+          <p:cNvPr id="6146" name="Picture 2"/>
+          <p:cNvPicPr>
+            <a:picLocks noGrp="1" noChangeAspect="1" noChangeArrowheads="1"/>
+          </p:cNvPicPr>
           <p:nvPr>
             <p:ph idx="1"/>
           </p:nvPr>
-        </p:nvSpPr>
-        <p:spPr/>
-        <p:txBody>
-          <a:bodyPr/>
-          <a:lstStyle/>
-          <a:p>
-            <a:endParaRPr lang="en-US"/>
-          </a:p>
-        </p:txBody>
-      </p:sp>
+        </p:nvPicPr>
+        <p:blipFill>
+          <a:blip r:embed="rId2">
+            <a:extLst>
+              <a:ext uri="{28A0092B-C50C-407E-A947-70E740481C1C}">
+                <a14:useLocalDpi xmlns:a14="http://schemas.microsoft.com/office/drawing/2010/main" val="0"/>
+              </a:ext>
+            </a:extLst>
+          </a:blip>
+          <a:srcRect/>
+          <a:stretch>
+            <a:fillRect/>
+          </a:stretch>
+        </p:blipFill>
+        <p:spPr bwMode="auto">
+          <a:xfrm>
+            <a:off x="2195627" y="1200150"/>
+            <a:ext cx="4752746" cy="3394075"/>
+          </a:xfrm>
+          <a:prstGeom prst="rect">
+            <a:avLst/>
+          </a:prstGeom>
+          <a:noFill/>
+          <a:ln>
+            <a:noFill/>
+          </a:ln>
+          <a:effectLst/>
+          <a:extLst>
+            <a:ext uri="{909E8E84-426E-40DD-AFC4-6F175D3DCCD1}">
+              <a14:hiddenFill xmlns:a14="http://schemas.microsoft.com/office/drawing/2010/main">
+                <a:solidFill>
+                  <a:schemeClr val="accent1"/>
+                </a:solidFill>
+              </a14:hiddenFill>
+            </a:ext>
+            <a:ext uri="{91240B29-F687-4F45-9708-019B960494DF}">
+              <a14:hiddenLine xmlns:a14="http://schemas.microsoft.com/office/drawing/2010/main" w="9525">
+                <a:solidFill>
+                  <a:schemeClr val="tx1"/>
+                </a:solidFill>
+                <a:miter lim="800000"/>
+                <a:headEnd/>
+                <a:tailEnd/>
+              </a14:hiddenLine>
+            </a:ext>
+            <a:ext uri="{AF507438-7753-43E0-B8FC-AC1667EBCBE1}">
+              <a14:hiddenEffects xmlns:a14="http://schemas.microsoft.com/office/drawing/2010/main">
+                <a:effectLst>
+                  <a:outerShdw dist="35921" dir="2700000" algn="ctr" rotWithShape="0">
+                    <a:schemeClr val="bg2"/>
+                  </a:outerShdw>
+                </a:effectLst>
+              </a14:hiddenEffects>
+            </a:ext>
+          </a:extLst>
+        </p:spPr>
+      </p:pic>
     </p:spTree>
     <p:extLst>
       <p:ext uri="{BB962C8B-B14F-4D97-AF65-F5344CB8AC3E}">
@@ -12884,33 +15069,84 @@
           <a:bodyPr/>
           <a:lstStyle/>
           <a:p>
-            <a:endParaRPr lang="en-US"/>
-          </a:p>
-        </p:txBody>
-      </p:sp>
-      <p:sp>
-        <p:nvSpPr>
-          <p:cNvPr id="3" name="Content Placeholder 2"/>
-          <p:cNvSpPr>
-            <a:spLocks noGrp="1"/>
-          </p:cNvSpPr>
+            <a:r>
+              <a:rPr lang="en-US" dirty="0" smtClean="0"/>
+              <a:t>1 - Typical Hashing</a:t>
+            </a:r>
+            <a:endParaRPr lang="en-US" dirty="0"/>
+          </a:p>
+        </p:txBody>
+      </p:sp>
+      <p:pic>
+        <p:nvPicPr>
+          <p:cNvPr id="8194" name="Picture 2"/>
+          <p:cNvPicPr>
+            <a:picLocks noGrp="1" noChangeAspect="1" noChangeArrowheads="1"/>
+          </p:cNvPicPr>
           <p:nvPr>
             <p:ph idx="1"/>
           </p:nvPr>
-        </p:nvSpPr>
-        <p:spPr/>
-        <p:txBody>
-          <a:bodyPr/>
-          <a:lstStyle/>
-          <a:p>
-            <a:endParaRPr lang="en-US"/>
-          </a:p>
-        </p:txBody>
-      </p:sp>
+        </p:nvPicPr>
+        <p:blipFill>
+          <a:blip r:embed="rId3">
+            <a:extLst>
+              <a:ext uri="{28A0092B-C50C-407E-A947-70E740481C1C}">
+                <a14:useLocalDpi xmlns:a14="http://schemas.microsoft.com/office/drawing/2010/main" val="0"/>
+              </a:ext>
+            </a:extLst>
+          </a:blip>
+          <a:srcRect/>
+          <a:stretch>
+            <a:fillRect/>
+          </a:stretch>
+        </p:blipFill>
+        <p:spPr bwMode="auto">
+          <a:xfrm>
+            <a:off x="2431951" y="1200150"/>
+            <a:ext cx="4280097" cy="3394075"/>
+          </a:xfrm>
+          <a:prstGeom prst="rect">
+            <a:avLst/>
+          </a:prstGeom>
+          <a:noFill/>
+          <a:ln>
+            <a:noFill/>
+          </a:ln>
+          <a:effectLst/>
+          <a:extLst>
+            <a:ext uri="{909E8E84-426E-40DD-AFC4-6F175D3DCCD1}">
+              <a14:hiddenFill xmlns:a14="http://schemas.microsoft.com/office/drawing/2010/main">
+                <a:solidFill>
+                  <a:schemeClr val="accent1"/>
+                </a:solidFill>
+              </a14:hiddenFill>
+            </a:ext>
+            <a:ext uri="{91240B29-F687-4F45-9708-019B960494DF}">
+              <a14:hiddenLine xmlns:a14="http://schemas.microsoft.com/office/drawing/2010/main" w="9525">
+                <a:solidFill>
+                  <a:schemeClr val="tx1"/>
+                </a:solidFill>
+                <a:miter lim="800000"/>
+                <a:headEnd/>
+                <a:tailEnd/>
+              </a14:hiddenLine>
+            </a:ext>
+            <a:ext uri="{AF507438-7753-43E0-B8FC-AC1667EBCBE1}">
+              <a14:hiddenEffects xmlns:a14="http://schemas.microsoft.com/office/drawing/2010/main">
+                <a:effectLst>
+                  <a:outerShdw dist="35921" dir="2700000" algn="ctr" rotWithShape="0">
+                    <a:schemeClr val="bg2"/>
+                  </a:outerShdw>
+                </a:effectLst>
+              </a14:hiddenEffects>
+            </a:ext>
+          </a:extLst>
+        </p:spPr>
+      </p:pic>
     </p:spTree>
     <p:extLst>
       <p:ext uri="{BB962C8B-B14F-4D97-AF65-F5344CB8AC3E}">
-        <p14:creationId xmlns:p14="http://schemas.microsoft.com/office/powerpoint/2010/main" val="1672596786"/>
+        <p14:creationId xmlns:p14="http://schemas.microsoft.com/office/powerpoint/2010/main" val="768958733"/>
       </p:ext>
     </p:extLst>
   </p:cSld>
@@ -12959,33 +15195,150 @@
           <a:bodyPr/>
           <a:lstStyle/>
           <a:p>
-            <a:endParaRPr lang="en-US"/>
-          </a:p>
-        </p:txBody>
-      </p:sp>
-      <p:sp>
-        <p:nvSpPr>
-          <p:cNvPr id="3" name="Content Placeholder 2"/>
-          <p:cNvSpPr>
-            <a:spLocks noGrp="1"/>
-          </p:cNvSpPr>
-          <p:nvPr>
-            <p:ph idx="1"/>
-          </p:nvPr>
-        </p:nvSpPr>
-        <p:spPr/>
-        <p:txBody>
-          <a:bodyPr/>
-          <a:lstStyle/>
-          <a:p>
-            <a:endParaRPr lang="en-US"/>
-          </a:p>
-        </p:txBody>
-      </p:sp>
+            <a:r>
+              <a:rPr lang="en-US" dirty="0" smtClean="0"/>
+              <a:t>1 - Perfect vs. Minimal Tradeoffs</a:t>
+            </a:r>
+            <a:endParaRPr lang="en-US" dirty="0"/>
+          </a:p>
+        </p:txBody>
+      </p:sp>
+      <p:pic>
+        <p:nvPicPr>
+          <p:cNvPr id="7170" name="Picture 2"/>
+          <p:cNvPicPr>
+            <a:picLocks noGrp="1" noChangeAspect="1" noChangeArrowheads="1"/>
+          </p:cNvPicPr>
+          <p:nvPr>
+            <p:ph sz="half" idx="1"/>
+          </p:nvPr>
+        </p:nvPicPr>
+        <p:blipFill>
+          <a:blip r:embed="rId3" cstate="print">
+            <a:extLst>
+              <a:ext uri="{28A0092B-C50C-407E-A947-70E740481C1C}">
+                <a14:useLocalDpi xmlns:a14="http://schemas.microsoft.com/office/drawing/2010/main" val="0"/>
+              </a:ext>
+            </a:extLst>
+          </a:blip>
+          <a:srcRect/>
+          <a:stretch>
+            <a:fillRect/>
+          </a:stretch>
+        </p:blipFill>
+        <p:spPr bwMode="auto">
+          <a:xfrm>
+            <a:off x="689423" y="1200150"/>
+            <a:ext cx="3574153" cy="3394075"/>
+          </a:xfrm>
+          <a:prstGeom prst="rect">
+            <a:avLst/>
+          </a:prstGeom>
+          <a:noFill/>
+          <a:ln>
+            <a:noFill/>
+          </a:ln>
+          <a:effectLst/>
+          <a:extLst>
+            <a:ext uri="{909E8E84-426E-40DD-AFC4-6F175D3DCCD1}">
+              <a14:hiddenFill xmlns:a14="http://schemas.microsoft.com/office/drawing/2010/main">
+                <a:solidFill>
+                  <a:schemeClr val="accent1"/>
+                </a:solidFill>
+              </a14:hiddenFill>
+            </a:ext>
+            <a:ext uri="{91240B29-F687-4F45-9708-019B960494DF}">
+              <a14:hiddenLine xmlns:a14="http://schemas.microsoft.com/office/drawing/2010/main" w="9525">
+                <a:solidFill>
+                  <a:schemeClr val="tx1"/>
+                </a:solidFill>
+                <a:miter lim="800000"/>
+                <a:headEnd/>
+                <a:tailEnd/>
+              </a14:hiddenLine>
+            </a:ext>
+            <a:ext uri="{AF507438-7753-43E0-B8FC-AC1667EBCBE1}">
+              <a14:hiddenEffects xmlns:a14="http://schemas.microsoft.com/office/drawing/2010/main">
+                <a:effectLst>
+                  <a:outerShdw dist="35921" dir="2700000" algn="ctr" rotWithShape="0">
+                    <a:schemeClr val="bg2"/>
+                  </a:outerShdw>
+                </a:effectLst>
+              </a14:hiddenEffects>
+            </a:ext>
+          </a:extLst>
+        </p:spPr>
+      </p:pic>
+      <p:pic>
+        <p:nvPicPr>
+          <p:cNvPr id="7171" name="Picture 3"/>
+          <p:cNvPicPr>
+            <a:picLocks noGrp="1" noChangeAspect="1" noChangeArrowheads="1"/>
+          </p:cNvPicPr>
+          <p:nvPr>
+            <p:ph sz="half" idx="2"/>
+          </p:nvPr>
+        </p:nvPicPr>
+        <p:blipFill>
+          <a:blip r:embed="rId4">
+            <a:extLst>
+              <a:ext uri="{28A0092B-C50C-407E-A947-70E740481C1C}">
+                <a14:useLocalDpi xmlns:a14="http://schemas.microsoft.com/office/drawing/2010/main" val="0"/>
+              </a:ext>
+            </a:extLst>
+          </a:blip>
+          <a:srcRect/>
+          <a:stretch>
+            <a:fillRect/>
+          </a:stretch>
+        </p:blipFill>
+        <p:spPr bwMode="auto">
+          <a:xfrm>
+            <a:off x="4648200" y="1295902"/>
+            <a:ext cx="4038600" cy="3202570"/>
+          </a:xfrm>
+          <a:prstGeom prst="rect">
+            <a:avLst/>
+          </a:prstGeom>
+          <a:noFill/>
+          <a:ln>
+            <a:noFill/>
+          </a:ln>
+          <a:effectLst/>
+          <a:extLst>
+            <a:ext uri="{909E8E84-426E-40DD-AFC4-6F175D3DCCD1}">
+              <a14:hiddenFill xmlns:a14="http://schemas.microsoft.com/office/drawing/2010/main">
+                <a:solidFill>
+                  <a:schemeClr val="accent1"/>
+                </a:solidFill>
+              </a14:hiddenFill>
+            </a:ext>
+            <a:ext uri="{91240B29-F687-4F45-9708-019B960494DF}">
+              <a14:hiddenLine xmlns:a14="http://schemas.microsoft.com/office/drawing/2010/main" w="9525">
+                <a:solidFill>
+                  <a:schemeClr val="tx1"/>
+                </a:solidFill>
+                <a:miter lim="800000"/>
+                <a:headEnd/>
+                <a:tailEnd/>
+              </a14:hiddenLine>
+            </a:ext>
+            <a:ext uri="{AF507438-7753-43E0-B8FC-AC1667EBCBE1}">
+              <a14:hiddenEffects xmlns:a14="http://schemas.microsoft.com/office/drawing/2010/main">
+                <a:effectLst>
+                  <a:outerShdw dist="35921" dir="2700000" algn="ctr" rotWithShape="0">
+                    <a:schemeClr val="bg2"/>
+                  </a:outerShdw>
+                </a:effectLst>
+              </a14:hiddenEffects>
+            </a:ext>
+          </a:extLst>
+        </p:spPr>
+      </p:pic>
     </p:spTree>
     <p:extLst>
       <p:ext uri="{BB962C8B-B14F-4D97-AF65-F5344CB8AC3E}">
-        <p14:creationId xmlns:p14="http://schemas.microsoft.com/office/powerpoint/2010/main" val="3145582334"/>
+        <p14:creationId xmlns:p14="http://schemas.microsoft.com/office/powerpoint/2010/main" val="1672596786"/>
       </p:ext>
     </p:extLst>
   </p:cSld>
@@ -13034,7 +15387,11 @@
           <a:bodyPr/>
           <a:lstStyle/>
           <a:p>
-            <a:endParaRPr lang="en-US"/>
+            <a:r>
+              <a:rPr lang="en-US" dirty="0" smtClean="0"/>
+              <a:t>1 - Hash Partitioning</a:t>
+            </a:r>
+            <a:endParaRPr lang="en-US" dirty="0"/>
           </a:p>
         </p:txBody>
       </p:sp>
@@ -13045,22 +15402,97 @@
             <a:spLocks noGrp="1"/>
           </p:cNvSpPr>
           <p:nvPr>
-            <p:ph idx="1"/>
-          </p:nvPr>
-        </p:nvSpPr>
-        <p:spPr/>
-        <p:txBody>
-          <a:bodyPr/>
-          <a:lstStyle/>
-          <a:p>
-            <a:endParaRPr lang="en-US"/>
-          </a:p>
-        </p:txBody>
-      </p:sp>
+            <p:ph sz="half" idx="1"/>
+          </p:nvPr>
+        </p:nvSpPr>
+        <p:spPr/>
+        <p:txBody>
+          <a:bodyPr>
+            <a:normAutofit fontScale="85000" lnSpcReduction="20000"/>
+          </a:bodyPr>
+          <a:lstStyle/>
+          <a:p>
+            <a:r>
+              <a:rPr lang="en-US" dirty="0" smtClean="0"/>
+              <a:t>Minimal: Yes, Perfect: No</a:t>
+            </a:r>
+          </a:p>
+          <a:p>
+            <a:r>
+              <a:rPr lang="en-US" dirty="0" smtClean="0"/>
+              <a:t>Trades time for space</a:t>
+            </a:r>
+            <a:endParaRPr lang="en-US" dirty="0" smtClean="0"/>
+          </a:p>
+          <a:p>
+            <a:r>
+              <a:rPr lang="en-US" dirty="0" smtClean="0"/>
+              <a:t>ORA_HASH</a:t>
+            </a:r>
+            <a:endParaRPr lang="en-US" dirty="0" smtClean="0"/>
+          </a:p>
+          <a:p>
+            <a:r>
+              <a:rPr lang="en-US" dirty="0" smtClean="0"/>
+              <a:t>Good for retrieving large percentage of rows</a:t>
+            </a:r>
+          </a:p>
+          <a:p>
+            <a:r>
+              <a:rPr lang="en-US" dirty="0" smtClean="0"/>
+              <a:t>Insert </a:t>
+            </a:r>
+            <a:r>
+              <a:rPr lang="en-US" dirty="0" smtClean="0"/>
+              <a:t>O(1), read is O(N/#_PARTITIONS)</a:t>
+            </a:r>
+          </a:p>
+          <a:p>
+            <a:r>
+              <a:rPr lang="en-US" dirty="0" smtClean="0"/>
+              <a:t>Don't use huge number of </a:t>
+            </a:r>
+            <a:r>
+              <a:rPr lang="en-US" dirty="0" smtClean="0"/>
+              <a:t>partitions (wastes space, breaks data dictionary)</a:t>
+            </a:r>
+            <a:endParaRPr lang="en-US" dirty="0"/>
+          </a:p>
+        </p:txBody>
+      </p:sp>
+      <p:pic>
+        <p:nvPicPr>
+          <p:cNvPr id="7" name="Content Placeholder 6"/>
+          <p:cNvPicPr>
+            <a:picLocks noGrp="1" noChangeAspect="1"/>
+          </p:cNvPicPr>
+          <p:nvPr>
+            <p:ph sz="half" idx="2"/>
+          </p:nvPr>
+        </p:nvPicPr>
+        <p:blipFill>
+          <a:blip r:embed="rId3">
+            <a:extLst>
+              <a:ext uri="{28A0092B-C50C-407E-A947-70E740481C1C}">
+                <a14:useLocalDpi xmlns:a14="http://schemas.microsoft.com/office/drawing/2010/main" val="0"/>
+              </a:ext>
+            </a:extLst>
+          </a:blip>
+          <a:stretch>
+            <a:fillRect/>
+          </a:stretch>
+        </p:blipFill>
+        <p:spPr>
+          <a:xfrm>
+            <a:off x="4648200" y="1692520"/>
+            <a:ext cx="4038600" cy="2409335"/>
+          </a:xfrm>
+        </p:spPr>
+      </p:pic>
     </p:spTree>
     <p:extLst>
       <p:ext uri="{BB962C8B-B14F-4D97-AF65-F5344CB8AC3E}">
-        <p14:creationId xmlns:p14="http://schemas.microsoft.com/office/powerpoint/2010/main" val="1892431892"/>
+        <p14:creationId xmlns:p14="http://schemas.microsoft.com/office/powerpoint/2010/main" val="3843327604"/>
       </p:ext>
     </p:extLst>
   </p:cSld>
@@ -13111,45 +15543,128 @@
           <a:p>
             <a:r>
               <a:rPr lang="en-US" dirty="0" smtClean="0"/>
-              <a:t>1 - Hashing Types and Tradeoffs</a:t>
+              <a:t>1 - Hash Clusters</a:t>
             </a:r>
             <a:endParaRPr lang="en-US" dirty="0"/>
           </a:p>
         </p:txBody>
       </p:sp>
-      <p:pic>
-        <p:nvPicPr>
-          <p:cNvPr id="4" name="Content Placeholder 3"/>
-          <p:cNvPicPr>
-            <a:picLocks noGrp="1" noChangeAspect="1"/>
-          </p:cNvPicPr>
+      <p:sp>
+        <p:nvSpPr>
+          <p:cNvPr id="3" name="Content Placeholder 2"/>
+          <p:cNvSpPr>
+            <a:spLocks noGrp="1"/>
+          </p:cNvSpPr>
           <p:nvPr>
             <p:ph idx="1"/>
           </p:nvPr>
-        </p:nvPicPr>
-        <p:blipFill>
-          <a:blip r:embed="rId3">
-            <a:extLst>
-              <a:ext uri="{28A0092B-C50C-407E-A947-70E740481C1C}">
-                <a14:useLocalDpi xmlns:a14="http://schemas.microsoft.com/office/drawing/2010/main" val="0"/>
-              </a:ext>
-            </a:extLst>
-          </a:blip>
-          <a:stretch>
-            <a:fillRect/>
-          </a:stretch>
-        </p:blipFill>
-        <p:spPr>
-          <a:xfrm>
-            <a:off x="457200" y="1209588"/>
-            <a:ext cx="8229600" cy="3375198"/>
-          </a:xfrm>
-        </p:spPr>
-      </p:pic>
+        </p:nvSpPr>
+        <p:spPr/>
+        <p:txBody>
+          <a:bodyPr>
+            <a:normAutofit fontScale="77500" lnSpcReduction="20000"/>
+          </a:bodyPr>
+          <a:lstStyle/>
+          <a:p>
+            <a:r>
+              <a:rPr lang="en-US" dirty="0" smtClean="0"/>
+              <a:t>Minimal</a:t>
+            </a:r>
+            <a:r>
+              <a:rPr lang="en-US" dirty="0"/>
+              <a:t>: </a:t>
+            </a:r>
+            <a:r>
+              <a:rPr lang="en-US" dirty="0" smtClean="0"/>
+              <a:t>No*, </a:t>
+            </a:r>
+            <a:r>
+              <a:rPr lang="en-US" dirty="0"/>
+              <a:t>Perfect: </a:t>
+            </a:r>
+            <a:r>
+              <a:rPr lang="en-US" dirty="0" smtClean="0"/>
+              <a:t>Maybe*</a:t>
+            </a:r>
+          </a:p>
+          <a:p>
+            <a:r>
+              <a:rPr lang="en-US" dirty="0" smtClean="0"/>
+              <a:t>Trades space for time (otherwise just use an index)</a:t>
+            </a:r>
+            <a:endParaRPr lang="en-US" dirty="0"/>
+          </a:p>
+          <a:p>
+            <a:r>
+              <a:rPr lang="en-US" dirty="0" smtClean="0"/>
+              <a:t>Custom or internal hash </a:t>
+            </a:r>
+            <a:r>
+              <a:rPr lang="en-US" dirty="0" smtClean="0"/>
+              <a:t>function</a:t>
+            </a:r>
+          </a:p>
+          <a:p>
+            <a:r>
+              <a:rPr lang="en-US" dirty="0" smtClean="0"/>
+              <a:t>Good for retrieving small percentage of rows</a:t>
+            </a:r>
+          </a:p>
+          <a:p>
+            <a:r>
+              <a:rPr lang="en-US" dirty="0" smtClean="0"/>
+              <a:t>O(1</a:t>
+            </a:r>
+            <a:r>
+              <a:rPr lang="en-US" dirty="0" smtClean="0"/>
+              <a:t>) reads, </a:t>
+            </a:r>
+            <a:r>
+              <a:rPr lang="en-US" dirty="0" smtClean="0"/>
+              <a:t>theoretically better </a:t>
+            </a:r>
+            <a:r>
+              <a:rPr lang="en-US" dirty="0" smtClean="0"/>
+              <a:t>than indexes</a:t>
+            </a:r>
+          </a:p>
+          <a:p>
+            <a:r>
+              <a:rPr lang="en-US" dirty="0" smtClean="0"/>
+              <a:t>In practice it's slower (constants win)</a:t>
+            </a:r>
+          </a:p>
+          <a:p>
+            <a:r>
+              <a:rPr lang="en-US" dirty="0" smtClean="0"/>
+              <a:t>Creating perfect hash </a:t>
+            </a:r>
+            <a:r>
+              <a:rPr lang="en-US" dirty="0" smtClean="0"/>
+              <a:t>inconvenient, increases </a:t>
+            </a:r>
+            <a:r>
+              <a:rPr lang="en-US" dirty="0" smtClean="0"/>
+              <a:t>table size </a:t>
+            </a:r>
+            <a:r>
+              <a:rPr lang="en-US" dirty="0" smtClean="0"/>
+              <a:t>3x*</a:t>
+            </a:r>
+          </a:p>
+          <a:p>
+            <a:r>
+              <a:rPr lang="en-US" dirty="0" smtClean="0"/>
+              <a:t>Maybe a hash index in a future version?</a:t>
+            </a:r>
+            <a:endParaRPr lang="en-US" dirty="0"/>
+          </a:p>
+        </p:txBody>
+      </p:sp>
     </p:spTree>
     <p:extLst>
       <p:ext uri="{BB962C8B-B14F-4D97-AF65-F5344CB8AC3E}">
-        <p14:creationId xmlns:p14="http://schemas.microsoft.com/office/powerpoint/2010/main" val="1530866919"/>
+        <p14:creationId xmlns:p14="http://schemas.microsoft.com/office/powerpoint/2010/main" val="2403054375"/>
       </p:ext>
     </p:extLst>
   </p:cSld>
@@ -13198,7 +15713,15 @@
           <a:bodyPr/>
           <a:lstStyle/>
           <a:p>
-            <a:endParaRPr lang="en-US"/>
+            <a:r>
+              <a:rPr lang="en-US" dirty="0" smtClean="0"/>
+              <a:t>1 - </a:t>
+            </a:r>
+            <a:r>
+              <a:rPr lang="en-US" dirty="0" smtClean="0"/>
+              <a:t>Hash Joining/Grouping/Distinct</a:t>
+            </a:r>
+            <a:endParaRPr lang="en-US" dirty="0"/>
           </a:p>
         </p:txBody>
       </p:sp>
@@ -13218,20 +15741,46 @@
           <a:lstStyle/>
           <a:p>
             <a:r>
-              <a:rPr lang="en-US" dirty="0" smtClean="0"/>
-              <a:t>Minimal perfect</a:t>
-            </a:r>
-          </a:p>
-          <a:p>
-            <a:r>
-              <a:rPr lang="en-US" dirty="0" smtClean="0"/>
-              <a:t>Minimal vs perfect - trade-offs</a:t>
-            </a:r>
-          </a:p>
-          <a:p>
-            <a:r>
-              <a:rPr lang="en-US" dirty="0" smtClean="0"/>
-              <a:t>typical</a:t>
+              <a:rPr lang="en-US" dirty="0"/>
+              <a:t>Minimal: No, Perfect: </a:t>
+            </a:r>
+            <a:r>
+              <a:rPr lang="en-US" dirty="0" smtClean="0"/>
+              <a:t>No</a:t>
+            </a:r>
+          </a:p>
+          <a:p>
+            <a:r>
+              <a:rPr lang="en-US" dirty="0" smtClean="0"/>
+              <a:t>Somewhere </a:t>
+            </a:r>
+            <a:r>
+              <a:rPr lang="en-US" dirty="0" smtClean="0"/>
+              <a:t>between O(1) and O(N)</a:t>
+            </a:r>
+          </a:p>
+          <a:p>
+            <a:r>
+              <a:rPr lang="en-US" dirty="0" smtClean="0"/>
+              <a:t>In practice, best way to </a:t>
+            </a:r>
+            <a:r>
+              <a:rPr lang="en-US" dirty="0" smtClean="0"/>
+              <a:t>join/group/distinct </a:t>
+            </a:r>
+            <a:r>
+              <a:rPr lang="en-US" dirty="0" smtClean="0"/>
+              <a:t>large </a:t>
+            </a:r>
+            <a:r>
+              <a:rPr lang="en-US" dirty="0" smtClean="0"/>
+              <a:t>data</a:t>
+            </a:r>
+          </a:p>
+          <a:p>
+            <a:r>
+              <a:rPr lang="en-US" dirty="0" smtClean="0"/>
+              <a:t>Discussed later in O(N*LOG(N))</a:t>
             </a:r>
             <a:endParaRPr lang="en-US" dirty="0"/>
           </a:p>
@@ -13240,7 +15789,7 @@
     </p:spTree>
     <p:extLst>
       <p:ext uri="{BB962C8B-B14F-4D97-AF65-F5344CB8AC3E}">
-        <p14:creationId xmlns:p14="http://schemas.microsoft.com/office/powerpoint/2010/main" val="1829847580"/>
+        <p14:creationId xmlns:p14="http://schemas.microsoft.com/office/powerpoint/2010/main" val="3362826511"/>
       </p:ext>
     </p:extLst>
   </p:cSld>
@@ -13291,372 +15840,6 @@
           <a:p>
             <a:r>
               <a:rPr lang="en-US" dirty="0" smtClean="0"/>
-              <a:t>1 - Hash Partitioning</a:t>
-            </a:r>
-            <a:endParaRPr lang="en-US" dirty="0"/>
-          </a:p>
-        </p:txBody>
-      </p:sp>
-      <p:sp>
-        <p:nvSpPr>
-          <p:cNvPr id="3" name="Content Placeholder 2"/>
-          <p:cNvSpPr>
-            <a:spLocks noGrp="1"/>
-          </p:cNvSpPr>
-          <p:nvPr>
-            <p:ph idx="1"/>
-          </p:nvPr>
-        </p:nvSpPr>
-        <p:spPr/>
-        <p:txBody>
-          <a:bodyPr>
-            <a:normAutofit lnSpcReduction="10000"/>
-          </a:bodyPr>
-          <a:lstStyle/>
-          <a:p>
-            <a:r>
-              <a:rPr lang="en-US" dirty="0" smtClean="0"/>
-              <a:t>Minimal: Probably, Perfect: No</a:t>
-            </a:r>
-          </a:p>
-          <a:p>
-            <a:r>
-              <a:rPr lang="en-US" dirty="0" smtClean="0"/>
-              <a:t>Trades time for space</a:t>
-            </a:r>
-            <a:endParaRPr lang="en-US" dirty="0" smtClean="0"/>
-          </a:p>
-          <a:p>
-            <a:r>
-              <a:rPr lang="en-US" dirty="0" smtClean="0"/>
-              <a:t>ORA_HASH</a:t>
-            </a:r>
-            <a:endParaRPr lang="en-US" dirty="0" smtClean="0"/>
-          </a:p>
-          <a:p>
-            <a:r>
-              <a:rPr lang="en-US" dirty="0" smtClean="0"/>
-              <a:t>Good for retrieving large percentage of rows</a:t>
-            </a:r>
-          </a:p>
-          <a:p>
-            <a:r>
-              <a:rPr lang="en-US" dirty="0" smtClean="0"/>
-              <a:t>Insert </a:t>
-            </a:r>
-            <a:r>
-              <a:rPr lang="en-US" dirty="0" smtClean="0"/>
-              <a:t>O(1), read is O(N/#_PARTITIONS)</a:t>
-            </a:r>
-          </a:p>
-          <a:p>
-            <a:r>
-              <a:rPr lang="en-US" dirty="0" smtClean="0"/>
-              <a:t>Don't use huge number of partitions</a:t>
-            </a:r>
-            <a:endParaRPr lang="en-US" dirty="0"/>
-          </a:p>
-        </p:txBody>
-      </p:sp>
-    </p:spTree>
-    <p:extLst>
-      <p:ext uri="{BB962C8B-B14F-4D97-AF65-F5344CB8AC3E}">
-        <p14:creationId xmlns:p14="http://schemas.microsoft.com/office/powerpoint/2010/main" val="3843327604"/>
-      </p:ext>
-    </p:extLst>
-  </p:cSld>
-  <p:clrMapOvr>
-    <a:masterClrMapping/>
-  </p:clrMapOvr>
-  <p:timing>
-    <p:tnLst>
-      <p:par>
-        <p:cTn id="1" dur="indefinite" restart="never" nodeType="tmRoot"/>
-      </p:par>
-    </p:tnLst>
-  </p:timing>
-</p:sld>
-</file>
-
-<file path=ppt/slides/slide27.xml><?xml version="1.0" encoding="utf-8"?>
-<p:sld xmlns:a="http://schemas.openxmlformats.org/drawingml/2006/main" xmlns:r="http://schemas.openxmlformats.org/officeDocument/2006/relationships" xmlns:p="http://schemas.openxmlformats.org/presentationml/2006/main">
-  <p:cSld>
-    <p:spTree>
-      <p:nvGrpSpPr>
-        <p:cNvPr id="1" name=""/>
-        <p:cNvGrpSpPr/>
-        <p:nvPr/>
-      </p:nvGrpSpPr>
-      <p:grpSpPr>
-        <a:xfrm>
-          <a:off x="0" y="0"/>
-          <a:ext cx="0" cy="0"/>
-          <a:chOff x="0" y="0"/>
-          <a:chExt cx="0" cy="0"/>
-        </a:xfrm>
-      </p:grpSpPr>
-      <p:sp>
-        <p:nvSpPr>
-          <p:cNvPr id="2" name="Title 1"/>
-          <p:cNvSpPr>
-            <a:spLocks noGrp="1"/>
-          </p:cNvSpPr>
-          <p:nvPr>
-            <p:ph type="title"/>
-          </p:nvPr>
-        </p:nvSpPr>
-        <p:spPr/>
-        <p:txBody>
-          <a:bodyPr/>
-          <a:lstStyle/>
-          <a:p>
-            <a:r>
-              <a:rPr lang="en-US" dirty="0" smtClean="0"/>
-              <a:t>1 - Hash Clusters</a:t>
-            </a:r>
-            <a:endParaRPr lang="en-US" dirty="0"/>
-          </a:p>
-        </p:txBody>
-      </p:sp>
-      <p:sp>
-        <p:nvSpPr>
-          <p:cNvPr id="3" name="Content Placeholder 2"/>
-          <p:cNvSpPr>
-            <a:spLocks noGrp="1"/>
-          </p:cNvSpPr>
-          <p:nvPr>
-            <p:ph idx="1"/>
-          </p:nvPr>
-        </p:nvSpPr>
-        <p:spPr/>
-        <p:txBody>
-          <a:bodyPr>
-            <a:normAutofit fontScale="92500" lnSpcReduction="20000"/>
-          </a:bodyPr>
-          <a:lstStyle/>
-          <a:p>
-            <a:r>
-              <a:rPr lang="en-US" dirty="0"/>
-              <a:t>Minimal: </a:t>
-            </a:r>
-            <a:r>
-              <a:rPr lang="en-US" dirty="0" smtClean="0"/>
-              <a:t>No, </a:t>
-            </a:r>
-            <a:r>
-              <a:rPr lang="en-US" dirty="0"/>
-              <a:t>Perfect: </a:t>
-            </a:r>
-            <a:r>
-              <a:rPr lang="en-US" dirty="0" smtClean="0"/>
-              <a:t>Maybe</a:t>
-            </a:r>
-          </a:p>
-          <a:p>
-            <a:r>
-              <a:rPr lang="en-US" dirty="0" smtClean="0"/>
-              <a:t>Trades space for time</a:t>
-            </a:r>
-            <a:endParaRPr lang="en-US" dirty="0"/>
-          </a:p>
-          <a:p>
-            <a:r>
-              <a:rPr lang="en-US" dirty="0" smtClean="0"/>
-              <a:t>Unknown </a:t>
-            </a:r>
-            <a:r>
-              <a:rPr lang="en-US" dirty="0" smtClean="0"/>
-              <a:t>hash function</a:t>
-            </a:r>
-          </a:p>
-          <a:p>
-            <a:r>
-              <a:rPr lang="en-US" dirty="0" smtClean="0"/>
-              <a:t>Good for retrieving small percentage of rows</a:t>
-            </a:r>
-          </a:p>
-          <a:p>
-            <a:r>
-              <a:rPr lang="en-US" dirty="0" smtClean="0"/>
-              <a:t>O(1</a:t>
-            </a:r>
-            <a:r>
-              <a:rPr lang="en-US" dirty="0" smtClean="0"/>
-              <a:t>) reads, theoretically better than indexes</a:t>
-            </a:r>
-          </a:p>
-          <a:p>
-            <a:r>
-              <a:rPr lang="en-US" dirty="0" smtClean="0"/>
-              <a:t>In practice it's slower (constants win)</a:t>
-            </a:r>
-          </a:p>
-          <a:p>
-            <a:r>
-              <a:rPr lang="en-US" dirty="0" smtClean="0"/>
-              <a:t>Creating perfect hash increases table size 3x</a:t>
-            </a:r>
-            <a:endParaRPr lang="en-US" dirty="0"/>
-          </a:p>
-        </p:txBody>
-      </p:sp>
-    </p:spTree>
-    <p:extLst>
-      <p:ext uri="{BB962C8B-B14F-4D97-AF65-F5344CB8AC3E}">
-        <p14:creationId xmlns:p14="http://schemas.microsoft.com/office/powerpoint/2010/main" val="2403054375"/>
-      </p:ext>
-    </p:extLst>
-  </p:cSld>
-  <p:clrMapOvr>
-    <a:masterClrMapping/>
-  </p:clrMapOvr>
-  <p:timing>
-    <p:tnLst>
-      <p:par>
-        <p:cTn id="1" dur="indefinite" restart="never" nodeType="tmRoot"/>
-      </p:par>
-    </p:tnLst>
-  </p:timing>
-</p:sld>
-</file>
-
-<file path=ppt/slides/slide28.xml><?xml version="1.0" encoding="utf-8"?>
-<p:sld xmlns:a="http://schemas.openxmlformats.org/drawingml/2006/main" xmlns:r="http://schemas.openxmlformats.org/officeDocument/2006/relationships" xmlns:p="http://schemas.openxmlformats.org/presentationml/2006/main">
-  <p:cSld>
-    <p:spTree>
-      <p:nvGrpSpPr>
-        <p:cNvPr id="1" name=""/>
-        <p:cNvGrpSpPr/>
-        <p:nvPr/>
-      </p:nvGrpSpPr>
-      <p:grpSpPr>
-        <a:xfrm>
-          <a:off x="0" y="0"/>
-          <a:ext cx="0" cy="0"/>
-          <a:chOff x="0" y="0"/>
-          <a:chExt cx="0" cy="0"/>
-        </a:xfrm>
-      </p:grpSpPr>
-      <p:sp>
-        <p:nvSpPr>
-          <p:cNvPr id="2" name="Title 1"/>
-          <p:cNvSpPr>
-            <a:spLocks noGrp="1"/>
-          </p:cNvSpPr>
-          <p:nvPr>
-            <p:ph type="title"/>
-          </p:nvPr>
-        </p:nvSpPr>
-        <p:spPr/>
-        <p:txBody>
-          <a:bodyPr/>
-          <a:lstStyle/>
-          <a:p>
-            <a:r>
-              <a:rPr lang="en-US" dirty="0" smtClean="0"/>
-              <a:t>1 - Hash Joins</a:t>
-            </a:r>
-            <a:endParaRPr lang="en-US" dirty="0"/>
-          </a:p>
-        </p:txBody>
-      </p:sp>
-      <p:sp>
-        <p:nvSpPr>
-          <p:cNvPr id="3" name="Content Placeholder 2"/>
-          <p:cNvSpPr>
-            <a:spLocks noGrp="1"/>
-          </p:cNvSpPr>
-          <p:nvPr>
-            <p:ph idx="1"/>
-          </p:nvPr>
-        </p:nvSpPr>
-        <p:spPr/>
-        <p:txBody>
-          <a:bodyPr/>
-          <a:lstStyle/>
-          <a:p>
-            <a:r>
-              <a:rPr lang="en-US" dirty="0"/>
-              <a:t>Minimal: No, Perfect: </a:t>
-            </a:r>
-            <a:r>
-              <a:rPr lang="en-US" dirty="0" smtClean="0"/>
-              <a:t>No</a:t>
-            </a:r>
-          </a:p>
-          <a:p>
-            <a:r>
-              <a:rPr lang="en-US" dirty="0" smtClean="0"/>
-              <a:t>Somewhere </a:t>
-            </a:r>
-            <a:r>
-              <a:rPr lang="en-US" dirty="0" smtClean="0"/>
-              <a:t>between O(1) and O(N)</a:t>
-            </a:r>
-          </a:p>
-          <a:p>
-            <a:r>
-              <a:rPr lang="en-US" dirty="0" smtClean="0"/>
-              <a:t>In practice, best way to join large tables</a:t>
-            </a:r>
-            <a:endParaRPr lang="en-US" dirty="0"/>
-          </a:p>
-        </p:txBody>
-      </p:sp>
-    </p:spTree>
-    <p:extLst>
-      <p:ext uri="{BB962C8B-B14F-4D97-AF65-F5344CB8AC3E}">
-        <p14:creationId xmlns:p14="http://schemas.microsoft.com/office/powerpoint/2010/main" val="3362826511"/>
-      </p:ext>
-    </p:extLst>
-  </p:cSld>
-  <p:clrMapOvr>
-    <a:masterClrMapping/>
-  </p:clrMapOvr>
-  <p:timing>
-    <p:tnLst>
-      <p:par>
-        <p:cTn id="1" dur="indefinite" restart="never" nodeType="tmRoot"/>
-      </p:par>
-    </p:tnLst>
-  </p:timing>
-</p:sld>
-</file>
-
-<file path=ppt/slides/slide29.xml><?xml version="1.0" encoding="utf-8"?>
-<p:sld xmlns:a="http://schemas.openxmlformats.org/drawingml/2006/main" xmlns:r="http://schemas.openxmlformats.org/officeDocument/2006/relationships" xmlns:p="http://schemas.openxmlformats.org/presentationml/2006/main">
-  <p:cSld>
-    <p:spTree>
-      <p:nvGrpSpPr>
-        <p:cNvPr id="1" name=""/>
-        <p:cNvGrpSpPr/>
-        <p:nvPr/>
-      </p:nvGrpSpPr>
-      <p:grpSpPr>
-        <a:xfrm>
-          <a:off x="0" y="0"/>
-          <a:ext cx="0" cy="0"/>
-          <a:chOff x="0" y="0"/>
-          <a:chExt cx="0" cy="0"/>
-        </a:xfrm>
-      </p:grpSpPr>
-      <p:sp>
-        <p:nvSpPr>
-          <p:cNvPr id="2" name="Title 1"/>
-          <p:cNvSpPr>
-            <a:spLocks noGrp="1"/>
-          </p:cNvSpPr>
-          <p:nvPr>
-            <p:ph type="title"/>
-          </p:nvPr>
-        </p:nvSpPr>
-        <p:spPr/>
-        <p:txBody>
-          <a:bodyPr/>
-          <a:lstStyle/>
-          <a:p>
-            <a:r>
-              <a:rPr lang="en-US" dirty="0" smtClean="0"/>
               <a:t>LOG(N)</a:t>
             </a:r>
             <a:endParaRPr lang="en-US" dirty="0"/>
@@ -13674,7 +15857,7 @@
           </p:nvPr>
         </p:nvPicPr>
         <p:blipFill>
-          <a:blip r:embed="rId2">
+          <a:blip r:embed="rId3">
             <a:extLst>
               <a:ext uri="{28A0092B-C50C-407E-A947-70E740481C1C}">
                 <a14:useLocalDpi xmlns:a14="http://schemas.microsoft.com/office/drawing/2010/main" val="0"/>
@@ -13720,106 +15903,7 @@
 </p:sld>
 </file>
 
-<file path=ppt/slides/slide3.xml><?xml version="1.0" encoding="utf-8"?>
-<p:sld xmlns:a="http://schemas.openxmlformats.org/drawingml/2006/main" xmlns:r="http://schemas.openxmlformats.org/officeDocument/2006/relationships" xmlns:p="http://schemas.openxmlformats.org/presentationml/2006/main">
-  <p:cSld>
-    <p:spTree>
-      <p:nvGrpSpPr>
-        <p:cNvPr id="1" name=""/>
-        <p:cNvGrpSpPr/>
-        <p:nvPr/>
-      </p:nvGrpSpPr>
-      <p:grpSpPr>
-        <a:xfrm>
-          <a:off x="0" y="0"/>
-          <a:ext cx="0" cy="0"/>
-          <a:chOff x="0" y="0"/>
-          <a:chExt cx="0" cy="0"/>
-        </a:xfrm>
-      </p:grpSpPr>
-      <p:sp>
-        <p:nvSpPr>
-          <p:cNvPr id="2" name="Title 1"/>
-          <p:cNvSpPr>
-            <a:spLocks noGrp="1"/>
-          </p:cNvSpPr>
-          <p:nvPr>
-            <p:ph type="title"/>
-          </p:nvPr>
-        </p:nvSpPr>
-        <p:spPr/>
-        <p:txBody>
-          <a:bodyPr>
-            <a:normAutofit/>
-          </a:bodyPr>
-          <a:lstStyle/>
-          <a:p>
-            <a:r>
-              <a:rPr lang="en-US" dirty="0" smtClean="0"/>
-              <a:t>Disclaimers</a:t>
-            </a:r>
-            <a:endParaRPr lang="en-US" dirty="0"/>
-          </a:p>
-        </p:txBody>
-      </p:sp>
-      <p:sp>
-        <p:nvSpPr>
-          <p:cNvPr id="3" name="Content Placeholder 2"/>
-          <p:cNvSpPr>
-            <a:spLocks noGrp="1"/>
-          </p:cNvSpPr>
-          <p:nvPr>
-            <p:ph idx="1"/>
-          </p:nvPr>
-        </p:nvSpPr>
-        <p:spPr/>
-        <p:txBody>
-          <a:bodyPr>
-            <a:normAutofit/>
-          </a:bodyPr>
-          <a:lstStyle/>
-          <a:p>
-            <a:r>
-              <a:rPr lang="en-US" dirty="0" smtClean="0"/>
-              <a:t>This is not a computer science lecture</a:t>
-            </a:r>
-          </a:p>
-          <a:p>
-            <a:r>
-              <a:rPr lang="en-US" dirty="0" smtClean="0"/>
-              <a:t>No proofs or complicated math</a:t>
-            </a:r>
-          </a:p>
-          <a:p>
-            <a:r>
-              <a:rPr lang="en-US" dirty="0" smtClean="0"/>
-              <a:t>Imprecise terminology: computational complexity, algorithm analysis, time complexity, asymptotic complexity, run-time analysis</a:t>
-            </a:r>
-            <a:endParaRPr lang="en-US" dirty="0"/>
-          </a:p>
-        </p:txBody>
-      </p:sp>
-    </p:spTree>
-    <p:extLst>
-      <p:ext uri="{BB962C8B-B14F-4D97-AF65-F5344CB8AC3E}">
-        <p14:creationId xmlns:p14="http://schemas.microsoft.com/office/powerpoint/2010/main" val="2287281436"/>
-      </p:ext>
-    </p:extLst>
-  </p:cSld>
-  <p:clrMapOvr>
-    <a:masterClrMapping/>
-  </p:clrMapOvr>
-  <p:timing>
-    <p:tnLst>
-      <p:par>
-        <p:cTn id="1" dur="indefinite" restart="never" nodeType="tmRoot"/>
-      </p:par>
-    </p:tnLst>
-  </p:timing>
-</p:sld>
-</file>
-
-<file path=ppt/slides/slide30.xml><?xml version="1.0" encoding="utf-8"?>
+<file path=ppt/slides/slide27.xml><?xml version="1.0" encoding="utf-8"?>
 <p:sld xmlns:a="http://schemas.openxmlformats.org/drawingml/2006/main" xmlns:r="http://schemas.openxmlformats.org/officeDocument/2006/relationships" xmlns:p="http://schemas.openxmlformats.org/presentationml/2006/main">
   <p:cSld>
     <p:spTree>
@@ -13941,7 +16025,7 @@
 </p:sld>
 </file>
 
-<file path=ppt/slides/slide31.xml><?xml version="1.0" encoding="utf-8"?>
+<file path=ppt/slides/slide28.xml><?xml version="1.0" encoding="utf-8"?>
 <p:sld xmlns:a="http://schemas.openxmlformats.org/drawingml/2006/main" xmlns:r="http://schemas.openxmlformats.org/officeDocument/2006/relationships" xmlns:p="http://schemas.openxmlformats.org/presentationml/2006/main">
   <p:cSld>
     <p:spTree>
@@ -14048,7 +16132,7 @@
 </p:sld>
 </file>
 
-<file path=ppt/slides/slide32.xml><?xml version="1.0" encoding="utf-8"?>
+<file path=ppt/slides/slide29.xml><?xml version="1.0" encoding="utf-8"?>
 <p:sld xmlns:a="http://schemas.openxmlformats.org/drawingml/2006/main" xmlns:r="http://schemas.openxmlformats.org/officeDocument/2006/relationships" xmlns:p="http://schemas.openxmlformats.org/presentationml/2006/main">
   <p:cSld>
     <p:spTree>
@@ -14077,12 +16161,22 @@
         </p:nvSpPr>
         <p:spPr/>
         <p:txBody>
-          <a:bodyPr/>
-          <a:lstStyle/>
-          <a:p>
-            <a:r>
-              <a:rPr lang="en-US" dirty="0" smtClean="0"/>
-              <a:t>LOG(N) - Fastest for Small Access</a:t>
+          <a:bodyPr>
+            <a:normAutofit fontScale="90000"/>
+          </a:bodyPr>
+          <a:lstStyle/>
+          <a:p>
+            <a:r>
+              <a:rPr lang="en-US" dirty="0" smtClean="0"/>
+              <a:t>LOG(N) - </a:t>
+            </a:r>
+            <a:r>
+              <a:rPr lang="en-US" dirty="0" smtClean="0"/>
+              <a:t>Index vs FTS for Single </a:t>
+            </a:r>
+            <a:r>
+              <a:rPr lang="en-US" dirty="0" smtClean="0"/>
+              <a:t>Access</a:t>
             </a:r>
             <a:endParaRPr lang="en-US" dirty="0"/>
           </a:p>
@@ -14137,7 +16231,7 @@
 </p:sld>
 </file>
 
-<file path=ppt/slides/slide33.xml><?xml version="1.0" encoding="utf-8"?>
+<file path=ppt/slides/slide3.xml><?xml version="1.0" encoding="utf-8"?>
 <p:sld xmlns:a="http://schemas.openxmlformats.org/drawingml/2006/main" xmlns:r="http://schemas.openxmlformats.org/officeDocument/2006/relationships" xmlns:p="http://schemas.openxmlformats.org/presentationml/2006/main">
   <p:cSld>
     <p:spTree>
@@ -14166,29 +16260,6 @@
         </p:nvSpPr>
         <p:spPr/>
         <p:txBody>
-          <a:bodyPr/>
-          <a:lstStyle/>
-          <a:p>
-            <a:r>
-              <a:rPr lang="en-US" dirty="0" smtClean="0"/>
-              <a:t>LOG(N) - Why it Matters </a:t>
-            </a:r>
-            <a:endParaRPr lang="en-US" dirty="0"/>
-          </a:p>
-        </p:txBody>
-      </p:sp>
-      <p:sp>
-        <p:nvSpPr>
-          <p:cNvPr id="3" name="Content Placeholder 2"/>
-          <p:cNvSpPr>
-            <a:spLocks noGrp="1"/>
-          </p:cNvSpPr>
-          <p:nvPr>
-            <p:ph idx="1"/>
-          </p:nvPr>
-        </p:nvSpPr>
-        <p:spPr/>
-        <p:txBody>
           <a:bodyPr>
             <a:normAutofit/>
           </a:bodyPr>
@@ -14196,14 +16267,147 @@
           <a:p>
             <a:r>
               <a:rPr lang="en-US" dirty="0" smtClean="0"/>
+              <a:t>Disclaimers</a:t>
+            </a:r>
+            <a:endParaRPr lang="en-US" dirty="0"/>
+          </a:p>
+        </p:txBody>
+      </p:sp>
+      <p:sp>
+        <p:nvSpPr>
+          <p:cNvPr id="3" name="Content Placeholder 2"/>
+          <p:cNvSpPr>
+            <a:spLocks noGrp="1"/>
+          </p:cNvSpPr>
+          <p:nvPr>
+            <p:ph idx="1"/>
+          </p:nvPr>
+        </p:nvSpPr>
+        <p:spPr/>
+        <p:txBody>
+          <a:bodyPr>
+            <a:normAutofit/>
+          </a:bodyPr>
+          <a:lstStyle/>
+          <a:p>
+            <a:r>
+              <a:rPr lang="en-US" dirty="0" smtClean="0"/>
+              <a:t>This is not a computer science lecture</a:t>
+            </a:r>
+          </a:p>
+          <a:p>
+            <a:r>
+              <a:rPr lang="en-US" dirty="0" smtClean="0"/>
+              <a:t>No proofs or complicated math</a:t>
+            </a:r>
+          </a:p>
+          <a:p>
+            <a:r>
+              <a:rPr lang="en-US" dirty="0" smtClean="0"/>
+              <a:t>Imprecise terminology: computational complexity, algorithm analysis, time complexity, asymptotic complexity, run-time analysis</a:t>
+            </a:r>
+            <a:endParaRPr lang="en-US" dirty="0"/>
+          </a:p>
+        </p:txBody>
+      </p:sp>
+    </p:spTree>
+    <p:extLst>
+      <p:ext uri="{BB962C8B-B14F-4D97-AF65-F5344CB8AC3E}">
+        <p14:creationId xmlns:p14="http://schemas.microsoft.com/office/powerpoint/2010/main" val="2287281436"/>
+      </p:ext>
+    </p:extLst>
+  </p:cSld>
+  <p:clrMapOvr>
+    <a:masterClrMapping/>
+  </p:clrMapOvr>
+  <p:timing>
+    <p:tnLst>
+      <p:par>
+        <p:cTn id="1" dur="indefinite" restart="never" nodeType="tmRoot"/>
+      </p:par>
+    </p:tnLst>
+  </p:timing>
+</p:sld>
+</file>
+
+<file path=ppt/slides/slide30.xml><?xml version="1.0" encoding="utf-8"?>
+<p:sld xmlns:a="http://schemas.openxmlformats.org/drawingml/2006/main" xmlns:r="http://schemas.openxmlformats.org/officeDocument/2006/relationships" xmlns:p="http://schemas.openxmlformats.org/presentationml/2006/main">
+  <p:cSld>
+    <p:spTree>
+      <p:nvGrpSpPr>
+        <p:cNvPr id="1" name=""/>
+        <p:cNvGrpSpPr/>
+        <p:nvPr/>
+      </p:nvGrpSpPr>
+      <p:grpSpPr>
+        <a:xfrm>
+          <a:off x="0" y="0"/>
+          <a:ext cx="0" cy="0"/>
+          <a:chOff x="0" y="0"/>
+          <a:chExt cx="0" cy="0"/>
+        </a:xfrm>
+      </p:grpSpPr>
+      <p:sp>
+        <p:nvSpPr>
+          <p:cNvPr id="2" name="Title 1"/>
+          <p:cNvSpPr>
+            <a:spLocks noGrp="1"/>
+          </p:cNvSpPr>
+          <p:nvPr>
+            <p:ph type="title"/>
+          </p:nvPr>
+        </p:nvSpPr>
+        <p:spPr/>
+        <p:txBody>
+          <a:bodyPr/>
+          <a:lstStyle/>
+          <a:p>
+            <a:r>
+              <a:rPr lang="en-US" dirty="0" smtClean="0"/>
+              <a:t>LOG(N) - Why it Matters </a:t>
+            </a:r>
+            <a:endParaRPr lang="en-US" dirty="0"/>
+          </a:p>
+        </p:txBody>
+      </p:sp>
+      <p:sp>
+        <p:nvSpPr>
+          <p:cNvPr id="3" name="Content Placeholder 2"/>
+          <p:cNvSpPr>
+            <a:spLocks noGrp="1"/>
+          </p:cNvSpPr>
+          <p:nvPr>
+            <p:ph idx="1"/>
+          </p:nvPr>
+        </p:nvSpPr>
+        <p:spPr/>
+        <p:txBody>
+          <a:bodyPr>
+            <a:normAutofit/>
+          </a:bodyPr>
+          <a:lstStyle/>
+          <a:p>
+            <a:r>
+              <a:rPr lang="en-US" dirty="0" smtClean="0"/>
               <a:t>This is why indexes are so fast</a:t>
             </a:r>
           </a:p>
           <a:p>
             <a:r>
               <a:rPr lang="en-US" dirty="0" smtClean="0"/>
-              <a:t>Data doubles, index access may stay the same</a:t>
-            </a:r>
+              <a:t>Data doubles, index access may stay the </a:t>
+            </a:r>
+            <a:r>
+              <a:rPr lang="en-US" dirty="0" smtClean="0"/>
+              <a:t>same</a:t>
+            </a:r>
+          </a:p>
+          <a:p>
+            <a:r>
+              <a:rPr lang="en-US" dirty="0" smtClean="0"/>
+              <a:t>Create indexes proactively</a:t>
+            </a:r>
+            <a:endParaRPr lang="en-US" dirty="0" smtClean="0"/>
           </a:p>
           <a:p>
             <a:r>
@@ -14233,7 +16437,7 @@
 </p:sld>
 </file>
 
-<file path=ppt/slides/slide34.xml><?xml version="1.0" encoding="utf-8"?>
+<file path=ppt/slides/slide31.xml><?xml version="1.0" encoding="utf-8"?>
 <p:sld xmlns:a="http://schemas.openxmlformats.org/drawingml/2006/main" xmlns:r="http://schemas.openxmlformats.org/officeDocument/2006/relationships" xmlns:p="http://schemas.openxmlformats.org/presentationml/2006/main">
   <p:cSld>
     <p:spTree>
@@ -14285,13 +16489,13 @@
             <p:ph idx="1"/>
             <p:extLst>
               <p:ext uri="{D42A27DB-BD31-4B8C-83A1-F6EECF244321}">
-                <p14:modId xmlns:p14="http://schemas.microsoft.com/office/powerpoint/2010/main" val="2410399563"/>
+                <p14:modId xmlns:p14="http://schemas.microsoft.com/office/powerpoint/2010/main" val="454230671"/>
               </p:ext>
             </p:extLst>
           </p:nvPr>
         </p:nvGraphicFramePr>
         <p:xfrm>
-          <a:off x="3352800" y="1047750"/>
+          <a:off x="3124200" y="1047750"/>
           <a:ext cx="2895600" cy="3817620"/>
         </p:xfrm>
         <a:graphic>
@@ -14310,7 +16514,7 @@
                     <a:bodyPr/>
                     <a:lstStyle/>
                     <a:p>
-                      <a:pPr algn="l" fontAlgn="b"/>
+                      <a:pPr algn="r" fontAlgn="b"/>
                       <a:r>
                         <a:rPr lang="en-US" sz="2000" b="1" u="none" strike="noStrike" dirty="0" smtClean="0">
                           <a:effectLst/>
@@ -14334,7 +16538,7 @@
                     <a:bodyPr/>
                     <a:lstStyle/>
                     <a:p>
-                      <a:pPr algn="l" fontAlgn="b"/>
+                      <a:pPr algn="r" fontAlgn="b"/>
                       <a:r>
                         <a:rPr lang="en-US" sz="2000" b="1" u="none" strike="noStrike" dirty="0" smtClean="0">
                           <a:effectLst/>
@@ -14921,7 +17125,7 @@
 </p:sld>
 </file>
 
-<file path=ppt/slides/slide35.xml><?xml version="1.0" encoding="utf-8"?>
+<file path=ppt/slides/slide32.xml><?xml version="1.0" encoding="utf-8"?>
 <p:sld xmlns:a="http://schemas.openxmlformats.org/drawingml/2006/main" xmlns:r="http://schemas.openxmlformats.org/officeDocument/2006/relationships" xmlns:p="http://schemas.openxmlformats.org/presentationml/2006/main">
   <p:cSld>
     <p:spTree>
@@ -15016,7 +17220,7 @@
 </p:sld>
 </file>
 
-<file path=ppt/slides/slide36.xml><?xml version="1.0" encoding="utf-8"?>
+<file path=ppt/slides/slide33.xml><?xml version="1.0" encoding="utf-8"?>
 <p:sld xmlns:a="http://schemas.openxmlformats.org/drawingml/2006/main" xmlns:r="http://schemas.openxmlformats.org/officeDocument/2006/relationships" xmlns:p="http://schemas.openxmlformats.org/presentationml/2006/main">
   <p:cSld>
     <p:spTree>
@@ -15103,7 +17307,15 @@
           <a:p>
             <a:r>
               <a:rPr lang="en-US" dirty="0" smtClean="0"/>
-              <a:t>Focus on parallelizing</a:t>
+              <a:t>Focus on </a:t>
+            </a:r>
+            <a:r>
+              <a:rPr lang="en-US" dirty="0" smtClean="0"/>
+              <a:t>parallelizing instead:</a:t>
+            </a:r>
+            <a:r>
+              <a:rPr lang="en-US" dirty="0" smtClean="0"/>
+              <a:t/>
             </a:r>
             <a:br>
               <a:rPr lang="en-US" dirty="0" smtClean="0"/>
@@ -15136,7 +17348,7 @@
 </p:sld>
 </file>
 
-<file path=ppt/slides/slide37.xml><?xml version="1.0" encoding="utf-8"?>
+<file path=ppt/slides/slide34.xml><?xml version="1.0" encoding="utf-8"?>
 <p:sld xmlns:a="http://schemas.openxmlformats.org/drawingml/2006/main" xmlns:r="http://schemas.openxmlformats.org/officeDocument/2006/relationships" xmlns:p="http://schemas.openxmlformats.org/presentationml/2006/main">
   <p:cSld>
     <p:spTree>
@@ -15259,6 +17471,336 @@
 </p:sld>
 </file>
 
+<file path=ppt/slides/slide35.xml><?xml version="1.0" encoding="utf-8"?>
+<p:sld xmlns:a="http://schemas.openxmlformats.org/drawingml/2006/main" xmlns:r="http://schemas.openxmlformats.org/officeDocument/2006/relationships" xmlns:p="http://schemas.openxmlformats.org/presentationml/2006/main">
+  <p:cSld>
+    <p:spTree>
+      <p:nvGrpSpPr>
+        <p:cNvPr id="1" name=""/>
+        <p:cNvGrpSpPr/>
+        <p:nvPr/>
+      </p:nvGrpSpPr>
+      <p:grpSpPr>
+        <a:xfrm>
+          <a:off x="0" y="0"/>
+          <a:ext cx="0" cy="0"/>
+          <a:chOff x="0" y="0"/>
+          <a:chExt cx="0" cy="0"/>
+        </a:xfrm>
+      </p:grpSpPr>
+      <p:sp>
+        <p:nvSpPr>
+          <p:cNvPr id="2" name="Title 1"/>
+          <p:cNvSpPr>
+            <a:spLocks noGrp="1"/>
+          </p:cNvSpPr>
+          <p:nvPr>
+            <p:ph type="title"/>
+          </p:nvPr>
+        </p:nvSpPr>
+        <p:spPr/>
+        <p:txBody>
+          <a:bodyPr>
+            <a:normAutofit fontScale="90000"/>
+          </a:bodyPr>
+          <a:lstStyle/>
+          <a:p>
+            <a:r>
+              <a:rPr lang="en-US" dirty="0" smtClean="0"/>
+              <a:t>Amdahl's Law - Parallelize Everything</a:t>
+            </a:r>
+            <a:endParaRPr lang="en-US" dirty="0"/>
+          </a:p>
+        </p:txBody>
+      </p:sp>
+      <p:sp>
+        <p:nvSpPr>
+          <p:cNvPr id="3" name="Content Placeholder 2"/>
+          <p:cNvSpPr>
+            <a:spLocks noGrp="1"/>
+          </p:cNvSpPr>
+          <p:nvPr>
+            <p:ph idx="1"/>
+          </p:nvPr>
+        </p:nvSpPr>
+        <p:spPr/>
+        <p:txBody>
+          <a:bodyPr/>
+          <a:lstStyle/>
+          <a:p>
+            <a:r>
+              <a:rPr lang="en-US" dirty="0" smtClean="0"/>
+              <a:t>Don't only parallelize INSERT or SELECT</a:t>
+            </a:r>
+          </a:p>
+          <a:p>
+            <a:r>
+              <a:rPr lang="en-US" dirty="0" smtClean="0"/>
+              <a:t>Also spend time parallelizing:</a:t>
+            </a:r>
+            <a:endParaRPr lang="en-US" dirty="0"/>
+          </a:p>
+          <a:p>
+            <a:pPr lvl="1"/>
+            <a:r>
+              <a:rPr lang="en-US" dirty="0" smtClean="0"/>
+              <a:t>Index rebuilding</a:t>
+            </a:r>
+          </a:p>
+          <a:p>
+            <a:pPr lvl="1"/>
+            <a:r>
+              <a:rPr lang="en-US" dirty="0" smtClean="0"/>
+              <a:t>Gathering statistics</a:t>
+            </a:r>
+          </a:p>
+          <a:p>
+            <a:pPr lvl="1"/>
+            <a:r>
+              <a:rPr lang="en-US" dirty="0" smtClean="0"/>
+              <a:t>Constraint </a:t>
+            </a:r>
+            <a:r>
+              <a:rPr lang="en-US" dirty="0" smtClean="0"/>
+              <a:t>validation</a:t>
+            </a:r>
+            <a:endParaRPr lang="en-US" dirty="0"/>
+          </a:p>
+        </p:txBody>
+      </p:sp>
+    </p:spTree>
+    <p:extLst>
+      <p:ext uri="{BB962C8B-B14F-4D97-AF65-F5344CB8AC3E}">
+        <p14:creationId xmlns:p14="http://schemas.microsoft.com/office/powerpoint/2010/main" val="1312146788"/>
+      </p:ext>
+    </p:extLst>
+  </p:cSld>
+  <p:clrMapOvr>
+    <a:masterClrMapping/>
+  </p:clrMapOvr>
+  <p:timing>
+    <p:tnLst>
+      <p:par>
+        <p:cTn id="1" dur="indefinite" restart="never" nodeType="tmRoot"/>
+      </p:par>
+    </p:tnLst>
+  </p:timing>
+</p:sld>
+</file>
+
+<file path=ppt/slides/slide36.xml><?xml version="1.0" encoding="utf-8"?>
+<p:sld xmlns:a="http://schemas.openxmlformats.org/drawingml/2006/main" xmlns:r="http://schemas.openxmlformats.org/officeDocument/2006/relationships" xmlns:p="http://schemas.openxmlformats.org/presentationml/2006/main">
+  <p:cSld>
+    <p:spTree>
+      <p:nvGrpSpPr>
+        <p:cNvPr id="1" name=""/>
+        <p:cNvGrpSpPr/>
+        <p:nvPr/>
+      </p:nvGrpSpPr>
+      <p:grpSpPr>
+        <a:xfrm>
+          <a:off x="0" y="0"/>
+          <a:ext cx="0" cy="0"/>
+          <a:chOff x="0" y="0"/>
+          <a:chExt cx="0" cy="0"/>
+        </a:xfrm>
+      </p:grpSpPr>
+      <p:sp>
+        <p:nvSpPr>
+          <p:cNvPr id="2" name="Title 1"/>
+          <p:cNvSpPr>
+            <a:spLocks noGrp="1"/>
+          </p:cNvSpPr>
+          <p:nvPr>
+            <p:ph type="title"/>
+          </p:nvPr>
+        </p:nvSpPr>
+        <p:spPr/>
+        <p:txBody>
+          <a:bodyPr/>
+          <a:lstStyle/>
+          <a:p>
+            <a:r>
+              <a:rPr lang="en-US" dirty="0" smtClean="0"/>
+              <a:t>N</a:t>
+            </a:r>
+            <a:endParaRPr lang="en-US" dirty="0"/>
+          </a:p>
+        </p:txBody>
+      </p:sp>
+      <p:pic>
+        <p:nvPicPr>
+          <p:cNvPr id="4" name="Content Placeholder 3" descr="C:\Users\jonearles\Amazon Drive\Book\Practical Computer Science for SQL Developers\N.png"/>
+          <p:cNvPicPr>
+            <a:picLocks noGrp="1" noChangeAspect="1"/>
+          </p:cNvPicPr>
+          <p:nvPr>
+            <p:ph idx="1"/>
+          </p:nvPr>
+        </p:nvPicPr>
+        <p:blipFill>
+          <a:blip r:embed="rId3">
+            <a:extLst>
+              <a:ext uri="{28A0092B-C50C-407E-A947-70E740481C1C}">
+                <a14:useLocalDpi xmlns:a14="http://schemas.microsoft.com/office/drawing/2010/main" val="0"/>
+              </a:ext>
+            </a:extLst>
+          </a:blip>
+          <a:srcRect/>
+          <a:stretch>
+            <a:fillRect/>
+          </a:stretch>
+        </p:blipFill>
+        <p:spPr bwMode="auto">
+          <a:xfrm>
+            <a:off x="2514600" y="895350"/>
+            <a:ext cx="4114800" cy="4114800"/>
+          </a:xfrm>
+          <a:prstGeom prst="rect">
+            <a:avLst/>
+          </a:prstGeom>
+          <a:noFill/>
+          <a:ln>
+            <a:noFill/>
+          </a:ln>
+        </p:spPr>
+      </p:pic>
+    </p:spTree>
+    <p:extLst>
+      <p:ext uri="{BB962C8B-B14F-4D97-AF65-F5344CB8AC3E}">
+        <p14:creationId xmlns:p14="http://schemas.microsoft.com/office/powerpoint/2010/main" val="4197371209"/>
+      </p:ext>
+    </p:extLst>
+  </p:cSld>
+  <p:clrMapOvr>
+    <a:masterClrMapping/>
+  </p:clrMapOvr>
+  <p:timing>
+    <p:tnLst>
+      <p:par>
+        <p:cTn id="1" dur="indefinite" restart="never" nodeType="tmRoot"/>
+      </p:par>
+    </p:tnLst>
+  </p:timing>
+</p:sld>
+</file>
+
+<file path=ppt/slides/slide37.xml><?xml version="1.0" encoding="utf-8"?>
+<p:sld xmlns:a="http://schemas.openxmlformats.org/drawingml/2006/main" xmlns:r="http://schemas.openxmlformats.org/officeDocument/2006/relationships" xmlns:p="http://schemas.openxmlformats.org/presentationml/2006/main">
+  <p:cSld>
+    <p:spTree>
+      <p:nvGrpSpPr>
+        <p:cNvPr id="1" name=""/>
+        <p:cNvGrpSpPr/>
+        <p:nvPr/>
+      </p:nvGrpSpPr>
+      <p:grpSpPr>
+        <a:xfrm>
+          <a:off x="0" y="0"/>
+          <a:ext cx="0" cy="0"/>
+          <a:chOff x="0" y="0"/>
+          <a:chExt cx="0" cy="0"/>
+        </a:xfrm>
+      </p:grpSpPr>
+      <p:sp>
+        <p:nvSpPr>
+          <p:cNvPr id="2" name="Title 1"/>
+          <p:cNvSpPr>
+            <a:spLocks noGrp="1"/>
+          </p:cNvSpPr>
+          <p:nvPr>
+            <p:ph type="title"/>
+          </p:nvPr>
+        </p:nvSpPr>
+        <p:spPr/>
+        <p:txBody>
+          <a:bodyPr>
+            <a:normAutofit/>
+          </a:bodyPr>
+          <a:lstStyle/>
+          <a:p>
+            <a:r>
+              <a:rPr lang="en-US" dirty="0" smtClean="0"/>
+              <a:t>N - Linear Growth</a:t>
+            </a:r>
+            <a:endParaRPr lang="en-US" dirty="0"/>
+          </a:p>
+        </p:txBody>
+      </p:sp>
+      <p:sp>
+        <p:nvSpPr>
+          <p:cNvPr id="3" name="Content Placeholder 2"/>
+          <p:cNvSpPr>
+            <a:spLocks noGrp="1"/>
+          </p:cNvSpPr>
+          <p:nvPr>
+            <p:ph idx="1"/>
+          </p:nvPr>
+        </p:nvSpPr>
+        <p:spPr/>
+        <p:txBody>
+          <a:bodyPr>
+            <a:normAutofit lnSpcReduction="10000"/>
+          </a:bodyPr>
+          <a:lstStyle/>
+          <a:p>
+            <a:r>
+              <a:rPr lang="en-US" dirty="0"/>
+              <a:t>Full table scan, fast full scan, parsing, basic compression, </a:t>
+            </a:r>
+            <a:r>
+              <a:rPr lang="en-US" dirty="0" smtClean="0"/>
+              <a:t>DML, etc.</a:t>
+            </a:r>
+            <a:endParaRPr lang="en-US" dirty="0"/>
+          </a:p>
+          <a:p>
+            <a:r>
+              <a:rPr lang="en-US" dirty="0" smtClean="0"/>
+              <a:t>In practice, most common function</a:t>
+            </a:r>
+          </a:p>
+          <a:p>
+            <a:r>
+              <a:rPr lang="en-US" dirty="0" smtClean="0"/>
+              <a:t>Most effort is spent here</a:t>
+            </a:r>
+          </a:p>
+          <a:p>
+            <a:r>
+              <a:rPr lang="en-US" dirty="0" smtClean="0"/>
+              <a:t>2x improvement is nice</a:t>
+            </a:r>
+          </a:p>
+          <a:p>
+            <a:r>
+              <a:rPr lang="en-US" dirty="0" smtClean="0"/>
+              <a:t>Now it's time to compare functions</a:t>
+            </a:r>
+            <a:endParaRPr lang="en-US" dirty="0"/>
+          </a:p>
+        </p:txBody>
+      </p:sp>
+    </p:spTree>
+    <p:extLst>
+      <p:ext uri="{BB962C8B-B14F-4D97-AF65-F5344CB8AC3E}">
+        <p14:creationId xmlns:p14="http://schemas.microsoft.com/office/powerpoint/2010/main" val="1623018266"/>
+      </p:ext>
+    </p:extLst>
+  </p:cSld>
+  <p:clrMapOvr>
+    <a:masterClrMapping/>
+  </p:clrMapOvr>
+  <p:timing>
+    <p:tnLst>
+      <p:par>
+        <p:cTn id="1" dur="indefinite" restart="never" nodeType="tmRoot"/>
+      </p:par>
+    </p:tnLst>
+  </p:timing>
+</p:sld>
+</file>
+
 <file path=ppt/slides/slide38.xml><?xml version="1.0" encoding="utf-8"?>
 <p:sld xmlns:a="http://schemas.openxmlformats.org/drawingml/2006/main" xmlns:r="http://schemas.openxmlformats.org/officeDocument/2006/relationships" xmlns:p="http://schemas.openxmlformats.org/presentationml/2006/main">
   <p:cSld>
@@ -15288,64 +17830,58 @@
         </p:nvSpPr>
         <p:spPr/>
         <p:txBody>
-          <a:bodyPr>
-            <a:normAutofit fontScale="90000"/>
-          </a:bodyPr>
-          <a:lstStyle/>
-          <a:p>
-            <a:r>
-              <a:rPr lang="en-US" dirty="0" smtClean="0"/>
-              <a:t>Amdahl's Law - Parallelize Everything</a:t>
+          <a:bodyPr/>
+          <a:lstStyle/>
+          <a:p>
+            <a:r>
+              <a:rPr lang="en-US" dirty="0" smtClean="0"/>
+              <a:t>N * LOG(N)</a:t>
             </a:r>
             <a:endParaRPr lang="en-US" dirty="0"/>
           </a:p>
         </p:txBody>
       </p:sp>
-      <p:sp>
-        <p:nvSpPr>
-          <p:cNvPr id="3" name="Content Placeholder 2"/>
-          <p:cNvSpPr>
-            <a:spLocks noGrp="1"/>
-          </p:cNvSpPr>
+      <p:pic>
+        <p:nvPicPr>
+          <p:cNvPr id="4" name="Content Placeholder 3" descr="C:\Users\jonearles\Amazon Drive\Book\Practical Computer Science for SQL Developers\N LOG(N).png"/>
+          <p:cNvPicPr>
+            <a:picLocks noGrp="1" noChangeAspect="1"/>
+          </p:cNvPicPr>
           <p:nvPr>
             <p:ph idx="1"/>
           </p:nvPr>
-        </p:nvSpPr>
-        <p:spPr/>
-        <p:txBody>
-          <a:bodyPr/>
-          <a:lstStyle/>
-          <a:p>
-            <a:r>
-              <a:rPr lang="en-US" dirty="0" smtClean="0"/>
-              <a:t>Don't only parallelize INSERT or SELECT</a:t>
-            </a:r>
-          </a:p>
-          <a:p>
-            <a:r>
-              <a:rPr lang="en-US" dirty="0" smtClean="0"/>
-              <a:t>Index rebuilding</a:t>
-            </a:r>
-          </a:p>
-          <a:p>
-            <a:r>
-              <a:rPr lang="en-US" dirty="0" smtClean="0"/>
-              <a:t>Gathering statistics</a:t>
-            </a:r>
-          </a:p>
-          <a:p>
-            <a:r>
-              <a:rPr lang="en-US" dirty="0" smtClean="0"/>
-              <a:t>Constraint validation</a:t>
-            </a:r>
-            <a:endParaRPr lang="en-US" dirty="0"/>
-          </a:p>
-        </p:txBody>
-      </p:sp>
+        </p:nvPicPr>
+        <p:blipFill>
+          <a:blip r:embed="rId3">
+            <a:extLst>
+              <a:ext uri="{28A0092B-C50C-407E-A947-70E740481C1C}">
+                <a14:useLocalDpi xmlns:a14="http://schemas.microsoft.com/office/drawing/2010/main" val="0"/>
+              </a:ext>
+            </a:extLst>
+          </a:blip>
+          <a:srcRect/>
+          <a:stretch>
+            <a:fillRect/>
+          </a:stretch>
+        </p:blipFill>
+        <p:spPr bwMode="auto">
+          <a:xfrm>
+            <a:off x="2514600" y="895350"/>
+            <a:ext cx="4114800" cy="4114800"/>
+          </a:xfrm>
+          <a:prstGeom prst="rect">
+            <a:avLst/>
+          </a:prstGeom>
+          <a:noFill/>
+          <a:ln>
+            <a:noFill/>
+          </a:ln>
+        </p:spPr>
+      </p:pic>
     </p:spTree>
     <p:extLst>
       <p:ext uri="{BB962C8B-B14F-4D97-AF65-F5344CB8AC3E}">
-        <p14:creationId xmlns:p14="http://schemas.microsoft.com/office/powerpoint/2010/main" val="1312146788"/>
+        <p14:creationId xmlns:p14="http://schemas.microsoft.com/office/powerpoint/2010/main" val="1431611761"/>
       </p:ext>
     </p:extLst>
   </p:cSld>
@@ -15396,53 +17932,85 @@
           <a:p>
             <a:r>
               <a:rPr lang="en-US" dirty="0" smtClean="0"/>
-              <a:t>N</a:t>
+              <a:t>N * LOG(N) - What and Where</a:t>
             </a:r>
             <a:endParaRPr lang="en-US" dirty="0"/>
           </a:p>
         </p:txBody>
       </p:sp>
-      <p:pic>
-        <p:nvPicPr>
-          <p:cNvPr id="4" name="Content Placeholder 3" descr="C:\Users\jonearles\Amazon Drive\Book\Practical Computer Science for SQL Developers\N.png"/>
-          <p:cNvPicPr>
-            <a:picLocks noGrp="1" noChangeAspect="1"/>
-          </p:cNvPicPr>
+      <p:sp>
+        <p:nvSpPr>
+          <p:cNvPr id="3" name="Content Placeholder 2"/>
+          <p:cNvSpPr>
+            <a:spLocks noGrp="1"/>
+          </p:cNvSpPr>
           <p:nvPr>
             <p:ph idx="1"/>
           </p:nvPr>
-        </p:nvPicPr>
-        <p:blipFill>
-          <a:blip r:embed="rId2">
-            <a:extLst>
-              <a:ext uri="{28A0092B-C50C-407E-A947-70E740481C1C}">
-                <a14:useLocalDpi xmlns:a14="http://schemas.microsoft.com/office/drawing/2010/main" val="0"/>
-              </a:ext>
-            </a:extLst>
-          </a:blip>
-          <a:srcRect/>
-          <a:stretch>
-            <a:fillRect/>
-          </a:stretch>
-        </p:blipFill>
-        <p:spPr bwMode="auto">
-          <a:xfrm>
-            <a:off x="2514600" y="895350"/>
-            <a:ext cx="4114800" cy="4114800"/>
-          </a:xfrm>
-          <a:prstGeom prst="rect">
-            <a:avLst/>
-          </a:prstGeom>
-          <a:noFill/>
-          <a:ln>
-            <a:noFill/>
-          </a:ln>
-        </p:spPr>
-      </p:pic>
+        </p:nvSpPr>
+        <p:spPr/>
+        <p:txBody>
+          <a:bodyPr>
+            <a:normAutofit/>
+          </a:bodyPr>
+          <a:lstStyle/>
+          <a:p>
+            <a:r>
+              <a:rPr lang="en-US" dirty="0" smtClean="0"/>
+              <a:t>Combining O(N) and O(LOG(N)):</a:t>
+            </a:r>
+          </a:p>
+          <a:p>
+            <a:pPr lvl="1"/>
+            <a:r>
+              <a:rPr lang="en-US" dirty="0"/>
+              <a:t>Index access for multiple rows</a:t>
+            </a:r>
+          </a:p>
+          <a:p>
+            <a:pPr lvl="1"/>
+            <a:r>
+              <a:rPr lang="en-US" dirty="0" smtClean="0"/>
+              <a:t>Sorting</a:t>
+            </a:r>
+          </a:p>
+          <a:p>
+            <a:pPr lvl="1"/>
+            <a:r>
+              <a:rPr lang="en-US" dirty="0" smtClean="0"/>
+              <a:t>Joining</a:t>
+            </a:r>
+            <a:endParaRPr lang="en-US" dirty="0" smtClean="0"/>
+          </a:p>
+          <a:p>
+            <a:pPr lvl="1"/>
+            <a:r>
+              <a:rPr lang="en-US" dirty="0" smtClean="0"/>
+              <a:t>Local </a:t>
+            </a:r>
+            <a:r>
+              <a:rPr lang="en-US" dirty="0"/>
+              <a:t>index (partitioned indexes</a:t>
+            </a:r>
+            <a:r>
+              <a:rPr lang="en-US" dirty="0" smtClean="0"/>
+              <a:t>)</a:t>
+            </a:r>
+          </a:p>
+          <a:p>
+            <a:pPr lvl="1"/>
+            <a:r>
+              <a:rPr lang="en-US" dirty="0" smtClean="0"/>
+              <a:t>Gathering statistics (distinct)</a:t>
+            </a:r>
+            <a:endParaRPr lang="en-US" dirty="0" smtClean="0"/>
+          </a:p>
+        </p:txBody>
+      </p:sp>
     </p:spTree>
     <p:extLst>
       <p:ext uri="{BB962C8B-B14F-4D97-AF65-F5344CB8AC3E}">
-        <p14:creationId xmlns:p14="http://schemas.microsoft.com/office/powerpoint/2010/main" val="4197371209"/>
+        <p14:creationId xmlns:p14="http://schemas.microsoft.com/office/powerpoint/2010/main" val="1139039848"/>
       </p:ext>
     </p:extLst>
   </p:cSld>
@@ -15580,76 +18148,88 @@
         <p:spPr/>
         <p:txBody>
           <a:bodyPr>
-            <a:normAutofit/>
+            <a:normAutofit fontScale="90000"/>
           </a:bodyPr>
           <a:lstStyle/>
           <a:p>
             <a:r>
               <a:rPr lang="en-US" dirty="0" smtClean="0"/>
-              <a:t>N - Linear Growth</a:t>
+              <a:t>N * LOG(N) - Full Table Scan vs. Index</a:t>
             </a:r>
             <a:endParaRPr lang="en-US" dirty="0"/>
           </a:p>
         </p:txBody>
       </p:sp>
-      <p:sp>
-        <p:nvSpPr>
-          <p:cNvPr id="3" name="Content Placeholder 2"/>
-          <p:cNvSpPr>
-            <a:spLocks noGrp="1"/>
-          </p:cNvSpPr>
+      <p:pic>
+        <p:nvPicPr>
+          <p:cNvPr id="9220" name="Picture 4"/>
+          <p:cNvPicPr>
+            <a:picLocks noGrp="1" noChangeAspect="1" noChangeArrowheads="1"/>
+          </p:cNvPicPr>
           <p:nvPr>
             <p:ph idx="1"/>
           </p:nvPr>
-        </p:nvSpPr>
-        <p:spPr/>
-        <p:txBody>
-          <a:bodyPr>
-            <a:normAutofit lnSpcReduction="10000"/>
-          </a:bodyPr>
-          <a:lstStyle/>
-          <a:p>
-            <a:r>
-              <a:rPr lang="en-US" dirty="0"/>
-              <a:t>Full table scan, fast full scan, parsing, basic compression, </a:t>
-            </a:r>
-            <a:r>
-              <a:rPr lang="en-US" dirty="0" smtClean="0"/>
-              <a:t>DML, etc.</a:t>
-            </a:r>
-            <a:endParaRPr lang="en-US" dirty="0"/>
-          </a:p>
-          <a:p>
-            <a:r>
-              <a:rPr lang="en-US" dirty="0" smtClean="0"/>
-              <a:t>In practice, most common function</a:t>
-            </a:r>
-          </a:p>
-          <a:p>
-            <a:r>
-              <a:rPr lang="en-US" dirty="0" smtClean="0"/>
-              <a:t>Most effort is spent here</a:t>
-            </a:r>
-          </a:p>
-          <a:p>
-            <a:r>
-              <a:rPr lang="en-US" dirty="0" smtClean="0"/>
-              <a:t>2x improvement is nice</a:t>
-            </a:r>
-          </a:p>
-          <a:p>
-            <a:r>
-              <a:rPr lang="en-US" dirty="0" smtClean="0"/>
-              <a:t>Now it's time to compare functions</a:t>
-            </a:r>
-            <a:endParaRPr lang="en-US" dirty="0"/>
-          </a:p>
-        </p:txBody>
-      </p:sp>
+        </p:nvPicPr>
+        <p:blipFill>
+          <a:blip r:embed="rId3">
+            <a:extLst>
+              <a:ext uri="{28A0092B-C50C-407E-A947-70E740481C1C}">
+                <a14:useLocalDpi xmlns:a14="http://schemas.microsoft.com/office/drawing/2010/main" val="0"/>
+              </a:ext>
+            </a:extLst>
+          </a:blip>
+          <a:srcRect/>
+          <a:stretch>
+            <a:fillRect/>
+          </a:stretch>
+        </p:blipFill>
+        <p:spPr bwMode="auto">
+          <a:xfrm>
+            <a:off x="2271410" y="986790"/>
+            <a:ext cx="4601180" cy="4023360"/>
+          </a:xfrm>
+          <a:prstGeom prst="rect">
+            <a:avLst/>
+          </a:prstGeom>
+          <a:noFill/>
+          <a:ln>
+            <a:noFill/>
+          </a:ln>
+          <a:effectLst/>
+          <a:extLst>
+            <a:ext uri="{909E8E84-426E-40DD-AFC4-6F175D3DCCD1}">
+              <a14:hiddenFill xmlns:a14="http://schemas.microsoft.com/office/drawing/2010/main">
+                <a:solidFill>
+                  <a:schemeClr val="accent1"/>
+                </a:solidFill>
+              </a14:hiddenFill>
+            </a:ext>
+            <a:ext uri="{91240B29-F687-4F45-9708-019B960494DF}">
+              <a14:hiddenLine xmlns:a14="http://schemas.microsoft.com/office/drawing/2010/main" w="9525">
+                <a:solidFill>
+                  <a:schemeClr val="tx1"/>
+                </a:solidFill>
+                <a:miter lim="800000"/>
+                <a:headEnd/>
+                <a:tailEnd/>
+              </a14:hiddenLine>
+            </a:ext>
+            <a:ext uri="{AF507438-7753-43E0-B8FC-AC1667EBCBE1}">
+              <a14:hiddenEffects xmlns:a14="http://schemas.microsoft.com/office/drawing/2010/main">
+                <a:effectLst>
+                  <a:outerShdw dist="35921" dir="2700000" algn="ctr" rotWithShape="0">
+                    <a:schemeClr val="bg2"/>
+                  </a:outerShdw>
+                </a:effectLst>
+              </a14:hiddenEffects>
+            </a:ext>
+          </a:extLst>
+        </p:spPr>
+      </p:pic>
     </p:spTree>
     <p:extLst>
       <p:ext uri="{BB962C8B-B14F-4D97-AF65-F5344CB8AC3E}">
-        <p14:creationId xmlns:p14="http://schemas.microsoft.com/office/powerpoint/2010/main" val="1623018266"/>
+        <p14:creationId xmlns:p14="http://schemas.microsoft.com/office/powerpoint/2010/main" val="353384941"/>
       </p:ext>
     </p:extLst>
   </p:cSld>
@@ -15700,53 +18280,57 @@
           <a:p>
             <a:r>
               <a:rPr lang="en-US" dirty="0" smtClean="0"/>
-              <a:t>N * LOG(N)</a:t>
+              <a:t>N * LOG(N) - Sorting</a:t>
             </a:r>
             <a:endParaRPr lang="en-US" dirty="0"/>
           </a:p>
         </p:txBody>
       </p:sp>
-      <p:pic>
-        <p:nvPicPr>
-          <p:cNvPr id="4" name="Content Placeholder 3" descr="C:\Users\jonearles\Amazon Drive\Book\Practical Computer Science for SQL Developers\N LOG(N).png"/>
-          <p:cNvPicPr>
-            <a:picLocks noGrp="1" noChangeAspect="1"/>
-          </p:cNvPicPr>
+      <p:sp>
+        <p:nvSpPr>
+          <p:cNvPr id="3" name="Content Placeholder 2"/>
+          <p:cNvSpPr>
+            <a:spLocks noGrp="1"/>
+          </p:cNvSpPr>
           <p:nvPr>
             <p:ph idx="1"/>
           </p:nvPr>
-        </p:nvPicPr>
-        <p:blipFill>
-          <a:blip r:embed="rId2">
-            <a:extLst>
-              <a:ext uri="{28A0092B-C50C-407E-A947-70E740481C1C}">
-                <a14:useLocalDpi xmlns:a14="http://schemas.microsoft.com/office/drawing/2010/main" val="0"/>
-              </a:ext>
-            </a:extLst>
-          </a:blip>
-          <a:srcRect/>
-          <a:stretch>
-            <a:fillRect/>
-          </a:stretch>
-        </p:blipFill>
-        <p:spPr bwMode="auto">
-          <a:xfrm>
-            <a:off x="2514600" y="895350"/>
-            <a:ext cx="4114800" cy="4114800"/>
-          </a:xfrm>
-          <a:prstGeom prst="rect">
-            <a:avLst/>
-          </a:prstGeom>
-          <a:noFill/>
-          <a:ln>
-            <a:noFill/>
-          </a:ln>
-        </p:spPr>
-      </p:pic>
+        </p:nvSpPr>
+        <p:spPr/>
+        <p:txBody>
+          <a:bodyPr/>
+          <a:lstStyle/>
+          <a:p>
+            <a:r>
+              <a:rPr lang="en-US" dirty="0" smtClean="0"/>
+              <a:t>ORDER BY time does not grow linearly</a:t>
+            </a:r>
+          </a:p>
+          <a:p>
+            <a:r>
+              <a:rPr lang="en-US" dirty="0" smtClean="0"/>
+              <a:t>Memory/temp tablespace grows </a:t>
+            </a:r>
+            <a:r>
+              <a:rPr lang="en-US" dirty="0" smtClean="0"/>
+              <a:t>linearly</a:t>
+            </a:r>
+          </a:p>
+          <a:p>
+            <a:r>
+              <a:rPr lang="en-US" dirty="0" smtClean="0"/>
+              <a:t>Index full scan - do sorting ahead of time</a:t>
+            </a:r>
+          </a:p>
+          <a:p>
+            <a:endParaRPr lang="en-US" dirty="0"/>
+          </a:p>
+        </p:txBody>
+      </p:sp>
     </p:spTree>
     <p:extLst>
       <p:ext uri="{BB962C8B-B14F-4D97-AF65-F5344CB8AC3E}">
-        <p14:creationId xmlns:p14="http://schemas.microsoft.com/office/powerpoint/2010/main" val="1431611761"/>
+        <p14:creationId xmlns:p14="http://schemas.microsoft.com/office/powerpoint/2010/main" val="4161855322"/>
       </p:ext>
     </p:extLst>
   </p:cSld>
@@ -15797,285 +18381,6 @@
           <a:p>
             <a:r>
               <a:rPr lang="en-US" dirty="0" smtClean="0"/>
-              <a:t>N * LOG(N) - What and Where</a:t>
-            </a:r>
-            <a:endParaRPr lang="en-US" dirty="0"/>
-          </a:p>
-        </p:txBody>
-      </p:sp>
-      <p:sp>
-        <p:nvSpPr>
-          <p:cNvPr id="3" name="Content Placeholder 2"/>
-          <p:cNvSpPr>
-            <a:spLocks noGrp="1"/>
-          </p:cNvSpPr>
-          <p:nvPr>
-            <p:ph idx="1"/>
-          </p:nvPr>
-        </p:nvSpPr>
-        <p:spPr/>
-        <p:txBody>
-          <a:bodyPr>
-            <a:normAutofit/>
-          </a:bodyPr>
-          <a:lstStyle/>
-          <a:p>
-            <a:r>
-              <a:rPr lang="en-US" dirty="0"/>
-              <a:t>Sorting</a:t>
-            </a:r>
-            <a:endParaRPr lang="en-US" dirty="0" smtClean="0"/>
-          </a:p>
-          <a:p>
-            <a:r>
-              <a:rPr lang="en-US" dirty="0" smtClean="0"/>
-              <a:t>Iterated </a:t>
-            </a:r>
-            <a:r>
-              <a:rPr lang="en-US" dirty="0"/>
-              <a:t>index access</a:t>
-            </a:r>
-          </a:p>
-          <a:p>
-            <a:r>
-              <a:rPr lang="en-US" dirty="0"/>
-              <a:t>Local index (partitioned indexes</a:t>
-            </a:r>
-            <a:r>
-              <a:rPr lang="en-US" dirty="0" smtClean="0"/>
-              <a:t>)</a:t>
-            </a:r>
-          </a:p>
-        </p:txBody>
-      </p:sp>
-    </p:spTree>
-    <p:extLst>
-      <p:ext uri="{BB962C8B-B14F-4D97-AF65-F5344CB8AC3E}">
-        <p14:creationId xmlns:p14="http://schemas.microsoft.com/office/powerpoint/2010/main" val="1139039848"/>
-      </p:ext>
-    </p:extLst>
-  </p:cSld>
-  <p:clrMapOvr>
-    <a:masterClrMapping/>
-  </p:clrMapOvr>
-  <p:timing>
-    <p:tnLst>
-      <p:par>
-        <p:cTn id="1" dur="indefinite" restart="never" nodeType="tmRoot"/>
-      </p:par>
-    </p:tnLst>
-  </p:timing>
-</p:sld>
-</file>
-
-<file path=ppt/slides/slide43.xml><?xml version="1.0" encoding="utf-8"?>
-<p:sld xmlns:a="http://schemas.openxmlformats.org/drawingml/2006/main" xmlns:r="http://schemas.openxmlformats.org/officeDocument/2006/relationships" xmlns:p="http://schemas.openxmlformats.org/presentationml/2006/main">
-  <p:cSld>
-    <p:spTree>
-      <p:nvGrpSpPr>
-        <p:cNvPr id="1" name=""/>
-        <p:cNvGrpSpPr/>
-        <p:nvPr/>
-      </p:nvGrpSpPr>
-      <p:grpSpPr>
-        <a:xfrm>
-          <a:off x="0" y="0"/>
-          <a:ext cx="0" cy="0"/>
-          <a:chOff x="0" y="0"/>
-          <a:chExt cx="0" cy="0"/>
-        </a:xfrm>
-      </p:grpSpPr>
-      <p:sp>
-        <p:nvSpPr>
-          <p:cNvPr id="2" name="Title 1"/>
-          <p:cNvSpPr>
-            <a:spLocks noGrp="1"/>
-          </p:cNvSpPr>
-          <p:nvPr>
-            <p:ph type="title"/>
-          </p:nvPr>
-        </p:nvSpPr>
-        <p:spPr/>
-        <p:txBody>
-          <a:bodyPr>
-            <a:normAutofit fontScale="90000"/>
-          </a:bodyPr>
-          <a:lstStyle/>
-          <a:p>
-            <a:r>
-              <a:rPr lang="en-US" dirty="0" smtClean="0"/>
-              <a:t>N * LOG(N) - Full Table Scan vs. Index</a:t>
-            </a:r>
-            <a:endParaRPr lang="en-US" dirty="0"/>
-          </a:p>
-        </p:txBody>
-      </p:sp>
-      <p:pic>
-        <p:nvPicPr>
-          <p:cNvPr id="4" name="Content Placeholder 3"/>
-          <p:cNvPicPr>
-            <a:picLocks noGrp="1" noChangeAspect="1"/>
-          </p:cNvPicPr>
-          <p:nvPr>
-            <p:ph idx="1"/>
-          </p:nvPr>
-        </p:nvPicPr>
-        <p:blipFill>
-          <a:blip r:embed="rId3" cstate="print">
-            <a:extLst>
-              <a:ext uri="{28A0092B-C50C-407E-A947-70E740481C1C}">
-                <a14:useLocalDpi xmlns:a14="http://schemas.microsoft.com/office/drawing/2010/main" val="0"/>
-              </a:ext>
-            </a:extLst>
-          </a:blip>
-          <a:stretch>
-            <a:fillRect/>
-          </a:stretch>
-        </p:blipFill>
-        <p:spPr>
-          <a:xfrm>
-            <a:off x="2286000" y="961899"/>
-            <a:ext cx="4572000" cy="3997842"/>
-          </a:xfrm>
-        </p:spPr>
-      </p:pic>
-    </p:spTree>
-    <p:extLst>
-      <p:ext uri="{BB962C8B-B14F-4D97-AF65-F5344CB8AC3E}">
-        <p14:creationId xmlns:p14="http://schemas.microsoft.com/office/powerpoint/2010/main" val="353384941"/>
-      </p:ext>
-    </p:extLst>
-  </p:cSld>
-  <p:clrMapOvr>
-    <a:masterClrMapping/>
-  </p:clrMapOvr>
-</p:sld>
-</file>
-
-<file path=ppt/slides/slide44.xml><?xml version="1.0" encoding="utf-8"?>
-<p:sld xmlns:a="http://schemas.openxmlformats.org/drawingml/2006/main" xmlns:r="http://schemas.openxmlformats.org/officeDocument/2006/relationships" xmlns:p="http://schemas.openxmlformats.org/presentationml/2006/main">
-  <p:cSld>
-    <p:spTree>
-      <p:nvGrpSpPr>
-        <p:cNvPr id="1" name=""/>
-        <p:cNvGrpSpPr/>
-        <p:nvPr/>
-      </p:nvGrpSpPr>
-      <p:grpSpPr>
-        <a:xfrm>
-          <a:off x="0" y="0"/>
-          <a:ext cx="0" cy="0"/>
-          <a:chOff x="0" y="0"/>
-          <a:chExt cx="0" cy="0"/>
-        </a:xfrm>
-      </p:grpSpPr>
-      <p:sp>
-        <p:nvSpPr>
-          <p:cNvPr id="2" name="Title 1"/>
-          <p:cNvSpPr>
-            <a:spLocks noGrp="1"/>
-          </p:cNvSpPr>
-          <p:nvPr>
-            <p:ph type="title"/>
-          </p:nvPr>
-        </p:nvSpPr>
-        <p:spPr/>
-        <p:txBody>
-          <a:bodyPr/>
-          <a:lstStyle/>
-          <a:p>
-            <a:r>
-              <a:rPr lang="en-US" dirty="0" smtClean="0"/>
-              <a:t>N * LOG(N) - Sorting</a:t>
-            </a:r>
-            <a:endParaRPr lang="en-US" dirty="0"/>
-          </a:p>
-        </p:txBody>
-      </p:sp>
-      <p:sp>
-        <p:nvSpPr>
-          <p:cNvPr id="3" name="Content Placeholder 2"/>
-          <p:cNvSpPr>
-            <a:spLocks noGrp="1"/>
-          </p:cNvSpPr>
-          <p:nvPr>
-            <p:ph idx="1"/>
-          </p:nvPr>
-        </p:nvSpPr>
-        <p:spPr/>
-        <p:txBody>
-          <a:bodyPr/>
-          <a:lstStyle/>
-          <a:p>
-            <a:r>
-              <a:rPr lang="en-US" dirty="0" smtClean="0"/>
-              <a:t>ORDER BY time does not grow linearly</a:t>
-            </a:r>
-          </a:p>
-          <a:p>
-            <a:r>
-              <a:rPr lang="en-US" dirty="0" smtClean="0"/>
-              <a:t>Space grows linearly</a:t>
-            </a:r>
-          </a:p>
-          <a:p>
-            <a:r>
-              <a:rPr lang="en-US" dirty="0" smtClean="0"/>
-              <a:t>Index full scan - do sorting ahead of time</a:t>
-            </a:r>
-          </a:p>
-          <a:p>
-            <a:endParaRPr lang="en-US" dirty="0"/>
-          </a:p>
-        </p:txBody>
-      </p:sp>
-    </p:spTree>
-    <p:extLst>
-      <p:ext uri="{BB962C8B-B14F-4D97-AF65-F5344CB8AC3E}">
-        <p14:creationId xmlns:p14="http://schemas.microsoft.com/office/powerpoint/2010/main" val="4161855322"/>
-      </p:ext>
-    </p:extLst>
-  </p:cSld>
-  <p:clrMapOvr>
-    <a:masterClrMapping/>
-  </p:clrMapOvr>
-</p:sld>
-</file>
-
-<file path=ppt/slides/slide45.xml><?xml version="1.0" encoding="utf-8"?>
-<p:sld xmlns:a="http://schemas.openxmlformats.org/drawingml/2006/main" xmlns:r="http://schemas.openxmlformats.org/officeDocument/2006/relationships" xmlns:p="http://schemas.openxmlformats.org/presentationml/2006/main">
-  <p:cSld>
-    <p:spTree>
-      <p:nvGrpSpPr>
-        <p:cNvPr id="1" name=""/>
-        <p:cNvGrpSpPr/>
-        <p:nvPr/>
-      </p:nvGrpSpPr>
-      <p:grpSpPr>
-        <a:xfrm>
-          <a:off x="0" y="0"/>
-          <a:ext cx="0" cy="0"/>
-          <a:chOff x="0" y="0"/>
-          <a:chExt cx="0" cy="0"/>
-        </a:xfrm>
-      </p:grpSpPr>
-      <p:sp>
-        <p:nvSpPr>
-          <p:cNvPr id="2" name="Title 1"/>
-          <p:cNvSpPr>
-            <a:spLocks noGrp="1"/>
-          </p:cNvSpPr>
-          <p:nvPr>
-            <p:ph type="title"/>
-          </p:nvPr>
-        </p:nvSpPr>
-        <p:spPr/>
-        <p:txBody>
-          <a:bodyPr/>
-          <a:lstStyle/>
-          <a:p>
-            <a:r>
-              <a:rPr lang="en-US" dirty="0" smtClean="0"/>
               <a:t>N * LOG(N) - Joining</a:t>
             </a:r>
             <a:endParaRPr lang="en-US" dirty="0"/>
@@ -16121,10 +18426,17 @@
   <p:clrMapOvr>
     <a:masterClrMapping/>
   </p:clrMapOvr>
+  <p:timing>
+    <p:tnLst>
+      <p:par>
+        <p:cTn id="1" dur="indefinite" restart="never" nodeType="tmRoot"/>
+      </p:par>
+    </p:tnLst>
+  </p:timing>
 </p:sld>
 </file>
 
-<file path=ppt/slides/slide46.xml><?xml version="1.0" encoding="utf-8"?>
+<file path=ppt/slides/slide43.xml><?xml version="1.0" encoding="utf-8"?>
 <p:sld xmlns:a="http://schemas.openxmlformats.org/drawingml/2006/main" xmlns:r="http://schemas.openxmlformats.org/officeDocument/2006/relationships" xmlns:p="http://schemas.openxmlformats.org/presentationml/2006/main">
   <p:cSld>
     <p:spTree>
@@ -16263,7 +18575,7 @@
 </p:sld>
 </file>
 
-<file path=ppt/slides/slide47.xml><?xml version="1.0" encoding="utf-8"?>
+<file path=ppt/slides/slide44.xml><?xml version="1.0" encoding="utf-8"?>
 <p:sld xmlns:a="http://schemas.openxmlformats.org/drawingml/2006/main" xmlns:r="http://schemas.openxmlformats.org/officeDocument/2006/relationships" xmlns:p="http://schemas.openxmlformats.org/presentationml/2006/main">
   <p:cSld>
     <p:spTree>
@@ -16316,7 +18628,7 @@
           </p:nvPr>
         </p:nvPicPr>
         <p:blipFill>
-          <a:blip r:embed="rId2">
+          <a:blip r:embed="rId3">
             <a:extLst>
               <a:ext uri="{28A0092B-C50C-407E-A947-70E740481C1C}">
                 <a14:useLocalDpi xmlns:a14="http://schemas.microsoft.com/office/drawing/2010/main" val="0"/>
@@ -16344,10 +18656,17 @@
   <p:clrMapOvr>
     <a:masterClrMapping/>
   </p:clrMapOvr>
+  <p:timing>
+    <p:tnLst>
+      <p:par>
+        <p:cTn id="1" dur="indefinite" restart="never" nodeType="tmRoot"/>
+      </p:par>
+    </p:tnLst>
+  </p:timing>
 </p:sld>
 </file>
 
-<file path=ppt/slides/slide48.xml><?xml version="1.0" encoding="utf-8"?>
+<file path=ppt/slides/slide45.xml><?xml version="1.0" encoding="utf-8"?>
 <p:sld xmlns:a="http://schemas.openxmlformats.org/drawingml/2006/main" xmlns:r="http://schemas.openxmlformats.org/officeDocument/2006/relationships" xmlns:p="http://schemas.openxmlformats.org/presentationml/2006/main">
   <p:cSld>
     <p:spTree>
@@ -16399,7 +18718,9 @@
         </p:nvSpPr>
         <p:spPr/>
         <p:txBody>
-          <a:bodyPr/>
+          <a:bodyPr>
+            <a:normAutofit lnSpcReduction="10000"/>
+          </a:bodyPr>
           <a:lstStyle/>
           <a:p>
             <a:r>
@@ -16409,22 +18730,41 @@
           </a:p>
           <a:p>
             <a:r>
-              <a:rPr lang="en-US" dirty="0" smtClean="0"/>
-              <a:t>Approximate NDV is O(N) instead of O(N*LOG(N))</a:t>
-            </a:r>
-          </a:p>
-          <a:p>
-            <a:r>
-              <a:rPr lang="en-US" dirty="0" smtClean="0"/>
+              <a:rPr lang="en-US" dirty="0"/>
               <a:t>Cardinality vital, but estimate good enough</a:t>
             </a:r>
           </a:p>
           <a:p>
             <a:r>
               <a:rPr lang="en-US" dirty="0" smtClean="0"/>
-              <a:t>Always use default for ESTIMATE_PERCENT</a:t>
-            </a:r>
-            <a:endParaRPr lang="en-US" dirty="0"/>
+              <a:t>Approximate </a:t>
+            </a:r>
+            <a:r>
+              <a:rPr lang="en-US" dirty="0" smtClean="0"/>
+              <a:t>NDV is O(N) instead of O(N*LOG(N</a:t>
+            </a:r>
+            <a:r>
+              <a:rPr lang="en-US" dirty="0" smtClean="0"/>
+              <a:t>))</a:t>
+            </a:r>
+          </a:p>
+          <a:p>
+            <a:r>
+              <a:rPr lang="en-US" dirty="0"/>
+              <a:t>Always use default for </a:t>
+            </a:r>
+            <a:r>
+              <a:rPr lang="en-US" dirty="0" smtClean="0"/>
+              <a:t>ESTIMATE_PERCENT</a:t>
+            </a:r>
+            <a:endParaRPr lang="en-US" dirty="0" smtClean="0"/>
+          </a:p>
+          <a:p>
+            <a:r>
+              <a:rPr lang="en-US" dirty="0" smtClean="0"/>
+              <a:t>Incremental statistics - adding NDV, birthday</a:t>
+            </a:r>
+            <a:endParaRPr lang="en-US" dirty="0" smtClean="0"/>
           </a:p>
         </p:txBody>
       </p:sp>
@@ -16438,10 +18778,17 @@
   <p:clrMapOvr>
     <a:masterClrMapping/>
   </p:clrMapOvr>
+  <p:timing>
+    <p:tnLst>
+      <p:par>
+        <p:cTn id="1" dur="indefinite" restart="never" nodeType="tmRoot"/>
+      </p:par>
+    </p:tnLst>
+  </p:timing>
 </p:sld>
 </file>
 
-<file path=ppt/slides/slide49.xml><?xml version="1.0" encoding="utf-8"?>
+<file path=ppt/slides/slide46.xml><?xml version="1.0" encoding="utf-8"?>
 <p:sld xmlns:a="http://schemas.openxmlformats.org/drawingml/2006/main" xmlns:r="http://schemas.openxmlformats.org/officeDocument/2006/relationships" xmlns:p="http://schemas.openxmlformats.org/presentationml/2006/main">
   <p:cSld>
     <p:spTree>
@@ -16538,129 +18885,7 @@
 </p:sld>
 </file>
 
-<file path=ppt/slides/slide5.xml><?xml version="1.0" encoding="utf-8"?>
-<p:sld xmlns:a="http://schemas.openxmlformats.org/drawingml/2006/main" xmlns:r="http://schemas.openxmlformats.org/officeDocument/2006/relationships" xmlns:p="http://schemas.openxmlformats.org/presentationml/2006/main">
-  <p:cSld>
-    <p:spTree>
-      <p:nvGrpSpPr>
-        <p:cNvPr id="1" name=""/>
-        <p:cNvGrpSpPr/>
-        <p:nvPr/>
-      </p:nvGrpSpPr>
-      <p:grpSpPr>
-        <a:xfrm>
-          <a:off x="0" y="0"/>
-          <a:ext cx="0" cy="0"/>
-          <a:chOff x="0" y="0"/>
-          <a:chExt cx="0" cy="0"/>
-        </a:xfrm>
-      </p:grpSpPr>
-      <p:sp>
-        <p:nvSpPr>
-          <p:cNvPr id="2" name="Title 1"/>
-          <p:cNvSpPr>
-            <a:spLocks noGrp="1"/>
-          </p:cNvSpPr>
-          <p:nvPr>
-            <p:ph type="title"/>
-          </p:nvPr>
-        </p:nvSpPr>
-        <p:spPr/>
-        <p:txBody>
-          <a:bodyPr/>
-          <a:lstStyle/>
-          <a:p>
-            <a:r>
-              <a:rPr lang="en-US" dirty="0" smtClean="0"/>
-              <a:t>Tuning is Hard</a:t>
-            </a:r>
-            <a:endParaRPr lang="en-US" dirty="0"/>
-          </a:p>
-        </p:txBody>
-      </p:sp>
-      <p:sp>
-        <p:nvSpPr>
-          <p:cNvPr id="3" name="Content Placeholder 2"/>
-          <p:cNvSpPr>
-            <a:spLocks noGrp="1"/>
-          </p:cNvSpPr>
-          <p:nvPr>
-            <p:ph idx="1"/>
-          </p:nvPr>
-        </p:nvSpPr>
-        <p:spPr/>
-        <p:txBody>
-          <a:bodyPr>
-            <a:normAutofit fontScale="92500" lnSpcReduction="10000"/>
-          </a:bodyPr>
-          <a:lstStyle/>
-          <a:p>
-            <a:r>
-              <a:rPr lang="en-US" dirty="0" smtClean="0"/>
-              <a:t>Most tuning is based on business logic, dev process, advanced features, and styles</a:t>
-            </a:r>
-          </a:p>
-          <a:p>
-            <a:r>
-              <a:rPr lang="en-US" dirty="0" smtClean="0"/>
-              <a:t>Breadth-first approach </a:t>
-            </a:r>
-            <a:r>
-              <a:rPr lang="en-US" dirty="0" smtClean="0"/>
-              <a:t>needed</a:t>
-            </a:r>
-          </a:p>
-          <a:p>
-            <a:r>
-              <a:rPr lang="en-US" dirty="0" smtClean="0"/>
-              <a:t>Find first </a:t>
-            </a:r>
-            <a:r>
-              <a:rPr lang="en-US" i="1" dirty="0" smtClean="0"/>
-              <a:t>significant</a:t>
-            </a:r>
-            <a:r>
-              <a:rPr lang="en-US" dirty="0" smtClean="0"/>
-              <a:t> problem (measure, don't guess)</a:t>
-            </a:r>
-            <a:endParaRPr lang="en-US" dirty="0" smtClean="0"/>
-          </a:p>
-          <a:p>
-            <a:r>
-              <a:rPr lang="en-US" dirty="0" smtClean="0"/>
-              <a:t>Many tuning styles are necessary</a:t>
-            </a:r>
-          </a:p>
-          <a:p>
-            <a:r>
-              <a:rPr lang="en-US" dirty="0" smtClean="0"/>
-              <a:t>Algorithm analysis is foundational</a:t>
-            </a:r>
-            <a:endParaRPr lang="en-US" dirty="0"/>
-          </a:p>
-        </p:txBody>
-      </p:sp>
-    </p:spTree>
-    <p:extLst>
-      <p:ext uri="{BB962C8B-B14F-4D97-AF65-F5344CB8AC3E}">
-        <p14:creationId xmlns:p14="http://schemas.microsoft.com/office/powerpoint/2010/main" val="1469964481"/>
-      </p:ext>
-    </p:extLst>
-  </p:cSld>
-  <p:clrMapOvr>
-    <a:masterClrMapping/>
-  </p:clrMapOvr>
-  <p:timing>
-    <p:tnLst>
-      <p:par>
-        <p:cTn id="1" dur="indefinite" restart="never" nodeType="tmRoot"/>
-      </p:par>
-    </p:tnLst>
-  </p:timing>
-</p:sld>
-</file>
-
-<file path=ppt/slides/slide50.xml><?xml version="1.0" encoding="utf-8"?>
+<file path=ppt/slides/slide47.xml><?xml version="1.0" encoding="utf-8"?>
 <p:sld xmlns:a="http://schemas.openxmlformats.org/drawingml/2006/main" xmlns:r="http://schemas.openxmlformats.org/officeDocument/2006/relationships" xmlns:p="http://schemas.openxmlformats.org/presentationml/2006/main">
   <p:cSld>
     <p:spTree>
@@ -16899,7 +19124,7 @@
 </p:sld>
 </file>
 
-<file path=ppt/slides/slide51.xml><?xml version="1.0" encoding="utf-8"?>
+<file path=ppt/slides/slide48.xml><?xml version="1.0" encoding="utf-8"?>
 <p:sld xmlns:a="http://schemas.openxmlformats.org/drawingml/2006/main" xmlns:r="http://schemas.openxmlformats.org/officeDocument/2006/relationships" xmlns:p="http://schemas.openxmlformats.org/presentationml/2006/main">
   <p:cSld>
     <p:spTree>
@@ -16987,7 +19212,7 @@
 </p:sld>
 </file>
 
-<file path=ppt/slides/slide52.xml><?xml version="1.0" encoding="utf-8"?>
+<file path=ppt/slides/slide49.xml><?xml version="1.0" encoding="utf-8"?>
 <p:sld xmlns:a="http://schemas.openxmlformats.org/drawingml/2006/main" xmlns:r="http://schemas.openxmlformats.org/officeDocument/2006/relationships" xmlns:p="http://schemas.openxmlformats.org/presentationml/2006/main">
   <p:cSld>
     <p:spTree>
@@ -17084,7 +19309,129 @@
 </p:sld>
 </file>
 
-<file path=ppt/slides/slide53.xml><?xml version="1.0" encoding="utf-8"?>
+<file path=ppt/slides/slide5.xml><?xml version="1.0" encoding="utf-8"?>
+<p:sld xmlns:a="http://schemas.openxmlformats.org/drawingml/2006/main" xmlns:r="http://schemas.openxmlformats.org/officeDocument/2006/relationships" xmlns:p="http://schemas.openxmlformats.org/presentationml/2006/main">
+  <p:cSld>
+    <p:spTree>
+      <p:nvGrpSpPr>
+        <p:cNvPr id="1" name=""/>
+        <p:cNvGrpSpPr/>
+        <p:nvPr/>
+      </p:nvGrpSpPr>
+      <p:grpSpPr>
+        <a:xfrm>
+          <a:off x="0" y="0"/>
+          <a:ext cx="0" cy="0"/>
+          <a:chOff x="0" y="0"/>
+          <a:chExt cx="0" cy="0"/>
+        </a:xfrm>
+      </p:grpSpPr>
+      <p:sp>
+        <p:nvSpPr>
+          <p:cNvPr id="2" name="Title 1"/>
+          <p:cNvSpPr>
+            <a:spLocks noGrp="1"/>
+          </p:cNvSpPr>
+          <p:nvPr>
+            <p:ph type="title"/>
+          </p:nvPr>
+        </p:nvSpPr>
+        <p:spPr/>
+        <p:txBody>
+          <a:bodyPr/>
+          <a:lstStyle/>
+          <a:p>
+            <a:r>
+              <a:rPr lang="en-US" dirty="0" smtClean="0"/>
+              <a:t>Tuning is Hard</a:t>
+            </a:r>
+            <a:endParaRPr lang="en-US" dirty="0"/>
+          </a:p>
+        </p:txBody>
+      </p:sp>
+      <p:sp>
+        <p:nvSpPr>
+          <p:cNvPr id="3" name="Content Placeholder 2"/>
+          <p:cNvSpPr>
+            <a:spLocks noGrp="1"/>
+          </p:cNvSpPr>
+          <p:nvPr>
+            <p:ph idx="1"/>
+          </p:nvPr>
+        </p:nvSpPr>
+        <p:spPr/>
+        <p:txBody>
+          <a:bodyPr>
+            <a:normAutofit fontScale="92500" lnSpcReduction="10000"/>
+          </a:bodyPr>
+          <a:lstStyle/>
+          <a:p>
+            <a:r>
+              <a:rPr lang="en-US" dirty="0" smtClean="0"/>
+              <a:t>Most tuning is based on business logic, dev process, advanced features, and styles</a:t>
+            </a:r>
+          </a:p>
+          <a:p>
+            <a:r>
+              <a:rPr lang="en-US" dirty="0" smtClean="0"/>
+              <a:t>Breadth-first approach </a:t>
+            </a:r>
+            <a:r>
+              <a:rPr lang="en-US" dirty="0" smtClean="0"/>
+              <a:t>needed</a:t>
+            </a:r>
+          </a:p>
+          <a:p>
+            <a:r>
+              <a:rPr lang="en-US" dirty="0" smtClean="0"/>
+              <a:t>Find first </a:t>
+            </a:r>
+            <a:r>
+              <a:rPr lang="en-US" i="1" dirty="0" smtClean="0"/>
+              <a:t>significant</a:t>
+            </a:r>
+            <a:r>
+              <a:rPr lang="en-US" dirty="0" smtClean="0"/>
+              <a:t> problem (measure, don't guess)</a:t>
+            </a:r>
+            <a:endParaRPr lang="en-US" dirty="0" smtClean="0"/>
+          </a:p>
+          <a:p>
+            <a:r>
+              <a:rPr lang="en-US" dirty="0" smtClean="0"/>
+              <a:t>Many tuning styles are necessary</a:t>
+            </a:r>
+          </a:p>
+          <a:p>
+            <a:r>
+              <a:rPr lang="en-US" dirty="0" smtClean="0"/>
+              <a:t>Algorithm analysis is foundational</a:t>
+            </a:r>
+            <a:endParaRPr lang="en-US" dirty="0"/>
+          </a:p>
+        </p:txBody>
+      </p:sp>
+    </p:spTree>
+    <p:extLst>
+      <p:ext uri="{BB962C8B-B14F-4D97-AF65-F5344CB8AC3E}">
+        <p14:creationId xmlns:p14="http://schemas.microsoft.com/office/powerpoint/2010/main" val="1469964481"/>
+      </p:ext>
+    </p:extLst>
+  </p:cSld>
+  <p:clrMapOvr>
+    <a:masterClrMapping/>
+  </p:clrMapOvr>
+  <p:timing>
+    <p:tnLst>
+      <p:par>
+        <p:cTn id="1" dur="indefinite" restart="never" nodeType="tmRoot"/>
+      </p:par>
+    </p:tnLst>
+  </p:timing>
+</p:sld>
+</file>
+
+<file path=ppt/slides/slide50.xml><?xml version="1.0" encoding="utf-8"?>
 <p:sld xmlns:a="http://schemas.openxmlformats.org/drawingml/2006/main" xmlns:r="http://schemas.openxmlformats.org/officeDocument/2006/relationships" xmlns:p="http://schemas.openxmlformats.org/presentationml/2006/main">
   <p:cSld>
     <p:spTree>
@@ -17207,7 +19554,7 @@
 </p:sld>
 </file>
 
-<file path=ppt/slides/slide54.xml><?xml version="1.0" encoding="utf-8"?>
+<file path=ppt/slides/slide51.xml><?xml version="1.0" encoding="utf-8"?>
 <p:sld xmlns:a="http://schemas.openxmlformats.org/drawingml/2006/main" xmlns:r="http://schemas.openxmlformats.org/officeDocument/2006/relationships" xmlns:p="http://schemas.openxmlformats.org/presentationml/2006/main">
   <p:cSld>
     <p:spTree>
@@ -17478,7 +19825,7 @@
 </p:sld>
 </file>
 
-<file path=ppt/slides/slide55.xml><?xml version="1.0" encoding="utf-8"?>
+<file path=ppt/slides/slide52.xml><?xml version="1.0" encoding="utf-8"?>
 <p:sld xmlns:a="http://schemas.openxmlformats.org/drawingml/2006/main" xmlns:r="http://schemas.openxmlformats.org/officeDocument/2006/relationships" xmlns:p="http://schemas.openxmlformats.org/presentationml/2006/main">
   <p:cSld>
     <p:spTree>
@@ -17596,7 +19943,7 @@
 </p:sld>
 </file>
 
-<file path=ppt/slides/slide56.xml><?xml version="1.0" encoding="utf-8"?>
+<file path=ppt/slides/slide53.xml><?xml version="1.0" encoding="utf-8"?>
 <p:sld xmlns:a="http://schemas.openxmlformats.org/drawingml/2006/main" xmlns:r="http://schemas.openxmlformats.org/officeDocument/2006/relationships" xmlns:p="http://schemas.openxmlformats.org/presentationml/2006/main">
   <p:cSld>
     <p:spTree>
@@ -17699,7 +20046,7 @@
 </p:sld>
 </file>
 
-<file path=ppt/slides/slide57.xml><?xml version="1.0" encoding="utf-8"?>
+<file path=ppt/slides/slide54.xml><?xml version="1.0" encoding="utf-8"?>
 <p:sld xmlns:a="http://schemas.openxmlformats.org/drawingml/2006/main" xmlns:r="http://schemas.openxmlformats.org/officeDocument/2006/relationships" xmlns:p="http://schemas.openxmlformats.org/presentationml/2006/main">
   <p:cSld>
     <p:spTree>

--- a/examples/presentations/Practical Algorithm Analysis for Oracle Developers - Collaborate - 2019_281_Heller.pptx
+++ b/examples/presentations/Practical Algorithm Analysis for Oracle Developers - Collaborate - 2019_281_Heller.pptx
@@ -5759,13 +5759,8 @@
             </a:pPr>
             <a:r>
               <a:rPr lang="en-US" baseline="0" dirty="0" smtClean="0"/>
-              <a:t>A similar issue happens with gathering partition statistics.  Oracle has to gather statistics for each partition, and for the entire table.  The number don't simply add up.  For example, if the partitions include birthdays, we can't find the distinct number of birthdays by simply adding together the distinct count of each partition.  But Oracle's incremental statistics creates a faster way to add distinct estimates.  So we can gather statistics just once per-partition, and then simply add them to get the </a:t>
-            </a:r>
-            <a:r>
-              <a:rPr lang="en-US" baseline="0" smtClean="0"/>
-              <a:t>global statistics.</a:t>
-            </a:r>
-            <a:endParaRPr lang="en-US" baseline="0" dirty="0" smtClean="0"/>
+              <a:t>A similar issue happens with gathering partition statistics.  Oracle has to gather statistics for each partition, and for the entire table.  The number don't simply add up.  For example, if the partitions include birthdays, we can't find the distinct number of birthdays by simply adding together the distinct count of each partition.  But Oracle's incremental statistics creates a faster way to add distinct estimates.  So we can gather statistics just once per-partition, and then simply add them to get the global statistics.</a:t>
+            </a:r>
           </a:p>
         </p:txBody>
       </p:sp>
@@ -5849,6 +5844,14 @@
           <a:bodyPr/>
           <a:lstStyle/>
           <a:p>
+            <a:r>
+              <a:rPr lang="en-US" dirty="0" smtClean="0"/>
+              <a:t>* O(N^2) is getting ridiculously expensive.</a:t>
+            </a:r>
+            <a:r>
+              <a:rPr lang="en-US" baseline="0" dirty="0" smtClean="0"/>
+              <a:t>  We must be very careful whenever we're in this performance territory.</a:t>
+            </a:r>
             <a:endParaRPr lang="en-US" dirty="0"/>
           </a:p>
         </p:txBody>
@@ -5870,7 +5873,7 @@
           <a:p>
             <a:fld id="{5A6616C6-9DE0-4865-BC75-EB7C5EE0BF49}" type="slidenum">
               <a:rPr lang="en-US" smtClean="0"/>
-              <a:t>52</a:t>
+              <a:t>46</a:t>
             </a:fld>
             <a:endParaRPr lang="en-US"/>
           </a:p>
@@ -5879,7 +5882,528 @@
     </p:spTree>
     <p:extLst>
       <p:ext uri="{BB962C8B-B14F-4D97-AF65-F5344CB8AC3E}">
-        <p14:creationId xmlns:p14="http://schemas.microsoft.com/office/powerpoint/2010/main" val="2780744985"/>
+        <p14:creationId xmlns:p14="http://schemas.microsoft.com/office/powerpoint/2010/main" val="503299311"/>
+      </p:ext>
+    </p:extLst>
+  </p:cSld>
+  <p:clrMapOvr>
+    <a:masterClrMapping/>
+  </p:clrMapOvr>
+</p:notes>
+</file>
+
+<file path=ppt/notesSlides/notesSlide45.xml><?xml version="1.0" encoding="utf-8"?>
+<p:notes xmlns:a="http://schemas.openxmlformats.org/drawingml/2006/main" xmlns:r="http://schemas.openxmlformats.org/officeDocument/2006/relationships" xmlns:p="http://schemas.openxmlformats.org/presentationml/2006/main">
+  <p:cSld>
+    <p:spTree>
+      <p:nvGrpSpPr>
+        <p:cNvPr id="1" name=""/>
+        <p:cNvGrpSpPr/>
+        <p:nvPr/>
+      </p:nvGrpSpPr>
+      <p:grpSpPr>
+        <a:xfrm>
+          <a:off x="0" y="0"/>
+          <a:ext cx="0" cy="0"/>
+          <a:chOff x="0" y="0"/>
+          <a:chExt cx="0" cy="0"/>
+        </a:xfrm>
+      </p:grpSpPr>
+      <p:sp>
+        <p:nvSpPr>
+          <p:cNvPr id="2" name="Slide Image Placeholder 1"/>
+          <p:cNvSpPr>
+            <a:spLocks noGrp="1" noRot="1" noChangeAspect="1"/>
+          </p:cNvSpPr>
+          <p:nvPr>
+            <p:ph type="sldImg"/>
+          </p:nvPr>
+        </p:nvSpPr>
+        <p:spPr/>
+      </p:sp>
+      <p:sp>
+        <p:nvSpPr>
+          <p:cNvPr id="3" name="Notes Placeholder 2"/>
+          <p:cNvSpPr>
+            <a:spLocks noGrp="1"/>
+          </p:cNvSpPr>
+          <p:nvPr>
+            <p:ph type="body" idx="1"/>
+          </p:nvPr>
+        </p:nvSpPr>
+        <p:spPr/>
+        <p:txBody>
+          <a:bodyPr/>
+          <a:lstStyle/>
+          <a:p>
+            <a:pPr marL="171450" indent="-171450">
+              <a:buFont typeface="Arial" charset="0"/>
+              <a:buChar char="•"/>
+            </a:pPr>
+            <a:r>
+              <a:rPr lang="en-US" dirty="0" smtClean="0"/>
+              <a:t>Execution plans with</a:t>
+            </a:r>
+            <a:r>
+              <a:rPr lang="en-US" baseline="0" dirty="0" smtClean="0"/>
+              <a:t> NESTED LOOPs can be extremely slow if both of them are full table scans.  Comparing every row in one table with every row in another table is terrible for performance.</a:t>
+            </a:r>
+          </a:p>
+          <a:p>
+            <a:pPr marL="171450" indent="-171450">
+              <a:buFont typeface="Arial" charset="0"/>
+              <a:buChar char="•"/>
+            </a:pPr>
+            <a:r>
+              <a:rPr lang="en-US" baseline="0" dirty="0" smtClean="0"/>
+              <a:t>Using embedded FOR loops creates a nested loop.  This is why looping through cursors in cursors is a terrible idea.  The optimizer can re-write nested joins into an optimal plan.  Oracle cannot re-write across PL/SQL, and it's easy to create N^2 solutions if we build joins in PL/SQL.</a:t>
+            </a:r>
+          </a:p>
+          <a:p>
+            <a:pPr marL="171450" indent="-171450">
+              <a:buFont typeface="Arial" charset="0"/>
+              <a:buChar char="•"/>
+            </a:pPr>
+            <a:r>
+              <a:rPr lang="en-US" baseline="0" dirty="0" smtClean="0"/>
+              <a:t>The MODEL clause in powerful because it allows multidimensional arrays and procedural code in SQL.  But looping through a multidimensional array can easily be O(N^2).  The more nested loops, the worse the algorithm.  However, looping is not always evil.  I once built an O(N^4) MODEL clause, but it was still much faster than the equivalent procedural solution, because the query avoided context switching and was easily parallelized.</a:t>
+            </a:r>
+          </a:p>
+          <a:p>
+            <a:pPr marL="171450" indent="-171450">
+              <a:buFont typeface="Arial" charset="0"/>
+              <a:buChar char="•"/>
+            </a:pPr>
+            <a:r>
+              <a:rPr lang="en-US" baseline="0" dirty="0" smtClean="0"/>
+              <a:t>Oracle's parser is excellent and can compile code much faster than most languages.  However, in extreme cases, the parse time grows exponentially.  For example, using more than about 500 UNION ALLs in a single statement becomes extremely slow.  Remember our lesson from 1/N - we don't need to combine 500 rows-at-a-time, 100 is good enough.</a:t>
+            </a:r>
+            <a:endParaRPr lang="en-US" dirty="0"/>
+          </a:p>
+        </p:txBody>
+      </p:sp>
+      <p:sp>
+        <p:nvSpPr>
+          <p:cNvPr id="4" name="Slide Number Placeholder 3"/>
+          <p:cNvSpPr>
+            <a:spLocks noGrp="1"/>
+          </p:cNvSpPr>
+          <p:nvPr>
+            <p:ph type="sldNum" sz="quarter" idx="10"/>
+          </p:nvPr>
+        </p:nvSpPr>
+        <p:spPr/>
+        <p:txBody>
+          <a:bodyPr/>
+          <a:lstStyle/>
+          <a:p>
+            <a:fld id="{5A6616C6-9DE0-4865-BC75-EB7C5EE0BF49}" type="slidenum">
+              <a:rPr lang="en-US" smtClean="0"/>
+              <a:t>47</a:t>
+            </a:fld>
+            <a:endParaRPr lang="en-US"/>
+          </a:p>
+        </p:txBody>
+      </p:sp>
+    </p:spTree>
+    <p:extLst>
+      <p:ext uri="{BB962C8B-B14F-4D97-AF65-F5344CB8AC3E}">
+        <p14:creationId xmlns:p14="http://schemas.microsoft.com/office/powerpoint/2010/main" val="895895382"/>
+      </p:ext>
+    </p:extLst>
+  </p:cSld>
+  <p:clrMapOvr>
+    <a:masterClrMapping/>
+  </p:clrMapOvr>
+</p:notes>
+</file>
+
+<file path=ppt/notesSlides/notesSlide46.xml><?xml version="1.0" encoding="utf-8"?>
+<p:notes xmlns:a="http://schemas.openxmlformats.org/drawingml/2006/main" xmlns:r="http://schemas.openxmlformats.org/officeDocument/2006/relationships" xmlns:p="http://schemas.openxmlformats.org/presentationml/2006/main">
+  <p:cSld>
+    <p:spTree>
+      <p:nvGrpSpPr>
+        <p:cNvPr id="1" name=""/>
+        <p:cNvGrpSpPr/>
+        <p:nvPr/>
+      </p:nvGrpSpPr>
+      <p:grpSpPr>
+        <a:xfrm>
+          <a:off x="0" y="0"/>
+          <a:ext cx="0" cy="0"/>
+          <a:chOff x="0" y="0"/>
+          <a:chExt cx="0" cy="0"/>
+        </a:xfrm>
+      </p:grpSpPr>
+      <p:sp>
+        <p:nvSpPr>
+          <p:cNvPr id="2" name="Slide Image Placeholder 1"/>
+          <p:cNvSpPr>
+            <a:spLocks noGrp="1" noRot="1" noChangeAspect="1"/>
+          </p:cNvSpPr>
+          <p:nvPr>
+            <p:ph type="sldImg"/>
+          </p:nvPr>
+        </p:nvSpPr>
+        <p:spPr/>
+      </p:sp>
+      <p:sp>
+        <p:nvSpPr>
+          <p:cNvPr id="3" name="Notes Placeholder 2"/>
+          <p:cNvSpPr>
+            <a:spLocks noGrp="1"/>
+          </p:cNvSpPr>
+          <p:nvPr>
+            <p:ph type="body" idx="1"/>
+          </p:nvPr>
+        </p:nvSpPr>
+        <p:spPr/>
+        <p:txBody>
+          <a:bodyPr/>
+          <a:lstStyle/>
+          <a:p>
+            <a:r>
+              <a:rPr lang="en-US" dirty="0" smtClean="0"/>
+              <a:t>* Don't</a:t>
+            </a:r>
+            <a:r>
+              <a:rPr lang="en-US" baseline="0" dirty="0" smtClean="0"/>
+              <a:t> look at execution plans and always remove all NESTED LOOPs with full table scans, or all CROSS JOINs.  Sometimes those methods are the fastest.</a:t>
+            </a:r>
+            <a:endParaRPr lang="en-US" dirty="0"/>
+          </a:p>
+        </p:txBody>
+      </p:sp>
+      <p:sp>
+        <p:nvSpPr>
+          <p:cNvPr id="4" name="Slide Number Placeholder 3"/>
+          <p:cNvSpPr>
+            <a:spLocks noGrp="1"/>
+          </p:cNvSpPr>
+          <p:nvPr>
+            <p:ph type="sldNum" sz="quarter" idx="10"/>
+          </p:nvPr>
+        </p:nvSpPr>
+        <p:spPr/>
+        <p:txBody>
+          <a:bodyPr/>
+          <a:lstStyle/>
+          <a:p>
+            <a:fld id="{5A6616C6-9DE0-4865-BC75-EB7C5EE0BF49}" type="slidenum">
+              <a:rPr lang="en-US" smtClean="0"/>
+              <a:t>48</a:t>
+            </a:fld>
+            <a:endParaRPr lang="en-US"/>
+          </a:p>
+        </p:txBody>
+      </p:sp>
+    </p:spTree>
+    <p:extLst>
+      <p:ext uri="{BB962C8B-B14F-4D97-AF65-F5344CB8AC3E}">
+        <p14:creationId xmlns:p14="http://schemas.microsoft.com/office/powerpoint/2010/main" val="2596861656"/>
+      </p:ext>
+    </p:extLst>
+  </p:cSld>
+  <p:clrMapOvr>
+    <a:masterClrMapping/>
+  </p:clrMapOvr>
+</p:notes>
+</file>
+
+<file path=ppt/notesSlides/notesSlide47.xml><?xml version="1.0" encoding="utf-8"?>
+<p:notes xmlns:a="http://schemas.openxmlformats.org/drawingml/2006/main" xmlns:r="http://schemas.openxmlformats.org/officeDocument/2006/relationships" xmlns:p="http://schemas.openxmlformats.org/presentationml/2006/main">
+  <p:cSld>
+    <p:spTree>
+      <p:nvGrpSpPr>
+        <p:cNvPr id="1" name=""/>
+        <p:cNvGrpSpPr/>
+        <p:nvPr/>
+      </p:nvGrpSpPr>
+      <p:grpSpPr>
+        <a:xfrm>
+          <a:off x="0" y="0"/>
+          <a:ext cx="0" cy="0"/>
+          <a:chOff x="0" y="0"/>
+          <a:chExt cx="0" cy="0"/>
+        </a:xfrm>
+      </p:grpSpPr>
+      <p:sp>
+        <p:nvSpPr>
+          <p:cNvPr id="2" name="Slide Image Placeholder 1"/>
+          <p:cNvSpPr>
+            <a:spLocks noGrp="1" noRot="1" noChangeAspect="1"/>
+          </p:cNvSpPr>
+          <p:nvPr>
+            <p:ph type="sldImg"/>
+          </p:nvPr>
+        </p:nvSpPr>
+        <p:spPr/>
+      </p:sp>
+      <p:sp>
+        <p:nvSpPr>
+          <p:cNvPr id="3" name="Notes Placeholder 2"/>
+          <p:cNvSpPr>
+            <a:spLocks noGrp="1"/>
+          </p:cNvSpPr>
+          <p:nvPr>
+            <p:ph type="body" idx="1"/>
+          </p:nvPr>
+        </p:nvSpPr>
+        <p:spPr/>
+        <p:txBody>
+          <a:bodyPr/>
+          <a:lstStyle/>
+          <a:p>
+            <a:r>
+              <a:rPr lang="en-US" dirty="0" smtClean="0"/>
+              <a:t>Factorials</a:t>
+            </a:r>
+            <a:r>
+              <a:rPr lang="en-US" baseline="0" dirty="0" smtClean="0"/>
+              <a:t> are rare but happen more often than we might think.</a:t>
+            </a:r>
+            <a:endParaRPr lang="en-US" dirty="0"/>
+          </a:p>
+        </p:txBody>
+      </p:sp>
+      <p:sp>
+        <p:nvSpPr>
+          <p:cNvPr id="4" name="Slide Number Placeholder 3"/>
+          <p:cNvSpPr>
+            <a:spLocks noGrp="1"/>
+          </p:cNvSpPr>
+          <p:nvPr>
+            <p:ph type="sldNum" sz="quarter" idx="10"/>
+          </p:nvPr>
+        </p:nvSpPr>
+        <p:spPr/>
+        <p:txBody>
+          <a:bodyPr/>
+          <a:lstStyle/>
+          <a:p>
+            <a:fld id="{5A6616C6-9DE0-4865-BC75-EB7C5EE0BF49}" type="slidenum">
+              <a:rPr lang="en-US" smtClean="0"/>
+              <a:t>49</a:t>
+            </a:fld>
+            <a:endParaRPr lang="en-US"/>
+          </a:p>
+        </p:txBody>
+      </p:sp>
+    </p:spTree>
+    <p:extLst>
+      <p:ext uri="{BB962C8B-B14F-4D97-AF65-F5344CB8AC3E}">
+        <p14:creationId xmlns:p14="http://schemas.microsoft.com/office/powerpoint/2010/main" val="378462711"/>
+      </p:ext>
+    </p:extLst>
+  </p:cSld>
+  <p:clrMapOvr>
+    <a:masterClrMapping/>
+  </p:clrMapOvr>
+</p:notes>
+</file>
+
+<file path=ppt/notesSlides/notesSlide48.xml><?xml version="1.0" encoding="utf-8"?>
+<p:notes xmlns:a="http://schemas.openxmlformats.org/drawingml/2006/main" xmlns:r="http://schemas.openxmlformats.org/officeDocument/2006/relationships" xmlns:p="http://schemas.openxmlformats.org/presentationml/2006/main">
+  <p:cSld>
+    <p:spTree>
+      <p:nvGrpSpPr>
+        <p:cNvPr id="1" name=""/>
+        <p:cNvGrpSpPr/>
+        <p:nvPr/>
+      </p:nvGrpSpPr>
+      <p:grpSpPr>
+        <a:xfrm>
+          <a:off x="0" y="0"/>
+          <a:ext cx="0" cy="0"/>
+          <a:chOff x="0" y="0"/>
+          <a:chExt cx="0" cy="0"/>
+        </a:xfrm>
+      </p:grpSpPr>
+      <p:sp>
+        <p:nvSpPr>
+          <p:cNvPr id="2" name="Slide Image Placeholder 1"/>
+          <p:cNvSpPr>
+            <a:spLocks noGrp="1" noRot="1" noChangeAspect="1"/>
+          </p:cNvSpPr>
+          <p:nvPr>
+            <p:ph type="sldImg"/>
+          </p:nvPr>
+        </p:nvSpPr>
+        <p:spPr/>
+      </p:sp>
+      <p:sp>
+        <p:nvSpPr>
+          <p:cNvPr id="3" name="Notes Placeholder 2"/>
+          <p:cNvSpPr>
+            <a:spLocks noGrp="1"/>
+          </p:cNvSpPr>
+          <p:nvPr>
+            <p:ph type="body" idx="1"/>
+          </p:nvPr>
+        </p:nvSpPr>
+        <p:spPr/>
+        <p:txBody>
+          <a:bodyPr/>
+          <a:lstStyle/>
+          <a:p>
+            <a:pPr marL="171450" indent="-171450">
+              <a:buFont typeface="Arial" charset="0"/>
+              <a:buChar char="•"/>
+            </a:pPr>
+            <a:r>
+              <a:rPr lang="en-US" dirty="0" smtClean="0"/>
+              <a:t>In</a:t>
+            </a:r>
+            <a:r>
+              <a:rPr lang="en-US" baseline="0" dirty="0" smtClean="0"/>
+              <a:t> old versions of Oracle, when the Cost Based Optimizer was new, we did occasionally have to set a hidden parameter to limit the number of joins considered.  But I haven't had to do that for almost a decade now.  Modern versions are good enough to know when to stop looking at join orders.</a:t>
+            </a:r>
+          </a:p>
+          <a:p>
+            <a:pPr marL="171450" indent="-171450">
+              <a:buFont typeface="Arial" charset="0"/>
+              <a:buChar char="•"/>
+            </a:pPr>
+            <a:r>
+              <a:rPr lang="en-US" baseline="0" dirty="0" smtClean="0"/>
+              <a:t>A more realistic concern is with the code we create.  The scarcest resource is not processing power, memory, or disk space - it's developer attention.</a:t>
+            </a:r>
+            <a:endParaRPr lang="en-US" dirty="0"/>
+          </a:p>
+        </p:txBody>
+      </p:sp>
+      <p:sp>
+        <p:nvSpPr>
+          <p:cNvPr id="4" name="Slide Number Placeholder 3"/>
+          <p:cNvSpPr>
+            <a:spLocks noGrp="1"/>
+          </p:cNvSpPr>
+          <p:nvPr>
+            <p:ph type="sldNum" sz="quarter" idx="10"/>
+          </p:nvPr>
+        </p:nvSpPr>
+        <p:spPr/>
+        <p:txBody>
+          <a:bodyPr/>
+          <a:lstStyle/>
+          <a:p>
+            <a:fld id="{5A6616C6-9DE0-4865-BC75-EB7C5EE0BF49}" type="slidenum">
+              <a:rPr lang="en-US" smtClean="0"/>
+              <a:t>50</a:t>
+            </a:fld>
+            <a:endParaRPr lang="en-US"/>
+          </a:p>
+        </p:txBody>
+      </p:sp>
+    </p:spTree>
+    <p:extLst>
+      <p:ext uri="{BB962C8B-B14F-4D97-AF65-F5344CB8AC3E}">
+        <p14:creationId xmlns:p14="http://schemas.microsoft.com/office/powerpoint/2010/main" val="3851961606"/>
+      </p:ext>
+    </p:extLst>
+  </p:cSld>
+  <p:clrMapOvr>
+    <a:masterClrMapping/>
+  </p:clrMapOvr>
+</p:notes>
+</file>
+
+<file path=ppt/notesSlides/notesSlide49.xml><?xml version="1.0" encoding="utf-8"?>
+<p:notes xmlns:a="http://schemas.openxmlformats.org/drawingml/2006/main" xmlns:r="http://schemas.openxmlformats.org/officeDocument/2006/relationships" xmlns:p="http://schemas.openxmlformats.org/presentationml/2006/main">
+  <p:cSld>
+    <p:spTree>
+      <p:nvGrpSpPr>
+        <p:cNvPr id="1" name=""/>
+        <p:cNvGrpSpPr/>
+        <p:nvPr/>
+      </p:nvGrpSpPr>
+      <p:grpSpPr>
+        <a:xfrm>
+          <a:off x="0" y="0"/>
+          <a:ext cx="0" cy="0"/>
+          <a:chOff x="0" y="0"/>
+          <a:chExt cx="0" cy="0"/>
+        </a:xfrm>
+      </p:grpSpPr>
+      <p:sp>
+        <p:nvSpPr>
+          <p:cNvPr id="2" name="Slide Image Placeholder 1"/>
+          <p:cNvSpPr>
+            <a:spLocks noGrp="1" noRot="1" noChangeAspect="1"/>
+          </p:cNvSpPr>
+          <p:nvPr>
+            <p:ph type="sldImg"/>
+          </p:nvPr>
+        </p:nvSpPr>
+        <p:spPr/>
+      </p:sp>
+      <p:sp>
+        <p:nvSpPr>
+          <p:cNvPr id="3" name="Notes Placeholder 2"/>
+          <p:cNvSpPr>
+            <a:spLocks noGrp="1"/>
+          </p:cNvSpPr>
+          <p:nvPr>
+            <p:ph type="body" idx="1"/>
+          </p:nvPr>
+        </p:nvSpPr>
+        <p:spPr/>
+        <p:txBody>
+          <a:bodyPr/>
+          <a:lstStyle/>
+          <a:p>
+            <a:pPr marL="171450" indent="-171450">
+              <a:buFont typeface="Arial" charset="0"/>
+              <a:buChar char="•"/>
+            </a:pPr>
+            <a:r>
+              <a:rPr lang="en-US" dirty="0" smtClean="0"/>
+              <a:t>Good SQL programming is about creating small,</a:t>
+            </a:r>
+            <a:r>
+              <a:rPr lang="en-US" baseline="0" dirty="0" smtClean="0"/>
+              <a:t> understandable chunks of code, and then combining those chunks into new chunks, and repeating.</a:t>
+            </a:r>
+          </a:p>
+          <a:p>
+            <a:pPr marL="171450" indent="-171450">
+              <a:buFont typeface="Arial" charset="0"/>
+              <a:buChar char="•"/>
+            </a:pPr>
+            <a:r>
+              <a:rPr lang="en-US" baseline="0" dirty="0" smtClean="0"/>
+              <a:t>Even though the second example uses more characters, more keywords, and more joins, it is much simpler than the first.  Nobody can keep a 10-join query in memory.  Even a 5-join query is tough.  If we build our query 3-to-4 joins at a time, and then join the inline views, all the chunks of our code will be easy to understand.</a:t>
+            </a:r>
+          </a:p>
+        </p:txBody>
+      </p:sp>
+      <p:sp>
+        <p:nvSpPr>
+          <p:cNvPr id="4" name="Slide Number Placeholder 3"/>
+          <p:cNvSpPr>
+            <a:spLocks noGrp="1"/>
+          </p:cNvSpPr>
+          <p:nvPr>
+            <p:ph type="sldNum" sz="quarter" idx="10"/>
+          </p:nvPr>
+        </p:nvSpPr>
+        <p:spPr/>
+        <p:txBody>
+          <a:bodyPr/>
+          <a:lstStyle/>
+          <a:p>
+            <a:fld id="{5A6616C6-9DE0-4865-BC75-EB7C5EE0BF49}" type="slidenum">
+              <a:rPr lang="en-US" smtClean="0"/>
+              <a:t>51</a:t>
+            </a:fld>
+            <a:endParaRPr lang="en-US"/>
+          </a:p>
+        </p:txBody>
+      </p:sp>
+    </p:spTree>
+    <p:extLst>
+      <p:ext uri="{BB962C8B-B14F-4D97-AF65-F5344CB8AC3E}">
+        <p14:creationId xmlns:p14="http://schemas.microsoft.com/office/powerpoint/2010/main" val="435211315"/>
       </p:ext>
     </p:extLst>
   </p:cSld>
@@ -6003,6 +6527,362 @@
     <p:extLst>
       <p:ext uri="{BB962C8B-B14F-4D97-AF65-F5344CB8AC3E}">
         <p14:creationId xmlns:p14="http://schemas.microsoft.com/office/powerpoint/2010/main" val="4113047471"/>
+      </p:ext>
+    </p:extLst>
+  </p:cSld>
+  <p:clrMapOvr>
+    <a:masterClrMapping/>
+  </p:clrMapOvr>
+</p:notes>
+</file>
+
+<file path=ppt/notesSlides/notesSlide50.xml><?xml version="1.0" encoding="utf-8"?>
+<p:notes xmlns:a="http://schemas.openxmlformats.org/drawingml/2006/main" xmlns:r="http://schemas.openxmlformats.org/officeDocument/2006/relationships" xmlns:p="http://schemas.openxmlformats.org/presentationml/2006/main">
+  <p:cSld>
+    <p:spTree>
+      <p:nvGrpSpPr>
+        <p:cNvPr id="1" name=""/>
+        <p:cNvGrpSpPr/>
+        <p:nvPr/>
+      </p:nvGrpSpPr>
+      <p:grpSpPr>
+        <a:xfrm>
+          <a:off x="0" y="0"/>
+          <a:ext cx="0" cy="0"/>
+          <a:chOff x="0" y="0"/>
+          <a:chExt cx="0" cy="0"/>
+        </a:xfrm>
+      </p:grpSpPr>
+      <p:sp>
+        <p:nvSpPr>
+          <p:cNvPr id="2" name="Slide Image Placeholder 1"/>
+          <p:cNvSpPr>
+            <a:spLocks noGrp="1" noRot="1" noChangeAspect="1"/>
+          </p:cNvSpPr>
+          <p:nvPr>
+            <p:ph type="sldImg"/>
+          </p:nvPr>
+        </p:nvSpPr>
+        <p:spPr/>
+      </p:sp>
+      <p:sp>
+        <p:nvSpPr>
+          <p:cNvPr id="3" name="Notes Placeholder 2"/>
+          <p:cNvSpPr>
+            <a:spLocks noGrp="1"/>
+          </p:cNvSpPr>
+          <p:nvPr>
+            <p:ph type="body" idx="1"/>
+          </p:nvPr>
+        </p:nvSpPr>
+        <p:spPr/>
+        <p:txBody>
+          <a:bodyPr/>
+          <a:lstStyle/>
+          <a:p>
+            <a:pPr marL="171450" indent="-171450">
+              <a:buFont typeface="Arial" charset="0"/>
+              <a:buChar char="•"/>
+            </a:pPr>
+            <a:r>
+              <a:rPr lang="en-US" dirty="0" smtClean="0"/>
+              <a:t>The halting problem</a:t>
+            </a:r>
+            <a:r>
+              <a:rPr lang="en-US" baseline="0" dirty="0" smtClean="0"/>
+              <a:t> asks the question: can a program determine if another program will ever finish?  Before computers and programs were invented, Alan Turning proved that the answer is "no".  There will never be an algorithm that can always predict whether another algorithm will even finish.  Note that the optimizer job is even more complicated - it doesn't merely need to determine if a query will finish, it needs to determine how long different paths will take.  This is a problem that is impossible to solve in theory, but solvable by the optimizer in practice.</a:t>
+            </a:r>
+          </a:p>
+          <a:p>
+            <a:pPr marL="171450" indent="-171450">
+              <a:buFont typeface="Arial" charset="0"/>
+              <a:buChar char="•"/>
+            </a:pPr>
+            <a:r>
+              <a:rPr lang="en-US" baseline="0" dirty="0" smtClean="0"/>
+              <a:t>To make the optimizer's job even more complicated, it also has to optimize in a limited amount of time.  The optimizer must take it's own time into account.  There's no point in spending an hour to find the optimal solution to a 5-second query.  This behavior isn't just optimizing, it's satisficing.</a:t>
+            </a:r>
+          </a:p>
+          <a:p>
+            <a:pPr marL="171450" indent="-171450">
+              <a:buFont typeface="Arial" charset="0"/>
+              <a:buChar char="•"/>
+            </a:pPr>
+            <a:r>
+              <a:rPr lang="en-US" baseline="0" dirty="0" smtClean="0"/>
+              <a:t>It's important to understand that the optimizer has a tough job so we don't expect miracles.  We should expect *any* optimizer to make a few mistakes.  Don't throw out the system and think you can do it better yourself just because you find one slow query.</a:t>
+            </a:r>
+          </a:p>
+          <a:p>
+            <a:pPr marL="171450" indent="-171450">
+              <a:buFont typeface="Arial" charset="0"/>
+              <a:buChar char="•"/>
+            </a:pPr>
+            <a:r>
+              <a:rPr lang="en-US" baseline="0" dirty="0" smtClean="0"/>
+              <a:t>When I worked at a forecasting company the unofficial motto was "the forecast is always wrong".  We should never expect perfection, and we should not try to over-correct.  For example, a lot of people will see a query that's not using an index, and adjust the entire system with a parameter like OPTIMIZER_INDEX_COST_ADJ.  Changing that parameter is like always adding 10 degrees to the weather forecast because a single forecast was wrong by 10 degrees.  Adding 10 may help with one specific problem but it will not help on average.</a:t>
+            </a:r>
+          </a:p>
+          <a:p>
+            <a:pPr marL="171450" indent="-171450">
+              <a:buFont typeface="Arial" charset="0"/>
+              <a:buChar char="•"/>
+            </a:pPr>
+            <a:r>
+              <a:rPr lang="en-US" baseline="0" dirty="0" smtClean="0"/>
+              <a:t>In practice, this means that everyone needs to worry about statistics.  Neither developers nor DBAs can handle statistics all by themselves.  Statistics must be gathered manually after any process that changes a significant percent of the data.  And statistics must be gathered automatically by the system, to catch gradual growth and a few missed objects.  If the automatic statistics jobs are not working well, try using DBMS_STATS to set preferences before you roll your own.</a:t>
+            </a:r>
+            <a:endParaRPr lang="en-US" dirty="0"/>
+          </a:p>
+        </p:txBody>
+      </p:sp>
+      <p:sp>
+        <p:nvSpPr>
+          <p:cNvPr id="4" name="Slide Number Placeholder 3"/>
+          <p:cNvSpPr>
+            <a:spLocks noGrp="1"/>
+          </p:cNvSpPr>
+          <p:nvPr>
+            <p:ph type="sldNum" sz="quarter" idx="10"/>
+          </p:nvPr>
+        </p:nvSpPr>
+        <p:spPr/>
+        <p:txBody>
+          <a:bodyPr/>
+          <a:lstStyle/>
+          <a:p>
+            <a:fld id="{5A6616C6-9DE0-4865-BC75-EB7C5EE0BF49}" type="slidenum">
+              <a:rPr lang="en-US" smtClean="0"/>
+              <a:t>52</a:t>
+            </a:fld>
+            <a:endParaRPr lang="en-US"/>
+          </a:p>
+        </p:txBody>
+      </p:sp>
+    </p:spTree>
+    <p:extLst>
+      <p:ext uri="{BB962C8B-B14F-4D97-AF65-F5344CB8AC3E}">
+        <p14:creationId xmlns:p14="http://schemas.microsoft.com/office/powerpoint/2010/main" val="2780744985"/>
+      </p:ext>
+    </p:extLst>
+  </p:cSld>
+  <p:clrMapOvr>
+    <a:masterClrMapping/>
+  </p:clrMapOvr>
+</p:notes>
+</file>
+
+<file path=ppt/notesSlides/notesSlide51.xml><?xml version="1.0" encoding="utf-8"?>
+<p:notes xmlns:a="http://schemas.openxmlformats.org/drawingml/2006/main" xmlns:r="http://schemas.openxmlformats.org/officeDocument/2006/relationships" xmlns:p="http://schemas.openxmlformats.org/presentationml/2006/main">
+  <p:cSld>
+    <p:spTree>
+      <p:nvGrpSpPr>
+        <p:cNvPr id="1" name=""/>
+        <p:cNvGrpSpPr/>
+        <p:nvPr/>
+      </p:nvGrpSpPr>
+      <p:grpSpPr>
+        <a:xfrm>
+          <a:off x="0" y="0"/>
+          <a:ext cx="0" cy="0"/>
+          <a:chOff x="0" y="0"/>
+          <a:chExt cx="0" cy="0"/>
+        </a:xfrm>
+      </p:grpSpPr>
+      <p:sp>
+        <p:nvSpPr>
+          <p:cNvPr id="2" name="Slide Image Placeholder 1"/>
+          <p:cNvSpPr>
+            <a:spLocks noGrp="1" noRot="1" noChangeAspect="1"/>
+          </p:cNvSpPr>
+          <p:nvPr>
+            <p:ph type="sldImg"/>
+          </p:nvPr>
+        </p:nvSpPr>
+        <p:spPr/>
+      </p:sp>
+      <p:sp>
+        <p:nvSpPr>
+          <p:cNvPr id="3" name="Notes Placeholder 2"/>
+          <p:cNvSpPr>
+            <a:spLocks noGrp="1"/>
+          </p:cNvSpPr>
+          <p:nvPr>
+            <p:ph type="body" idx="1"/>
+          </p:nvPr>
+        </p:nvSpPr>
+        <p:spPr/>
+        <p:txBody>
+          <a:bodyPr/>
+          <a:lstStyle/>
+          <a:p>
+            <a:pPr marL="171450" indent="-171450">
+              <a:buFont typeface="Arial" charset="0"/>
+              <a:buChar char="•"/>
+            </a:pPr>
+            <a:r>
+              <a:rPr lang="en-US" dirty="0" smtClean="0"/>
+              <a:t>To understand how our SQL statements are executed we must understand the algorithms and data structures.  Each line</a:t>
+            </a:r>
+            <a:r>
+              <a:rPr lang="en-US" baseline="0" dirty="0" smtClean="0"/>
+              <a:t> of an execution plan is really a tiny program, with an algorithm (the operation) and a data structure (the object).</a:t>
+            </a:r>
+          </a:p>
+          <a:p>
+            <a:pPr marL="171450" indent="-171450">
+              <a:buFont typeface="Arial" charset="0"/>
+              <a:buChar char="•"/>
+            </a:pPr>
+            <a:r>
+              <a:rPr lang="en-US" baseline="0" dirty="0" smtClean="0"/>
+              <a:t>Algorithm analysis may be taught in computer science courses but it's available to any developer, and only requires high school math skills.</a:t>
+            </a:r>
+          </a:p>
+          <a:p>
+            <a:pPr marL="171450" indent="-171450">
+              <a:buFont typeface="Arial" charset="0"/>
+              <a:buChar char="•"/>
+            </a:pPr>
+            <a:r>
+              <a:rPr lang="en-US" baseline="0" dirty="0" smtClean="0"/>
+              <a:t>This presentation covered 9 functions that describe most Oracle operations.</a:t>
+            </a:r>
+          </a:p>
+          <a:p>
+            <a:pPr marL="171450" indent="-171450">
+              <a:buFont typeface="Arial" charset="0"/>
+              <a:buChar char="•"/>
+            </a:pPr>
+            <a:r>
+              <a:rPr lang="en-US" baseline="0" dirty="0" smtClean="0"/>
+              <a:t>In the real world most of our time will be spent worrying about constants.  In our day-to-day performance tuning, linear improvements are most common and usually good enough.  Those pesky constants we've been ignoring cannot always be ignored.</a:t>
+            </a:r>
+          </a:p>
+          <a:p>
+            <a:pPr marL="171450" indent="-171450">
+              <a:buFont typeface="Arial" charset="0"/>
+              <a:buChar char="•"/>
+            </a:pPr>
+            <a:r>
+              <a:rPr lang="en-US" baseline="0" dirty="0" smtClean="0"/>
+              <a:t>Our performance tuning toolkits need many different tools.  The most popular tools will be SQL tuning, cardinalities, execution plans, MOS, Google, etc.  But to truly understand performance problems it helps to know the algorithmic complexity.</a:t>
+            </a:r>
+            <a:endParaRPr lang="en-US" dirty="0"/>
+          </a:p>
+        </p:txBody>
+      </p:sp>
+      <p:sp>
+        <p:nvSpPr>
+          <p:cNvPr id="4" name="Slide Number Placeholder 3"/>
+          <p:cNvSpPr>
+            <a:spLocks noGrp="1"/>
+          </p:cNvSpPr>
+          <p:nvPr>
+            <p:ph type="sldNum" sz="quarter" idx="10"/>
+          </p:nvPr>
+        </p:nvSpPr>
+        <p:spPr/>
+        <p:txBody>
+          <a:bodyPr/>
+          <a:lstStyle/>
+          <a:p>
+            <a:fld id="{5A6616C6-9DE0-4865-BC75-EB7C5EE0BF49}" type="slidenum">
+              <a:rPr lang="en-US" smtClean="0"/>
+              <a:t>53</a:t>
+            </a:fld>
+            <a:endParaRPr lang="en-US"/>
+          </a:p>
+        </p:txBody>
+      </p:sp>
+    </p:spTree>
+    <p:extLst>
+      <p:ext uri="{BB962C8B-B14F-4D97-AF65-F5344CB8AC3E}">
+        <p14:creationId xmlns:p14="http://schemas.microsoft.com/office/powerpoint/2010/main" val="1740776602"/>
+      </p:ext>
+    </p:extLst>
+  </p:cSld>
+  <p:clrMapOvr>
+    <a:masterClrMapping/>
+  </p:clrMapOvr>
+</p:notes>
+</file>
+
+<file path=ppt/notesSlides/notesSlide52.xml><?xml version="1.0" encoding="utf-8"?>
+<p:notes xmlns:a="http://schemas.openxmlformats.org/drawingml/2006/main" xmlns:r="http://schemas.openxmlformats.org/officeDocument/2006/relationships" xmlns:p="http://schemas.openxmlformats.org/presentationml/2006/main">
+  <p:cSld>
+    <p:spTree>
+      <p:nvGrpSpPr>
+        <p:cNvPr id="1" name=""/>
+        <p:cNvGrpSpPr/>
+        <p:nvPr/>
+      </p:nvGrpSpPr>
+      <p:grpSpPr>
+        <a:xfrm>
+          <a:off x="0" y="0"/>
+          <a:ext cx="0" cy="0"/>
+          <a:chOff x="0" y="0"/>
+          <a:chExt cx="0" cy="0"/>
+        </a:xfrm>
+      </p:grpSpPr>
+      <p:sp>
+        <p:nvSpPr>
+          <p:cNvPr id="2" name="Slide Image Placeholder 1"/>
+          <p:cNvSpPr>
+            <a:spLocks noGrp="1" noRot="1" noChangeAspect="1"/>
+          </p:cNvSpPr>
+          <p:nvPr>
+            <p:ph type="sldImg"/>
+          </p:nvPr>
+        </p:nvSpPr>
+        <p:spPr/>
+      </p:sp>
+      <p:sp>
+        <p:nvSpPr>
+          <p:cNvPr id="3" name="Notes Placeholder 2"/>
+          <p:cNvSpPr>
+            <a:spLocks noGrp="1"/>
+          </p:cNvSpPr>
+          <p:nvPr>
+            <p:ph type="body" idx="1"/>
+          </p:nvPr>
+        </p:nvSpPr>
+        <p:spPr/>
+        <p:txBody>
+          <a:bodyPr/>
+          <a:lstStyle/>
+          <a:p>
+            <a:endParaRPr lang="en-US"/>
+          </a:p>
+        </p:txBody>
+      </p:sp>
+      <p:sp>
+        <p:nvSpPr>
+          <p:cNvPr id="4" name="Slide Number Placeholder 3"/>
+          <p:cNvSpPr>
+            <a:spLocks noGrp="1"/>
+          </p:cNvSpPr>
+          <p:nvPr>
+            <p:ph type="sldNum" sz="quarter" idx="10"/>
+          </p:nvPr>
+        </p:nvSpPr>
+        <p:spPr/>
+        <p:txBody>
+          <a:bodyPr/>
+          <a:lstStyle/>
+          <a:p>
+            <a:fld id="{5A6616C6-9DE0-4865-BC75-EB7C5EE0BF49}" type="slidenum">
+              <a:rPr lang="en-US" smtClean="0"/>
+              <a:t>54</a:t>
+            </a:fld>
+            <a:endParaRPr lang="en-US"/>
+          </a:p>
+        </p:txBody>
+      </p:sp>
+    </p:spTree>
+    <p:extLst>
+      <p:ext uri="{BB962C8B-B14F-4D97-AF65-F5344CB8AC3E}">
+        <p14:creationId xmlns:p14="http://schemas.microsoft.com/office/powerpoint/2010/main" val="3392862193"/>
       </p:ext>
     </p:extLst>
   </p:cSld>
@@ -18839,7 +19719,7 @@
           </p:nvPr>
         </p:nvPicPr>
         <p:blipFill>
-          <a:blip r:embed="rId2">
+          <a:blip r:embed="rId3">
             <a:extLst>
               <a:ext uri="{28A0092B-C50C-407E-A947-70E740481C1C}">
                 <a14:useLocalDpi xmlns:a14="http://schemas.microsoft.com/office/drawing/2010/main" val="0"/>
@@ -18938,110 +19818,118 @@
         <p:spPr/>
         <p:txBody>
           <a:bodyPr>
-            <a:normAutofit fontScale="77500" lnSpcReduction="20000"/>
+            <a:normAutofit fontScale="70000" lnSpcReduction="20000"/>
           </a:bodyPr>
           <a:lstStyle/>
           <a:p>
             <a:r>
               <a:rPr lang="en-US" dirty="0" smtClean="0"/>
-              <a:t>Nested loops</a:t>
+              <a:t>Nested </a:t>
+            </a:r>
+            <a:r>
+              <a:rPr lang="en-US" dirty="0" smtClean="0"/>
+              <a:t>loops:</a:t>
+            </a:r>
+            <a:r>
+              <a:rPr lang="en-US" dirty="0" smtClean="0"/>
+              <a:t/>
             </a:r>
             <a:br>
               <a:rPr lang="en-US" dirty="0" smtClean="0"/>
             </a:br>
             <a:r>
-              <a:rPr lang="en-US" sz="1700" i="1" dirty="0">
+              <a:rPr lang="en-US" sz="1900" i="1" dirty="0">
                 <a:latin typeface="Courier New" panose="02070309020205020404" pitchFamily="49" charset="0"/>
                 <a:cs typeface="Courier New" panose="02070309020205020404" pitchFamily="49" charset="0"/>
               </a:rPr>
               <a:t>------------------------------------</a:t>
             </a:r>
             <a:br>
-              <a:rPr lang="en-US" sz="1700" i="1" dirty="0">
+              <a:rPr lang="en-US" sz="1900" i="1" dirty="0">
                 <a:latin typeface="Courier New" panose="02070309020205020404" pitchFamily="49" charset="0"/>
                 <a:cs typeface="Courier New" panose="02070309020205020404" pitchFamily="49" charset="0"/>
               </a:rPr>
             </a:br>
             <a:r>
-              <a:rPr lang="en-US" sz="1700" i="1" dirty="0">
+              <a:rPr lang="en-US" sz="1900" i="1" dirty="0">
                 <a:latin typeface="Courier New" panose="02070309020205020404" pitchFamily="49" charset="0"/>
                 <a:cs typeface="Courier New" panose="02070309020205020404" pitchFamily="49" charset="0"/>
               </a:rPr>
               <a:t>| Id  | Operation          | Name  |</a:t>
             </a:r>
             <a:br>
-              <a:rPr lang="en-US" sz="1700" i="1" dirty="0">
+              <a:rPr lang="en-US" sz="1900" i="1" dirty="0">
                 <a:latin typeface="Courier New" panose="02070309020205020404" pitchFamily="49" charset="0"/>
                 <a:cs typeface="Courier New" panose="02070309020205020404" pitchFamily="49" charset="0"/>
               </a:rPr>
             </a:br>
             <a:r>
-              <a:rPr lang="en-US" sz="1700" i="1" dirty="0">
+              <a:rPr lang="en-US" sz="1900" i="1" dirty="0">
                 <a:latin typeface="Courier New" panose="02070309020205020404" pitchFamily="49" charset="0"/>
                 <a:cs typeface="Courier New" panose="02070309020205020404" pitchFamily="49" charset="0"/>
               </a:rPr>
               <a:t>------------------------------------</a:t>
             </a:r>
             <a:br>
-              <a:rPr lang="en-US" sz="1700" i="1" dirty="0">
+              <a:rPr lang="en-US" sz="1900" i="1" dirty="0">
                 <a:latin typeface="Courier New" panose="02070309020205020404" pitchFamily="49" charset="0"/>
                 <a:cs typeface="Courier New" panose="02070309020205020404" pitchFamily="49" charset="0"/>
               </a:rPr>
             </a:br>
             <a:r>
-              <a:rPr lang="en-US" sz="1700" i="1" dirty="0">
+              <a:rPr lang="en-US" sz="1900" i="1" dirty="0">
                 <a:latin typeface="Courier New" panose="02070309020205020404" pitchFamily="49" charset="0"/>
                 <a:cs typeface="Courier New" panose="02070309020205020404" pitchFamily="49" charset="0"/>
               </a:rPr>
               <a:t>|   0 | SELECT STATEMENT   |       |</a:t>
             </a:r>
             <a:br>
-              <a:rPr lang="en-US" sz="1700" i="1" dirty="0">
+              <a:rPr lang="en-US" sz="1900" i="1" dirty="0">
                 <a:latin typeface="Courier New" panose="02070309020205020404" pitchFamily="49" charset="0"/>
                 <a:cs typeface="Courier New" panose="02070309020205020404" pitchFamily="49" charset="0"/>
               </a:rPr>
             </a:br>
             <a:r>
-              <a:rPr lang="en-US" sz="1700" i="1" dirty="0">
+              <a:rPr lang="en-US" sz="1900" i="1" dirty="0">
                 <a:latin typeface="Courier New" panose="02070309020205020404" pitchFamily="49" charset="0"/>
                 <a:cs typeface="Courier New" panose="02070309020205020404" pitchFamily="49" charset="0"/>
               </a:rPr>
               <a:t>|   1 |  NESTED LOOPS      |       |</a:t>
             </a:r>
             <a:br>
-              <a:rPr lang="en-US" sz="1700" i="1" dirty="0">
+              <a:rPr lang="en-US" sz="1900" i="1" dirty="0">
                 <a:latin typeface="Courier New" panose="02070309020205020404" pitchFamily="49" charset="0"/>
                 <a:cs typeface="Courier New" panose="02070309020205020404" pitchFamily="49" charset="0"/>
               </a:rPr>
             </a:br>
             <a:r>
-              <a:rPr lang="en-US" sz="1700" i="1" dirty="0">
+              <a:rPr lang="en-US" sz="1900" i="1" dirty="0">
                 <a:latin typeface="Courier New" panose="02070309020205020404" pitchFamily="49" charset="0"/>
                 <a:cs typeface="Courier New" panose="02070309020205020404" pitchFamily="49" charset="0"/>
               </a:rPr>
               <a:t>|   2 |   TABLE ACCESS FULL| TEST1 |</a:t>
             </a:r>
             <a:br>
-              <a:rPr lang="en-US" sz="1700" i="1" dirty="0">
+              <a:rPr lang="en-US" sz="1900" i="1" dirty="0">
                 <a:latin typeface="Courier New" panose="02070309020205020404" pitchFamily="49" charset="0"/>
                 <a:cs typeface="Courier New" panose="02070309020205020404" pitchFamily="49" charset="0"/>
               </a:rPr>
             </a:br>
             <a:r>
-              <a:rPr lang="en-US" sz="1700" i="1" dirty="0">
+              <a:rPr lang="en-US" sz="1900" i="1" dirty="0">
                 <a:latin typeface="Courier New" panose="02070309020205020404" pitchFamily="49" charset="0"/>
                 <a:cs typeface="Courier New" panose="02070309020205020404" pitchFamily="49" charset="0"/>
               </a:rPr>
               <a:t>|   3 |   TABLE ACCESS FULL| TEST2 |</a:t>
             </a:r>
             <a:br>
-              <a:rPr lang="en-US" sz="1700" i="1" dirty="0">
+              <a:rPr lang="en-US" sz="1900" i="1" dirty="0">
                 <a:latin typeface="Courier New" panose="02070309020205020404" pitchFamily="49" charset="0"/>
                 <a:cs typeface="Courier New" panose="02070309020205020404" pitchFamily="49" charset="0"/>
               </a:rPr>
             </a:br>
             <a:r>
-              <a:rPr lang="en-US" sz="1700" i="1" dirty="0">
+              <a:rPr lang="en-US" sz="1900" i="1" dirty="0">
                 <a:latin typeface="Courier New" panose="02070309020205020404" pitchFamily="49" charset="0"/>
                 <a:cs typeface="Courier New" panose="02070309020205020404" pitchFamily="49" charset="0"/>
               </a:rPr>
@@ -19051,7 +19939,11 @@
           <a:p>
             <a:r>
               <a:rPr lang="en-US" dirty="0" smtClean="0"/>
-              <a:t>Pseudo-code:</a:t>
+              <a:t>Avoid home-made joins in PL/SQL:</a:t>
+            </a:r>
+            <a:r>
+              <a:rPr lang="en-US" dirty="0" smtClean="0"/>
+              <a:t/>
             </a:r>
             <a:br>
               <a:rPr lang="en-US" dirty="0" smtClean="0"/>
@@ -19074,27 +19966,31 @@
                 <a:latin typeface="Courier New" panose="02070309020205020404" pitchFamily="49" charset="0"/>
                 <a:cs typeface="Courier New" panose="02070309020205020404" pitchFamily="49" charset="0"/>
               </a:rPr>
-              <a:t>	FOR j in 1 .. TEST2.COUNT LOOP</a:t>
-            </a:r>
-            <a:br>
+              <a:t>	FOR j in 1 .. TEST2.COUNT </a:t>
+            </a:r>
+            <a:r>
               <a:rPr lang="en-US" dirty="0" smtClean="0">
                 <a:latin typeface="Courier New" panose="02070309020205020404" pitchFamily="49" charset="0"/>
                 <a:cs typeface="Courier New" panose="02070309020205020404" pitchFamily="49" charset="0"/>
               </a:rPr>
-            </a:br>
-            <a:r>
-              <a:rPr lang="en-US" dirty="0" smtClean="0"/>
-              <a:t>("i" and "j" are both inputs, let's call them "n")</a:t>
-            </a:r>
-          </a:p>
-          <a:p>
-            <a:r>
-              <a:rPr lang="en-US" dirty="0" smtClean="0"/>
-              <a:t>MODEL, parse time for 500+ UNION ALL</a:t>
-            </a:r>
-          </a:p>
-          <a:p>
-            <a:endParaRPr lang="en-US" dirty="0">
+              <a:t>LOOP</a:t>
+            </a:r>
+            <a:endParaRPr lang="en-US" dirty="0" smtClean="0"/>
+          </a:p>
+          <a:p>
+            <a:r>
+              <a:rPr lang="en-US" dirty="0" smtClean="0"/>
+              <a:t>MODEL clause</a:t>
+            </a:r>
+          </a:p>
+          <a:p>
+            <a:r>
+              <a:rPr lang="en-US" dirty="0" smtClean="0"/>
+              <a:t>parse time for 500+ UNION ALL</a:t>
+            </a:r>
+          </a:p>
+          <a:p>
+            <a:endParaRPr lang="en-US" dirty="0" smtClean="0">
               <a:latin typeface="Courier New" panose="02070309020205020404" pitchFamily="49" charset="0"/>
               <a:cs typeface="Courier New" panose="02070309020205020404" pitchFamily="49" charset="0"/>
             </a:endParaRPr>
@@ -19263,7 +20159,7 @@
           </p:nvPr>
         </p:nvPicPr>
         <p:blipFill>
-          <a:blip r:embed="rId2">
+          <a:blip r:embed="rId3">
             <a:extLst>
               <a:ext uri="{28A0092B-C50C-407E-A947-70E740481C1C}">
                 <a14:useLocalDpi xmlns:a14="http://schemas.microsoft.com/office/drawing/2010/main" val="0"/>
@@ -19483,12 +20379,22 @@
         </p:nvSpPr>
         <p:spPr/>
         <p:txBody>
-          <a:bodyPr/>
-          <a:lstStyle/>
-          <a:p>
-            <a:r>
-              <a:rPr lang="en-US" dirty="0" smtClean="0"/>
-              <a:t>N factorial.  3! = 3 * 2 * 1</a:t>
+          <a:bodyPr>
+            <a:normAutofit lnSpcReduction="10000"/>
+          </a:bodyPr>
+          <a:lstStyle/>
+          <a:p>
+            <a:r>
+              <a:rPr lang="en-US" dirty="0" smtClean="0"/>
+              <a:t>N </a:t>
+            </a:r>
+            <a:r>
+              <a:rPr lang="en-US" dirty="0" smtClean="0"/>
+              <a:t>factorial:  </a:t>
+            </a:r>
+            <a:r>
+              <a:rPr lang="en-US" dirty="0" smtClean="0"/>
+              <a:t>3! = 3 * 2 * 1</a:t>
             </a:r>
           </a:p>
           <a:p>
@@ -19528,7 +20434,15 @@
           <a:p>
             <a:r>
               <a:rPr lang="en-US" dirty="0" smtClean="0"/>
-              <a:t>Our memory when visualizing join order</a:t>
+              <a:t>Our </a:t>
+            </a:r>
+            <a:r>
+              <a:rPr lang="en-US" dirty="0" smtClean="0"/>
+              <a:t>memory/attention </a:t>
+            </a:r>
+            <a:r>
+              <a:rPr lang="en-US" dirty="0" smtClean="0"/>
+              <a:t>when visualizing join order</a:t>
             </a:r>
             <a:endParaRPr lang="en-US" dirty="0"/>
           </a:p>
@@ -20043,6 +20957,13 @@
   <p:clrMapOvr>
     <a:masterClrMapping/>
   </p:clrMapOvr>
+  <p:timing>
+    <p:tnLst>
+      <p:par>
+        <p:cTn id="1" dur="indefinite" restart="never" nodeType="tmRoot"/>
+      </p:par>
+    </p:tnLst>
+  </p:timing>
 </p:sld>
 </file>
 
@@ -20142,6 +21063,13 @@
   <p:clrMapOvr>
     <a:masterClrMapping/>
   </p:clrMapOvr>
+  <p:timing>
+    <p:tnLst>
+      <p:par>
+        <p:cTn id="1" dur="indefinite" restart="never" nodeType="tmRoot"/>
+      </p:par>
+    </p:tnLst>
+  </p:timing>
 </p:sld>
 </file>
 

--- a/examples/presentations/Practical Algorithm Analysis for Oracle Developers - Collaborate - 2019_281_Heller.pptx
+++ b/examples/presentations/Practical Algorithm Analysis for Oracle Developers - Collaborate - 2019_281_Heller.pptx
@@ -6852,7 +6852,7 @@
           <a:bodyPr/>
           <a:lstStyle/>
           <a:p>
-            <a:endParaRPr lang="en-US"/>
+            <a:endParaRPr lang="en-US" dirty="0"/>
           </a:p>
         </p:txBody>
       </p:sp>
@@ -14205,13 +14205,13 @@
         <p:spPr/>
         <p:txBody>
           <a:bodyPr>
-            <a:normAutofit/>
+            <a:normAutofit fontScale="90000"/>
           </a:bodyPr>
           <a:lstStyle/>
           <a:p>
             <a:r>
               <a:rPr lang="en-US" dirty="0" smtClean="0"/>
-              <a:t>Large Batch Sizes Shouldn't Help</a:t>
+              <a:t>1/N - Large Batch Sizes Shouldn't Help</a:t>
             </a:r>
             <a:endParaRPr lang="en-US" dirty="0"/>
           </a:p>
@@ -15151,7 +15151,15 @@
             </a:r>
             <a:r>
               <a:rPr lang="en-US" dirty="0" smtClean="0"/>
-              <a:t>- partitioning, </a:t>
+              <a:t>- </a:t>
+            </a:r>
+            <a:r>
+              <a:rPr lang="en-US" dirty="0" smtClean="0"/>
+              <a:t>hash partitioning</a:t>
+            </a:r>
+            <a:r>
+              <a:rPr lang="en-US" dirty="0" smtClean="0"/>
+              <a:t>, </a:t>
             </a:r>
             <a:r>
               <a:rPr lang="en-US" dirty="0" smtClean="0"/>
@@ -16108,7 +16116,7 @@
         </p:blipFill>
         <p:spPr bwMode="auto">
           <a:xfrm>
-            <a:off x="689423" y="1200150"/>
+            <a:off x="609600" y="1200150"/>
             <a:ext cx="3574153" cy="3394075"/>
           </a:xfrm>
           <a:prstGeom prst="rect">
@@ -16151,7 +16159,7 @@
       </p:pic>
       <p:pic>
         <p:nvPicPr>
-          <p:cNvPr id="7171" name="Picture 3"/>
+          <p:cNvPr id="7172" name="Picture 4"/>
           <p:cNvPicPr>
             <a:picLocks noGrp="1" noChangeAspect="1" noChangeArrowheads="1"/>
           </p:cNvPicPr>
@@ -16174,8 +16182,8 @@
         </p:blipFill>
         <p:spPr bwMode="auto">
           <a:xfrm>
-            <a:off x="4648200" y="1295902"/>
-            <a:ext cx="4038600" cy="3202570"/>
+            <a:off x="4572000" y="1200150"/>
+            <a:ext cx="4266484" cy="3383280"/>
           </a:xfrm>
           <a:prstGeom prst="rect">
             <a:avLst/>
@@ -17166,7 +17174,7 @@
         <p:spPr/>
         <p:txBody>
           <a:bodyPr>
-            <a:normAutofit/>
+            <a:normAutofit fontScale="92500"/>
           </a:bodyPr>
           <a:lstStyle/>
           <a:p>
@@ -17178,8 +17186,19 @@
           <a:p>
             <a:r>
               <a:rPr lang="en-US" dirty="0" smtClean="0"/>
-              <a:t>No proofs or complicated math</a:t>
-            </a:r>
+              <a:t>No proofs or complicated </a:t>
+            </a:r>
+            <a:r>
+              <a:rPr lang="en-US" dirty="0" smtClean="0"/>
+              <a:t>math</a:t>
+            </a:r>
+          </a:p>
+          <a:p>
+            <a:r>
+              <a:rPr lang="en-US" dirty="0" smtClean="0"/>
+              <a:t>Many new concepts</a:t>
+            </a:r>
+            <a:endParaRPr lang="en-US" dirty="0" smtClean="0"/>
           </a:p>
           <a:p>
             <a:r>
@@ -20380,7 +20399,7 @@
         <p:spPr/>
         <p:txBody>
           <a:bodyPr>
-            <a:normAutofit lnSpcReduction="10000"/>
+            <a:normAutofit fontScale="92500" lnSpcReduction="20000"/>
           </a:bodyPr>
           <a:lstStyle/>
           <a:p>
@@ -20428,8 +20447,19 @@
           <a:p>
             <a:r>
               <a:rPr lang="en-US" dirty="0" smtClean="0"/>
-              <a:t>Optimizer when finding join order</a:t>
-            </a:r>
+              <a:t>Optimizer when finding join </a:t>
+            </a:r>
+            <a:r>
+              <a:rPr lang="en-US" dirty="0" smtClean="0"/>
+              <a:t>order</a:t>
+            </a:r>
+          </a:p>
+          <a:p>
+            <a:r>
+              <a:rPr lang="en-US" dirty="0" smtClean="0"/>
+              <a:t>Parsing Common Table Expressions</a:t>
+            </a:r>
+            <a:endParaRPr lang="en-US" dirty="0" smtClean="0"/>
           </a:p>
           <a:p>
             <a:r>
